--- a/reference/QCATC777-Survival-Curve.pptx
+++ b/reference/QCATC777-Survival-Curve.pptx
@@ -2334,7 +2334,7 @@
           <p:spPr>
             <a:xfrm>
               <a:off x="1531823" y="983989"/>
-              <a:ext cx="4130307" cy="3185376"/>
+              <a:ext cx="3739707" cy="3185376"/>
             </a:xfrm>
             <a:prstGeom prst="rect">
               <a:avLst/>
@@ -2360,20 +2360,20 @@
           <p:spPr>
             <a:xfrm>
               <a:off x="1531823" y="4169365"/>
-              <a:ext cx="4130307" cy="0"/>
+              <a:ext cx="3739707" cy="0"/>
             </a:xfrm>
             <a:custGeom>
               <a:avLst/>
               <a:pathLst>
-                <a:path w="4130307" h="0">
+                <a:path w="3739707" h="0">
                   <a:moveTo>
                     <a:pt x="0" y="0"/>
                   </a:moveTo>
                   <a:lnTo>
-                    <a:pt x="4130307" y="0"/>
-                  </a:lnTo>
-                  <a:lnTo>
-                    <a:pt x="4130307" y="0"/>
+                    <a:pt x="3739707" y="0"/>
+                  </a:lnTo>
+                  <a:lnTo>
+                    <a:pt x="3739707" y="0"/>
                   </a:lnTo>
                 </a:path>
               </a:pathLst>
@@ -2403,20 +2403,20 @@
           <p:spPr>
             <a:xfrm>
               <a:off x="1531823" y="3879785"/>
-              <a:ext cx="4130307" cy="0"/>
+              <a:ext cx="3739707" cy="0"/>
             </a:xfrm>
             <a:custGeom>
               <a:avLst/>
               <a:pathLst>
-                <a:path w="4130307" h="0">
+                <a:path w="3739707" h="0">
                   <a:moveTo>
                     <a:pt x="0" y="0"/>
                   </a:moveTo>
                   <a:lnTo>
-                    <a:pt x="4130307" y="0"/>
-                  </a:lnTo>
-                  <a:lnTo>
-                    <a:pt x="4130307" y="0"/>
+                    <a:pt x="3739707" y="0"/>
+                  </a:lnTo>
+                  <a:lnTo>
+                    <a:pt x="3739707" y="0"/>
                   </a:lnTo>
                 </a:path>
               </a:pathLst>
@@ -2446,20 +2446,20 @@
           <p:spPr>
             <a:xfrm>
               <a:off x="1531823" y="3590206"/>
-              <a:ext cx="4130307" cy="0"/>
+              <a:ext cx="3739707" cy="0"/>
             </a:xfrm>
             <a:custGeom>
               <a:avLst/>
               <a:pathLst>
-                <a:path w="4130307" h="0">
+                <a:path w="3739707" h="0">
                   <a:moveTo>
                     <a:pt x="0" y="0"/>
                   </a:moveTo>
                   <a:lnTo>
-                    <a:pt x="4130307" y="0"/>
-                  </a:lnTo>
-                  <a:lnTo>
-                    <a:pt x="4130307" y="0"/>
+                    <a:pt x="3739707" y="0"/>
+                  </a:lnTo>
+                  <a:lnTo>
+                    <a:pt x="3739707" y="0"/>
                   </a:lnTo>
                 </a:path>
               </a:pathLst>
@@ -2489,20 +2489,20 @@
           <p:spPr>
             <a:xfrm>
               <a:off x="1531823" y="3300626"/>
-              <a:ext cx="4130307" cy="0"/>
+              <a:ext cx="3739707" cy="0"/>
             </a:xfrm>
             <a:custGeom>
               <a:avLst/>
               <a:pathLst>
-                <a:path w="4130307" h="0">
+                <a:path w="3739707" h="0">
                   <a:moveTo>
                     <a:pt x="0" y="0"/>
                   </a:moveTo>
                   <a:lnTo>
-                    <a:pt x="4130307" y="0"/>
-                  </a:lnTo>
-                  <a:lnTo>
-                    <a:pt x="4130307" y="0"/>
+                    <a:pt x="3739707" y="0"/>
+                  </a:lnTo>
+                  <a:lnTo>
+                    <a:pt x="3739707" y="0"/>
                   </a:lnTo>
                 </a:path>
               </a:pathLst>
@@ -2532,20 +2532,20 @@
           <p:spPr>
             <a:xfrm>
               <a:off x="1531823" y="3011046"/>
-              <a:ext cx="4130307" cy="0"/>
+              <a:ext cx="3739707" cy="0"/>
             </a:xfrm>
             <a:custGeom>
               <a:avLst/>
               <a:pathLst>
-                <a:path w="4130307" h="0">
+                <a:path w="3739707" h="0">
                   <a:moveTo>
                     <a:pt x="0" y="0"/>
                   </a:moveTo>
                   <a:lnTo>
-                    <a:pt x="4130307" y="0"/>
-                  </a:lnTo>
-                  <a:lnTo>
-                    <a:pt x="4130307" y="0"/>
+                    <a:pt x="3739707" y="0"/>
+                  </a:lnTo>
+                  <a:lnTo>
+                    <a:pt x="3739707" y="0"/>
                   </a:lnTo>
                 </a:path>
               </a:pathLst>
@@ -2575,20 +2575,20 @@
           <p:spPr>
             <a:xfrm>
               <a:off x="1531823" y="2721467"/>
-              <a:ext cx="4130307" cy="0"/>
+              <a:ext cx="3739707" cy="0"/>
             </a:xfrm>
             <a:custGeom>
               <a:avLst/>
               <a:pathLst>
-                <a:path w="4130307" h="0">
+                <a:path w="3739707" h="0">
                   <a:moveTo>
                     <a:pt x="0" y="0"/>
                   </a:moveTo>
                   <a:lnTo>
-                    <a:pt x="4130307" y="0"/>
-                  </a:lnTo>
-                  <a:lnTo>
-                    <a:pt x="4130307" y="0"/>
+                    <a:pt x="3739707" y="0"/>
+                  </a:lnTo>
+                  <a:lnTo>
+                    <a:pt x="3739707" y="0"/>
                   </a:lnTo>
                 </a:path>
               </a:pathLst>
@@ -2618,20 +2618,20 @@
           <p:spPr>
             <a:xfrm>
               <a:off x="1531823" y="2431887"/>
-              <a:ext cx="4130307" cy="0"/>
+              <a:ext cx="3739707" cy="0"/>
             </a:xfrm>
             <a:custGeom>
               <a:avLst/>
               <a:pathLst>
-                <a:path w="4130307" h="0">
+                <a:path w="3739707" h="0">
                   <a:moveTo>
                     <a:pt x="0" y="0"/>
                   </a:moveTo>
                   <a:lnTo>
-                    <a:pt x="4130307" y="0"/>
-                  </a:lnTo>
-                  <a:lnTo>
-                    <a:pt x="4130307" y="0"/>
+                    <a:pt x="3739707" y="0"/>
+                  </a:lnTo>
+                  <a:lnTo>
+                    <a:pt x="3739707" y="0"/>
                   </a:lnTo>
                 </a:path>
               </a:pathLst>
@@ -2661,20 +2661,20 @@
           <p:spPr>
             <a:xfrm>
               <a:off x="1531823" y="2142307"/>
-              <a:ext cx="4130307" cy="0"/>
+              <a:ext cx="3739707" cy="0"/>
             </a:xfrm>
             <a:custGeom>
               <a:avLst/>
               <a:pathLst>
-                <a:path w="4130307" h="0">
+                <a:path w="3739707" h="0">
                   <a:moveTo>
                     <a:pt x="0" y="0"/>
                   </a:moveTo>
                   <a:lnTo>
-                    <a:pt x="4130307" y="0"/>
-                  </a:lnTo>
-                  <a:lnTo>
-                    <a:pt x="4130307" y="0"/>
+                    <a:pt x="3739707" y="0"/>
+                  </a:lnTo>
+                  <a:lnTo>
+                    <a:pt x="3739707" y="0"/>
                   </a:lnTo>
                 </a:path>
               </a:pathLst>
@@ -2704,20 +2704,20 @@
           <p:spPr>
             <a:xfrm>
               <a:off x="1531823" y="1852728"/>
-              <a:ext cx="4130307" cy="0"/>
+              <a:ext cx="3739707" cy="0"/>
             </a:xfrm>
             <a:custGeom>
               <a:avLst/>
               <a:pathLst>
-                <a:path w="4130307" h="0">
+                <a:path w="3739707" h="0">
                   <a:moveTo>
                     <a:pt x="0" y="0"/>
                   </a:moveTo>
                   <a:lnTo>
-                    <a:pt x="4130307" y="0"/>
-                  </a:lnTo>
-                  <a:lnTo>
-                    <a:pt x="4130307" y="0"/>
+                    <a:pt x="3739707" y="0"/>
+                  </a:lnTo>
+                  <a:lnTo>
+                    <a:pt x="3739707" y="0"/>
                   </a:lnTo>
                 </a:path>
               </a:pathLst>
@@ -2747,20 +2747,20 @@
           <p:spPr>
             <a:xfrm>
               <a:off x="1531823" y="1563148"/>
-              <a:ext cx="4130307" cy="0"/>
+              <a:ext cx="3739707" cy="0"/>
             </a:xfrm>
             <a:custGeom>
               <a:avLst/>
               <a:pathLst>
-                <a:path w="4130307" h="0">
+                <a:path w="3739707" h="0">
                   <a:moveTo>
                     <a:pt x="0" y="0"/>
                   </a:moveTo>
                   <a:lnTo>
-                    <a:pt x="4130307" y="0"/>
-                  </a:lnTo>
-                  <a:lnTo>
-                    <a:pt x="4130307" y="0"/>
+                    <a:pt x="3739707" y="0"/>
+                  </a:lnTo>
+                  <a:lnTo>
+                    <a:pt x="3739707" y="0"/>
                   </a:lnTo>
                 </a:path>
               </a:pathLst>
@@ -2790,20 +2790,20 @@
           <p:spPr>
             <a:xfrm>
               <a:off x="1531823" y="1273568"/>
-              <a:ext cx="4130307" cy="0"/>
+              <a:ext cx="3739707" cy="0"/>
             </a:xfrm>
             <a:custGeom>
               <a:avLst/>
               <a:pathLst>
-                <a:path w="4130307" h="0">
+                <a:path w="3739707" h="0">
                   <a:moveTo>
                     <a:pt x="0" y="0"/>
                   </a:moveTo>
                   <a:lnTo>
-                    <a:pt x="4130307" y="0"/>
-                  </a:lnTo>
-                  <a:lnTo>
-                    <a:pt x="4130307" y="0"/>
+                    <a:pt x="3739707" y="0"/>
+                  </a:lnTo>
+                  <a:lnTo>
+                    <a:pt x="3739707" y="0"/>
                   </a:lnTo>
                 </a:path>
               </a:pathLst>
@@ -2833,20 +2833,20 @@
           <p:spPr>
             <a:xfrm>
               <a:off x="1531823" y="983989"/>
-              <a:ext cx="4130307" cy="0"/>
+              <a:ext cx="3739707" cy="0"/>
             </a:xfrm>
             <a:custGeom>
               <a:avLst/>
               <a:pathLst>
-                <a:path w="4130307" h="0">
+                <a:path w="3739707" h="0">
                   <a:moveTo>
                     <a:pt x="0" y="0"/>
                   </a:moveTo>
                   <a:lnTo>
-                    <a:pt x="4130307" y="0"/>
-                  </a:lnTo>
-                  <a:lnTo>
-                    <a:pt x="4130307" y="0"/>
+                    <a:pt x="3739707" y="0"/>
+                  </a:lnTo>
+                  <a:lnTo>
+                    <a:pt x="3739707" y="0"/>
                   </a:lnTo>
                 </a:path>
               </a:pathLst>
@@ -2875,7 +2875,7 @@
           </p:nvSpPr>
           <p:spPr>
             <a:xfrm>
-              <a:off x="1580497" y="983989"/>
+              <a:off x="1531823" y="983989"/>
               <a:ext cx="0" cy="3185376"/>
             </a:xfrm>
             <a:custGeom>
@@ -2918,7 +2918,7 @@
           </p:nvSpPr>
           <p:spPr>
             <a:xfrm>
-              <a:off x="1858632" y="983989"/>
+              <a:off x="1871796" y="983989"/>
               <a:ext cx="0" cy="3185376"/>
             </a:xfrm>
             <a:custGeom>
@@ -2961,7 +2961,7 @@
           </p:nvSpPr>
           <p:spPr>
             <a:xfrm>
-              <a:off x="2136767" y="983989"/>
+              <a:off x="2211770" y="983989"/>
               <a:ext cx="0" cy="3185376"/>
             </a:xfrm>
             <a:custGeom>
@@ -3004,7 +3004,7 @@
           </p:nvSpPr>
           <p:spPr>
             <a:xfrm>
-              <a:off x="2414902" y="983989"/>
+              <a:off x="2551743" y="983989"/>
               <a:ext cx="0" cy="3185376"/>
             </a:xfrm>
             <a:custGeom>
@@ -3047,7 +3047,7 @@
           </p:nvSpPr>
           <p:spPr>
             <a:xfrm>
-              <a:off x="2693037" y="983989"/>
+              <a:off x="2891717" y="983989"/>
               <a:ext cx="0" cy="3185376"/>
             </a:xfrm>
             <a:custGeom>
@@ -3090,7 +3090,7 @@
           </p:nvSpPr>
           <p:spPr>
             <a:xfrm>
-              <a:off x="2971173" y="983989"/>
+              <a:off x="3231690" y="983989"/>
               <a:ext cx="0" cy="3185376"/>
             </a:xfrm>
             <a:custGeom>
@@ -3133,7 +3133,7 @@
           </p:nvSpPr>
           <p:spPr>
             <a:xfrm>
-              <a:off x="3249308" y="983989"/>
+              <a:off x="3571663" y="983989"/>
               <a:ext cx="0" cy="3185376"/>
             </a:xfrm>
             <a:custGeom>
@@ -3176,7 +3176,7 @@
           </p:nvSpPr>
           <p:spPr>
             <a:xfrm>
-              <a:off x="3527443" y="983989"/>
+              <a:off x="3911637" y="983989"/>
               <a:ext cx="0" cy="3185376"/>
             </a:xfrm>
             <a:custGeom>
@@ -3219,7 +3219,7 @@
           </p:nvSpPr>
           <p:spPr>
             <a:xfrm>
-              <a:off x="3805578" y="983989"/>
+              <a:off x="4251610" y="983989"/>
               <a:ext cx="0" cy="3185376"/>
             </a:xfrm>
             <a:custGeom>
@@ -3262,7 +3262,7 @@
           </p:nvSpPr>
           <p:spPr>
             <a:xfrm>
-              <a:off x="4083714" y="983989"/>
+              <a:off x="4591584" y="983989"/>
               <a:ext cx="0" cy="3185376"/>
             </a:xfrm>
             <a:custGeom>
@@ -3305,7 +3305,7 @@
           </p:nvSpPr>
           <p:spPr>
             <a:xfrm>
-              <a:off x="4361849" y="983989"/>
+              <a:off x="4931557" y="983989"/>
               <a:ext cx="0" cy="3185376"/>
             </a:xfrm>
             <a:custGeom>
@@ -3348,7 +3348,7 @@
           </p:nvSpPr>
           <p:spPr>
             <a:xfrm>
-              <a:off x="4639984" y="983989"/>
+              <a:off x="5271530" y="983989"/>
               <a:ext cx="0" cy="3185376"/>
             </a:xfrm>
             <a:custGeom>
@@ -3391,193 +3391,21 @@
           </p:nvSpPr>
           <p:spPr>
             <a:xfrm>
-              <a:off x="4918119" y="983989"/>
-              <a:ext cx="0" cy="3185376"/>
+              <a:off x="1531823" y="4024575"/>
+              <a:ext cx="3739707" cy="0"/>
             </a:xfrm>
             <a:custGeom>
               <a:avLst/>
               <a:pathLst>
-                <a:path w="0" h="3185376">
+                <a:path w="3739707" h="0">
                   <a:moveTo>
-                    <a:pt x="0" y="3185376"/>
+                    <a:pt x="0" y="0"/>
                   </a:moveTo>
                   <a:lnTo>
-                    <a:pt x="0" y="0"/>
-                  </a:lnTo>
-                  <a:lnTo>
-                    <a:pt x="0" y="0"/>
-                  </a:lnTo>
-                </a:path>
-              </a:pathLst>
-            </a:custGeom>
-            <a:ln w="6775" cap="flat">
-              <a:solidFill>
-                <a:srgbClr val="FFFFFF">
-                  <a:alpha val="100000"/>
-                </a:srgbClr>
-              </a:solidFill>
-              <a:prstDash val="solid"/>
-              <a:round/>
-            </a:ln>
-          </p:spPr>
-          <p:txBody>
-            <a:bodyPr/>
-            <a:lstStyle/>
-            <a:p/>
-          </p:txBody>
-        </p:sp>
-        <p:sp>
-          <p:nvSpPr>
-            <p:cNvPr id="32" name="pl31"/>
-            <p:cNvSpPr/>
-            <p:nvPr/>
-          </p:nvSpPr>
-          <p:spPr>
-            <a:xfrm>
-              <a:off x="5196254" y="983989"/>
-              <a:ext cx="0" cy="3185376"/>
-            </a:xfrm>
-            <a:custGeom>
-              <a:avLst/>
-              <a:pathLst>
-                <a:path w="0" h="3185376">
-                  <a:moveTo>
-                    <a:pt x="0" y="3185376"/>
-                  </a:moveTo>
-                  <a:lnTo>
-                    <a:pt x="0" y="0"/>
-                  </a:lnTo>
-                  <a:lnTo>
-                    <a:pt x="0" y="0"/>
-                  </a:lnTo>
-                </a:path>
-              </a:pathLst>
-            </a:custGeom>
-            <a:ln w="6775" cap="flat">
-              <a:solidFill>
-                <a:srgbClr val="FFFFFF">
-                  <a:alpha val="100000"/>
-                </a:srgbClr>
-              </a:solidFill>
-              <a:prstDash val="solid"/>
-              <a:round/>
-            </a:ln>
-          </p:spPr>
-          <p:txBody>
-            <a:bodyPr/>
-            <a:lstStyle/>
-            <a:p/>
-          </p:txBody>
-        </p:sp>
-        <p:sp>
-          <p:nvSpPr>
-            <p:cNvPr id="33" name="pl32"/>
-            <p:cNvSpPr/>
-            <p:nvPr/>
-          </p:nvSpPr>
-          <p:spPr>
-            <a:xfrm>
-              <a:off x="5474390" y="983989"/>
-              <a:ext cx="0" cy="3185376"/>
-            </a:xfrm>
-            <a:custGeom>
-              <a:avLst/>
-              <a:pathLst>
-                <a:path w="0" h="3185376">
-                  <a:moveTo>
-                    <a:pt x="0" y="3185376"/>
-                  </a:moveTo>
-                  <a:lnTo>
-                    <a:pt x="0" y="0"/>
-                  </a:lnTo>
-                  <a:lnTo>
-                    <a:pt x="0" y="0"/>
-                  </a:lnTo>
-                </a:path>
-              </a:pathLst>
-            </a:custGeom>
-            <a:ln w="6775" cap="flat">
-              <a:solidFill>
-                <a:srgbClr val="FFFFFF">
-                  <a:alpha val="100000"/>
-                </a:srgbClr>
-              </a:solidFill>
-              <a:prstDash val="solid"/>
-              <a:round/>
-            </a:ln>
-          </p:spPr>
-          <p:txBody>
-            <a:bodyPr/>
-            <a:lstStyle/>
-            <a:p/>
-          </p:txBody>
-        </p:sp>
-        <p:sp>
-          <p:nvSpPr>
-            <p:cNvPr id="34" name="pl33"/>
-            <p:cNvSpPr/>
-            <p:nvPr/>
-          </p:nvSpPr>
-          <p:spPr>
-            <a:xfrm>
-              <a:off x="5613457" y="983989"/>
-              <a:ext cx="0" cy="3185376"/>
-            </a:xfrm>
-            <a:custGeom>
-              <a:avLst/>
-              <a:pathLst>
-                <a:path w="0" h="3185376">
-                  <a:moveTo>
-                    <a:pt x="0" y="3185376"/>
-                  </a:moveTo>
-                  <a:lnTo>
-                    <a:pt x="0" y="0"/>
-                  </a:lnTo>
-                  <a:lnTo>
-                    <a:pt x="0" y="0"/>
-                  </a:lnTo>
-                </a:path>
-              </a:pathLst>
-            </a:custGeom>
-            <a:ln w="6775" cap="flat">
-              <a:solidFill>
-                <a:srgbClr val="FFFFFF">
-                  <a:alpha val="100000"/>
-                </a:srgbClr>
-              </a:solidFill>
-              <a:prstDash val="solid"/>
-              <a:round/>
-            </a:ln>
-          </p:spPr>
-          <p:txBody>
-            <a:bodyPr/>
-            <a:lstStyle/>
-            <a:p/>
-          </p:txBody>
-        </p:sp>
-        <p:sp>
-          <p:nvSpPr>
-            <p:cNvPr id="35" name="pl34"/>
-            <p:cNvSpPr/>
-            <p:nvPr/>
-          </p:nvSpPr>
-          <p:spPr>
-            <a:xfrm>
-              <a:off x="1531823" y="4024575"/>
-              <a:ext cx="4130307" cy="0"/>
-            </a:xfrm>
-            <a:custGeom>
-              <a:avLst/>
-              <a:pathLst>
-                <a:path w="4130307" h="0">
-                  <a:moveTo>
-                    <a:pt x="0" y="0"/>
-                  </a:moveTo>
-                  <a:lnTo>
-                    <a:pt x="4130307" y="0"/>
-                  </a:lnTo>
-                  <a:lnTo>
-                    <a:pt x="4130307" y="0"/>
+                    <a:pt x="3739707" y="0"/>
+                  </a:lnTo>
+                  <a:lnTo>
+                    <a:pt x="3739707" y="0"/>
                   </a:lnTo>
                 </a:path>
               </a:pathLst>
@@ -3600,27 +3428,27 @@
         </p:sp>
         <p:sp>
           <p:nvSpPr>
-            <p:cNvPr id="36" name="pl35"/>
+            <p:cNvPr id="32" name="pl31"/>
             <p:cNvSpPr/>
             <p:nvPr/>
           </p:nvSpPr>
           <p:spPr>
             <a:xfrm>
               <a:off x="1531823" y="3734995"/>
-              <a:ext cx="4130307" cy="0"/>
+              <a:ext cx="3739707" cy="0"/>
             </a:xfrm>
             <a:custGeom>
               <a:avLst/>
               <a:pathLst>
-                <a:path w="4130307" h="0">
+                <a:path w="3739707" h="0">
                   <a:moveTo>
                     <a:pt x="0" y="0"/>
                   </a:moveTo>
                   <a:lnTo>
-                    <a:pt x="4130307" y="0"/>
-                  </a:lnTo>
-                  <a:lnTo>
-                    <a:pt x="4130307" y="0"/>
+                    <a:pt x="3739707" y="0"/>
+                  </a:lnTo>
+                  <a:lnTo>
+                    <a:pt x="3739707" y="0"/>
                   </a:lnTo>
                 </a:path>
               </a:pathLst>
@@ -3643,27 +3471,27 @@
         </p:sp>
         <p:sp>
           <p:nvSpPr>
-            <p:cNvPr id="37" name="pl36"/>
+            <p:cNvPr id="33" name="pl32"/>
             <p:cNvSpPr/>
             <p:nvPr/>
           </p:nvSpPr>
           <p:spPr>
             <a:xfrm>
               <a:off x="1531823" y="3445416"/>
-              <a:ext cx="4130307" cy="0"/>
+              <a:ext cx="3739707" cy="0"/>
             </a:xfrm>
             <a:custGeom>
               <a:avLst/>
               <a:pathLst>
-                <a:path w="4130307" h="0">
+                <a:path w="3739707" h="0">
                   <a:moveTo>
                     <a:pt x="0" y="0"/>
                   </a:moveTo>
                   <a:lnTo>
-                    <a:pt x="4130307" y="0"/>
-                  </a:lnTo>
-                  <a:lnTo>
-                    <a:pt x="4130307" y="0"/>
+                    <a:pt x="3739707" y="0"/>
+                  </a:lnTo>
+                  <a:lnTo>
+                    <a:pt x="3739707" y="0"/>
                   </a:lnTo>
                 </a:path>
               </a:pathLst>
@@ -3686,27 +3514,27 @@
         </p:sp>
         <p:sp>
           <p:nvSpPr>
-            <p:cNvPr id="38" name="pl37"/>
+            <p:cNvPr id="34" name="pl33"/>
             <p:cNvSpPr/>
             <p:nvPr/>
           </p:nvSpPr>
           <p:spPr>
             <a:xfrm>
               <a:off x="1531823" y="3155836"/>
-              <a:ext cx="4130307" cy="0"/>
+              <a:ext cx="3739707" cy="0"/>
             </a:xfrm>
             <a:custGeom>
               <a:avLst/>
               <a:pathLst>
-                <a:path w="4130307" h="0">
+                <a:path w="3739707" h="0">
                   <a:moveTo>
                     <a:pt x="0" y="0"/>
                   </a:moveTo>
                   <a:lnTo>
-                    <a:pt x="4130307" y="0"/>
-                  </a:lnTo>
-                  <a:lnTo>
-                    <a:pt x="4130307" y="0"/>
+                    <a:pt x="3739707" y="0"/>
+                  </a:lnTo>
+                  <a:lnTo>
+                    <a:pt x="3739707" y="0"/>
                   </a:lnTo>
                 </a:path>
               </a:pathLst>
@@ -3729,27 +3557,27 @@
         </p:sp>
         <p:sp>
           <p:nvSpPr>
-            <p:cNvPr id="39" name="pl38"/>
+            <p:cNvPr id="35" name="pl34"/>
             <p:cNvSpPr/>
             <p:nvPr/>
           </p:nvSpPr>
           <p:spPr>
             <a:xfrm>
               <a:off x="1531823" y="2866256"/>
-              <a:ext cx="4130307" cy="0"/>
+              <a:ext cx="3739707" cy="0"/>
             </a:xfrm>
             <a:custGeom>
               <a:avLst/>
               <a:pathLst>
-                <a:path w="4130307" h="0">
+                <a:path w="3739707" h="0">
                   <a:moveTo>
                     <a:pt x="0" y="0"/>
                   </a:moveTo>
                   <a:lnTo>
-                    <a:pt x="4130307" y="0"/>
-                  </a:lnTo>
-                  <a:lnTo>
-                    <a:pt x="4130307" y="0"/>
+                    <a:pt x="3739707" y="0"/>
+                  </a:lnTo>
+                  <a:lnTo>
+                    <a:pt x="3739707" y="0"/>
                   </a:lnTo>
                 </a:path>
               </a:pathLst>
@@ -3772,27 +3600,27 @@
         </p:sp>
         <p:sp>
           <p:nvSpPr>
-            <p:cNvPr id="40" name="pl39"/>
+            <p:cNvPr id="36" name="pl35"/>
             <p:cNvSpPr/>
             <p:nvPr/>
           </p:nvSpPr>
           <p:spPr>
             <a:xfrm>
               <a:off x="1531823" y="2576677"/>
-              <a:ext cx="4130307" cy="0"/>
+              <a:ext cx="3739707" cy="0"/>
             </a:xfrm>
             <a:custGeom>
               <a:avLst/>
               <a:pathLst>
-                <a:path w="4130307" h="0">
+                <a:path w="3739707" h="0">
                   <a:moveTo>
                     <a:pt x="0" y="0"/>
                   </a:moveTo>
                   <a:lnTo>
-                    <a:pt x="4130307" y="0"/>
-                  </a:lnTo>
-                  <a:lnTo>
-                    <a:pt x="4130307" y="0"/>
+                    <a:pt x="3739707" y="0"/>
+                  </a:lnTo>
+                  <a:lnTo>
+                    <a:pt x="3739707" y="0"/>
                   </a:lnTo>
                 </a:path>
               </a:pathLst>
@@ -3815,27 +3643,27 @@
         </p:sp>
         <p:sp>
           <p:nvSpPr>
-            <p:cNvPr id="41" name="pl40"/>
+            <p:cNvPr id="37" name="pl36"/>
             <p:cNvSpPr/>
             <p:nvPr/>
           </p:nvSpPr>
           <p:spPr>
             <a:xfrm>
               <a:off x="1531823" y="2287097"/>
-              <a:ext cx="4130307" cy="0"/>
+              <a:ext cx="3739707" cy="0"/>
             </a:xfrm>
             <a:custGeom>
               <a:avLst/>
               <a:pathLst>
-                <a:path w="4130307" h="0">
+                <a:path w="3739707" h="0">
                   <a:moveTo>
                     <a:pt x="0" y="0"/>
                   </a:moveTo>
                   <a:lnTo>
-                    <a:pt x="4130307" y="0"/>
-                  </a:lnTo>
-                  <a:lnTo>
-                    <a:pt x="4130307" y="0"/>
+                    <a:pt x="3739707" y="0"/>
+                  </a:lnTo>
+                  <a:lnTo>
+                    <a:pt x="3739707" y="0"/>
                   </a:lnTo>
                 </a:path>
               </a:pathLst>
@@ -3858,27 +3686,27 @@
         </p:sp>
         <p:sp>
           <p:nvSpPr>
-            <p:cNvPr id="42" name="pl41"/>
+            <p:cNvPr id="38" name="pl37"/>
             <p:cNvSpPr/>
             <p:nvPr/>
           </p:nvSpPr>
           <p:spPr>
             <a:xfrm>
               <a:off x="1531823" y="1997517"/>
-              <a:ext cx="4130307" cy="0"/>
+              <a:ext cx="3739707" cy="0"/>
             </a:xfrm>
             <a:custGeom>
               <a:avLst/>
               <a:pathLst>
-                <a:path w="4130307" h="0">
+                <a:path w="3739707" h="0">
                   <a:moveTo>
                     <a:pt x="0" y="0"/>
                   </a:moveTo>
                   <a:lnTo>
-                    <a:pt x="4130307" y="0"/>
-                  </a:lnTo>
-                  <a:lnTo>
-                    <a:pt x="4130307" y="0"/>
+                    <a:pt x="3739707" y="0"/>
+                  </a:lnTo>
+                  <a:lnTo>
+                    <a:pt x="3739707" y="0"/>
                   </a:lnTo>
                 </a:path>
               </a:pathLst>
@@ -3901,27 +3729,27 @@
         </p:sp>
         <p:sp>
           <p:nvSpPr>
-            <p:cNvPr id="43" name="pl42"/>
+            <p:cNvPr id="39" name="pl38"/>
             <p:cNvSpPr/>
             <p:nvPr/>
           </p:nvSpPr>
           <p:spPr>
             <a:xfrm>
               <a:off x="1531823" y="1707938"/>
-              <a:ext cx="4130307" cy="0"/>
+              <a:ext cx="3739707" cy="0"/>
             </a:xfrm>
             <a:custGeom>
               <a:avLst/>
               <a:pathLst>
-                <a:path w="4130307" h="0">
+                <a:path w="3739707" h="0">
                   <a:moveTo>
                     <a:pt x="0" y="0"/>
                   </a:moveTo>
                   <a:lnTo>
-                    <a:pt x="4130307" y="0"/>
-                  </a:lnTo>
-                  <a:lnTo>
-                    <a:pt x="4130307" y="0"/>
+                    <a:pt x="3739707" y="0"/>
+                  </a:lnTo>
+                  <a:lnTo>
+                    <a:pt x="3739707" y="0"/>
                   </a:lnTo>
                 </a:path>
               </a:pathLst>
@@ -3944,27 +3772,27 @@
         </p:sp>
         <p:sp>
           <p:nvSpPr>
-            <p:cNvPr id="44" name="pl43"/>
+            <p:cNvPr id="40" name="pl39"/>
             <p:cNvSpPr/>
             <p:nvPr/>
           </p:nvSpPr>
           <p:spPr>
             <a:xfrm>
               <a:off x="1531823" y="1418358"/>
-              <a:ext cx="4130307" cy="0"/>
+              <a:ext cx="3739707" cy="0"/>
             </a:xfrm>
             <a:custGeom>
               <a:avLst/>
               <a:pathLst>
-                <a:path w="4130307" h="0">
+                <a:path w="3739707" h="0">
                   <a:moveTo>
                     <a:pt x="0" y="0"/>
                   </a:moveTo>
                   <a:lnTo>
-                    <a:pt x="4130307" y="0"/>
-                  </a:lnTo>
-                  <a:lnTo>
-                    <a:pt x="4130307" y="0"/>
+                    <a:pt x="3739707" y="0"/>
+                  </a:lnTo>
+                  <a:lnTo>
+                    <a:pt x="3739707" y="0"/>
                   </a:lnTo>
                 </a:path>
               </a:pathLst>
@@ -3987,27 +3815,27 @@
         </p:sp>
         <p:sp>
           <p:nvSpPr>
-            <p:cNvPr id="45" name="pl44"/>
+            <p:cNvPr id="41" name="pl40"/>
             <p:cNvSpPr/>
             <p:nvPr/>
           </p:nvSpPr>
           <p:spPr>
             <a:xfrm>
               <a:off x="1531823" y="1128778"/>
-              <a:ext cx="4130307" cy="0"/>
+              <a:ext cx="3739707" cy="0"/>
             </a:xfrm>
             <a:custGeom>
               <a:avLst/>
               <a:pathLst>
-                <a:path w="4130307" h="0">
+                <a:path w="3739707" h="0">
                   <a:moveTo>
                     <a:pt x="0" y="0"/>
                   </a:moveTo>
                   <a:lnTo>
-                    <a:pt x="4130307" y="0"/>
-                  </a:lnTo>
-                  <a:lnTo>
-                    <a:pt x="4130307" y="0"/>
+                    <a:pt x="3739707" y="0"/>
+                  </a:lnTo>
+                  <a:lnTo>
+                    <a:pt x="3739707" y="0"/>
                   </a:lnTo>
                 </a:path>
               </a:pathLst>
@@ -4030,13 +3858,13 @@
         </p:sp>
         <p:sp>
           <p:nvSpPr>
-            <p:cNvPr id="46" name="pl45"/>
-            <p:cNvSpPr/>
-            <p:nvPr/>
-          </p:nvSpPr>
-          <p:spPr>
-            <a:xfrm>
-              <a:off x="1719564" y="983989"/>
+            <p:cNvPr id="42" name="pl41"/>
+            <p:cNvSpPr/>
+            <p:nvPr/>
+          </p:nvSpPr>
+          <p:spPr>
+            <a:xfrm>
+              <a:off x="1701810" y="983989"/>
               <a:ext cx="0" cy="3185376"/>
             </a:xfrm>
             <a:custGeom>
@@ -4073,13 +3901,13 @@
         </p:sp>
         <p:sp>
           <p:nvSpPr>
-            <p:cNvPr id="47" name="pl46"/>
-            <p:cNvSpPr/>
-            <p:nvPr/>
-          </p:nvSpPr>
-          <p:spPr>
-            <a:xfrm>
-              <a:off x="1997699" y="983989"/>
+            <p:cNvPr id="43" name="pl42"/>
+            <p:cNvSpPr/>
+            <p:nvPr/>
+          </p:nvSpPr>
+          <p:spPr>
+            <a:xfrm>
+              <a:off x="2041783" y="983989"/>
               <a:ext cx="0" cy="3185376"/>
             </a:xfrm>
             <a:custGeom>
@@ -4116,13 +3944,13 @@
         </p:sp>
         <p:sp>
           <p:nvSpPr>
-            <p:cNvPr id="48" name="pl47"/>
-            <p:cNvSpPr/>
-            <p:nvPr/>
-          </p:nvSpPr>
-          <p:spPr>
-            <a:xfrm>
-              <a:off x="2275835" y="983989"/>
+            <p:cNvPr id="44" name="pl43"/>
+            <p:cNvSpPr/>
+            <p:nvPr/>
+          </p:nvSpPr>
+          <p:spPr>
+            <a:xfrm>
+              <a:off x="2381756" y="983989"/>
               <a:ext cx="0" cy="3185376"/>
             </a:xfrm>
             <a:custGeom>
@@ -4159,13 +3987,13 @@
         </p:sp>
         <p:sp>
           <p:nvSpPr>
-            <p:cNvPr id="49" name="pl48"/>
-            <p:cNvSpPr/>
-            <p:nvPr/>
-          </p:nvSpPr>
-          <p:spPr>
-            <a:xfrm>
-              <a:off x="2553970" y="983989"/>
+            <p:cNvPr id="45" name="pl44"/>
+            <p:cNvSpPr/>
+            <p:nvPr/>
+          </p:nvSpPr>
+          <p:spPr>
+            <a:xfrm>
+              <a:off x="2721730" y="983989"/>
               <a:ext cx="0" cy="3185376"/>
             </a:xfrm>
             <a:custGeom>
@@ -4202,13 +4030,13 @@
         </p:sp>
         <p:sp>
           <p:nvSpPr>
-            <p:cNvPr id="50" name="pl49"/>
-            <p:cNvSpPr/>
-            <p:nvPr/>
-          </p:nvSpPr>
-          <p:spPr>
-            <a:xfrm>
-              <a:off x="2832105" y="983989"/>
+            <p:cNvPr id="46" name="pl45"/>
+            <p:cNvSpPr/>
+            <p:nvPr/>
+          </p:nvSpPr>
+          <p:spPr>
+            <a:xfrm>
+              <a:off x="3061703" y="983989"/>
               <a:ext cx="0" cy="3185376"/>
             </a:xfrm>
             <a:custGeom>
@@ -4245,13 +4073,13 @@
         </p:sp>
         <p:sp>
           <p:nvSpPr>
-            <p:cNvPr id="51" name="pl50"/>
-            <p:cNvSpPr/>
-            <p:nvPr/>
-          </p:nvSpPr>
-          <p:spPr>
-            <a:xfrm>
-              <a:off x="3110240" y="983989"/>
+            <p:cNvPr id="47" name="pl46"/>
+            <p:cNvSpPr/>
+            <p:nvPr/>
+          </p:nvSpPr>
+          <p:spPr>
+            <a:xfrm>
+              <a:off x="3401677" y="983989"/>
               <a:ext cx="0" cy="3185376"/>
             </a:xfrm>
             <a:custGeom>
@@ -4288,13 +4116,13 @@
         </p:sp>
         <p:sp>
           <p:nvSpPr>
-            <p:cNvPr id="52" name="pl51"/>
-            <p:cNvSpPr/>
-            <p:nvPr/>
-          </p:nvSpPr>
-          <p:spPr>
-            <a:xfrm>
-              <a:off x="3388375" y="983989"/>
+            <p:cNvPr id="48" name="pl47"/>
+            <p:cNvSpPr/>
+            <p:nvPr/>
+          </p:nvSpPr>
+          <p:spPr>
+            <a:xfrm>
+              <a:off x="3741650" y="983989"/>
               <a:ext cx="0" cy="3185376"/>
             </a:xfrm>
             <a:custGeom>
@@ -4331,13 +4159,13 @@
         </p:sp>
         <p:sp>
           <p:nvSpPr>
-            <p:cNvPr id="53" name="pl52"/>
-            <p:cNvSpPr/>
-            <p:nvPr/>
-          </p:nvSpPr>
-          <p:spPr>
-            <a:xfrm>
-              <a:off x="3666511" y="983989"/>
+            <p:cNvPr id="49" name="pl48"/>
+            <p:cNvSpPr/>
+            <p:nvPr/>
+          </p:nvSpPr>
+          <p:spPr>
+            <a:xfrm>
+              <a:off x="4081624" y="983989"/>
               <a:ext cx="0" cy="3185376"/>
             </a:xfrm>
             <a:custGeom>
@@ -4374,13 +4202,13 @@
         </p:sp>
         <p:sp>
           <p:nvSpPr>
-            <p:cNvPr id="54" name="pl53"/>
-            <p:cNvSpPr/>
-            <p:nvPr/>
-          </p:nvSpPr>
-          <p:spPr>
-            <a:xfrm>
-              <a:off x="3944646" y="983989"/>
+            <p:cNvPr id="50" name="pl49"/>
+            <p:cNvSpPr/>
+            <p:nvPr/>
+          </p:nvSpPr>
+          <p:spPr>
+            <a:xfrm>
+              <a:off x="4421597" y="983989"/>
               <a:ext cx="0" cy="3185376"/>
             </a:xfrm>
             <a:custGeom>
@@ -4417,13 +4245,13 @@
         </p:sp>
         <p:sp>
           <p:nvSpPr>
-            <p:cNvPr id="55" name="pl54"/>
-            <p:cNvSpPr/>
-            <p:nvPr/>
-          </p:nvSpPr>
-          <p:spPr>
-            <a:xfrm>
-              <a:off x="4222781" y="983989"/>
+            <p:cNvPr id="51" name="pl50"/>
+            <p:cNvSpPr/>
+            <p:nvPr/>
+          </p:nvSpPr>
+          <p:spPr>
+            <a:xfrm>
+              <a:off x="4761570" y="983989"/>
               <a:ext cx="0" cy="3185376"/>
             </a:xfrm>
             <a:custGeom>
@@ -4460,13 +4288,13 @@
         </p:sp>
         <p:sp>
           <p:nvSpPr>
-            <p:cNvPr id="56" name="pl55"/>
-            <p:cNvSpPr/>
-            <p:nvPr/>
-          </p:nvSpPr>
-          <p:spPr>
-            <a:xfrm>
-              <a:off x="4500916" y="983989"/>
+            <p:cNvPr id="52" name="pl51"/>
+            <p:cNvSpPr/>
+            <p:nvPr/>
+          </p:nvSpPr>
+          <p:spPr>
+            <a:xfrm>
+              <a:off x="5101544" y="983989"/>
               <a:ext cx="0" cy="3185376"/>
             </a:xfrm>
             <a:custGeom>
@@ -4503,300 +4331,168 @@
         </p:sp>
         <p:sp>
           <p:nvSpPr>
-            <p:cNvPr id="57" name="pl56"/>
-            <p:cNvSpPr/>
-            <p:nvPr/>
-          </p:nvSpPr>
-          <p:spPr>
-            <a:xfrm>
-              <a:off x="4779052" y="983989"/>
-              <a:ext cx="0" cy="3185376"/>
+            <p:cNvPr id="53" name="pl52"/>
+            <p:cNvSpPr/>
+            <p:nvPr/>
+          </p:nvSpPr>
+          <p:spPr>
+            <a:xfrm>
+              <a:off x="1701810" y="1128778"/>
+              <a:ext cx="3569720" cy="1023181"/>
             </a:xfrm>
             <a:custGeom>
               <a:avLst/>
               <a:pathLst>
-                <a:path w="0" h="3185376">
+                <a:path w="3569720" h="1023181">
                   <a:moveTo>
-                    <a:pt x="0" y="3185376"/>
+                    <a:pt x="0" y="0"/>
                   </a:moveTo>
                   <a:lnTo>
-                    <a:pt x="0" y="0"/>
-                  </a:lnTo>
-                  <a:lnTo>
-                    <a:pt x="0" y="0"/>
-                  </a:lnTo>
-                </a:path>
-              </a:pathLst>
-            </a:custGeom>
-            <a:ln w="13550" cap="flat">
-              <a:solidFill>
-                <a:srgbClr val="FFFFFF">
-                  <a:alpha val="100000"/>
-                </a:srgbClr>
-              </a:solidFill>
-              <a:prstDash val="solid"/>
-              <a:round/>
-            </a:ln>
-          </p:spPr>
-          <p:txBody>
-            <a:bodyPr/>
-            <a:lstStyle/>
-            <a:p/>
-          </p:txBody>
-        </p:sp>
-        <p:sp>
-          <p:nvSpPr>
-            <p:cNvPr id="58" name="pl57"/>
-            <p:cNvSpPr/>
-            <p:nvPr/>
-          </p:nvSpPr>
-          <p:spPr>
-            <a:xfrm>
-              <a:off x="5057187" y="983989"/>
-              <a:ext cx="0" cy="3185376"/>
-            </a:xfrm>
-            <a:custGeom>
-              <a:avLst/>
-              <a:pathLst>
-                <a:path w="0" h="3185376">
-                  <a:moveTo>
-                    <a:pt x="0" y="3185376"/>
-                  </a:moveTo>
-                  <a:lnTo>
-                    <a:pt x="0" y="0"/>
-                  </a:lnTo>
-                  <a:lnTo>
-                    <a:pt x="0" y="0"/>
-                  </a:lnTo>
-                </a:path>
-              </a:pathLst>
-            </a:custGeom>
-            <a:ln w="13550" cap="flat">
-              <a:solidFill>
-                <a:srgbClr val="FFFFFF">
-                  <a:alpha val="100000"/>
-                </a:srgbClr>
-              </a:solidFill>
-              <a:prstDash val="solid"/>
-              <a:round/>
-            </a:ln>
-          </p:spPr>
-          <p:txBody>
-            <a:bodyPr/>
-            <a:lstStyle/>
-            <a:p/>
-          </p:txBody>
-        </p:sp>
-        <p:sp>
-          <p:nvSpPr>
-            <p:cNvPr id="59" name="pl58"/>
-            <p:cNvSpPr/>
-            <p:nvPr/>
-          </p:nvSpPr>
-          <p:spPr>
-            <a:xfrm>
-              <a:off x="5335322" y="983989"/>
-              <a:ext cx="0" cy="3185376"/>
-            </a:xfrm>
-            <a:custGeom>
-              <a:avLst/>
-              <a:pathLst>
-                <a:path w="0" h="3185376">
-                  <a:moveTo>
-                    <a:pt x="0" y="3185376"/>
-                  </a:moveTo>
-                  <a:lnTo>
-                    <a:pt x="0" y="0"/>
-                  </a:lnTo>
-                  <a:lnTo>
-                    <a:pt x="0" y="0"/>
-                  </a:lnTo>
-                </a:path>
-              </a:pathLst>
-            </a:custGeom>
-            <a:ln w="13550" cap="flat">
-              <a:solidFill>
-                <a:srgbClr val="FFFFFF">
-                  <a:alpha val="100000"/>
-                </a:srgbClr>
-              </a:solidFill>
-              <a:prstDash val="solid"/>
-              <a:round/>
-            </a:ln>
-          </p:spPr>
-          <p:txBody>
-            <a:bodyPr/>
-            <a:lstStyle/>
-            <a:p/>
-          </p:txBody>
-        </p:sp>
-        <p:sp>
-          <p:nvSpPr>
-            <p:cNvPr id="60" name="pl59"/>
-            <p:cNvSpPr/>
-            <p:nvPr/>
-          </p:nvSpPr>
-          <p:spPr>
-            <a:xfrm>
-              <a:off x="1719564" y="1128778"/>
-              <a:ext cx="3754825" cy="1032834"/>
-            </a:xfrm>
-            <a:custGeom>
-              <a:avLst/>
-              <a:pathLst>
-                <a:path w="3754825" h="1032834">
-                  <a:moveTo>
-                    <a:pt x="0" y="0"/>
-                  </a:moveTo>
-                  <a:lnTo>
-                    <a:pt x="1599277" y="0"/>
-                  </a:lnTo>
-                  <a:lnTo>
-                    <a:pt x="1599277" y="9652"/>
-                  </a:lnTo>
-                  <a:lnTo>
-                    <a:pt x="1807878" y="9652"/>
-                  </a:lnTo>
-                  <a:lnTo>
-                    <a:pt x="1807878" y="57915"/>
-                  </a:lnTo>
-                  <a:lnTo>
-                    <a:pt x="1877412" y="57915"/>
-                  </a:lnTo>
-                  <a:lnTo>
-                    <a:pt x="1877412" y="96526"/>
-                  </a:lnTo>
-                  <a:lnTo>
-                    <a:pt x="2016480" y="96526"/>
-                  </a:lnTo>
-                  <a:lnTo>
-                    <a:pt x="2016480" y="106179"/>
-                  </a:lnTo>
-                  <a:lnTo>
-                    <a:pt x="2086014" y="106179"/>
-                  </a:lnTo>
-                  <a:lnTo>
-                    <a:pt x="2086014" y="135137"/>
-                  </a:lnTo>
-                  <a:lnTo>
-                    <a:pt x="2155547" y="135137"/>
-                  </a:lnTo>
-                  <a:lnTo>
-                    <a:pt x="2155547" y="173747"/>
-                  </a:lnTo>
-                  <a:lnTo>
-                    <a:pt x="2225081" y="173747"/>
-                  </a:lnTo>
-                  <a:lnTo>
-                    <a:pt x="2225081" y="250969"/>
-                  </a:lnTo>
-                  <a:lnTo>
-                    <a:pt x="2294615" y="250969"/>
-                  </a:lnTo>
-                  <a:lnTo>
-                    <a:pt x="2294615" y="308884"/>
-                  </a:lnTo>
-                  <a:lnTo>
-                    <a:pt x="2364149" y="308884"/>
-                  </a:lnTo>
-                  <a:lnTo>
-                    <a:pt x="2364149" y="366800"/>
-                  </a:lnTo>
-                  <a:lnTo>
-                    <a:pt x="2433683" y="366800"/>
-                  </a:lnTo>
-                  <a:lnTo>
-                    <a:pt x="2433683" y="444022"/>
-                  </a:lnTo>
-                  <a:lnTo>
-                    <a:pt x="2503216" y="444022"/>
-                  </a:lnTo>
-                  <a:lnTo>
-                    <a:pt x="2503216" y="550201"/>
-                  </a:lnTo>
-                  <a:lnTo>
-                    <a:pt x="2572750" y="550201"/>
-                  </a:lnTo>
-                  <a:lnTo>
-                    <a:pt x="2572750" y="627422"/>
-                  </a:lnTo>
-                  <a:lnTo>
-                    <a:pt x="2642284" y="627422"/>
-                  </a:lnTo>
-                  <a:lnTo>
-                    <a:pt x="2642284" y="656380"/>
-                  </a:lnTo>
-                  <a:lnTo>
-                    <a:pt x="2711818" y="656380"/>
-                  </a:lnTo>
-                  <a:lnTo>
-                    <a:pt x="2711818" y="694991"/>
-                  </a:lnTo>
-                  <a:lnTo>
-                    <a:pt x="2781352" y="694991"/>
-                  </a:lnTo>
-                  <a:lnTo>
-                    <a:pt x="2781352" y="752907"/>
-                  </a:lnTo>
-                  <a:lnTo>
-                    <a:pt x="2850885" y="752907"/>
-                  </a:lnTo>
-                  <a:lnTo>
-                    <a:pt x="2850885" y="772212"/>
-                  </a:lnTo>
-                  <a:lnTo>
-                    <a:pt x="2989953" y="772212"/>
-                  </a:lnTo>
-                  <a:lnTo>
-                    <a:pt x="2989953" y="791517"/>
-                  </a:lnTo>
-                  <a:lnTo>
-                    <a:pt x="3059487" y="791517"/>
-                  </a:lnTo>
-                  <a:lnTo>
-                    <a:pt x="3059487" y="810823"/>
-                  </a:lnTo>
-                  <a:lnTo>
-                    <a:pt x="3129021" y="810823"/>
-                  </a:lnTo>
-                  <a:lnTo>
-                    <a:pt x="3129021" y="868738"/>
-                  </a:lnTo>
-                  <a:lnTo>
-                    <a:pt x="3198554" y="868738"/>
-                  </a:lnTo>
-                  <a:lnTo>
-                    <a:pt x="3198554" y="878391"/>
-                  </a:lnTo>
-                  <a:lnTo>
-                    <a:pt x="3268088" y="878391"/>
-                  </a:lnTo>
-                  <a:lnTo>
-                    <a:pt x="3268088" y="917002"/>
-                  </a:lnTo>
-                  <a:lnTo>
-                    <a:pt x="3337622" y="917002"/>
-                  </a:lnTo>
-                  <a:lnTo>
-                    <a:pt x="3337622" y="974918"/>
-                  </a:lnTo>
-                  <a:lnTo>
-                    <a:pt x="3407156" y="974918"/>
-                  </a:lnTo>
-                  <a:lnTo>
-                    <a:pt x="3407156" y="1003876"/>
-                  </a:lnTo>
-                  <a:lnTo>
-                    <a:pt x="3476690" y="1003876"/>
-                  </a:lnTo>
-                  <a:lnTo>
-                    <a:pt x="3476690" y="1023181"/>
-                  </a:lnTo>
-                  <a:lnTo>
-                    <a:pt x="3754825" y="1023181"/>
-                  </a:lnTo>
-                  <a:lnTo>
-                    <a:pt x="3754825" y="1032834"/>
+                    <a:pt x="1563877" y="0"/>
+                  </a:lnTo>
+                  <a:lnTo>
+                    <a:pt x="1563877" y="9652"/>
+                  </a:lnTo>
+                  <a:lnTo>
+                    <a:pt x="1767861" y="9652"/>
+                  </a:lnTo>
+                  <a:lnTo>
+                    <a:pt x="1767861" y="57915"/>
+                  </a:lnTo>
+                  <a:lnTo>
+                    <a:pt x="1835856" y="57915"/>
+                  </a:lnTo>
+                  <a:lnTo>
+                    <a:pt x="1835856" y="96526"/>
+                  </a:lnTo>
+                  <a:lnTo>
+                    <a:pt x="1971845" y="96526"/>
+                  </a:lnTo>
+                  <a:lnTo>
+                    <a:pt x="1971845" y="106179"/>
+                  </a:lnTo>
+                  <a:lnTo>
+                    <a:pt x="2039840" y="106179"/>
+                  </a:lnTo>
+                  <a:lnTo>
+                    <a:pt x="2039840" y="135137"/>
+                  </a:lnTo>
+                  <a:lnTo>
+                    <a:pt x="2107835" y="135137"/>
+                  </a:lnTo>
+                  <a:lnTo>
+                    <a:pt x="2107835" y="173747"/>
+                  </a:lnTo>
+                  <a:lnTo>
+                    <a:pt x="2175829" y="173747"/>
+                  </a:lnTo>
+                  <a:lnTo>
+                    <a:pt x="2175829" y="250969"/>
+                  </a:lnTo>
+                  <a:lnTo>
+                    <a:pt x="2243824" y="250969"/>
+                  </a:lnTo>
+                  <a:lnTo>
+                    <a:pt x="2243824" y="308884"/>
+                  </a:lnTo>
+                  <a:lnTo>
+                    <a:pt x="2311819" y="308884"/>
+                  </a:lnTo>
+                  <a:lnTo>
+                    <a:pt x="2311819" y="366800"/>
+                  </a:lnTo>
+                  <a:lnTo>
+                    <a:pt x="2379813" y="366800"/>
+                  </a:lnTo>
+                  <a:lnTo>
+                    <a:pt x="2379813" y="444022"/>
+                  </a:lnTo>
+                  <a:lnTo>
+                    <a:pt x="2447808" y="444022"/>
+                  </a:lnTo>
+                  <a:lnTo>
+                    <a:pt x="2447808" y="550201"/>
+                  </a:lnTo>
+                  <a:lnTo>
+                    <a:pt x="2515803" y="550201"/>
+                  </a:lnTo>
+                  <a:lnTo>
+                    <a:pt x="2515803" y="627422"/>
+                  </a:lnTo>
+                  <a:lnTo>
+                    <a:pt x="2583797" y="627422"/>
+                  </a:lnTo>
+                  <a:lnTo>
+                    <a:pt x="2583797" y="656380"/>
+                  </a:lnTo>
+                  <a:lnTo>
+                    <a:pt x="2651792" y="656380"/>
+                  </a:lnTo>
+                  <a:lnTo>
+                    <a:pt x="2651792" y="694991"/>
+                  </a:lnTo>
+                  <a:lnTo>
+                    <a:pt x="2719787" y="694991"/>
+                  </a:lnTo>
+                  <a:lnTo>
+                    <a:pt x="2719787" y="752907"/>
+                  </a:lnTo>
+                  <a:lnTo>
+                    <a:pt x="2787781" y="752907"/>
+                  </a:lnTo>
+                  <a:lnTo>
+                    <a:pt x="2787781" y="772212"/>
+                  </a:lnTo>
+                  <a:lnTo>
+                    <a:pt x="2923771" y="772212"/>
+                  </a:lnTo>
+                  <a:lnTo>
+                    <a:pt x="2923771" y="791517"/>
+                  </a:lnTo>
+                  <a:lnTo>
+                    <a:pt x="2991766" y="791517"/>
+                  </a:lnTo>
+                  <a:lnTo>
+                    <a:pt x="2991766" y="810823"/>
+                  </a:lnTo>
+                  <a:lnTo>
+                    <a:pt x="3059760" y="810823"/>
+                  </a:lnTo>
+                  <a:lnTo>
+                    <a:pt x="3059760" y="868738"/>
+                  </a:lnTo>
+                  <a:lnTo>
+                    <a:pt x="3127755" y="868738"/>
+                  </a:lnTo>
+                  <a:lnTo>
+                    <a:pt x="3127755" y="878391"/>
+                  </a:lnTo>
+                  <a:lnTo>
+                    <a:pt x="3195750" y="878391"/>
+                  </a:lnTo>
+                  <a:lnTo>
+                    <a:pt x="3195750" y="917002"/>
+                  </a:lnTo>
+                  <a:lnTo>
+                    <a:pt x="3263744" y="917002"/>
+                  </a:lnTo>
+                  <a:lnTo>
+                    <a:pt x="3263744" y="974918"/>
+                  </a:lnTo>
+                  <a:lnTo>
+                    <a:pt x="3331739" y="974918"/>
+                  </a:lnTo>
+                  <a:lnTo>
+                    <a:pt x="3331739" y="1003876"/>
+                  </a:lnTo>
+                  <a:lnTo>
+                    <a:pt x="3399734" y="1003876"/>
+                  </a:lnTo>
+                  <a:lnTo>
+                    <a:pt x="3399734" y="1023181"/>
+                  </a:lnTo>
+                  <a:lnTo>
+                    <a:pt x="3569720" y="1023181"/>
                   </a:lnTo>
                 </a:path>
               </a:pathLst>
@@ -4819,19 +4515,19 @@
         </p:sp>
         <p:sp>
           <p:nvSpPr>
-            <p:cNvPr id="61" name="pl60"/>
-            <p:cNvSpPr/>
-            <p:nvPr/>
-          </p:nvSpPr>
-          <p:spPr>
-            <a:xfrm>
-              <a:off x="1719564" y="1128778"/>
-              <a:ext cx="3754825" cy="1042486"/>
+            <p:cNvPr id="54" name="pl53"/>
+            <p:cNvSpPr/>
+            <p:nvPr/>
+          </p:nvSpPr>
+          <p:spPr>
+            <a:xfrm>
+              <a:off x="1701810" y="1128778"/>
+              <a:ext cx="3569720" cy="1042486"/>
             </a:xfrm>
             <a:custGeom>
               <a:avLst/>
               <a:pathLst>
-                <a:path w="3754825" h="1042486">
+                <a:path w="3569720" h="1042486">
                   <a:moveTo>
                     <a:pt x="0" y="0"/>
                   </a:moveTo>
@@ -4842,172 +4538,169 @@
                     <a:pt x="0" y="9652"/>
                   </a:lnTo>
                   <a:lnTo>
-                    <a:pt x="278135" y="9652"/>
-                  </a:lnTo>
-                  <a:lnTo>
-                    <a:pt x="278135" y="19305"/>
-                  </a:lnTo>
-                  <a:lnTo>
-                    <a:pt x="486736" y="19305"/>
-                  </a:lnTo>
-                  <a:lnTo>
-                    <a:pt x="486736" y="28957"/>
-                  </a:lnTo>
-                  <a:lnTo>
-                    <a:pt x="1321142" y="28957"/>
-                  </a:lnTo>
-                  <a:lnTo>
-                    <a:pt x="1321142" y="38610"/>
-                  </a:lnTo>
-                  <a:lnTo>
-                    <a:pt x="1390676" y="38610"/>
-                  </a:lnTo>
-                  <a:lnTo>
-                    <a:pt x="1390676" y="57915"/>
-                  </a:lnTo>
-                  <a:lnTo>
-                    <a:pt x="1460209" y="57915"/>
-                  </a:lnTo>
-                  <a:lnTo>
-                    <a:pt x="1460209" y="67568"/>
-                  </a:lnTo>
-                  <a:lnTo>
-                    <a:pt x="1529743" y="67568"/>
-                  </a:lnTo>
-                  <a:lnTo>
-                    <a:pt x="1529743" y="86873"/>
-                  </a:lnTo>
-                  <a:lnTo>
-                    <a:pt x="1668811" y="86873"/>
-                  </a:lnTo>
-                  <a:lnTo>
-                    <a:pt x="1668811" y="106179"/>
-                  </a:lnTo>
-                  <a:lnTo>
-                    <a:pt x="1738345" y="106179"/>
-                  </a:lnTo>
-                  <a:lnTo>
-                    <a:pt x="1738345" y="125484"/>
-                  </a:lnTo>
-                  <a:lnTo>
-                    <a:pt x="1807878" y="125484"/>
-                  </a:lnTo>
-                  <a:lnTo>
-                    <a:pt x="1807878" y="164095"/>
-                  </a:lnTo>
-                  <a:lnTo>
-                    <a:pt x="1877412" y="164095"/>
-                  </a:lnTo>
-                  <a:lnTo>
-                    <a:pt x="1877412" y="241316"/>
-                  </a:lnTo>
-                  <a:lnTo>
-                    <a:pt x="1946946" y="241316"/>
-                  </a:lnTo>
-                  <a:lnTo>
-                    <a:pt x="1946946" y="279927"/>
-                  </a:lnTo>
-                  <a:lnTo>
-                    <a:pt x="2016480" y="279927"/>
-                  </a:lnTo>
-                  <a:lnTo>
-                    <a:pt x="2016480" y="357148"/>
-                  </a:lnTo>
-                  <a:lnTo>
-                    <a:pt x="2086014" y="357148"/>
-                  </a:lnTo>
-                  <a:lnTo>
-                    <a:pt x="2086014" y="501938"/>
-                  </a:lnTo>
-                  <a:lnTo>
-                    <a:pt x="2155547" y="501938"/>
-                  </a:lnTo>
-                  <a:lnTo>
-                    <a:pt x="2155547" y="559854"/>
-                  </a:lnTo>
-                  <a:lnTo>
-                    <a:pt x="2225081" y="559854"/>
-                  </a:lnTo>
-                  <a:lnTo>
-                    <a:pt x="2225081" y="588811"/>
-                  </a:lnTo>
-                  <a:lnTo>
-                    <a:pt x="2294615" y="588811"/>
-                  </a:lnTo>
-                  <a:lnTo>
-                    <a:pt x="2294615" y="675685"/>
-                  </a:lnTo>
-                  <a:lnTo>
-                    <a:pt x="2364149" y="675685"/>
-                  </a:lnTo>
-                  <a:lnTo>
-                    <a:pt x="2364149" y="733601"/>
-                  </a:lnTo>
-                  <a:lnTo>
-                    <a:pt x="2433683" y="733601"/>
-                  </a:lnTo>
-                  <a:lnTo>
-                    <a:pt x="2433683" y="810823"/>
-                  </a:lnTo>
-                  <a:lnTo>
-                    <a:pt x="2503216" y="810823"/>
-                  </a:lnTo>
-                  <a:lnTo>
-                    <a:pt x="2503216" y="849433"/>
-                  </a:lnTo>
-                  <a:lnTo>
-                    <a:pt x="2572750" y="849433"/>
-                  </a:lnTo>
-                  <a:lnTo>
-                    <a:pt x="2572750" y="907349"/>
-                  </a:lnTo>
-                  <a:lnTo>
-                    <a:pt x="2642284" y="907349"/>
-                  </a:lnTo>
-                  <a:lnTo>
-                    <a:pt x="2642284" y="936307"/>
-                  </a:lnTo>
-                  <a:lnTo>
-                    <a:pt x="2781352" y="936307"/>
-                  </a:lnTo>
-                  <a:lnTo>
-                    <a:pt x="2781352" y="965265"/>
-                  </a:lnTo>
-                  <a:lnTo>
-                    <a:pt x="2850885" y="965265"/>
-                  </a:lnTo>
-                  <a:lnTo>
-                    <a:pt x="2850885" y="984570"/>
-                  </a:lnTo>
-                  <a:lnTo>
-                    <a:pt x="2920419" y="984570"/>
-                  </a:lnTo>
-                  <a:lnTo>
-                    <a:pt x="2920419" y="994223"/>
-                  </a:lnTo>
-                  <a:lnTo>
-                    <a:pt x="2989953" y="994223"/>
-                  </a:lnTo>
-                  <a:lnTo>
-                    <a:pt x="2989953" y="1023181"/>
-                  </a:lnTo>
-                  <a:lnTo>
-                    <a:pt x="3337622" y="1023181"/>
-                  </a:lnTo>
-                  <a:lnTo>
-                    <a:pt x="3337622" y="1032834"/>
-                  </a:lnTo>
-                  <a:lnTo>
-                    <a:pt x="3407156" y="1032834"/>
-                  </a:lnTo>
-                  <a:lnTo>
-                    <a:pt x="3407156" y="1042486"/>
-                  </a:lnTo>
-                  <a:lnTo>
-                    <a:pt x="3754825" y="1042486"/>
-                  </a:lnTo>
-                  <a:lnTo>
-                    <a:pt x="3754825" y="1042486"/>
+                    <a:pt x="271978" y="9652"/>
+                  </a:lnTo>
+                  <a:lnTo>
+                    <a:pt x="271978" y="19305"/>
+                  </a:lnTo>
+                  <a:lnTo>
+                    <a:pt x="475962" y="19305"/>
+                  </a:lnTo>
+                  <a:lnTo>
+                    <a:pt x="475962" y="28957"/>
+                  </a:lnTo>
+                  <a:lnTo>
+                    <a:pt x="1291898" y="28957"/>
+                  </a:lnTo>
+                  <a:lnTo>
+                    <a:pt x="1291898" y="38610"/>
+                  </a:lnTo>
+                  <a:lnTo>
+                    <a:pt x="1359893" y="38610"/>
+                  </a:lnTo>
+                  <a:lnTo>
+                    <a:pt x="1359893" y="57915"/>
+                  </a:lnTo>
+                  <a:lnTo>
+                    <a:pt x="1427888" y="57915"/>
+                  </a:lnTo>
+                  <a:lnTo>
+                    <a:pt x="1427888" y="67568"/>
+                  </a:lnTo>
+                  <a:lnTo>
+                    <a:pt x="1495883" y="67568"/>
+                  </a:lnTo>
+                  <a:lnTo>
+                    <a:pt x="1495883" y="86873"/>
+                  </a:lnTo>
+                  <a:lnTo>
+                    <a:pt x="1631872" y="86873"/>
+                  </a:lnTo>
+                  <a:lnTo>
+                    <a:pt x="1631872" y="106179"/>
+                  </a:lnTo>
+                  <a:lnTo>
+                    <a:pt x="1699867" y="106179"/>
+                  </a:lnTo>
+                  <a:lnTo>
+                    <a:pt x="1699867" y="125484"/>
+                  </a:lnTo>
+                  <a:lnTo>
+                    <a:pt x="1767861" y="125484"/>
+                  </a:lnTo>
+                  <a:lnTo>
+                    <a:pt x="1767861" y="164095"/>
+                  </a:lnTo>
+                  <a:lnTo>
+                    <a:pt x="1835856" y="164095"/>
+                  </a:lnTo>
+                  <a:lnTo>
+                    <a:pt x="1835856" y="241316"/>
+                  </a:lnTo>
+                  <a:lnTo>
+                    <a:pt x="1903851" y="241316"/>
+                  </a:lnTo>
+                  <a:lnTo>
+                    <a:pt x="1903851" y="279927"/>
+                  </a:lnTo>
+                  <a:lnTo>
+                    <a:pt x="1971845" y="279927"/>
+                  </a:lnTo>
+                  <a:lnTo>
+                    <a:pt x="1971845" y="357148"/>
+                  </a:lnTo>
+                  <a:lnTo>
+                    <a:pt x="2039840" y="357148"/>
+                  </a:lnTo>
+                  <a:lnTo>
+                    <a:pt x="2039840" y="501938"/>
+                  </a:lnTo>
+                  <a:lnTo>
+                    <a:pt x="2107835" y="501938"/>
+                  </a:lnTo>
+                  <a:lnTo>
+                    <a:pt x="2107835" y="559854"/>
+                  </a:lnTo>
+                  <a:lnTo>
+                    <a:pt x="2175829" y="559854"/>
+                  </a:lnTo>
+                  <a:lnTo>
+                    <a:pt x="2175829" y="588811"/>
+                  </a:lnTo>
+                  <a:lnTo>
+                    <a:pt x="2243824" y="588811"/>
+                  </a:lnTo>
+                  <a:lnTo>
+                    <a:pt x="2243824" y="675685"/>
+                  </a:lnTo>
+                  <a:lnTo>
+                    <a:pt x="2311819" y="675685"/>
+                  </a:lnTo>
+                  <a:lnTo>
+                    <a:pt x="2311819" y="733601"/>
+                  </a:lnTo>
+                  <a:lnTo>
+                    <a:pt x="2379813" y="733601"/>
+                  </a:lnTo>
+                  <a:lnTo>
+                    <a:pt x="2379813" y="810823"/>
+                  </a:lnTo>
+                  <a:lnTo>
+                    <a:pt x="2447808" y="810823"/>
+                  </a:lnTo>
+                  <a:lnTo>
+                    <a:pt x="2447808" y="849433"/>
+                  </a:lnTo>
+                  <a:lnTo>
+                    <a:pt x="2515803" y="849433"/>
+                  </a:lnTo>
+                  <a:lnTo>
+                    <a:pt x="2515803" y="907349"/>
+                  </a:lnTo>
+                  <a:lnTo>
+                    <a:pt x="2583797" y="907349"/>
+                  </a:lnTo>
+                  <a:lnTo>
+                    <a:pt x="2583797" y="936307"/>
+                  </a:lnTo>
+                  <a:lnTo>
+                    <a:pt x="2719787" y="936307"/>
+                  </a:lnTo>
+                  <a:lnTo>
+                    <a:pt x="2719787" y="965265"/>
+                  </a:lnTo>
+                  <a:lnTo>
+                    <a:pt x="2787781" y="965265"/>
+                  </a:lnTo>
+                  <a:lnTo>
+                    <a:pt x="2787781" y="984570"/>
+                  </a:lnTo>
+                  <a:lnTo>
+                    <a:pt x="2855776" y="984570"/>
+                  </a:lnTo>
+                  <a:lnTo>
+                    <a:pt x="2855776" y="994223"/>
+                  </a:lnTo>
+                  <a:lnTo>
+                    <a:pt x="2923771" y="994223"/>
+                  </a:lnTo>
+                  <a:lnTo>
+                    <a:pt x="2923771" y="1023181"/>
+                  </a:lnTo>
+                  <a:lnTo>
+                    <a:pt x="3263744" y="1023181"/>
+                  </a:lnTo>
+                  <a:lnTo>
+                    <a:pt x="3263744" y="1032834"/>
+                  </a:lnTo>
+                  <a:lnTo>
+                    <a:pt x="3331739" y="1032834"/>
+                  </a:lnTo>
+                  <a:lnTo>
+                    <a:pt x="3331739" y="1042486"/>
+                  </a:lnTo>
+                  <a:lnTo>
+                    <a:pt x="3569720" y="1042486"/>
                   </a:lnTo>
                 </a:path>
               </a:pathLst>
@@ -5030,177 +4723,174 @@
         </p:sp>
         <p:sp>
           <p:nvSpPr>
-            <p:cNvPr id="62" name="pl61"/>
-            <p:cNvSpPr/>
-            <p:nvPr/>
-          </p:nvSpPr>
-          <p:spPr>
-            <a:xfrm>
-              <a:off x="1719564" y="1128778"/>
-              <a:ext cx="3754825" cy="849433"/>
+            <p:cNvPr id="55" name="pl54"/>
+            <p:cNvSpPr/>
+            <p:nvPr/>
+          </p:nvSpPr>
+          <p:spPr>
+            <a:xfrm>
+              <a:off x="1701810" y="1128778"/>
+              <a:ext cx="3569720" cy="849433"/>
             </a:xfrm>
             <a:custGeom>
               <a:avLst/>
               <a:pathLst>
-                <a:path w="3754825" h="849433">
+                <a:path w="3569720" h="849433">
                   <a:moveTo>
                     <a:pt x="0" y="0"/>
                   </a:moveTo>
                   <a:lnTo>
-                    <a:pt x="1390676" y="0"/>
-                  </a:lnTo>
-                  <a:lnTo>
-                    <a:pt x="1390676" y="9652"/>
-                  </a:lnTo>
-                  <a:lnTo>
-                    <a:pt x="1529743" y="9652"/>
-                  </a:lnTo>
-                  <a:lnTo>
-                    <a:pt x="1529743" y="19305"/>
-                  </a:lnTo>
-                  <a:lnTo>
-                    <a:pt x="1668811" y="19305"/>
-                  </a:lnTo>
-                  <a:lnTo>
-                    <a:pt x="1668811" y="28957"/>
-                  </a:lnTo>
-                  <a:lnTo>
-                    <a:pt x="1807878" y="28957"/>
-                  </a:lnTo>
-                  <a:lnTo>
-                    <a:pt x="1807878" y="48263"/>
-                  </a:lnTo>
-                  <a:lnTo>
-                    <a:pt x="1877412" y="48263"/>
-                  </a:lnTo>
-                  <a:lnTo>
-                    <a:pt x="1877412" y="77221"/>
-                  </a:lnTo>
-                  <a:lnTo>
-                    <a:pt x="1946946" y="77221"/>
-                  </a:lnTo>
-                  <a:lnTo>
-                    <a:pt x="1946946" y="106179"/>
-                  </a:lnTo>
-                  <a:lnTo>
-                    <a:pt x="2016480" y="106179"/>
-                  </a:lnTo>
-                  <a:lnTo>
-                    <a:pt x="2016480" y="125484"/>
-                  </a:lnTo>
-                  <a:lnTo>
-                    <a:pt x="2086014" y="125484"/>
-                  </a:lnTo>
-                  <a:lnTo>
-                    <a:pt x="2086014" y="173747"/>
-                  </a:lnTo>
-                  <a:lnTo>
-                    <a:pt x="2155547" y="173747"/>
-                  </a:lnTo>
-                  <a:lnTo>
-                    <a:pt x="2155547" y="241316"/>
-                  </a:lnTo>
-                  <a:lnTo>
-                    <a:pt x="2225081" y="241316"/>
-                  </a:lnTo>
-                  <a:lnTo>
-                    <a:pt x="2225081" y="260621"/>
-                  </a:lnTo>
-                  <a:lnTo>
-                    <a:pt x="2294615" y="260621"/>
-                  </a:lnTo>
-                  <a:lnTo>
-                    <a:pt x="2294615" y="366800"/>
-                  </a:lnTo>
-                  <a:lnTo>
-                    <a:pt x="2364149" y="366800"/>
-                  </a:lnTo>
-                  <a:lnTo>
-                    <a:pt x="2364149" y="444022"/>
-                  </a:lnTo>
-                  <a:lnTo>
-                    <a:pt x="2433683" y="444022"/>
-                  </a:lnTo>
-                  <a:lnTo>
-                    <a:pt x="2433683" y="540548"/>
-                  </a:lnTo>
-                  <a:lnTo>
-                    <a:pt x="2503216" y="540548"/>
-                  </a:lnTo>
-                  <a:lnTo>
-                    <a:pt x="2503216" y="598464"/>
-                  </a:lnTo>
-                  <a:lnTo>
-                    <a:pt x="2572750" y="598464"/>
-                  </a:lnTo>
-                  <a:lnTo>
-                    <a:pt x="2572750" y="656380"/>
-                  </a:lnTo>
-                  <a:lnTo>
-                    <a:pt x="2642284" y="656380"/>
-                  </a:lnTo>
-                  <a:lnTo>
-                    <a:pt x="2642284" y="694991"/>
-                  </a:lnTo>
-                  <a:lnTo>
-                    <a:pt x="2711818" y="694991"/>
-                  </a:lnTo>
-                  <a:lnTo>
-                    <a:pt x="2711818" y="723949"/>
-                  </a:lnTo>
-                  <a:lnTo>
-                    <a:pt x="2781352" y="723949"/>
-                  </a:lnTo>
-                  <a:lnTo>
-                    <a:pt x="2781352" y="733601"/>
-                  </a:lnTo>
-                  <a:lnTo>
-                    <a:pt x="2850885" y="733601"/>
-                  </a:lnTo>
-                  <a:lnTo>
-                    <a:pt x="2850885" y="762559"/>
-                  </a:lnTo>
-                  <a:lnTo>
-                    <a:pt x="2989953" y="762559"/>
-                  </a:lnTo>
-                  <a:lnTo>
-                    <a:pt x="2989953" y="772212"/>
-                  </a:lnTo>
-                  <a:lnTo>
-                    <a:pt x="3059487" y="772212"/>
-                  </a:lnTo>
-                  <a:lnTo>
-                    <a:pt x="3059487" y="781865"/>
-                  </a:lnTo>
-                  <a:lnTo>
-                    <a:pt x="3129021" y="781865"/>
-                  </a:lnTo>
-                  <a:lnTo>
-                    <a:pt x="3129021" y="810823"/>
-                  </a:lnTo>
-                  <a:lnTo>
-                    <a:pt x="3337622" y="810823"/>
-                  </a:lnTo>
-                  <a:lnTo>
-                    <a:pt x="3337622" y="820475"/>
-                  </a:lnTo>
-                  <a:lnTo>
-                    <a:pt x="3407156" y="820475"/>
-                  </a:lnTo>
-                  <a:lnTo>
-                    <a:pt x="3407156" y="839781"/>
-                  </a:lnTo>
-                  <a:lnTo>
-                    <a:pt x="3546223" y="839781"/>
-                  </a:lnTo>
-                  <a:lnTo>
-                    <a:pt x="3546223" y="849433"/>
-                  </a:lnTo>
-                  <a:lnTo>
-                    <a:pt x="3754825" y="849433"/>
-                  </a:lnTo>
-                  <a:lnTo>
-                    <a:pt x="3754825" y="849433"/>
+                    <a:pt x="1359893" y="0"/>
+                  </a:lnTo>
+                  <a:lnTo>
+                    <a:pt x="1359893" y="9652"/>
+                  </a:lnTo>
+                  <a:lnTo>
+                    <a:pt x="1495883" y="9652"/>
+                  </a:lnTo>
+                  <a:lnTo>
+                    <a:pt x="1495883" y="19305"/>
+                  </a:lnTo>
+                  <a:lnTo>
+                    <a:pt x="1631872" y="19305"/>
+                  </a:lnTo>
+                  <a:lnTo>
+                    <a:pt x="1631872" y="28957"/>
+                  </a:lnTo>
+                  <a:lnTo>
+                    <a:pt x="1767861" y="28957"/>
+                  </a:lnTo>
+                  <a:lnTo>
+                    <a:pt x="1767861" y="48263"/>
+                  </a:lnTo>
+                  <a:lnTo>
+                    <a:pt x="1835856" y="48263"/>
+                  </a:lnTo>
+                  <a:lnTo>
+                    <a:pt x="1835856" y="77221"/>
+                  </a:lnTo>
+                  <a:lnTo>
+                    <a:pt x="1903851" y="77221"/>
+                  </a:lnTo>
+                  <a:lnTo>
+                    <a:pt x="1903851" y="106179"/>
+                  </a:lnTo>
+                  <a:lnTo>
+                    <a:pt x="1971845" y="106179"/>
+                  </a:lnTo>
+                  <a:lnTo>
+                    <a:pt x="1971845" y="125484"/>
+                  </a:lnTo>
+                  <a:lnTo>
+                    <a:pt x="2039840" y="125484"/>
+                  </a:lnTo>
+                  <a:lnTo>
+                    <a:pt x="2039840" y="173747"/>
+                  </a:lnTo>
+                  <a:lnTo>
+                    <a:pt x="2107835" y="173747"/>
+                  </a:lnTo>
+                  <a:lnTo>
+                    <a:pt x="2107835" y="241316"/>
+                  </a:lnTo>
+                  <a:lnTo>
+                    <a:pt x="2175829" y="241316"/>
+                  </a:lnTo>
+                  <a:lnTo>
+                    <a:pt x="2175829" y="260621"/>
+                  </a:lnTo>
+                  <a:lnTo>
+                    <a:pt x="2243824" y="260621"/>
+                  </a:lnTo>
+                  <a:lnTo>
+                    <a:pt x="2243824" y="366800"/>
+                  </a:lnTo>
+                  <a:lnTo>
+                    <a:pt x="2311819" y="366800"/>
+                  </a:lnTo>
+                  <a:lnTo>
+                    <a:pt x="2311819" y="444022"/>
+                  </a:lnTo>
+                  <a:lnTo>
+                    <a:pt x="2379813" y="444022"/>
+                  </a:lnTo>
+                  <a:lnTo>
+                    <a:pt x="2379813" y="540548"/>
+                  </a:lnTo>
+                  <a:lnTo>
+                    <a:pt x="2447808" y="540548"/>
+                  </a:lnTo>
+                  <a:lnTo>
+                    <a:pt x="2447808" y="598464"/>
+                  </a:lnTo>
+                  <a:lnTo>
+                    <a:pt x="2515803" y="598464"/>
+                  </a:lnTo>
+                  <a:lnTo>
+                    <a:pt x="2515803" y="656380"/>
+                  </a:lnTo>
+                  <a:lnTo>
+                    <a:pt x="2583797" y="656380"/>
+                  </a:lnTo>
+                  <a:lnTo>
+                    <a:pt x="2583797" y="694991"/>
+                  </a:lnTo>
+                  <a:lnTo>
+                    <a:pt x="2651792" y="694991"/>
+                  </a:lnTo>
+                  <a:lnTo>
+                    <a:pt x="2651792" y="723949"/>
+                  </a:lnTo>
+                  <a:lnTo>
+                    <a:pt x="2719787" y="723949"/>
+                  </a:lnTo>
+                  <a:lnTo>
+                    <a:pt x="2719787" y="733601"/>
+                  </a:lnTo>
+                  <a:lnTo>
+                    <a:pt x="2787781" y="733601"/>
+                  </a:lnTo>
+                  <a:lnTo>
+                    <a:pt x="2787781" y="762559"/>
+                  </a:lnTo>
+                  <a:lnTo>
+                    <a:pt x="2923771" y="762559"/>
+                  </a:lnTo>
+                  <a:lnTo>
+                    <a:pt x="2923771" y="772212"/>
+                  </a:lnTo>
+                  <a:lnTo>
+                    <a:pt x="2991766" y="772212"/>
+                  </a:lnTo>
+                  <a:lnTo>
+                    <a:pt x="2991766" y="781865"/>
+                  </a:lnTo>
+                  <a:lnTo>
+                    <a:pt x="3059760" y="781865"/>
+                  </a:lnTo>
+                  <a:lnTo>
+                    <a:pt x="3059760" y="810823"/>
+                  </a:lnTo>
+                  <a:lnTo>
+                    <a:pt x="3263744" y="810823"/>
+                  </a:lnTo>
+                  <a:lnTo>
+                    <a:pt x="3263744" y="820475"/>
+                  </a:lnTo>
+                  <a:lnTo>
+                    <a:pt x="3331739" y="820475"/>
+                  </a:lnTo>
+                  <a:lnTo>
+                    <a:pt x="3331739" y="839781"/>
+                  </a:lnTo>
+                  <a:lnTo>
+                    <a:pt x="3467728" y="839781"/>
+                  </a:lnTo>
+                  <a:lnTo>
+                    <a:pt x="3467728" y="849433"/>
+                  </a:lnTo>
+                  <a:lnTo>
+                    <a:pt x="3569720" y="849433"/>
                   </a:lnTo>
                 </a:path>
               </a:pathLst>
@@ -5223,177 +4913,174 @@
         </p:sp>
         <p:sp>
           <p:nvSpPr>
-            <p:cNvPr id="63" name="pl62"/>
-            <p:cNvSpPr/>
-            <p:nvPr/>
-          </p:nvSpPr>
-          <p:spPr>
-            <a:xfrm>
-              <a:off x="1719564" y="1128778"/>
-              <a:ext cx="3754825" cy="926654"/>
+            <p:cNvPr id="56" name="pl55"/>
+            <p:cNvSpPr/>
+            <p:nvPr/>
+          </p:nvSpPr>
+          <p:spPr>
+            <a:xfrm>
+              <a:off x="1701810" y="1128778"/>
+              <a:ext cx="3569720" cy="917002"/>
             </a:xfrm>
             <a:custGeom>
               <a:avLst/>
               <a:pathLst>
-                <a:path w="3754825" h="926654">
+                <a:path w="3569720" h="917002">
                   <a:moveTo>
                     <a:pt x="0" y="0"/>
                   </a:moveTo>
                   <a:lnTo>
-                    <a:pt x="1321142" y="0"/>
-                  </a:lnTo>
-                  <a:lnTo>
-                    <a:pt x="1321142" y="9652"/>
-                  </a:lnTo>
-                  <a:lnTo>
-                    <a:pt x="1460209" y="9652"/>
-                  </a:lnTo>
-                  <a:lnTo>
-                    <a:pt x="1460209" y="19305"/>
-                  </a:lnTo>
-                  <a:lnTo>
-                    <a:pt x="1529743" y="19305"/>
-                  </a:lnTo>
-                  <a:lnTo>
-                    <a:pt x="1529743" y="28957"/>
-                  </a:lnTo>
-                  <a:lnTo>
-                    <a:pt x="1738345" y="28957"/>
-                  </a:lnTo>
-                  <a:lnTo>
-                    <a:pt x="1738345" y="38610"/>
-                  </a:lnTo>
-                  <a:lnTo>
-                    <a:pt x="1807878" y="38610"/>
-                  </a:lnTo>
-                  <a:lnTo>
-                    <a:pt x="1807878" y="57915"/>
-                  </a:lnTo>
-                  <a:lnTo>
-                    <a:pt x="1877412" y="57915"/>
-                  </a:lnTo>
-                  <a:lnTo>
-                    <a:pt x="1877412" y="77221"/>
-                  </a:lnTo>
-                  <a:lnTo>
-                    <a:pt x="1946946" y="77221"/>
-                  </a:lnTo>
-                  <a:lnTo>
-                    <a:pt x="1946946" y="86873"/>
-                  </a:lnTo>
-                  <a:lnTo>
-                    <a:pt x="2016480" y="86873"/>
-                  </a:lnTo>
-                  <a:lnTo>
-                    <a:pt x="2016480" y="154442"/>
-                  </a:lnTo>
-                  <a:lnTo>
-                    <a:pt x="2086014" y="154442"/>
-                  </a:lnTo>
-                  <a:lnTo>
-                    <a:pt x="2086014" y="222011"/>
-                  </a:lnTo>
-                  <a:lnTo>
-                    <a:pt x="2155547" y="222011"/>
-                  </a:lnTo>
-                  <a:lnTo>
-                    <a:pt x="2155547" y="318537"/>
-                  </a:lnTo>
-                  <a:lnTo>
-                    <a:pt x="2225081" y="318537"/>
-                  </a:lnTo>
-                  <a:lnTo>
-                    <a:pt x="2225081" y="357148"/>
-                  </a:lnTo>
-                  <a:lnTo>
-                    <a:pt x="2294615" y="357148"/>
-                  </a:lnTo>
-                  <a:lnTo>
-                    <a:pt x="2294615" y="386106"/>
-                  </a:lnTo>
-                  <a:lnTo>
-                    <a:pt x="2364149" y="386106"/>
-                  </a:lnTo>
-                  <a:lnTo>
-                    <a:pt x="2364149" y="453674"/>
-                  </a:lnTo>
-                  <a:lnTo>
-                    <a:pt x="2433683" y="453674"/>
-                  </a:lnTo>
-                  <a:lnTo>
-                    <a:pt x="2433683" y="579159"/>
-                  </a:lnTo>
-                  <a:lnTo>
-                    <a:pt x="2503216" y="579159"/>
-                  </a:lnTo>
-                  <a:lnTo>
-                    <a:pt x="2503216" y="656380"/>
-                  </a:lnTo>
-                  <a:lnTo>
-                    <a:pt x="2572750" y="656380"/>
-                  </a:lnTo>
-                  <a:lnTo>
-                    <a:pt x="2572750" y="694991"/>
-                  </a:lnTo>
-                  <a:lnTo>
-                    <a:pt x="2642284" y="694991"/>
-                  </a:lnTo>
-                  <a:lnTo>
-                    <a:pt x="2642284" y="762559"/>
-                  </a:lnTo>
-                  <a:lnTo>
-                    <a:pt x="2711818" y="762559"/>
-                  </a:lnTo>
-                  <a:lnTo>
-                    <a:pt x="2711818" y="810823"/>
-                  </a:lnTo>
-                  <a:lnTo>
-                    <a:pt x="2781352" y="810823"/>
-                  </a:lnTo>
-                  <a:lnTo>
-                    <a:pt x="2781352" y="830128"/>
-                  </a:lnTo>
-                  <a:lnTo>
-                    <a:pt x="2920419" y="830128"/>
-                  </a:lnTo>
-                  <a:lnTo>
-                    <a:pt x="2920419" y="839781"/>
-                  </a:lnTo>
-                  <a:lnTo>
-                    <a:pt x="3129021" y="839781"/>
-                  </a:lnTo>
-                  <a:lnTo>
-                    <a:pt x="3129021" y="859086"/>
-                  </a:lnTo>
-                  <a:lnTo>
-                    <a:pt x="3198554" y="859086"/>
-                  </a:lnTo>
-                  <a:lnTo>
-                    <a:pt x="3198554" y="868738"/>
-                  </a:lnTo>
-                  <a:lnTo>
-                    <a:pt x="3268088" y="868738"/>
-                  </a:lnTo>
-                  <a:lnTo>
-                    <a:pt x="3268088" y="888044"/>
-                  </a:lnTo>
-                  <a:lnTo>
-                    <a:pt x="3337622" y="888044"/>
-                  </a:lnTo>
-                  <a:lnTo>
-                    <a:pt x="3337622" y="907349"/>
-                  </a:lnTo>
-                  <a:lnTo>
-                    <a:pt x="3546223" y="907349"/>
-                  </a:lnTo>
-                  <a:lnTo>
-                    <a:pt x="3546223" y="917002"/>
-                  </a:lnTo>
-                  <a:lnTo>
-                    <a:pt x="3754825" y="917002"/>
-                  </a:lnTo>
-                  <a:lnTo>
-                    <a:pt x="3754825" y="926654"/>
+                    <a:pt x="1291898" y="0"/>
+                  </a:lnTo>
+                  <a:lnTo>
+                    <a:pt x="1291898" y="9652"/>
+                  </a:lnTo>
+                  <a:lnTo>
+                    <a:pt x="1427888" y="9652"/>
+                  </a:lnTo>
+                  <a:lnTo>
+                    <a:pt x="1427888" y="19305"/>
+                  </a:lnTo>
+                  <a:lnTo>
+                    <a:pt x="1495883" y="19305"/>
+                  </a:lnTo>
+                  <a:lnTo>
+                    <a:pt x="1495883" y="28957"/>
+                  </a:lnTo>
+                  <a:lnTo>
+                    <a:pt x="1699867" y="28957"/>
+                  </a:lnTo>
+                  <a:lnTo>
+                    <a:pt x="1699867" y="38610"/>
+                  </a:lnTo>
+                  <a:lnTo>
+                    <a:pt x="1767861" y="38610"/>
+                  </a:lnTo>
+                  <a:lnTo>
+                    <a:pt x="1767861" y="57915"/>
+                  </a:lnTo>
+                  <a:lnTo>
+                    <a:pt x="1835856" y="57915"/>
+                  </a:lnTo>
+                  <a:lnTo>
+                    <a:pt x="1835856" y="77221"/>
+                  </a:lnTo>
+                  <a:lnTo>
+                    <a:pt x="1903851" y="77221"/>
+                  </a:lnTo>
+                  <a:lnTo>
+                    <a:pt x="1903851" y="86873"/>
+                  </a:lnTo>
+                  <a:lnTo>
+                    <a:pt x="1971845" y="86873"/>
+                  </a:lnTo>
+                  <a:lnTo>
+                    <a:pt x="1971845" y="154442"/>
+                  </a:lnTo>
+                  <a:lnTo>
+                    <a:pt x="2039840" y="154442"/>
+                  </a:lnTo>
+                  <a:lnTo>
+                    <a:pt x="2039840" y="222011"/>
+                  </a:lnTo>
+                  <a:lnTo>
+                    <a:pt x="2107835" y="222011"/>
+                  </a:lnTo>
+                  <a:lnTo>
+                    <a:pt x="2107835" y="318537"/>
+                  </a:lnTo>
+                  <a:lnTo>
+                    <a:pt x="2175829" y="318537"/>
+                  </a:lnTo>
+                  <a:lnTo>
+                    <a:pt x="2175829" y="357148"/>
+                  </a:lnTo>
+                  <a:lnTo>
+                    <a:pt x="2243824" y="357148"/>
+                  </a:lnTo>
+                  <a:lnTo>
+                    <a:pt x="2243824" y="386106"/>
+                  </a:lnTo>
+                  <a:lnTo>
+                    <a:pt x="2311819" y="386106"/>
+                  </a:lnTo>
+                  <a:lnTo>
+                    <a:pt x="2311819" y="453674"/>
+                  </a:lnTo>
+                  <a:lnTo>
+                    <a:pt x="2379813" y="453674"/>
+                  </a:lnTo>
+                  <a:lnTo>
+                    <a:pt x="2379813" y="579159"/>
+                  </a:lnTo>
+                  <a:lnTo>
+                    <a:pt x="2447808" y="579159"/>
+                  </a:lnTo>
+                  <a:lnTo>
+                    <a:pt x="2447808" y="656380"/>
+                  </a:lnTo>
+                  <a:lnTo>
+                    <a:pt x="2515803" y="656380"/>
+                  </a:lnTo>
+                  <a:lnTo>
+                    <a:pt x="2515803" y="694991"/>
+                  </a:lnTo>
+                  <a:lnTo>
+                    <a:pt x="2583797" y="694991"/>
+                  </a:lnTo>
+                  <a:lnTo>
+                    <a:pt x="2583797" y="762559"/>
+                  </a:lnTo>
+                  <a:lnTo>
+                    <a:pt x="2651792" y="762559"/>
+                  </a:lnTo>
+                  <a:lnTo>
+                    <a:pt x="2651792" y="810823"/>
+                  </a:lnTo>
+                  <a:lnTo>
+                    <a:pt x="2719787" y="810823"/>
+                  </a:lnTo>
+                  <a:lnTo>
+                    <a:pt x="2719787" y="830128"/>
+                  </a:lnTo>
+                  <a:lnTo>
+                    <a:pt x="2855776" y="830128"/>
+                  </a:lnTo>
+                  <a:lnTo>
+                    <a:pt x="2855776" y="839781"/>
+                  </a:lnTo>
+                  <a:lnTo>
+                    <a:pt x="3059760" y="839781"/>
+                  </a:lnTo>
+                  <a:lnTo>
+                    <a:pt x="3059760" y="859086"/>
+                  </a:lnTo>
+                  <a:lnTo>
+                    <a:pt x="3127755" y="859086"/>
+                  </a:lnTo>
+                  <a:lnTo>
+                    <a:pt x="3127755" y="868738"/>
+                  </a:lnTo>
+                  <a:lnTo>
+                    <a:pt x="3195750" y="868738"/>
+                  </a:lnTo>
+                  <a:lnTo>
+                    <a:pt x="3195750" y="888044"/>
+                  </a:lnTo>
+                  <a:lnTo>
+                    <a:pt x="3263744" y="888044"/>
+                  </a:lnTo>
+                  <a:lnTo>
+                    <a:pt x="3263744" y="907349"/>
+                  </a:lnTo>
+                  <a:lnTo>
+                    <a:pt x="3467728" y="907349"/>
+                  </a:lnTo>
+                  <a:lnTo>
+                    <a:pt x="3467728" y="917002"/>
+                  </a:lnTo>
+                  <a:lnTo>
+                    <a:pt x="3569720" y="917002"/>
                   </a:lnTo>
                 </a:path>
               </a:pathLst>
@@ -5416,13 +5103,13 @@
         </p:sp>
         <p:sp>
           <p:nvSpPr>
-            <p:cNvPr id="64" name="tx63"/>
-            <p:cNvSpPr/>
-            <p:nvPr/>
-          </p:nvSpPr>
-          <p:spPr>
-            <a:xfrm>
-              <a:off x="5401239" y="2106877"/>
+            <p:cNvPr id="57" name="tx56"/>
+            <p:cNvSpPr/>
+            <p:nvPr/>
+          </p:nvSpPr>
+          <p:spPr>
+            <a:xfrm>
+              <a:off x="5300371" y="2106877"/>
               <a:ext cx="146301" cy="109470"/>
             </a:xfrm>
             <a:prstGeom prst="rect">
@@ -5462,13 +5149,13 @@
         </p:sp>
         <p:sp>
           <p:nvSpPr>
-            <p:cNvPr id="65" name="tx64"/>
-            <p:cNvSpPr/>
-            <p:nvPr/>
-          </p:nvSpPr>
-          <p:spPr>
-            <a:xfrm>
-              <a:off x="5401239" y="2116530"/>
+            <p:cNvPr id="58" name="tx57"/>
+            <p:cNvSpPr/>
+            <p:nvPr/>
+          </p:nvSpPr>
+          <p:spPr>
+            <a:xfrm>
+              <a:off x="5300371" y="2116530"/>
               <a:ext cx="146301" cy="109470"/>
             </a:xfrm>
             <a:prstGeom prst="rect">
@@ -5508,13 +5195,13 @@
         </p:sp>
         <p:sp>
           <p:nvSpPr>
-            <p:cNvPr id="66" name="tx65"/>
-            <p:cNvSpPr/>
-            <p:nvPr/>
-          </p:nvSpPr>
-          <p:spPr>
-            <a:xfrm>
-              <a:off x="5401239" y="1923477"/>
+            <p:cNvPr id="59" name="tx58"/>
+            <p:cNvSpPr/>
+            <p:nvPr/>
+          </p:nvSpPr>
+          <p:spPr>
+            <a:xfrm>
+              <a:off x="5300371" y="1923477"/>
               <a:ext cx="146301" cy="109470"/>
             </a:xfrm>
             <a:prstGeom prst="rect">
@@ -5554,13 +5241,13 @@
         </p:sp>
         <p:sp>
           <p:nvSpPr>
-            <p:cNvPr id="67" name="tx66"/>
-            <p:cNvSpPr/>
-            <p:nvPr/>
-          </p:nvSpPr>
-          <p:spPr>
-            <a:xfrm>
-              <a:off x="5401239" y="2000698"/>
+            <p:cNvPr id="60" name="tx59"/>
+            <p:cNvSpPr/>
+            <p:nvPr/>
+          </p:nvSpPr>
+          <p:spPr>
+            <a:xfrm>
+              <a:off x="5300371" y="2000698"/>
               <a:ext cx="146301" cy="109470"/>
             </a:xfrm>
             <a:prstGeom prst="rect">
@@ -5600,7 +5287,7 @@
         </p:sp>
         <p:sp>
           <p:nvSpPr>
-            <p:cNvPr id="68" name="tx67"/>
+            <p:cNvPr id="61" name="tx60"/>
             <p:cNvSpPr/>
             <p:nvPr/>
           </p:nvSpPr>
@@ -5646,7 +5333,7 @@
         </p:sp>
         <p:sp>
           <p:nvSpPr>
-            <p:cNvPr id="69" name="tx68"/>
+            <p:cNvPr id="62" name="tx61"/>
             <p:cNvSpPr/>
             <p:nvPr/>
           </p:nvSpPr>
@@ -5692,7 +5379,7 @@
         </p:sp>
         <p:sp>
           <p:nvSpPr>
-            <p:cNvPr id="70" name="tx69"/>
+            <p:cNvPr id="63" name="tx62"/>
             <p:cNvSpPr/>
             <p:nvPr/>
           </p:nvSpPr>
@@ -5738,7 +5425,7 @@
         </p:sp>
         <p:sp>
           <p:nvSpPr>
-            <p:cNvPr id="71" name="tx70"/>
+            <p:cNvPr id="64" name="tx63"/>
             <p:cNvSpPr/>
             <p:nvPr/>
           </p:nvSpPr>
@@ -5784,7 +5471,7 @@
         </p:sp>
         <p:sp>
           <p:nvSpPr>
-            <p:cNvPr id="72" name="tx71"/>
+            <p:cNvPr id="65" name="tx64"/>
             <p:cNvSpPr/>
             <p:nvPr/>
           </p:nvSpPr>
@@ -5830,7 +5517,7 @@
         </p:sp>
         <p:sp>
           <p:nvSpPr>
-            <p:cNvPr id="73" name="tx72"/>
+            <p:cNvPr id="66" name="tx65"/>
             <p:cNvSpPr/>
             <p:nvPr/>
           </p:nvSpPr>
@@ -5876,7 +5563,7 @@
         </p:sp>
         <p:sp>
           <p:nvSpPr>
-            <p:cNvPr id="74" name="tx73"/>
+            <p:cNvPr id="67" name="tx66"/>
             <p:cNvSpPr/>
             <p:nvPr/>
           </p:nvSpPr>
@@ -5922,7 +5609,7 @@
         </p:sp>
         <p:sp>
           <p:nvSpPr>
-            <p:cNvPr id="75" name="tx74"/>
+            <p:cNvPr id="68" name="tx67"/>
             <p:cNvSpPr/>
             <p:nvPr/>
           </p:nvSpPr>
@@ -5968,7 +5655,7 @@
         </p:sp>
         <p:sp>
           <p:nvSpPr>
-            <p:cNvPr id="76" name="tx75"/>
+            <p:cNvPr id="69" name="tx68"/>
             <p:cNvSpPr/>
             <p:nvPr/>
           </p:nvSpPr>
@@ -6014,7 +5701,7 @@
         </p:sp>
         <p:sp>
           <p:nvSpPr>
-            <p:cNvPr id="77" name="tx76"/>
+            <p:cNvPr id="70" name="tx69"/>
             <p:cNvSpPr/>
             <p:nvPr/>
           </p:nvSpPr>
@@ -6060,7 +5747,7 @@
         </p:sp>
         <p:sp>
           <p:nvSpPr>
-            <p:cNvPr id="78" name="tx77"/>
+            <p:cNvPr id="71" name="tx70"/>
             <p:cNvSpPr/>
             <p:nvPr/>
           </p:nvSpPr>
@@ -6106,7 +5793,7 @@
         </p:sp>
         <p:sp>
           <p:nvSpPr>
-            <p:cNvPr id="79" name="pl78"/>
+            <p:cNvPr id="72" name="pl71"/>
             <p:cNvSpPr/>
             <p:nvPr/>
           </p:nvSpPr>
@@ -6146,7 +5833,7 @@
         </p:sp>
         <p:sp>
           <p:nvSpPr>
-            <p:cNvPr id="80" name="pl79"/>
+            <p:cNvPr id="73" name="pl72"/>
             <p:cNvSpPr/>
             <p:nvPr/>
           </p:nvSpPr>
@@ -6186,7 +5873,7 @@
         </p:sp>
         <p:sp>
           <p:nvSpPr>
-            <p:cNvPr id="81" name="pl80"/>
+            <p:cNvPr id="74" name="pl73"/>
             <p:cNvSpPr/>
             <p:nvPr/>
           </p:nvSpPr>
@@ -6226,7 +5913,7 @@
         </p:sp>
         <p:sp>
           <p:nvSpPr>
-            <p:cNvPr id="82" name="pl81"/>
+            <p:cNvPr id="75" name="pl74"/>
             <p:cNvSpPr/>
             <p:nvPr/>
           </p:nvSpPr>
@@ -6266,7 +5953,7 @@
         </p:sp>
         <p:sp>
           <p:nvSpPr>
-            <p:cNvPr id="83" name="pl82"/>
+            <p:cNvPr id="76" name="pl75"/>
             <p:cNvSpPr/>
             <p:nvPr/>
           </p:nvSpPr>
@@ -6306,7 +5993,7 @@
         </p:sp>
         <p:sp>
           <p:nvSpPr>
-            <p:cNvPr id="84" name="pl83"/>
+            <p:cNvPr id="77" name="pl76"/>
             <p:cNvSpPr/>
             <p:nvPr/>
           </p:nvSpPr>
@@ -6346,7 +6033,7 @@
         </p:sp>
         <p:sp>
           <p:nvSpPr>
-            <p:cNvPr id="85" name="pl84"/>
+            <p:cNvPr id="78" name="pl77"/>
             <p:cNvSpPr/>
             <p:nvPr/>
           </p:nvSpPr>
@@ -6386,7 +6073,7 @@
         </p:sp>
         <p:sp>
           <p:nvSpPr>
-            <p:cNvPr id="86" name="pl85"/>
+            <p:cNvPr id="79" name="pl78"/>
             <p:cNvSpPr/>
             <p:nvPr/>
           </p:nvSpPr>
@@ -6426,7 +6113,7 @@
         </p:sp>
         <p:sp>
           <p:nvSpPr>
-            <p:cNvPr id="87" name="pl86"/>
+            <p:cNvPr id="80" name="pl79"/>
             <p:cNvSpPr/>
             <p:nvPr/>
           </p:nvSpPr>
@@ -6466,7 +6153,7 @@
         </p:sp>
         <p:sp>
           <p:nvSpPr>
-            <p:cNvPr id="88" name="pl87"/>
+            <p:cNvPr id="81" name="pl80"/>
             <p:cNvSpPr/>
             <p:nvPr/>
           </p:nvSpPr>
@@ -6506,7 +6193,7 @@
         </p:sp>
         <p:sp>
           <p:nvSpPr>
-            <p:cNvPr id="89" name="pl88"/>
+            <p:cNvPr id="82" name="pl81"/>
             <p:cNvSpPr/>
             <p:nvPr/>
           </p:nvSpPr>
@@ -6546,13 +6233,13 @@
         </p:sp>
         <p:sp>
           <p:nvSpPr>
-            <p:cNvPr id="90" name="pl89"/>
-            <p:cNvSpPr/>
-            <p:nvPr/>
-          </p:nvSpPr>
-          <p:spPr>
-            <a:xfrm>
-              <a:off x="1719564" y="4169365"/>
+            <p:cNvPr id="83" name="pl82"/>
+            <p:cNvSpPr/>
+            <p:nvPr/>
+          </p:nvSpPr>
+          <p:spPr>
+            <a:xfrm>
+              <a:off x="1701810" y="4169365"/>
               <a:ext cx="0" cy="34794"/>
             </a:xfrm>
             <a:custGeom>
@@ -6586,13 +6273,13 @@
         </p:sp>
         <p:sp>
           <p:nvSpPr>
-            <p:cNvPr id="91" name="pl90"/>
-            <p:cNvSpPr/>
-            <p:nvPr/>
-          </p:nvSpPr>
-          <p:spPr>
-            <a:xfrm>
-              <a:off x="1997699" y="4169365"/>
+            <p:cNvPr id="84" name="pl83"/>
+            <p:cNvSpPr/>
+            <p:nvPr/>
+          </p:nvSpPr>
+          <p:spPr>
+            <a:xfrm>
+              <a:off x="2041783" y="4169365"/>
               <a:ext cx="0" cy="34794"/>
             </a:xfrm>
             <a:custGeom>
@@ -6626,13 +6313,13 @@
         </p:sp>
         <p:sp>
           <p:nvSpPr>
-            <p:cNvPr id="92" name="pl91"/>
-            <p:cNvSpPr/>
-            <p:nvPr/>
-          </p:nvSpPr>
-          <p:spPr>
-            <a:xfrm>
-              <a:off x="2275835" y="4169365"/>
+            <p:cNvPr id="85" name="pl84"/>
+            <p:cNvSpPr/>
+            <p:nvPr/>
+          </p:nvSpPr>
+          <p:spPr>
+            <a:xfrm>
+              <a:off x="2381756" y="4169365"/>
               <a:ext cx="0" cy="34794"/>
             </a:xfrm>
             <a:custGeom>
@@ -6666,13 +6353,13 @@
         </p:sp>
         <p:sp>
           <p:nvSpPr>
-            <p:cNvPr id="93" name="pl92"/>
-            <p:cNvSpPr/>
-            <p:nvPr/>
-          </p:nvSpPr>
-          <p:spPr>
-            <a:xfrm>
-              <a:off x="2553970" y="4169365"/>
+            <p:cNvPr id="86" name="pl85"/>
+            <p:cNvSpPr/>
+            <p:nvPr/>
+          </p:nvSpPr>
+          <p:spPr>
+            <a:xfrm>
+              <a:off x="2721730" y="4169365"/>
               <a:ext cx="0" cy="34794"/>
             </a:xfrm>
             <a:custGeom>
@@ -6706,13 +6393,13 @@
         </p:sp>
         <p:sp>
           <p:nvSpPr>
-            <p:cNvPr id="94" name="pl93"/>
-            <p:cNvSpPr/>
-            <p:nvPr/>
-          </p:nvSpPr>
-          <p:spPr>
-            <a:xfrm>
-              <a:off x="2832105" y="4169365"/>
+            <p:cNvPr id="87" name="pl86"/>
+            <p:cNvSpPr/>
+            <p:nvPr/>
+          </p:nvSpPr>
+          <p:spPr>
+            <a:xfrm>
+              <a:off x="3061703" y="4169365"/>
               <a:ext cx="0" cy="34794"/>
             </a:xfrm>
             <a:custGeom>
@@ -6746,13 +6433,13 @@
         </p:sp>
         <p:sp>
           <p:nvSpPr>
-            <p:cNvPr id="95" name="pl94"/>
-            <p:cNvSpPr/>
-            <p:nvPr/>
-          </p:nvSpPr>
-          <p:spPr>
-            <a:xfrm>
-              <a:off x="3110240" y="4169365"/>
+            <p:cNvPr id="88" name="pl87"/>
+            <p:cNvSpPr/>
+            <p:nvPr/>
+          </p:nvSpPr>
+          <p:spPr>
+            <a:xfrm>
+              <a:off x="3401677" y="4169365"/>
               <a:ext cx="0" cy="34794"/>
             </a:xfrm>
             <a:custGeom>
@@ -6786,13 +6473,13 @@
         </p:sp>
         <p:sp>
           <p:nvSpPr>
-            <p:cNvPr id="96" name="pl95"/>
-            <p:cNvSpPr/>
-            <p:nvPr/>
-          </p:nvSpPr>
-          <p:spPr>
-            <a:xfrm>
-              <a:off x="3388375" y="4169365"/>
+            <p:cNvPr id="89" name="pl88"/>
+            <p:cNvSpPr/>
+            <p:nvPr/>
+          </p:nvSpPr>
+          <p:spPr>
+            <a:xfrm>
+              <a:off x="3741650" y="4169365"/>
               <a:ext cx="0" cy="34794"/>
             </a:xfrm>
             <a:custGeom>
@@ -6826,13 +6513,13 @@
         </p:sp>
         <p:sp>
           <p:nvSpPr>
-            <p:cNvPr id="97" name="pl96"/>
-            <p:cNvSpPr/>
-            <p:nvPr/>
-          </p:nvSpPr>
-          <p:spPr>
-            <a:xfrm>
-              <a:off x="3666511" y="4169365"/>
+            <p:cNvPr id="90" name="pl89"/>
+            <p:cNvSpPr/>
+            <p:nvPr/>
+          </p:nvSpPr>
+          <p:spPr>
+            <a:xfrm>
+              <a:off x="4081624" y="4169365"/>
               <a:ext cx="0" cy="34794"/>
             </a:xfrm>
             <a:custGeom>
@@ -6866,13 +6553,13 @@
         </p:sp>
         <p:sp>
           <p:nvSpPr>
-            <p:cNvPr id="98" name="pl97"/>
-            <p:cNvSpPr/>
-            <p:nvPr/>
-          </p:nvSpPr>
-          <p:spPr>
-            <a:xfrm>
-              <a:off x="3944646" y="4169365"/>
+            <p:cNvPr id="91" name="pl90"/>
+            <p:cNvSpPr/>
+            <p:nvPr/>
+          </p:nvSpPr>
+          <p:spPr>
+            <a:xfrm>
+              <a:off x="4421597" y="4169365"/>
               <a:ext cx="0" cy="34794"/>
             </a:xfrm>
             <a:custGeom>
@@ -6906,13 +6593,13 @@
         </p:sp>
         <p:sp>
           <p:nvSpPr>
-            <p:cNvPr id="99" name="pl98"/>
-            <p:cNvSpPr/>
-            <p:nvPr/>
-          </p:nvSpPr>
-          <p:spPr>
-            <a:xfrm>
-              <a:off x="4222781" y="4169365"/>
+            <p:cNvPr id="92" name="pl91"/>
+            <p:cNvSpPr/>
+            <p:nvPr/>
+          </p:nvSpPr>
+          <p:spPr>
+            <a:xfrm>
+              <a:off x="4761570" y="4169365"/>
               <a:ext cx="0" cy="34794"/>
             </a:xfrm>
             <a:custGeom>
@@ -6946,13 +6633,13 @@
         </p:sp>
         <p:sp>
           <p:nvSpPr>
-            <p:cNvPr id="100" name="pl99"/>
-            <p:cNvSpPr/>
-            <p:nvPr/>
-          </p:nvSpPr>
-          <p:spPr>
-            <a:xfrm>
-              <a:off x="4500916" y="4169365"/>
+            <p:cNvPr id="93" name="pl92"/>
+            <p:cNvSpPr/>
+            <p:nvPr/>
+          </p:nvSpPr>
+          <p:spPr>
+            <a:xfrm>
+              <a:off x="5101544" y="4169365"/>
               <a:ext cx="0" cy="34794"/>
             </a:xfrm>
             <a:custGeom>
@@ -6986,133 +6673,13 @@
         </p:sp>
         <p:sp>
           <p:nvSpPr>
-            <p:cNvPr id="101" name="pl100"/>
-            <p:cNvSpPr/>
-            <p:nvPr/>
-          </p:nvSpPr>
-          <p:spPr>
-            <a:xfrm>
-              <a:off x="4779052" y="4169365"/>
-              <a:ext cx="0" cy="34794"/>
-            </a:xfrm>
-            <a:custGeom>
-              <a:avLst/>
-              <a:pathLst>
-                <a:path w="0" h="34794">
-                  <a:moveTo>
-                    <a:pt x="0" y="34794"/>
-                  </a:moveTo>
-                  <a:lnTo>
-                    <a:pt x="0" y="0"/>
-                  </a:lnTo>
-                </a:path>
-              </a:pathLst>
-            </a:custGeom>
-            <a:ln w="13550" cap="flat">
-              <a:solidFill>
-                <a:srgbClr val="000000">
-                  <a:alpha val="100000"/>
-                </a:srgbClr>
-              </a:solidFill>
-              <a:prstDash val="solid"/>
-              <a:round/>
-            </a:ln>
-          </p:spPr>
-          <p:txBody>
-            <a:bodyPr/>
-            <a:lstStyle/>
-            <a:p/>
-          </p:txBody>
-        </p:sp>
-        <p:sp>
-          <p:nvSpPr>
-            <p:cNvPr id="102" name="pl101"/>
-            <p:cNvSpPr/>
-            <p:nvPr/>
-          </p:nvSpPr>
-          <p:spPr>
-            <a:xfrm>
-              <a:off x="5057187" y="4169365"/>
-              <a:ext cx="0" cy="34794"/>
-            </a:xfrm>
-            <a:custGeom>
-              <a:avLst/>
-              <a:pathLst>
-                <a:path w="0" h="34794">
-                  <a:moveTo>
-                    <a:pt x="0" y="34794"/>
-                  </a:moveTo>
-                  <a:lnTo>
-                    <a:pt x="0" y="0"/>
-                  </a:lnTo>
-                </a:path>
-              </a:pathLst>
-            </a:custGeom>
-            <a:ln w="13550" cap="flat">
-              <a:solidFill>
-                <a:srgbClr val="000000">
-                  <a:alpha val="100000"/>
-                </a:srgbClr>
-              </a:solidFill>
-              <a:prstDash val="solid"/>
-              <a:round/>
-            </a:ln>
-          </p:spPr>
-          <p:txBody>
-            <a:bodyPr/>
-            <a:lstStyle/>
-            <a:p/>
-          </p:txBody>
-        </p:sp>
-        <p:sp>
-          <p:nvSpPr>
-            <p:cNvPr id="103" name="pl102"/>
-            <p:cNvSpPr/>
-            <p:nvPr/>
-          </p:nvSpPr>
-          <p:spPr>
-            <a:xfrm>
-              <a:off x="5335322" y="4169365"/>
-              <a:ext cx="0" cy="34794"/>
-            </a:xfrm>
-            <a:custGeom>
-              <a:avLst/>
-              <a:pathLst>
-                <a:path w="0" h="34794">
-                  <a:moveTo>
-                    <a:pt x="0" y="34794"/>
-                  </a:moveTo>
-                  <a:lnTo>
-                    <a:pt x="0" y="0"/>
-                  </a:lnTo>
-                </a:path>
-              </a:pathLst>
-            </a:custGeom>
-            <a:ln w="13550" cap="flat">
-              <a:solidFill>
-                <a:srgbClr val="000000">
-                  <a:alpha val="100000"/>
-                </a:srgbClr>
-              </a:solidFill>
-              <a:prstDash val="solid"/>
-              <a:round/>
-            </a:ln>
-          </p:spPr>
-          <p:txBody>
-            <a:bodyPr/>
-            <a:lstStyle/>
-            <a:p/>
-          </p:txBody>
-        </p:sp>
-        <p:sp>
-          <p:nvSpPr>
-            <p:cNvPr id="104" name="tx103"/>
-            <p:cNvSpPr/>
-            <p:nvPr/>
-          </p:nvSpPr>
-          <p:spPr>
-            <a:xfrm>
-              <a:off x="1684012" y="4228939"/>
+            <p:cNvPr id="94" name="tx93"/>
+            <p:cNvSpPr/>
+            <p:nvPr/>
+          </p:nvSpPr>
+          <p:spPr>
+            <a:xfrm>
+              <a:off x="1666257" y="4228939"/>
               <a:ext cx="71105" cy="84529"/>
             </a:xfrm>
             <a:prstGeom prst="rect">
@@ -7152,14 +6719,14 @@
         </p:sp>
         <p:sp>
           <p:nvSpPr>
-            <p:cNvPr id="105" name="tx104"/>
-            <p:cNvSpPr/>
-            <p:nvPr/>
-          </p:nvSpPr>
-          <p:spPr>
-            <a:xfrm>
-              <a:off x="1962147" y="4231995"/>
-              <a:ext cx="71105" cy="81473"/>
+            <p:cNvPr id="95" name="tx94"/>
+            <p:cNvSpPr/>
+            <p:nvPr/>
+          </p:nvSpPr>
+          <p:spPr>
+            <a:xfrm>
+              <a:off x="2006230" y="4230412"/>
+              <a:ext cx="71105" cy="83056"/>
             </a:xfrm>
             <a:prstGeom prst="rect">
               <a:avLst/>
@@ -7191,21 +6758,21 @@
                   <a:latin typeface="DejaVu Sans"/>
                   <a:cs typeface="DejaVu Sans"/>
                 </a:rPr>
-                <a:t>4</a:t>
+                <a:t>5</a:t>
               </a:r>
             </a:p>
           </p:txBody>
         </p:sp>
         <p:sp>
           <p:nvSpPr>
-            <p:cNvPr id="106" name="tx105"/>
-            <p:cNvSpPr/>
-            <p:nvPr/>
-          </p:nvSpPr>
-          <p:spPr>
-            <a:xfrm>
-              <a:off x="2240282" y="4228939"/>
-              <a:ext cx="71105" cy="84529"/>
+            <p:cNvPr id="96" name="tx95"/>
+            <p:cNvSpPr/>
+            <p:nvPr/>
+          </p:nvSpPr>
+          <p:spPr>
+            <a:xfrm>
+              <a:off x="2310651" y="4228939"/>
+              <a:ext cx="142210" cy="84529"/>
             </a:xfrm>
             <a:prstGeom prst="rect">
               <a:avLst/>
@@ -7237,21 +6804,21 @@
                   <a:latin typeface="DejaVu Sans"/>
                   <a:cs typeface="DejaVu Sans"/>
                 </a:rPr>
-                <a:t>8</a:t>
+                <a:t>10</a:t>
               </a:r>
             </a:p>
           </p:txBody>
         </p:sp>
         <p:sp>
           <p:nvSpPr>
-            <p:cNvPr id="107" name="tx106"/>
-            <p:cNvSpPr/>
-            <p:nvPr/>
-          </p:nvSpPr>
-          <p:spPr>
-            <a:xfrm>
-              <a:off x="2482865" y="4230522"/>
-              <a:ext cx="142210" cy="82946"/>
+            <p:cNvPr id="97" name="tx96"/>
+            <p:cNvSpPr/>
+            <p:nvPr/>
+          </p:nvSpPr>
+          <p:spPr>
+            <a:xfrm>
+              <a:off x="2650625" y="4230412"/>
+              <a:ext cx="142210" cy="83056"/>
             </a:xfrm>
             <a:prstGeom prst="rect">
               <a:avLst/>
@@ -7283,66 +6850,20 @@
                   <a:latin typeface="DejaVu Sans"/>
                   <a:cs typeface="DejaVu Sans"/>
                 </a:rPr>
-                <a:t>12</a:t>
+                <a:t>15</a:t>
               </a:r>
             </a:p>
           </p:txBody>
         </p:sp>
         <p:sp>
           <p:nvSpPr>
-            <p:cNvPr id="108" name="tx107"/>
-            <p:cNvSpPr/>
-            <p:nvPr/>
-          </p:nvSpPr>
-          <p:spPr>
-            <a:xfrm>
-              <a:off x="2761000" y="4228939"/>
-              <a:ext cx="142210" cy="84529"/>
-            </a:xfrm>
-            <a:prstGeom prst="rect">
-              <a:avLst/>
-            </a:prstGeom>
-            <a:noFill/>
-          </p:spPr>
-          <p:txBody>
-            <a:bodyPr lIns="0" rIns="0" tIns="0" bIns="0" anchorCtr="1" anchor="ctr" wrap="none"/>
-            <a:lstStyle/>
-            <a:p>
-              <a:pPr algn="l" marL="0" marR="0" indent="0">
-                <a:lnSpc>
-                  <a:spcPts val="880"/>
-                </a:lnSpc>
-                <a:spcBef>
-                  <a:spcPts val="0"/>
-                </a:spcBef>
-                <a:spcAft>
-                  <a:spcPts val="0"/>
-                </a:spcAft>
-              </a:pPr>
-              <a:r>
-                <a:rPr sz="880">
-                  <a:solidFill>
-                    <a:srgbClr val="4D4D4D">
-                      <a:alpha val="100000"/>
-                    </a:srgbClr>
-                  </a:solidFill>
-                  <a:latin typeface="DejaVu Sans"/>
-                  <a:cs typeface="DejaVu Sans"/>
-                </a:rPr>
-                <a:t>16</a:t>
-              </a:r>
-            </a:p>
-          </p:txBody>
-        </p:sp>
-        <p:sp>
-          <p:nvSpPr>
-            <p:cNvPr id="109" name="tx108"/>
-            <p:cNvSpPr/>
-            <p:nvPr/>
-          </p:nvSpPr>
-          <p:spPr>
-            <a:xfrm>
-              <a:off x="3039135" y="4228939"/>
+            <p:cNvPr id="98" name="tx97"/>
+            <p:cNvSpPr/>
+            <p:nvPr/>
+          </p:nvSpPr>
+          <p:spPr>
+            <a:xfrm>
+              <a:off x="2990598" y="4228939"/>
               <a:ext cx="142210" cy="84529"/>
             </a:xfrm>
             <a:prstGeom prst="rect">
@@ -7382,14 +6903,14 @@
         </p:sp>
         <p:sp>
           <p:nvSpPr>
-            <p:cNvPr id="110" name="tx109"/>
-            <p:cNvSpPr/>
-            <p:nvPr/>
-          </p:nvSpPr>
-          <p:spPr>
-            <a:xfrm>
-              <a:off x="3317270" y="4230522"/>
-              <a:ext cx="142210" cy="82946"/>
+            <p:cNvPr id="99" name="tx98"/>
+            <p:cNvSpPr/>
+            <p:nvPr/>
+          </p:nvSpPr>
+          <p:spPr>
+            <a:xfrm>
+              <a:off x="3330572" y="4228939"/>
+              <a:ext cx="142210" cy="84529"/>
             </a:xfrm>
             <a:prstGeom prst="rect">
               <a:avLst/>
@@ -7421,20 +6942,20 @@
                   <a:latin typeface="DejaVu Sans"/>
                   <a:cs typeface="DejaVu Sans"/>
                 </a:rPr>
-                <a:t>24</a:t>
+                <a:t>25</a:t>
               </a:r>
             </a:p>
           </p:txBody>
         </p:sp>
         <p:sp>
           <p:nvSpPr>
-            <p:cNvPr id="111" name="tx110"/>
-            <p:cNvSpPr/>
-            <p:nvPr/>
-          </p:nvSpPr>
-          <p:spPr>
-            <a:xfrm>
-              <a:off x="3595406" y="4228939"/>
+            <p:cNvPr id="100" name="tx99"/>
+            <p:cNvSpPr/>
+            <p:nvPr/>
+          </p:nvSpPr>
+          <p:spPr>
+            <a:xfrm>
+              <a:off x="3670545" y="4228939"/>
               <a:ext cx="142210" cy="84529"/>
             </a:xfrm>
             <a:prstGeom prst="rect">
@@ -7467,20 +6988,20 @@
                   <a:latin typeface="DejaVu Sans"/>
                   <a:cs typeface="DejaVu Sans"/>
                 </a:rPr>
-                <a:t>28</a:t>
+                <a:t>30</a:t>
               </a:r>
             </a:p>
           </p:txBody>
         </p:sp>
         <p:sp>
           <p:nvSpPr>
-            <p:cNvPr id="112" name="tx111"/>
-            <p:cNvSpPr/>
-            <p:nvPr/>
-          </p:nvSpPr>
-          <p:spPr>
-            <a:xfrm>
-              <a:off x="3873541" y="4228939"/>
+            <p:cNvPr id="101" name="tx100"/>
+            <p:cNvSpPr/>
+            <p:nvPr/>
+          </p:nvSpPr>
+          <p:spPr>
+            <a:xfrm>
+              <a:off x="4010518" y="4228939"/>
               <a:ext cx="142210" cy="84529"/>
             </a:xfrm>
             <a:prstGeom prst="rect">
@@ -7513,66 +7034,20 @@
                   <a:latin typeface="DejaVu Sans"/>
                   <a:cs typeface="DejaVu Sans"/>
                 </a:rPr>
-                <a:t>32</a:t>
+                <a:t>35</a:t>
               </a:r>
             </a:p>
           </p:txBody>
         </p:sp>
         <p:sp>
           <p:nvSpPr>
-            <p:cNvPr id="113" name="tx112"/>
-            <p:cNvSpPr/>
-            <p:nvPr/>
-          </p:nvSpPr>
-          <p:spPr>
-            <a:xfrm>
-              <a:off x="4151676" y="4228939"/>
-              <a:ext cx="142210" cy="84529"/>
-            </a:xfrm>
-            <a:prstGeom prst="rect">
-              <a:avLst/>
-            </a:prstGeom>
-            <a:noFill/>
-          </p:spPr>
-          <p:txBody>
-            <a:bodyPr lIns="0" rIns="0" tIns="0" bIns="0" anchorCtr="1" anchor="ctr" wrap="none"/>
-            <a:lstStyle/>
-            <a:p>
-              <a:pPr algn="l" marL="0" marR="0" indent="0">
-                <a:lnSpc>
-                  <a:spcPts val="880"/>
-                </a:lnSpc>
-                <a:spcBef>
-                  <a:spcPts val="0"/>
-                </a:spcBef>
-                <a:spcAft>
-                  <a:spcPts val="0"/>
-                </a:spcAft>
-              </a:pPr>
-              <a:r>
-                <a:rPr sz="880">
-                  <a:solidFill>
-                    <a:srgbClr val="4D4D4D">
-                      <a:alpha val="100000"/>
-                    </a:srgbClr>
-                  </a:solidFill>
-                  <a:latin typeface="DejaVu Sans"/>
-                  <a:cs typeface="DejaVu Sans"/>
-                </a:rPr>
-                <a:t>36</a:t>
-              </a:r>
-            </a:p>
-          </p:txBody>
-        </p:sp>
-        <p:sp>
-          <p:nvSpPr>
-            <p:cNvPr id="114" name="tx113"/>
-            <p:cNvSpPr/>
-            <p:nvPr/>
-          </p:nvSpPr>
-          <p:spPr>
-            <a:xfrm>
-              <a:off x="4429811" y="4228939"/>
+            <p:cNvPr id="102" name="tx101"/>
+            <p:cNvSpPr/>
+            <p:nvPr/>
+          </p:nvSpPr>
+          <p:spPr>
+            <a:xfrm>
+              <a:off x="4350492" y="4228939"/>
               <a:ext cx="142210" cy="84529"/>
             </a:xfrm>
             <a:prstGeom prst="rect">
@@ -7612,14 +7087,14 @@
         </p:sp>
         <p:sp>
           <p:nvSpPr>
-            <p:cNvPr id="115" name="tx114"/>
-            <p:cNvSpPr/>
-            <p:nvPr/>
-          </p:nvSpPr>
-          <p:spPr>
-            <a:xfrm>
-              <a:off x="4707946" y="4231995"/>
-              <a:ext cx="142210" cy="81473"/>
+            <p:cNvPr id="103" name="tx102"/>
+            <p:cNvSpPr/>
+            <p:nvPr/>
+          </p:nvSpPr>
+          <p:spPr>
+            <a:xfrm>
+              <a:off x="4690465" y="4230412"/>
+              <a:ext cx="142210" cy="83056"/>
             </a:xfrm>
             <a:prstGeom prst="rect">
               <a:avLst/>
@@ -7651,20 +7126,20 @@
                   <a:latin typeface="DejaVu Sans"/>
                   <a:cs typeface="DejaVu Sans"/>
                 </a:rPr>
-                <a:t>44</a:t>
+                <a:t>45</a:t>
               </a:r>
             </a:p>
           </p:txBody>
         </p:sp>
         <p:sp>
           <p:nvSpPr>
-            <p:cNvPr id="116" name="tx115"/>
-            <p:cNvSpPr/>
-            <p:nvPr/>
-          </p:nvSpPr>
-          <p:spPr>
-            <a:xfrm>
-              <a:off x="4986082" y="4228939"/>
+            <p:cNvPr id="104" name="tx103"/>
+            <p:cNvSpPr/>
+            <p:nvPr/>
+          </p:nvSpPr>
+          <p:spPr>
+            <a:xfrm>
+              <a:off x="5030439" y="4228939"/>
               <a:ext cx="142210" cy="84529"/>
             </a:xfrm>
             <a:prstGeom prst="rect">
@@ -7697,66 +7172,20 @@
                   <a:latin typeface="DejaVu Sans"/>
                   <a:cs typeface="DejaVu Sans"/>
                 </a:rPr>
-                <a:t>48</a:t>
+                <a:t>50</a:t>
               </a:r>
             </a:p>
           </p:txBody>
         </p:sp>
         <p:sp>
           <p:nvSpPr>
-            <p:cNvPr id="117" name="tx116"/>
-            <p:cNvSpPr/>
-            <p:nvPr/>
-          </p:nvSpPr>
-          <p:spPr>
-            <a:xfrm>
-              <a:off x="5264217" y="4228939"/>
-              <a:ext cx="142210" cy="84529"/>
-            </a:xfrm>
-            <a:prstGeom prst="rect">
-              <a:avLst/>
-            </a:prstGeom>
-            <a:noFill/>
-          </p:spPr>
-          <p:txBody>
-            <a:bodyPr lIns="0" rIns="0" tIns="0" bIns="0" anchorCtr="1" anchor="ctr" wrap="none"/>
-            <a:lstStyle/>
-            <a:p>
-              <a:pPr algn="l" marL="0" marR="0" indent="0">
-                <a:lnSpc>
-                  <a:spcPts val="880"/>
-                </a:lnSpc>
-                <a:spcBef>
-                  <a:spcPts val="0"/>
-                </a:spcBef>
-                <a:spcAft>
-                  <a:spcPts val="0"/>
-                </a:spcAft>
-              </a:pPr>
-              <a:r>
-                <a:rPr sz="880">
-                  <a:solidFill>
-                    <a:srgbClr val="4D4D4D">
-                      <a:alpha val="100000"/>
-                    </a:srgbClr>
-                  </a:solidFill>
-                  <a:latin typeface="DejaVu Sans"/>
-                  <a:cs typeface="DejaVu Sans"/>
-                </a:rPr>
-                <a:t>52</a:t>
-              </a:r>
-            </a:p>
-          </p:txBody>
-        </p:sp>
-        <p:sp>
-          <p:nvSpPr>
-            <p:cNvPr id="118" name="tx117"/>
-            <p:cNvSpPr/>
-            <p:nvPr/>
-          </p:nvSpPr>
-          <p:spPr>
-            <a:xfrm>
-              <a:off x="3467509" y="4371510"/>
+            <p:cNvPr id="105" name="tx104"/>
+            <p:cNvSpPr/>
+            <p:nvPr/>
+          </p:nvSpPr>
+          <p:spPr>
+            <a:xfrm>
+              <a:off x="3272209" y="4371510"/>
               <a:ext cx="258936" cy="101841"/>
             </a:xfrm>
             <a:prstGeom prst="rect">
@@ -7796,7 +7225,7 @@
         </p:sp>
         <p:sp>
           <p:nvSpPr>
-            <p:cNvPr id="119" name="tx118"/>
+            <p:cNvPr id="106" name="tx105"/>
             <p:cNvSpPr/>
             <p:nvPr/>
           </p:nvSpPr>
@@ -7842,14 +7271,14 @@
         </p:sp>
         <p:sp>
           <p:nvSpPr>
-            <p:cNvPr id="120" name="rc119"/>
-            <p:cNvSpPr/>
-            <p:nvPr/>
-          </p:nvSpPr>
-          <p:spPr>
-            <a:xfrm>
-              <a:off x="5801309" y="1967931"/>
-              <a:ext cx="529901" cy="1217491"/>
+            <p:cNvPr id="107" name="rc106"/>
+            <p:cNvSpPr/>
+            <p:nvPr/>
+          </p:nvSpPr>
+          <p:spPr>
+            <a:xfrm>
+              <a:off x="5410709" y="1967931"/>
+              <a:ext cx="920501" cy="1217491"/>
             </a:xfrm>
             <a:prstGeom prst="rect">
               <a:avLst/>
@@ -7868,13 +7297,13 @@
         </p:sp>
         <p:sp>
           <p:nvSpPr>
-            <p:cNvPr id="121" name="tx120"/>
-            <p:cNvSpPr/>
-            <p:nvPr/>
-          </p:nvSpPr>
-          <p:spPr>
-            <a:xfrm>
-              <a:off x="5870898" y="2052049"/>
+            <p:cNvPr id="108" name="tx107"/>
+            <p:cNvSpPr/>
+            <p:nvPr/>
+          </p:nvSpPr>
+          <p:spPr>
+            <a:xfrm>
+              <a:off x="5480298" y="2052049"/>
               <a:ext cx="390723" cy="101841"/>
             </a:xfrm>
             <a:prstGeom prst="rect">
@@ -7914,13 +7343,13 @@
         </p:sp>
         <p:sp>
           <p:nvSpPr>
-            <p:cNvPr id="122" name="rc121"/>
-            <p:cNvSpPr/>
-            <p:nvPr/>
-          </p:nvSpPr>
-          <p:spPr>
-            <a:xfrm>
-              <a:off x="5870898" y="2238009"/>
+            <p:cNvPr id="109" name="rc108"/>
+            <p:cNvSpPr/>
+            <p:nvPr/>
+          </p:nvSpPr>
+          <p:spPr>
+            <a:xfrm>
+              <a:off x="5480298" y="2238009"/>
               <a:ext cx="219455" cy="219456"/>
             </a:xfrm>
             <a:prstGeom prst="rect">
@@ -7940,13 +7369,13 @@
         </p:sp>
         <p:sp>
           <p:nvSpPr>
-            <p:cNvPr id="123" name="pl122"/>
-            <p:cNvSpPr/>
-            <p:nvPr/>
-          </p:nvSpPr>
-          <p:spPr>
-            <a:xfrm>
-              <a:off x="5892844" y="2347737"/>
+            <p:cNvPr id="110" name="pl109"/>
+            <p:cNvSpPr/>
+            <p:nvPr/>
+          </p:nvSpPr>
+          <p:spPr>
+            <a:xfrm>
+              <a:off x="5502243" y="2347737"/>
               <a:ext cx="175564" cy="0"/>
             </a:xfrm>
             <a:custGeom>
@@ -7980,13 +7409,13 @@
         </p:sp>
         <p:sp>
           <p:nvSpPr>
-            <p:cNvPr id="124" name="tx123"/>
-            <p:cNvSpPr/>
-            <p:nvPr/>
-          </p:nvSpPr>
-          <p:spPr>
-            <a:xfrm>
-              <a:off x="5907475" y="2293002"/>
+            <p:cNvPr id="111" name="tx110"/>
+            <p:cNvSpPr/>
+            <p:nvPr/>
+          </p:nvSpPr>
+          <p:spPr>
+            <a:xfrm>
+              <a:off x="5516875" y="2293002"/>
               <a:ext cx="146301" cy="109470"/>
             </a:xfrm>
             <a:prstGeom prst="rect">
@@ -8026,13 +7455,13 @@
         </p:sp>
         <p:sp>
           <p:nvSpPr>
-            <p:cNvPr id="125" name="rc124"/>
-            <p:cNvSpPr/>
-            <p:nvPr/>
-          </p:nvSpPr>
-          <p:spPr>
-            <a:xfrm>
-              <a:off x="5870898" y="2457465"/>
+            <p:cNvPr id="112" name="rc111"/>
+            <p:cNvSpPr/>
+            <p:nvPr/>
+          </p:nvSpPr>
+          <p:spPr>
+            <a:xfrm>
+              <a:off x="5480298" y="2457465"/>
               <a:ext cx="219455" cy="219456"/>
             </a:xfrm>
             <a:prstGeom prst="rect">
@@ -8052,13 +7481,13 @@
         </p:sp>
         <p:sp>
           <p:nvSpPr>
-            <p:cNvPr id="126" name="pl125"/>
-            <p:cNvSpPr/>
-            <p:nvPr/>
-          </p:nvSpPr>
-          <p:spPr>
-            <a:xfrm>
-              <a:off x="5892844" y="2567193"/>
+            <p:cNvPr id="113" name="pl112"/>
+            <p:cNvSpPr/>
+            <p:nvPr/>
+          </p:nvSpPr>
+          <p:spPr>
+            <a:xfrm>
+              <a:off x="5502243" y="2567193"/>
               <a:ext cx="175564" cy="0"/>
             </a:xfrm>
             <a:custGeom>
@@ -8092,13 +7521,13 @@
         </p:sp>
         <p:sp>
           <p:nvSpPr>
-            <p:cNvPr id="127" name="tx126"/>
-            <p:cNvSpPr/>
-            <p:nvPr/>
-          </p:nvSpPr>
-          <p:spPr>
-            <a:xfrm>
-              <a:off x="5907475" y="2512458"/>
+            <p:cNvPr id="114" name="tx113"/>
+            <p:cNvSpPr/>
+            <p:nvPr/>
+          </p:nvSpPr>
+          <p:spPr>
+            <a:xfrm>
+              <a:off x="5516875" y="2512458"/>
               <a:ext cx="146301" cy="109470"/>
             </a:xfrm>
             <a:prstGeom prst="rect">
@@ -8138,13 +7567,13 @@
         </p:sp>
         <p:sp>
           <p:nvSpPr>
-            <p:cNvPr id="128" name="rc127"/>
-            <p:cNvSpPr/>
-            <p:nvPr/>
-          </p:nvSpPr>
-          <p:spPr>
-            <a:xfrm>
-              <a:off x="5870898" y="2676921"/>
+            <p:cNvPr id="115" name="rc114"/>
+            <p:cNvSpPr/>
+            <p:nvPr/>
+          </p:nvSpPr>
+          <p:spPr>
+            <a:xfrm>
+              <a:off x="5480298" y="2676921"/>
               <a:ext cx="219455" cy="219456"/>
             </a:xfrm>
             <a:prstGeom prst="rect">
@@ -8164,13 +7593,13 @@
         </p:sp>
         <p:sp>
           <p:nvSpPr>
-            <p:cNvPr id="129" name="pl128"/>
-            <p:cNvSpPr/>
-            <p:nvPr/>
-          </p:nvSpPr>
-          <p:spPr>
-            <a:xfrm>
-              <a:off x="5892844" y="2786649"/>
+            <p:cNvPr id="116" name="pl115"/>
+            <p:cNvSpPr/>
+            <p:nvPr/>
+          </p:nvSpPr>
+          <p:spPr>
+            <a:xfrm>
+              <a:off x="5502243" y="2786649"/>
               <a:ext cx="175564" cy="0"/>
             </a:xfrm>
             <a:custGeom>
@@ -8204,13 +7633,13 @@
         </p:sp>
         <p:sp>
           <p:nvSpPr>
-            <p:cNvPr id="130" name="tx129"/>
-            <p:cNvSpPr/>
-            <p:nvPr/>
-          </p:nvSpPr>
-          <p:spPr>
-            <a:xfrm>
-              <a:off x="5907475" y="2731914"/>
+            <p:cNvPr id="117" name="tx116"/>
+            <p:cNvSpPr/>
+            <p:nvPr/>
+          </p:nvSpPr>
+          <p:spPr>
+            <a:xfrm>
+              <a:off x="5516875" y="2731914"/>
               <a:ext cx="146301" cy="109470"/>
             </a:xfrm>
             <a:prstGeom prst="rect">
@@ -8250,13 +7679,13 @@
         </p:sp>
         <p:sp>
           <p:nvSpPr>
-            <p:cNvPr id="131" name="rc130"/>
-            <p:cNvSpPr/>
-            <p:nvPr/>
-          </p:nvSpPr>
-          <p:spPr>
-            <a:xfrm>
-              <a:off x="5870898" y="2896377"/>
+            <p:cNvPr id="118" name="rc117"/>
+            <p:cNvSpPr/>
+            <p:nvPr/>
+          </p:nvSpPr>
+          <p:spPr>
+            <a:xfrm>
+              <a:off x="5480298" y="2896377"/>
               <a:ext cx="219455" cy="219456"/>
             </a:xfrm>
             <a:prstGeom prst="rect">
@@ -8276,13 +7705,13 @@
         </p:sp>
         <p:sp>
           <p:nvSpPr>
-            <p:cNvPr id="132" name="pl131"/>
-            <p:cNvSpPr/>
-            <p:nvPr/>
-          </p:nvSpPr>
-          <p:spPr>
-            <a:xfrm>
-              <a:off x="5892844" y="3006105"/>
+            <p:cNvPr id="119" name="pl118"/>
+            <p:cNvSpPr/>
+            <p:nvPr/>
+          </p:nvSpPr>
+          <p:spPr>
+            <a:xfrm>
+              <a:off x="5502243" y="3006105"/>
               <a:ext cx="175564" cy="0"/>
             </a:xfrm>
             <a:custGeom>
@@ -8316,13 +7745,13 @@
         </p:sp>
         <p:sp>
           <p:nvSpPr>
-            <p:cNvPr id="133" name="tx132"/>
-            <p:cNvSpPr/>
-            <p:nvPr/>
-          </p:nvSpPr>
-          <p:spPr>
-            <a:xfrm>
-              <a:off x="5907475" y="2951370"/>
+            <p:cNvPr id="120" name="tx119"/>
+            <p:cNvSpPr/>
+            <p:nvPr/>
+          </p:nvSpPr>
+          <p:spPr>
+            <a:xfrm>
+              <a:off x="5516875" y="2951370"/>
               <a:ext cx="146301" cy="109470"/>
             </a:xfrm>
             <a:prstGeom prst="rect">
@@ -8362,14 +7791,14 @@
         </p:sp>
         <p:sp>
           <p:nvSpPr>
-            <p:cNvPr id="134" name="tx133"/>
-            <p:cNvSpPr/>
-            <p:nvPr/>
-          </p:nvSpPr>
-          <p:spPr>
-            <a:xfrm>
-              <a:off x="6159943" y="2307001"/>
-              <a:ext cx="76453" cy="81473"/>
+            <p:cNvPr id="121" name="tx120"/>
+            <p:cNvSpPr/>
+            <p:nvPr/>
+          </p:nvSpPr>
+          <p:spPr>
+            <a:xfrm>
+              <a:off x="5769343" y="2307001"/>
+              <a:ext cx="482674" cy="81473"/>
             </a:xfrm>
             <a:prstGeom prst="rect">
               <a:avLst/>
@@ -8401,21 +7830,21 @@
                   <a:latin typeface="DejaVu Sans"/>
                   <a:cs typeface="DejaVu Sans"/>
                 </a:rPr>
-                <a:t>A</a:t>
+                <a:t>Trt.ID=A</a:t>
               </a:r>
             </a:p>
           </p:txBody>
         </p:sp>
         <p:sp>
           <p:nvSpPr>
-            <p:cNvPr id="135" name="tx134"/>
-            <p:cNvSpPr/>
-            <p:nvPr/>
-          </p:nvSpPr>
-          <p:spPr>
-            <a:xfrm>
-              <a:off x="6159943" y="2526457"/>
-              <a:ext cx="76671" cy="81473"/>
+            <p:cNvPr id="122" name="tx121"/>
+            <p:cNvSpPr/>
+            <p:nvPr/>
+          </p:nvSpPr>
+          <p:spPr>
+            <a:xfrm>
+              <a:off x="5769343" y="2526457"/>
+              <a:ext cx="482892" cy="81473"/>
             </a:xfrm>
             <a:prstGeom prst="rect">
               <a:avLst/>
@@ -8447,21 +7876,21 @@
                   <a:latin typeface="DejaVu Sans"/>
                   <a:cs typeface="DejaVu Sans"/>
                 </a:rPr>
-                <a:t>B</a:t>
+                <a:t>Trt.ID=B</a:t>
               </a:r>
             </a:p>
           </p:txBody>
         </p:sp>
         <p:sp>
           <p:nvSpPr>
-            <p:cNvPr id="136" name="tx135"/>
-            <p:cNvSpPr/>
-            <p:nvPr/>
-          </p:nvSpPr>
-          <p:spPr>
-            <a:xfrm>
-              <a:off x="6159943" y="2742857"/>
-              <a:ext cx="78035" cy="84529"/>
+            <p:cNvPr id="123" name="tx122"/>
+            <p:cNvSpPr/>
+            <p:nvPr/>
+          </p:nvSpPr>
+          <p:spPr>
+            <a:xfrm>
+              <a:off x="5769343" y="2742857"/>
+              <a:ext cx="484256" cy="84529"/>
             </a:xfrm>
             <a:prstGeom prst="rect">
               <a:avLst/>
@@ -8493,21 +7922,21 @@
                   <a:latin typeface="DejaVu Sans"/>
                   <a:cs typeface="DejaVu Sans"/>
                 </a:rPr>
-                <a:t>C</a:t>
+                <a:t>Trt.ID=C</a:t>
               </a:r>
             </a:p>
           </p:txBody>
         </p:sp>
         <p:sp>
           <p:nvSpPr>
-            <p:cNvPr id="137" name="tx136"/>
-            <p:cNvSpPr/>
-            <p:nvPr/>
-          </p:nvSpPr>
-          <p:spPr>
-            <a:xfrm>
-              <a:off x="6159943" y="2965369"/>
-              <a:ext cx="86057" cy="81473"/>
+            <p:cNvPr id="124" name="tx123"/>
+            <p:cNvSpPr/>
+            <p:nvPr/>
+          </p:nvSpPr>
+          <p:spPr>
+            <a:xfrm>
+              <a:off x="5769343" y="2965369"/>
+              <a:ext cx="492278" cy="81473"/>
             </a:xfrm>
             <a:prstGeom prst="rect">
               <a:avLst/>
@@ -8539,7 +7968,7 @@
                   <a:latin typeface="DejaVu Sans"/>
                   <a:cs typeface="DejaVu Sans"/>
                 </a:rPr>
-                <a:t>D</a:t>
+                <a:t>Trt.ID=D</a:t>
               </a:r>
             </a:p>
           </p:txBody>

--- a/reference/QCATC777-Survival-Curve.pptx
+++ b/reference/QCATC777-Survival-Curve.pptx
@@ -2875,7 +2875,7 @@
           </p:nvSpPr>
           <p:spPr>
             <a:xfrm>
-              <a:off x="1531823" y="1200051"/>
+              <a:off x="1779871" y="1200051"/>
               <a:ext cx="0" cy="1341830"/>
             </a:xfrm>
             <a:custGeom>
@@ -2918,7 +2918,7 @@
           </p:nvSpPr>
           <p:spPr>
             <a:xfrm>
-              <a:off x="1709908" y="1200051"/>
+              <a:off x="2097880" y="1200051"/>
               <a:ext cx="0" cy="1341830"/>
             </a:xfrm>
             <a:custGeom>
@@ -2961,7 +2961,7 @@
           </p:nvSpPr>
           <p:spPr>
             <a:xfrm>
-              <a:off x="1887994" y="1200051"/>
+              <a:off x="2415890" y="1200051"/>
               <a:ext cx="0" cy="1341830"/>
             </a:xfrm>
             <a:custGeom>
@@ -3004,7 +3004,7 @@
           </p:nvSpPr>
           <p:spPr>
             <a:xfrm>
-              <a:off x="2066079" y="1200051"/>
+              <a:off x="2733900" y="1200051"/>
               <a:ext cx="0" cy="1341830"/>
             </a:xfrm>
             <a:custGeom>
@@ -3047,7 +3047,7 @@
           </p:nvSpPr>
           <p:spPr>
             <a:xfrm>
-              <a:off x="2244165" y="1200051"/>
+              <a:off x="3051910" y="1200051"/>
               <a:ext cx="0" cy="1341830"/>
             </a:xfrm>
             <a:custGeom>
@@ -3090,7 +3090,7 @@
           </p:nvSpPr>
           <p:spPr>
             <a:xfrm>
-              <a:off x="2422250" y="1200051"/>
+              <a:off x="3369920" y="1200051"/>
               <a:ext cx="0" cy="1341830"/>
             </a:xfrm>
             <a:custGeom>
@@ -3128,264 +3128,6 @@
         <p:sp>
           <p:nvSpPr>
             <p:cNvPr id="25" name="pl24"/>
-            <p:cNvSpPr/>
-            <p:nvPr/>
-          </p:nvSpPr>
-          <p:spPr>
-            <a:xfrm>
-              <a:off x="2600336" y="1200051"/>
-              <a:ext cx="0" cy="1341830"/>
-            </a:xfrm>
-            <a:custGeom>
-              <a:avLst/>
-              <a:pathLst>
-                <a:path w="0" h="1341830">
-                  <a:moveTo>
-                    <a:pt x="0" y="1341830"/>
-                  </a:moveTo>
-                  <a:lnTo>
-                    <a:pt x="0" y="0"/>
-                  </a:lnTo>
-                  <a:lnTo>
-                    <a:pt x="0" y="0"/>
-                  </a:lnTo>
-                </a:path>
-              </a:pathLst>
-            </a:custGeom>
-            <a:ln w="6775" cap="flat">
-              <a:solidFill>
-                <a:srgbClr val="FFFFFF">
-                  <a:alpha val="100000"/>
-                </a:srgbClr>
-              </a:solidFill>
-              <a:prstDash val="solid"/>
-              <a:round/>
-            </a:ln>
-          </p:spPr>
-          <p:txBody>
-            <a:bodyPr/>
-            <a:lstStyle/>
-            <a:p/>
-          </p:txBody>
-        </p:sp>
-        <p:sp>
-          <p:nvSpPr>
-            <p:cNvPr id="26" name="pl25"/>
-            <p:cNvSpPr/>
-            <p:nvPr/>
-          </p:nvSpPr>
-          <p:spPr>
-            <a:xfrm>
-              <a:off x="2778421" y="1200051"/>
-              <a:ext cx="0" cy="1341830"/>
-            </a:xfrm>
-            <a:custGeom>
-              <a:avLst/>
-              <a:pathLst>
-                <a:path w="0" h="1341830">
-                  <a:moveTo>
-                    <a:pt x="0" y="1341830"/>
-                  </a:moveTo>
-                  <a:lnTo>
-                    <a:pt x="0" y="0"/>
-                  </a:lnTo>
-                  <a:lnTo>
-                    <a:pt x="0" y="0"/>
-                  </a:lnTo>
-                </a:path>
-              </a:pathLst>
-            </a:custGeom>
-            <a:ln w="6775" cap="flat">
-              <a:solidFill>
-                <a:srgbClr val="FFFFFF">
-                  <a:alpha val="100000"/>
-                </a:srgbClr>
-              </a:solidFill>
-              <a:prstDash val="solid"/>
-              <a:round/>
-            </a:ln>
-          </p:spPr>
-          <p:txBody>
-            <a:bodyPr/>
-            <a:lstStyle/>
-            <a:p/>
-          </p:txBody>
-        </p:sp>
-        <p:sp>
-          <p:nvSpPr>
-            <p:cNvPr id="27" name="pl26"/>
-            <p:cNvSpPr/>
-            <p:nvPr/>
-          </p:nvSpPr>
-          <p:spPr>
-            <a:xfrm>
-              <a:off x="2956507" y="1200051"/>
-              <a:ext cx="0" cy="1341830"/>
-            </a:xfrm>
-            <a:custGeom>
-              <a:avLst/>
-              <a:pathLst>
-                <a:path w="0" h="1341830">
-                  <a:moveTo>
-                    <a:pt x="0" y="1341830"/>
-                  </a:moveTo>
-                  <a:lnTo>
-                    <a:pt x="0" y="0"/>
-                  </a:lnTo>
-                  <a:lnTo>
-                    <a:pt x="0" y="0"/>
-                  </a:lnTo>
-                </a:path>
-              </a:pathLst>
-            </a:custGeom>
-            <a:ln w="6775" cap="flat">
-              <a:solidFill>
-                <a:srgbClr val="FFFFFF">
-                  <a:alpha val="100000"/>
-                </a:srgbClr>
-              </a:solidFill>
-              <a:prstDash val="solid"/>
-              <a:round/>
-            </a:ln>
-          </p:spPr>
-          <p:txBody>
-            <a:bodyPr/>
-            <a:lstStyle/>
-            <a:p/>
-          </p:txBody>
-        </p:sp>
-        <p:sp>
-          <p:nvSpPr>
-            <p:cNvPr id="28" name="pl27"/>
-            <p:cNvSpPr/>
-            <p:nvPr/>
-          </p:nvSpPr>
-          <p:spPr>
-            <a:xfrm>
-              <a:off x="3134592" y="1200051"/>
-              <a:ext cx="0" cy="1341830"/>
-            </a:xfrm>
-            <a:custGeom>
-              <a:avLst/>
-              <a:pathLst>
-                <a:path w="0" h="1341830">
-                  <a:moveTo>
-                    <a:pt x="0" y="1341830"/>
-                  </a:moveTo>
-                  <a:lnTo>
-                    <a:pt x="0" y="0"/>
-                  </a:lnTo>
-                  <a:lnTo>
-                    <a:pt x="0" y="0"/>
-                  </a:lnTo>
-                </a:path>
-              </a:pathLst>
-            </a:custGeom>
-            <a:ln w="6775" cap="flat">
-              <a:solidFill>
-                <a:srgbClr val="FFFFFF">
-                  <a:alpha val="100000"/>
-                </a:srgbClr>
-              </a:solidFill>
-              <a:prstDash val="solid"/>
-              <a:round/>
-            </a:ln>
-          </p:spPr>
-          <p:txBody>
-            <a:bodyPr/>
-            <a:lstStyle/>
-            <a:p/>
-          </p:txBody>
-        </p:sp>
-        <p:sp>
-          <p:nvSpPr>
-            <p:cNvPr id="29" name="pl28"/>
-            <p:cNvSpPr/>
-            <p:nvPr/>
-          </p:nvSpPr>
-          <p:spPr>
-            <a:xfrm>
-              <a:off x="3312678" y="1200051"/>
-              <a:ext cx="0" cy="1341830"/>
-            </a:xfrm>
-            <a:custGeom>
-              <a:avLst/>
-              <a:pathLst>
-                <a:path w="0" h="1341830">
-                  <a:moveTo>
-                    <a:pt x="0" y="1341830"/>
-                  </a:moveTo>
-                  <a:lnTo>
-                    <a:pt x="0" y="0"/>
-                  </a:lnTo>
-                  <a:lnTo>
-                    <a:pt x="0" y="0"/>
-                  </a:lnTo>
-                </a:path>
-              </a:pathLst>
-            </a:custGeom>
-            <a:ln w="6775" cap="flat">
-              <a:solidFill>
-                <a:srgbClr val="FFFFFF">
-                  <a:alpha val="100000"/>
-                </a:srgbClr>
-              </a:solidFill>
-              <a:prstDash val="solid"/>
-              <a:round/>
-            </a:ln>
-          </p:spPr>
-          <p:txBody>
-            <a:bodyPr/>
-            <a:lstStyle/>
-            <a:p/>
-          </p:txBody>
-        </p:sp>
-        <p:sp>
-          <p:nvSpPr>
-            <p:cNvPr id="30" name="pl29"/>
-            <p:cNvSpPr/>
-            <p:nvPr/>
-          </p:nvSpPr>
-          <p:spPr>
-            <a:xfrm>
-              <a:off x="3490763" y="1200051"/>
-              <a:ext cx="0" cy="1341830"/>
-            </a:xfrm>
-            <a:custGeom>
-              <a:avLst/>
-              <a:pathLst>
-                <a:path w="0" h="1341830">
-                  <a:moveTo>
-                    <a:pt x="0" y="1341830"/>
-                  </a:moveTo>
-                  <a:lnTo>
-                    <a:pt x="0" y="0"/>
-                  </a:lnTo>
-                  <a:lnTo>
-                    <a:pt x="0" y="0"/>
-                  </a:lnTo>
-                </a:path>
-              </a:pathLst>
-            </a:custGeom>
-            <a:ln w="6775" cap="flat">
-              <a:solidFill>
-                <a:srgbClr val="FFFFFF">
-                  <a:alpha val="100000"/>
-                </a:srgbClr>
-              </a:solidFill>
-              <a:prstDash val="solid"/>
-              <a:round/>
-            </a:ln>
-          </p:spPr>
-          <p:txBody>
-            <a:bodyPr/>
-            <a:lstStyle/>
-            <a:p/>
-          </p:txBody>
-        </p:sp>
-        <p:sp>
-          <p:nvSpPr>
-            <p:cNvPr id="31" name="pl30"/>
             <p:cNvSpPr/>
             <p:nvPr/>
           </p:nvSpPr>
@@ -3428,7 +3170,7 @@
         </p:sp>
         <p:sp>
           <p:nvSpPr>
-            <p:cNvPr id="32" name="pl31"/>
+            <p:cNvPr id="26" name="pl25"/>
             <p:cNvSpPr/>
             <p:nvPr/>
           </p:nvSpPr>
@@ -3471,7 +3213,7 @@
         </p:sp>
         <p:sp>
           <p:nvSpPr>
-            <p:cNvPr id="33" name="pl32"/>
+            <p:cNvPr id="27" name="pl26"/>
             <p:cNvSpPr/>
             <p:nvPr/>
           </p:nvSpPr>
@@ -3514,7 +3256,7 @@
         </p:sp>
         <p:sp>
           <p:nvSpPr>
-            <p:cNvPr id="34" name="pl33"/>
+            <p:cNvPr id="28" name="pl27"/>
             <p:cNvSpPr/>
             <p:nvPr/>
           </p:nvSpPr>
@@ -3557,7 +3299,7 @@
         </p:sp>
         <p:sp>
           <p:nvSpPr>
-            <p:cNvPr id="35" name="pl34"/>
+            <p:cNvPr id="29" name="pl28"/>
             <p:cNvSpPr/>
             <p:nvPr/>
           </p:nvSpPr>
@@ -3600,7 +3342,7 @@
         </p:sp>
         <p:sp>
           <p:nvSpPr>
-            <p:cNvPr id="36" name="pl35"/>
+            <p:cNvPr id="30" name="pl29"/>
             <p:cNvSpPr/>
             <p:nvPr/>
           </p:nvSpPr>
@@ -3643,7 +3385,7 @@
         </p:sp>
         <p:sp>
           <p:nvSpPr>
-            <p:cNvPr id="37" name="pl36"/>
+            <p:cNvPr id="31" name="pl30"/>
             <p:cNvSpPr/>
             <p:nvPr/>
           </p:nvSpPr>
@@ -3686,7 +3428,7 @@
         </p:sp>
         <p:sp>
           <p:nvSpPr>
-            <p:cNvPr id="38" name="pl37"/>
+            <p:cNvPr id="32" name="pl31"/>
             <p:cNvSpPr/>
             <p:nvPr/>
           </p:nvSpPr>
@@ -3729,7 +3471,7 @@
         </p:sp>
         <p:sp>
           <p:nvSpPr>
-            <p:cNvPr id="39" name="pl38"/>
+            <p:cNvPr id="33" name="pl32"/>
             <p:cNvSpPr/>
             <p:nvPr/>
           </p:nvSpPr>
@@ -3772,7 +3514,7 @@
         </p:sp>
         <p:sp>
           <p:nvSpPr>
-            <p:cNvPr id="40" name="pl39"/>
+            <p:cNvPr id="34" name="pl33"/>
             <p:cNvSpPr/>
             <p:nvPr/>
           </p:nvSpPr>
@@ -3815,7 +3557,7 @@
         </p:sp>
         <p:sp>
           <p:nvSpPr>
-            <p:cNvPr id="41" name="pl40"/>
+            <p:cNvPr id="35" name="pl34"/>
             <p:cNvSpPr/>
             <p:nvPr/>
           </p:nvSpPr>
@@ -3858,7 +3600,7 @@
         </p:sp>
         <p:sp>
           <p:nvSpPr>
-            <p:cNvPr id="42" name="pl41"/>
+            <p:cNvPr id="36" name="pl35"/>
             <p:cNvSpPr/>
             <p:nvPr/>
           </p:nvSpPr>
@@ -3901,34 +3643,496 @@
         </p:sp>
         <p:sp>
           <p:nvSpPr>
+            <p:cNvPr id="37" name="pl36"/>
+            <p:cNvSpPr/>
+            <p:nvPr/>
+          </p:nvSpPr>
+          <p:spPr>
+            <a:xfrm>
+              <a:off x="1938875" y="1200051"/>
+              <a:ext cx="0" cy="1341830"/>
+            </a:xfrm>
+            <a:custGeom>
+              <a:avLst/>
+              <a:pathLst>
+                <a:path w="0" h="1341830">
+                  <a:moveTo>
+                    <a:pt x="0" y="1341830"/>
+                  </a:moveTo>
+                  <a:lnTo>
+                    <a:pt x="0" y="0"/>
+                  </a:lnTo>
+                  <a:lnTo>
+                    <a:pt x="0" y="0"/>
+                  </a:lnTo>
+                </a:path>
+              </a:pathLst>
+            </a:custGeom>
+            <a:ln w="13550" cap="flat">
+              <a:solidFill>
+                <a:srgbClr val="FFFFFF">
+                  <a:alpha val="100000"/>
+                </a:srgbClr>
+              </a:solidFill>
+              <a:prstDash val="solid"/>
+              <a:round/>
+            </a:ln>
+          </p:spPr>
+          <p:txBody>
+            <a:bodyPr/>
+            <a:lstStyle/>
+            <a:p/>
+          </p:txBody>
+        </p:sp>
+        <p:sp>
+          <p:nvSpPr>
+            <p:cNvPr id="38" name="pl37"/>
+            <p:cNvSpPr/>
+            <p:nvPr/>
+          </p:nvSpPr>
+          <p:spPr>
+            <a:xfrm>
+              <a:off x="2256885" y="1200051"/>
+              <a:ext cx="0" cy="1341830"/>
+            </a:xfrm>
+            <a:custGeom>
+              <a:avLst/>
+              <a:pathLst>
+                <a:path w="0" h="1341830">
+                  <a:moveTo>
+                    <a:pt x="0" y="1341830"/>
+                  </a:moveTo>
+                  <a:lnTo>
+                    <a:pt x="0" y="0"/>
+                  </a:lnTo>
+                  <a:lnTo>
+                    <a:pt x="0" y="0"/>
+                  </a:lnTo>
+                </a:path>
+              </a:pathLst>
+            </a:custGeom>
+            <a:ln w="13550" cap="flat">
+              <a:solidFill>
+                <a:srgbClr val="FFFFFF">
+                  <a:alpha val="100000"/>
+                </a:srgbClr>
+              </a:solidFill>
+              <a:prstDash val="solid"/>
+              <a:round/>
+            </a:ln>
+          </p:spPr>
+          <p:txBody>
+            <a:bodyPr/>
+            <a:lstStyle/>
+            <a:p/>
+          </p:txBody>
+        </p:sp>
+        <p:sp>
+          <p:nvSpPr>
+            <p:cNvPr id="39" name="pl38"/>
+            <p:cNvSpPr/>
+            <p:nvPr/>
+          </p:nvSpPr>
+          <p:spPr>
+            <a:xfrm>
+              <a:off x="2574895" y="1200051"/>
+              <a:ext cx="0" cy="1341830"/>
+            </a:xfrm>
+            <a:custGeom>
+              <a:avLst/>
+              <a:pathLst>
+                <a:path w="0" h="1341830">
+                  <a:moveTo>
+                    <a:pt x="0" y="1341830"/>
+                  </a:moveTo>
+                  <a:lnTo>
+                    <a:pt x="0" y="0"/>
+                  </a:lnTo>
+                  <a:lnTo>
+                    <a:pt x="0" y="0"/>
+                  </a:lnTo>
+                </a:path>
+              </a:pathLst>
+            </a:custGeom>
+            <a:ln w="13550" cap="flat">
+              <a:solidFill>
+                <a:srgbClr val="FFFFFF">
+                  <a:alpha val="100000"/>
+                </a:srgbClr>
+              </a:solidFill>
+              <a:prstDash val="solid"/>
+              <a:round/>
+            </a:ln>
+          </p:spPr>
+          <p:txBody>
+            <a:bodyPr/>
+            <a:lstStyle/>
+            <a:p/>
+          </p:txBody>
+        </p:sp>
+        <p:sp>
+          <p:nvSpPr>
+            <p:cNvPr id="40" name="pl39"/>
+            <p:cNvSpPr/>
+            <p:nvPr/>
+          </p:nvSpPr>
+          <p:spPr>
+            <a:xfrm>
+              <a:off x="2892905" y="1200051"/>
+              <a:ext cx="0" cy="1341830"/>
+            </a:xfrm>
+            <a:custGeom>
+              <a:avLst/>
+              <a:pathLst>
+                <a:path w="0" h="1341830">
+                  <a:moveTo>
+                    <a:pt x="0" y="1341830"/>
+                  </a:moveTo>
+                  <a:lnTo>
+                    <a:pt x="0" y="0"/>
+                  </a:lnTo>
+                  <a:lnTo>
+                    <a:pt x="0" y="0"/>
+                  </a:lnTo>
+                </a:path>
+              </a:pathLst>
+            </a:custGeom>
+            <a:ln w="13550" cap="flat">
+              <a:solidFill>
+                <a:srgbClr val="FFFFFF">
+                  <a:alpha val="100000"/>
+                </a:srgbClr>
+              </a:solidFill>
+              <a:prstDash val="solid"/>
+              <a:round/>
+            </a:ln>
+          </p:spPr>
+          <p:txBody>
+            <a:bodyPr/>
+            <a:lstStyle/>
+            <a:p/>
+          </p:txBody>
+        </p:sp>
+        <p:sp>
+          <p:nvSpPr>
+            <p:cNvPr id="41" name="pl40"/>
+            <p:cNvSpPr/>
+            <p:nvPr/>
+          </p:nvSpPr>
+          <p:spPr>
+            <a:xfrm>
+              <a:off x="3210915" y="1200051"/>
+              <a:ext cx="0" cy="1341830"/>
+            </a:xfrm>
+            <a:custGeom>
+              <a:avLst/>
+              <a:pathLst>
+                <a:path w="0" h="1341830">
+                  <a:moveTo>
+                    <a:pt x="0" y="1341830"/>
+                  </a:moveTo>
+                  <a:lnTo>
+                    <a:pt x="0" y="0"/>
+                  </a:lnTo>
+                  <a:lnTo>
+                    <a:pt x="0" y="0"/>
+                  </a:lnTo>
+                </a:path>
+              </a:pathLst>
+            </a:custGeom>
+            <a:ln w="13550" cap="flat">
+              <a:solidFill>
+                <a:srgbClr val="FFFFFF">
+                  <a:alpha val="100000"/>
+                </a:srgbClr>
+              </a:solidFill>
+              <a:prstDash val="solid"/>
+              <a:round/>
+            </a:ln>
+          </p:spPr>
+          <p:txBody>
+            <a:bodyPr/>
+            <a:lstStyle/>
+            <a:p/>
+          </p:txBody>
+        </p:sp>
+        <p:sp>
+          <p:nvSpPr>
+            <p:cNvPr id="42" name="pl41"/>
+            <p:cNvSpPr/>
+            <p:nvPr/>
+          </p:nvSpPr>
+          <p:spPr>
+            <a:xfrm>
+              <a:off x="1620866" y="1261044"/>
+              <a:ext cx="1717253" cy="426946"/>
+            </a:xfrm>
+            <a:custGeom>
+              <a:avLst/>
+              <a:pathLst>
+                <a:path w="1717253" h="426946">
+                  <a:moveTo>
+                    <a:pt x="0" y="0"/>
+                  </a:moveTo>
+                  <a:lnTo>
+                    <a:pt x="858626" y="0"/>
+                  </a:lnTo>
+                  <a:lnTo>
+                    <a:pt x="858626" y="12198"/>
+                  </a:lnTo>
+                  <a:lnTo>
+                    <a:pt x="954029" y="12198"/>
+                  </a:lnTo>
+                  <a:lnTo>
+                    <a:pt x="954029" y="24396"/>
+                  </a:lnTo>
+                  <a:lnTo>
+                    <a:pt x="985830" y="24396"/>
+                  </a:lnTo>
+                  <a:lnTo>
+                    <a:pt x="985830" y="36595"/>
+                  </a:lnTo>
+                  <a:lnTo>
+                    <a:pt x="1017631" y="36595"/>
+                  </a:lnTo>
+                  <a:lnTo>
+                    <a:pt x="1017631" y="48793"/>
+                  </a:lnTo>
+                  <a:lnTo>
+                    <a:pt x="1049432" y="48793"/>
+                  </a:lnTo>
+                  <a:lnTo>
+                    <a:pt x="1049432" y="60992"/>
+                  </a:lnTo>
+                  <a:lnTo>
+                    <a:pt x="1081233" y="60992"/>
+                  </a:lnTo>
+                  <a:lnTo>
+                    <a:pt x="1081233" y="73190"/>
+                  </a:lnTo>
+                  <a:lnTo>
+                    <a:pt x="1113034" y="73190"/>
+                  </a:lnTo>
+                  <a:lnTo>
+                    <a:pt x="1113034" y="85389"/>
+                  </a:lnTo>
+                  <a:lnTo>
+                    <a:pt x="1144835" y="85389"/>
+                  </a:lnTo>
+                  <a:lnTo>
+                    <a:pt x="1144835" y="134183"/>
+                  </a:lnTo>
+                  <a:lnTo>
+                    <a:pt x="1176636" y="134183"/>
+                  </a:lnTo>
+                  <a:lnTo>
+                    <a:pt x="1176636" y="182976"/>
+                  </a:lnTo>
+                  <a:lnTo>
+                    <a:pt x="1208437" y="182976"/>
+                  </a:lnTo>
+                  <a:lnTo>
+                    <a:pt x="1208437" y="207373"/>
+                  </a:lnTo>
+                  <a:lnTo>
+                    <a:pt x="1240238" y="207373"/>
+                  </a:lnTo>
+                  <a:lnTo>
+                    <a:pt x="1240238" y="243969"/>
+                  </a:lnTo>
+                  <a:lnTo>
+                    <a:pt x="1272039" y="243969"/>
+                  </a:lnTo>
+                  <a:lnTo>
+                    <a:pt x="1272039" y="268366"/>
+                  </a:lnTo>
+                  <a:lnTo>
+                    <a:pt x="1303840" y="268366"/>
+                  </a:lnTo>
+                  <a:lnTo>
+                    <a:pt x="1303840" y="292763"/>
+                  </a:lnTo>
+                  <a:lnTo>
+                    <a:pt x="1367442" y="292763"/>
+                  </a:lnTo>
+                  <a:lnTo>
+                    <a:pt x="1367442" y="304961"/>
+                  </a:lnTo>
+                  <a:lnTo>
+                    <a:pt x="1431044" y="304961"/>
+                  </a:lnTo>
+                  <a:lnTo>
+                    <a:pt x="1431044" y="341556"/>
+                  </a:lnTo>
+                  <a:lnTo>
+                    <a:pt x="1494646" y="341556"/>
+                  </a:lnTo>
+                  <a:lnTo>
+                    <a:pt x="1494646" y="378152"/>
+                  </a:lnTo>
+                  <a:lnTo>
+                    <a:pt x="1526447" y="378152"/>
+                  </a:lnTo>
+                  <a:lnTo>
+                    <a:pt x="1526447" y="402549"/>
+                  </a:lnTo>
+                  <a:lnTo>
+                    <a:pt x="1558248" y="402549"/>
+                  </a:lnTo>
+                  <a:lnTo>
+                    <a:pt x="1558248" y="414747"/>
+                  </a:lnTo>
+                  <a:lnTo>
+                    <a:pt x="1590049" y="414747"/>
+                  </a:lnTo>
+                  <a:lnTo>
+                    <a:pt x="1590049" y="426946"/>
+                  </a:lnTo>
+                  <a:lnTo>
+                    <a:pt x="1717253" y="426946"/>
+                  </a:lnTo>
+                  <a:lnTo>
+                    <a:pt x="1717253" y="426946"/>
+                  </a:lnTo>
+                </a:path>
+              </a:pathLst>
+            </a:custGeom>
+            <a:ln w="27101" cap="flat">
+              <a:solidFill>
+                <a:srgbClr val="7CAE00">
+                  <a:alpha val="100000"/>
+                </a:srgbClr>
+              </a:solidFill>
+              <a:prstDash val="solid"/>
+              <a:round/>
+            </a:ln>
+          </p:spPr>
+          <p:txBody>
+            <a:bodyPr/>
+            <a:lstStyle/>
+            <a:p/>
+          </p:txBody>
+        </p:sp>
+        <p:sp>
+          <p:nvSpPr>
             <p:cNvPr id="43" name="pl42"/>
             <p:cNvSpPr/>
             <p:nvPr/>
           </p:nvSpPr>
           <p:spPr>
             <a:xfrm>
-              <a:off x="1798951" y="1200051"/>
-              <a:ext cx="0" cy="1341830"/>
-            </a:xfrm>
-            <a:custGeom>
-              <a:avLst/>
-              <a:pathLst>
-                <a:path w="0" h="1341830">
-                  <a:moveTo>
-                    <a:pt x="0" y="1341830"/>
-                  </a:moveTo>
-                  <a:lnTo>
-                    <a:pt x="0" y="0"/>
-                  </a:lnTo>
-                  <a:lnTo>
-                    <a:pt x="0" y="0"/>
-                  </a:lnTo>
-                </a:path>
-              </a:pathLst>
-            </a:custGeom>
-            <a:ln w="13550" cap="flat">
-              <a:solidFill>
-                <a:srgbClr val="FFFFFF">
+              <a:off x="1620866" y="1261044"/>
+              <a:ext cx="1717253" cy="475739"/>
+            </a:xfrm>
+            <a:custGeom>
+              <a:avLst/>
+              <a:pathLst>
+                <a:path w="1717253" h="475739">
+                  <a:moveTo>
+                    <a:pt x="0" y="0"/>
+                  </a:moveTo>
+                  <a:lnTo>
+                    <a:pt x="826825" y="0"/>
+                  </a:lnTo>
+                  <a:lnTo>
+                    <a:pt x="826825" y="12198"/>
+                  </a:lnTo>
+                  <a:lnTo>
+                    <a:pt x="858626" y="12198"/>
+                  </a:lnTo>
+                  <a:lnTo>
+                    <a:pt x="858626" y="36595"/>
+                  </a:lnTo>
+                  <a:lnTo>
+                    <a:pt x="954029" y="36595"/>
+                  </a:lnTo>
+                  <a:lnTo>
+                    <a:pt x="954029" y="60992"/>
+                  </a:lnTo>
+                  <a:lnTo>
+                    <a:pt x="985830" y="60992"/>
+                  </a:lnTo>
+                  <a:lnTo>
+                    <a:pt x="985830" y="85389"/>
+                  </a:lnTo>
+                  <a:lnTo>
+                    <a:pt x="1017631" y="85389"/>
+                  </a:lnTo>
+                  <a:lnTo>
+                    <a:pt x="1017631" y="158579"/>
+                  </a:lnTo>
+                  <a:lnTo>
+                    <a:pt x="1049432" y="158579"/>
+                  </a:lnTo>
+                  <a:lnTo>
+                    <a:pt x="1049432" y="207373"/>
+                  </a:lnTo>
+                  <a:lnTo>
+                    <a:pt x="1081233" y="207373"/>
+                  </a:lnTo>
+                  <a:lnTo>
+                    <a:pt x="1081233" y="243969"/>
+                  </a:lnTo>
+                  <a:lnTo>
+                    <a:pt x="1113034" y="243969"/>
+                  </a:lnTo>
+                  <a:lnTo>
+                    <a:pt x="1113034" y="304961"/>
+                  </a:lnTo>
+                  <a:lnTo>
+                    <a:pt x="1144835" y="304961"/>
+                  </a:lnTo>
+                  <a:lnTo>
+                    <a:pt x="1144835" y="365953"/>
+                  </a:lnTo>
+                  <a:lnTo>
+                    <a:pt x="1176636" y="365953"/>
+                  </a:lnTo>
+                  <a:lnTo>
+                    <a:pt x="1176636" y="390350"/>
+                  </a:lnTo>
+                  <a:lnTo>
+                    <a:pt x="1208437" y="390350"/>
+                  </a:lnTo>
+                  <a:lnTo>
+                    <a:pt x="1208437" y="402549"/>
+                  </a:lnTo>
+                  <a:lnTo>
+                    <a:pt x="1240238" y="402549"/>
+                  </a:lnTo>
+                  <a:lnTo>
+                    <a:pt x="1240238" y="414747"/>
+                  </a:lnTo>
+                  <a:lnTo>
+                    <a:pt x="1272039" y="414747"/>
+                  </a:lnTo>
+                  <a:lnTo>
+                    <a:pt x="1272039" y="439144"/>
+                  </a:lnTo>
+                  <a:lnTo>
+                    <a:pt x="1494646" y="439144"/>
+                  </a:lnTo>
+                  <a:lnTo>
+                    <a:pt x="1494646" y="451343"/>
+                  </a:lnTo>
+                  <a:lnTo>
+                    <a:pt x="1526447" y="451343"/>
+                  </a:lnTo>
+                  <a:lnTo>
+                    <a:pt x="1526447" y="463541"/>
+                  </a:lnTo>
+                  <a:lnTo>
+                    <a:pt x="1717253" y="463541"/>
+                  </a:lnTo>
+                  <a:lnTo>
+                    <a:pt x="1717253" y="475739"/>
+                  </a:lnTo>
+                </a:path>
+              </a:pathLst>
+            </a:custGeom>
+            <a:ln w="27101" cap="flat">
+              <a:solidFill>
+                <a:srgbClr val="00C08B">
                   <a:alpha val="100000"/>
                 </a:srgbClr>
               </a:solidFill>
@@ -3950,809 +4154,141 @@
           </p:nvSpPr>
           <p:spPr>
             <a:xfrm>
-              <a:off x="1977037" y="1200051"/>
-              <a:ext cx="0" cy="1341830"/>
-            </a:xfrm>
-            <a:custGeom>
-              <a:avLst/>
-              <a:pathLst>
-                <a:path w="0" h="1341830">
-                  <a:moveTo>
-                    <a:pt x="0" y="1341830"/>
-                  </a:moveTo>
-                  <a:lnTo>
-                    <a:pt x="0" y="0"/>
-                  </a:lnTo>
-                  <a:lnTo>
-                    <a:pt x="0" y="0"/>
-                  </a:lnTo>
-                </a:path>
-              </a:pathLst>
-            </a:custGeom>
-            <a:ln w="13550" cap="flat">
-              <a:solidFill>
-                <a:srgbClr val="FFFFFF">
-                  <a:alpha val="100000"/>
-                </a:srgbClr>
-              </a:solidFill>
-              <a:prstDash val="solid"/>
-              <a:round/>
-            </a:ln>
-          </p:spPr>
-          <p:txBody>
-            <a:bodyPr/>
-            <a:lstStyle/>
-            <a:p/>
-          </p:txBody>
-        </p:sp>
-        <p:sp>
-          <p:nvSpPr>
-            <p:cNvPr id="45" name="pl44"/>
-            <p:cNvSpPr/>
-            <p:nvPr/>
-          </p:nvSpPr>
-          <p:spPr>
-            <a:xfrm>
-              <a:off x="2155122" y="1200051"/>
-              <a:ext cx="0" cy="1341830"/>
-            </a:xfrm>
-            <a:custGeom>
-              <a:avLst/>
-              <a:pathLst>
-                <a:path w="0" h="1341830">
-                  <a:moveTo>
-                    <a:pt x="0" y="1341830"/>
-                  </a:moveTo>
-                  <a:lnTo>
-                    <a:pt x="0" y="0"/>
-                  </a:lnTo>
-                  <a:lnTo>
-                    <a:pt x="0" y="0"/>
-                  </a:lnTo>
-                </a:path>
-              </a:pathLst>
-            </a:custGeom>
-            <a:ln w="13550" cap="flat">
-              <a:solidFill>
-                <a:srgbClr val="FFFFFF">
-                  <a:alpha val="100000"/>
-                </a:srgbClr>
-              </a:solidFill>
-              <a:prstDash val="solid"/>
-              <a:round/>
-            </a:ln>
-          </p:spPr>
-          <p:txBody>
-            <a:bodyPr/>
-            <a:lstStyle/>
-            <a:p/>
-          </p:txBody>
-        </p:sp>
-        <p:sp>
-          <p:nvSpPr>
-            <p:cNvPr id="46" name="pl45"/>
-            <p:cNvSpPr/>
-            <p:nvPr/>
-          </p:nvSpPr>
-          <p:spPr>
-            <a:xfrm>
-              <a:off x="2333208" y="1200051"/>
-              <a:ext cx="0" cy="1341830"/>
-            </a:xfrm>
-            <a:custGeom>
-              <a:avLst/>
-              <a:pathLst>
-                <a:path w="0" h="1341830">
-                  <a:moveTo>
-                    <a:pt x="0" y="1341830"/>
-                  </a:moveTo>
-                  <a:lnTo>
-                    <a:pt x="0" y="0"/>
-                  </a:lnTo>
-                  <a:lnTo>
-                    <a:pt x="0" y="0"/>
-                  </a:lnTo>
-                </a:path>
-              </a:pathLst>
-            </a:custGeom>
-            <a:ln w="13550" cap="flat">
-              <a:solidFill>
-                <a:srgbClr val="FFFFFF">
-                  <a:alpha val="100000"/>
-                </a:srgbClr>
-              </a:solidFill>
-              <a:prstDash val="solid"/>
-              <a:round/>
-            </a:ln>
-          </p:spPr>
-          <p:txBody>
-            <a:bodyPr/>
-            <a:lstStyle/>
-            <a:p/>
-          </p:txBody>
-        </p:sp>
-        <p:sp>
-          <p:nvSpPr>
-            <p:cNvPr id="47" name="pl46"/>
-            <p:cNvSpPr/>
-            <p:nvPr/>
-          </p:nvSpPr>
-          <p:spPr>
-            <a:xfrm>
-              <a:off x="2511293" y="1200051"/>
-              <a:ext cx="0" cy="1341830"/>
-            </a:xfrm>
-            <a:custGeom>
-              <a:avLst/>
-              <a:pathLst>
-                <a:path w="0" h="1341830">
-                  <a:moveTo>
-                    <a:pt x="0" y="1341830"/>
-                  </a:moveTo>
-                  <a:lnTo>
-                    <a:pt x="0" y="0"/>
-                  </a:lnTo>
-                  <a:lnTo>
-                    <a:pt x="0" y="0"/>
-                  </a:lnTo>
-                </a:path>
-              </a:pathLst>
-            </a:custGeom>
-            <a:ln w="13550" cap="flat">
-              <a:solidFill>
-                <a:srgbClr val="FFFFFF">
-                  <a:alpha val="100000"/>
-                </a:srgbClr>
-              </a:solidFill>
-              <a:prstDash val="solid"/>
-              <a:round/>
-            </a:ln>
-          </p:spPr>
-          <p:txBody>
-            <a:bodyPr/>
-            <a:lstStyle/>
-            <a:p/>
-          </p:txBody>
-        </p:sp>
-        <p:sp>
-          <p:nvSpPr>
-            <p:cNvPr id="48" name="pl47"/>
-            <p:cNvSpPr/>
-            <p:nvPr/>
-          </p:nvSpPr>
-          <p:spPr>
-            <a:xfrm>
-              <a:off x="2689379" y="1200051"/>
-              <a:ext cx="0" cy="1341830"/>
-            </a:xfrm>
-            <a:custGeom>
-              <a:avLst/>
-              <a:pathLst>
-                <a:path w="0" h="1341830">
-                  <a:moveTo>
-                    <a:pt x="0" y="1341830"/>
-                  </a:moveTo>
-                  <a:lnTo>
-                    <a:pt x="0" y="0"/>
-                  </a:lnTo>
-                  <a:lnTo>
-                    <a:pt x="0" y="0"/>
-                  </a:lnTo>
-                </a:path>
-              </a:pathLst>
-            </a:custGeom>
-            <a:ln w="13550" cap="flat">
-              <a:solidFill>
-                <a:srgbClr val="FFFFFF">
-                  <a:alpha val="100000"/>
-                </a:srgbClr>
-              </a:solidFill>
-              <a:prstDash val="solid"/>
-              <a:round/>
-            </a:ln>
-          </p:spPr>
-          <p:txBody>
-            <a:bodyPr/>
-            <a:lstStyle/>
-            <a:p/>
-          </p:txBody>
-        </p:sp>
-        <p:sp>
-          <p:nvSpPr>
-            <p:cNvPr id="49" name="pl48"/>
-            <p:cNvSpPr/>
-            <p:nvPr/>
-          </p:nvSpPr>
-          <p:spPr>
-            <a:xfrm>
-              <a:off x="2867464" y="1200051"/>
-              <a:ext cx="0" cy="1341830"/>
-            </a:xfrm>
-            <a:custGeom>
-              <a:avLst/>
-              <a:pathLst>
-                <a:path w="0" h="1341830">
-                  <a:moveTo>
-                    <a:pt x="0" y="1341830"/>
-                  </a:moveTo>
-                  <a:lnTo>
-                    <a:pt x="0" y="0"/>
-                  </a:lnTo>
-                  <a:lnTo>
-                    <a:pt x="0" y="0"/>
-                  </a:lnTo>
-                </a:path>
-              </a:pathLst>
-            </a:custGeom>
-            <a:ln w="13550" cap="flat">
-              <a:solidFill>
-                <a:srgbClr val="FFFFFF">
-                  <a:alpha val="100000"/>
-                </a:srgbClr>
-              </a:solidFill>
-              <a:prstDash val="solid"/>
-              <a:round/>
-            </a:ln>
-          </p:spPr>
-          <p:txBody>
-            <a:bodyPr/>
-            <a:lstStyle/>
-            <a:p/>
-          </p:txBody>
-        </p:sp>
-        <p:sp>
-          <p:nvSpPr>
-            <p:cNvPr id="50" name="pl49"/>
-            <p:cNvSpPr/>
-            <p:nvPr/>
-          </p:nvSpPr>
-          <p:spPr>
-            <a:xfrm>
-              <a:off x="3045550" y="1200051"/>
-              <a:ext cx="0" cy="1341830"/>
-            </a:xfrm>
-            <a:custGeom>
-              <a:avLst/>
-              <a:pathLst>
-                <a:path w="0" h="1341830">
-                  <a:moveTo>
-                    <a:pt x="0" y="1341830"/>
-                  </a:moveTo>
-                  <a:lnTo>
-                    <a:pt x="0" y="0"/>
-                  </a:lnTo>
-                  <a:lnTo>
-                    <a:pt x="0" y="0"/>
-                  </a:lnTo>
-                </a:path>
-              </a:pathLst>
-            </a:custGeom>
-            <a:ln w="13550" cap="flat">
-              <a:solidFill>
-                <a:srgbClr val="FFFFFF">
-                  <a:alpha val="100000"/>
-                </a:srgbClr>
-              </a:solidFill>
-              <a:prstDash val="solid"/>
-              <a:round/>
-            </a:ln>
-          </p:spPr>
-          <p:txBody>
-            <a:bodyPr/>
-            <a:lstStyle/>
-            <a:p/>
-          </p:txBody>
-        </p:sp>
-        <p:sp>
-          <p:nvSpPr>
-            <p:cNvPr id="51" name="pl50"/>
-            <p:cNvSpPr/>
-            <p:nvPr/>
-          </p:nvSpPr>
-          <p:spPr>
-            <a:xfrm>
-              <a:off x="3223635" y="1200051"/>
-              <a:ext cx="0" cy="1341830"/>
-            </a:xfrm>
-            <a:custGeom>
-              <a:avLst/>
-              <a:pathLst>
-                <a:path w="0" h="1341830">
-                  <a:moveTo>
-                    <a:pt x="0" y="1341830"/>
-                  </a:moveTo>
-                  <a:lnTo>
-                    <a:pt x="0" y="0"/>
-                  </a:lnTo>
-                  <a:lnTo>
-                    <a:pt x="0" y="0"/>
-                  </a:lnTo>
-                </a:path>
-              </a:pathLst>
-            </a:custGeom>
-            <a:ln w="13550" cap="flat">
-              <a:solidFill>
-                <a:srgbClr val="FFFFFF">
-                  <a:alpha val="100000"/>
-                </a:srgbClr>
-              </a:solidFill>
-              <a:prstDash val="solid"/>
-              <a:round/>
-            </a:ln>
-          </p:spPr>
-          <p:txBody>
-            <a:bodyPr/>
-            <a:lstStyle/>
-            <a:p/>
-          </p:txBody>
-        </p:sp>
-        <p:sp>
-          <p:nvSpPr>
-            <p:cNvPr id="52" name="pl51"/>
-            <p:cNvSpPr/>
-            <p:nvPr/>
-          </p:nvSpPr>
-          <p:spPr>
-            <a:xfrm>
-              <a:off x="3401721" y="1200051"/>
-              <a:ext cx="0" cy="1341830"/>
-            </a:xfrm>
-            <a:custGeom>
-              <a:avLst/>
-              <a:pathLst>
-                <a:path w="0" h="1341830">
-                  <a:moveTo>
-                    <a:pt x="0" y="1341830"/>
-                  </a:moveTo>
-                  <a:lnTo>
-                    <a:pt x="0" y="0"/>
-                  </a:lnTo>
-                  <a:lnTo>
-                    <a:pt x="0" y="0"/>
-                  </a:lnTo>
-                </a:path>
-              </a:pathLst>
-            </a:custGeom>
-            <a:ln w="13550" cap="flat">
-              <a:solidFill>
-                <a:srgbClr val="FFFFFF">
-                  <a:alpha val="100000"/>
-                </a:srgbClr>
-              </a:solidFill>
-              <a:prstDash val="solid"/>
-              <a:round/>
-            </a:ln>
-          </p:spPr>
-          <p:txBody>
-            <a:bodyPr/>
-            <a:lstStyle/>
-            <a:p/>
-          </p:txBody>
-        </p:sp>
-        <p:sp>
-          <p:nvSpPr>
-            <p:cNvPr id="53" name="pl52"/>
-            <p:cNvSpPr/>
-            <p:nvPr/>
-          </p:nvSpPr>
-          <p:spPr>
-            <a:xfrm>
               <a:off x="1620866" y="1261044"/>
-              <a:ext cx="1869897" cy="426946"/>
-            </a:xfrm>
-            <a:custGeom>
-              <a:avLst/>
-              <a:pathLst>
-                <a:path w="1869897" h="426946">
-                  <a:moveTo>
-                    <a:pt x="0" y="0"/>
-                  </a:moveTo>
-                  <a:lnTo>
-                    <a:pt x="961661" y="0"/>
-                  </a:lnTo>
-                  <a:lnTo>
-                    <a:pt x="961661" y="12198"/>
-                  </a:lnTo>
-                  <a:lnTo>
-                    <a:pt x="1068513" y="12198"/>
-                  </a:lnTo>
-                  <a:lnTo>
-                    <a:pt x="1068513" y="24396"/>
-                  </a:lnTo>
-                  <a:lnTo>
-                    <a:pt x="1104130" y="24396"/>
-                  </a:lnTo>
-                  <a:lnTo>
-                    <a:pt x="1104130" y="36595"/>
-                  </a:lnTo>
-                  <a:lnTo>
-                    <a:pt x="1139747" y="36595"/>
-                  </a:lnTo>
-                  <a:lnTo>
-                    <a:pt x="1139747" y="48793"/>
-                  </a:lnTo>
-                  <a:lnTo>
-                    <a:pt x="1175364" y="48793"/>
-                  </a:lnTo>
-                  <a:lnTo>
-                    <a:pt x="1175364" y="60992"/>
-                  </a:lnTo>
-                  <a:lnTo>
-                    <a:pt x="1210981" y="60992"/>
-                  </a:lnTo>
-                  <a:lnTo>
-                    <a:pt x="1210981" y="73190"/>
-                  </a:lnTo>
-                  <a:lnTo>
-                    <a:pt x="1246598" y="73190"/>
-                  </a:lnTo>
-                  <a:lnTo>
-                    <a:pt x="1246598" y="85389"/>
-                  </a:lnTo>
-                  <a:lnTo>
-                    <a:pt x="1282215" y="85389"/>
-                  </a:lnTo>
-                  <a:lnTo>
-                    <a:pt x="1282215" y="134183"/>
-                  </a:lnTo>
-                  <a:lnTo>
-                    <a:pt x="1317832" y="134183"/>
-                  </a:lnTo>
-                  <a:lnTo>
-                    <a:pt x="1317832" y="182976"/>
-                  </a:lnTo>
-                  <a:lnTo>
-                    <a:pt x="1353449" y="182976"/>
-                  </a:lnTo>
-                  <a:lnTo>
-                    <a:pt x="1353449" y="207373"/>
-                  </a:lnTo>
-                  <a:lnTo>
-                    <a:pt x="1389066" y="207373"/>
-                  </a:lnTo>
-                  <a:lnTo>
-                    <a:pt x="1389066" y="243969"/>
-                  </a:lnTo>
-                  <a:lnTo>
-                    <a:pt x="1424684" y="243969"/>
-                  </a:lnTo>
-                  <a:lnTo>
-                    <a:pt x="1424684" y="268366"/>
-                  </a:lnTo>
-                  <a:lnTo>
-                    <a:pt x="1460301" y="268366"/>
-                  </a:lnTo>
-                  <a:lnTo>
-                    <a:pt x="1460301" y="292763"/>
-                  </a:lnTo>
-                  <a:lnTo>
-                    <a:pt x="1531535" y="292763"/>
-                  </a:lnTo>
-                  <a:lnTo>
-                    <a:pt x="1531535" y="304961"/>
-                  </a:lnTo>
-                  <a:lnTo>
-                    <a:pt x="1602769" y="304961"/>
-                  </a:lnTo>
-                  <a:lnTo>
-                    <a:pt x="1602769" y="341556"/>
-                  </a:lnTo>
-                  <a:lnTo>
-                    <a:pt x="1674003" y="341556"/>
-                  </a:lnTo>
-                  <a:lnTo>
-                    <a:pt x="1674003" y="378152"/>
-                  </a:lnTo>
-                  <a:lnTo>
-                    <a:pt x="1709620" y="378152"/>
-                  </a:lnTo>
-                  <a:lnTo>
-                    <a:pt x="1709620" y="402549"/>
-                  </a:lnTo>
-                  <a:lnTo>
-                    <a:pt x="1745237" y="402549"/>
-                  </a:lnTo>
-                  <a:lnTo>
-                    <a:pt x="1745237" y="414747"/>
-                  </a:lnTo>
-                  <a:lnTo>
-                    <a:pt x="1780855" y="414747"/>
-                  </a:lnTo>
-                  <a:lnTo>
-                    <a:pt x="1780855" y="426946"/>
-                  </a:lnTo>
-                  <a:lnTo>
-                    <a:pt x="1869897" y="426946"/>
+              <a:ext cx="1717253" cy="402549"/>
+            </a:xfrm>
+            <a:custGeom>
+              <a:avLst/>
+              <a:pathLst>
+                <a:path w="1717253" h="402549">
+                  <a:moveTo>
+                    <a:pt x="0" y="0"/>
+                  </a:moveTo>
+                  <a:lnTo>
+                    <a:pt x="731422" y="0"/>
+                  </a:lnTo>
+                  <a:lnTo>
+                    <a:pt x="731422" y="12198"/>
+                  </a:lnTo>
+                  <a:lnTo>
+                    <a:pt x="826825" y="12198"/>
+                  </a:lnTo>
+                  <a:lnTo>
+                    <a:pt x="826825" y="60992"/>
+                  </a:lnTo>
+                  <a:lnTo>
+                    <a:pt x="858626" y="60992"/>
+                  </a:lnTo>
+                  <a:lnTo>
+                    <a:pt x="858626" y="73190"/>
+                  </a:lnTo>
+                  <a:lnTo>
+                    <a:pt x="922228" y="73190"/>
+                  </a:lnTo>
+                  <a:lnTo>
+                    <a:pt x="922228" y="85389"/>
+                  </a:lnTo>
+                  <a:lnTo>
+                    <a:pt x="985830" y="85389"/>
+                  </a:lnTo>
+                  <a:lnTo>
+                    <a:pt x="985830" y="97587"/>
+                  </a:lnTo>
+                  <a:lnTo>
+                    <a:pt x="1017631" y="97587"/>
+                  </a:lnTo>
+                  <a:lnTo>
+                    <a:pt x="1017631" y="109786"/>
+                  </a:lnTo>
+                  <a:lnTo>
+                    <a:pt x="1049432" y="109786"/>
+                  </a:lnTo>
+                  <a:lnTo>
+                    <a:pt x="1049432" y="121984"/>
+                  </a:lnTo>
+                  <a:lnTo>
+                    <a:pt x="1081233" y="121984"/>
+                  </a:lnTo>
+                  <a:lnTo>
+                    <a:pt x="1081233" y="146381"/>
+                  </a:lnTo>
+                  <a:lnTo>
+                    <a:pt x="1113034" y="146381"/>
+                  </a:lnTo>
+                  <a:lnTo>
+                    <a:pt x="1113034" y="170778"/>
+                  </a:lnTo>
+                  <a:lnTo>
+                    <a:pt x="1144835" y="170778"/>
+                  </a:lnTo>
+                  <a:lnTo>
+                    <a:pt x="1144835" y="195175"/>
+                  </a:lnTo>
+                  <a:lnTo>
+                    <a:pt x="1176636" y="195175"/>
+                  </a:lnTo>
+                  <a:lnTo>
+                    <a:pt x="1176636" y="219572"/>
+                  </a:lnTo>
+                  <a:lnTo>
+                    <a:pt x="1272039" y="219572"/>
+                  </a:lnTo>
+                  <a:lnTo>
+                    <a:pt x="1272039" y="243969"/>
+                  </a:lnTo>
+                  <a:lnTo>
+                    <a:pt x="1367442" y="243969"/>
+                  </a:lnTo>
+                  <a:lnTo>
+                    <a:pt x="1367442" y="256167"/>
+                  </a:lnTo>
+                  <a:lnTo>
+                    <a:pt x="1399243" y="256167"/>
+                  </a:lnTo>
+                  <a:lnTo>
+                    <a:pt x="1399243" y="280564"/>
+                  </a:lnTo>
+                  <a:lnTo>
+                    <a:pt x="1431044" y="280564"/>
+                  </a:lnTo>
+                  <a:lnTo>
+                    <a:pt x="1431044" y="317159"/>
+                  </a:lnTo>
+                  <a:lnTo>
+                    <a:pt x="1462845" y="317159"/>
+                  </a:lnTo>
+                  <a:lnTo>
+                    <a:pt x="1462845" y="329358"/>
+                  </a:lnTo>
+                  <a:lnTo>
+                    <a:pt x="1526447" y="329358"/>
+                  </a:lnTo>
+                  <a:lnTo>
+                    <a:pt x="1526447" y="365953"/>
+                  </a:lnTo>
+                  <a:lnTo>
+                    <a:pt x="1558248" y="365953"/>
+                  </a:lnTo>
+                  <a:lnTo>
+                    <a:pt x="1558248" y="390350"/>
+                  </a:lnTo>
+                  <a:lnTo>
+                    <a:pt x="1590049" y="390350"/>
+                  </a:lnTo>
+                  <a:lnTo>
+                    <a:pt x="1590049" y="402549"/>
+                  </a:lnTo>
+                  <a:lnTo>
+                    <a:pt x="1717253" y="402549"/>
+                  </a:lnTo>
+                  <a:lnTo>
+                    <a:pt x="1717253" y="402549"/>
                   </a:lnTo>
                 </a:path>
               </a:pathLst>
             </a:custGeom>
             <a:ln w="27101" cap="flat">
               <a:solidFill>
-                <a:srgbClr val="7CAE00">
-                  <a:alpha val="100000"/>
-                </a:srgbClr>
-              </a:solidFill>
-              <a:prstDash val="solid"/>
-              <a:round/>
-            </a:ln>
-          </p:spPr>
-          <p:txBody>
-            <a:bodyPr/>
-            <a:lstStyle/>
-            <a:p/>
-          </p:txBody>
-        </p:sp>
-        <p:sp>
-          <p:nvSpPr>
-            <p:cNvPr id="54" name="pl53"/>
-            <p:cNvSpPr/>
-            <p:nvPr/>
-          </p:nvSpPr>
-          <p:spPr>
-            <a:xfrm>
-              <a:off x="1620866" y="1261044"/>
-              <a:ext cx="1869897" cy="463541"/>
-            </a:xfrm>
-            <a:custGeom>
-              <a:avLst/>
-              <a:pathLst>
-                <a:path w="1869897" h="463541">
-                  <a:moveTo>
-                    <a:pt x="0" y="0"/>
-                  </a:moveTo>
-                  <a:lnTo>
-                    <a:pt x="926044" y="0"/>
-                  </a:lnTo>
-                  <a:lnTo>
-                    <a:pt x="926044" y="12198"/>
-                  </a:lnTo>
-                  <a:lnTo>
-                    <a:pt x="961661" y="12198"/>
-                  </a:lnTo>
-                  <a:lnTo>
-                    <a:pt x="961661" y="36595"/>
-                  </a:lnTo>
-                  <a:lnTo>
-                    <a:pt x="1068513" y="36595"/>
-                  </a:lnTo>
-                  <a:lnTo>
-                    <a:pt x="1068513" y="60992"/>
-                  </a:lnTo>
-                  <a:lnTo>
-                    <a:pt x="1104130" y="60992"/>
-                  </a:lnTo>
-                  <a:lnTo>
-                    <a:pt x="1104130" y="85389"/>
-                  </a:lnTo>
-                  <a:lnTo>
-                    <a:pt x="1139747" y="85389"/>
-                  </a:lnTo>
-                  <a:lnTo>
-                    <a:pt x="1139747" y="158579"/>
-                  </a:lnTo>
-                  <a:lnTo>
-                    <a:pt x="1175364" y="158579"/>
-                  </a:lnTo>
-                  <a:lnTo>
-                    <a:pt x="1175364" y="207373"/>
-                  </a:lnTo>
-                  <a:lnTo>
-                    <a:pt x="1210981" y="207373"/>
-                  </a:lnTo>
-                  <a:lnTo>
-                    <a:pt x="1210981" y="243969"/>
-                  </a:lnTo>
-                  <a:lnTo>
-                    <a:pt x="1246598" y="243969"/>
-                  </a:lnTo>
-                  <a:lnTo>
-                    <a:pt x="1246598" y="304961"/>
-                  </a:lnTo>
-                  <a:lnTo>
-                    <a:pt x="1282215" y="304961"/>
-                  </a:lnTo>
-                  <a:lnTo>
-                    <a:pt x="1282215" y="365953"/>
-                  </a:lnTo>
-                  <a:lnTo>
-                    <a:pt x="1317832" y="365953"/>
-                  </a:lnTo>
-                  <a:lnTo>
-                    <a:pt x="1317832" y="390350"/>
-                  </a:lnTo>
-                  <a:lnTo>
-                    <a:pt x="1353449" y="390350"/>
-                  </a:lnTo>
-                  <a:lnTo>
-                    <a:pt x="1353449" y="402549"/>
-                  </a:lnTo>
-                  <a:lnTo>
-                    <a:pt x="1389066" y="402549"/>
-                  </a:lnTo>
-                  <a:lnTo>
-                    <a:pt x="1389066" y="414747"/>
-                  </a:lnTo>
-                  <a:lnTo>
-                    <a:pt x="1424684" y="414747"/>
-                  </a:lnTo>
-                  <a:lnTo>
-                    <a:pt x="1424684" y="439144"/>
-                  </a:lnTo>
-                  <a:lnTo>
-                    <a:pt x="1674003" y="439144"/>
-                  </a:lnTo>
-                  <a:lnTo>
-                    <a:pt x="1674003" y="451343"/>
-                  </a:lnTo>
-                  <a:lnTo>
-                    <a:pt x="1709620" y="451343"/>
-                  </a:lnTo>
-                  <a:lnTo>
-                    <a:pt x="1709620" y="463541"/>
-                  </a:lnTo>
-                  <a:lnTo>
-                    <a:pt x="1869897" y="463541"/>
-                  </a:lnTo>
-                </a:path>
-              </a:pathLst>
-            </a:custGeom>
-            <a:ln w="27101" cap="flat">
-              <a:solidFill>
-                <a:srgbClr val="00C08B">
-                  <a:alpha val="100000"/>
-                </a:srgbClr>
-              </a:solidFill>
-              <a:prstDash val="solid"/>
-              <a:round/>
-            </a:ln>
-          </p:spPr>
-          <p:txBody>
-            <a:bodyPr/>
-            <a:lstStyle/>
-            <a:p/>
-          </p:txBody>
-        </p:sp>
-        <p:sp>
-          <p:nvSpPr>
-            <p:cNvPr id="55" name="pl54"/>
-            <p:cNvSpPr/>
-            <p:nvPr/>
-          </p:nvSpPr>
-          <p:spPr>
-            <a:xfrm>
-              <a:off x="1620866" y="1261044"/>
-              <a:ext cx="1869897" cy="402549"/>
-            </a:xfrm>
-            <a:custGeom>
-              <a:avLst/>
-              <a:pathLst>
-                <a:path w="1869897" h="402549">
-                  <a:moveTo>
-                    <a:pt x="0" y="0"/>
-                  </a:moveTo>
-                  <a:lnTo>
-                    <a:pt x="819193" y="0"/>
-                  </a:lnTo>
-                  <a:lnTo>
-                    <a:pt x="819193" y="12198"/>
-                  </a:lnTo>
-                  <a:lnTo>
-                    <a:pt x="926044" y="12198"/>
-                  </a:lnTo>
-                  <a:lnTo>
-                    <a:pt x="926044" y="60992"/>
-                  </a:lnTo>
-                  <a:lnTo>
-                    <a:pt x="961661" y="60992"/>
-                  </a:lnTo>
-                  <a:lnTo>
-                    <a:pt x="961661" y="73190"/>
-                  </a:lnTo>
-                  <a:lnTo>
-                    <a:pt x="1032895" y="73190"/>
-                  </a:lnTo>
-                  <a:lnTo>
-                    <a:pt x="1032895" y="85389"/>
-                  </a:lnTo>
-                  <a:lnTo>
-                    <a:pt x="1104130" y="85389"/>
-                  </a:lnTo>
-                  <a:lnTo>
-                    <a:pt x="1104130" y="97587"/>
-                  </a:lnTo>
-                  <a:lnTo>
-                    <a:pt x="1139747" y="97587"/>
-                  </a:lnTo>
-                  <a:lnTo>
-                    <a:pt x="1139747" y="109786"/>
-                  </a:lnTo>
-                  <a:lnTo>
-                    <a:pt x="1175364" y="109786"/>
-                  </a:lnTo>
-                  <a:lnTo>
-                    <a:pt x="1175364" y="121984"/>
-                  </a:lnTo>
-                  <a:lnTo>
-                    <a:pt x="1210981" y="121984"/>
-                  </a:lnTo>
-                  <a:lnTo>
-                    <a:pt x="1210981" y="146381"/>
-                  </a:lnTo>
-                  <a:lnTo>
-                    <a:pt x="1246598" y="146381"/>
-                  </a:lnTo>
-                  <a:lnTo>
-                    <a:pt x="1246598" y="170778"/>
-                  </a:lnTo>
-                  <a:lnTo>
-                    <a:pt x="1282215" y="170778"/>
-                  </a:lnTo>
-                  <a:lnTo>
-                    <a:pt x="1282215" y="195175"/>
-                  </a:lnTo>
-                  <a:lnTo>
-                    <a:pt x="1317832" y="195175"/>
-                  </a:lnTo>
-                  <a:lnTo>
-                    <a:pt x="1317832" y="219572"/>
-                  </a:lnTo>
-                  <a:lnTo>
-                    <a:pt x="1424684" y="219572"/>
-                  </a:lnTo>
-                  <a:lnTo>
-                    <a:pt x="1424684" y="243969"/>
-                  </a:lnTo>
-                  <a:lnTo>
-                    <a:pt x="1531535" y="243969"/>
-                  </a:lnTo>
-                  <a:lnTo>
-                    <a:pt x="1531535" y="256167"/>
-                  </a:lnTo>
-                  <a:lnTo>
-                    <a:pt x="1567152" y="256167"/>
-                  </a:lnTo>
-                  <a:lnTo>
-                    <a:pt x="1567152" y="280564"/>
-                  </a:lnTo>
-                  <a:lnTo>
-                    <a:pt x="1602769" y="280564"/>
-                  </a:lnTo>
-                  <a:lnTo>
-                    <a:pt x="1602769" y="317159"/>
-                  </a:lnTo>
-                  <a:lnTo>
-                    <a:pt x="1638386" y="317159"/>
-                  </a:lnTo>
-                  <a:lnTo>
-                    <a:pt x="1638386" y="329358"/>
-                  </a:lnTo>
-                  <a:lnTo>
-                    <a:pt x="1709620" y="329358"/>
-                  </a:lnTo>
-                  <a:lnTo>
-                    <a:pt x="1709620" y="365953"/>
-                  </a:lnTo>
-                  <a:lnTo>
-                    <a:pt x="1745237" y="365953"/>
-                  </a:lnTo>
-                  <a:lnTo>
-                    <a:pt x="1745237" y="390350"/>
-                  </a:lnTo>
-                  <a:lnTo>
-                    <a:pt x="1780855" y="390350"/>
-                  </a:lnTo>
-                  <a:lnTo>
-                    <a:pt x="1780855" y="402549"/>
-                  </a:lnTo>
-                  <a:lnTo>
-                    <a:pt x="1869897" y="402549"/>
-                  </a:lnTo>
-                </a:path>
-              </a:pathLst>
-            </a:custGeom>
-            <a:ln w="27101" cap="flat">
-              <a:solidFill>
                 <a:srgbClr val="FF64B0">
                   <a:alpha val="100000"/>
                 </a:srgbClr>
@@ -4769,13 +4305,13 @@
         </p:sp>
         <p:sp>
           <p:nvSpPr>
-            <p:cNvPr id="56" name="tx55"/>
-            <p:cNvSpPr/>
-            <p:nvPr/>
-          </p:nvSpPr>
-          <p:spPr>
-            <a:xfrm>
-              <a:off x="3471038" y="1633255"/>
+            <p:cNvPr id="45" name="tx44"/>
+            <p:cNvSpPr/>
+            <p:nvPr/>
+          </p:nvSpPr>
+          <p:spPr>
+            <a:xfrm>
+              <a:off x="3264968" y="1633255"/>
               <a:ext cx="146301" cy="109470"/>
             </a:xfrm>
             <a:prstGeom prst="rect">
@@ -4815,13 +4351,13 @@
         </p:sp>
         <p:sp>
           <p:nvSpPr>
-            <p:cNvPr id="57" name="tx56"/>
-            <p:cNvSpPr/>
-            <p:nvPr/>
-          </p:nvSpPr>
-          <p:spPr>
-            <a:xfrm>
-              <a:off x="3471038" y="1682048"/>
+            <p:cNvPr id="46" name="tx45"/>
+            <p:cNvSpPr/>
+            <p:nvPr/>
+          </p:nvSpPr>
+          <p:spPr>
+            <a:xfrm>
+              <a:off x="3264968" y="1682048"/>
               <a:ext cx="146301" cy="109470"/>
             </a:xfrm>
             <a:prstGeom prst="rect">
@@ -4861,13 +4397,13 @@
         </p:sp>
         <p:sp>
           <p:nvSpPr>
-            <p:cNvPr id="58" name="tx57"/>
-            <p:cNvSpPr/>
-            <p:nvPr/>
-          </p:nvSpPr>
-          <p:spPr>
-            <a:xfrm>
-              <a:off x="3471038" y="1608858"/>
+            <p:cNvPr id="47" name="tx46"/>
+            <p:cNvSpPr/>
+            <p:nvPr/>
+          </p:nvSpPr>
+          <p:spPr>
+            <a:xfrm>
+              <a:off x="3264968" y="1608858"/>
               <a:ext cx="146301" cy="109470"/>
             </a:xfrm>
             <a:prstGeom prst="rect">
@@ -4907,7 +4443,7 @@
         </p:sp>
         <p:sp>
           <p:nvSpPr>
-            <p:cNvPr id="59" name="rc58"/>
+            <p:cNvPr id="48" name="rc47"/>
             <p:cNvSpPr/>
             <p:nvPr/>
           </p:nvSpPr>
@@ -4933,7 +4469,7 @@
         </p:sp>
         <p:sp>
           <p:nvSpPr>
-            <p:cNvPr id="60" name="pl59"/>
+            <p:cNvPr id="49" name="pl48"/>
             <p:cNvSpPr/>
             <p:nvPr/>
           </p:nvSpPr>
@@ -4976,7 +4512,7 @@
         </p:sp>
         <p:sp>
           <p:nvSpPr>
-            <p:cNvPr id="61" name="pl60"/>
+            <p:cNvPr id="50" name="pl49"/>
             <p:cNvSpPr/>
             <p:nvPr/>
           </p:nvSpPr>
@@ -5019,7 +4555,7 @@
         </p:sp>
         <p:sp>
           <p:nvSpPr>
-            <p:cNvPr id="62" name="pl61"/>
+            <p:cNvPr id="51" name="pl50"/>
             <p:cNvSpPr/>
             <p:nvPr/>
           </p:nvSpPr>
@@ -5062,7 +4598,7 @@
         </p:sp>
         <p:sp>
           <p:nvSpPr>
-            <p:cNvPr id="63" name="pl62"/>
+            <p:cNvPr id="52" name="pl51"/>
             <p:cNvSpPr/>
             <p:nvPr/>
           </p:nvSpPr>
@@ -5105,7 +4641,7 @@
         </p:sp>
         <p:sp>
           <p:nvSpPr>
-            <p:cNvPr id="64" name="pl63"/>
+            <p:cNvPr id="53" name="pl52"/>
             <p:cNvSpPr/>
             <p:nvPr/>
           </p:nvSpPr>
@@ -5148,7 +4684,7 @@
         </p:sp>
         <p:sp>
           <p:nvSpPr>
-            <p:cNvPr id="65" name="pl64"/>
+            <p:cNvPr id="54" name="pl53"/>
             <p:cNvSpPr/>
             <p:nvPr/>
           </p:nvSpPr>
@@ -5191,7 +4727,7 @@
         </p:sp>
         <p:sp>
           <p:nvSpPr>
-            <p:cNvPr id="66" name="pl65"/>
+            <p:cNvPr id="55" name="pl54"/>
             <p:cNvSpPr/>
             <p:nvPr/>
           </p:nvSpPr>
@@ -5234,7 +4770,7 @@
         </p:sp>
         <p:sp>
           <p:nvSpPr>
-            <p:cNvPr id="67" name="pl66"/>
+            <p:cNvPr id="56" name="pl55"/>
             <p:cNvSpPr/>
             <p:nvPr/>
           </p:nvSpPr>
@@ -5277,7 +4813,7 @@
         </p:sp>
         <p:sp>
           <p:nvSpPr>
-            <p:cNvPr id="68" name="pl67"/>
+            <p:cNvPr id="57" name="pl56"/>
             <p:cNvSpPr/>
             <p:nvPr/>
           </p:nvSpPr>
@@ -5320,7 +4856,7 @@
         </p:sp>
         <p:sp>
           <p:nvSpPr>
-            <p:cNvPr id="69" name="pl68"/>
+            <p:cNvPr id="58" name="pl57"/>
             <p:cNvSpPr/>
             <p:nvPr/>
           </p:nvSpPr>
@@ -5363,7 +4899,7 @@
         </p:sp>
         <p:sp>
           <p:nvSpPr>
-            <p:cNvPr id="70" name="pl69"/>
+            <p:cNvPr id="59" name="pl58"/>
             <p:cNvSpPr/>
             <p:nvPr/>
           </p:nvSpPr>
@@ -5406,7 +4942,7 @@
         </p:sp>
         <p:sp>
           <p:nvSpPr>
-            <p:cNvPr id="71" name="pl70"/>
+            <p:cNvPr id="60" name="pl59"/>
             <p:cNvSpPr/>
             <p:nvPr/>
           </p:nvSpPr>
@@ -5449,13 +4985,13 @@
         </p:sp>
         <p:sp>
           <p:nvSpPr>
-            <p:cNvPr id="72" name="pl71"/>
-            <p:cNvSpPr/>
-            <p:nvPr/>
-          </p:nvSpPr>
-          <p:spPr>
-            <a:xfrm>
-              <a:off x="1531823" y="2827534"/>
+            <p:cNvPr id="61" name="pl60"/>
+            <p:cNvSpPr/>
+            <p:nvPr/>
+          </p:nvSpPr>
+          <p:spPr>
+            <a:xfrm>
+              <a:off x="1779871" y="2827534"/>
               <a:ext cx="0" cy="1341830"/>
             </a:xfrm>
             <a:custGeom>
@@ -5492,13 +5028,13 @@
         </p:sp>
         <p:sp>
           <p:nvSpPr>
-            <p:cNvPr id="73" name="pl72"/>
-            <p:cNvSpPr/>
-            <p:nvPr/>
-          </p:nvSpPr>
-          <p:spPr>
-            <a:xfrm>
-              <a:off x="1709908" y="2827534"/>
+            <p:cNvPr id="62" name="pl61"/>
+            <p:cNvSpPr/>
+            <p:nvPr/>
+          </p:nvSpPr>
+          <p:spPr>
+            <a:xfrm>
+              <a:off x="2097880" y="2827534"/>
               <a:ext cx="0" cy="1341830"/>
             </a:xfrm>
             <a:custGeom>
@@ -5535,13 +5071,13 @@
         </p:sp>
         <p:sp>
           <p:nvSpPr>
-            <p:cNvPr id="74" name="pl73"/>
-            <p:cNvSpPr/>
-            <p:nvPr/>
-          </p:nvSpPr>
-          <p:spPr>
-            <a:xfrm>
-              <a:off x="1887994" y="2827534"/>
+            <p:cNvPr id="63" name="pl62"/>
+            <p:cNvSpPr/>
+            <p:nvPr/>
+          </p:nvSpPr>
+          <p:spPr>
+            <a:xfrm>
+              <a:off x="2415890" y="2827534"/>
               <a:ext cx="0" cy="1341830"/>
             </a:xfrm>
             <a:custGeom>
@@ -5578,13 +5114,13 @@
         </p:sp>
         <p:sp>
           <p:nvSpPr>
-            <p:cNvPr id="75" name="pl74"/>
-            <p:cNvSpPr/>
-            <p:nvPr/>
-          </p:nvSpPr>
-          <p:spPr>
-            <a:xfrm>
-              <a:off x="2066079" y="2827534"/>
+            <p:cNvPr id="64" name="pl63"/>
+            <p:cNvSpPr/>
+            <p:nvPr/>
+          </p:nvSpPr>
+          <p:spPr>
+            <a:xfrm>
+              <a:off x="2733900" y="2827534"/>
               <a:ext cx="0" cy="1341830"/>
             </a:xfrm>
             <a:custGeom>
@@ -5621,13 +5157,13 @@
         </p:sp>
         <p:sp>
           <p:nvSpPr>
-            <p:cNvPr id="76" name="pl75"/>
-            <p:cNvSpPr/>
-            <p:nvPr/>
-          </p:nvSpPr>
-          <p:spPr>
-            <a:xfrm>
-              <a:off x="2244165" y="2827534"/>
+            <p:cNvPr id="65" name="pl64"/>
+            <p:cNvSpPr/>
+            <p:nvPr/>
+          </p:nvSpPr>
+          <p:spPr>
+            <a:xfrm>
+              <a:off x="3051910" y="2827534"/>
               <a:ext cx="0" cy="1341830"/>
             </a:xfrm>
             <a:custGeom>
@@ -5664,13 +5200,13 @@
         </p:sp>
         <p:sp>
           <p:nvSpPr>
-            <p:cNvPr id="77" name="pl76"/>
-            <p:cNvSpPr/>
-            <p:nvPr/>
-          </p:nvSpPr>
-          <p:spPr>
-            <a:xfrm>
-              <a:off x="2422250" y="2827534"/>
+            <p:cNvPr id="66" name="pl65"/>
+            <p:cNvSpPr/>
+            <p:nvPr/>
+          </p:nvSpPr>
+          <p:spPr>
+            <a:xfrm>
+              <a:off x="3369920" y="2827534"/>
               <a:ext cx="0" cy="1341830"/>
             </a:xfrm>
             <a:custGeom>
@@ -5707,265 +5243,7 @@
         </p:sp>
         <p:sp>
           <p:nvSpPr>
-            <p:cNvPr id="78" name="pl77"/>
-            <p:cNvSpPr/>
-            <p:nvPr/>
-          </p:nvSpPr>
-          <p:spPr>
-            <a:xfrm>
-              <a:off x="2600336" y="2827534"/>
-              <a:ext cx="0" cy="1341830"/>
-            </a:xfrm>
-            <a:custGeom>
-              <a:avLst/>
-              <a:pathLst>
-                <a:path w="0" h="1341830">
-                  <a:moveTo>
-                    <a:pt x="0" y="1341830"/>
-                  </a:moveTo>
-                  <a:lnTo>
-                    <a:pt x="0" y="0"/>
-                  </a:lnTo>
-                  <a:lnTo>
-                    <a:pt x="0" y="0"/>
-                  </a:lnTo>
-                </a:path>
-              </a:pathLst>
-            </a:custGeom>
-            <a:ln w="6775" cap="flat">
-              <a:solidFill>
-                <a:srgbClr val="FFFFFF">
-                  <a:alpha val="100000"/>
-                </a:srgbClr>
-              </a:solidFill>
-              <a:prstDash val="solid"/>
-              <a:round/>
-            </a:ln>
-          </p:spPr>
-          <p:txBody>
-            <a:bodyPr/>
-            <a:lstStyle/>
-            <a:p/>
-          </p:txBody>
-        </p:sp>
-        <p:sp>
-          <p:nvSpPr>
-            <p:cNvPr id="79" name="pl78"/>
-            <p:cNvSpPr/>
-            <p:nvPr/>
-          </p:nvSpPr>
-          <p:spPr>
-            <a:xfrm>
-              <a:off x="2778421" y="2827534"/>
-              <a:ext cx="0" cy="1341830"/>
-            </a:xfrm>
-            <a:custGeom>
-              <a:avLst/>
-              <a:pathLst>
-                <a:path w="0" h="1341830">
-                  <a:moveTo>
-                    <a:pt x="0" y="1341830"/>
-                  </a:moveTo>
-                  <a:lnTo>
-                    <a:pt x="0" y="0"/>
-                  </a:lnTo>
-                  <a:lnTo>
-                    <a:pt x="0" y="0"/>
-                  </a:lnTo>
-                </a:path>
-              </a:pathLst>
-            </a:custGeom>
-            <a:ln w="6775" cap="flat">
-              <a:solidFill>
-                <a:srgbClr val="FFFFFF">
-                  <a:alpha val="100000"/>
-                </a:srgbClr>
-              </a:solidFill>
-              <a:prstDash val="solid"/>
-              <a:round/>
-            </a:ln>
-          </p:spPr>
-          <p:txBody>
-            <a:bodyPr/>
-            <a:lstStyle/>
-            <a:p/>
-          </p:txBody>
-        </p:sp>
-        <p:sp>
-          <p:nvSpPr>
-            <p:cNvPr id="80" name="pl79"/>
-            <p:cNvSpPr/>
-            <p:nvPr/>
-          </p:nvSpPr>
-          <p:spPr>
-            <a:xfrm>
-              <a:off x="2956507" y="2827534"/>
-              <a:ext cx="0" cy="1341830"/>
-            </a:xfrm>
-            <a:custGeom>
-              <a:avLst/>
-              <a:pathLst>
-                <a:path w="0" h="1341830">
-                  <a:moveTo>
-                    <a:pt x="0" y="1341830"/>
-                  </a:moveTo>
-                  <a:lnTo>
-                    <a:pt x="0" y="0"/>
-                  </a:lnTo>
-                  <a:lnTo>
-                    <a:pt x="0" y="0"/>
-                  </a:lnTo>
-                </a:path>
-              </a:pathLst>
-            </a:custGeom>
-            <a:ln w="6775" cap="flat">
-              <a:solidFill>
-                <a:srgbClr val="FFFFFF">
-                  <a:alpha val="100000"/>
-                </a:srgbClr>
-              </a:solidFill>
-              <a:prstDash val="solid"/>
-              <a:round/>
-            </a:ln>
-          </p:spPr>
-          <p:txBody>
-            <a:bodyPr/>
-            <a:lstStyle/>
-            <a:p/>
-          </p:txBody>
-        </p:sp>
-        <p:sp>
-          <p:nvSpPr>
-            <p:cNvPr id="81" name="pl80"/>
-            <p:cNvSpPr/>
-            <p:nvPr/>
-          </p:nvSpPr>
-          <p:spPr>
-            <a:xfrm>
-              <a:off x="3134592" y="2827534"/>
-              <a:ext cx="0" cy="1341830"/>
-            </a:xfrm>
-            <a:custGeom>
-              <a:avLst/>
-              <a:pathLst>
-                <a:path w="0" h="1341830">
-                  <a:moveTo>
-                    <a:pt x="0" y="1341830"/>
-                  </a:moveTo>
-                  <a:lnTo>
-                    <a:pt x="0" y="0"/>
-                  </a:lnTo>
-                  <a:lnTo>
-                    <a:pt x="0" y="0"/>
-                  </a:lnTo>
-                </a:path>
-              </a:pathLst>
-            </a:custGeom>
-            <a:ln w="6775" cap="flat">
-              <a:solidFill>
-                <a:srgbClr val="FFFFFF">
-                  <a:alpha val="100000"/>
-                </a:srgbClr>
-              </a:solidFill>
-              <a:prstDash val="solid"/>
-              <a:round/>
-            </a:ln>
-          </p:spPr>
-          <p:txBody>
-            <a:bodyPr/>
-            <a:lstStyle/>
-            <a:p/>
-          </p:txBody>
-        </p:sp>
-        <p:sp>
-          <p:nvSpPr>
-            <p:cNvPr id="82" name="pl81"/>
-            <p:cNvSpPr/>
-            <p:nvPr/>
-          </p:nvSpPr>
-          <p:spPr>
-            <a:xfrm>
-              <a:off x="3312678" y="2827534"/>
-              <a:ext cx="0" cy="1341830"/>
-            </a:xfrm>
-            <a:custGeom>
-              <a:avLst/>
-              <a:pathLst>
-                <a:path w="0" h="1341830">
-                  <a:moveTo>
-                    <a:pt x="0" y="1341830"/>
-                  </a:moveTo>
-                  <a:lnTo>
-                    <a:pt x="0" y="0"/>
-                  </a:lnTo>
-                  <a:lnTo>
-                    <a:pt x="0" y="0"/>
-                  </a:lnTo>
-                </a:path>
-              </a:pathLst>
-            </a:custGeom>
-            <a:ln w="6775" cap="flat">
-              <a:solidFill>
-                <a:srgbClr val="FFFFFF">
-                  <a:alpha val="100000"/>
-                </a:srgbClr>
-              </a:solidFill>
-              <a:prstDash val="solid"/>
-              <a:round/>
-            </a:ln>
-          </p:spPr>
-          <p:txBody>
-            <a:bodyPr/>
-            <a:lstStyle/>
-            <a:p/>
-          </p:txBody>
-        </p:sp>
-        <p:sp>
-          <p:nvSpPr>
-            <p:cNvPr id="83" name="pl82"/>
-            <p:cNvSpPr/>
-            <p:nvPr/>
-          </p:nvSpPr>
-          <p:spPr>
-            <a:xfrm>
-              <a:off x="3490763" y="2827534"/>
-              <a:ext cx="0" cy="1341830"/>
-            </a:xfrm>
-            <a:custGeom>
-              <a:avLst/>
-              <a:pathLst>
-                <a:path w="0" h="1341830">
-                  <a:moveTo>
-                    <a:pt x="0" y="1341830"/>
-                  </a:moveTo>
-                  <a:lnTo>
-                    <a:pt x="0" y="0"/>
-                  </a:lnTo>
-                  <a:lnTo>
-                    <a:pt x="0" y="0"/>
-                  </a:lnTo>
-                </a:path>
-              </a:pathLst>
-            </a:custGeom>
-            <a:ln w="6775" cap="flat">
-              <a:solidFill>
-                <a:srgbClr val="FFFFFF">
-                  <a:alpha val="100000"/>
-                </a:srgbClr>
-              </a:solidFill>
-              <a:prstDash val="solid"/>
-              <a:round/>
-            </a:ln>
-          </p:spPr>
-          <p:txBody>
-            <a:bodyPr/>
-            <a:lstStyle/>
-            <a:p/>
-          </p:txBody>
-        </p:sp>
-        <p:sp>
-          <p:nvSpPr>
-            <p:cNvPr id="84" name="pl83"/>
+            <p:cNvPr id="67" name="pl66"/>
             <p:cNvSpPr/>
             <p:nvPr/>
           </p:nvSpPr>
@@ -6008,7 +5286,7 @@
         </p:sp>
         <p:sp>
           <p:nvSpPr>
-            <p:cNvPr id="85" name="pl84"/>
+            <p:cNvPr id="68" name="pl67"/>
             <p:cNvSpPr/>
             <p:nvPr/>
           </p:nvSpPr>
@@ -6051,7 +5329,7 @@
         </p:sp>
         <p:sp>
           <p:nvSpPr>
-            <p:cNvPr id="86" name="pl85"/>
+            <p:cNvPr id="69" name="pl68"/>
             <p:cNvSpPr/>
             <p:nvPr/>
           </p:nvSpPr>
@@ -6094,7 +5372,7 @@
         </p:sp>
         <p:sp>
           <p:nvSpPr>
-            <p:cNvPr id="87" name="pl86"/>
+            <p:cNvPr id="70" name="pl69"/>
             <p:cNvSpPr/>
             <p:nvPr/>
           </p:nvSpPr>
@@ -6137,7 +5415,7 @@
         </p:sp>
         <p:sp>
           <p:nvSpPr>
-            <p:cNvPr id="88" name="pl87"/>
+            <p:cNvPr id="71" name="pl70"/>
             <p:cNvSpPr/>
             <p:nvPr/>
           </p:nvSpPr>
@@ -6180,7 +5458,7 @@
         </p:sp>
         <p:sp>
           <p:nvSpPr>
-            <p:cNvPr id="89" name="pl88"/>
+            <p:cNvPr id="72" name="pl71"/>
             <p:cNvSpPr/>
             <p:nvPr/>
           </p:nvSpPr>
@@ -6223,7 +5501,7 @@
         </p:sp>
         <p:sp>
           <p:nvSpPr>
-            <p:cNvPr id="90" name="pl89"/>
+            <p:cNvPr id="73" name="pl72"/>
             <p:cNvSpPr/>
             <p:nvPr/>
           </p:nvSpPr>
@@ -6266,7 +5544,7 @@
         </p:sp>
         <p:sp>
           <p:nvSpPr>
-            <p:cNvPr id="91" name="pl90"/>
+            <p:cNvPr id="74" name="pl73"/>
             <p:cNvSpPr/>
             <p:nvPr/>
           </p:nvSpPr>
@@ -6309,7 +5587,7 @@
         </p:sp>
         <p:sp>
           <p:nvSpPr>
-            <p:cNvPr id="92" name="pl91"/>
+            <p:cNvPr id="75" name="pl74"/>
             <p:cNvSpPr/>
             <p:nvPr/>
           </p:nvSpPr>
@@ -6352,7 +5630,7 @@
         </p:sp>
         <p:sp>
           <p:nvSpPr>
-            <p:cNvPr id="93" name="pl92"/>
+            <p:cNvPr id="76" name="pl75"/>
             <p:cNvSpPr/>
             <p:nvPr/>
           </p:nvSpPr>
@@ -6395,7 +5673,7 @@
         </p:sp>
         <p:sp>
           <p:nvSpPr>
-            <p:cNvPr id="94" name="pl93"/>
+            <p:cNvPr id="77" name="pl76"/>
             <p:cNvSpPr/>
             <p:nvPr/>
           </p:nvSpPr>
@@ -6438,7 +5716,7 @@
         </p:sp>
         <p:sp>
           <p:nvSpPr>
-            <p:cNvPr id="95" name="pl94"/>
+            <p:cNvPr id="78" name="pl77"/>
             <p:cNvSpPr/>
             <p:nvPr/>
           </p:nvSpPr>
@@ -6481,13 +5759,13 @@
         </p:sp>
         <p:sp>
           <p:nvSpPr>
-            <p:cNvPr id="96" name="pl95"/>
-            <p:cNvSpPr/>
-            <p:nvPr/>
-          </p:nvSpPr>
-          <p:spPr>
-            <a:xfrm>
-              <a:off x="1798951" y="2827534"/>
+            <p:cNvPr id="79" name="pl78"/>
+            <p:cNvSpPr/>
+            <p:nvPr/>
+          </p:nvSpPr>
+          <p:spPr>
+            <a:xfrm>
+              <a:off x="1938875" y="2827534"/>
               <a:ext cx="0" cy="1341830"/>
             </a:xfrm>
             <a:custGeom>
@@ -6524,13 +5802,13 @@
         </p:sp>
         <p:sp>
           <p:nvSpPr>
-            <p:cNvPr id="97" name="pl96"/>
-            <p:cNvSpPr/>
-            <p:nvPr/>
-          </p:nvSpPr>
-          <p:spPr>
-            <a:xfrm>
-              <a:off x="1977037" y="2827534"/>
+            <p:cNvPr id="80" name="pl79"/>
+            <p:cNvSpPr/>
+            <p:nvPr/>
+          </p:nvSpPr>
+          <p:spPr>
+            <a:xfrm>
+              <a:off x="2256885" y="2827534"/>
               <a:ext cx="0" cy="1341830"/>
             </a:xfrm>
             <a:custGeom>
@@ -6567,13 +5845,13 @@
         </p:sp>
         <p:sp>
           <p:nvSpPr>
-            <p:cNvPr id="98" name="pl97"/>
-            <p:cNvSpPr/>
-            <p:nvPr/>
-          </p:nvSpPr>
-          <p:spPr>
-            <a:xfrm>
-              <a:off x="2155122" y="2827534"/>
+            <p:cNvPr id="81" name="pl80"/>
+            <p:cNvSpPr/>
+            <p:nvPr/>
+          </p:nvSpPr>
+          <p:spPr>
+            <a:xfrm>
+              <a:off x="2574895" y="2827534"/>
               <a:ext cx="0" cy="1341830"/>
             </a:xfrm>
             <a:custGeom>
@@ -6610,13 +5888,13 @@
         </p:sp>
         <p:sp>
           <p:nvSpPr>
-            <p:cNvPr id="99" name="pl98"/>
-            <p:cNvSpPr/>
-            <p:nvPr/>
-          </p:nvSpPr>
-          <p:spPr>
-            <a:xfrm>
-              <a:off x="2333208" y="2827534"/>
+            <p:cNvPr id="82" name="pl81"/>
+            <p:cNvSpPr/>
+            <p:nvPr/>
+          </p:nvSpPr>
+          <p:spPr>
+            <a:xfrm>
+              <a:off x="2892905" y="2827534"/>
               <a:ext cx="0" cy="1341830"/>
             </a:xfrm>
             <a:custGeom>
@@ -6653,13 +5931,13 @@
         </p:sp>
         <p:sp>
           <p:nvSpPr>
-            <p:cNvPr id="100" name="pl99"/>
-            <p:cNvSpPr/>
-            <p:nvPr/>
-          </p:nvSpPr>
-          <p:spPr>
-            <a:xfrm>
-              <a:off x="2511293" y="2827534"/>
+            <p:cNvPr id="83" name="pl82"/>
+            <p:cNvSpPr/>
+            <p:nvPr/>
+          </p:nvSpPr>
+          <p:spPr>
+            <a:xfrm>
+              <a:off x="3210915" y="2827534"/>
               <a:ext cx="0" cy="1341830"/>
             </a:xfrm>
             <a:custGeom>
@@ -6696,329 +5974,117 @@
         </p:sp>
         <p:sp>
           <p:nvSpPr>
-            <p:cNvPr id="101" name="pl100"/>
-            <p:cNvSpPr/>
-            <p:nvPr/>
-          </p:nvSpPr>
-          <p:spPr>
-            <a:xfrm>
-              <a:off x="2689379" y="2827534"/>
-              <a:ext cx="0" cy="1341830"/>
-            </a:xfrm>
-            <a:custGeom>
-              <a:avLst/>
-              <a:pathLst>
-                <a:path w="0" h="1341830">
-                  <a:moveTo>
-                    <a:pt x="0" y="1341830"/>
-                  </a:moveTo>
-                  <a:lnTo>
-                    <a:pt x="0" y="0"/>
-                  </a:lnTo>
-                  <a:lnTo>
-                    <a:pt x="0" y="0"/>
-                  </a:lnTo>
-                </a:path>
-              </a:pathLst>
-            </a:custGeom>
-            <a:ln w="13550" cap="flat">
-              <a:solidFill>
-                <a:srgbClr val="FFFFFF">
-                  <a:alpha val="100000"/>
-                </a:srgbClr>
-              </a:solidFill>
-              <a:prstDash val="solid"/>
-              <a:round/>
-            </a:ln>
-          </p:spPr>
-          <p:txBody>
-            <a:bodyPr/>
-            <a:lstStyle/>
-            <a:p/>
-          </p:txBody>
-        </p:sp>
-        <p:sp>
-          <p:nvSpPr>
-            <p:cNvPr id="102" name="pl101"/>
-            <p:cNvSpPr/>
-            <p:nvPr/>
-          </p:nvSpPr>
-          <p:spPr>
-            <a:xfrm>
-              <a:off x="2867464" y="2827534"/>
-              <a:ext cx="0" cy="1341830"/>
-            </a:xfrm>
-            <a:custGeom>
-              <a:avLst/>
-              <a:pathLst>
-                <a:path w="0" h="1341830">
-                  <a:moveTo>
-                    <a:pt x="0" y="1341830"/>
-                  </a:moveTo>
-                  <a:lnTo>
-                    <a:pt x="0" y="0"/>
-                  </a:lnTo>
-                  <a:lnTo>
-                    <a:pt x="0" y="0"/>
-                  </a:lnTo>
-                </a:path>
-              </a:pathLst>
-            </a:custGeom>
-            <a:ln w="13550" cap="flat">
-              <a:solidFill>
-                <a:srgbClr val="FFFFFF">
-                  <a:alpha val="100000"/>
-                </a:srgbClr>
-              </a:solidFill>
-              <a:prstDash val="solid"/>
-              <a:round/>
-            </a:ln>
-          </p:spPr>
-          <p:txBody>
-            <a:bodyPr/>
-            <a:lstStyle/>
-            <a:p/>
-          </p:txBody>
-        </p:sp>
-        <p:sp>
-          <p:nvSpPr>
-            <p:cNvPr id="103" name="pl102"/>
-            <p:cNvSpPr/>
-            <p:nvPr/>
-          </p:nvSpPr>
-          <p:spPr>
-            <a:xfrm>
-              <a:off x="3045550" y="2827534"/>
-              <a:ext cx="0" cy="1341830"/>
-            </a:xfrm>
-            <a:custGeom>
-              <a:avLst/>
-              <a:pathLst>
-                <a:path w="0" h="1341830">
-                  <a:moveTo>
-                    <a:pt x="0" y="1341830"/>
-                  </a:moveTo>
-                  <a:lnTo>
-                    <a:pt x="0" y="0"/>
-                  </a:lnTo>
-                  <a:lnTo>
-                    <a:pt x="0" y="0"/>
-                  </a:lnTo>
-                </a:path>
-              </a:pathLst>
-            </a:custGeom>
-            <a:ln w="13550" cap="flat">
-              <a:solidFill>
-                <a:srgbClr val="FFFFFF">
-                  <a:alpha val="100000"/>
-                </a:srgbClr>
-              </a:solidFill>
-              <a:prstDash val="solid"/>
-              <a:round/>
-            </a:ln>
-          </p:spPr>
-          <p:txBody>
-            <a:bodyPr/>
-            <a:lstStyle/>
-            <a:p/>
-          </p:txBody>
-        </p:sp>
-        <p:sp>
-          <p:nvSpPr>
-            <p:cNvPr id="104" name="pl103"/>
-            <p:cNvSpPr/>
-            <p:nvPr/>
-          </p:nvSpPr>
-          <p:spPr>
-            <a:xfrm>
-              <a:off x="3223635" y="2827534"/>
-              <a:ext cx="0" cy="1341830"/>
-            </a:xfrm>
-            <a:custGeom>
-              <a:avLst/>
-              <a:pathLst>
-                <a:path w="0" h="1341830">
-                  <a:moveTo>
-                    <a:pt x="0" y="1341830"/>
-                  </a:moveTo>
-                  <a:lnTo>
-                    <a:pt x="0" y="0"/>
-                  </a:lnTo>
-                  <a:lnTo>
-                    <a:pt x="0" y="0"/>
-                  </a:lnTo>
-                </a:path>
-              </a:pathLst>
-            </a:custGeom>
-            <a:ln w="13550" cap="flat">
-              <a:solidFill>
-                <a:srgbClr val="FFFFFF">
-                  <a:alpha val="100000"/>
-                </a:srgbClr>
-              </a:solidFill>
-              <a:prstDash val="solid"/>
-              <a:round/>
-            </a:ln>
-          </p:spPr>
-          <p:txBody>
-            <a:bodyPr/>
-            <a:lstStyle/>
-            <a:p/>
-          </p:txBody>
-        </p:sp>
-        <p:sp>
-          <p:nvSpPr>
-            <p:cNvPr id="105" name="pl104"/>
-            <p:cNvSpPr/>
-            <p:nvPr/>
-          </p:nvSpPr>
-          <p:spPr>
-            <a:xfrm>
-              <a:off x="3401721" y="2827534"/>
-              <a:ext cx="0" cy="1341830"/>
-            </a:xfrm>
-            <a:custGeom>
-              <a:avLst/>
-              <a:pathLst>
-                <a:path w="0" h="1341830">
-                  <a:moveTo>
-                    <a:pt x="0" y="1341830"/>
-                  </a:moveTo>
-                  <a:lnTo>
-                    <a:pt x="0" y="0"/>
-                  </a:lnTo>
-                  <a:lnTo>
-                    <a:pt x="0" y="0"/>
-                  </a:lnTo>
-                </a:path>
-              </a:pathLst>
-            </a:custGeom>
-            <a:ln w="13550" cap="flat">
-              <a:solidFill>
-                <a:srgbClr val="FFFFFF">
-                  <a:alpha val="100000"/>
-                </a:srgbClr>
-              </a:solidFill>
-              <a:prstDash val="solid"/>
-              <a:round/>
-            </a:ln>
-          </p:spPr>
-          <p:txBody>
-            <a:bodyPr/>
-            <a:lstStyle/>
-            <a:p/>
-          </p:txBody>
-        </p:sp>
-        <p:sp>
-          <p:nvSpPr>
-            <p:cNvPr id="106" name="pl105"/>
+            <p:cNvPr id="84" name="pl83"/>
             <p:cNvSpPr/>
             <p:nvPr/>
           </p:nvSpPr>
           <p:spPr>
             <a:xfrm>
               <a:off x="1620866" y="2888526"/>
-              <a:ext cx="1869897" cy="329358"/>
-            </a:xfrm>
-            <a:custGeom>
-              <a:avLst/>
-              <a:pathLst>
-                <a:path w="1869897" h="329358">
-                  <a:moveTo>
-                    <a:pt x="0" y="0"/>
-                  </a:moveTo>
-                  <a:lnTo>
-                    <a:pt x="712342" y="0"/>
-                  </a:lnTo>
-                  <a:lnTo>
-                    <a:pt x="712342" y="12198"/>
-                  </a:lnTo>
-                  <a:lnTo>
-                    <a:pt x="926044" y="12198"/>
-                  </a:lnTo>
-                  <a:lnTo>
-                    <a:pt x="926044" y="24396"/>
-                  </a:lnTo>
-                  <a:lnTo>
-                    <a:pt x="997278" y="24396"/>
-                  </a:lnTo>
-                  <a:lnTo>
-                    <a:pt x="997278" y="36595"/>
-                  </a:lnTo>
-                  <a:lnTo>
-                    <a:pt x="1032895" y="36595"/>
-                  </a:lnTo>
-                  <a:lnTo>
-                    <a:pt x="1032895" y="48793"/>
-                  </a:lnTo>
-                  <a:lnTo>
-                    <a:pt x="1068513" y="48793"/>
-                  </a:lnTo>
-                  <a:lnTo>
-                    <a:pt x="1068513" y="85389"/>
-                  </a:lnTo>
-                  <a:lnTo>
-                    <a:pt x="1104130" y="85389"/>
-                  </a:lnTo>
-                  <a:lnTo>
-                    <a:pt x="1104130" y="121984"/>
-                  </a:lnTo>
-                  <a:lnTo>
-                    <a:pt x="1139747" y="121984"/>
-                  </a:lnTo>
-                  <a:lnTo>
-                    <a:pt x="1139747" y="134183"/>
-                  </a:lnTo>
-                  <a:lnTo>
-                    <a:pt x="1175364" y="134183"/>
-                  </a:lnTo>
-                  <a:lnTo>
-                    <a:pt x="1175364" y="182976"/>
-                  </a:lnTo>
-                  <a:lnTo>
-                    <a:pt x="1210981" y="182976"/>
-                  </a:lnTo>
-                  <a:lnTo>
-                    <a:pt x="1210981" y="207373"/>
-                  </a:lnTo>
-                  <a:lnTo>
-                    <a:pt x="1246598" y="207373"/>
-                  </a:lnTo>
-                  <a:lnTo>
-                    <a:pt x="1246598" y="231770"/>
-                  </a:lnTo>
-                  <a:lnTo>
-                    <a:pt x="1282215" y="231770"/>
-                  </a:lnTo>
-                  <a:lnTo>
-                    <a:pt x="1282215" y="256167"/>
-                  </a:lnTo>
-                  <a:lnTo>
-                    <a:pt x="1317832" y="256167"/>
-                  </a:lnTo>
-                  <a:lnTo>
-                    <a:pt x="1317832" y="280564"/>
-                  </a:lnTo>
-                  <a:lnTo>
-                    <a:pt x="1389066" y="280564"/>
-                  </a:lnTo>
-                  <a:lnTo>
-                    <a:pt x="1389066" y="292763"/>
-                  </a:lnTo>
-                  <a:lnTo>
-                    <a:pt x="1460301" y="292763"/>
-                  </a:lnTo>
-                  <a:lnTo>
-                    <a:pt x="1460301" y="317159"/>
-                  </a:lnTo>
-                  <a:lnTo>
-                    <a:pt x="1567152" y="317159"/>
-                  </a:lnTo>
-                  <a:lnTo>
-                    <a:pt x="1567152" y="329358"/>
-                  </a:lnTo>
-                  <a:lnTo>
-                    <a:pt x="1869897" y="329358"/>
+              <a:ext cx="1717253" cy="329358"/>
+            </a:xfrm>
+            <a:custGeom>
+              <a:avLst/>
+              <a:pathLst>
+                <a:path w="1717253" h="329358">
+                  <a:moveTo>
+                    <a:pt x="0" y="0"/>
+                  </a:moveTo>
+                  <a:lnTo>
+                    <a:pt x="636019" y="0"/>
+                  </a:lnTo>
+                  <a:lnTo>
+                    <a:pt x="636019" y="12198"/>
+                  </a:lnTo>
+                  <a:lnTo>
+                    <a:pt x="826825" y="12198"/>
+                  </a:lnTo>
+                  <a:lnTo>
+                    <a:pt x="826825" y="24396"/>
+                  </a:lnTo>
+                  <a:lnTo>
+                    <a:pt x="890427" y="24396"/>
+                  </a:lnTo>
+                  <a:lnTo>
+                    <a:pt x="890427" y="36595"/>
+                  </a:lnTo>
+                  <a:lnTo>
+                    <a:pt x="922228" y="36595"/>
+                  </a:lnTo>
+                  <a:lnTo>
+                    <a:pt x="922228" y="48793"/>
+                  </a:lnTo>
+                  <a:lnTo>
+                    <a:pt x="954029" y="48793"/>
+                  </a:lnTo>
+                  <a:lnTo>
+                    <a:pt x="954029" y="85389"/>
+                  </a:lnTo>
+                  <a:lnTo>
+                    <a:pt x="985830" y="85389"/>
+                  </a:lnTo>
+                  <a:lnTo>
+                    <a:pt x="985830" y="121984"/>
+                  </a:lnTo>
+                  <a:lnTo>
+                    <a:pt x="1017631" y="121984"/>
+                  </a:lnTo>
+                  <a:lnTo>
+                    <a:pt x="1017631" y="134183"/>
+                  </a:lnTo>
+                  <a:lnTo>
+                    <a:pt x="1049432" y="134183"/>
+                  </a:lnTo>
+                  <a:lnTo>
+                    <a:pt x="1049432" y="182976"/>
+                  </a:lnTo>
+                  <a:lnTo>
+                    <a:pt x="1081233" y="182976"/>
+                  </a:lnTo>
+                  <a:lnTo>
+                    <a:pt x="1081233" y="207373"/>
+                  </a:lnTo>
+                  <a:lnTo>
+                    <a:pt x="1113034" y="207373"/>
+                  </a:lnTo>
+                  <a:lnTo>
+                    <a:pt x="1113034" y="231770"/>
+                  </a:lnTo>
+                  <a:lnTo>
+                    <a:pt x="1144835" y="231770"/>
+                  </a:lnTo>
+                  <a:lnTo>
+                    <a:pt x="1144835" y="256167"/>
+                  </a:lnTo>
+                  <a:lnTo>
+                    <a:pt x="1176636" y="256167"/>
+                  </a:lnTo>
+                  <a:lnTo>
+                    <a:pt x="1176636" y="280564"/>
+                  </a:lnTo>
+                  <a:lnTo>
+                    <a:pt x="1240238" y="280564"/>
+                  </a:lnTo>
+                  <a:lnTo>
+                    <a:pt x="1240238" y="292763"/>
+                  </a:lnTo>
+                  <a:lnTo>
+                    <a:pt x="1303840" y="292763"/>
+                  </a:lnTo>
+                  <a:lnTo>
+                    <a:pt x="1303840" y="317159"/>
+                  </a:lnTo>
+                  <a:lnTo>
+                    <a:pt x="1399243" y="317159"/>
+                  </a:lnTo>
+                  <a:lnTo>
+                    <a:pt x="1399243" y="329358"/>
+                  </a:lnTo>
+                  <a:lnTo>
+                    <a:pt x="1717253" y="329358"/>
+                  </a:lnTo>
+                  <a:lnTo>
+                    <a:pt x="1717253" y="329358"/>
                   </a:lnTo>
                 </a:path>
               </a:pathLst>
@@ -7041,132 +6107,135 @@
         </p:sp>
         <p:sp>
           <p:nvSpPr>
-            <p:cNvPr id="107" name="pl106"/>
+            <p:cNvPr id="85" name="pl84"/>
             <p:cNvSpPr/>
             <p:nvPr/>
           </p:nvSpPr>
           <p:spPr>
             <a:xfrm>
               <a:off x="1620866" y="2888526"/>
-              <a:ext cx="1869897" cy="365953"/>
-            </a:xfrm>
-            <a:custGeom>
-              <a:avLst/>
-              <a:pathLst>
-                <a:path w="1869897" h="365953">
-                  <a:moveTo>
-                    <a:pt x="0" y="0"/>
-                  </a:moveTo>
-                  <a:lnTo>
-                    <a:pt x="961661" y="0"/>
-                  </a:lnTo>
-                  <a:lnTo>
-                    <a:pt x="961661" y="12198"/>
-                  </a:lnTo>
-                  <a:lnTo>
-                    <a:pt x="997278" y="12198"/>
-                  </a:lnTo>
-                  <a:lnTo>
-                    <a:pt x="997278" y="24396"/>
-                  </a:lnTo>
-                  <a:lnTo>
-                    <a:pt x="1032895" y="24396"/>
-                  </a:lnTo>
-                  <a:lnTo>
-                    <a:pt x="1032895" y="36595"/>
-                  </a:lnTo>
-                  <a:lnTo>
-                    <a:pt x="1068513" y="36595"/>
-                  </a:lnTo>
-                  <a:lnTo>
-                    <a:pt x="1068513" y="48793"/>
-                  </a:lnTo>
-                  <a:lnTo>
-                    <a:pt x="1104130" y="48793"/>
-                  </a:lnTo>
-                  <a:lnTo>
-                    <a:pt x="1104130" y="60992"/>
-                  </a:lnTo>
-                  <a:lnTo>
-                    <a:pt x="1175364" y="60992"/>
-                  </a:lnTo>
-                  <a:lnTo>
-                    <a:pt x="1175364" y="85389"/>
-                  </a:lnTo>
-                  <a:lnTo>
-                    <a:pt x="1210981" y="85389"/>
-                  </a:lnTo>
-                  <a:lnTo>
-                    <a:pt x="1210981" y="97587"/>
-                  </a:lnTo>
-                  <a:lnTo>
-                    <a:pt x="1246598" y="97587"/>
-                  </a:lnTo>
-                  <a:lnTo>
-                    <a:pt x="1246598" y="158579"/>
-                  </a:lnTo>
-                  <a:lnTo>
-                    <a:pt x="1282215" y="158579"/>
-                  </a:lnTo>
-                  <a:lnTo>
-                    <a:pt x="1282215" y="182976"/>
-                  </a:lnTo>
-                  <a:lnTo>
-                    <a:pt x="1317832" y="182976"/>
-                  </a:lnTo>
-                  <a:lnTo>
-                    <a:pt x="1317832" y="207373"/>
-                  </a:lnTo>
-                  <a:lnTo>
-                    <a:pt x="1353449" y="207373"/>
-                  </a:lnTo>
-                  <a:lnTo>
-                    <a:pt x="1353449" y="243969"/>
-                  </a:lnTo>
-                  <a:lnTo>
-                    <a:pt x="1389066" y="243969"/>
-                  </a:lnTo>
-                  <a:lnTo>
-                    <a:pt x="1389066" y="256167"/>
-                  </a:lnTo>
-                  <a:lnTo>
-                    <a:pt x="1424684" y="256167"/>
-                  </a:lnTo>
-                  <a:lnTo>
-                    <a:pt x="1424684" y="268366"/>
-                  </a:lnTo>
-                  <a:lnTo>
-                    <a:pt x="1460301" y="268366"/>
-                  </a:lnTo>
-                  <a:lnTo>
-                    <a:pt x="1460301" y="280564"/>
-                  </a:lnTo>
-                  <a:lnTo>
-                    <a:pt x="1531535" y="280564"/>
-                  </a:lnTo>
-                  <a:lnTo>
-                    <a:pt x="1531535" y="292763"/>
-                  </a:lnTo>
-                  <a:lnTo>
-                    <a:pt x="1602769" y="292763"/>
-                  </a:lnTo>
-                  <a:lnTo>
-                    <a:pt x="1602769" y="329358"/>
-                  </a:lnTo>
-                  <a:lnTo>
-                    <a:pt x="1709620" y="329358"/>
-                  </a:lnTo>
-                  <a:lnTo>
-                    <a:pt x="1709620" y="341556"/>
-                  </a:lnTo>
-                  <a:lnTo>
-                    <a:pt x="1745237" y="341556"/>
-                  </a:lnTo>
-                  <a:lnTo>
-                    <a:pt x="1745237" y="365953"/>
-                  </a:lnTo>
-                  <a:lnTo>
-                    <a:pt x="1869897" y="365953"/>
+              <a:ext cx="1717253" cy="365953"/>
+            </a:xfrm>
+            <a:custGeom>
+              <a:avLst/>
+              <a:pathLst>
+                <a:path w="1717253" h="365953">
+                  <a:moveTo>
+                    <a:pt x="0" y="0"/>
+                  </a:moveTo>
+                  <a:lnTo>
+                    <a:pt x="858626" y="0"/>
+                  </a:lnTo>
+                  <a:lnTo>
+                    <a:pt x="858626" y="12198"/>
+                  </a:lnTo>
+                  <a:lnTo>
+                    <a:pt x="890427" y="12198"/>
+                  </a:lnTo>
+                  <a:lnTo>
+                    <a:pt x="890427" y="24396"/>
+                  </a:lnTo>
+                  <a:lnTo>
+                    <a:pt x="922228" y="24396"/>
+                  </a:lnTo>
+                  <a:lnTo>
+                    <a:pt x="922228" y="36595"/>
+                  </a:lnTo>
+                  <a:lnTo>
+                    <a:pt x="954029" y="36595"/>
+                  </a:lnTo>
+                  <a:lnTo>
+                    <a:pt x="954029" y="48793"/>
+                  </a:lnTo>
+                  <a:lnTo>
+                    <a:pt x="985830" y="48793"/>
+                  </a:lnTo>
+                  <a:lnTo>
+                    <a:pt x="985830" y="60992"/>
+                  </a:lnTo>
+                  <a:lnTo>
+                    <a:pt x="1049432" y="60992"/>
+                  </a:lnTo>
+                  <a:lnTo>
+                    <a:pt x="1049432" y="85389"/>
+                  </a:lnTo>
+                  <a:lnTo>
+                    <a:pt x="1081233" y="85389"/>
+                  </a:lnTo>
+                  <a:lnTo>
+                    <a:pt x="1081233" y="97587"/>
+                  </a:lnTo>
+                  <a:lnTo>
+                    <a:pt x="1113034" y="97587"/>
+                  </a:lnTo>
+                  <a:lnTo>
+                    <a:pt x="1113034" y="158579"/>
+                  </a:lnTo>
+                  <a:lnTo>
+                    <a:pt x="1144835" y="158579"/>
+                  </a:lnTo>
+                  <a:lnTo>
+                    <a:pt x="1144835" y="182976"/>
+                  </a:lnTo>
+                  <a:lnTo>
+                    <a:pt x="1176636" y="182976"/>
+                  </a:lnTo>
+                  <a:lnTo>
+                    <a:pt x="1176636" y="207373"/>
+                  </a:lnTo>
+                  <a:lnTo>
+                    <a:pt x="1208437" y="207373"/>
+                  </a:lnTo>
+                  <a:lnTo>
+                    <a:pt x="1208437" y="243969"/>
+                  </a:lnTo>
+                  <a:lnTo>
+                    <a:pt x="1240238" y="243969"/>
+                  </a:lnTo>
+                  <a:lnTo>
+                    <a:pt x="1240238" y="256167"/>
+                  </a:lnTo>
+                  <a:lnTo>
+                    <a:pt x="1272039" y="256167"/>
+                  </a:lnTo>
+                  <a:lnTo>
+                    <a:pt x="1272039" y="268366"/>
+                  </a:lnTo>
+                  <a:lnTo>
+                    <a:pt x="1303840" y="268366"/>
+                  </a:lnTo>
+                  <a:lnTo>
+                    <a:pt x="1303840" y="280564"/>
+                  </a:lnTo>
+                  <a:lnTo>
+                    <a:pt x="1367442" y="280564"/>
+                  </a:lnTo>
+                  <a:lnTo>
+                    <a:pt x="1367442" y="292763"/>
+                  </a:lnTo>
+                  <a:lnTo>
+                    <a:pt x="1431044" y="292763"/>
+                  </a:lnTo>
+                  <a:lnTo>
+                    <a:pt x="1431044" y="329358"/>
+                  </a:lnTo>
+                  <a:lnTo>
+                    <a:pt x="1526447" y="329358"/>
+                  </a:lnTo>
+                  <a:lnTo>
+                    <a:pt x="1526447" y="341556"/>
+                  </a:lnTo>
+                  <a:lnTo>
+                    <a:pt x="1558248" y="341556"/>
+                  </a:lnTo>
+                  <a:lnTo>
+                    <a:pt x="1558248" y="365953"/>
+                  </a:lnTo>
+                  <a:lnTo>
+                    <a:pt x="1717253" y="365953"/>
+                  </a:lnTo>
+                  <a:lnTo>
+                    <a:pt x="1717253" y="365953"/>
                   </a:lnTo>
                 </a:path>
               </a:pathLst>
@@ -7189,120 +6258,123 @@
         </p:sp>
         <p:sp>
           <p:nvSpPr>
-            <p:cNvPr id="108" name="pl107"/>
+            <p:cNvPr id="86" name="pl85"/>
             <p:cNvSpPr/>
             <p:nvPr/>
           </p:nvSpPr>
           <p:spPr>
             <a:xfrm>
               <a:off x="1620866" y="2888526"/>
-              <a:ext cx="1869897" cy="378152"/>
-            </a:xfrm>
-            <a:custGeom>
-              <a:avLst/>
-              <a:pathLst>
-                <a:path w="1869897" h="378152">
-                  <a:moveTo>
-                    <a:pt x="0" y="0"/>
-                  </a:moveTo>
-                  <a:lnTo>
-                    <a:pt x="783576" y="0"/>
-                  </a:lnTo>
-                  <a:lnTo>
-                    <a:pt x="783576" y="12198"/>
-                  </a:lnTo>
-                  <a:lnTo>
-                    <a:pt x="854810" y="12198"/>
-                  </a:lnTo>
-                  <a:lnTo>
-                    <a:pt x="854810" y="24396"/>
-                  </a:lnTo>
-                  <a:lnTo>
-                    <a:pt x="926044" y="24396"/>
-                  </a:lnTo>
-                  <a:lnTo>
-                    <a:pt x="926044" y="36595"/>
-                  </a:lnTo>
-                  <a:lnTo>
-                    <a:pt x="961661" y="36595"/>
-                  </a:lnTo>
-                  <a:lnTo>
-                    <a:pt x="961661" y="60992"/>
-                  </a:lnTo>
-                  <a:lnTo>
-                    <a:pt x="997278" y="60992"/>
-                  </a:lnTo>
-                  <a:lnTo>
-                    <a:pt x="997278" y="73190"/>
-                  </a:lnTo>
-                  <a:lnTo>
-                    <a:pt x="1068513" y="73190"/>
-                  </a:lnTo>
-                  <a:lnTo>
-                    <a:pt x="1068513" y="85389"/>
-                  </a:lnTo>
-                  <a:lnTo>
-                    <a:pt x="1104130" y="85389"/>
-                  </a:lnTo>
-                  <a:lnTo>
-                    <a:pt x="1104130" y="121984"/>
-                  </a:lnTo>
-                  <a:lnTo>
-                    <a:pt x="1139747" y="121984"/>
-                  </a:lnTo>
-                  <a:lnTo>
-                    <a:pt x="1139747" y="134183"/>
-                  </a:lnTo>
-                  <a:lnTo>
-                    <a:pt x="1175364" y="134183"/>
-                  </a:lnTo>
-                  <a:lnTo>
-                    <a:pt x="1175364" y="195175"/>
-                  </a:lnTo>
-                  <a:lnTo>
-                    <a:pt x="1210981" y="195175"/>
-                  </a:lnTo>
-                  <a:lnTo>
-                    <a:pt x="1210981" y="256167"/>
-                  </a:lnTo>
-                  <a:lnTo>
-                    <a:pt x="1246598" y="256167"/>
-                  </a:lnTo>
-                  <a:lnTo>
-                    <a:pt x="1246598" y="292763"/>
-                  </a:lnTo>
-                  <a:lnTo>
-                    <a:pt x="1282215" y="292763"/>
-                  </a:lnTo>
-                  <a:lnTo>
-                    <a:pt x="1282215" y="317159"/>
-                  </a:lnTo>
-                  <a:lnTo>
-                    <a:pt x="1317832" y="317159"/>
-                  </a:lnTo>
-                  <a:lnTo>
-                    <a:pt x="1317832" y="341556"/>
-                  </a:lnTo>
-                  <a:lnTo>
-                    <a:pt x="1353449" y="341556"/>
-                  </a:lnTo>
-                  <a:lnTo>
-                    <a:pt x="1353449" y="353755"/>
-                  </a:lnTo>
-                  <a:lnTo>
-                    <a:pt x="1389066" y="353755"/>
-                  </a:lnTo>
-                  <a:lnTo>
-                    <a:pt x="1389066" y="365953"/>
-                  </a:lnTo>
-                  <a:lnTo>
-                    <a:pt x="1816472" y="365953"/>
-                  </a:lnTo>
-                  <a:lnTo>
-                    <a:pt x="1816472" y="378152"/>
-                  </a:lnTo>
-                  <a:lnTo>
-                    <a:pt x="1869897" y="378152"/>
+              <a:ext cx="1717253" cy="378152"/>
+            </a:xfrm>
+            <a:custGeom>
+              <a:avLst/>
+              <a:pathLst>
+                <a:path w="1717253" h="378152">
+                  <a:moveTo>
+                    <a:pt x="0" y="0"/>
+                  </a:moveTo>
+                  <a:lnTo>
+                    <a:pt x="699621" y="0"/>
+                  </a:lnTo>
+                  <a:lnTo>
+                    <a:pt x="699621" y="12198"/>
+                  </a:lnTo>
+                  <a:lnTo>
+                    <a:pt x="763223" y="12198"/>
+                  </a:lnTo>
+                  <a:lnTo>
+                    <a:pt x="763223" y="24396"/>
+                  </a:lnTo>
+                  <a:lnTo>
+                    <a:pt x="826825" y="24396"/>
+                  </a:lnTo>
+                  <a:lnTo>
+                    <a:pt x="826825" y="36595"/>
+                  </a:lnTo>
+                  <a:lnTo>
+                    <a:pt x="858626" y="36595"/>
+                  </a:lnTo>
+                  <a:lnTo>
+                    <a:pt x="858626" y="60992"/>
+                  </a:lnTo>
+                  <a:lnTo>
+                    <a:pt x="890427" y="60992"/>
+                  </a:lnTo>
+                  <a:lnTo>
+                    <a:pt x="890427" y="73190"/>
+                  </a:lnTo>
+                  <a:lnTo>
+                    <a:pt x="954029" y="73190"/>
+                  </a:lnTo>
+                  <a:lnTo>
+                    <a:pt x="954029" y="85389"/>
+                  </a:lnTo>
+                  <a:lnTo>
+                    <a:pt x="985830" y="85389"/>
+                  </a:lnTo>
+                  <a:lnTo>
+                    <a:pt x="985830" y="121984"/>
+                  </a:lnTo>
+                  <a:lnTo>
+                    <a:pt x="1017631" y="121984"/>
+                  </a:lnTo>
+                  <a:lnTo>
+                    <a:pt x="1017631" y="134183"/>
+                  </a:lnTo>
+                  <a:lnTo>
+                    <a:pt x="1049432" y="134183"/>
+                  </a:lnTo>
+                  <a:lnTo>
+                    <a:pt x="1049432" y="195175"/>
+                  </a:lnTo>
+                  <a:lnTo>
+                    <a:pt x="1081233" y="195175"/>
+                  </a:lnTo>
+                  <a:lnTo>
+                    <a:pt x="1081233" y="256167"/>
+                  </a:lnTo>
+                  <a:lnTo>
+                    <a:pt x="1113034" y="256167"/>
+                  </a:lnTo>
+                  <a:lnTo>
+                    <a:pt x="1113034" y="292763"/>
+                  </a:lnTo>
+                  <a:lnTo>
+                    <a:pt x="1144835" y="292763"/>
+                  </a:lnTo>
+                  <a:lnTo>
+                    <a:pt x="1144835" y="317159"/>
+                  </a:lnTo>
+                  <a:lnTo>
+                    <a:pt x="1176636" y="317159"/>
+                  </a:lnTo>
+                  <a:lnTo>
+                    <a:pt x="1176636" y="341556"/>
+                  </a:lnTo>
+                  <a:lnTo>
+                    <a:pt x="1208437" y="341556"/>
+                  </a:lnTo>
+                  <a:lnTo>
+                    <a:pt x="1208437" y="353755"/>
+                  </a:lnTo>
+                  <a:lnTo>
+                    <a:pt x="1240238" y="353755"/>
+                  </a:lnTo>
+                  <a:lnTo>
+                    <a:pt x="1240238" y="365953"/>
+                  </a:lnTo>
+                  <a:lnTo>
+                    <a:pt x="1621850" y="365953"/>
+                  </a:lnTo>
+                  <a:lnTo>
+                    <a:pt x="1621850" y="378152"/>
+                  </a:lnTo>
+                  <a:lnTo>
+                    <a:pt x="1717253" y="378152"/>
+                  </a:lnTo>
+                  <a:lnTo>
+                    <a:pt x="1717253" y="378152"/>
                   </a:lnTo>
                 </a:path>
               </a:pathLst>
@@ -7325,13 +6397,13 @@
         </p:sp>
         <p:sp>
           <p:nvSpPr>
-            <p:cNvPr id="109" name="tx108"/>
-            <p:cNvSpPr/>
-            <p:nvPr/>
-          </p:nvSpPr>
-          <p:spPr>
-            <a:xfrm>
-              <a:off x="3471038" y="3163150"/>
+            <p:cNvPr id="87" name="tx86"/>
+            <p:cNvSpPr/>
+            <p:nvPr/>
+          </p:nvSpPr>
+          <p:spPr>
+            <a:xfrm>
+              <a:off x="3264968" y="3163150"/>
               <a:ext cx="146301" cy="109470"/>
             </a:xfrm>
             <a:prstGeom prst="rect">
@@ -7371,13 +6443,13 @@
         </p:sp>
         <p:sp>
           <p:nvSpPr>
-            <p:cNvPr id="110" name="tx109"/>
-            <p:cNvSpPr/>
-            <p:nvPr/>
-          </p:nvSpPr>
-          <p:spPr>
-            <a:xfrm>
-              <a:off x="3471038" y="3199745"/>
+            <p:cNvPr id="88" name="tx87"/>
+            <p:cNvSpPr/>
+            <p:nvPr/>
+          </p:nvSpPr>
+          <p:spPr>
+            <a:xfrm>
+              <a:off x="3264968" y="3199745"/>
               <a:ext cx="146301" cy="109470"/>
             </a:xfrm>
             <a:prstGeom prst="rect">
@@ -7417,13 +6489,13 @@
         </p:sp>
         <p:sp>
           <p:nvSpPr>
-            <p:cNvPr id="111" name="tx110"/>
-            <p:cNvSpPr/>
-            <p:nvPr/>
-          </p:nvSpPr>
-          <p:spPr>
-            <a:xfrm>
-              <a:off x="3471038" y="3211943"/>
+            <p:cNvPr id="89" name="tx88"/>
+            <p:cNvSpPr/>
+            <p:nvPr/>
+          </p:nvSpPr>
+          <p:spPr>
+            <a:xfrm>
+              <a:off x="3264968" y="3211943"/>
               <a:ext cx="146301" cy="109470"/>
             </a:xfrm>
             <a:prstGeom prst="rect">
@@ -7463,7 +6535,7 @@
         </p:sp>
         <p:sp>
           <p:nvSpPr>
-            <p:cNvPr id="112" name="rc111"/>
+            <p:cNvPr id="90" name="rc89"/>
             <p:cNvSpPr/>
             <p:nvPr/>
           </p:nvSpPr>
@@ -7489,7 +6561,7 @@
         </p:sp>
         <p:sp>
           <p:nvSpPr>
-            <p:cNvPr id="113" name="pl112"/>
+            <p:cNvPr id="91" name="pl90"/>
             <p:cNvSpPr/>
             <p:nvPr/>
           </p:nvSpPr>
@@ -7532,7 +6604,7 @@
         </p:sp>
         <p:sp>
           <p:nvSpPr>
-            <p:cNvPr id="114" name="pl113"/>
+            <p:cNvPr id="92" name="pl91"/>
             <p:cNvSpPr/>
             <p:nvPr/>
           </p:nvSpPr>
@@ -7575,7 +6647,7 @@
         </p:sp>
         <p:sp>
           <p:nvSpPr>
-            <p:cNvPr id="115" name="pl114"/>
+            <p:cNvPr id="93" name="pl92"/>
             <p:cNvSpPr/>
             <p:nvPr/>
           </p:nvSpPr>
@@ -7618,7 +6690,7 @@
         </p:sp>
         <p:sp>
           <p:nvSpPr>
-            <p:cNvPr id="116" name="pl115"/>
+            <p:cNvPr id="94" name="pl93"/>
             <p:cNvSpPr/>
             <p:nvPr/>
           </p:nvSpPr>
@@ -7661,7 +6733,7 @@
         </p:sp>
         <p:sp>
           <p:nvSpPr>
-            <p:cNvPr id="117" name="pl116"/>
+            <p:cNvPr id="95" name="pl94"/>
             <p:cNvSpPr/>
             <p:nvPr/>
           </p:nvSpPr>
@@ -7704,7 +6776,7 @@
         </p:sp>
         <p:sp>
           <p:nvSpPr>
-            <p:cNvPr id="118" name="pl117"/>
+            <p:cNvPr id="96" name="pl95"/>
             <p:cNvSpPr/>
             <p:nvPr/>
           </p:nvSpPr>
@@ -7747,7 +6819,7 @@
         </p:sp>
         <p:sp>
           <p:nvSpPr>
-            <p:cNvPr id="119" name="pl118"/>
+            <p:cNvPr id="97" name="pl96"/>
             <p:cNvSpPr/>
             <p:nvPr/>
           </p:nvSpPr>
@@ -7790,7 +6862,7 @@
         </p:sp>
         <p:sp>
           <p:nvSpPr>
-            <p:cNvPr id="120" name="pl119"/>
+            <p:cNvPr id="98" name="pl97"/>
             <p:cNvSpPr/>
             <p:nvPr/>
           </p:nvSpPr>
@@ -7833,7 +6905,7 @@
         </p:sp>
         <p:sp>
           <p:nvSpPr>
-            <p:cNvPr id="121" name="pl120"/>
+            <p:cNvPr id="99" name="pl98"/>
             <p:cNvSpPr/>
             <p:nvPr/>
           </p:nvSpPr>
@@ -7876,7 +6948,7 @@
         </p:sp>
         <p:sp>
           <p:nvSpPr>
-            <p:cNvPr id="122" name="pl121"/>
+            <p:cNvPr id="100" name="pl99"/>
             <p:cNvSpPr/>
             <p:nvPr/>
           </p:nvSpPr>
@@ -7919,7 +6991,7 @@
         </p:sp>
         <p:sp>
           <p:nvSpPr>
-            <p:cNvPr id="123" name="pl122"/>
+            <p:cNvPr id="101" name="pl100"/>
             <p:cNvSpPr/>
             <p:nvPr/>
           </p:nvSpPr>
@@ -7962,7 +7034,7 @@
         </p:sp>
         <p:sp>
           <p:nvSpPr>
-            <p:cNvPr id="124" name="pl123"/>
+            <p:cNvPr id="102" name="pl101"/>
             <p:cNvSpPr/>
             <p:nvPr/>
           </p:nvSpPr>
@@ -8005,13 +7077,13 @@
         </p:sp>
         <p:sp>
           <p:nvSpPr>
-            <p:cNvPr id="125" name="pl124"/>
-            <p:cNvSpPr/>
-            <p:nvPr/>
-          </p:nvSpPr>
-          <p:spPr>
-            <a:xfrm>
-              <a:off x="3560353" y="1200051"/>
+            <p:cNvPr id="103" name="pl102"/>
+            <p:cNvSpPr/>
+            <p:nvPr/>
+          </p:nvSpPr>
+          <p:spPr>
+            <a:xfrm>
+              <a:off x="3808400" y="1200051"/>
               <a:ext cx="0" cy="1341830"/>
             </a:xfrm>
             <a:custGeom>
@@ -8048,13 +7120,13 @@
         </p:sp>
         <p:sp>
           <p:nvSpPr>
-            <p:cNvPr id="126" name="pl125"/>
-            <p:cNvSpPr/>
-            <p:nvPr/>
-          </p:nvSpPr>
-          <p:spPr>
-            <a:xfrm>
-              <a:off x="3738438" y="1200051"/>
+            <p:cNvPr id="104" name="pl103"/>
+            <p:cNvSpPr/>
+            <p:nvPr/>
+          </p:nvSpPr>
+          <p:spPr>
+            <a:xfrm>
+              <a:off x="4126410" y="1200051"/>
               <a:ext cx="0" cy="1341830"/>
             </a:xfrm>
             <a:custGeom>
@@ -8091,13 +7163,13 @@
         </p:sp>
         <p:sp>
           <p:nvSpPr>
-            <p:cNvPr id="127" name="pl126"/>
-            <p:cNvSpPr/>
-            <p:nvPr/>
-          </p:nvSpPr>
-          <p:spPr>
-            <a:xfrm>
-              <a:off x="3916524" y="1200051"/>
+            <p:cNvPr id="105" name="pl104"/>
+            <p:cNvSpPr/>
+            <p:nvPr/>
+          </p:nvSpPr>
+          <p:spPr>
+            <a:xfrm>
+              <a:off x="4444420" y="1200051"/>
               <a:ext cx="0" cy="1341830"/>
             </a:xfrm>
             <a:custGeom>
@@ -8134,13 +7206,13 @@
         </p:sp>
         <p:sp>
           <p:nvSpPr>
-            <p:cNvPr id="128" name="pl127"/>
-            <p:cNvSpPr/>
-            <p:nvPr/>
-          </p:nvSpPr>
-          <p:spPr>
-            <a:xfrm>
-              <a:off x="4094609" y="1200051"/>
+            <p:cNvPr id="106" name="pl105"/>
+            <p:cNvSpPr/>
+            <p:nvPr/>
+          </p:nvSpPr>
+          <p:spPr>
+            <a:xfrm>
+              <a:off x="4762430" y="1200051"/>
               <a:ext cx="0" cy="1341830"/>
             </a:xfrm>
             <a:custGeom>
@@ -8177,13 +7249,13 @@
         </p:sp>
         <p:sp>
           <p:nvSpPr>
-            <p:cNvPr id="129" name="pl128"/>
-            <p:cNvSpPr/>
-            <p:nvPr/>
-          </p:nvSpPr>
-          <p:spPr>
-            <a:xfrm>
-              <a:off x="4272695" y="1200051"/>
+            <p:cNvPr id="107" name="pl106"/>
+            <p:cNvSpPr/>
+            <p:nvPr/>
+          </p:nvSpPr>
+          <p:spPr>
+            <a:xfrm>
+              <a:off x="5080439" y="1200051"/>
               <a:ext cx="0" cy="1341830"/>
             </a:xfrm>
             <a:custGeom>
@@ -8220,13 +7292,13 @@
         </p:sp>
         <p:sp>
           <p:nvSpPr>
-            <p:cNvPr id="130" name="pl129"/>
-            <p:cNvSpPr/>
-            <p:nvPr/>
-          </p:nvSpPr>
-          <p:spPr>
-            <a:xfrm>
-              <a:off x="4450780" y="1200051"/>
+            <p:cNvPr id="108" name="pl107"/>
+            <p:cNvSpPr/>
+            <p:nvPr/>
+          </p:nvSpPr>
+          <p:spPr>
+            <a:xfrm>
+              <a:off x="5398449" y="1200051"/>
               <a:ext cx="0" cy="1341830"/>
             </a:xfrm>
             <a:custGeom>
@@ -8263,265 +7335,7 @@
         </p:sp>
         <p:sp>
           <p:nvSpPr>
-            <p:cNvPr id="131" name="pl130"/>
-            <p:cNvSpPr/>
-            <p:nvPr/>
-          </p:nvSpPr>
-          <p:spPr>
-            <a:xfrm>
-              <a:off x="4628866" y="1200051"/>
-              <a:ext cx="0" cy="1341830"/>
-            </a:xfrm>
-            <a:custGeom>
-              <a:avLst/>
-              <a:pathLst>
-                <a:path w="0" h="1341830">
-                  <a:moveTo>
-                    <a:pt x="0" y="1341830"/>
-                  </a:moveTo>
-                  <a:lnTo>
-                    <a:pt x="0" y="0"/>
-                  </a:lnTo>
-                  <a:lnTo>
-                    <a:pt x="0" y="0"/>
-                  </a:lnTo>
-                </a:path>
-              </a:pathLst>
-            </a:custGeom>
-            <a:ln w="6775" cap="flat">
-              <a:solidFill>
-                <a:srgbClr val="FFFFFF">
-                  <a:alpha val="100000"/>
-                </a:srgbClr>
-              </a:solidFill>
-              <a:prstDash val="solid"/>
-              <a:round/>
-            </a:ln>
-          </p:spPr>
-          <p:txBody>
-            <a:bodyPr/>
-            <a:lstStyle/>
-            <a:p/>
-          </p:txBody>
-        </p:sp>
-        <p:sp>
-          <p:nvSpPr>
-            <p:cNvPr id="132" name="pl131"/>
-            <p:cNvSpPr/>
-            <p:nvPr/>
-          </p:nvSpPr>
-          <p:spPr>
-            <a:xfrm>
-              <a:off x="4806951" y="1200051"/>
-              <a:ext cx="0" cy="1341830"/>
-            </a:xfrm>
-            <a:custGeom>
-              <a:avLst/>
-              <a:pathLst>
-                <a:path w="0" h="1341830">
-                  <a:moveTo>
-                    <a:pt x="0" y="1341830"/>
-                  </a:moveTo>
-                  <a:lnTo>
-                    <a:pt x="0" y="0"/>
-                  </a:lnTo>
-                  <a:lnTo>
-                    <a:pt x="0" y="0"/>
-                  </a:lnTo>
-                </a:path>
-              </a:pathLst>
-            </a:custGeom>
-            <a:ln w="6775" cap="flat">
-              <a:solidFill>
-                <a:srgbClr val="FFFFFF">
-                  <a:alpha val="100000"/>
-                </a:srgbClr>
-              </a:solidFill>
-              <a:prstDash val="solid"/>
-              <a:round/>
-            </a:ln>
-          </p:spPr>
-          <p:txBody>
-            <a:bodyPr/>
-            <a:lstStyle/>
-            <a:p/>
-          </p:txBody>
-        </p:sp>
-        <p:sp>
-          <p:nvSpPr>
-            <p:cNvPr id="133" name="pl132"/>
-            <p:cNvSpPr/>
-            <p:nvPr/>
-          </p:nvSpPr>
-          <p:spPr>
-            <a:xfrm>
-              <a:off x="4985037" y="1200051"/>
-              <a:ext cx="0" cy="1341830"/>
-            </a:xfrm>
-            <a:custGeom>
-              <a:avLst/>
-              <a:pathLst>
-                <a:path w="0" h="1341830">
-                  <a:moveTo>
-                    <a:pt x="0" y="1341830"/>
-                  </a:moveTo>
-                  <a:lnTo>
-                    <a:pt x="0" y="0"/>
-                  </a:lnTo>
-                  <a:lnTo>
-                    <a:pt x="0" y="0"/>
-                  </a:lnTo>
-                </a:path>
-              </a:pathLst>
-            </a:custGeom>
-            <a:ln w="6775" cap="flat">
-              <a:solidFill>
-                <a:srgbClr val="FFFFFF">
-                  <a:alpha val="100000"/>
-                </a:srgbClr>
-              </a:solidFill>
-              <a:prstDash val="solid"/>
-              <a:round/>
-            </a:ln>
-          </p:spPr>
-          <p:txBody>
-            <a:bodyPr/>
-            <a:lstStyle/>
-            <a:p/>
-          </p:txBody>
-        </p:sp>
-        <p:sp>
-          <p:nvSpPr>
-            <p:cNvPr id="134" name="pl133"/>
-            <p:cNvSpPr/>
-            <p:nvPr/>
-          </p:nvSpPr>
-          <p:spPr>
-            <a:xfrm>
-              <a:off x="5163122" y="1200051"/>
-              <a:ext cx="0" cy="1341830"/>
-            </a:xfrm>
-            <a:custGeom>
-              <a:avLst/>
-              <a:pathLst>
-                <a:path w="0" h="1341830">
-                  <a:moveTo>
-                    <a:pt x="0" y="1341830"/>
-                  </a:moveTo>
-                  <a:lnTo>
-                    <a:pt x="0" y="0"/>
-                  </a:lnTo>
-                  <a:lnTo>
-                    <a:pt x="0" y="0"/>
-                  </a:lnTo>
-                </a:path>
-              </a:pathLst>
-            </a:custGeom>
-            <a:ln w="6775" cap="flat">
-              <a:solidFill>
-                <a:srgbClr val="FFFFFF">
-                  <a:alpha val="100000"/>
-                </a:srgbClr>
-              </a:solidFill>
-              <a:prstDash val="solid"/>
-              <a:round/>
-            </a:ln>
-          </p:spPr>
-          <p:txBody>
-            <a:bodyPr/>
-            <a:lstStyle/>
-            <a:p/>
-          </p:txBody>
-        </p:sp>
-        <p:sp>
-          <p:nvSpPr>
-            <p:cNvPr id="135" name="pl134"/>
-            <p:cNvSpPr/>
-            <p:nvPr/>
-          </p:nvSpPr>
-          <p:spPr>
-            <a:xfrm>
-              <a:off x="5341208" y="1200051"/>
-              <a:ext cx="0" cy="1341830"/>
-            </a:xfrm>
-            <a:custGeom>
-              <a:avLst/>
-              <a:pathLst>
-                <a:path w="0" h="1341830">
-                  <a:moveTo>
-                    <a:pt x="0" y="1341830"/>
-                  </a:moveTo>
-                  <a:lnTo>
-                    <a:pt x="0" y="0"/>
-                  </a:lnTo>
-                  <a:lnTo>
-                    <a:pt x="0" y="0"/>
-                  </a:lnTo>
-                </a:path>
-              </a:pathLst>
-            </a:custGeom>
-            <a:ln w="6775" cap="flat">
-              <a:solidFill>
-                <a:srgbClr val="FFFFFF">
-                  <a:alpha val="100000"/>
-                </a:srgbClr>
-              </a:solidFill>
-              <a:prstDash val="solid"/>
-              <a:round/>
-            </a:ln>
-          </p:spPr>
-          <p:txBody>
-            <a:bodyPr/>
-            <a:lstStyle/>
-            <a:p/>
-          </p:txBody>
-        </p:sp>
-        <p:sp>
-          <p:nvSpPr>
-            <p:cNvPr id="136" name="pl135"/>
-            <p:cNvSpPr/>
-            <p:nvPr/>
-          </p:nvSpPr>
-          <p:spPr>
-            <a:xfrm>
-              <a:off x="5519293" y="1200051"/>
-              <a:ext cx="0" cy="1341830"/>
-            </a:xfrm>
-            <a:custGeom>
-              <a:avLst/>
-              <a:pathLst>
-                <a:path w="0" h="1341830">
-                  <a:moveTo>
-                    <a:pt x="0" y="1341830"/>
-                  </a:moveTo>
-                  <a:lnTo>
-                    <a:pt x="0" y="0"/>
-                  </a:lnTo>
-                  <a:lnTo>
-                    <a:pt x="0" y="0"/>
-                  </a:lnTo>
-                </a:path>
-              </a:pathLst>
-            </a:custGeom>
-            <a:ln w="6775" cap="flat">
-              <a:solidFill>
-                <a:srgbClr val="FFFFFF">
-                  <a:alpha val="100000"/>
-                </a:srgbClr>
-              </a:solidFill>
-              <a:prstDash val="solid"/>
-              <a:round/>
-            </a:ln>
-          </p:spPr>
-          <p:txBody>
-            <a:bodyPr/>
-            <a:lstStyle/>
-            <a:p/>
-          </p:txBody>
-        </p:sp>
-        <p:sp>
-          <p:nvSpPr>
-            <p:cNvPr id="137" name="pl136"/>
+            <p:cNvPr id="109" name="pl108"/>
             <p:cNvSpPr/>
             <p:nvPr/>
           </p:nvSpPr>
@@ -8564,7 +7378,7 @@
         </p:sp>
         <p:sp>
           <p:nvSpPr>
-            <p:cNvPr id="138" name="pl137"/>
+            <p:cNvPr id="110" name="pl109"/>
             <p:cNvSpPr/>
             <p:nvPr/>
           </p:nvSpPr>
@@ -8607,7 +7421,7 @@
         </p:sp>
         <p:sp>
           <p:nvSpPr>
-            <p:cNvPr id="139" name="pl138"/>
+            <p:cNvPr id="111" name="pl110"/>
             <p:cNvSpPr/>
             <p:nvPr/>
           </p:nvSpPr>
@@ -8650,7 +7464,7 @@
         </p:sp>
         <p:sp>
           <p:nvSpPr>
-            <p:cNvPr id="140" name="pl139"/>
+            <p:cNvPr id="112" name="pl111"/>
             <p:cNvSpPr/>
             <p:nvPr/>
           </p:nvSpPr>
@@ -8693,7 +7507,7 @@
         </p:sp>
         <p:sp>
           <p:nvSpPr>
-            <p:cNvPr id="141" name="pl140"/>
+            <p:cNvPr id="113" name="pl112"/>
             <p:cNvSpPr/>
             <p:nvPr/>
           </p:nvSpPr>
@@ -8736,7 +7550,7 @@
         </p:sp>
         <p:sp>
           <p:nvSpPr>
-            <p:cNvPr id="142" name="pl141"/>
+            <p:cNvPr id="114" name="pl113"/>
             <p:cNvSpPr/>
             <p:nvPr/>
           </p:nvSpPr>
@@ -8779,7 +7593,7 @@
         </p:sp>
         <p:sp>
           <p:nvSpPr>
-            <p:cNvPr id="143" name="pl142"/>
+            <p:cNvPr id="115" name="pl114"/>
             <p:cNvSpPr/>
             <p:nvPr/>
           </p:nvSpPr>
@@ -8822,7 +7636,7 @@
         </p:sp>
         <p:sp>
           <p:nvSpPr>
-            <p:cNvPr id="144" name="pl143"/>
+            <p:cNvPr id="116" name="pl115"/>
             <p:cNvSpPr/>
             <p:nvPr/>
           </p:nvSpPr>
@@ -8865,7 +7679,7 @@
         </p:sp>
         <p:sp>
           <p:nvSpPr>
-            <p:cNvPr id="145" name="pl144"/>
+            <p:cNvPr id="117" name="pl116"/>
             <p:cNvSpPr/>
             <p:nvPr/>
           </p:nvSpPr>
@@ -8908,7 +7722,7 @@
         </p:sp>
         <p:sp>
           <p:nvSpPr>
-            <p:cNvPr id="146" name="pl145"/>
+            <p:cNvPr id="118" name="pl117"/>
             <p:cNvSpPr/>
             <p:nvPr/>
           </p:nvSpPr>
@@ -8951,7 +7765,7 @@
         </p:sp>
         <p:sp>
           <p:nvSpPr>
-            <p:cNvPr id="147" name="pl146"/>
+            <p:cNvPr id="119" name="pl118"/>
             <p:cNvSpPr/>
             <p:nvPr/>
           </p:nvSpPr>
@@ -8994,7 +7808,7 @@
         </p:sp>
         <p:sp>
           <p:nvSpPr>
-            <p:cNvPr id="148" name="pl147"/>
+            <p:cNvPr id="120" name="pl119"/>
             <p:cNvSpPr/>
             <p:nvPr/>
           </p:nvSpPr>
@@ -9037,13 +7851,13 @@
         </p:sp>
         <p:sp>
           <p:nvSpPr>
-            <p:cNvPr id="149" name="pl148"/>
-            <p:cNvSpPr/>
-            <p:nvPr/>
-          </p:nvSpPr>
-          <p:spPr>
-            <a:xfrm>
-              <a:off x="3827481" y="1200051"/>
+            <p:cNvPr id="121" name="pl120"/>
+            <p:cNvSpPr/>
+            <p:nvPr/>
+          </p:nvSpPr>
+          <p:spPr>
+            <a:xfrm>
+              <a:off x="3967405" y="1200051"/>
               <a:ext cx="0" cy="1341830"/>
             </a:xfrm>
             <a:custGeom>
@@ -9080,13 +7894,13 @@
         </p:sp>
         <p:sp>
           <p:nvSpPr>
-            <p:cNvPr id="150" name="pl149"/>
-            <p:cNvSpPr/>
-            <p:nvPr/>
-          </p:nvSpPr>
-          <p:spPr>
-            <a:xfrm>
-              <a:off x="4005566" y="1200051"/>
+            <p:cNvPr id="122" name="pl121"/>
+            <p:cNvSpPr/>
+            <p:nvPr/>
+          </p:nvSpPr>
+          <p:spPr>
+            <a:xfrm>
+              <a:off x="4285415" y="1200051"/>
               <a:ext cx="0" cy="1341830"/>
             </a:xfrm>
             <a:custGeom>
@@ -9123,13 +7937,13 @@
         </p:sp>
         <p:sp>
           <p:nvSpPr>
-            <p:cNvPr id="151" name="pl150"/>
-            <p:cNvSpPr/>
-            <p:nvPr/>
-          </p:nvSpPr>
-          <p:spPr>
-            <a:xfrm>
-              <a:off x="4183652" y="1200051"/>
+            <p:cNvPr id="123" name="pl122"/>
+            <p:cNvSpPr/>
+            <p:nvPr/>
+          </p:nvSpPr>
+          <p:spPr>
+            <a:xfrm>
+              <a:off x="4603425" y="1200051"/>
               <a:ext cx="0" cy="1341830"/>
             </a:xfrm>
             <a:custGeom>
@@ -9166,13 +7980,13 @@
         </p:sp>
         <p:sp>
           <p:nvSpPr>
-            <p:cNvPr id="152" name="pl151"/>
-            <p:cNvSpPr/>
-            <p:nvPr/>
-          </p:nvSpPr>
-          <p:spPr>
-            <a:xfrm>
-              <a:off x="4361737" y="1200051"/>
+            <p:cNvPr id="124" name="pl123"/>
+            <p:cNvSpPr/>
+            <p:nvPr/>
+          </p:nvSpPr>
+          <p:spPr>
+            <a:xfrm>
+              <a:off x="4921435" y="1200051"/>
               <a:ext cx="0" cy="1341830"/>
             </a:xfrm>
             <a:custGeom>
@@ -9209,13 +8023,13 @@
         </p:sp>
         <p:sp>
           <p:nvSpPr>
-            <p:cNvPr id="153" name="pl152"/>
-            <p:cNvSpPr/>
-            <p:nvPr/>
-          </p:nvSpPr>
-          <p:spPr>
-            <a:xfrm>
-              <a:off x="4539823" y="1200051"/>
+            <p:cNvPr id="125" name="pl124"/>
+            <p:cNvSpPr/>
+            <p:nvPr/>
+          </p:nvSpPr>
+          <p:spPr>
+            <a:xfrm>
+              <a:off x="5239444" y="1200051"/>
               <a:ext cx="0" cy="1341830"/>
             </a:xfrm>
             <a:custGeom>
@@ -9252,234 +8066,19 @@
         </p:sp>
         <p:sp>
           <p:nvSpPr>
-            <p:cNvPr id="154" name="pl153"/>
-            <p:cNvSpPr/>
-            <p:nvPr/>
-          </p:nvSpPr>
-          <p:spPr>
-            <a:xfrm>
-              <a:off x="4717908" y="1200051"/>
-              <a:ext cx="0" cy="1341830"/>
-            </a:xfrm>
-            <a:custGeom>
-              <a:avLst/>
-              <a:pathLst>
-                <a:path w="0" h="1341830">
-                  <a:moveTo>
-                    <a:pt x="0" y="1341830"/>
-                  </a:moveTo>
-                  <a:lnTo>
-                    <a:pt x="0" y="0"/>
-                  </a:lnTo>
-                  <a:lnTo>
-                    <a:pt x="0" y="0"/>
-                  </a:lnTo>
-                </a:path>
-              </a:pathLst>
-            </a:custGeom>
-            <a:ln w="13550" cap="flat">
-              <a:solidFill>
-                <a:srgbClr val="FFFFFF">
-                  <a:alpha val="100000"/>
-                </a:srgbClr>
-              </a:solidFill>
-              <a:prstDash val="solid"/>
-              <a:round/>
-            </a:ln>
-          </p:spPr>
-          <p:txBody>
-            <a:bodyPr/>
-            <a:lstStyle/>
-            <a:p/>
-          </p:txBody>
-        </p:sp>
-        <p:sp>
-          <p:nvSpPr>
-            <p:cNvPr id="155" name="pl154"/>
-            <p:cNvSpPr/>
-            <p:nvPr/>
-          </p:nvSpPr>
-          <p:spPr>
-            <a:xfrm>
-              <a:off x="4895994" y="1200051"/>
-              <a:ext cx="0" cy="1341830"/>
-            </a:xfrm>
-            <a:custGeom>
-              <a:avLst/>
-              <a:pathLst>
-                <a:path w="0" h="1341830">
-                  <a:moveTo>
-                    <a:pt x="0" y="1341830"/>
-                  </a:moveTo>
-                  <a:lnTo>
-                    <a:pt x="0" y="0"/>
-                  </a:lnTo>
-                  <a:lnTo>
-                    <a:pt x="0" y="0"/>
-                  </a:lnTo>
-                </a:path>
-              </a:pathLst>
-            </a:custGeom>
-            <a:ln w="13550" cap="flat">
-              <a:solidFill>
-                <a:srgbClr val="FFFFFF">
-                  <a:alpha val="100000"/>
-                </a:srgbClr>
-              </a:solidFill>
-              <a:prstDash val="solid"/>
-              <a:round/>
-            </a:ln>
-          </p:spPr>
-          <p:txBody>
-            <a:bodyPr/>
-            <a:lstStyle/>
-            <a:p/>
-          </p:txBody>
-        </p:sp>
-        <p:sp>
-          <p:nvSpPr>
-            <p:cNvPr id="156" name="pl155"/>
-            <p:cNvSpPr/>
-            <p:nvPr/>
-          </p:nvSpPr>
-          <p:spPr>
-            <a:xfrm>
-              <a:off x="5074079" y="1200051"/>
-              <a:ext cx="0" cy="1341830"/>
-            </a:xfrm>
-            <a:custGeom>
-              <a:avLst/>
-              <a:pathLst>
-                <a:path w="0" h="1341830">
-                  <a:moveTo>
-                    <a:pt x="0" y="1341830"/>
-                  </a:moveTo>
-                  <a:lnTo>
-                    <a:pt x="0" y="0"/>
-                  </a:lnTo>
-                  <a:lnTo>
-                    <a:pt x="0" y="0"/>
-                  </a:lnTo>
-                </a:path>
-              </a:pathLst>
-            </a:custGeom>
-            <a:ln w="13550" cap="flat">
-              <a:solidFill>
-                <a:srgbClr val="FFFFFF">
-                  <a:alpha val="100000"/>
-                </a:srgbClr>
-              </a:solidFill>
-              <a:prstDash val="solid"/>
-              <a:round/>
-            </a:ln>
-          </p:spPr>
-          <p:txBody>
-            <a:bodyPr/>
-            <a:lstStyle/>
-            <a:p/>
-          </p:txBody>
-        </p:sp>
-        <p:sp>
-          <p:nvSpPr>
-            <p:cNvPr id="157" name="pl156"/>
-            <p:cNvSpPr/>
-            <p:nvPr/>
-          </p:nvSpPr>
-          <p:spPr>
-            <a:xfrm>
-              <a:off x="5252165" y="1200051"/>
-              <a:ext cx="0" cy="1341830"/>
-            </a:xfrm>
-            <a:custGeom>
-              <a:avLst/>
-              <a:pathLst>
-                <a:path w="0" h="1341830">
-                  <a:moveTo>
-                    <a:pt x="0" y="1341830"/>
-                  </a:moveTo>
-                  <a:lnTo>
-                    <a:pt x="0" y="0"/>
-                  </a:lnTo>
-                  <a:lnTo>
-                    <a:pt x="0" y="0"/>
-                  </a:lnTo>
-                </a:path>
-              </a:pathLst>
-            </a:custGeom>
-            <a:ln w="13550" cap="flat">
-              <a:solidFill>
-                <a:srgbClr val="FFFFFF">
-                  <a:alpha val="100000"/>
-                </a:srgbClr>
-              </a:solidFill>
-              <a:prstDash val="solid"/>
-              <a:round/>
-            </a:ln>
-          </p:spPr>
-          <p:txBody>
-            <a:bodyPr/>
-            <a:lstStyle/>
-            <a:p/>
-          </p:txBody>
-        </p:sp>
-        <p:sp>
-          <p:nvSpPr>
-            <p:cNvPr id="158" name="pl157"/>
-            <p:cNvSpPr/>
-            <p:nvPr/>
-          </p:nvSpPr>
-          <p:spPr>
-            <a:xfrm>
-              <a:off x="5430250" y="1200051"/>
-              <a:ext cx="0" cy="1341830"/>
-            </a:xfrm>
-            <a:custGeom>
-              <a:avLst/>
-              <a:pathLst>
-                <a:path w="0" h="1341830">
-                  <a:moveTo>
-                    <a:pt x="0" y="1341830"/>
-                  </a:moveTo>
-                  <a:lnTo>
-                    <a:pt x="0" y="0"/>
-                  </a:lnTo>
-                  <a:lnTo>
-                    <a:pt x="0" y="0"/>
-                  </a:lnTo>
-                </a:path>
-              </a:pathLst>
-            </a:custGeom>
-            <a:ln w="13550" cap="flat">
-              <a:solidFill>
-                <a:srgbClr val="FFFFFF">
-                  <a:alpha val="100000"/>
-                </a:srgbClr>
-              </a:solidFill>
-              <a:prstDash val="solid"/>
-              <a:round/>
-            </a:ln>
-          </p:spPr>
-          <p:txBody>
-            <a:bodyPr/>
-            <a:lstStyle/>
-            <a:p/>
-          </p:txBody>
-        </p:sp>
-        <p:sp>
-          <p:nvSpPr>
-            <p:cNvPr id="159" name="pl158"/>
+            <p:cNvPr id="126" name="pl125"/>
             <p:cNvSpPr/>
             <p:nvPr/>
           </p:nvSpPr>
           <p:spPr>
             <a:xfrm>
               <a:off x="3649395" y="1261044"/>
-              <a:ext cx="1869897" cy="451343"/>
-            </a:xfrm>
-            <a:custGeom>
-              <a:avLst/>
-              <a:pathLst>
-                <a:path w="1869897" h="451343">
+              <a:ext cx="1717253" cy="451343"/>
+            </a:xfrm>
+            <a:custGeom>
+              <a:avLst/>
+              <a:pathLst>
+                <a:path w="1717253" h="451343">
                   <a:moveTo>
                     <a:pt x="0" y="0"/>
                   </a:moveTo>
@@ -9490,121 +8089,124 @@
                     <a:pt x="0" y="12198"/>
                   </a:lnTo>
                   <a:lnTo>
-                    <a:pt x="676724" y="12198"/>
-                  </a:lnTo>
-                  <a:lnTo>
-                    <a:pt x="676724" y="24396"/>
-                  </a:lnTo>
-                  <a:lnTo>
-                    <a:pt x="747959" y="24396"/>
-                  </a:lnTo>
-                  <a:lnTo>
-                    <a:pt x="747959" y="36595"/>
-                  </a:lnTo>
-                  <a:lnTo>
-                    <a:pt x="783576" y="36595"/>
-                  </a:lnTo>
-                  <a:lnTo>
-                    <a:pt x="783576" y="48793"/>
-                  </a:lnTo>
-                  <a:lnTo>
-                    <a:pt x="854810" y="48793"/>
-                  </a:lnTo>
-                  <a:lnTo>
-                    <a:pt x="854810" y="60992"/>
-                  </a:lnTo>
-                  <a:lnTo>
-                    <a:pt x="961661" y="60992"/>
-                  </a:lnTo>
-                  <a:lnTo>
-                    <a:pt x="961661" y="85389"/>
-                  </a:lnTo>
-                  <a:lnTo>
-                    <a:pt x="1032895" y="85389"/>
-                  </a:lnTo>
-                  <a:lnTo>
-                    <a:pt x="1032895" y="97587"/>
-                  </a:lnTo>
-                  <a:lnTo>
-                    <a:pt x="1068513" y="97587"/>
-                  </a:lnTo>
-                  <a:lnTo>
-                    <a:pt x="1068513" y="158579"/>
-                  </a:lnTo>
-                  <a:lnTo>
-                    <a:pt x="1104130" y="158579"/>
-                  </a:lnTo>
-                  <a:lnTo>
-                    <a:pt x="1104130" y="170778"/>
-                  </a:lnTo>
-                  <a:lnTo>
-                    <a:pt x="1175364" y="170778"/>
-                  </a:lnTo>
-                  <a:lnTo>
-                    <a:pt x="1175364" y="219572"/>
-                  </a:lnTo>
-                  <a:lnTo>
-                    <a:pt x="1210981" y="219572"/>
-                  </a:lnTo>
-                  <a:lnTo>
-                    <a:pt x="1210981" y="256167"/>
-                  </a:lnTo>
-                  <a:lnTo>
-                    <a:pt x="1246598" y="256167"/>
-                  </a:lnTo>
-                  <a:lnTo>
-                    <a:pt x="1246598" y="292763"/>
-                  </a:lnTo>
-                  <a:lnTo>
-                    <a:pt x="1282215" y="292763"/>
-                  </a:lnTo>
-                  <a:lnTo>
-                    <a:pt x="1282215" y="317159"/>
-                  </a:lnTo>
-                  <a:lnTo>
-                    <a:pt x="1317832" y="317159"/>
-                  </a:lnTo>
-                  <a:lnTo>
-                    <a:pt x="1317832" y="341556"/>
-                  </a:lnTo>
-                  <a:lnTo>
-                    <a:pt x="1353449" y="341556"/>
-                  </a:lnTo>
-                  <a:lnTo>
-                    <a:pt x="1353449" y="353755"/>
-                  </a:lnTo>
-                  <a:lnTo>
-                    <a:pt x="1424684" y="353755"/>
-                  </a:lnTo>
-                  <a:lnTo>
-                    <a:pt x="1424684" y="378152"/>
-                  </a:lnTo>
-                  <a:lnTo>
-                    <a:pt x="1460301" y="378152"/>
-                  </a:lnTo>
-                  <a:lnTo>
-                    <a:pt x="1460301" y="402549"/>
-                  </a:lnTo>
-                  <a:lnTo>
-                    <a:pt x="1495918" y="402549"/>
-                  </a:lnTo>
-                  <a:lnTo>
-                    <a:pt x="1495918" y="414747"/>
-                  </a:lnTo>
-                  <a:lnTo>
-                    <a:pt x="1531535" y="414747"/>
-                  </a:lnTo>
-                  <a:lnTo>
-                    <a:pt x="1531535" y="439144"/>
-                  </a:lnTo>
-                  <a:lnTo>
-                    <a:pt x="1745237" y="439144"/>
-                  </a:lnTo>
-                  <a:lnTo>
-                    <a:pt x="1745237" y="451343"/>
-                  </a:lnTo>
-                  <a:lnTo>
-                    <a:pt x="1869897" y="451343"/>
+                    <a:pt x="604218" y="12198"/>
+                  </a:lnTo>
+                  <a:lnTo>
+                    <a:pt x="604218" y="24396"/>
+                  </a:lnTo>
+                  <a:lnTo>
+                    <a:pt x="667820" y="24396"/>
+                  </a:lnTo>
+                  <a:lnTo>
+                    <a:pt x="667820" y="36595"/>
+                  </a:lnTo>
+                  <a:lnTo>
+                    <a:pt x="699621" y="36595"/>
+                  </a:lnTo>
+                  <a:lnTo>
+                    <a:pt x="699621" y="48793"/>
+                  </a:lnTo>
+                  <a:lnTo>
+                    <a:pt x="763223" y="48793"/>
+                  </a:lnTo>
+                  <a:lnTo>
+                    <a:pt x="763223" y="60992"/>
+                  </a:lnTo>
+                  <a:lnTo>
+                    <a:pt x="858626" y="60992"/>
+                  </a:lnTo>
+                  <a:lnTo>
+                    <a:pt x="858626" y="85389"/>
+                  </a:lnTo>
+                  <a:lnTo>
+                    <a:pt x="922228" y="85389"/>
+                  </a:lnTo>
+                  <a:lnTo>
+                    <a:pt x="922228" y="97587"/>
+                  </a:lnTo>
+                  <a:lnTo>
+                    <a:pt x="954029" y="97587"/>
+                  </a:lnTo>
+                  <a:lnTo>
+                    <a:pt x="954029" y="158579"/>
+                  </a:lnTo>
+                  <a:lnTo>
+                    <a:pt x="985830" y="158579"/>
+                  </a:lnTo>
+                  <a:lnTo>
+                    <a:pt x="985830" y="170778"/>
+                  </a:lnTo>
+                  <a:lnTo>
+                    <a:pt x="1049432" y="170778"/>
+                  </a:lnTo>
+                  <a:lnTo>
+                    <a:pt x="1049432" y="219572"/>
+                  </a:lnTo>
+                  <a:lnTo>
+                    <a:pt x="1081233" y="219572"/>
+                  </a:lnTo>
+                  <a:lnTo>
+                    <a:pt x="1081233" y="256167"/>
+                  </a:lnTo>
+                  <a:lnTo>
+                    <a:pt x="1113034" y="256167"/>
+                  </a:lnTo>
+                  <a:lnTo>
+                    <a:pt x="1113034" y="292763"/>
+                  </a:lnTo>
+                  <a:lnTo>
+                    <a:pt x="1144835" y="292763"/>
+                  </a:lnTo>
+                  <a:lnTo>
+                    <a:pt x="1144835" y="317159"/>
+                  </a:lnTo>
+                  <a:lnTo>
+                    <a:pt x="1176636" y="317159"/>
+                  </a:lnTo>
+                  <a:lnTo>
+                    <a:pt x="1176636" y="341556"/>
+                  </a:lnTo>
+                  <a:lnTo>
+                    <a:pt x="1208437" y="341556"/>
+                  </a:lnTo>
+                  <a:lnTo>
+                    <a:pt x="1208437" y="353755"/>
+                  </a:lnTo>
+                  <a:lnTo>
+                    <a:pt x="1272039" y="353755"/>
+                  </a:lnTo>
+                  <a:lnTo>
+                    <a:pt x="1272039" y="378152"/>
+                  </a:lnTo>
+                  <a:lnTo>
+                    <a:pt x="1303840" y="378152"/>
+                  </a:lnTo>
+                  <a:lnTo>
+                    <a:pt x="1303840" y="402549"/>
+                  </a:lnTo>
+                  <a:lnTo>
+                    <a:pt x="1335641" y="402549"/>
+                  </a:lnTo>
+                  <a:lnTo>
+                    <a:pt x="1335641" y="414747"/>
+                  </a:lnTo>
+                  <a:lnTo>
+                    <a:pt x="1367442" y="414747"/>
+                  </a:lnTo>
+                  <a:lnTo>
+                    <a:pt x="1367442" y="439144"/>
+                  </a:lnTo>
+                  <a:lnTo>
+                    <a:pt x="1558248" y="439144"/>
+                  </a:lnTo>
+                  <a:lnTo>
+                    <a:pt x="1558248" y="451343"/>
+                  </a:lnTo>
+                  <a:lnTo>
+                    <a:pt x="1717253" y="451343"/>
+                  </a:lnTo>
+                  <a:lnTo>
+                    <a:pt x="1717253" y="451343"/>
                   </a:lnTo>
                 </a:path>
               </a:pathLst>
@@ -9627,132 +8229,135 @@
         </p:sp>
         <p:sp>
           <p:nvSpPr>
-            <p:cNvPr id="160" name="pl159"/>
+            <p:cNvPr id="127" name="pl126"/>
             <p:cNvSpPr/>
             <p:nvPr/>
           </p:nvSpPr>
           <p:spPr>
             <a:xfrm>
               <a:off x="3649395" y="1261044"/>
-              <a:ext cx="1869897" cy="439144"/>
-            </a:xfrm>
-            <a:custGeom>
-              <a:avLst/>
-              <a:pathLst>
-                <a:path w="1869897" h="439144">
-                  <a:moveTo>
-                    <a:pt x="0" y="0"/>
-                  </a:moveTo>
-                  <a:lnTo>
-                    <a:pt x="712342" y="0"/>
-                  </a:lnTo>
-                  <a:lnTo>
-                    <a:pt x="712342" y="24396"/>
-                  </a:lnTo>
-                  <a:lnTo>
-                    <a:pt x="854810" y="24396"/>
-                  </a:lnTo>
-                  <a:lnTo>
-                    <a:pt x="854810" y="36595"/>
-                  </a:lnTo>
-                  <a:lnTo>
-                    <a:pt x="890427" y="36595"/>
-                  </a:lnTo>
-                  <a:lnTo>
-                    <a:pt x="890427" y="48793"/>
-                  </a:lnTo>
-                  <a:lnTo>
-                    <a:pt x="926044" y="48793"/>
-                  </a:lnTo>
-                  <a:lnTo>
-                    <a:pt x="926044" y="97587"/>
-                  </a:lnTo>
-                  <a:lnTo>
-                    <a:pt x="961661" y="97587"/>
-                  </a:lnTo>
-                  <a:lnTo>
-                    <a:pt x="961661" y="146381"/>
-                  </a:lnTo>
-                  <a:lnTo>
-                    <a:pt x="997278" y="146381"/>
-                  </a:lnTo>
-                  <a:lnTo>
-                    <a:pt x="997278" y="170778"/>
-                  </a:lnTo>
-                  <a:lnTo>
-                    <a:pt x="1032895" y="170778"/>
-                  </a:lnTo>
-                  <a:lnTo>
-                    <a:pt x="1032895" y="219572"/>
-                  </a:lnTo>
-                  <a:lnTo>
-                    <a:pt x="1068513" y="219572"/>
-                  </a:lnTo>
-                  <a:lnTo>
-                    <a:pt x="1068513" y="268366"/>
-                  </a:lnTo>
-                  <a:lnTo>
-                    <a:pt x="1104130" y="268366"/>
-                  </a:lnTo>
-                  <a:lnTo>
-                    <a:pt x="1104130" y="304961"/>
-                  </a:lnTo>
-                  <a:lnTo>
-                    <a:pt x="1139747" y="304961"/>
-                  </a:lnTo>
-                  <a:lnTo>
-                    <a:pt x="1139747" y="317159"/>
-                  </a:lnTo>
-                  <a:lnTo>
-                    <a:pt x="1175364" y="317159"/>
-                  </a:lnTo>
-                  <a:lnTo>
-                    <a:pt x="1175364" y="341556"/>
-                  </a:lnTo>
-                  <a:lnTo>
-                    <a:pt x="1210981" y="341556"/>
-                  </a:lnTo>
-                  <a:lnTo>
-                    <a:pt x="1210981" y="353755"/>
-                  </a:lnTo>
-                  <a:lnTo>
-                    <a:pt x="1246598" y="353755"/>
-                  </a:lnTo>
-                  <a:lnTo>
-                    <a:pt x="1246598" y="378152"/>
-                  </a:lnTo>
-                  <a:lnTo>
-                    <a:pt x="1282215" y="378152"/>
-                  </a:lnTo>
-                  <a:lnTo>
-                    <a:pt x="1282215" y="390350"/>
-                  </a:lnTo>
-                  <a:lnTo>
-                    <a:pt x="1317832" y="390350"/>
-                  </a:lnTo>
-                  <a:lnTo>
-                    <a:pt x="1317832" y="402549"/>
-                  </a:lnTo>
-                  <a:lnTo>
-                    <a:pt x="1353449" y="402549"/>
-                  </a:lnTo>
-                  <a:lnTo>
-                    <a:pt x="1353449" y="414747"/>
-                  </a:lnTo>
-                  <a:lnTo>
-                    <a:pt x="1424684" y="414747"/>
-                  </a:lnTo>
-                  <a:lnTo>
-                    <a:pt x="1424684" y="426946"/>
-                  </a:lnTo>
-                  <a:lnTo>
-                    <a:pt x="1531535" y="426946"/>
-                  </a:lnTo>
-                  <a:lnTo>
-                    <a:pt x="1531535" y="439144"/>
-                  </a:lnTo>
-                  <a:lnTo>
-                    <a:pt x="1869897" y="439144"/>
+              <a:ext cx="1717253" cy="439144"/>
+            </a:xfrm>
+            <a:custGeom>
+              <a:avLst/>
+              <a:pathLst>
+                <a:path w="1717253" h="439144">
+                  <a:moveTo>
+                    <a:pt x="0" y="0"/>
+                  </a:moveTo>
+                  <a:lnTo>
+                    <a:pt x="636019" y="0"/>
+                  </a:lnTo>
+                  <a:lnTo>
+                    <a:pt x="636019" y="24396"/>
+                  </a:lnTo>
+                  <a:lnTo>
+                    <a:pt x="763223" y="24396"/>
+                  </a:lnTo>
+                  <a:lnTo>
+                    <a:pt x="763223" y="36595"/>
+                  </a:lnTo>
+                  <a:lnTo>
+                    <a:pt x="795024" y="36595"/>
+                  </a:lnTo>
+                  <a:lnTo>
+                    <a:pt x="795024" y="48793"/>
+                  </a:lnTo>
+                  <a:lnTo>
+                    <a:pt x="826825" y="48793"/>
+                  </a:lnTo>
+                  <a:lnTo>
+                    <a:pt x="826825" y="97587"/>
+                  </a:lnTo>
+                  <a:lnTo>
+                    <a:pt x="858626" y="97587"/>
+                  </a:lnTo>
+                  <a:lnTo>
+                    <a:pt x="858626" y="146381"/>
+                  </a:lnTo>
+                  <a:lnTo>
+                    <a:pt x="890427" y="146381"/>
+                  </a:lnTo>
+                  <a:lnTo>
+                    <a:pt x="890427" y="170778"/>
+                  </a:lnTo>
+                  <a:lnTo>
+                    <a:pt x="922228" y="170778"/>
+                  </a:lnTo>
+                  <a:lnTo>
+                    <a:pt x="922228" y="219572"/>
+                  </a:lnTo>
+                  <a:lnTo>
+                    <a:pt x="954029" y="219572"/>
+                  </a:lnTo>
+                  <a:lnTo>
+                    <a:pt x="954029" y="268366"/>
+                  </a:lnTo>
+                  <a:lnTo>
+                    <a:pt x="985830" y="268366"/>
+                  </a:lnTo>
+                  <a:lnTo>
+                    <a:pt x="985830" y="304961"/>
+                  </a:lnTo>
+                  <a:lnTo>
+                    <a:pt x="1017631" y="304961"/>
+                  </a:lnTo>
+                  <a:lnTo>
+                    <a:pt x="1017631" y="317159"/>
+                  </a:lnTo>
+                  <a:lnTo>
+                    <a:pt x="1049432" y="317159"/>
+                  </a:lnTo>
+                  <a:lnTo>
+                    <a:pt x="1049432" y="341556"/>
+                  </a:lnTo>
+                  <a:lnTo>
+                    <a:pt x="1081233" y="341556"/>
+                  </a:lnTo>
+                  <a:lnTo>
+                    <a:pt x="1081233" y="353755"/>
+                  </a:lnTo>
+                  <a:lnTo>
+                    <a:pt x="1113034" y="353755"/>
+                  </a:lnTo>
+                  <a:lnTo>
+                    <a:pt x="1113034" y="378152"/>
+                  </a:lnTo>
+                  <a:lnTo>
+                    <a:pt x="1144835" y="378152"/>
+                  </a:lnTo>
+                  <a:lnTo>
+                    <a:pt x="1144835" y="390350"/>
+                  </a:lnTo>
+                  <a:lnTo>
+                    <a:pt x="1176636" y="390350"/>
+                  </a:lnTo>
+                  <a:lnTo>
+                    <a:pt x="1176636" y="402549"/>
+                  </a:lnTo>
+                  <a:lnTo>
+                    <a:pt x="1208437" y="402549"/>
+                  </a:lnTo>
+                  <a:lnTo>
+                    <a:pt x="1208437" y="414747"/>
+                  </a:lnTo>
+                  <a:lnTo>
+                    <a:pt x="1272039" y="414747"/>
+                  </a:lnTo>
+                  <a:lnTo>
+                    <a:pt x="1272039" y="426946"/>
+                  </a:lnTo>
+                  <a:lnTo>
+                    <a:pt x="1367442" y="426946"/>
+                  </a:lnTo>
+                  <a:lnTo>
+                    <a:pt x="1367442" y="439144"/>
+                  </a:lnTo>
+                  <a:lnTo>
+                    <a:pt x="1717253" y="439144"/>
+                  </a:lnTo>
+                  <a:lnTo>
+                    <a:pt x="1717253" y="439144"/>
                   </a:lnTo>
                 </a:path>
               </a:pathLst>
@@ -9775,126 +8380,129 @@
         </p:sp>
         <p:sp>
           <p:nvSpPr>
-            <p:cNvPr id="161" name="pl160"/>
+            <p:cNvPr id="128" name="pl127"/>
             <p:cNvSpPr/>
             <p:nvPr/>
           </p:nvSpPr>
           <p:spPr>
             <a:xfrm>
               <a:off x="3649395" y="1261044"/>
-              <a:ext cx="1869897" cy="426946"/>
-            </a:xfrm>
-            <a:custGeom>
-              <a:avLst/>
-              <a:pathLst>
-                <a:path w="1869897" h="426946">
-                  <a:moveTo>
-                    <a:pt x="0" y="0"/>
-                  </a:moveTo>
-                  <a:lnTo>
-                    <a:pt x="142468" y="0"/>
-                  </a:lnTo>
-                  <a:lnTo>
-                    <a:pt x="142468" y="12198"/>
-                  </a:lnTo>
-                  <a:lnTo>
-                    <a:pt x="249319" y="12198"/>
-                  </a:lnTo>
-                  <a:lnTo>
-                    <a:pt x="249319" y="24396"/>
-                  </a:lnTo>
-                  <a:lnTo>
-                    <a:pt x="783576" y="24396"/>
-                  </a:lnTo>
-                  <a:lnTo>
-                    <a:pt x="783576" y="36595"/>
-                  </a:lnTo>
-                  <a:lnTo>
-                    <a:pt x="890427" y="36595"/>
-                  </a:lnTo>
-                  <a:lnTo>
-                    <a:pt x="890427" y="48793"/>
-                  </a:lnTo>
-                  <a:lnTo>
-                    <a:pt x="961661" y="48793"/>
-                  </a:lnTo>
-                  <a:lnTo>
-                    <a:pt x="961661" y="73190"/>
-                  </a:lnTo>
-                  <a:lnTo>
-                    <a:pt x="997278" y="73190"/>
-                  </a:lnTo>
-                  <a:lnTo>
-                    <a:pt x="997278" y="97587"/>
-                  </a:lnTo>
-                  <a:lnTo>
-                    <a:pt x="1032895" y="97587"/>
-                  </a:lnTo>
-                  <a:lnTo>
-                    <a:pt x="1032895" y="134183"/>
-                  </a:lnTo>
-                  <a:lnTo>
-                    <a:pt x="1068513" y="134183"/>
-                  </a:lnTo>
-                  <a:lnTo>
-                    <a:pt x="1068513" y="207373"/>
-                  </a:lnTo>
-                  <a:lnTo>
-                    <a:pt x="1104130" y="207373"/>
-                  </a:lnTo>
-                  <a:lnTo>
-                    <a:pt x="1104130" y="231770"/>
-                  </a:lnTo>
-                  <a:lnTo>
-                    <a:pt x="1139747" y="231770"/>
-                  </a:lnTo>
-                  <a:lnTo>
-                    <a:pt x="1139747" y="256167"/>
-                  </a:lnTo>
-                  <a:lnTo>
-                    <a:pt x="1175364" y="256167"/>
-                  </a:lnTo>
-                  <a:lnTo>
-                    <a:pt x="1175364" y="292763"/>
-                  </a:lnTo>
-                  <a:lnTo>
-                    <a:pt x="1210981" y="292763"/>
-                  </a:lnTo>
-                  <a:lnTo>
-                    <a:pt x="1210981" y="317159"/>
-                  </a:lnTo>
-                  <a:lnTo>
-                    <a:pt x="1246598" y="317159"/>
-                  </a:lnTo>
-                  <a:lnTo>
-                    <a:pt x="1246598" y="353755"/>
-                  </a:lnTo>
-                  <a:lnTo>
-                    <a:pt x="1282215" y="353755"/>
-                  </a:lnTo>
-                  <a:lnTo>
-                    <a:pt x="1282215" y="365953"/>
-                  </a:lnTo>
-                  <a:lnTo>
-                    <a:pt x="1317832" y="365953"/>
-                  </a:lnTo>
-                  <a:lnTo>
-                    <a:pt x="1317832" y="402549"/>
-                  </a:lnTo>
-                  <a:lnTo>
-                    <a:pt x="1353449" y="402549"/>
-                  </a:lnTo>
-                  <a:lnTo>
-                    <a:pt x="1353449" y="414747"/>
-                  </a:lnTo>
-                  <a:lnTo>
-                    <a:pt x="1709620" y="414747"/>
-                  </a:lnTo>
-                  <a:lnTo>
-                    <a:pt x="1709620" y="426946"/>
-                  </a:lnTo>
-                  <a:lnTo>
-                    <a:pt x="1869897" y="426946"/>
+              <a:ext cx="1717253" cy="426946"/>
+            </a:xfrm>
+            <a:custGeom>
+              <a:avLst/>
+              <a:pathLst>
+                <a:path w="1717253" h="426946">
+                  <a:moveTo>
+                    <a:pt x="0" y="0"/>
+                  </a:moveTo>
+                  <a:lnTo>
+                    <a:pt x="127203" y="0"/>
+                  </a:lnTo>
+                  <a:lnTo>
+                    <a:pt x="127203" y="12198"/>
+                  </a:lnTo>
+                  <a:lnTo>
+                    <a:pt x="222606" y="12198"/>
+                  </a:lnTo>
+                  <a:lnTo>
+                    <a:pt x="222606" y="24396"/>
+                  </a:lnTo>
+                  <a:lnTo>
+                    <a:pt x="699621" y="24396"/>
+                  </a:lnTo>
+                  <a:lnTo>
+                    <a:pt x="699621" y="36595"/>
+                  </a:lnTo>
+                  <a:lnTo>
+                    <a:pt x="795024" y="36595"/>
+                  </a:lnTo>
+                  <a:lnTo>
+                    <a:pt x="795024" y="48793"/>
+                  </a:lnTo>
+                  <a:lnTo>
+                    <a:pt x="858626" y="48793"/>
+                  </a:lnTo>
+                  <a:lnTo>
+                    <a:pt x="858626" y="73190"/>
+                  </a:lnTo>
+                  <a:lnTo>
+                    <a:pt x="890427" y="73190"/>
+                  </a:lnTo>
+                  <a:lnTo>
+                    <a:pt x="890427" y="97587"/>
+                  </a:lnTo>
+                  <a:lnTo>
+                    <a:pt x="922228" y="97587"/>
+                  </a:lnTo>
+                  <a:lnTo>
+                    <a:pt x="922228" y="134183"/>
+                  </a:lnTo>
+                  <a:lnTo>
+                    <a:pt x="954029" y="134183"/>
+                  </a:lnTo>
+                  <a:lnTo>
+                    <a:pt x="954029" y="207373"/>
+                  </a:lnTo>
+                  <a:lnTo>
+                    <a:pt x="985830" y="207373"/>
+                  </a:lnTo>
+                  <a:lnTo>
+                    <a:pt x="985830" y="231770"/>
+                  </a:lnTo>
+                  <a:lnTo>
+                    <a:pt x="1017631" y="231770"/>
+                  </a:lnTo>
+                  <a:lnTo>
+                    <a:pt x="1017631" y="256167"/>
+                  </a:lnTo>
+                  <a:lnTo>
+                    <a:pt x="1049432" y="256167"/>
+                  </a:lnTo>
+                  <a:lnTo>
+                    <a:pt x="1049432" y="292763"/>
+                  </a:lnTo>
+                  <a:lnTo>
+                    <a:pt x="1081233" y="292763"/>
+                  </a:lnTo>
+                  <a:lnTo>
+                    <a:pt x="1081233" y="317159"/>
+                  </a:lnTo>
+                  <a:lnTo>
+                    <a:pt x="1113034" y="317159"/>
+                  </a:lnTo>
+                  <a:lnTo>
+                    <a:pt x="1113034" y="353755"/>
+                  </a:lnTo>
+                  <a:lnTo>
+                    <a:pt x="1144835" y="353755"/>
+                  </a:lnTo>
+                  <a:lnTo>
+                    <a:pt x="1144835" y="365953"/>
+                  </a:lnTo>
+                  <a:lnTo>
+                    <a:pt x="1176636" y="365953"/>
+                  </a:lnTo>
+                  <a:lnTo>
+                    <a:pt x="1176636" y="402549"/>
+                  </a:lnTo>
+                  <a:lnTo>
+                    <a:pt x="1208437" y="402549"/>
+                  </a:lnTo>
+                  <a:lnTo>
+                    <a:pt x="1208437" y="414747"/>
+                  </a:lnTo>
+                  <a:lnTo>
+                    <a:pt x="1526447" y="414747"/>
+                  </a:lnTo>
+                  <a:lnTo>
+                    <a:pt x="1526447" y="426946"/>
+                  </a:lnTo>
+                  <a:lnTo>
+                    <a:pt x="1717253" y="426946"/>
+                  </a:lnTo>
+                  <a:lnTo>
+                    <a:pt x="1717253" y="426946"/>
                   </a:lnTo>
                 </a:path>
               </a:pathLst>
@@ -9917,13 +8525,13 @@
         </p:sp>
         <p:sp>
           <p:nvSpPr>
-            <p:cNvPr id="162" name="tx161"/>
-            <p:cNvSpPr/>
-            <p:nvPr/>
-          </p:nvSpPr>
-          <p:spPr>
-            <a:xfrm>
-              <a:off x="5499568" y="1657651"/>
+            <p:cNvPr id="129" name="tx128"/>
+            <p:cNvSpPr/>
+            <p:nvPr/>
+          </p:nvSpPr>
+          <p:spPr>
+            <a:xfrm>
+              <a:off x="5293497" y="1657651"/>
               <a:ext cx="146301" cy="109470"/>
             </a:xfrm>
             <a:prstGeom prst="rect">
@@ -9963,13 +8571,13 @@
         </p:sp>
         <p:sp>
           <p:nvSpPr>
-            <p:cNvPr id="163" name="tx162"/>
-            <p:cNvSpPr/>
-            <p:nvPr/>
-          </p:nvSpPr>
-          <p:spPr>
-            <a:xfrm>
-              <a:off x="5499568" y="1645453"/>
+            <p:cNvPr id="130" name="tx129"/>
+            <p:cNvSpPr/>
+            <p:nvPr/>
+          </p:nvSpPr>
+          <p:spPr>
+            <a:xfrm>
+              <a:off x="5293497" y="1645453"/>
               <a:ext cx="146301" cy="109470"/>
             </a:xfrm>
             <a:prstGeom prst="rect">
@@ -10009,13 +8617,13 @@
         </p:sp>
         <p:sp>
           <p:nvSpPr>
-            <p:cNvPr id="164" name="tx163"/>
-            <p:cNvSpPr/>
-            <p:nvPr/>
-          </p:nvSpPr>
-          <p:spPr>
-            <a:xfrm>
-              <a:off x="5499568" y="1633255"/>
+            <p:cNvPr id="131" name="tx130"/>
+            <p:cNvSpPr/>
+            <p:nvPr/>
+          </p:nvSpPr>
+          <p:spPr>
+            <a:xfrm>
+              <a:off x="5293497" y="1633255"/>
               <a:ext cx="146301" cy="109470"/>
             </a:xfrm>
             <a:prstGeom prst="rect">
@@ -10055,7 +8663,7 @@
         </p:sp>
         <p:sp>
           <p:nvSpPr>
-            <p:cNvPr id="165" name="rc164"/>
+            <p:cNvPr id="132" name="rc131"/>
             <p:cNvSpPr/>
             <p:nvPr/>
           </p:nvSpPr>
@@ -10081,7 +8689,7 @@
         </p:sp>
         <p:sp>
           <p:nvSpPr>
-            <p:cNvPr id="166" name="pl165"/>
+            <p:cNvPr id="133" name="pl132"/>
             <p:cNvSpPr/>
             <p:nvPr/>
           </p:nvSpPr>
@@ -10124,7 +8732,7 @@
         </p:sp>
         <p:sp>
           <p:nvSpPr>
-            <p:cNvPr id="167" name="pl166"/>
+            <p:cNvPr id="134" name="pl133"/>
             <p:cNvSpPr/>
             <p:nvPr/>
           </p:nvSpPr>
@@ -10167,7 +8775,7 @@
         </p:sp>
         <p:sp>
           <p:nvSpPr>
-            <p:cNvPr id="168" name="pl167"/>
+            <p:cNvPr id="135" name="pl134"/>
             <p:cNvSpPr/>
             <p:nvPr/>
           </p:nvSpPr>
@@ -10210,7 +8818,7 @@
         </p:sp>
         <p:sp>
           <p:nvSpPr>
-            <p:cNvPr id="169" name="pl168"/>
+            <p:cNvPr id="136" name="pl135"/>
             <p:cNvSpPr/>
             <p:nvPr/>
           </p:nvSpPr>
@@ -10253,7 +8861,7 @@
         </p:sp>
         <p:sp>
           <p:nvSpPr>
-            <p:cNvPr id="170" name="pl169"/>
+            <p:cNvPr id="137" name="pl136"/>
             <p:cNvSpPr/>
             <p:nvPr/>
           </p:nvSpPr>
@@ -10296,7 +8904,7 @@
         </p:sp>
         <p:sp>
           <p:nvSpPr>
-            <p:cNvPr id="171" name="pl170"/>
+            <p:cNvPr id="138" name="pl137"/>
             <p:cNvSpPr/>
             <p:nvPr/>
           </p:nvSpPr>
@@ -10339,7 +8947,7 @@
         </p:sp>
         <p:sp>
           <p:nvSpPr>
-            <p:cNvPr id="172" name="pl171"/>
+            <p:cNvPr id="139" name="pl138"/>
             <p:cNvSpPr/>
             <p:nvPr/>
           </p:nvSpPr>
@@ -10382,7 +8990,7 @@
         </p:sp>
         <p:sp>
           <p:nvSpPr>
-            <p:cNvPr id="173" name="pl172"/>
+            <p:cNvPr id="140" name="pl139"/>
             <p:cNvSpPr/>
             <p:nvPr/>
           </p:nvSpPr>
@@ -10425,7 +9033,7 @@
         </p:sp>
         <p:sp>
           <p:nvSpPr>
-            <p:cNvPr id="174" name="pl173"/>
+            <p:cNvPr id="141" name="pl140"/>
             <p:cNvSpPr/>
             <p:nvPr/>
           </p:nvSpPr>
@@ -10468,7 +9076,7 @@
         </p:sp>
         <p:sp>
           <p:nvSpPr>
-            <p:cNvPr id="175" name="pl174"/>
+            <p:cNvPr id="142" name="pl141"/>
             <p:cNvSpPr/>
             <p:nvPr/>
           </p:nvSpPr>
@@ -10511,7 +9119,7 @@
         </p:sp>
         <p:sp>
           <p:nvSpPr>
-            <p:cNvPr id="176" name="pl175"/>
+            <p:cNvPr id="143" name="pl142"/>
             <p:cNvSpPr/>
             <p:nvPr/>
           </p:nvSpPr>
@@ -10554,7 +9162,7 @@
         </p:sp>
         <p:sp>
           <p:nvSpPr>
-            <p:cNvPr id="177" name="pl176"/>
+            <p:cNvPr id="144" name="pl143"/>
             <p:cNvSpPr/>
             <p:nvPr/>
           </p:nvSpPr>
@@ -10597,13 +9205,13 @@
         </p:sp>
         <p:sp>
           <p:nvSpPr>
-            <p:cNvPr id="178" name="pl177"/>
-            <p:cNvSpPr/>
-            <p:nvPr/>
-          </p:nvSpPr>
-          <p:spPr>
-            <a:xfrm>
-              <a:off x="3560353" y="2827534"/>
+            <p:cNvPr id="145" name="pl144"/>
+            <p:cNvSpPr/>
+            <p:nvPr/>
+          </p:nvSpPr>
+          <p:spPr>
+            <a:xfrm>
+              <a:off x="3808400" y="2827534"/>
               <a:ext cx="0" cy="1341830"/>
             </a:xfrm>
             <a:custGeom>
@@ -10640,13 +9248,13 @@
         </p:sp>
         <p:sp>
           <p:nvSpPr>
-            <p:cNvPr id="179" name="pl178"/>
-            <p:cNvSpPr/>
-            <p:nvPr/>
-          </p:nvSpPr>
-          <p:spPr>
-            <a:xfrm>
-              <a:off x="3738438" y="2827534"/>
+            <p:cNvPr id="146" name="pl145"/>
+            <p:cNvSpPr/>
+            <p:nvPr/>
+          </p:nvSpPr>
+          <p:spPr>
+            <a:xfrm>
+              <a:off x="4126410" y="2827534"/>
               <a:ext cx="0" cy="1341830"/>
             </a:xfrm>
             <a:custGeom>
@@ -10683,13 +9291,13 @@
         </p:sp>
         <p:sp>
           <p:nvSpPr>
-            <p:cNvPr id="180" name="pl179"/>
-            <p:cNvSpPr/>
-            <p:nvPr/>
-          </p:nvSpPr>
-          <p:spPr>
-            <a:xfrm>
-              <a:off x="3916524" y="2827534"/>
+            <p:cNvPr id="147" name="pl146"/>
+            <p:cNvSpPr/>
+            <p:nvPr/>
+          </p:nvSpPr>
+          <p:spPr>
+            <a:xfrm>
+              <a:off x="4444420" y="2827534"/>
               <a:ext cx="0" cy="1341830"/>
             </a:xfrm>
             <a:custGeom>
@@ -10726,13 +9334,13 @@
         </p:sp>
         <p:sp>
           <p:nvSpPr>
-            <p:cNvPr id="181" name="pl180"/>
-            <p:cNvSpPr/>
-            <p:nvPr/>
-          </p:nvSpPr>
-          <p:spPr>
-            <a:xfrm>
-              <a:off x="4094609" y="2827534"/>
+            <p:cNvPr id="148" name="pl147"/>
+            <p:cNvSpPr/>
+            <p:nvPr/>
+          </p:nvSpPr>
+          <p:spPr>
+            <a:xfrm>
+              <a:off x="4762430" y="2827534"/>
               <a:ext cx="0" cy="1341830"/>
             </a:xfrm>
             <a:custGeom>
@@ -10769,13 +9377,13 @@
         </p:sp>
         <p:sp>
           <p:nvSpPr>
-            <p:cNvPr id="182" name="pl181"/>
-            <p:cNvSpPr/>
-            <p:nvPr/>
-          </p:nvSpPr>
-          <p:spPr>
-            <a:xfrm>
-              <a:off x="4272695" y="2827534"/>
+            <p:cNvPr id="149" name="pl148"/>
+            <p:cNvSpPr/>
+            <p:nvPr/>
+          </p:nvSpPr>
+          <p:spPr>
+            <a:xfrm>
+              <a:off x="5080439" y="2827534"/>
               <a:ext cx="0" cy="1341830"/>
             </a:xfrm>
             <a:custGeom>
@@ -10812,13 +9420,13 @@
         </p:sp>
         <p:sp>
           <p:nvSpPr>
-            <p:cNvPr id="183" name="pl182"/>
-            <p:cNvSpPr/>
-            <p:nvPr/>
-          </p:nvSpPr>
-          <p:spPr>
-            <a:xfrm>
-              <a:off x="4450780" y="2827534"/>
+            <p:cNvPr id="150" name="pl149"/>
+            <p:cNvSpPr/>
+            <p:nvPr/>
+          </p:nvSpPr>
+          <p:spPr>
+            <a:xfrm>
+              <a:off x="5398449" y="2827534"/>
               <a:ext cx="0" cy="1341830"/>
             </a:xfrm>
             <a:custGeom>
@@ -10855,265 +9463,7 @@
         </p:sp>
         <p:sp>
           <p:nvSpPr>
-            <p:cNvPr id="184" name="pl183"/>
-            <p:cNvSpPr/>
-            <p:nvPr/>
-          </p:nvSpPr>
-          <p:spPr>
-            <a:xfrm>
-              <a:off x="4628866" y="2827534"/>
-              <a:ext cx="0" cy="1341830"/>
-            </a:xfrm>
-            <a:custGeom>
-              <a:avLst/>
-              <a:pathLst>
-                <a:path w="0" h="1341830">
-                  <a:moveTo>
-                    <a:pt x="0" y="1341830"/>
-                  </a:moveTo>
-                  <a:lnTo>
-                    <a:pt x="0" y="0"/>
-                  </a:lnTo>
-                  <a:lnTo>
-                    <a:pt x="0" y="0"/>
-                  </a:lnTo>
-                </a:path>
-              </a:pathLst>
-            </a:custGeom>
-            <a:ln w="6775" cap="flat">
-              <a:solidFill>
-                <a:srgbClr val="FFFFFF">
-                  <a:alpha val="100000"/>
-                </a:srgbClr>
-              </a:solidFill>
-              <a:prstDash val="solid"/>
-              <a:round/>
-            </a:ln>
-          </p:spPr>
-          <p:txBody>
-            <a:bodyPr/>
-            <a:lstStyle/>
-            <a:p/>
-          </p:txBody>
-        </p:sp>
-        <p:sp>
-          <p:nvSpPr>
-            <p:cNvPr id="185" name="pl184"/>
-            <p:cNvSpPr/>
-            <p:nvPr/>
-          </p:nvSpPr>
-          <p:spPr>
-            <a:xfrm>
-              <a:off x="4806951" y="2827534"/>
-              <a:ext cx="0" cy="1341830"/>
-            </a:xfrm>
-            <a:custGeom>
-              <a:avLst/>
-              <a:pathLst>
-                <a:path w="0" h="1341830">
-                  <a:moveTo>
-                    <a:pt x="0" y="1341830"/>
-                  </a:moveTo>
-                  <a:lnTo>
-                    <a:pt x="0" y="0"/>
-                  </a:lnTo>
-                  <a:lnTo>
-                    <a:pt x="0" y="0"/>
-                  </a:lnTo>
-                </a:path>
-              </a:pathLst>
-            </a:custGeom>
-            <a:ln w="6775" cap="flat">
-              <a:solidFill>
-                <a:srgbClr val="FFFFFF">
-                  <a:alpha val="100000"/>
-                </a:srgbClr>
-              </a:solidFill>
-              <a:prstDash val="solid"/>
-              <a:round/>
-            </a:ln>
-          </p:spPr>
-          <p:txBody>
-            <a:bodyPr/>
-            <a:lstStyle/>
-            <a:p/>
-          </p:txBody>
-        </p:sp>
-        <p:sp>
-          <p:nvSpPr>
-            <p:cNvPr id="186" name="pl185"/>
-            <p:cNvSpPr/>
-            <p:nvPr/>
-          </p:nvSpPr>
-          <p:spPr>
-            <a:xfrm>
-              <a:off x="4985037" y="2827534"/>
-              <a:ext cx="0" cy="1341830"/>
-            </a:xfrm>
-            <a:custGeom>
-              <a:avLst/>
-              <a:pathLst>
-                <a:path w="0" h="1341830">
-                  <a:moveTo>
-                    <a:pt x="0" y="1341830"/>
-                  </a:moveTo>
-                  <a:lnTo>
-                    <a:pt x="0" y="0"/>
-                  </a:lnTo>
-                  <a:lnTo>
-                    <a:pt x="0" y="0"/>
-                  </a:lnTo>
-                </a:path>
-              </a:pathLst>
-            </a:custGeom>
-            <a:ln w="6775" cap="flat">
-              <a:solidFill>
-                <a:srgbClr val="FFFFFF">
-                  <a:alpha val="100000"/>
-                </a:srgbClr>
-              </a:solidFill>
-              <a:prstDash val="solid"/>
-              <a:round/>
-            </a:ln>
-          </p:spPr>
-          <p:txBody>
-            <a:bodyPr/>
-            <a:lstStyle/>
-            <a:p/>
-          </p:txBody>
-        </p:sp>
-        <p:sp>
-          <p:nvSpPr>
-            <p:cNvPr id="187" name="pl186"/>
-            <p:cNvSpPr/>
-            <p:nvPr/>
-          </p:nvSpPr>
-          <p:spPr>
-            <a:xfrm>
-              <a:off x="5163122" y="2827534"/>
-              <a:ext cx="0" cy="1341830"/>
-            </a:xfrm>
-            <a:custGeom>
-              <a:avLst/>
-              <a:pathLst>
-                <a:path w="0" h="1341830">
-                  <a:moveTo>
-                    <a:pt x="0" y="1341830"/>
-                  </a:moveTo>
-                  <a:lnTo>
-                    <a:pt x="0" y="0"/>
-                  </a:lnTo>
-                  <a:lnTo>
-                    <a:pt x="0" y="0"/>
-                  </a:lnTo>
-                </a:path>
-              </a:pathLst>
-            </a:custGeom>
-            <a:ln w="6775" cap="flat">
-              <a:solidFill>
-                <a:srgbClr val="FFFFFF">
-                  <a:alpha val="100000"/>
-                </a:srgbClr>
-              </a:solidFill>
-              <a:prstDash val="solid"/>
-              <a:round/>
-            </a:ln>
-          </p:spPr>
-          <p:txBody>
-            <a:bodyPr/>
-            <a:lstStyle/>
-            <a:p/>
-          </p:txBody>
-        </p:sp>
-        <p:sp>
-          <p:nvSpPr>
-            <p:cNvPr id="188" name="pl187"/>
-            <p:cNvSpPr/>
-            <p:nvPr/>
-          </p:nvSpPr>
-          <p:spPr>
-            <a:xfrm>
-              <a:off x="5341208" y="2827534"/>
-              <a:ext cx="0" cy="1341830"/>
-            </a:xfrm>
-            <a:custGeom>
-              <a:avLst/>
-              <a:pathLst>
-                <a:path w="0" h="1341830">
-                  <a:moveTo>
-                    <a:pt x="0" y="1341830"/>
-                  </a:moveTo>
-                  <a:lnTo>
-                    <a:pt x="0" y="0"/>
-                  </a:lnTo>
-                  <a:lnTo>
-                    <a:pt x="0" y="0"/>
-                  </a:lnTo>
-                </a:path>
-              </a:pathLst>
-            </a:custGeom>
-            <a:ln w="6775" cap="flat">
-              <a:solidFill>
-                <a:srgbClr val="FFFFFF">
-                  <a:alpha val="100000"/>
-                </a:srgbClr>
-              </a:solidFill>
-              <a:prstDash val="solid"/>
-              <a:round/>
-            </a:ln>
-          </p:spPr>
-          <p:txBody>
-            <a:bodyPr/>
-            <a:lstStyle/>
-            <a:p/>
-          </p:txBody>
-        </p:sp>
-        <p:sp>
-          <p:nvSpPr>
-            <p:cNvPr id="189" name="pl188"/>
-            <p:cNvSpPr/>
-            <p:nvPr/>
-          </p:nvSpPr>
-          <p:spPr>
-            <a:xfrm>
-              <a:off x="5519293" y="2827534"/>
-              <a:ext cx="0" cy="1341830"/>
-            </a:xfrm>
-            <a:custGeom>
-              <a:avLst/>
-              <a:pathLst>
-                <a:path w="0" h="1341830">
-                  <a:moveTo>
-                    <a:pt x="0" y="1341830"/>
-                  </a:moveTo>
-                  <a:lnTo>
-                    <a:pt x="0" y="0"/>
-                  </a:lnTo>
-                  <a:lnTo>
-                    <a:pt x="0" y="0"/>
-                  </a:lnTo>
-                </a:path>
-              </a:pathLst>
-            </a:custGeom>
-            <a:ln w="6775" cap="flat">
-              <a:solidFill>
-                <a:srgbClr val="FFFFFF">
-                  <a:alpha val="100000"/>
-                </a:srgbClr>
-              </a:solidFill>
-              <a:prstDash val="solid"/>
-              <a:round/>
-            </a:ln>
-          </p:spPr>
-          <p:txBody>
-            <a:bodyPr/>
-            <a:lstStyle/>
-            <a:p/>
-          </p:txBody>
-        </p:sp>
-        <p:sp>
-          <p:nvSpPr>
-            <p:cNvPr id="190" name="pl189"/>
+            <p:cNvPr id="151" name="pl150"/>
             <p:cNvSpPr/>
             <p:nvPr/>
           </p:nvSpPr>
@@ -11156,7 +9506,7 @@
         </p:sp>
         <p:sp>
           <p:nvSpPr>
-            <p:cNvPr id="191" name="pl190"/>
+            <p:cNvPr id="152" name="pl151"/>
             <p:cNvSpPr/>
             <p:nvPr/>
           </p:nvSpPr>
@@ -11199,7 +9549,7 @@
         </p:sp>
         <p:sp>
           <p:nvSpPr>
-            <p:cNvPr id="192" name="pl191"/>
+            <p:cNvPr id="153" name="pl152"/>
             <p:cNvSpPr/>
             <p:nvPr/>
           </p:nvSpPr>
@@ -11242,7 +9592,7 @@
         </p:sp>
         <p:sp>
           <p:nvSpPr>
-            <p:cNvPr id="193" name="pl192"/>
+            <p:cNvPr id="154" name="pl153"/>
             <p:cNvSpPr/>
             <p:nvPr/>
           </p:nvSpPr>
@@ -11285,7 +9635,7 @@
         </p:sp>
         <p:sp>
           <p:nvSpPr>
-            <p:cNvPr id="194" name="pl193"/>
+            <p:cNvPr id="155" name="pl154"/>
             <p:cNvSpPr/>
             <p:nvPr/>
           </p:nvSpPr>
@@ -11328,7 +9678,7 @@
         </p:sp>
         <p:sp>
           <p:nvSpPr>
-            <p:cNvPr id="195" name="pl194"/>
+            <p:cNvPr id="156" name="pl155"/>
             <p:cNvSpPr/>
             <p:nvPr/>
           </p:nvSpPr>
@@ -11371,7 +9721,7 @@
         </p:sp>
         <p:sp>
           <p:nvSpPr>
-            <p:cNvPr id="196" name="pl195"/>
+            <p:cNvPr id="157" name="pl156"/>
             <p:cNvSpPr/>
             <p:nvPr/>
           </p:nvSpPr>
@@ -11414,7 +9764,7 @@
         </p:sp>
         <p:sp>
           <p:nvSpPr>
-            <p:cNvPr id="197" name="pl196"/>
+            <p:cNvPr id="158" name="pl157"/>
             <p:cNvSpPr/>
             <p:nvPr/>
           </p:nvSpPr>
@@ -11457,7 +9807,7 @@
         </p:sp>
         <p:sp>
           <p:nvSpPr>
-            <p:cNvPr id="198" name="pl197"/>
+            <p:cNvPr id="159" name="pl158"/>
             <p:cNvSpPr/>
             <p:nvPr/>
           </p:nvSpPr>
@@ -11500,7 +9850,7 @@
         </p:sp>
         <p:sp>
           <p:nvSpPr>
-            <p:cNvPr id="199" name="pl198"/>
+            <p:cNvPr id="160" name="pl159"/>
             <p:cNvSpPr/>
             <p:nvPr/>
           </p:nvSpPr>
@@ -11543,7 +9893,7 @@
         </p:sp>
         <p:sp>
           <p:nvSpPr>
-            <p:cNvPr id="200" name="pl199"/>
+            <p:cNvPr id="161" name="pl160"/>
             <p:cNvSpPr/>
             <p:nvPr/>
           </p:nvSpPr>
@@ -11586,7 +9936,7 @@
         </p:sp>
         <p:sp>
           <p:nvSpPr>
-            <p:cNvPr id="201" name="pl200"/>
+            <p:cNvPr id="162" name="pl161"/>
             <p:cNvSpPr/>
             <p:nvPr/>
           </p:nvSpPr>
@@ -11629,13 +9979,13 @@
         </p:sp>
         <p:sp>
           <p:nvSpPr>
-            <p:cNvPr id="202" name="pl201"/>
-            <p:cNvSpPr/>
-            <p:nvPr/>
-          </p:nvSpPr>
-          <p:spPr>
-            <a:xfrm>
-              <a:off x="3827481" y="2827534"/>
+            <p:cNvPr id="163" name="pl162"/>
+            <p:cNvSpPr/>
+            <p:nvPr/>
+          </p:nvSpPr>
+          <p:spPr>
+            <a:xfrm>
+              <a:off x="3967405" y="2827534"/>
               <a:ext cx="0" cy="1341830"/>
             </a:xfrm>
             <a:custGeom>
@@ -11672,13 +10022,13 @@
         </p:sp>
         <p:sp>
           <p:nvSpPr>
-            <p:cNvPr id="203" name="pl202"/>
-            <p:cNvSpPr/>
-            <p:nvPr/>
-          </p:nvSpPr>
-          <p:spPr>
-            <a:xfrm>
-              <a:off x="4005566" y="2827534"/>
+            <p:cNvPr id="164" name="pl163"/>
+            <p:cNvSpPr/>
+            <p:nvPr/>
+          </p:nvSpPr>
+          <p:spPr>
+            <a:xfrm>
+              <a:off x="4285415" y="2827534"/>
               <a:ext cx="0" cy="1341830"/>
             </a:xfrm>
             <a:custGeom>
@@ -11715,13 +10065,13 @@
         </p:sp>
         <p:sp>
           <p:nvSpPr>
-            <p:cNvPr id="204" name="pl203"/>
-            <p:cNvSpPr/>
-            <p:nvPr/>
-          </p:nvSpPr>
-          <p:spPr>
-            <a:xfrm>
-              <a:off x="4183652" y="2827534"/>
+            <p:cNvPr id="165" name="pl164"/>
+            <p:cNvSpPr/>
+            <p:nvPr/>
+          </p:nvSpPr>
+          <p:spPr>
+            <a:xfrm>
+              <a:off x="4603425" y="2827534"/>
               <a:ext cx="0" cy="1341830"/>
             </a:xfrm>
             <a:custGeom>
@@ -11758,13 +10108,13 @@
         </p:sp>
         <p:sp>
           <p:nvSpPr>
-            <p:cNvPr id="205" name="pl204"/>
-            <p:cNvSpPr/>
-            <p:nvPr/>
-          </p:nvSpPr>
-          <p:spPr>
-            <a:xfrm>
-              <a:off x="4361737" y="2827534"/>
+            <p:cNvPr id="166" name="pl165"/>
+            <p:cNvSpPr/>
+            <p:nvPr/>
+          </p:nvSpPr>
+          <p:spPr>
+            <a:xfrm>
+              <a:off x="4921435" y="2827534"/>
               <a:ext cx="0" cy="1341830"/>
             </a:xfrm>
             <a:custGeom>
@@ -11801,13 +10151,13 @@
         </p:sp>
         <p:sp>
           <p:nvSpPr>
-            <p:cNvPr id="206" name="pl205"/>
-            <p:cNvSpPr/>
-            <p:nvPr/>
-          </p:nvSpPr>
-          <p:spPr>
-            <a:xfrm>
-              <a:off x="4539823" y="2827534"/>
+            <p:cNvPr id="167" name="pl166"/>
+            <p:cNvSpPr/>
+            <p:nvPr/>
+          </p:nvSpPr>
+          <p:spPr>
+            <a:xfrm>
+              <a:off x="5239444" y="2827534"/>
               <a:ext cx="0" cy="1341830"/>
             </a:xfrm>
             <a:custGeom>
@@ -11844,329 +10194,117 @@
         </p:sp>
         <p:sp>
           <p:nvSpPr>
-            <p:cNvPr id="207" name="pl206"/>
-            <p:cNvSpPr/>
-            <p:nvPr/>
-          </p:nvSpPr>
-          <p:spPr>
-            <a:xfrm>
-              <a:off x="4717908" y="2827534"/>
-              <a:ext cx="0" cy="1341830"/>
-            </a:xfrm>
-            <a:custGeom>
-              <a:avLst/>
-              <a:pathLst>
-                <a:path w="0" h="1341830">
-                  <a:moveTo>
-                    <a:pt x="0" y="1341830"/>
-                  </a:moveTo>
-                  <a:lnTo>
-                    <a:pt x="0" y="0"/>
-                  </a:lnTo>
-                  <a:lnTo>
-                    <a:pt x="0" y="0"/>
-                  </a:lnTo>
-                </a:path>
-              </a:pathLst>
-            </a:custGeom>
-            <a:ln w="13550" cap="flat">
-              <a:solidFill>
-                <a:srgbClr val="FFFFFF">
-                  <a:alpha val="100000"/>
-                </a:srgbClr>
-              </a:solidFill>
-              <a:prstDash val="solid"/>
-              <a:round/>
-            </a:ln>
-          </p:spPr>
-          <p:txBody>
-            <a:bodyPr/>
-            <a:lstStyle/>
-            <a:p/>
-          </p:txBody>
-        </p:sp>
-        <p:sp>
-          <p:nvSpPr>
-            <p:cNvPr id="208" name="pl207"/>
-            <p:cNvSpPr/>
-            <p:nvPr/>
-          </p:nvSpPr>
-          <p:spPr>
-            <a:xfrm>
-              <a:off x="4895994" y="2827534"/>
-              <a:ext cx="0" cy="1341830"/>
-            </a:xfrm>
-            <a:custGeom>
-              <a:avLst/>
-              <a:pathLst>
-                <a:path w="0" h="1341830">
-                  <a:moveTo>
-                    <a:pt x="0" y="1341830"/>
-                  </a:moveTo>
-                  <a:lnTo>
-                    <a:pt x="0" y="0"/>
-                  </a:lnTo>
-                  <a:lnTo>
-                    <a:pt x="0" y="0"/>
-                  </a:lnTo>
-                </a:path>
-              </a:pathLst>
-            </a:custGeom>
-            <a:ln w="13550" cap="flat">
-              <a:solidFill>
-                <a:srgbClr val="FFFFFF">
-                  <a:alpha val="100000"/>
-                </a:srgbClr>
-              </a:solidFill>
-              <a:prstDash val="solid"/>
-              <a:round/>
-            </a:ln>
-          </p:spPr>
-          <p:txBody>
-            <a:bodyPr/>
-            <a:lstStyle/>
-            <a:p/>
-          </p:txBody>
-        </p:sp>
-        <p:sp>
-          <p:nvSpPr>
-            <p:cNvPr id="209" name="pl208"/>
-            <p:cNvSpPr/>
-            <p:nvPr/>
-          </p:nvSpPr>
-          <p:spPr>
-            <a:xfrm>
-              <a:off x="5074079" y="2827534"/>
-              <a:ext cx="0" cy="1341830"/>
-            </a:xfrm>
-            <a:custGeom>
-              <a:avLst/>
-              <a:pathLst>
-                <a:path w="0" h="1341830">
-                  <a:moveTo>
-                    <a:pt x="0" y="1341830"/>
-                  </a:moveTo>
-                  <a:lnTo>
-                    <a:pt x="0" y="0"/>
-                  </a:lnTo>
-                  <a:lnTo>
-                    <a:pt x="0" y="0"/>
-                  </a:lnTo>
-                </a:path>
-              </a:pathLst>
-            </a:custGeom>
-            <a:ln w="13550" cap="flat">
-              <a:solidFill>
-                <a:srgbClr val="FFFFFF">
-                  <a:alpha val="100000"/>
-                </a:srgbClr>
-              </a:solidFill>
-              <a:prstDash val="solid"/>
-              <a:round/>
-            </a:ln>
-          </p:spPr>
-          <p:txBody>
-            <a:bodyPr/>
-            <a:lstStyle/>
-            <a:p/>
-          </p:txBody>
-        </p:sp>
-        <p:sp>
-          <p:nvSpPr>
-            <p:cNvPr id="210" name="pl209"/>
-            <p:cNvSpPr/>
-            <p:nvPr/>
-          </p:nvSpPr>
-          <p:spPr>
-            <a:xfrm>
-              <a:off x="5252165" y="2827534"/>
-              <a:ext cx="0" cy="1341830"/>
-            </a:xfrm>
-            <a:custGeom>
-              <a:avLst/>
-              <a:pathLst>
-                <a:path w="0" h="1341830">
-                  <a:moveTo>
-                    <a:pt x="0" y="1341830"/>
-                  </a:moveTo>
-                  <a:lnTo>
-                    <a:pt x="0" y="0"/>
-                  </a:lnTo>
-                  <a:lnTo>
-                    <a:pt x="0" y="0"/>
-                  </a:lnTo>
-                </a:path>
-              </a:pathLst>
-            </a:custGeom>
-            <a:ln w="13550" cap="flat">
-              <a:solidFill>
-                <a:srgbClr val="FFFFFF">
-                  <a:alpha val="100000"/>
-                </a:srgbClr>
-              </a:solidFill>
-              <a:prstDash val="solid"/>
-              <a:round/>
-            </a:ln>
-          </p:spPr>
-          <p:txBody>
-            <a:bodyPr/>
-            <a:lstStyle/>
-            <a:p/>
-          </p:txBody>
-        </p:sp>
-        <p:sp>
-          <p:nvSpPr>
-            <p:cNvPr id="211" name="pl210"/>
-            <p:cNvSpPr/>
-            <p:nvPr/>
-          </p:nvSpPr>
-          <p:spPr>
-            <a:xfrm>
-              <a:off x="5430250" y="2827534"/>
-              <a:ext cx="0" cy="1341830"/>
-            </a:xfrm>
-            <a:custGeom>
-              <a:avLst/>
-              <a:pathLst>
-                <a:path w="0" h="1341830">
-                  <a:moveTo>
-                    <a:pt x="0" y="1341830"/>
-                  </a:moveTo>
-                  <a:lnTo>
-                    <a:pt x="0" y="0"/>
-                  </a:lnTo>
-                  <a:lnTo>
-                    <a:pt x="0" y="0"/>
-                  </a:lnTo>
-                </a:path>
-              </a:pathLst>
-            </a:custGeom>
-            <a:ln w="13550" cap="flat">
-              <a:solidFill>
-                <a:srgbClr val="FFFFFF">
-                  <a:alpha val="100000"/>
-                </a:srgbClr>
-              </a:solidFill>
-              <a:prstDash val="solid"/>
-              <a:round/>
-            </a:ln>
-          </p:spPr>
-          <p:txBody>
-            <a:bodyPr/>
-            <a:lstStyle/>
-            <a:p/>
-          </p:txBody>
-        </p:sp>
-        <p:sp>
-          <p:nvSpPr>
-            <p:cNvPr id="212" name="pl211"/>
+            <p:cNvPr id="168" name="pl167"/>
             <p:cNvSpPr/>
             <p:nvPr/>
           </p:nvSpPr>
           <p:spPr>
             <a:xfrm>
               <a:off x="3649395" y="2888526"/>
-              <a:ext cx="1869897" cy="426946"/>
-            </a:xfrm>
-            <a:custGeom>
-              <a:avLst/>
-              <a:pathLst>
-                <a:path w="1869897" h="426946">
-                  <a:moveTo>
-                    <a:pt x="0" y="0"/>
-                  </a:moveTo>
-                  <a:lnTo>
-                    <a:pt x="961661" y="0"/>
-                  </a:lnTo>
-                  <a:lnTo>
-                    <a:pt x="961661" y="12198"/>
-                  </a:lnTo>
-                  <a:lnTo>
-                    <a:pt x="1032895" y="12198"/>
-                  </a:lnTo>
-                  <a:lnTo>
-                    <a:pt x="1032895" y="36595"/>
-                  </a:lnTo>
-                  <a:lnTo>
-                    <a:pt x="1068513" y="36595"/>
-                  </a:lnTo>
-                  <a:lnTo>
-                    <a:pt x="1068513" y="97587"/>
-                  </a:lnTo>
-                  <a:lnTo>
-                    <a:pt x="1104130" y="97587"/>
-                  </a:lnTo>
-                  <a:lnTo>
-                    <a:pt x="1104130" y="158579"/>
-                  </a:lnTo>
-                  <a:lnTo>
-                    <a:pt x="1139747" y="158579"/>
-                  </a:lnTo>
-                  <a:lnTo>
-                    <a:pt x="1139747" y="207373"/>
-                  </a:lnTo>
-                  <a:lnTo>
-                    <a:pt x="1175364" y="207373"/>
-                  </a:lnTo>
-                  <a:lnTo>
-                    <a:pt x="1175364" y="219572"/>
-                  </a:lnTo>
-                  <a:lnTo>
-                    <a:pt x="1246598" y="219572"/>
-                  </a:lnTo>
-                  <a:lnTo>
-                    <a:pt x="1246598" y="256167"/>
-                  </a:lnTo>
-                  <a:lnTo>
-                    <a:pt x="1282215" y="256167"/>
-                  </a:lnTo>
-                  <a:lnTo>
-                    <a:pt x="1282215" y="304961"/>
-                  </a:lnTo>
-                  <a:lnTo>
-                    <a:pt x="1317832" y="304961"/>
-                  </a:lnTo>
-                  <a:lnTo>
-                    <a:pt x="1317832" y="317159"/>
-                  </a:lnTo>
-                  <a:lnTo>
-                    <a:pt x="1353449" y="317159"/>
-                  </a:lnTo>
-                  <a:lnTo>
-                    <a:pt x="1353449" y="353755"/>
-                  </a:lnTo>
-                  <a:lnTo>
-                    <a:pt x="1424684" y="353755"/>
-                  </a:lnTo>
-                  <a:lnTo>
-                    <a:pt x="1424684" y="365953"/>
-                  </a:lnTo>
-                  <a:lnTo>
-                    <a:pt x="1602769" y="365953"/>
-                  </a:lnTo>
-                  <a:lnTo>
-                    <a:pt x="1602769" y="390350"/>
-                  </a:lnTo>
-                  <a:lnTo>
-                    <a:pt x="1638386" y="390350"/>
-                  </a:lnTo>
-                  <a:lnTo>
-                    <a:pt x="1638386" y="402549"/>
-                  </a:lnTo>
-                  <a:lnTo>
-                    <a:pt x="1674003" y="402549"/>
-                  </a:lnTo>
-                  <a:lnTo>
-                    <a:pt x="1674003" y="414747"/>
-                  </a:lnTo>
-                  <a:lnTo>
-                    <a:pt x="1709620" y="414747"/>
-                  </a:lnTo>
-                  <a:lnTo>
-                    <a:pt x="1709620" y="426946"/>
-                  </a:lnTo>
-                  <a:lnTo>
-                    <a:pt x="1869897" y="426946"/>
+              <a:ext cx="1717253" cy="426946"/>
+            </a:xfrm>
+            <a:custGeom>
+              <a:avLst/>
+              <a:pathLst>
+                <a:path w="1717253" h="426946">
+                  <a:moveTo>
+                    <a:pt x="0" y="0"/>
+                  </a:moveTo>
+                  <a:lnTo>
+                    <a:pt x="858626" y="0"/>
+                  </a:lnTo>
+                  <a:lnTo>
+                    <a:pt x="858626" y="12198"/>
+                  </a:lnTo>
+                  <a:lnTo>
+                    <a:pt x="922228" y="12198"/>
+                  </a:lnTo>
+                  <a:lnTo>
+                    <a:pt x="922228" y="36595"/>
+                  </a:lnTo>
+                  <a:lnTo>
+                    <a:pt x="954029" y="36595"/>
+                  </a:lnTo>
+                  <a:lnTo>
+                    <a:pt x="954029" y="97587"/>
+                  </a:lnTo>
+                  <a:lnTo>
+                    <a:pt x="985830" y="97587"/>
+                  </a:lnTo>
+                  <a:lnTo>
+                    <a:pt x="985830" y="158579"/>
+                  </a:lnTo>
+                  <a:lnTo>
+                    <a:pt x="1017631" y="158579"/>
+                  </a:lnTo>
+                  <a:lnTo>
+                    <a:pt x="1017631" y="207373"/>
+                  </a:lnTo>
+                  <a:lnTo>
+                    <a:pt x="1049432" y="207373"/>
+                  </a:lnTo>
+                  <a:lnTo>
+                    <a:pt x="1049432" y="219572"/>
+                  </a:lnTo>
+                  <a:lnTo>
+                    <a:pt x="1113034" y="219572"/>
+                  </a:lnTo>
+                  <a:lnTo>
+                    <a:pt x="1113034" y="256167"/>
+                  </a:lnTo>
+                  <a:lnTo>
+                    <a:pt x="1144835" y="256167"/>
+                  </a:lnTo>
+                  <a:lnTo>
+                    <a:pt x="1144835" y="304961"/>
+                  </a:lnTo>
+                  <a:lnTo>
+                    <a:pt x="1176636" y="304961"/>
+                  </a:lnTo>
+                  <a:lnTo>
+                    <a:pt x="1176636" y="317159"/>
+                  </a:lnTo>
+                  <a:lnTo>
+                    <a:pt x="1208437" y="317159"/>
+                  </a:lnTo>
+                  <a:lnTo>
+                    <a:pt x="1208437" y="353755"/>
+                  </a:lnTo>
+                  <a:lnTo>
+                    <a:pt x="1272039" y="353755"/>
+                  </a:lnTo>
+                  <a:lnTo>
+                    <a:pt x="1272039" y="365953"/>
+                  </a:lnTo>
+                  <a:lnTo>
+                    <a:pt x="1431044" y="365953"/>
+                  </a:lnTo>
+                  <a:lnTo>
+                    <a:pt x="1431044" y="390350"/>
+                  </a:lnTo>
+                  <a:lnTo>
+                    <a:pt x="1462845" y="390350"/>
+                  </a:lnTo>
+                  <a:lnTo>
+                    <a:pt x="1462845" y="402549"/>
+                  </a:lnTo>
+                  <a:lnTo>
+                    <a:pt x="1494646" y="402549"/>
+                  </a:lnTo>
+                  <a:lnTo>
+                    <a:pt x="1494646" y="414747"/>
+                  </a:lnTo>
+                  <a:lnTo>
+                    <a:pt x="1526447" y="414747"/>
+                  </a:lnTo>
+                  <a:lnTo>
+                    <a:pt x="1526447" y="426946"/>
+                  </a:lnTo>
+                  <a:lnTo>
+                    <a:pt x="1717253" y="426946"/>
+                  </a:lnTo>
+                  <a:lnTo>
+                    <a:pt x="1717253" y="426946"/>
                   </a:lnTo>
                 </a:path>
               </a:pathLst>
@@ -12189,102 +10327,105 @@
         </p:sp>
         <p:sp>
           <p:nvSpPr>
-            <p:cNvPr id="213" name="pl212"/>
+            <p:cNvPr id="169" name="pl168"/>
             <p:cNvSpPr/>
             <p:nvPr/>
           </p:nvSpPr>
           <p:spPr>
             <a:xfrm>
               <a:off x="3649395" y="2888526"/>
-              <a:ext cx="1869897" cy="329358"/>
-            </a:xfrm>
-            <a:custGeom>
-              <a:avLst/>
-              <a:pathLst>
-                <a:path w="1869897" h="329358">
-                  <a:moveTo>
-                    <a:pt x="0" y="0"/>
-                  </a:moveTo>
-                  <a:lnTo>
-                    <a:pt x="926044" y="0"/>
-                  </a:lnTo>
-                  <a:lnTo>
-                    <a:pt x="926044" y="24396"/>
-                  </a:lnTo>
-                  <a:lnTo>
-                    <a:pt x="961661" y="24396"/>
-                  </a:lnTo>
-                  <a:lnTo>
-                    <a:pt x="961661" y="36595"/>
-                  </a:lnTo>
-                  <a:lnTo>
-                    <a:pt x="1032895" y="36595"/>
-                  </a:lnTo>
-                  <a:lnTo>
-                    <a:pt x="1032895" y="97587"/>
-                  </a:lnTo>
-                  <a:lnTo>
-                    <a:pt x="1068513" y="97587"/>
-                  </a:lnTo>
-                  <a:lnTo>
-                    <a:pt x="1068513" y="109786"/>
-                  </a:lnTo>
-                  <a:lnTo>
-                    <a:pt x="1175364" y="109786"/>
-                  </a:lnTo>
-                  <a:lnTo>
-                    <a:pt x="1175364" y="121984"/>
-                  </a:lnTo>
-                  <a:lnTo>
-                    <a:pt x="1210981" y="121984"/>
-                  </a:lnTo>
-                  <a:lnTo>
-                    <a:pt x="1210981" y="170778"/>
-                  </a:lnTo>
-                  <a:lnTo>
-                    <a:pt x="1246598" y="170778"/>
-                  </a:lnTo>
-                  <a:lnTo>
-                    <a:pt x="1246598" y="231770"/>
-                  </a:lnTo>
-                  <a:lnTo>
-                    <a:pt x="1282215" y="231770"/>
-                  </a:lnTo>
-                  <a:lnTo>
-                    <a:pt x="1282215" y="256167"/>
-                  </a:lnTo>
-                  <a:lnTo>
-                    <a:pt x="1317832" y="256167"/>
-                  </a:lnTo>
-                  <a:lnTo>
-                    <a:pt x="1317832" y="280564"/>
-                  </a:lnTo>
-                  <a:lnTo>
-                    <a:pt x="1353449" y="280564"/>
-                  </a:lnTo>
-                  <a:lnTo>
-                    <a:pt x="1353449" y="292763"/>
-                  </a:lnTo>
-                  <a:lnTo>
-                    <a:pt x="1389066" y="292763"/>
-                  </a:lnTo>
-                  <a:lnTo>
-                    <a:pt x="1389066" y="304961"/>
-                  </a:lnTo>
-                  <a:lnTo>
-                    <a:pt x="1674003" y="304961"/>
-                  </a:lnTo>
-                  <a:lnTo>
-                    <a:pt x="1674003" y="317159"/>
-                  </a:lnTo>
-                  <a:lnTo>
-                    <a:pt x="1816472" y="317159"/>
-                  </a:lnTo>
-                  <a:lnTo>
-                    <a:pt x="1816472" y="329358"/>
-                  </a:lnTo>
-                  <a:lnTo>
-                    <a:pt x="1869897" y="329358"/>
+              <a:ext cx="1717253" cy="329358"/>
+            </a:xfrm>
+            <a:custGeom>
+              <a:avLst/>
+              <a:pathLst>
+                <a:path w="1717253" h="329358">
+                  <a:moveTo>
+                    <a:pt x="0" y="0"/>
+                  </a:moveTo>
+                  <a:lnTo>
+                    <a:pt x="826825" y="0"/>
+                  </a:lnTo>
+                  <a:lnTo>
+                    <a:pt x="826825" y="24396"/>
+                  </a:lnTo>
+                  <a:lnTo>
+                    <a:pt x="858626" y="24396"/>
+                  </a:lnTo>
+                  <a:lnTo>
+                    <a:pt x="858626" y="36595"/>
+                  </a:lnTo>
+                  <a:lnTo>
+                    <a:pt x="922228" y="36595"/>
+                  </a:lnTo>
+                  <a:lnTo>
+                    <a:pt x="922228" y="97587"/>
+                  </a:lnTo>
+                  <a:lnTo>
+                    <a:pt x="954029" y="97587"/>
+                  </a:lnTo>
+                  <a:lnTo>
+                    <a:pt x="954029" y="109786"/>
+                  </a:lnTo>
+                  <a:lnTo>
+                    <a:pt x="1049432" y="109786"/>
+                  </a:lnTo>
+                  <a:lnTo>
+                    <a:pt x="1049432" y="121984"/>
+                  </a:lnTo>
+                  <a:lnTo>
+                    <a:pt x="1081233" y="121984"/>
+                  </a:lnTo>
+                  <a:lnTo>
+                    <a:pt x="1081233" y="170778"/>
+                  </a:lnTo>
+                  <a:lnTo>
+                    <a:pt x="1113034" y="170778"/>
+                  </a:lnTo>
+                  <a:lnTo>
+                    <a:pt x="1113034" y="231770"/>
+                  </a:lnTo>
+                  <a:lnTo>
+                    <a:pt x="1144835" y="231770"/>
+                  </a:lnTo>
+                  <a:lnTo>
+                    <a:pt x="1144835" y="256167"/>
+                  </a:lnTo>
+                  <a:lnTo>
+                    <a:pt x="1176636" y="256167"/>
+                  </a:lnTo>
+                  <a:lnTo>
+                    <a:pt x="1176636" y="280564"/>
+                  </a:lnTo>
+                  <a:lnTo>
+                    <a:pt x="1208437" y="280564"/>
+                  </a:lnTo>
+                  <a:lnTo>
+                    <a:pt x="1208437" y="292763"/>
+                  </a:lnTo>
+                  <a:lnTo>
+                    <a:pt x="1240238" y="292763"/>
+                  </a:lnTo>
+                  <a:lnTo>
+                    <a:pt x="1240238" y="304961"/>
+                  </a:lnTo>
+                  <a:lnTo>
+                    <a:pt x="1494646" y="304961"/>
+                  </a:lnTo>
+                  <a:lnTo>
+                    <a:pt x="1494646" y="317159"/>
+                  </a:lnTo>
+                  <a:lnTo>
+                    <a:pt x="1621850" y="317159"/>
+                  </a:lnTo>
+                  <a:lnTo>
+                    <a:pt x="1621850" y="329358"/>
+                  </a:lnTo>
+                  <a:lnTo>
+                    <a:pt x="1717253" y="329358"/>
+                  </a:lnTo>
+                  <a:lnTo>
+                    <a:pt x="1717253" y="329358"/>
                   </a:lnTo>
                 </a:path>
               </a:pathLst>
@@ -12307,126 +10448,129 @@
         </p:sp>
         <p:sp>
           <p:nvSpPr>
-            <p:cNvPr id="214" name="pl213"/>
+            <p:cNvPr id="170" name="pl169"/>
             <p:cNvSpPr/>
             <p:nvPr/>
           </p:nvSpPr>
           <p:spPr>
             <a:xfrm>
               <a:off x="3649395" y="2888526"/>
-              <a:ext cx="1869897" cy="402549"/>
-            </a:xfrm>
-            <a:custGeom>
-              <a:avLst/>
-              <a:pathLst>
-                <a:path w="1869897" h="402549">
-                  <a:moveTo>
-                    <a:pt x="0" y="0"/>
-                  </a:moveTo>
-                  <a:lnTo>
-                    <a:pt x="676724" y="0"/>
-                  </a:lnTo>
-                  <a:lnTo>
-                    <a:pt x="676724" y="12198"/>
-                  </a:lnTo>
-                  <a:lnTo>
-                    <a:pt x="747959" y="12198"/>
-                  </a:lnTo>
-                  <a:lnTo>
-                    <a:pt x="747959" y="24396"/>
-                  </a:lnTo>
-                  <a:lnTo>
-                    <a:pt x="783576" y="24396"/>
-                  </a:lnTo>
-                  <a:lnTo>
-                    <a:pt x="783576" y="36595"/>
-                  </a:lnTo>
-                  <a:lnTo>
-                    <a:pt x="890427" y="36595"/>
+              <a:ext cx="1717253" cy="414747"/>
+            </a:xfrm>
+            <a:custGeom>
+              <a:avLst/>
+              <a:pathLst>
+                <a:path w="1717253" h="414747">
+                  <a:moveTo>
+                    <a:pt x="0" y="0"/>
+                  </a:moveTo>
+                  <a:lnTo>
+                    <a:pt x="604218" y="0"/>
+                  </a:lnTo>
+                  <a:lnTo>
+                    <a:pt x="604218" y="12198"/>
+                  </a:lnTo>
+                  <a:lnTo>
+                    <a:pt x="667820" y="12198"/>
+                  </a:lnTo>
+                  <a:lnTo>
+                    <a:pt x="667820" y="24396"/>
+                  </a:lnTo>
+                  <a:lnTo>
+                    <a:pt x="699621" y="24396"/>
+                  </a:lnTo>
+                  <a:lnTo>
+                    <a:pt x="699621" y="36595"/>
+                  </a:lnTo>
+                  <a:lnTo>
+                    <a:pt x="795024" y="36595"/>
+                  </a:lnTo>
+                  <a:lnTo>
+                    <a:pt x="795024" y="48793"/>
                   </a:lnTo>
                   <a:lnTo>
                     <a:pt x="890427" y="48793"/>
                   </a:lnTo>
                   <a:lnTo>
-                    <a:pt x="997278" y="48793"/>
-                  </a:lnTo>
-                  <a:lnTo>
-                    <a:pt x="997278" y="60992"/>
-                  </a:lnTo>
-                  <a:lnTo>
-                    <a:pt x="1068513" y="60992"/>
-                  </a:lnTo>
-                  <a:lnTo>
-                    <a:pt x="1068513" y="73190"/>
-                  </a:lnTo>
-                  <a:lnTo>
-                    <a:pt x="1104130" y="73190"/>
-                  </a:lnTo>
-                  <a:lnTo>
-                    <a:pt x="1104130" y="134183"/>
-                  </a:lnTo>
-                  <a:lnTo>
-                    <a:pt x="1175364" y="134183"/>
-                  </a:lnTo>
-                  <a:lnTo>
-                    <a:pt x="1175364" y="146381"/>
-                  </a:lnTo>
-                  <a:lnTo>
-                    <a:pt x="1210981" y="146381"/>
-                  </a:lnTo>
-                  <a:lnTo>
-                    <a:pt x="1210981" y="182976"/>
-                  </a:lnTo>
-                  <a:lnTo>
-                    <a:pt x="1246598" y="182976"/>
-                  </a:lnTo>
-                  <a:lnTo>
-                    <a:pt x="1246598" y="243969"/>
-                  </a:lnTo>
-                  <a:lnTo>
-                    <a:pt x="1282215" y="243969"/>
-                  </a:lnTo>
-                  <a:lnTo>
-                    <a:pt x="1282215" y="268366"/>
-                  </a:lnTo>
-                  <a:lnTo>
-                    <a:pt x="1317832" y="268366"/>
-                  </a:lnTo>
-                  <a:lnTo>
-                    <a:pt x="1317832" y="280564"/>
-                  </a:lnTo>
-                  <a:lnTo>
-                    <a:pt x="1353449" y="280564"/>
-                  </a:lnTo>
-                  <a:lnTo>
-                    <a:pt x="1353449" y="317159"/>
-                  </a:lnTo>
-                  <a:lnTo>
-                    <a:pt x="1389066" y="317159"/>
-                  </a:lnTo>
-                  <a:lnTo>
-                    <a:pt x="1389066" y="365953"/>
-                  </a:lnTo>
-                  <a:lnTo>
-                    <a:pt x="1424684" y="365953"/>
-                  </a:lnTo>
-                  <a:lnTo>
-                    <a:pt x="1424684" y="378152"/>
-                  </a:lnTo>
-                  <a:lnTo>
-                    <a:pt x="1495918" y="378152"/>
-                  </a:lnTo>
-                  <a:lnTo>
-                    <a:pt x="1495918" y="390350"/>
-                  </a:lnTo>
-                  <a:lnTo>
-                    <a:pt x="1709620" y="390350"/>
-                  </a:lnTo>
-                  <a:lnTo>
-                    <a:pt x="1709620" y="402549"/>
-                  </a:lnTo>
-                  <a:lnTo>
-                    <a:pt x="1869897" y="402549"/>
+                    <a:pt x="890427" y="60992"/>
+                  </a:lnTo>
+                  <a:lnTo>
+                    <a:pt x="954029" y="60992"/>
+                  </a:lnTo>
+                  <a:lnTo>
+                    <a:pt x="954029" y="73190"/>
+                  </a:lnTo>
+                  <a:lnTo>
+                    <a:pt x="985830" y="73190"/>
+                  </a:lnTo>
+                  <a:lnTo>
+                    <a:pt x="985830" y="134183"/>
+                  </a:lnTo>
+                  <a:lnTo>
+                    <a:pt x="1049432" y="134183"/>
+                  </a:lnTo>
+                  <a:lnTo>
+                    <a:pt x="1049432" y="146381"/>
+                  </a:lnTo>
+                  <a:lnTo>
+                    <a:pt x="1081233" y="146381"/>
+                  </a:lnTo>
+                  <a:lnTo>
+                    <a:pt x="1081233" y="182976"/>
+                  </a:lnTo>
+                  <a:lnTo>
+                    <a:pt x="1113034" y="182976"/>
+                  </a:lnTo>
+                  <a:lnTo>
+                    <a:pt x="1113034" y="243969"/>
+                  </a:lnTo>
+                  <a:lnTo>
+                    <a:pt x="1144835" y="243969"/>
+                  </a:lnTo>
+                  <a:lnTo>
+                    <a:pt x="1144835" y="268366"/>
+                  </a:lnTo>
+                  <a:lnTo>
+                    <a:pt x="1176636" y="268366"/>
+                  </a:lnTo>
+                  <a:lnTo>
+                    <a:pt x="1176636" y="280564"/>
+                  </a:lnTo>
+                  <a:lnTo>
+                    <a:pt x="1208437" y="280564"/>
+                  </a:lnTo>
+                  <a:lnTo>
+                    <a:pt x="1208437" y="317159"/>
+                  </a:lnTo>
+                  <a:lnTo>
+                    <a:pt x="1240238" y="317159"/>
+                  </a:lnTo>
+                  <a:lnTo>
+                    <a:pt x="1240238" y="365953"/>
+                  </a:lnTo>
+                  <a:lnTo>
+                    <a:pt x="1272039" y="365953"/>
+                  </a:lnTo>
+                  <a:lnTo>
+                    <a:pt x="1272039" y="378152"/>
+                  </a:lnTo>
+                  <a:lnTo>
+                    <a:pt x="1335641" y="378152"/>
+                  </a:lnTo>
+                  <a:lnTo>
+                    <a:pt x="1335641" y="390350"/>
+                  </a:lnTo>
+                  <a:lnTo>
+                    <a:pt x="1526447" y="390350"/>
+                  </a:lnTo>
+                  <a:lnTo>
+                    <a:pt x="1526447" y="402549"/>
+                  </a:lnTo>
+                  <a:lnTo>
+                    <a:pt x="1717253" y="402549"/>
+                  </a:lnTo>
+                  <a:lnTo>
+                    <a:pt x="1717253" y="414747"/>
                   </a:lnTo>
                 </a:path>
               </a:pathLst>
@@ -12449,13 +10593,13 @@
         </p:sp>
         <p:sp>
           <p:nvSpPr>
-            <p:cNvPr id="215" name="tx214"/>
-            <p:cNvSpPr/>
-            <p:nvPr/>
-          </p:nvSpPr>
-          <p:spPr>
-            <a:xfrm>
-              <a:off x="5499568" y="3260737"/>
+            <p:cNvPr id="171" name="tx170"/>
+            <p:cNvSpPr/>
+            <p:nvPr/>
+          </p:nvSpPr>
+          <p:spPr>
+            <a:xfrm>
+              <a:off x="5293497" y="3260737"/>
               <a:ext cx="146301" cy="109470"/>
             </a:xfrm>
             <a:prstGeom prst="rect">
@@ -12495,13 +10639,13 @@
         </p:sp>
         <p:sp>
           <p:nvSpPr>
-            <p:cNvPr id="216" name="tx215"/>
-            <p:cNvSpPr/>
-            <p:nvPr/>
-          </p:nvSpPr>
-          <p:spPr>
-            <a:xfrm>
-              <a:off x="5499568" y="3163150"/>
+            <p:cNvPr id="172" name="tx171"/>
+            <p:cNvSpPr/>
+            <p:nvPr/>
+          </p:nvSpPr>
+          <p:spPr>
+            <a:xfrm>
+              <a:off x="5293497" y="3163150"/>
               <a:ext cx="146301" cy="109470"/>
             </a:xfrm>
             <a:prstGeom prst="rect">
@@ -12541,13 +10685,13 @@
         </p:sp>
         <p:sp>
           <p:nvSpPr>
-            <p:cNvPr id="217" name="tx216"/>
-            <p:cNvSpPr/>
-            <p:nvPr/>
-          </p:nvSpPr>
-          <p:spPr>
-            <a:xfrm>
-              <a:off x="5499568" y="3248539"/>
+            <p:cNvPr id="173" name="tx172"/>
+            <p:cNvSpPr/>
+            <p:nvPr/>
+          </p:nvSpPr>
+          <p:spPr>
+            <a:xfrm>
+              <a:off x="5293497" y="3248539"/>
               <a:ext cx="146301" cy="109470"/>
             </a:xfrm>
             <a:prstGeom prst="rect">
@@ -12587,7 +10731,7 @@
         </p:sp>
         <p:sp>
           <p:nvSpPr>
-            <p:cNvPr id="218" name="rc217"/>
+            <p:cNvPr id="174" name="rc173"/>
             <p:cNvSpPr/>
             <p:nvPr/>
           </p:nvSpPr>
@@ -12613,14 +10757,14 @@
         </p:sp>
         <p:sp>
           <p:nvSpPr>
-            <p:cNvPr id="219" name="tx218"/>
-            <p:cNvSpPr/>
-            <p:nvPr/>
-          </p:nvSpPr>
-          <p:spPr>
-            <a:xfrm>
-              <a:off x="2472275" y="2675710"/>
-              <a:ext cx="78035" cy="84529"/>
+            <p:cNvPr id="175" name="tx174"/>
+            <p:cNvSpPr/>
+            <p:nvPr/>
+          </p:nvSpPr>
+          <p:spPr>
+            <a:xfrm>
+              <a:off x="2279397" y="2675710"/>
+              <a:ext cx="463793" cy="84529"/>
             </a:xfrm>
             <a:prstGeom prst="rect">
               <a:avLst/>
@@ -12652,14 +10796,14 @@
                   <a:latin typeface="DejaVu Sans"/>
                   <a:cs typeface="DejaVu Sans"/>
                 </a:rPr>
-                <a:t>C</a:t>
+                <a:t>Trt.ID: C</a:t>
               </a:r>
             </a:p>
           </p:txBody>
         </p:sp>
         <p:sp>
           <p:nvSpPr>
-            <p:cNvPr id="220" name="rc219"/>
+            <p:cNvPr id="176" name="rc175"/>
             <p:cNvSpPr/>
             <p:nvPr/>
           </p:nvSpPr>
@@ -12685,14 +10829,14 @@
         </p:sp>
         <p:sp>
           <p:nvSpPr>
-            <p:cNvPr id="221" name="tx220"/>
-            <p:cNvSpPr/>
-            <p:nvPr/>
-          </p:nvSpPr>
-          <p:spPr>
-            <a:xfrm>
-              <a:off x="4496794" y="2678766"/>
-              <a:ext cx="86057" cy="81473"/>
+            <p:cNvPr id="177" name="tx176"/>
+            <p:cNvSpPr/>
+            <p:nvPr/>
+          </p:nvSpPr>
+          <p:spPr>
+            <a:xfrm>
+              <a:off x="4303915" y="2678766"/>
+              <a:ext cx="471814" cy="81473"/>
             </a:xfrm>
             <a:prstGeom prst="rect">
               <a:avLst/>
@@ -12724,14 +10868,14 @@
                   <a:latin typeface="DejaVu Sans"/>
                   <a:cs typeface="DejaVu Sans"/>
                 </a:rPr>
-                <a:t>D</a:t>
+                <a:t>Trt.ID: D</a:t>
               </a:r>
             </a:p>
           </p:txBody>
         </p:sp>
         <p:sp>
           <p:nvSpPr>
-            <p:cNvPr id="222" name="rc221"/>
+            <p:cNvPr id="178" name="rc177"/>
             <p:cNvSpPr/>
             <p:nvPr/>
           </p:nvSpPr>
@@ -12757,14 +10901,14 @@
         </p:sp>
         <p:sp>
           <p:nvSpPr>
-            <p:cNvPr id="223" name="tx222"/>
-            <p:cNvSpPr/>
-            <p:nvPr/>
-          </p:nvSpPr>
-          <p:spPr>
-            <a:xfrm>
-              <a:off x="2473067" y="1051283"/>
-              <a:ext cx="76453" cy="81473"/>
+            <p:cNvPr id="179" name="tx178"/>
+            <p:cNvSpPr/>
+            <p:nvPr/>
+          </p:nvSpPr>
+          <p:spPr>
+            <a:xfrm>
+              <a:off x="2280188" y="1051283"/>
+              <a:ext cx="462210" cy="81473"/>
             </a:xfrm>
             <a:prstGeom prst="rect">
               <a:avLst/>
@@ -12796,14 +10940,14 @@
                   <a:latin typeface="DejaVu Sans"/>
                   <a:cs typeface="DejaVu Sans"/>
                 </a:rPr>
-                <a:t>A</a:t>
+                <a:t>Trt.ID: A</a:t>
               </a:r>
             </a:p>
           </p:txBody>
         </p:sp>
         <p:sp>
           <p:nvSpPr>
-            <p:cNvPr id="224" name="rc223"/>
+            <p:cNvPr id="180" name="rc179"/>
             <p:cNvSpPr/>
             <p:nvPr/>
           </p:nvSpPr>
@@ -12829,14 +10973,14 @@
         </p:sp>
         <p:sp>
           <p:nvSpPr>
-            <p:cNvPr id="225" name="tx224"/>
-            <p:cNvSpPr/>
-            <p:nvPr/>
-          </p:nvSpPr>
-          <p:spPr>
-            <a:xfrm>
-              <a:off x="4501487" y="1051283"/>
-              <a:ext cx="76671" cy="81473"/>
+            <p:cNvPr id="181" name="tx180"/>
+            <p:cNvSpPr/>
+            <p:nvPr/>
+          </p:nvSpPr>
+          <p:spPr>
+            <a:xfrm>
+              <a:off x="4308608" y="1051283"/>
+              <a:ext cx="462428" cy="81473"/>
             </a:xfrm>
             <a:prstGeom prst="rect">
               <a:avLst/>
@@ -12868,14 +11012,14 @@
                   <a:latin typeface="DejaVu Sans"/>
                   <a:cs typeface="DejaVu Sans"/>
                 </a:rPr>
-                <a:t>B</a:t>
+                <a:t>Trt.ID: B</a:t>
               </a:r>
             </a:p>
           </p:txBody>
         </p:sp>
         <p:sp>
           <p:nvSpPr>
-            <p:cNvPr id="226" name="pl225"/>
+            <p:cNvPr id="182" name="pl181"/>
             <p:cNvSpPr/>
             <p:nvPr/>
           </p:nvSpPr>
@@ -12915,13 +11059,13 @@
         </p:sp>
         <p:sp>
           <p:nvSpPr>
-            <p:cNvPr id="227" name="pl226"/>
-            <p:cNvSpPr/>
-            <p:nvPr/>
-          </p:nvSpPr>
-          <p:spPr>
-            <a:xfrm>
-              <a:off x="1798951" y="4169365"/>
+            <p:cNvPr id="183" name="pl182"/>
+            <p:cNvSpPr/>
+            <p:nvPr/>
+          </p:nvSpPr>
+          <p:spPr>
+            <a:xfrm>
+              <a:off x="1938875" y="4169365"/>
               <a:ext cx="0" cy="34794"/>
             </a:xfrm>
             <a:custGeom>
@@ -12955,13 +11099,13 @@
         </p:sp>
         <p:sp>
           <p:nvSpPr>
-            <p:cNvPr id="228" name="pl227"/>
-            <p:cNvSpPr/>
-            <p:nvPr/>
-          </p:nvSpPr>
-          <p:spPr>
-            <a:xfrm>
-              <a:off x="1977037" y="4169365"/>
+            <p:cNvPr id="184" name="pl183"/>
+            <p:cNvSpPr/>
+            <p:nvPr/>
+          </p:nvSpPr>
+          <p:spPr>
+            <a:xfrm>
+              <a:off x="2256885" y="4169365"/>
               <a:ext cx="0" cy="34794"/>
             </a:xfrm>
             <a:custGeom>
@@ -12995,13 +11139,13 @@
         </p:sp>
         <p:sp>
           <p:nvSpPr>
-            <p:cNvPr id="229" name="pl228"/>
-            <p:cNvSpPr/>
-            <p:nvPr/>
-          </p:nvSpPr>
-          <p:spPr>
-            <a:xfrm>
-              <a:off x="2155122" y="4169365"/>
+            <p:cNvPr id="185" name="pl184"/>
+            <p:cNvSpPr/>
+            <p:nvPr/>
+          </p:nvSpPr>
+          <p:spPr>
+            <a:xfrm>
+              <a:off x="2574895" y="4169365"/>
               <a:ext cx="0" cy="34794"/>
             </a:xfrm>
             <a:custGeom>
@@ -13035,13 +11179,13 @@
         </p:sp>
         <p:sp>
           <p:nvSpPr>
-            <p:cNvPr id="230" name="pl229"/>
-            <p:cNvSpPr/>
-            <p:nvPr/>
-          </p:nvSpPr>
-          <p:spPr>
-            <a:xfrm>
-              <a:off x="2333208" y="4169365"/>
+            <p:cNvPr id="186" name="pl185"/>
+            <p:cNvSpPr/>
+            <p:nvPr/>
+          </p:nvSpPr>
+          <p:spPr>
+            <a:xfrm>
+              <a:off x="2892905" y="4169365"/>
               <a:ext cx="0" cy="34794"/>
             </a:xfrm>
             <a:custGeom>
@@ -13075,13 +11219,13 @@
         </p:sp>
         <p:sp>
           <p:nvSpPr>
-            <p:cNvPr id="231" name="pl230"/>
-            <p:cNvSpPr/>
-            <p:nvPr/>
-          </p:nvSpPr>
-          <p:spPr>
-            <a:xfrm>
-              <a:off x="2511293" y="4169365"/>
+            <p:cNvPr id="187" name="pl186"/>
+            <p:cNvSpPr/>
+            <p:nvPr/>
+          </p:nvSpPr>
+          <p:spPr>
+            <a:xfrm>
+              <a:off x="3210915" y="4169365"/>
               <a:ext cx="0" cy="34794"/>
             </a:xfrm>
             <a:custGeom>
@@ -13115,207 +11259,7 @@
         </p:sp>
         <p:sp>
           <p:nvSpPr>
-            <p:cNvPr id="232" name="pl231"/>
-            <p:cNvSpPr/>
-            <p:nvPr/>
-          </p:nvSpPr>
-          <p:spPr>
-            <a:xfrm>
-              <a:off x="2689379" y="4169365"/>
-              <a:ext cx="0" cy="34794"/>
-            </a:xfrm>
-            <a:custGeom>
-              <a:avLst/>
-              <a:pathLst>
-                <a:path w="0" h="34794">
-                  <a:moveTo>
-                    <a:pt x="0" y="34794"/>
-                  </a:moveTo>
-                  <a:lnTo>
-                    <a:pt x="0" y="0"/>
-                  </a:lnTo>
-                </a:path>
-              </a:pathLst>
-            </a:custGeom>
-            <a:ln w="13550" cap="flat">
-              <a:solidFill>
-                <a:srgbClr val="000000">
-                  <a:alpha val="100000"/>
-                </a:srgbClr>
-              </a:solidFill>
-              <a:prstDash val="solid"/>
-              <a:round/>
-            </a:ln>
-          </p:spPr>
-          <p:txBody>
-            <a:bodyPr/>
-            <a:lstStyle/>
-            <a:p/>
-          </p:txBody>
-        </p:sp>
-        <p:sp>
-          <p:nvSpPr>
-            <p:cNvPr id="233" name="pl232"/>
-            <p:cNvSpPr/>
-            <p:nvPr/>
-          </p:nvSpPr>
-          <p:spPr>
-            <a:xfrm>
-              <a:off x="2867464" y="4169365"/>
-              <a:ext cx="0" cy="34794"/>
-            </a:xfrm>
-            <a:custGeom>
-              <a:avLst/>
-              <a:pathLst>
-                <a:path w="0" h="34794">
-                  <a:moveTo>
-                    <a:pt x="0" y="34794"/>
-                  </a:moveTo>
-                  <a:lnTo>
-                    <a:pt x="0" y="0"/>
-                  </a:lnTo>
-                </a:path>
-              </a:pathLst>
-            </a:custGeom>
-            <a:ln w="13550" cap="flat">
-              <a:solidFill>
-                <a:srgbClr val="000000">
-                  <a:alpha val="100000"/>
-                </a:srgbClr>
-              </a:solidFill>
-              <a:prstDash val="solid"/>
-              <a:round/>
-            </a:ln>
-          </p:spPr>
-          <p:txBody>
-            <a:bodyPr/>
-            <a:lstStyle/>
-            <a:p/>
-          </p:txBody>
-        </p:sp>
-        <p:sp>
-          <p:nvSpPr>
-            <p:cNvPr id="234" name="pl233"/>
-            <p:cNvSpPr/>
-            <p:nvPr/>
-          </p:nvSpPr>
-          <p:spPr>
-            <a:xfrm>
-              <a:off x="3045550" y="4169365"/>
-              <a:ext cx="0" cy="34794"/>
-            </a:xfrm>
-            <a:custGeom>
-              <a:avLst/>
-              <a:pathLst>
-                <a:path w="0" h="34794">
-                  <a:moveTo>
-                    <a:pt x="0" y="34794"/>
-                  </a:moveTo>
-                  <a:lnTo>
-                    <a:pt x="0" y="0"/>
-                  </a:lnTo>
-                </a:path>
-              </a:pathLst>
-            </a:custGeom>
-            <a:ln w="13550" cap="flat">
-              <a:solidFill>
-                <a:srgbClr val="000000">
-                  <a:alpha val="100000"/>
-                </a:srgbClr>
-              </a:solidFill>
-              <a:prstDash val="solid"/>
-              <a:round/>
-            </a:ln>
-          </p:spPr>
-          <p:txBody>
-            <a:bodyPr/>
-            <a:lstStyle/>
-            <a:p/>
-          </p:txBody>
-        </p:sp>
-        <p:sp>
-          <p:nvSpPr>
-            <p:cNvPr id="235" name="pl234"/>
-            <p:cNvSpPr/>
-            <p:nvPr/>
-          </p:nvSpPr>
-          <p:spPr>
-            <a:xfrm>
-              <a:off x="3223635" y="4169365"/>
-              <a:ext cx="0" cy="34794"/>
-            </a:xfrm>
-            <a:custGeom>
-              <a:avLst/>
-              <a:pathLst>
-                <a:path w="0" h="34794">
-                  <a:moveTo>
-                    <a:pt x="0" y="34794"/>
-                  </a:moveTo>
-                  <a:lnTo>
-                    <a:pt x="0" y="0"/>
-                  </a:lnTo>
-                </a:path>
-              </a:pathLst>
-            </a:custGeom>
-            <a:ln w="13550" cap="flat">
-              <a:solidFill>
-                <a:srgbClr val="000000">
-                  <a:alpha val="100000"/>
-                </a:srgbClr>
-              </a:solidFill>
-              <a:prstDash val="solid"/>
-              <a:round/>
-            </a:ln>
-          </p:spPr>
-          <p:txBody>
-            <a:bodyPr/>
-            <a:lstStyle/>
-            <a:p/>
-          </p:txBody>
-        </p:sp>
-        <p:sp>
-          <p:nvSpPr>
-            <p:cNvPr id="236" name="pl235"/>
-            <p:cNvSpPr/>
-            <p:nvPr/>
-          </p:nvSpPr>
-          <p:spPr>
-            <a:xfrm>
-              <a:off x="3401721" y="4169365"/>
-              <a:ext cx="0" cy="34794"/>
-            </a:xfrm>
-            <a:custGeom>
-              <a:avLst/>
-              <a:pathLst>
-                <a:path w="0" h="34794">
-                  <a:moveTo>
-                    <a:pt x="0" y="34794"/>
-                  </a:moveTo>
-                  <a:lnTo>
-                    <a:pt x="0" y="0"/>
-                  </a:lnTo>
-                </a:path>
-              </a:pathLst>
-            </a:custGeom>
-            <a:ln w="13550" cap="flat">
-              <a:solidFill>
-                <a:srgbClr val="000000">
-                  <a:alpha val="100000"/>
-                </a:srgbClr>
-              </a:solidFill>
-              <a:prstDash val="solid"/>
-              <a:round/>
-            </a:ln>
-          </p:spPr>
-          <p:txBody>
-            <a:bodyPr/>
-            <a:lstStyle/>
-            <a:p/>
-          </p:txBody>
-        </p:sp>
-        <p:sp>
-          <p:nvSpPr>
-            <p:cNvPr id="237" name="tx236"/>
+            <p:cNvPr id="188" name="tx187"/>
             <p:cNvSpPr/>
             <p:nvPr/>
           </p:nvSpPr>
@@ -13361,59 +11305,13 @@
         </p:sp>
         <p:sp>
           <p:nvSpPr>
-            <p:cNvPr id="238" name="tx237"/>
-            <p:cNvSpPr/>
-            <p:nvPr/>
-          </p:nvSpPr>
-          <p:spPr>
-            <a:xfrm>
-              <a:off x="1763399" y="4230412"/>
-              <a:ext cx="71105" cy="83056"/>
-            </a:xfrm>
-            <a:prstGeom prst="rect">
-              <a:avLst/>
-            </a:prstGeom>
-            <a:noFill/>
-          </p:spPr>
-          <p:txBody>
-            <a:bodyPr lIns="0" rIns="0" tIns="0" bIns="0" anchorCtr="1" anchor="ctr" wrap="none"/>
-            <a:lstStyle/>
-            <a:p>
-              <a:pPr algn="l" marL="0" marR="0" indent="0">
-                <a:lnSpc>
-                  <a:spcPts val="880"/>
-                </a:lnSpc>
-                <a:spcBef>
-                  <a:spcPts val="0"/>
-                </a:spcBef>
-                <a:spcAft>
-                  <a:spcPts val="0"/>
-                </a:spcAft>
-              </a:pPr>
-              <a:r>
-                <a:rPr sz="880">
-                  <a:solidFill>
-                    <a:srgbClr val="4D4D4D">
-                      <a:alpha val="100000"/>
-                    </a:srgbClr>
-                  </a:solidFill>
-                  <a:latin typeface="DejaVu Sans"/>
-                  <a:cs typeface="DejaVu Sans"/>
-                </a:rPr>
-                <a:t>5</a:t>
-              </a:r>
-            </a:p>
-          </p:txBody>
-        </p:sp>
-        <p:sp>
-          <p:nvSpPr>
-            <p:cNvPr id="239" name="tx238"/>
-            <p:cNvSpPr/>
-            <p:nvPr/>
-          </p:nvSpPr>
-          <p:spPr>
-            <a:xfrm>
-              <a:off x="1905932" y="4228939"/>
+            <p:cNvPr id="189" name="tx188"/>
+            <p:cNvSpPr/>
+            <p:nvPr/>
+          </p:nvSpPr>
+          <p:spPr>
+            <a:xfrm>
+              <a:off x="1867770" y="4228939"/>
               <a:ext cx="142210" cy="84529"/>
             </a:xfrm>
             <a:prstGeom prst="rect">
@@ -13453,59 +11351,13 @@
         </p:sp>
         <p:sp>
           <p:nvSpPr>
-            <p:cNvPr id="240" name="tx239"/>
-            <p:cNvSpPr/>
-            <p:nvPr/>
-          </p:nvSpPr>
-          <p:spPr>
-            <a:xfrm>
-              <a:off x="2084017" y="4230412"/>
-              <a:ext cx="142210" cy="83056"/>
-            </a:xfrm>
-            <a:prstGeom prst="rect">
-              <a:avLst/>
-            </a:prstGeom>
-            <a:noFill/>
-          </p:spPr>
-          <p:txBody>
-            <a:bodyPr lIns="0" rIns="0" tIns="0" bIns="0" anchorCtr="1" anchor="ctr" wrap="none"/>
-            <a:lstStyle/>
-            <a:p>
-              <a:pPr algn="l" marL="0" marR="0" indent="0">
-                <a:lnSpc>
-                  <a:spcPts val="880"/>
-                </a:lnSpc>
-                <a:spcBef>
-                  <a:spcPts val="0"/>
-                </a:spcBef>
-                <a:spcAft>
-                  <a:spcPts val="0"/>
-                </a:spcAft>
-              </a:pPr>
-              <a:r>
-                <a:rPr sz="880">
-                  <a:solidFill>
-                    <a:srgbClr val="4D4D4D">
-                      <a:alpha val="100000"/>
-                    </a:srgbClr>
-                  </a:solidFill>
-                  <a:latin typeface="DejaVu Sans"/>
-                  <a:cs typeface="DejaVu Sans"/>
-                </a:rPr>
-                <a:t>15</a:t>
-              </a:r>
-            </a:p>
-          </p:txBody>
-        </p:sp>
-        <p:sp>
-          <p:nvSpPr>
-            <p:cNvPr id="241" name="tx240"/>
-            <p:cNvSpPr/>
-            <p:nvPr/>
-          </p:nvSpPr>
-          <p:spPr>
-            <a:xfrm>
-              <a:off x="2262103" y="4228939"/>
+            <p:cNvPr id="190" name="tx189"/>
+            <p:cNvSpPr/>
+            <p:nvPr/>
+          </p:nvSpPr>
+          <p:spPr>
+            <a:xfrm>
+              <a:off x="2185780" y="4228939"/>
               <a:ext cx="142210" cy="84529"/>
             </a:xfrm>
             <a:prstGeom prst="rect">
@@ -13545,59 +11397,13 @@
         </p:sp>
         <p:sp>
           <p:nvSpPr>
-            <p:cNvPr id="242" name="tx241"/>
-            <p:cNvSpPr/>
-            <p:nvPr/>
-          </p:nvSpPr>
-          <p:spPr>
-            <a:xfrm>
-              <a:off x="2440188" y="4228939"/>
-              <a:ext cx="142210" cy="84529"/>
-            </a:xfrm>
-            <a:prstGeom prst="rect">
-              <a:avLst/>
-            </a:prstGeom>
-            <a:noFill/>
-          </p:spPr>
-          <p:txBody>
-            <a:bodyPr lIns="0" rIns="0" tIns="0" bIns="0" anchorCtr="1" anchor="ctr" wrap="none"/>
-            <a:lstStyle/>
-            <a:p>
-              <a:pPr algn="l" marL="0" marR="0" indent="0">
-                <a:lnSpc>
-                  <a:spcPts val="880"/>
-                </a:lnSpc>
-                <a:spcBef>
-                  <a:spcPts val="0"/>
-                </a:spcBef>
-                <a:spcAft>
-                  <a:spcPts val="0"/>
-                </a:spcAft>
-              </a:pPr>
-              <a:r>
-                <a:rPr sz="880">
-                  <a:solidFill>
-                    <a:srgbClr val="4D4D4D">
-                      <a:alpha val="100000"/>
-                    </a:srgbClr>
-                  </a:solidFill>
-                  <a:latin typeface="DejaVu Sans"/>
-                  <a:cs typeface="DejaVu Sans"/>
-                </a:rPr>
-                <a:t>25</a:t>
-              </a:r>
-            </a:p>
-          </p:txBody>
-        </p:sp>
-        <p:sp>
-          <p:nvSpPr>
-            <p:cNvPr id="243" name="tx242"/>
-            <p:cNvSpPr/>
-            <p:nvPr/>
-          </p:nvSpPr>
-          <p:spPr>
-            <a:xfrm>
-              <a:off x="2618274" y="4228939"/>
+            <p:cNvPr id="191" name="tx190"/>
+            <p:cNvSpPr/>
+            <p:nvPr/>
+          </p:nvSpPr>
+          <p:spPr>
+            <a:xfrm>
+              <a:off x="2503790" y="4228939"/>
               <a:ext cx="142210" cy="84529"/>
             </a:xfrm>
             <a:prstGeom prst="rect">
@@ -13637,59 +11443,13 @@
         </p:sp>
         <p:sp>
           <p:nvSpPr>
-            <p:cNvPr id="244" name="tx243"/>
-            <p:cNvSpPr/>
-            <p:nvPr/>
-          </p:nvSpPr>
-          <p:spPr>
-            <a:xfrm>
-              <a:off x="2796359" y="4228939"/>
-              <a:ext cx="142210" cy="84529"/>
-            </a:xfrm>
-            <a:prstGeom prst="rect">
-              <a:avLst/>
-            </a:prstGeom>
-            <a:noFill/>
-          </p:spPr>
-          <p:txBody>
-            <a:bodyPr lIns="0" rIns="0" tIns="0" bIns="0" anchorCtr="1" anchor="ctr" wrap="none"/>
-            <a:lstStyle/>
-            <a:p>
-              <a:pPr algn="l" marL="0" marR="0" indent="0">
-                <a:lnSpc>
-                  <a:spcPts val="880"/>
-                </a:lnSpc>
-                <a:spcBef>
-                  <a:spcPts val="0"/>
-                </a:spcBef>
-                <a:spcAft>
-                  <a:spcPts val="0"/>
-                </a:spcAft>
-              </a:pPr>
-              <a:r>
-                <a:rPr sz="880">
-                  <a:solidFill>
-                    <a:srgbClr val="4D4D4D">
-                      <a:alpha val="100000"/>
-                    </a:srgbClr>
-                  </a:solidFill>
-                  <a:latin typeface="DejaVu Sans"/>
-                  <a:cs typeface="DejaVu Sans"/>
-                </a:rPr>
-                <a:t>35</a:t>
-              </a:r>
-            </a:p>
-          </p:txBody>
-        </p:sp>
-        <p:sp>
-          <p:nvSpPr>
-            <p:cNvPr id="245" name="tx244"/>
-            <p:cNvSpPr/>
-            <p:nvPr/>
-          </p:nvSpPr>
-          <p:spPr>
-            <a:xfrm>
-              <a:off x="2974445" y="4228939"/>
+            <p:cNvPr id="192" name="tx191"/>
+            <p:cNvSpPr/>
+            <p:nvPr/>
+          </p:nvSpPr>
+          <p:spPr>
+            <a:xfrm>
+              <a:off x="2821800" y="4228939"/>
               <a:ext cx="142210" cy="84529"/>
             </a:xfrm>
             <a:prstGeom prst="rect">
@@ -13729,59 +11489,13 @@
         </p:sp>
         <p:sp>
           <p:nvSpPr>
-            <p:cNvPr id="246" name="tx245"/>
-            <p:cNvSpPr/>
-            <p:nvPr/>
-          </p:nvSpPr>
-          <p:spPr>
-            <a:xfrm>
-              <a:off x="3152530" y="4230412"/>
-              <a:ext cx="142210" cy="83056"/>
-            </a:xfrm>
-            <a:prstGeom prst="rect">
-              <a:avLst/>
-            </a:prstGeom>
-            <a:noFill/>
-          </p:spPr>
-          <p:txBody>
-            <a:bodyPr lIns="0" rIns="0" tIns="0" bIns="0" anchorCtr="1" anchor="ctr" wrap="none"/>
-            <a:lstStyle/>
-            <a:p>
-              <a:pPr algn="l" marL="0" marR="0" indent="0">
-                <a:lnSpc>
-                  <a:spcPts val="880"/>
-                </a:lnSpc>
-                <a:spcBef>
-                  <a:spcPts val="0"/>
-                </a:spcBef>
-                <a:spcAft>
-                  <a:spcPts val="0"/>
-                </a:spcAft>
-              </a:pPr>
-              <a:r>
-                <a:rPr sz="880">
-                  <a:solidFill>
-                    <a:srgbClr val="4D4D4D">
-                      <a:alpha val="100000"/>
-                    </a:srgbClr>
-                  </a:solidFill>
-                  <a:latin typeface="DejaVu Sans"/>
-                  <a:cs typeface="DejaVu Sans"/>
-                </a:rPr>
-                <a:t>45</a:t>
-              </a:r>
-            </a:p>
-          </p:txBody>
-        </p:sp>
-        <p:sp>
-          <p:nvSpPr>
-            <p:cNvPr id="247" name="tx246"/>
-            <p:cNvSpPr/>
-            <p:nvPr/>
-          </p:nvSpPr>
-          <p:spPr>
-            <a:xfrm>
-              <a:off x="3330616" y="4228939"/>
+            <p:cNvPr id="193" name="tx192"/>
+            <p:cNvSpPr/>
+            <p:nvPr/>
+          </p:nvSpPr>
+          <p:spPr>
+            <a:xfrm>
+              <a:off x="3139810" y="4228939"/>
               <a:ext cx="142210" cy="84529"/>
             </a:xfrm>
             <a:prstGeom prst="rect">
@@ -13821,7 +11535,7 @@
         </p:sp>
         <p:sp>
           <p:nvSpPr>
-            <p:cNvPr id="248" name="pl247"/>
+            <p:cNvPr id="194" name="pl193"/>
             <p:cNvSpPr/>
             <p:nvPr/>
           </p:nvSpPr>
@@ -13861,13 +11575,13 @@
         </p:sp>
         <p:sp>
           <p:nvSpPr>
-            <p:cNvPr id="249" name="pl248"/>
-            <p:cNvSpPr/>
-            <p:nvPr/>
-          </p:nvSpPr>
-          <p:spPr>
-            <a:xfrm>
-              <a:off x="3827481" y="4169365"/>
+            <p:cNvPr id="195" name="pl194"/>
+            <p:cNvSpPr/>
+            <p:nvPr/>
+          </p:nvSpPr>
+          <p:spPr>
+            <a:xfrm>
+              <a:off x="3967405" y="4169365"/>
               <a:ext cx="0" cy="34794"/>
             </a:xfrm>
             <a:custGeom>
@@ -13901,13 +11615,13 @@
         </p:sp>
         <p:sp>
           <p:nvSpPr>
-            <p:cNvPr id="250" name="pl249"/>
-            <p:cNvSpPr/>
-            <p:nvPr/>
-          </p:nvSpPr>
-          <p:spPr>
-            <a:xfrm>
-              <a:off x="4005566" y="4169365"/>
+            <p:cNvPr id="196" name="pl195"/>
+            <p:cNvSpPr/>
+            <p:nvPr/>
+          </p:nvSpPr>
+          <p:spPr>
+            <a:xfrm>
+              <a:off x="4285415" y="4169365"/>
               <a:ext cx="0" cy="34794"/>
             </a:xfrm>
             <a:custGeom>
@@ -13941,13 +11655,13 @@
         </p:sp>
         <p:sp>
           <p:nvSpPr>
-            <p:cNvPr id="251" name="pl250"/>
-            <p:cNvSpPr/>
-            <p:nvPr/>
-          </p:nvSpPr>
-          <p:spPr>
-            <a:xfrm>
-              <a:off x="4183652" y="4169365"/>
+            <p:cNvPr id="197" name="pl196"/>
+            <p:cNvSpPr/>
+            <p:nvPr/>
+          </p:nvSpPr>
+          <p:spPr>
+            <a:xfrm>
+              <a:off x="4603425" y="4169365"/>
               <a:ext cx="0" cy="34794"/>
             </a:xfrm>
             <a:custGeom>
@@ -13981,13 +11695,13 @@
         </p:sp>
         <p:sp>
           <p:nvSpPr>
-            <p:cNvPr id="252" name="pl251"/>
-            <p:cNvSpPr/>
-            <p:nvPr/>
-          </p:nvSpPr>
-          <p:spPr>
-            <a:xfrm>
-              <a:off x="4361737" y="4169365"/>
+            <p:cNvPr id="198" name="pl197"/>
+            <p:cNvSpPr/>
+            <p:nvPr/>
+          </p:nvSpPr>
+          <p:spPr>
+            <a:xfrm>
+              <a:off x="4921435" y="4169365"/>
               <a:ext cx="0" cy="34794"/>
             </a:xfrm>
             <a:custGeom>
@@ -14021,13 +11735,13 @@
         </p:sp>
         <p:sp>
           <p:nvSpPr>
-            <p:cNvPr id="253" name="pl252"/>
-            <p:cNvSpPr/>
-            <p:nvPr/>
-          </p:nvSpPr>
-          <p:spPr>
-            <a:xfrm>
-              <a:off x="4539823" y="4169365"/>
+            <p:cNvPr id="199" name="pl198"/>
+            <p:cNvSpPr/>
+            <p:nvPr/>
+          </p:nvSpPr>
+          <p:spPr>
+            <a:xfrm>
+              <a:off x="5239444" y="4169365"/>
               <a:ext cx="0" cy="34794"/>
             </a:xfrm>
             <a:custGeom>
@@ -14061,207 +11775,7 @@
         </p:sp>
         <p:sp>
           <p:nvSpPr>
-            <p:cNvPr id="254" name="pl253"/>
-            <p:cNvSpPr/>
-            <p:nvPr/>
-          </p:nvSpPr>
-          <p:spPr>
-            <a:xfrm>
-              <a:off x="4717908" y="4169365"/>
-              <a:ext cx="0" cy="34794"/>
-            </a:xfrm>
-            <a:custGeom>
-              <a:avLst/>
-              <a:pathLst>
-                <a:path w="0" h="34794">
-                  <a:moveTo>
-                    <a:pt x="0" y="34794"/>
-                  </a:moveTo>
-                  <a:lnTo>
-                    <a:pt x="0" y="0"/>
-                  </a:lnTo>
-                </a:path>
-              </a:pathLst>
-            </a:custGeom>
-            <a:ln w="13550" cap="flat">
-              <a:solidFill>
-                <a:srgbClr val="000000">
-                  <a:alpha val="100000"/>
-                </a:srgbClr>
-              </a:solidFill>
-              <a:prstDash val="solid"/>
-              <a:round/>
-            </a:ln>
-          </p:spPr>
-          <p:txBody>
-            <a:bodyPr/>
-            <a:lstStyle/>
-            <a:p/>
-          </p:txBody>
-        </p:sp>
-        <p:sp>
-          <p:nvSpPr>
-            <p:cNvPr id="255" name="pl254"/>
-            <p:cNvSpPr/>
-            <p:nvPr/>
-          </p:nvSpPr>
-          <p:spPr>
-            <a:xfrm>
-              <a:off x="4895994" y="4169365"/>
-              <a:ext cx="0" cy="34794"/>
-            </a:xfrm>
-            <a:custGeom>
-              <a:avLst/>
-              <a:pathLst>
-                <a:path w="0" h="34794">
-                  <a:moveTo>
-                    <a:pt x="0" y="34794"/>
-                  </a:moveTo>
-                  <a:lnTo>
-                    <a:pt x="0" y="0"/>
-                  </a:lnTo>
-                </a:path>
-              </a:pathLst>
-            </a:custGeom>
-            <a:ln w="13550" cap="flat">
-              <a:solidFill>
-                <a:srgbClr val="000000">
-                  <a:alpha val="100000"/>
-                </a:srgbClr>
-              </a:solidFill>
-              <a:prstDash val="solid"/>
-              <a:round/>
-            </a:ln>
-          </p:spPr>
-          <p:txBody>
-            <a:bodyPr/>
-            <a:lstStyle/>
-            <a:p/>
-          </p:txBody>
-        </p:sp>
-        <p:sp>
-          <p:nvSpPr>
-            <p:cNvPr id="256" name="pl255"/>
-            <p:cNvSpPr/>
-            <p:nvPr/>
-          </p:nvSpPr>
-          <p:spPr>
-            <a:xfrm>
-              <a:off x="5074079" y="4169365"/>
-              <a:ext cx="0" cy="34794"/>
-            </a:xfrm>
-            <a:custGeom>
-              <a:avLst/>
-              <a:pathLst>
-                <a:path w="0" h="34794">
-                  <a:moveTo>
-                    <a:pt x="0" y="34794"/>
-                  </a:moveTo>
-                  <a:lnTo>
-                    <a:pt x="0" y="0"/>
-                  </a:lnTo>
-                </a:path>
-              </a:pathLst>
-            </a:custGeom>
-            <a:ln w="13550" cap="flat">
-              <a:solidFill>
-                <a:srgbClr val="000000">
-                  <a:alpha val="100000"/>
-                </a:srgbClr>
-              </a:solidFill>
-              <a:prstDash val="solid"/>
-              <a:round/>
-            </a:ln>
-          </p:spPr>
-          <p:txBody>
-            <a:bodyPr/>
-            <a:lstStyle/>
-            <a:p/>
-          </p:txBody>
-        </p:sp>
-        <p:sp>
-          <p:nvSpPr>
-            <p:cNvPr id="257" name="pl256"/>
-            <p:cNvSpPr/>
-            <p:nvPr/>
-          </p:nvSpPr>
-          <p:spPr>
-            <a:xfrm>
-              <a:off x="5252165" y="4169365"/>
-              <a:ext cx="0" cy="34794"/>
-            </a:xfrm>
-            <a:custGeom>
-              <a:avLst/>
-              <a:pathLst>
-                <a:path w="0" h="34794">
-                  <a:moveTo>
-                    <a:pt x="0" y="34794"/>
-                  </a:moveTo>
-                  <a:lnTo>
-                    <a:pt x="0" y="0"/>
-                  </a:lnTo>
-                </a:path>
-              </a:pathLst>
-            </a:custGeom>
-            <a:ln w="13550" cap="flat">
-              <a:solidFill>
-                <a:srgbClr val="000000">
-                  <a:alpha val="100000"/>
-                </a:srgbClr>
-              </a:solidFill>
-              <a:prstDash val="solid"/>
-              <a:round/>
-            </a:ln>
-          </p:spPr>
-          <p:txBody>
-            <a:bodyPr/>
-            <a:lstStyle/>
-            <a:p/>
-          </p:txBody>
-        </p:sp>
-        <p:sp>
-          <p:nvSpPr>
-            <p:cNvPr id="258" name="pl257"/>
-            <p:cNvSpPr/>
-            <p:nvPr/>
-          </p:nvSpPr>
-          <p:spPr>
-            <a:xfrm>
-              <a:off x="5430250" y="4169365"/>
-              <a:ext cx="0" cy="34794"/>
-            </a:xfrm>
-            <a:custGeom>
-              <a:avLst/>
-              <a:pathLst>
-                <a:path w="0" h="34794">
-                  <a:moveTo>
-                    <a:pt x="0" y="34794"/>
-                  </a:moveTo>
-                  <a:lnTo>
-                    <a:pt x="0" y="0"/>
-                  </a:lnTo>
-                </a:path>
-              </a:pathLst>
-            </a:custGeom>
-            <a:ln w="13550" cap="flat">
-              <a:solidFill>
-                <a:srgbClr val="000000">
-                  <a:alpha val="100000"/>
-                </a:srgbClr>
-              </a:solidFill>
-              <a:prstDash val="solid"/>
-              <a:round/>
-            </a:ln>
-          </p:spPr>
-          <p:txBody>
-            <a:bodyPr/>
-            <a:lstStyle/>
-            <a:p/>
-          </p:txBody>
-        </p:sp>
-        <p:sp>
-          <p:nvSpPr>
-            <p:cNvPr id="259" name="tx258"/>
+            <p:cNvPr id="200" name="tx199"/>
             <p:cNvSpPr/>
             <p:nvPr/>
           </p:nvSpPr>
@@ -14307,59 +11821,13 @@
         </p:sp>
         <p:sp>
           <p:nvSpPr>
-            <p:cNvPr id="260" name="tx259"/>
-            <p:cNvSpPr/>
-            <p:nvPr/>
-          </p:nvSpPr>
-          <p:spPr>
-            <a:xfrm>
-              <a:off x="3791928" y="4230412"/>
-              <a:ext cx="71105" cy="83056"/>
-            </a:xfrm>
-            <a:prstGeom prst="rect">
-              <a:avLst/>
-            </a:prstGeom>
-            <a:noFill/>
-          </p:spPr>
-          <p:txBody>
-            <a:bodyPr lIns="0" rIns="0" tIns="0" bIns="0" anchorCtr="1" anchor="ctr" wrap="none"/>
-            <a:lstStyle/>
-            <a:p>
-              <a:pPr algn="l" marL="0" marR="0" indent="0">
-                <a:lnSpc>
-                  <a:spcPts val="880"/>
-                </a:lnSpc>
-                <a:spcBef>
-                  <a:spcPts val="0"/>
-                </a:spcBef>
-                <a:spcAft>
-                  <a:spcPts val="0"/>
-                </a:spcAft>
-              </a:pPr>
-              <a:r>
-                <a:rPr sz="880">
-                  <a:solidFill>
-                    <a:srgbClr val="4D4D4D">
-                      <a:alpha val="100000"/>
-                    </a:srgbClr>
-                  </a:solidFill>
-                  <a:latin typeface="DejaVu Sans"/>
-                  <a:cs typeface="DejaVu Sans"/>
-                </a:rPr>
-                <a:t>5</a:t>
-              </a:r>
-            </a:p>
-          </p:txBody>
-        </p:sp>
-        <p:sp>
-          <p:nvSpPr>
-            <p:cNvPr id="261" name="tx260"/>
-            <p:cNvSpPr/>
-            <p:nvPr/>
-          </p:nvSpPr>
-          <p:spPr>
-            <a:xfrm>
-              <a:off x="3934461" y="4228939"/>
+            <p:cNvPr id="201" name="tx200"/>
+            <p:cNvSpPr/>
+            <p:nvPr/>
+          </p:nvSpPr>
+          <p:spPr>
+            <a:xfrm>
+              <a:off x="3896300" y="4228939"/>
               <a:ext cx="142210" cy="84529"/>
             </a:xfrm>
             <a:prstGeom prst="rect">
@@ -14399,59 +11867,13 @@
         </p:sp>
         <p:sp>
           <p:nvSpPr>
-            <p:cNvPr id="262" name="tx261"/>
-            <p:cNvSpPr/>
-            <p:nvPr/>
-          </p:nvSpPr>
-          <p:spPr>
-            <a:xfrm>
-              <a:off x="4112547" y="4230412"/>
-              <a:ext cx="142210" cy="83056"/>
-            </a:xfrm>
-            <a:prstGeom prst="rect">
-              <a:avLst/>
-            </a:prstGeom>
-            <a:noFill/>
-          </p:spPr>
-          <p:txBody>
-            <a:bodyPr lIns="0" rIns="0" tIns="0" bIns="0" anchorCtr="1" anchor="ctr" wrap="none"/>
-            <a:lstStyle/>
-            <a:p>
-              <a:pPr algn="l" marL="0" marR="0" indent="0">
-                <a:lnSpc>
-                  <a:spcPts val="880"/>
-                </a:lnSpc>
-                <a:spcBef>
-                  <a:spcPts val="0"/>
-                </a:spcBef>
-                <a:spcAft>
-                  <a:spcPts val="0"/>
-                </a:spcAft>
-              </a:pPr>
-              <a:r>
-                <a:rPr sz="880">
-                  <a:solidFill>
-                    <a:srgbClr val="4D4D4D">
-                      <a:alpha val="100000"/>
-                    </a:srgbClr>
-                  </a:solidFill>
-                  <a:latin typeface="DejaVu Sans"/>
-                  <a:cs typeface="DejaVu Sans"/>
-                </a:rPr>
-                <a:t>15</a:t>
-              </a:r>
-            </a:p>
-          </p:txBody>
-        </p:sp>
-        <p:sp>
-          <p:nvSpPr>
-            <p:cNvPr id="263" name="tx262"/>
-            <p:cNvSpPr/>
-            <p:nvPr/>
-          </p:nvSpPr>
-          <p:spPr>
-            <a:xfrm>
-              <a:off x="4290632" y="4228939"/>
+            <p:cNvPr id="202" name="tx201"/>
+            <p:cNvSpPr/>
+            <p:nvPr/>
+          </p:nvSpPr>
+          <p:spPr>
+            <a:xfrm>
+              <a:off x="4214310" y="4228939"/>
               <a:ext cx="142210" cy="84529"/>
             </a:xfrm>
             <a:prstGeom prst="rect">
@@ -14491,59 +11913,13 @@
         </p:sp>
         <p:sp>
           <p:nvSpPr>
-            <p:cNvPr id="264" name="tx263"/>
-            <p:cNvSpPr/>
-            <p:nvPr/>
-          </p:nvSpPr>
-          <p:spPr>
-            <a:xfrm>
-              <a:off x="4468718" y="4228939"/>
-              <a:ext cx="142210" cy="84529"/>
-            </a:xfrm>
-            <a:prstGeom prst="rect">
-              <a:avLst/>
-            </a:prstGeom>
-            <a:noFill/>
-          </p:spPr>
-          <p:txBody>
-            <a:bodyPr lIns="0" rIns="0" tIns="0" bIns="0" anchorCtr="1" anchor="ctr" wrap="none"/>
-            <a:lstStyle/>
-            <a:p>
-              <a:pPr algn="l" marL="0" marR="0" indent="0">
-                <a:lnSpc>
-                  <a:spcPts val="880"/>
-                </a:lnSpc>
-                <a:spcBef>
-                  <a:spcPts val="0"/>
-                </a:spcBef>
-                <a:spcAft>
-                  <a:spcPts val="0"/>
-                </a:spcAft>
-              </a:pPr>
-              <a:r>
-                <a:rPr sz="880">
-                  <a:solidFill>
-                    <a:srgbClr val="4D4D4D">
-                      <a:alpha val="100000"/>
-                    </a:srgbClr>
-                  </a:solidFill>
-                  <a:latin typeface="DejaVu Sans"/>
-                  <a:cs typeface="DejaVu Sans"/>
-                </a:rPr>
-                <a:t>25</a:t>
-              </a:r>
-            </a:p>
-          </p:txBody>
-        </p:sp>
-        <p:sp>
-          <p:nvSpPr>
-            <p:cNvPr id="265" name="tx264"/>
-            <p:cNvSpPr/>
-            <p:nvPr/>
-          </p:nvSpPr>
-          <p:spPr>
-            <a:xfrm>
-              <a:off x="4646803" y="4228939"/>
+            <p:cNvPr id="203" name="tx202"/>
+            <p:cNvSpPr/>
+            <p:nvPr/>
+          </p:nvSpPr>
+          <p:spPr>
+            <a:xfrm>
+              <a:off x="4532320" y="4228939"/>
               <a:ext cx="142210" cy="84529"/>
             </a:xfrm>
             <a:prstGeom prst="rect">
@@ -14583,59 +11959,13 @@
         </p:sp>
         <p:sp>
           <p:nvSpPr>
-            <p:cNvPr id="266" name="tx265"/>
-            <p:cNvSpPr/>
-            <p:nvPr/>
-          </p:nvSpPr>
-          <p:spPr>
-            <a:xfrm>
-              <a:off x="4824889" y="4228939"/>
-              <a:ext cx="142210" cy="84529"/>
-            </a:xfrm>
-            <a:prstGeom prst="rect">
-              <a:avLst/>
-            </a:prstGeom>
-            <a:noFill/>
-          </p:spPr>
-          <p:txBody>
-            <a:bodyPr lIns="0" rIns="0" tIns="0" bIns="0" anchorCtr="1" anchor="ctr" wrap="none"/>
-            <a:lstStyle/>
-            <a:p>
-              <a:pPr algn="l" marL="0" marR="0" indent="0">
-                <a:lnSpc>
-                  <a:spcPts val="880"/>
-                </a:lnSpc>
-                <a:spcBef>
-                  <a:spcPts val="0"/>
-                </a:spcBef>
-                <a:spcAft>
-                  <a:spcPts val="0"/>
-                </a:spcAft>
-              </a:pPr>
-              <a:r>
-                <a:rPr sz="880">
-                  <a:solidFill>
-                    <a:srgbClr val="4D4D4D">
-                      <a:alpha val="100000"/>
-                    </a:srgbClr>
-                  </a:solidFill>
-                  <a:latin typeface="DejaVu Sans"/>
-                  <a:cs typeface="DejaVu Sans"/>
-                </a:rPr>
-                <a:t>35</a:t>
-              </a:r>
-            </a:p>
-          </p:txBody>
-        </p:sp>
-        <p:sp>
-          <p:nvSpPr>
-            <p:cNvPr id="267" name="tx266"/>
-            <p:cNvSpPr/>
-            <p:nvPr/>
-          </p:nvSpPr>
-          <p:spPr>
-            <a:xfrm>
-              <a:off x="5002974" y="4228939"/>
+            <p:cNvPr id="204" name="tx203"/>
+            <p:cNvSpPr/>
+            <p:nvPr/>
+          </p:nvSpPr>
+          <p:spPr>
+            <a:xfrm>
+              <a:off x="4850329" y="4228939"/>
               <a:ext cx="142210" cy="84529"/>
             </a:xfrm>
             <a:prstGeom prst="rect">
@@ -14675,59 +12005,13 @@
         </p:sp>
         <p:sp>
           <p:nvSpPr>
-            <p:cNvPr id="268" name="tx267"/>
-            <p:cNvSpPr/>
-            <p:nvPr/>
-          </p:nvSpPr>
-          <p:spPr>
-            <a:xfrm>
-              <a:off x="5181060" y="4230412"/>
-              <a:ext cx="142210" cy="83056"/>
-            </a:xfrm>
-            <a:prstGeom prst="rect">
-              <a:avLst/>
-            </a:prstGeom>
-            <a:noFill/>
-          </p:spPr>
-          <p:txBody>
-            <a:bodyPr lIns="0" rIns="0" tIns="0" bIns="0" anchorCtr="1" anchor="ctr" wrap="none"/>
-            <a:lstStyle/>
-            <a:p>
-              <a:pPr algn="l" marL="0" marR="0" indent="0">
-                <a:lnSpc>
-                  <a:spcPts val="880"/>
-                </a:lnSpc>
-                <a:spcBef>
-                  <a:spcPts val="0"/>
-                </a:spcBef>
-                <a:spcAft>
-                  <a:spcPts val="0"/>
-                </a:spcAft>
-              </a:pPr>
-              <a:r>
-                <a:rPr sz="880">
-                  <a:solidFill>
-                    <a:srgbClr val="4D4D4D">
-                      <a:alpha val="100000"/>
-                    </a:srgbClr>
-                  </a:solidFill>
-                  <a:latin typeface="DejaVu Sans"/>
-                  <a:cs typeface="DejaVu Sans"/>
-                </a:rPr>
-                <a:t>45</a:t>
-              </a:r>
-            </a:p>
-          </p:txBody>
-        </p:sp>
-        <p:sp>
-          <p:nvSpPr>
-            <p:cNvPr id="269" name="tx268"/>
-            <p:cNvSpPr/>
-            <p:nvPr/>
-          </p:nvSpPr>
-          <p:spPr>
-            <a:xfrm>
-              <a:off x="5359145" y="4228939"/>
+            <p:cNvPr id="205" name="tx204"/>
+            <p:cNvSpPr/>
+            <p:nvPr/>
+          </p:nvSpPr>
+          <p:spPr>
+            <a:xfrm>
+              <a:off x="5168339" y="4228939"/>
               <a:ext cx="142210" cy="84529"/>
             </a:xfrm>
             <a:prstGeom prst="rect">
@@ -14767,7 +12051,7 @@
         </p:sp>
         <p:sp>
           <p:nvSpPr>
-            <p:cNvPr id="270" name="tx269"/>
+            <p:cNvPr id="206" name="tx205"/>
             <p:cNvSpPr/>
             <p:nvPr/>
           </p:nvSpPr>
@@ -14813,7 +12097,7 @@
         </p:sp>
         <p:sp>
           <p:nvSpPr>
-            <p:cNvPr id="271" name="tx270"/>
+            <p:cNvPr id="207" name="tx206"/>
             <p:cNvSpPr/>
             <p:nvPr/>
           </p:nvSpPr>
@@ -14859,7 +12143,7 @@
         </p:sp>
         <p:sp>
           <p:nvSpPr>
-            <p:cNvPr id="272" name="tx271"/>
+            <p:cNvPr id="208" name="tx207"/>
             <p:cNvSpPr/>
             <p:nvPr/>
           </p:nvSpPr>
@@ -14905,7 +12189,7 @@
         </p:sp>
         <p:sp>
           <p:nvSpPr>
-            <p:cNvPr id="273" name="tx272"/>
+            <p:cNvPr id="209" name="tx208"/>
             <p:cNvSpPr/>
             <p:nvPr/>
           </p:nvSpPr>
@@ -14951,7 +12235,7 @@
         </p:sp>
         <p:sp>
           <p:nvSpPr>
-            <p:cNvPr id="274" name="tx273"/>
+            <p:cNvPr id="210" name="tx209"/>
             <p:cNvSpPr/>
             <p:nvPr/>
           </p:nvSpPr>
@@ -14997,7 +12281,7 @@
         </p:sp>
         <p:sp>
           <p:nvSpPr>
-            <p:cNvPr id="275" name="tx274"/>
+            <p:cNvPr id="211" name="tx210"/>
             <p:cNvSpPr/>
             <p:nvPr/>
           </p:nvSpPr>
@@ -15043,7 +12327,7 @@
         </p:sp>
         <p:sp>
           <p:nvSpPr>
-            <p:cNvPr id="276" name="tx275"/>
+            <p:cNvPr id="212" name="tx211"/>
             <p:cNvSpPr/>
             <p:nvPr/>
           </p:nvSpPr>
@@ -15089,7 +12373,7 @@
         </p:sp>
         <p:sp>
           <p:nvSpPr>
-            <p:cNvPr id="277" name="tx276"/>
+            <p:cNvPr id="213" name="tx212"/>
             <p:cNvSpPr/>
             <p:nvPr/>
           </p:nvSpPr>
@@ -15135,7 +12419,7 @@
         </p:sp>
         <p:sp>
           <p:nvSpPr>
-            <p:cNvPr id="278" name="tx277"/>
+            <p:cNvPr id="214" name="tx213"/>
             <p:cNvSpPr/>
             <p:nvPr/>
           </p:nvSpPr>
@@ -15181,7 +12465,7 @@
         </p:sp>
         <p:sp>
           <p:nvSpPr>
-            <p:cNvPr id="279" name="tx278"/>
+            <p:cNvPr id="215" name="tx214"/>
             <p:cNvSpPr/>
             <p:nvPr/>
           </p:nvSpPr>
@@ -15227,7 +12511,7 @@
         </p:sp>
         <p:sp>
           <p:nvSpPr>
-            <p:cNvPr id="280" name="tx279"/>
+            <p:cNvPr id="216" name="tx215"/>
             <p:cNvSpPr/>
             <p:nvPr/>
           </p:nvSpPr>
@@ -15273,7 +12557,7 @@
         </p:sp>
         <p:sp>
           <p:nvSpPr>
-            <p:cNvPr id="281" name="pl280"/>
+            <p:cNvPr id="217" name="pl216"/>
             <p:cNvSpPr/>
             <p:nvPr/>
           </p:nvSpPr>
@@ -15313,7 +12597,7 @@
         </p:sp>
         <p:sp>
           <p:nvSpPr>
-            <p:cNvPr id="282" name="pl281"/>
+            <p:cNvPr id="218" name="pl217"/>
             <p:cNvSpPr/>
             <p:nvPr/>
           </p:nvSpPr>
@@ -15353,7 +12637,7 @@
         </p:sp>
         <p:sp>
           <p:nvSpPr>
-            <p:cNvPr id="283" name="pl282"/>
+            <p:cNvPr id="219" name="pl218"/>
             <p:cNvSpPr/>
             <p:nvPr/>
           </p:nvSpPr>
@@ -15393,7 +12677,7 @@
         </p:sp>
         <p:sp>
           <p:nvSpPr>
-            <p:cNvPr id="284" name="pl283"/>
+            <p:cNvPr id="220" name="pl219"/>
             <p:cNvSpPr/>
             <p:nvPr/>
           </p:nvSpPr>
@@ -15433,7 +12717,7 @@
         </p:sp>
         <p:sp>
           <p:nvSpPr>
-            <p:cNvPr id="285" name="pl284"/>
+            <p:cNvPr id="221" name="pl220"/>
             <p:cNvSpPr/>
             <p:nvPr/>
           </p:nvSpPr>
@@ -15473,7 +12757,7 @@
         </p:sp>
         <p:sp>
           <p:nvSpPr>
-            <p:cNvPr id="286" name="pl285"/>
+            <p:cNvPr id="222" name="pl221"/>
             <p:cNvSpPr/>
             <p:nvPr/>
           </p:nvSpPr>
@@ -15513,7 +12797,7 @@
         </p:sp>
         <p:sp>
           <p:nvSpPr>
-            <p:cNvPr id="287" name="pl286"/>
+            <p:cNvPr id="223" name="pl222"/>
             <p:cNvSpPr/>
             <p:nvPr/>
           </p:nvSpPr>
@@ -15553,7 +12837,7 @@
         </p:sp>
         <p:sp>
           <p:nvSpPr>
-            <p:cNvPr id="288" name="pl287"/>
+            <p:cNvPr id="224" name="pl223"/>
             <p:cNvSpPr/>
             <p:nvPr/>
           </p:nvSpPr>
@@ -15593,7 +12877,7 @@
         </p:sp>
         <p:sp>
           <p:nvSpPr>
-            <p:cNvPr id="289" name="pl288"/>
+            <p:cNvPr id="225" name="pl224"/>
             <p:cNvSpPr/>
             <p:nvPr/>
           </p:nvSpPr>
@@ -15633,7 +12917,7 @@
         </p:sp>
         <p:sp>
           <p:nvSpPr>
-            <p:cNvPr id="290" name="pl289"/>
+            <p:cNvPr id="226" name="pl225"/>
             <p:cNvSpPr/>
             <p:nvPr/>
           </p:nvSpPr>
@@ -15673,7 +12957,7 @@
         </p:sp>
         <p:sp>
           <p:nvSpPr>
-            <p:cNvPr id="291" name="pl290"/>
+            <p:cNvPr id="227" name="pl226"/>
             <p:cNvSpPr/>
             <p:nvPr/>
           </p:nvSpPr>
@@ -15713,7 +12997,7 @@
         </p:sp>
         <p:sp>
           <p:nvSpPr>
-            <p:cNvPr id="292" name="tx291"/>
+            <p:cNvPr id="228" name="tx227"/>
             <p:cNvSpPr/>
             <p:nvPr/>
           </p:nvSpPr>
@@ -15759,7 +13043,7 @@
         </p:sp>
         <p:sp>
           <p:nvSpPr>
-            <p:cNvPr id="293" name="tx292"/>
+            <p:cNvPr id="229" name="tx228"/>
             <p:cNvSpPr/>
             <p:nvPr/>
           </p:nvSpPr>
@@ -15805,7 +13089,7 @@
         </p:sp>
         <p:sp>
           <p:nvSpPr>
-            <p:cNvPr id="294" name="tx293"/>
+            <p:cNvPr id="230" name="tx229"/>
             <p:cNvSpPr/>
             <p:nvPr/>
           </p:nvSpPr>
@@ -15851,7 +13135,7 @@
         </p:sp>
         <p:sp>
           <p:nvSpPr>
-            <p:cNvPr id="295" name="tx294"/>
+            <p:cNvPr id="231" name="tx230"/>
             <p:cNvSpPr/>
             <p:nvPr/>
           </p:nvSpPr>
@@ -15897,7 +13181,7 @@
         </p:sp>
         <p:sp>
           <p:nvSpPr>
-            <p:cNvPr id="296" name="tx295"/>
+            <p:cNvPr id="232" name="tx231"/>
             <p:cNvSpPr/>
             <p:nvPr/>
           </p:nvSpPr>
@@ -15943,7 +13227,7 @@
         </p:sp>
         <p:sp>
           <p:nvSpPr>
-            <p:cNvPr id="297" name="tx296"/>
+            <p:cNvPr id="233" name="tx232"/>
             <p:cNvSpPr/>
             <p:nvPr/>
           </p:nvSpPr>
@@ -15989,7 +13273,7 @@
         </p:sp>
         <p:sp>
           <p:nvSpPr>
-            <p:cNvPr id="298" name="tx297"/>
+            <p:cNvPr id="234" name="tx233"/>
             <p:cNvSpPr/>
             <p:nvPr/>
           </p:nvSpPr>
@@ -16035,7 +13319,7 @@
         </p:sp>
         <p:sp>
           <p:nvSpPr>
-            <p:cNvPr id="299" name="tx298"/>
+            <p:cNvPr id="235" name="tx234"/>
             <p:cNvSpPr/>
             <p:nvPr/>
           </p:nvSpPr>
@@ -16081,7 +13365,7 @@
         </p:sp>
         <p:sp>
           <p:nvSpPr>
-            <p:cNvPr id="300" name="tx299"/>
+            <p:cNvPr id="236" name="tx235"/>
             <p:cNvSpPr/>
             <p:nvPr/>
           </p:nvSpPr>
@@ -16127,7 +13411,7 @@
         </p:sp>
         <p:sp>
           <p:nvSpPr>
-            <p:cNvPr id="301" name="tx300"/>
+            <p:cNvPr id="237" name="tx236"/>
             <p:cNvSpPr/>
             <p:nvPr/>
           </p:nvSpPr>
@@ -16173,7 +13457,7 @@
         </p:sp>
         <p:sp>
           <p:nvSpPr>
-            <p:cNvPr id="302" name="tx301"/>
+            <p:cNvPr id="238" name="tx237"/>
             <p:cNvSpPr/>
             <p:nvPr/>
           </p:nvSpPr>
@@ -16219,7 +13503,7 @@
         </p:sp>
         <p:sp>
           <p:nvSpPr>
-            <p:cNvPr id="303" name="pl302"/>
+            <p:cNvPr id="239" name="pl238"/>
             <p:cNvSpPr/>
             <p:nvPr/>
           </p:nvSpPr>
@@ -16259,7 +13543,7 @@
         </p:sp>
         <p:sp>
           <p:nvSpPr>
-            <p:cNvPr id="304" name="pl303"/>
+            <p:cNvPr id="240" name="pl239"/>
             <p:cNvSpPr/>
             <p:nvPr/>
           </p:nvSpPr>
@@ -16299,7 +13583,7 @@
         </p:sp>
         <p:sp>
           <p:nvSpPr>
-            <p:cNvPr id="305" name="pl304"/>
+            <p:cNvPr id="241" name="pl240"/>
             <p:cNvSpPr/>
             <p:nvPr/>
           </p:nvSpPr>
@@ -16339,7 +13623,7 @@
         </p:sp>
         <p:sp>
           <p:nvSpPr>
-            <p:cNvPr id="306" name="pl305"/>
+            <p:cNvPr id="242" name="pl241"/>
             <p:cNvSpPr/>
             <p:nvPr/>
           </p:nvSpPr>
@@ -16379,7 +13663,7 @@
         </p:sp>
         <p:sp>
           <p:nvSpPr>
-            <p:cNvPr id="307" name="pl306"/>
+            <p:cNvPr id="243" name="pl242"/>
             <p:cNvSpPr/>
             <p:nvPr/>
           </p:nvSpPr>
@@ -16419,7 +13703,7 @@
         </p:sp>
         <p:sp>
           <p:nvSpPr>
-            <p:cNvPr id="308" name="pl307"/>
+            <p:cNvPr id="244" name="pl243"/>
             <p:cNvSpPr/>
             <p:nvPr/>
           </p:nvSpPr>
@@ -16459,7 +13743,7 @@
         </p:sp>
         <p:sp>
           <p:nvSpPr>
-            <p:cNvPr id="309" name="pl308"/>
+            <p:cNvPr id="245" name="pl244"/>
             <p:cNvSpPr/>
             <p:nvPr/>
           </p:nvSpPr>
@@ -16499,7 +13783,7 @@
         </p:sp>
         <p:sp>
           <p:nvSpPr>
-            <p:cNvPr id="310" name="pl309"/>
+            <p:cNvPr id="246" name="pl245"/>
             <p:cNvSpPr/>
             <p:nvPr/>
           </p:nvSpPr>
@@ -16539,7 +13823,7 @@
         </p:sp>
         <p:sp>
           <p:nvSpPr>
-            <p:cNvPr id="311" name="pl310"/>
+            <p:cNvPr id="247" name="pl246"/>
             <p:cNvSpPr/>
             <p:nvPr/>
           </p:nvSpPr>
@@ -16579,7 +13863,7 @@
         </p:sp>
         <p:sp>
           <p:nvSpPr>
-            <p:cNvPr id="312" name="pl311"/>
+            <p:cNvPr id="248" name="pl247"/>
             <p:cNvSpPr/>
             <p:nvPr/>
           </p:nvSpPr>
@@ -16619,7 +13903,7 @@
         </p:sp>
         <p:sp>
           <p:nvSpPr>
-            <p:cNvPr id="313" name="pl312"/>
+            <p:cNvPr id="249" name="pl248"/>
             <p:cNvSpPr/>
             <p:nvPr/>
           </p:nvSpPr>
@@ -16659,7 +13943,7 @@
         </p:sp>
         <p:sp>
           <p:nvSpPr>
-            <p:cNvPr id="314" name="tx313"/>
+            <p:cNvPr id="250" name="tx249"/>
             <p:cNvSpPr/>
             <p:nvPr/>
           </p:nvSpPr>
@@ -16705,7 +13989,7 @@
         </p:sp>
         <p:sp>
           <p:nvSpPr>
-            <p:cNvPr id="315" name="tx314"/>
+            <p:cNvPr id="251" name="tx250"/>
             <p:cNvSpPr/>
             <p:nvPr/>
           </p:nvSpPr>
@@ -16751,7 +14035,7 @@
         </p:sp>
         <p:sp>
           <p:nvSpPr>
-            <p:cNvPr id="316" name="rc315"/>
+            <p:cNvPr id="252" name="rc251"/>
             <p:cNvSpPr/>
             <p:nvPr/>
           </p:nvSpPr>
@@ -16777,7 +14061,7 @@
         </p:sp>
         <p:sp>
           <p:nvSpPr>
-            <p:cNvPr id="317" name="tx316"/>
+            <p:cNvPr id="253" name="tx252"/>
             <p:cNvSpPr/>
             <p:nvPr/>
           </p:nvSpPr>
@@ -16823,7 +14107,7 @@
         </p:sp>
         <p:sp>
           <p:nvSpPr>
-            <p:cNvPr id="318" name="rc317"/>
+            <p:cNvPr id="254" name="rc253"/>
             <p:cNvSpPr/>
             <p:nvPr/>
           </p:nvSpPr>
@@ -16849,7 +14133,7 @@
         </p:sp>
         <p:sp>
           <p:nvSpPr>
-            <p:cNvPr id="319" name="pl318"/>
+            <p:cNvPr id="255" name="pl254"/>
             <p:cNvSpPr/>
             <p:nvPr/>
           </p:nvSpPr>
@@ -16889,7 +14173,7 @@
         </p:sp>
         <p:sp>
           <p:nvSpPr>
-            <p:cNvPr id="320" name="tx319"/>
+            <p:cNvPr id="256" name="tx255"/>
             <p:cNvSpPr/>
             <p:nvPr/>
           </p:nvSpPr>
@@ -16935,7 +14219,7 @@
         </p:sp>
         <p:sp>
           <p:nvSpPr>
-            <p:cNvPr id="321" name="rc320"/>
+            <p:cNvPr id="257" name="rc256"/>
             <p:cNvSpPr/>
             <p:nvPr/>
           </p:nvSpPr>
@@ -16961,7 +14245,7 @@
         </p:sp>
         <p:sp>
           <p:nvSpPr>
-            <p:cNvPr id="322" name="pl321"/>
+            <p:cNvPr id="258" name="pl257"/>
             <p:cNvSpPr/>
             <p:nvPr/>
           </p:nvSpPr>
@@ -17001,7 +14285,7 @@
         </p:sp>
         <p:sp>
           <p:nvSpPr>
-            <p:cNvPr id="323" name="tx322"/>
+            <p:cNvPr id="259" name="tx258"/>
             <p:cNvSpPr/>
             <p:nvPr/>
           </p:nvSpPr>
@@ -17047,7 +14331,7 @@
         </p:sp>
         <p:sp>
           <p:nvSpPr>
-            <p:cNvPr id="324" name="rc323"/>
+            <p:cNvPr id="260" name="rc259"/>
             <p:cNvSpPr/>
             <p:nvPr/>
           </p:nvSpPr>
@@ -17073,7 +14357,7 @@
         </p:sp>
         <p:sp>
           <p:nvSpPr>
-            <p:cNvPr id="325" name="pl324"/>
+            <p:cNvPr id="261" name="pl260"/>
             <p:cNvSpPr/>
             <p:nvPr/>
           </p:nvSpPr>
@@ -17113,7 +14397,7 @@
         </p:sp>
         <p:sp>
           <p:nvSpPr>
-            <p:cNvPr id="326" name="tx325"/>
+            <p:cNvPr id="262" name="tx261"/>
             <p:cNvSpPr/>
             <p:nvPr/>
           </p:nvSpPr>
@@ -17159,7 +14443,7 @@
         </p:sp>
         <p:sp>
           <p:nvSpPr>
-            <p:cNvPr id="327" name="rc326"/>
+            <p:cNvPr id="263" name="rc262"/>
             <p:cNvSpPr/>
             <p:nvPr/>
           </p:nvSpPr>
@@ -17185,7 +14469,7 @@
         </p:sp>
         <p:sp>
           <p:nvSpPr>
-            <p:cNvPr id="328" name="pl327"/>
+            <p:cNvPr id="264" name="pl263"/>
             <p:cNvSpPr/>
             <p:nvPr/>
           </p:nvSpPr>
@@ -17225,7 +14509,7 @@
         </p:sp>
         <p:sp>
           <p:nvSpPr>
-            <p:cNvPr id="329" name="tx328"/>
+            <p:cNvPr id="265" name="tx264"/>
             <p:cNvSpPr/>
             <p:nvPr/>
           </p:nvSpPr>
@@ -17271,7 +14555,7 @@
         </p:sp>
         <p:sp>
           <p:nvSpPr>
-            <p:cNvPr id="330" name="rc329"/>
+            <p:cNvPr id="266" name="rc265"/>
             <p:cNvSpPr/>
             <p:nvPr/>
           </p:nvSpPr>
@@ -17297,7 +14581,7 @@
         </p:sp>
         <p:sp>
           <p:nvSpPr>
-            <p:cNvPr id="331" name="pl330"/>
+            <p:cNvPr id="267" name="pl266"/>
             <p:cNvSpPr/>
             <p:nvPr/>
           </p:nvSpPr>
@@ -17337,7 +14621,7 @@
         </p:sp>
         <p:sp>
           <p:nvSpPr>
-            <p:cNvPr id="332" name="tx331"/>
+            <p:cNvPr id="268" name="tx267"/>
             <p:cNvSpPr/>
             <p:nvPr/>
           </p:nvSpPr>
@@ -17383,7 +14667,7 @@
         </p:sp>
         <p:sp>
           <p:nvSpPr>
-            <p:cNvPr id="333" name="rc332"/>
+            <p:cNvPr id="269" name="rc268"/>
             <p:cNvSpPr/>
             <p:nvPr/>
           </p:nvSpPr>
@@ -17409,7 +14693,7 @@
         </p:sp>
         <p:sp>
           <p:nvSpPr>
-            <p:cNvPr id="334" name="pl333"/>
+            <p:cNvPr id="270" name="pl269"/>
             <p:cNvSpPr/>
             <p:nvPr/>
           </p:nvSpPr>
@@ -17449,7 +14733,7 @@
         </p:sp>
         <p:sp>
           <p:nvSpPr>
-            <p:cNvPr id="335" name="tx334"/>
+            <p:cNvPr id="271" name="tx270"/>
             <p:cNvSpPr/>
             <p:nvPr/>
           </p:nvSpPr>
@@ -17495,7 +14779,7 @@
         </p:sp>
         <p:sp>
           <p:nvSpPr>
-            <p:cNvPr id="336" name="rc335"/>
+            <p:cNvPr id="272" name="rc271"/>
             <p:cNvSpPr/>
             <p:nvPr/>
           </p:nvSpPr>
@@ -17521,7 +14805,7 @@
         </p:sp>
         <p:sp>
           <p:nvSpPr>
-            <p:cNvPr id="337" name="pl336"/>
+            <p:cNvPr id="273" name="pl272"/>
             <p:cNvSpPr/>
             <p:nvPr/>
           </p:nvSpPr>
@@ -17561,7 +14845,7 @@
         </p:sp>
         <p:sp>
           <p:nvSpPr>
-            <p:cNvPr id="338" name="tx337"/>
+            <p:cNvPr id="274" name="tx273"/>
             <p:cNvSpPr/>
             <p:nvPr/>
           </p:nvSpPr>
@@ -17607,7 +14891,7 @@
         </p:sp>
         <p:sp>
           <p:nvSpPr>
-            <p:cNvPr id="339" name="rc338"/>
+            <p:cNvPr id="275" name="rc274"/>
             <p:cNvSpPr/>
             <p:nvPr/>
           </p:nvSpPr>
@@ -17633,7 +14917,7 @@
         </p:sp>
         <p:sp>
           <p:nvSpPr>
-            <p:cNvPr id="340" name="pl339"/>
+            <p:cNvPr id="276" name="pl275"/>
             <p:cNvSpPr/>
             <p:nvPr/>
           </p:nvSpPr>
@@ -17673,7 +14957,7 @@
         </p:sp>
         <p:sp>
           <p:nvSpPr>
-            <p:cNvPr id="341" name="tx340"/>
+            <p:cNvPr id="277" name="tx276"/>
             <p:cNvSpPr/>
             <p:nvPr/>
           </p:nvSpPr>
@@ -17719,7 +15003,7 @@
         </p:sp>
         <p:sp>
           <p:nvSpPr>
-            <p:cNvPr id="342" name="rc341"/>
+            <p:cNvPr id="278" name="rc277"/>
             <p:cNvSpPr/>
             <p:nvPr/>
           </p:nvSpPr>
@@ -17745,7 +15029,7 @@
         </p:sp>
         <p:sp>
           <p:nvSpPr>
-            <p:cNvPr id="343" name="pl342"/>
+            <p:cNvPr id="279" name="pl278"/>
             <p:cNvSpPr/>
             <p:nvPr/>
           </p:nvSpPr>
@@ -17785,7 +15069,7 @@
         </p:sp>
         <p:sp>
           <p:nvSpPr>
-            <p:cNvPr id="344" name="tx343"/>
+            <p:cNvPr id="280" name="tx279"/>
             <p:cNvSpPr/>
             <p:nvPr/>
           </p:nvSpPr>
@@ -17831,7 +15115,7 @@
         </p:sp>
         <p:sp>
           <p:nvSpPr>
-            <p:cNvPr id="345" name="rc344"/>
+            <p:cNvPr id="281" name="rc280"/>
             <p:cNvSpPr/>
             <p:nvPr/>
           </p:nvSpPr>
@@ -17857,7 +15141,7 @@
         </p:sp>
         <p:sp>
           <p:nvSpPr>
-            <p:cNvPr id="346" name="pl345"/>
+            <p:cNvPr id="282" name="pl281"/>
             <p:cNvSpPr/>
             <p:nvPr/>
           </p:nvSpPr>
@@ -17897,7 +15181,7 @@
         </p:sp>
         <p:sp>
           <p:nvSpPr>
-            <p:cNvPr id="347" name="tx346"/>
+            <p:cNvPr id="283" name="tx282"/>
             <p:cNvSpPr/>
             <p:nvPr/>
           </p:nvSpPr>
@@ -17943,7 +15227,7 @@
         </p:sp>
         <p:sp>
           <p:nvSpPr>
-            <p:cNvPr id="348" name="rc347"/>
+            <p:cNvPr id="284" name="rc283"/>
             <p:cNvSpPr/>
             <p:nvPr/>
           </p:nvSpPr>
@@ -17969,7 +15253,7 @@
         </p:sp>
         <p:sp>
           <p:nvSpPr>
-            <p:cNvPr id="349" name="pl348"/>
+            <p:cNvPr id="285" name="pl284"/>
             <p:cNvSpPr/>
             <p:nvPr/>
           </p:nvSpPr>
@@ -18009,7 +15293,7 @@
         </p:sp>
         <p:sp>
           <p:nvSpPr>
-            <p:cNvPr id="350" name="tx349"/>
+            <p:cNvPr id="286" name="tx285"/>
             <p:cNvSpPr/>
             <p:nvPr/>
           </p:nvSpPr>
@@ -18055,7 +15339,7 @@
         </p:sp>
         <p:sp>
           <p:nvSpPr>
-            <p:cNvPr id="351" name="rc350"/>
+            <p:cNvPr id="287" name="rc286"/>
             <p:cNvSpPr/>
             <p:nvPr/>
           </p:nvSpPr>
@@ -18081,7 +15365,7 @@
         </p:sp>
         <p:sp>
           <p:nvSpPr>
-            <p:cNvPr id="352" name="pl351"/>
+            <p:cNvPr id="288" name="pl287"/>
             <p:cNvSpPr/>
             <p:nvPr/>
           </p:nvSpPr>
@@ -18121,7 +15405,7 @@
         </p:sp>
         <p:sp>
           <p:nvSpPr>
-            <p:cNvPr id="353" name="tx352"/>
+            <p:cNvPr id="289" name="tx288"/>
             <p:cNvSpPr/>
             <p:nvPr/>
           </p:nvSpPr>
@@ -18167,7 +15451,7 @@
         </p:sp>
         <p:sp>
           <p:nvSpPr>
-            <p:cNvPr id="354" name="tx353"/>
+            <p:cNvPr id="290" name="tx289"/>
             <p:cNvSpPr/>
             <p:nvPr/>
           </p:nvSpPr>
@@ -18213,7 +15497,7 @@
         </p:sp>
         <p:sp>
           <p:nvSpPr>
-            <p:cNvPr id="355" name="tx354"/>
+            <p:cNvPr id="291" name="tx290"/>
             <p:cNvSpPr/>
             <p:nvPr/>
           </p:nvSpPr>
@@ -18259,7 +15543,7 @@
         </p:sp>
         <p:sp>
           <p:nvSpPr>
-            <p:cNvPr id="356" name="tx355"/>
+            <p:cNvPr id="292" name="tx291"/>
             <p:cNvSpPr/>
             <p:nvPr/>
           </p:nvSpPr>
@@ -18305,7 +15589,7 @@
         </p:sp>
         <p:sp>
           <p:nvSpPr>
-            <p:cNvPr id="357" name="tx356"/>
+            <p:cNvPr id="293" name="tx292"/>
             <p:cNvSpPr/>
             <p:nvPr/>
           </p:nvSpPr>
@@ -18351,7 +15635,7 @@
         </p:sp>
         <p:sp>
           <p:nvSpPr>
-            <p:cNvPr id="358" name="tx357"/>
+            <p:cNvPr id="294" name="tx293"/>
             <p:cNvSpPr/>
             <p:nvPr/>
           </p:nvSpPr>
@@ -18397,7 +15681,7 @@
         </p:sp>
         <p:sp>
           <p:nvSpPr>
-            <p:cNvPr id="359" name="tx358"/>
+            <p:cNvPr id="295" name="tx294"/>
             <p:cNvSpPr/>
             <p:nvPr/>
           </p:nvSpPr>
@@ -18443,7 +15727,7 @@
         </p:sp>
         <p:sp>
           <p:nvSpPr>
-            <p:cNvPr id="360" name="tx359"/>
+            <p:cNvPr id="296" name="tx295"/>
             <p:cNvSpPr/>
             <p:nvPr/>
           </p:nvSpPr>
@@ -18489,7 +15773,7 @@
         </p:sp>
         <p:sp>
           <p:nvSpPr>
-            <p:cNvPr id="361" name="tx360"/>
+            <p:cNvPr id="297" name="tx296"/>
             <p:cNvSpPr/>
             <p:nvPr/>
           </p:nvSpPr>
@@ -18535,7 +15819,7 @@
         </p:sp>
         <p:sp>
           <p:nvSpPr>
-            <p:cNvPr id="362" name="tx361"/>
+            <p:cNvPr id="298" name="tx297"/>
             <p:cNvSpPr/>
             <p:nvPr/>
           </p:nvSpPr>
@@ -18581,7 +15865,7 @@
         </p:sp>
         <p:sp>
           <p:nvSpPr>
-            <p:cNvPr id="363" name="tx362"/>
+            <p:cNvPr id="299" name="tx298"/>
             <p:cNvSpPr/>
             <p:nvPr/>
           </p:nvSpPr>
@@ -18627,7 +15911,7 @@
         </p:sp>
         <p:sp>
           <p:nvSpPr>
-            <p:cNvPr id="364" name="tx363"/>
+            <p:cNvPr id="300" name="tx299"/>
             <p:cNvSpPr/>
             <p:nvPr/>
           </p:nvSpPr>
@@ -18673,7 +15957,7 @@
         </p:sp>
         <p:sp>
           <p:nvSpPr>
-            <p:cNvPr id="365" name="tx364"/>
+            <p:cNvPr id="301" name="tx300"/>
             <p:cNvSpPr/>
             <p:nvPr/>
           </p:nvSpPr>

--- a/reference/QCATC777-Survival-Curve.pptx
+++ b/reference/QCATC777-Survival-Curve.pptx
@@ -2250,9 +2250,9 @@
         <p:grpSpPr>
           <a:xfrm>
             <a:off x="914400" y="914400"/>
-            <a:ext cx="5486400" cy="3657600"/>
+            <a:ext cx="5486400" cy="5486400"/>
             <a:chOff x="914400" y="914400"/>
-            <a:chExt cx="5486400" cy="3657600"/>
+            <a:chExt cx="5486400" cy="5486400"/>
           </a:xfrm>
         </p:grpSpPr>
         <p:sp>
@@ -2264,7 +2264,7 @@
           <p:spPr>
             <a:xfrm>
               <a:off x="914400" y="914400"/>
-              <a:ext cx="5486400" cy="3657600"/>
+              <a:ext cx="5486400" cy="5486400"/>
             </a:xfrm>
             <a:prstGeom prst="rect">
               <a:avLst/>
@@ -2299,7 +2299,7 @@
           <p:spPr>
             <a:xfrm>
               <a:off x="914400" y="914400"/>
-              <a:ext cx="5486400" cy="3657600"/>
+              <a:ext cx="5486400" cy="5486400"/>
             </a:xfrm>
             <a:prstGeom prst="rect">
               <a:avLst/>
@@ -2325,7 +2325,7 @@
           <p:spPr>
             <a:xfrm>
               <a:off x="1738169" y="1315914"/>
-              <a:ext cx="1844167" cy="1171063"/>
+              <a:ext cx="1844167" cy="2085463"/>
             </a:xfrm>
             <a:prstGeom prst="rect">
               <a:avLst/>
@@ -2350,13 +2350,13 @@
           </p:nvSpPr>
           <p:spPr>
             <a:xfrm>
-              <a:off x="1821995" y="1369144"/>
-              <a:ext cx="1676515" cy="372611"/>
+              <a:off x="1821995" y="1410708"/>
+              <a:ext cx="1676515" cy="663556"/>
             </a:xfrm>
             <a:custGeom>
               <a:avLst/>
               <a:pathLst>
-                <a:path w="1676515" h="372611">
+                <a:path w="1676515" h="663556">
                   <a:moveTo>
                     <a:pt x="0" y="0"/>
                   </a:moveTo>
@@ -2364,121 +2364,121 @@
                     <a:pt x="838257" y="0"/>
                   </a:lnTo>
                   <a:lnTo>
-                    <a:pt x="838257" y="10646"/>
-                  </a:lnTo>
-                  <a:lnTo>
-                    <a:pt x="931397" y="10646"/>
-                  </a:lnTo>
-                  <a:lnTo>
-                    <a:pt x="931397" y="21292"/>
-                  </a:lnTo>
-                  <a:lnTo>
-                    <a:pt x="962444" y="21292"/>
-                  </a:lnTo>
-                  <a:lnTo>
-                    <a:pt x="962444" y="31938"/>
-                  </a:lnTo>
-                  <a:lnTo>
-                    <a:pt x="993490" y="31938"/>
-                  </a:lnTo>
-                  <a:lnTo>
-                    <a:pt x="993490" y="42584"/>
-                  </a:lnTo>
-                  <a:lnTo>
-                    <a:pt x="1024537" y="42584"/>
-                  </a:lnTo>
-                  <a:lnTo>
-                    <a:pt x="1024537" y="53230"/>
-                  </a:lnTo>
-                  <a:lnTo>
-                    <a:pt x="1055584" y="53230"/>
-                  </a:lnTo>
-                  <a:lnTo>
-                    <a:pt x="1055584" y="63876"/>
-                  </a:lnTo>
-                  <a:lnTo>
-                    <a:pt x="1086630" y="63876"/>
-                  </a:lnTo>
-                  <a:lnTo>
-                    <a:pt x="1086630" y="74522"/>
-                  </a:lnTo>
-                  <a:lnTo>
-                    <a:pt x="1117677" y="74522"/>
-                  </a:lnTo>
-                  <a:lnTo>
-                    <a:pt x="1117677" y="117106"/>
-                  </a:lnTo>
-                  <a:lnTo>
-                    <a:pt x="1148723" y="117106"/>
-                  </a:lnTo>
-                  <a:lnTo>
-                    <a:pt x="1148723" y="159690"/>
-                  </a:lnTo>
-                  <a:lnTo>
-                    <a:pt x="1179770" y="159690"/>
-                  </a:lnTo>
-                  <a:lnTo>
-                    <a:pt x="1179770" y="180982"/>
-                  </a:lnTo>
-                  <a:lnTo>
-                    <a:pt x="1210816" y="180982"/>
-                  </a:lnTo>
-                  <a:lnTo>
-                    <a:pt x="1210816" y="212920"/>
-                  </a:lnTo>
-                  <a:lnTo>
-                    <a:pt x="1241863" y="212920"/>
-                  </a:lnTo>
-                  <a:lnTo>
-                    <a:pt x="1241863" y="234212"/>
-                  </a:lnTo>
-                  <a:lnTo>
-                    <a:pt x="1272910" y="234212"/>
-                  </a:lnTo>
-                  <a:lnTo>
-                    <a:pt x="1272910" y="255504"/>
-                  </a:lnTo>
-                  <a:lnTo>
-                    <a:pt x="1335003" y="255504"/>
-                  </a:lnTo>
-                  <a:lnTo>
-                    <a:pt x="1335003" y="266150"/>
-                  </a:lnTo>
-                  <a:lnTo>
-                    <a:pt x="1397096" y="266150"/>
-                  </a:lnTo>
-                  <a:lnTo>
-                    <a:pt x="1397096" y="298088"/>
-                  </a:lnTo>
-                  <a:lnTo>
-                    <a:pt x="1459189" y="298088"/>
-                  </a:lnTo>
-                  <a:lnTo>
-                    <a:pt x="1459189" y="330026"/>
-                  </a:lnTo>
-                  <a:lnTo>
-                    <a:pt x="1490236" y="330026"/>
-                  </a:lnTo>
-                  <a:lnTo>
-                    <a:pt x="1490236" y="351318"/>
-                  </a:lnTo>
-                  <a:lnTo>
-                    <a:pt x="1521282" y="351318"/>
-                  </a:lnTo>
-                  <a:lnTo>
-                    <a:pt x="1521282" y="361965"/>
-                  </a:lnTo>
-                  <a:lnTo>
-                    <a:pt x="1552329" y="361965"/>
-                  </a:lnTo>
-                  <a:lnTo>
-                    <a:pt x="1552329" y="372611"/>
-                  </a:lnTo>
-                  <a:lnTo>
-                    <a:pt x="1676515" y="372611"/>
-                  </a:lnTo>
-                  <a:lnTo>
-                    <a:pt x="1676515" y="372611"/>
+                    <a:pt x="838257" y="18958"/>
+                  </a:lnTo>
+                  <a:lnTo>
+                    <a:pt x="931397" y="18958"/>
+                  </a:lnTo>
+                  <a:lnTo>
+                    <a:pt x="931397" y="37917"/>
+                  </a:lnTo>
+                  <a:lnTo>
+                    <a:pt x="962444" y="37917"/>
+                  </a:lnTo>
+                  <a:lnTo>
+                    <a:pt x="962444" y="56876"/>
+                  </a:lnTo>
+                  <a:lnTo>
+                    <a:pt x="993490" y="56876"/>
+                  </a:lnTo>
+                  <a:lnTo>
+                    <a:pt x="993490" y="75835"/>
+                  </a:lnTo>
+                  <a:lnTo>
+                    <a:pt x="1024537" y="75835"/>
+                  </a:lnTo>
+                  <a:lnTo>
+                    <a:pt x="1024537" y="94793"/>
+                  </a:lnTo>
+                  <a:lnTo>
+                    <a:pt x="1055584" y="94793"/>
+                  </a:lnTo>
+                  <a:lnTo>
+                    <a:pt x="1055584" y="113752"/>
+                  </a:lnTo>
+                  <a:lnTo>
+                    <a:pt x="1086630" y="113752"/>
+                  </a:lnTo>
+                  <a:lnTo>
+                    <a:pt x="1086630" y="132711"/>
+                  </a:lnTo>
+                  <a:lnTo>
+                    <a:pt x="1117677" y="132711"/>
+                  </a:lnTo>
+                  <a:lnTo>
+                    <a:pt x="1117677" y="208546"/>
+                  </a:lnTo>
+                  <a:lnTo>
+                    <a:pt x="1148723" y="208546"/>
+                  </a:lnTo>
+                  <a:lnTo>
+                    <a:pt x="1148723" y="284381"/>
+                  </a:lnTo>
+                  <a:lnTo>
+                    <a:pt x="1179770" y="284381"/>
+                  </a:lnTo>
+                  <a:lnTo>
+                    <a:pt x="1179770" y="322298"/>
+                  </a:lnTo>
+                  <a:lnTo>
+                    <a:pt x="1210816" y="322298"/>
+                  </a:lnTo>
+                  <a:lnTo>
+                    <a:pt x="1210816" y="379175"/>
+                  </a:lnTo>
+                  <a:lnTo>
+                    <a:pt x="1241863" y="379175"/>
+                  </a:lnTo>
+                  <a:lnTo>
+                    <a:pt x="1241863" y="417092"/>
+                  </a:lnTo>
+                  <a:lnTo>
+                    <a:pt x="1272910" y="417092"/>
+                  </a:lnTo>
+                  <a:lnTo>
+                    <a:pt x="1272910" y="455010"/>
+                  </a:lnTo>
+                  <a:lnTo>
+                    <a:pt x="1335003" y="455010"/>
+                  </a:lnTo>
+                  <a:lnTo>
+                    <a:pt x="1335003" y="473968"/>
+                  </a:lnTo>
+                  <a:lnTo>
+                    <a:pt x="1397096" y="473968"/>
+                  </a:lnTo>
+                  <a:lnTo>
+                    <a:pt x="1397096" y="530845"/>
+                  </a:lnTo>
+                  <a:lnTo>
+                    <a:pt x="1459189" y="530845"/>
+                  </a:lnTo>
+                  <a:lnTo>
+                    <a:pt x="1459189" y="587721"/>
+                  </a:lnTo>
+                  <a:lnTo>
+                    <a:pt x="1490236" y="587721"/>
+                  </a:lnTo>
+                  <a:lnTo>
+                    <a:pt x="1490236" y="625638"/>
+                  </a:lnTo>
+                  <a:lnTo>
+                    <a:pt x="1521282" y="625638"/>
+                  </a:lnTo>
+                  <a:lnTo>
+                    <a:pt x="1521282" y="644597"/>
+                  </a:lnTo>
+                  <a:lnTo>
+                    <a:pt x="1552329" y="644597"/>
+                  </a:lnTo>
+                  <a:lnTo>
+                    <a:pt x="1552329" y="663556"/>
+                  </a:lnTo>
+                  <a:lnTo>
+                    <a:pt x="1676515" y="663556"/>
+                  </a:lnTo>
+                  <a:lnTo>
+                    <a:pt x="1676515" y="663556"/>
                   </a:lnTo>
                 </a:path>
               </a:pathLst>
@@ -2507,13 +2507,13 @@
           </p:nvSpPr>
           <p:spPr>
             <a:xfrm>
-              <a:off x="1821995" y="1369144"/>
-              <a:ext cx="1676515" cy="415195"/>
+              <a:off x="1821995" y="1410708"/>
+              <a:ext cx="1676515" cy="739391"/>
             </a:xfrm>
             <a:custGeom>
               <a:avLst/>
               <a:pathLst>
-                <a:path w="1676515" h="415195">
+                <a:path w="1676515" h="739391">
                   <a:moveTo>
                     <a:pt x="0" y="0"/>
                   </a:moveTo>
@@ -2521,97 +2521,97 @@
                     <a:pt x="807211" y="0"/>
                   </a:lnTo>
                   <a:lnTo>
-                    <a:pt x="807211" y="10646"/>
-                  </a:lnTo>
-                  <a:lnTo>
-                    <a:pt x="838257" y="10646"/>
-                  </a:lnTo>
-                  <a:lnTo>
-                    <a:pt x="838257" y="31938"/>
-                  </a:lnTo>
-                  <a:lnTo>
-                    <a:pt x="931397" y="31938"/>
-                  </a:lnTo>
-                  <a:lnTo>
-                    <a:pt x="931397" y="53230"/>
-                  </a:lnTo>
-                  <a:lnTo>
-                    <a:pt x="962444" y="53230"/>
-                  </a:lnTo>
-                  <a:lnTo>
-                    <a:pt x="962444" y="74522"/>
-                  </a:lnTo>
-                  <a:lnTo>
-                    <a:pt x="993490" y="74522"/>
-                  </a:lnTo>
-                  <a:lnTo>
-                    <a:pt x="993490" y="138398"/>
-                  </a:lnTo>
-                  <a:lnTo>
-                    <a:pt x="1024537" y="138398"/>
-                  </a:lnTo>
-                  <a:lnTo>
-                    <a:pt x="1024537" y="180982"/>
-                  </a:lnTo>
-                  <a:lnTo>
-                    <a:pt x="1055584" y="180982"/>
-                  </a:lnTo>
-                  <a:lnTo>
-                    <a:pt x="1055584" y="212920"/>
-                  </a:lnTo>
-                  <a:lnTo>
-                    <a:pt x="1086630" y="212920"/>
-                  </a:lnTo>
-                  <a:lnTo>
-                    <a:pt x="1086630" y="266150"/>
-                  </a:lnTo>
-                  <a:lnTo>
-                    <a:pt x="1117677" y="266150"/>
-                  </a:lnTo>
-                  <a:lnTo>
-                    <a:pt x="1117677" y="319380"/>
-                  </a:lnTo>
-                  <a:lnTo>
-                    <a:pt x="1148723" y="319380"/>
-                  </a:lnTo>
-                  <a:lnTo>
-                    <a:pt x="1148723" y="340672"/>
-                  </a:lnTo>
-                  <a:lnTo>
-                    <a:pt x="1179770" y="340672"/>
-                  </a:lnTo>
-                  <a:lnTo>
-                    <a:pt x="1179770" y="351318"/>
-                  </a:lnTo>
-                  <a:lnTo>
-                    <a:pt x="1210816" y="351318"/>
-                  </a:lnTo>
-                  <a:lnTo>
-                    <a:pt x="1210816" y="361965"/>
-                  </a:lnTo>
-                  <a:lnTo>
-                    <a:pt x="1241863" y="361965"/>
-                  </a:lnTo>
-                  <a:lnTo>
-                    <a:pt x="1241863" y="383257"/>
-                  </a:lnTo>
-                  <a:lnTo>
-                    <a:pt x="1459189" y="383257"/>
-                  </a:lnTo>
-                  <a:lnTo>
-                    <a:pt x="1459189" y="393903"/>
-                  </a:lnTo>
-                  <a:lnTo>
-                    <a:pt x="1490236" y="393903"/>
-                  </a:lnTo>
-                  <a:lnTo>
-                    <a:pt x="1490236" y="404549"/>
-                  </a:lnTo>
-                  <a:lnTo>
-                    <a:pt x="1676515" y="404549"/>
-                  </a:lnTo>
-                  <a:lnTo>
-                    <a:pt x="1676515" y="415195"/>
+                    <a:pt x="807211" y="18958"/>
+                  </a:lnTo>
+                  <a:lnTo>
+                    <a:pt x="838257" y="18958"/>
+                  </a:lnTo>
+                  <a:lnTo>
+                    <a:pt x="838257" y="56876"/>
+                  </a:lnTo>
+                  <a:lnTo>
+                    <a:pt x="931397" y="56876"/>
+                  </a:lnTo>
+                  <a:lnTo>
+                    <a:pt x="931397" y="94793"/>
+                  </a:lnTo>
+                  <a:lnTo>
+                    <a:pt x="962444" y="94793"/>
+                  </a:lnTo>
+                  <a:lnTo>
+                    <a:pt x="962444" y="132711"/>
+                  </a:lnTo>
+                  <a:lnTo>
+                    <a:pt x="993490" y="132711"/>
+                  </a:lnTo>
+                  <a:lnTo>
+                    <a:pt x="993490" y="246463"/>
+                  </a:lnTo>
+                  <a:lnTo>
+                    <a:pt x="1024537" y="246463"/>
+                  </a:lnTo>
+                  <a:lnTo>
+                    <a:pt x="1024537" y="322298"/>
+                  </a:lnTo>
+                  <a:lnTo>
+                    <a:pt x="1055584" y="322298"/>
+                  </a:lnTo>
+                  <a:lnTo>
+                    <a:pt x="1055584" y="379175"/>
+                  </a:lnTo>
+                  <a:lnTo>
+                    <a:pt x="1086630" y="379175"/>
+                  </a:lnTo>
+                  <a:lnTo>
+                    <a:pt x="1086630" y="473968"/>
+                  </a:lnTo>
+                  <a:lnTo>
+                    <a:pt x="1117677" y="473968"/>
+                  </a:lnTo>
+                  <a:lnTo>
+                    <a:pt x="1117677" y="568762"/>
+                  </a:lnTo>
+                  <a:lnTo>
+                    <a:pt x="1148723" y="568762"/>
+                  </a:lnTo>
+                  <a:lnTo>
+                    <a:pt x="1148723" y="606680"/>
+                  </a:lnTo>
+                  <a:lnTo>
+                    <a:pt x="1179770" y="606680"/>
+                  </a:lnTo>
+                  <a:lnTo>
+                    <a:pt x="1179770" y="625638"/>
+                  </a:lnTo>
+                  <a:lnTo>
+                    <a:pt x="1210816" y="625638"/>
+                  </a:lnTo>
+                  <a:lnTo>
+                    <a:pt x="1210816" y="644597"/>
+                  </a:lnTo>
+                  <a:lnTo>
+                    <a:pt x="1241863" y="644597"/>
+                  </a:lnTo>
+                  <a:lnTo>
+                    <a:pt x="1241863" y="682515"/>
+                  </a:lnTo>
+                  <a:lnTo>
+                    <a:pt x="1459189" y="682515"/>
+                  </a:lnTo>
+                  <a:lnTo>
+                    <a:pt x="1459189" y="701474"/>
+                  </a:lnTo>
+                  <a:lnTo>
+                    <a:pt x="1490236" y="701474"/>
+                  </a:lnTo>
+                  <a:lnTo>
+                    <a:pt x="1490236" y="720432"/>
+                  </a:lnTo>
+                  <a:lnTo>
+                    <a:pt x="1676515" y="720432"/>
+                  </a:lnTo>
+                  <a:lnTo>
+                    <a:pt x="1676515" y="739391"/>
                   </a:lnTo>
                 </a:path>
               </a:pathLst>
@@ -2640,13 +2640,13 @@
           </p:nvSpPr>
           <p:spPr>
             <a:xfrm>
-              <a:off x="1821995" y="1369144"/>
-              <a:ext cx="1676515" cy="351318"/>
+              <a:off x="1821995" y="1410708"/>
+              <a:ext cx="1676515" cy="625638"/>
             </a:xfrm>
             <a:custGeom>
               <a:avLst/>
               <a:pathLst>
-                <a:path w="1676515" h="351318">
+                <a:path w="1676515" h="625638">
                   <a:moveTo>
                     <a:pt x="0" y="0"/>
                   </a:moveTo>
@@ -2654,121 +2654,121 @@
                     <a:pt x="714071" y="0"/>
                   </a:lnTo>
                   <a:lnTo>
-                    <a:pt x="714071" y="10646"/>
-                  </a:lnTo>
-                  <a:lnTo>
-                    <a:pt x="807211" y="10646"/>
-                  </a:lnTo>
-                  <a:lnTo>
-                    <a:pt x="807211" y="53230"/>
-                  </a:lnTo>
-                  <a:lnTo>
-                    <a:pt x="838257" y="53230"/>
-                  </a:lnTo>
-                  <a:lnTo>
-                    <a:pt x="838257" y="63876"/>
-                  </a:lnTo>
-                  <a:lnTo>
-                    <a:pt x="900351" y="63876"/>
-                  </a:lnTo>
-                  <a:lnTo>
-                    <a:pt x="900351" y="74522"/>
-                  </a:lnTo>
-                  <a:lnTo>
-                    <a:pt x="962444" y="74522"/>
-                  </a:lnTo>
-                  <a:lnTo>
-                    <a:pt x="962444" y="85168"/>
-                  </a:lnTo>
-                  <a:lnTo>
-                    <a:pt x="993490" y="85168"/>
-                  </a:lnTo>
-                  <a:lnTo>
-                    <a:pt x="993490" y="95814"/>
-                  </a:lnTo>
-                  <a:lnTo>
-                    <a:pt x="1024537" y="95814"/>
-                  </a:lnTo>
-                  <a:lnTo>
-                    <a:pt x="1024537" y="106460"/>
-                  </a:lnTo>
-                  <a:lnTo>
-                    <a:pt x="1055584" y="106460"/>
-                  </a:lnTo>
-                  <a:lnTo>
-                    <a:pt x="1055584" y="127752"/>
-                  </a:lnTo>
-                  <a:lnTo>
-                    <a:pt x="1086630" y="127752"/>
-                  </a:lnTo>
-                  <a:lnTo>
-                    <a:pt x="1086630" y="149044"/>
-                  </a:lnTo>
-                  <a:lnTo>
-                    <a:pt x="1117677" y="149044"/>
-                  </a:lnTo>
-                  <a:lnTo>
-                    <a:pt x="1117677" y="170336"/>
-                  </a:lnTo>
-                  <a:lnTo>
-                    <a:pt x="1148723" y="170336"/>
-                  </a:lnTo>
-                  <a:lnTo>
-                    <a:pt x="1148723" y="191628"/>
-                  </a:lnTo>
-                  <a:lnTo>
-                    <a:pt x="1241863" y="191628"/>
-                  </a:lnTo>
-                  <a:lnTo>
-                    <a:pt x="1241863" y="212920"/>
-                  </a:lnTo>
-                  <a:lnTo>
-                    <a:pt x="1335003" y="212920"/>
-                  </a:lnTo>
-                  <a:lnTo>
-                    <a:pt x="1335003" y="223566"/>
-                  </a:lnTo>
-                  <a:lnTo>
-                    <a:pt x="1366049" y="223566"/>
-                  </a:lnTo>
-                  <a:lnTo>
-                    <a:pt x="1366049" y="244858"/>
-                  </a:lnTo>
-                  <a:lnTo>
-                    <a:pt x="1397096" y="244858"/>
-                  </a:lnTo>
-                  <a:lnTo>
-                    <a:pt x="1397096" y="276796"/>
-                  </a:lnTo>
-                  <a:lnTo>
-                    <a:pt x="1428143" y="276796"/>
-                  </a:lnTo>
-                  <a:lnTo>
-                    <a:pt x="1428143" y="287442"/>
-                  </a:lnTo>
-                  <a:lnTo>
-                    <a:pt x="1490236" y="287442"/>
-                  </a:lnTo>
-                  <a:lnTo>
-                    <a:pt x="1490236" y="319380"/>
-                  </a:lnTo>
-                  <a:lnTo>
-                    <a:pt x="1521282" y="319380"/>
-                  </a:lnTo>
-                  <a:lnTo>
-                    <a:pt x="1521282" y="340672"/>
-                  </a:lnTo>
-                  <a:lnTo>
-                    <a:pt x="1552329" y="340672"/>
-                  </a:lnTo>
-                  <a:lnTo>
-                    <a:pt x="1552329" y="351318"/>
-                  </a:lnTo>
-                  <a:lnTo>
-                    <a:pt x="1676515" y="351318"/>
-                  </a:lnTo>
-                  <a:lnTo>
-                    <a:pt x="1676515" y="351318"/>
+                    <a:pt x="714071" y="18958"/>
+                  </a:lnTo>
+                  <a:lnTo>
+                    <a:pt x="807211" y="18958"/>
+                  </a:lnTo>
+                  <a:lnTo>
+                    <a:pt x="807211" y="94793"/>
+                  </a:lnTo>
+                  <a:lnTo>
+                    <a:pt x="838257" y="94793"/>
+                  </a:lnTo>
+                  <a:lnTo>
+                    <a:pt x="838257" y="113752"/>
+                  </a:lnTo>
+                  <a:lnTo>
+                    <a:pt x="900351" y="113752"/>
+                  </a:lnTo>
+                  <a:lnTo>
+                    <a:pt x="900351" y="132711"/>
+                  </a:lnTo>
+                  <a:lnTo>
+                    <a:pt x="962444" y="132711"/>
+                  </a:lnTo>
+                  <a:lnTo>
+                    <a:pt x="962444" y="151670"/>
+                  </a:lnTo>
+                  <a:lnTo>
+                    <a:pt x="993490" y="151670"/>
+                  </a:lnTo>
+                  <a:lnTo>
+                    <a:pt x="993490" y="170628"/>
+                  </a:lnTo>
+                  <a:lnTo>
+                    <a:pt x="1024537" y="170628"/>
+                  </a:lnTo>
+                  <a:lnTo>
+                    <a:pt x="1024537" y="189587"/>
+                  </a:lnTo>
+                  <a:lnTo>
+                    <a:pt x="1055584" y="189587"/>
+                  </a:lnTo>
+                  <a:lnTo>
+                    <a:pt x="1055584" y="227505"/>
+                  </a:lnTo>
+                  <a:lnTo>
+                    <a:pt x="1086630" y="227505"/>
+                  </a:lnTo>
+                  <a:lnTo>
+                    <a:pt x="1086630" y="265422"/>
+                  </a:lnTo>
+                  <a:lnTo>
+                    <a:pt x="1117677" y="265422"/>
+                  </a:lnTo>
+                  <a:lnTo>
+                    <a:pt x="1117677" y="303340"/>
+                  </a:lnTo>
+                  <a:lnTo>
+                    <a:pt x="1148723" y="303340"/>
+                  </a:lnTo>
+                  <a:lnTo>
+                    <a:pt x="1148723" y="341257"/>
+                  </a:lnTo>
+                  <a:lnTo>
+                    <a:pt x="1241863" y="341257"/>
+                  </a:lnTo>
+                  <a:lnTo>
+                    <a:pt x="1241863" y="379175"/>
+                  </a:lnTo>
+                  <a:lnTo>
+                    <a:pt x="1335003" y="379175"/>
+                  </a:lnTo>
+                  <a:lnTo>
+                    <a:pt x="1335003" y="398133"/>
+                  </a:lnTo>
+                  <a:lnTo>
+                    <a:pt x="1366049" y="398133"/>
+                  </a:lnTo>
+                  <a:lnTo>
+                    <a:pt x="1366049" y="436051"/>
+                  </a:lnTo>
+                  <a:lnTo>
+                    <a:pt x="1397096" y="436051"/>
+                  </a:lnTo>
+                  <a:lnTo>
+                    <a:pt x="1397096" y="492927"/>
+                  </a:lnTo>
+                  <a:lnTo>
+                    <a:pt x="1428143" y="492927"/>
+                  </a:lnTo>
+                  <a:lnTo>
+                    <a:pt x="1428143" y="511886"/>
+                  </a:lnTo>
+                  <a:lnTo>
+                    <a:pt x="1490236" y="511886"/>
+                  </a:lnTo>
+                  <a:lnTo>
+                    <a:pt x="1490236" y="568762"/>
+                  </a:lnTo>
+                  <a:lnTo>
+                    <a:pt x="1521282" y="568762"/>
+                  </a:lnTo>
+                  <a:lnTo>
+                    <a:pt x="1521282" y="606680"/>
+                  </a:lnTo>
+                  <a:lnTo>
+                    <a:pt x="1552329" y="606680"/>
+                  </a:lnTo>
+                  <a:lnTo>
+                    <a:pt x="1552329" y="625638"/>
+                  </a:lnTo>
+                  <a:lnTo>
+                    <a:pt x="1676515" y="625638"/>
+                  </a:lnTo>
+                  <a:lnTo>
+                    <a:pt x="1676515" y="625638"/>
                   </a:lnTo>
                 </a:path>
               </a:pathLst>
@@ -2797,7 +2797,7 @@
           </p:nvSpPr>
           <p:spPr>
             <a:xfrm>
-              <a:off x="3425359" y="1687020"/>
+              <a:off x="3425359" y="2019529"/>
               <a:ext cx="146301" cy="109470"/>
             </a:xfrm>
             <a:prstGeom prst="rect">
@@ -2843,7 +2843,7 @@
           </p:nvSpPr>
           <p:spPr>
             <a:xfrm>
-              <a:off x="3425359" y="1729604"/>
+              <a:off x="3425359" y="2095364"/>
               <a:ext cx="146301" cy="109470"/>
             </a:xfrm>
             <a:prstGeom prst="rect">
@@ -2889,7 +2889,7 @@
           </p:nvSpPr>
           <p:spPr>
             <a:xfrm>
-              <a:off x="3425359" y="1665728"/>
+              <a:off x="3425359" y="1981612"/>
               <a:ext cx="146301" cy="109470"/>
             </a:xfrm>
             <a:prstGeom prst="rect">
@@ -2936,7 +2936,7 @@
           <p:spPr>
             <a:xfrm>
               <a:off x="1738169" y="1315914"/>
-              <a:ext cx="1844167" cy="1171063"/>
+              <a:ext cx="1844167" cy="2085463"/>
             </a:xfrm>
             <a:prstGeom prst="rect">
               <a:avLst/>
@@ -2956,8 +2956,8 @@
           </p:nvSpPr>
           <p:spPr>
             <a:xfrm>
-              <a:off x="1738169" y="2850534"/>
-              <a:ext cx="1844167" cy="1171063"/>
+              <a:off x="1738169" y="3764934"/>
+              <a:ext cx="1844167" cy="2085463"/>
             </a:xfrm>
             <a:prstGeom prst="rect">
               <a:avLst/>
@@ -2982,13 +2982,13 @@
           </p:nvSpPr>
           <p:spPr>
             <a:xfrm>
-              <a:off x="1821995" y="2903765"/>
-              <a:ext cx="1676515" cy="287442"/>
+              <a:off x="1821995" y="3859728"/>
+              <a:ext cx="1676515" cy="511886"/>
             </a:xfrm>
             <a:custGeom>
               <a:avLst/>
               <a:pathLst>
-                <a:path w="1676515" h="287442">
+                <a:path w="1676515" h="511886">
                   <a:moveTo>
                     <a:pt x="0" y="0"/>
                   </a:moveTo>
@@ -2996,97 +2996,97 @@
                     <a:pt x="620931" y="0"/>
                   </a:lnTo>
                   <a:lnTo>
-                    <a:pt x="620931" y="10646"/>
-                  </a:lnTo>
-                  <a:lnTo>
-                    <a:pt x="807211" y="10646"/>
-                  </a:lnTo>
-                  <a:lnTo>
-                    <a:pt x="807211" y="21292"/>
-                  </a:lnTo>
-                  <a:lnTo>
-                    <a:pt x="869304" y="21292"/>
-                  </a:lnTo>
-                  <a:lnTo>
-                    <a:pt x="869304" y="31938"/>
-                  </a:lnTo>
-                  <a:lnTo>
-                    <a:pt x="900351" y="31938"/>
-                  </a:lnTo>
-                  <a:lnTo>
-                    <a:pt x="900351" y="42584"/>
-                  </a:lnTo>
-                  <a:lnTo>
-                    <a:pt x="931397" y="42584"/>
-                  </a:lnTo>
-                  <a:lnTo>
-                    <a:pt x="931397" y="74522"/>
-                  </a:lnTo>
-                  <a:lnTo>
-                    <a:pt x="962444" y="74522"/>
-                  </a:lnTo>
-                  <a:lnTo>
-                    <a:pt x="962444" y="106460"/>
-                  </a:lnTo>
-                  <a:lnTo>
-                    <a:pt x="993490" y="106460"/>
-                  </a:lnTo>
-                  <a:lnTo>
-                    <a:pt x="993490" y="117106"/>
-                  </a:lnTo>
-                  <a:lnTo>
-                    <a:pt x="1024537" y="117106"/>
-                  </a:lnTo>
-                  <a:lnTo>
-                    <a:pt x="1024537" y="159690"/>
-                  </a:lnTo>
-                  <a:lnTo>
-                    <a:pt x="1055584" y="159690"/>
-                  </a:lnTo>
-                  <a:lnTo>
-                    <a:pt x="1055584" y="180982"/>
-                  </a:lnTo>
-                  <a:lnTo>
-                    <a:pt x="1086630" y="180982"/>
-                  </a:lnTo>
-                  <a:lnTo>
-                    <a:pt x="1086630" y="202274"/>
-                  </a:lnTo>
-                  <a:lnTo>
-                    <a:pt x="1117677" y="202274"/>
-                  </a:lnTo>
-                  <a:lnTo>
-                    <a:pt x="1117677" y="223566"/>
-                  </a:lnTo>
-                  <a:lnTo>
-                    <a:pt x="1148723" y="223566"/>
-                  </a:lnTo>
-                  <a:lnTo>
-                    <a:pt x="1148723" y="244858"/>
-                  </a:lnTo>
-                  <a:lnTo>
-                    <a:pt x="1210816" y="244858"/>
-                  </a:lnTo>
-                  <a:lnTo>
-                    <a:pt x="1210816" y="255504"/>
-                  </a:lnTo>
-                  <a:lnTo>
-                    <a:pt x="1272910" y="255504"/>
-                  </a:lnTo>
-                  <a:lnTo>
-                    <a:pt x="1272910" y="276796"/>
-                  </a:lnTo>
-                  <a:lnTo>
-                    <a:pt x="1366049" y="276796"/>
-                  </a:lnTo>
-                  <a:lnTo>
-                    <a:pt x="1366049" y="287442"/>
-                  </a:lnTo>
-                  <a:lnTo>
-                    <a:pt x="1676515" y="287442"/>
-                  </a:lnTo>
-                  <a:lnTo>
-                    <a:pt x="1676515" y="287442"/>
+                    <a:pt x="620931" y="18958"/>
+                  </a:lnTo>
+                  <a:lnTo>
+                    <a:pt x="807211" y="18958"/>
+                  </a:lnTo>
+                  <a:lnTo>
+                    <a:pt x="807211" y="37917"/>
+                  </a:lnTo>
+                  <a:lnTo>
+                    <a:pt x="869304" y="37917"/>
+                  </a:lnTo>
+                  <a:lnTo>
+                    <a:pt x="869304" y="56876"/>
+                  </a:lnTo>
+                  <a:lnTo>
+                    <a:pt x="900351" y="56876"/>
+                  </a:lnTo>
+                  <a:lnTo>
+                    <a:pt x="900351" y="75835"/>
+                  </a:lnTo>
+                  <a:lnTo>
+                    <a:pt x="931397" y="75835"/>
+                  </a:lnTo>
+                  <a:lnTo>
+                    <a:pt x="931397" y="132711"/>
+                  </a:lnTo>
+                  <a:lnTo>
+                    <a:pt x="962444" y="132711"/>
+                  </a:lnTo>
+                  <a:lnTo>
+                    <a:pt x="962444" y="189587"/>
+                  </a:lnTo>
+                  <a:lnTo>
+                    <a:pt x="993490" y="189587"/>
+                  </a:lnTo>
+                  <a:lnTo>
+                    <a:pt x="993490" y="208546"/>
+                  </a:lnTo>
+                  <a:lnTo>
+                    <a:pt x="1024537" y="208546"/>
+                  </a:lnTo>
+                  <a:lnTo>
+                    <a:pt x="1024537" y="284381"/>
+                  </a:lnTo>
+                  <a:lnTo>
+                    <a:pt x="1055584" y="284381"/>
+                  </a:lnTo>
+                  <a:lnTo>
+                    <a:pt x="1055584" y="322298"/>
+                  </a:lnTo>
+                  <a:lnTo>
+                    <a:pt x="1086630" y="322298"/>
+                  </a:lnTo>
+                  <a:lnTo>
+                    <a:pt x="1086630" y="360216"/>
+                  </a:lnTo>
+                  <a:lnTo>
+                    <a:pt x="1117677" y="360216"/>
+                  </a:lnTo>
+                  <a:lnTo>
+                    <a:pt x="1117677" y="398133"/>
+                  </a:lnTo>
+                  <a:lnTo>
+                    <a:pt x="1148723" y="398133"/>
+                  </a:lnTo>
+                  <a:lnTo>
+                    <a:pt x="1148723" y="436051"/>
+                  </a:lnTo>
+                  <a:lnTo>
+                    <a:pt x="1210816" y="436051"/>
+                  </a:lnTo>
+                  <a:lnTo>
+                    <a:pt x="1210816" y="455010"/>
+                  </a:lnTo>
+                  <a:lnTo>
+                    <a:pt x="1272910" y="455010"/>
+                  </a:lnTo>
+                  <a:lnTo>
+                    <a:pt x="1272910" y="492927"/>
+                  </a:lnTo>
+                  <a:lnTo>
+                    <a:pt x="1366049" y="492927"/>
+                  </a:lnTo>
+                  <a:lnTo>
+                    <a:pt x="1366049" y="511886"/>
+                  </a:lnTo>
+                  <a:lnTo>
+                    <a:pt x="1676515" y="511886"/>
+                  </a:lnTo>
+                  <a:lnTo>
+                    <a:pt x="1676515" y="511886"/>
                   </a:lnTo>
                 </a:path>
               </a:pathLst>
@@ -3115,13 +3115,13 @@
           </p:nvSpPr>
           <p:spPr>
             <a:xfrm>
-              <a:off x="1821995" y="2903765"/>
-              <a:ext cx="1676515" cy="319380"/>
+              <a:off x="1821995" y="3859728"/>
+              <a:ext cx="1676515" cy="568762"/>
             </a:xfrm>
             <a:custGeom>
               <a:avLst/>
               <a:pathLst>
-                <a:path w="1676515" h="319380">
+                <a:path w="1676515" h="568762">
                   <a:moveTo>
                     <a:pt x="0" y="0"/>
                   </a:moveTo>
@@ -3129,115 +3129,115 @@
                     <a:pt x="838257" y="0"/>
                   </a:lnTo>
                   <a:lnTo>
-                    <a:pt x="838257" y="10646"/>
-                  </a:lnTo>
-                  <a:lnTo>
-                    <a:pt x="869304" y="10646"/>
-                  </a:lnTo>
-                  <a:lnTo>
-                    <a:pt x="869304" y="21292"/>
-                  </a:lnTo>
-                  <a:lnTo>
-                    <a:pt x="900351" y="21292"/>
-                  </a:lnTo>
-                  <a:lnTo>
-                    <a:pt x="900351" y="31938"/>
-                  </a:lnTo>
-                  <a:lnTo>
-                    <a:pt x="931397" y="31938"/>
-                  </a:lnTo>
-                  <a:lnTo>
-                    <a:pt x="931397" y="42584"/>
-                  </a:lnTo>
-                  <a:lnTo>
-                    <a:pt x="962444" y="42584"/>
-                  </a:lnTo>
-                  <a:lnTo>
-                    <a:pt x="962444" y="53230"/>
-                  </a:lnTo>
-                  <a:lnTo>
-                    <a:pt x="1024537" y="53230"/>
-                  </a:lnTo>
-                  <a:lnTo>
-                    <a:pt x="1024537" y="74522"/>
-                  </a:lnTo>
-                  <a:lnTo>
-                    <a:pt x="1055584" y="74522"/>
-                  </a:lnTo>
-                  <a:lnTo>
-                    <a:pt x="1055584" y="85168"/>
-                  </a:lnTo>
-                  <a:lnTo>
-                    <a:pt x="1086630" y="85168"/>
-                  </a:lnTo>
-                  <a:lnTo>
-                    <a:pt x="1086630" y="138398"/>
-                  </a:lnTo>
-                  <a:lnTo>
-                    <a:pt x="1117677" y="138398"/>
-                  </a:lnTo>
-                  <a:lnTo>
-                    <a:pt x="1117677" y="159690"/>
-                  </a:lnTo>
-                  <a:lnTo>
-                    <a:pt x="1148723" y="159690"/>
-                  </a:lnTo>
-                  <a:lnTo>
-                    <a:pt x="1148723" y="180982"/>
-                  </a:lnTo>
-                  <a:lnTo>
-                    <a:pt x="1179770" y="180982"/>
-                  </a:lnTo>
-                  <a:lnTo>
-                    <a:pt x="1179770" y="212920"/>
-                  </a:lnTo>
-                  <a:lnTo>
-                    <a:pt x="1210816" y="212920"/>
-                  </a:lnTo>
-                  <a:lnTo>
-                    <a:pt x="1210816" y="223566"/>
-                  </a:lnTo>
-                  <a:lnTo>
-                    <a:pt x="1241863" y="223566"/>
-                  </a:lnTo>
-                  <a:lnTo>
-                    <a:pt x="1241863" y="234212"/>
-                  </a:lnTo>
-                  <a:lnTo>
-                    <a:pt x="1272910" y="234212"/>
-                  </a:lnTo>
-                  <a:lnTo>
-                    <a:pt x="1272910" y="244858"/>
-                  </a:lnTo>
-                  <a:lnTo>
-                    <a:pt x="1335003" y="244858"/>
-                  </a:lnTo>
-                  <a:lnTo>
-                    <a:pt x="1335003" y="255504"/>
-                  </a:lnTo>
-                  <a:lnTo>
-                    <a:pt x="1397096" y="255504"/>
-                  </a:lnTo>
-                  <a:lnTo>
-                    <a:pt x="1397096" y="287442"/>
-                  </a:lnTo>
-                  <a:lnTo>
-                    <a:pt x="1490236" y="287442"/>
-                  </a:lnTo>
-                  <a:lnTo>
-                    <a:pt x="1490236" y="298088"/>
-                  </a:lnTo>
-                  <a:lnTo>
-                    <a:pt x="1521282" y="298088"/>
-                  </a:lnTo>
-                  <a:lnTo>
-                    <a:pt x="1521282" y="319380"/>
-                  </a:lnTo>
-                  <a:lnTo>
-                    <a:pt x="1676515" y="319380"/>
-                  </a:lnTo>
-                  <a:lnTo>
-                    <a:pt x="1676515" y="319380"/>
+                    <a:pt x="838257" y="18958"/>
+                  </a:lnTo>
+                  <a:lnTo>
+                    <a:pt x="869304" y="18958"/>
+                  </a:lnTo>
+                  <a:lnTo>
+                    <a:pt x="869304" y="37917"/>
+                  </a:lnTo>
+                  <a:lnTo>
+                    <a:pt x="900351" y="37917"/>
+                  </a:lnTo>
+                  <a:lnTo>
+                    <a:pt x="900351" y="56876"/>
+                  </a:lnTo>
+                  <a:lnTo>
+                    <a:pt x="931397" y="56876"/>
+                  </a:lnTo>
+                  <a:lnTo>
+                    <a:pt x="931397" y="75835"/>
+                  </a:lnTo>
+                  <a:lnTo>
+                    <a:pt x="962444" y="75835"/>
+                  </a:lnTo>
+                  <a:lnTo>
+                    <a:pt x="962444" y="94793"/>
+                  </a:lnTo>
+                  <a:lnTo>
+                    <a:pt x="1024537" y="94793"/>
+                  </a:lnTo>
+                  <a:lnTo>
+                    <a:pt x="1024537" y="132711"/>
+                  </a:lnTo>
+                  <a:lnTo>
+                    <a:pt x="1055584" y="132711"/>
+                  </a:lnTo>
+                  <a:lnTo>
+                    <a:pt x="1055584" y="151670"/>
+                  </a:lnTo>
+                  <a:lnTo>
+                    <a:pt x="1086630" y="151670"/>
+                  </a:lnTo>
+                  <a:lnTo>
+                    <a:pt x="1086630" y="246463"/>
+                  </a:lnTo>
+                  <a:lnTo>
+                    <a:pt x="1117677" y="246463"/>
+                  </a:lnTo>
+                  <a:lnTo>
+                    <a:pt x="1117677" y="284381"/>
+                  </a:lnTo>
+                  <a:lnTo>
+                    <a:pt x="1148723" y="284381"/>
+                  </a:lnTo>
+                  <a:lnTo>
+                    <a:pt x="1148723" y="322298"/>
+                  </a:lnTo>
+                  <a:lnTo>
+                    <a:pt x="1179770" y="322298"/>
+                  </a:lnTo>
+                  <a:lnTo>
+                    <a:pt x="1179770" y="379175"/>
+                  </a:lnTo>
+                  <a:lnTo>
+                    <a:pt x="1210816" y="379175"/>
+                  </a:lnTo>
+                  <a:lnTo>
+                    <a:pt x="1210816" y="398133"/>
+                  </a:lnTo>
+                  <a:lnTo>
+                    <a:pt x="1241863" y="398133"/>
+                  </a:lnTo>
+                  <a:lnTo>
+                    <a:pt x="1241863" y="417092"/>
+                  </a:lnTo>
+                  <a:lnTo>
+                    <a:pt x="1272910" y="417092"/>
+                  </a:lnTo>
+                  <a:lnTo>
+                    <a:pt x="1272910" y="436051"/>
+                  </a:lnTo>
+                  <a:lnTo>
+                    <a:pt x="1335003" y="436051"/>
+                  </a:lnTo>
+                  <a:lnTo>
+                    <a:pt x="1335003" y="455010"/>
+                  </a:lnTo>
+                  <a:lnTo>
+                    <a:pt x="1397096" y="455010"/>
+                  </a:lnTo>
+                  <a:lnTo>
+                    <a:pt x="1397096" y="511886"/>
+                  </a:lnTo>
+                  <a:lnTo>
+                    <a:pt x="1490236" y="511886"/>
+                  </a:lnTo>
+                  <a:lnTo>
+                    <a:pt x="1490236" y="530845"/>
+                  </a:lnTo>
+                  <a:lnTo>
+                    <a:pt x="1521282" y="530845"/>
+                  </a:lnTo>
+                  <a:lnTo>
+                    <a:pt x="1521282" y="568762"/>
+                  </a:lnTo>
+                  <a:lnTo>
+                    <a:pt x="1676515" y="568762"/>
+                  </a:lnTo>
+                  <a:lnTo>
+                    <a:pt x="1676515" y="568762"/>
                   </a:lnTo>
                 </a:path>
               </a:pathLst>
@@ -3266,13 +3266,13 @@
           </p:nvSpPr>
           <p:spPr>
             <a:xfrm>
-              <a:off x="1821995" y="2903765"/>
-              <a:ext cx="1676515" cy="330026"/>
+              <a:off x="1821995" y="3859728"/>
+              <a:ext cx="1676515" cy="587721"/>
             </a:xfrm>
             <a:custGeom>
               <a:avLst/>
               <a:pathLst>
-                <a:path w="1676515" h="330026">
+                <a:path w="1676515" h="587721">
                   <a:moveTo>
                     <a:pt x="0" y="0"/>
                   </a:moveTo>
@@ -3280,103 +3280,103 @@
                     <a:pt x="683024" y="0"/>
                   </a:lnTo>
                   <a:lnTo>
-                    <a:pt x="683024" y="10646"/>
-                  </a:lnTo>
-                  <a:lnTo>
-                    <a:pt x="745118" y="10646"/>
-                  </a:lnTo>
-                  <a:lnTo>
-                    <a:pt x="745118" y="21292"/>
-                  </a:lnTo>
-                  <a:lnTo>
-                    <a:pt x="807211" y="21292"/>
-                  </a:lnTo>
-                  <a:lnTo>
-                    <a:pt x="807211" y="31938"/>
-                  </a:lnTo>
-                  <a:lnTo>
-                    <a:pt x="838257" y="31938"/>
-                  </a:lnTo>
-                  <a:lnTo>
-                    <a:pt x="838257" y="53230"/>
-                  </a:lnTo>
-                  <a:lnTo>
-                    <a:pt x="869304" y="53230"/>
-                  </a:lnTo>
-                  <a:lnTo>
-                    <a:pt x="869304" y="63876"/>
-                  </a:lnTo>
-                  <a:lnTo>
-                    <a:pt x="931397" y="63876"/>
-                  </a:lnTo>
-                  <a:lnTo>
-                    <a:pt x="931397" y="74522"/>
-                  </a:lnTo>
-                  <a:lnTo>
-                    <a:pt x="962444" y="74522"/>
-                  </a:lnTo>
-                  <a:lnTo>
-                    <a:pt x="962444" y="106460"/>
-                  </a:lnTo>
-                  <a:lnTo>
-                    <a:pt x="993490" y="106460"/>
-                  </a:lnTo>
-                  <a:lnTo>
-                    <a:pt x="993490" y="117106"/>
-                  </a:lnTo>
-                  <a:lnTo>
-                    <a:pt x="1024537" y="117106"/>
-                  </a:lnTo>
-                  <a:lnTo>
-                    <a:pt x="1024537" y="170336"/>
-                  </a:lnTo>
-                  <a:lnTo>
-                    <a:pt x="1055584" y="170336"/>
-                  </a:lnTo>
-                  <a:lnTo>
-                    <a:pt x="1055584" y="223566"/>
-                  </a:lnTo>
-                  <a:lnTo>
-                    <a:pt x="1086630" y="223566"/>
-                  </a:lnTo>
-                  <a:lnTo>
-                    <a:pt x="1086630" y="255504"/>
-                  </a:lnTo>
-                  <a:lnTo>
-                    <a:pt x="1117677" y="255504"/>
-                  </a:lnTo>
-                  <a:lnTo>
-                    <a:pt x="1117677" y="276796"/>
-                  </a:lnTo>
-                  <a:lnTo>
-                    <a:pt x="1148723" y="276796"/>
-                  </a:lnTo>
-                  <a:lnTo>
-                    <a:pt x="1148723" y="298088"/>
-                  </a:lnTo>
-                  <a:lnTo>
-                    <a:pt x="1179770" y="298088"/>
-                  </a:lnTo>
-                  <a:lnTo>
-                    <a:pt x="1179770" y="308734"/>
-                  </a:lnTo>
-                  <a:lnTo>
-                    <a:pt x="1210816" y="308734"/>
-                  </a:lnTo>
-                  <a:lnTo>
-                    <a:pt x="1210816" y="319380"/>
-                  </a:lnTo>
-                  <a:lnTo>
-                    <a:pt x="1583376" y="319380"/>
-                  </a:lnTo>
-                  <a:lnTo>
-                    <a:pt x="1583376" y="330026"/>
-                  </a:lnTo>
-                  <a:lnTo>
-                    <a:pt x="1676515" y="330026"/>
-                  </a:lnTo>
-                  <a:lnTo>
-                    <a:pt x="1676515" y="330026"/>
+                    <a:pt x="683024" y="18958"/>
+                  </a:lnTo>
+                  <a:lnTo>
+                    <a:pt x="745118" y="18958"/>
+                  </a:lnTo>
+                  <a:lnTo>
+                    <a:pt x="745118" y="37917"/>
+                  </a:lnTo>
+                  <a:lnTo>
+                    <a:pt x="807211" y="37917"/>
+                  </a:lnTo>
+                  <a:lnTo>
+                    <a:pt x="807211" y="56876"/>
+                  </a:lnTo>
+                  <a:lnTo>
+                    <a:pt x="838257" y="56876"/>
+                  </a:lnTo>
+                  <a:lnTo>
+                    <a:pt x="838257" y="94793"/>
+                  </a:lnTo>
+                  <a:lnTo>
+                    <a:pt x="869304" y="94793"/>
+                  </a:lnTo>
+                  <a:lnTo>
+                    <a:pt x="869304" y="113752"/>
+                  </a:lnTo>
+                  <a:lnTo>
+                    <a:pt x="931397" y="113752"/>
+                  </a:lnTo>
+                  <a:lnTo>
+                    <a:pt x="931397" y="132711"/>
+                  </a:lnTo>
+                  <a:lnTo>
+                    <a:pt x="962444" y="132711"/>
+                  </a:lnTo>
+                  <a:lnTo>
+                    <a:pt x="962444" y="189587"/>
+                  </a:lnTo>
+                  <a:lnTo>
+                    <a:pt x="993490" y="189587"/>
+                  </a:lnTo>
+                  <a:lnTo>
+                    <a:pt x="993490" y="208546"/>
+                  </a:lnTo>
+                  <a:lnTo>
+                    <a:pt x="1024537" y="208546"/>
+                  </a:lnTo>
+                  <a:lnTo>
+                    <a:pt x="1024537" y="303340"/>
+                  </a:lnTo>
+                  <a:lnTo>
+                    <a:pt x="1055584" y="303340"/>
+                  </a:lnTo>
+                  <a:lnTo>
+                    <a:pt x="1055584" y="398133"/>
+                  </a:lnTo>
+                  <a:lnTo>
+                    <a:pt x="1086630" y="398133"/>
+                  </a:lnTo>
+                  <a:lnTo>
+                    <a:pt x="1086630" y="455010"/>
+                  </a:lnTo>
+                  <a:lnTo>
+                    <a:pt x="1117677" y="455010"/>
+                  </a:lnTo>
+                  <a:lnTo>
+                    <a:pt x="1117677" y="492927"/>
+                  </a:lnTo>
+                  <a:lnTo>
+                    <a:pt x="1148723" y="492927"/>
+                  </a:lnTo>
+                  <a:lnTo>
+                    <a:pt x="1148723" y="530845"/>
+                  </a:lnTo>
+                  <a:lnTo>
+                    <a:pt x="1179770" y="530845"/>
+                  </a:lnTo>
+                  <a:lnTo>
+                    <a:pt x="1179770" y="549803"/>
+                  </a:lnTo>
+                  <a:lnTo>
+                    <a:pt x="1210816" y="549803"/>
+                  </a:lnTo>
+                  <a:lnTo>
+                    <a:pt x="1210816" y="568762"/>
+                  </a:lnTo>
+                  <a:lnTo>
+                    <a:pt x="1583376" y="568762"/>
+                  </a:lnTo>
+                  <a:lnTo>
+                    <a:pt x="1583376" y="587721"/>
+                  </a:lnTo>
+                  <a:lnTo>
+                    <a:pt x="1676515" y="587721"/>
+                  </a:lnTo>
+                  <a:lnTo>
+                    <a:pt x="1676515" y="587721"/>
                   </a:lnTo>
                 </a:path>
               </a:pathLst>
@@ -3405,7 +3405,7 @@
           </p:nvSpPr>
           <p:spPr>
             <a:xfrm>
-              <a:off x="3425359" y="3136472"/>
+              <a:off x="3425359" y="4316879"/>
               <a:ext cx="146301" cy="109470"/>
             </a:xfrm>
             <a:prstGeom prst="rect">
@@ -3451,7 +3451,7 @@
           </p:nvSpPr>
           <p:spPr>
             <a:xfrm>
-              <a:off x="3425359" y="3168410"/>
+              <a:off x="3425359" y="4373756"/>
               <a:ext cx="146301" cy="109470"/>
             </a:xfrm>
             <a:prstGeom prst="rect">
@@ -3497,7 +3497,7 @@
           </p:nvSpPr>
           <p:spPr>
             <a:xfrm>
-              <a:off x="3425359" y="3179056"/>
+              <a:off x="3425359" y="4392714"/>
               <a:ext cx="146301" cy="109470"/>
             </a:xfrm>
             <a:prstGeom prst="rect">
@@ -3543,8 +3543,8 @@
           </p:nvSpPr>
           <p:spPr>
             <a:xfrm>
-              <a:off x="1738169" y="2850534"/>
-              <a:ext cx="1844167" cy="1171063"/>
+              <a:off x="1738169" y="3764934"/>
+              <a:ext cx="1844167" cy="2085463"/>
             </a:xfrm>
             <a:prstGeom prst="rect">
               <a:avLst/>
@@ -3565,7 +3565,7 @@
           <p:spPr>
             <a:xfrm>
               <a:off x="3670904" y="1315914"/>
-              <a:ext cx="1844167" cy="1171063"/>
+              <a:ext cx="1844167" cy="2085463"/>
             </a:xfrm>
             <a:prstGeom prst="rect">
               <a:avLst/>
@@ -3590,13 +3590,13 @@
           </p:nvSpPr>
           <p:spPr>
             <a:xfrm>
-              <a:off x="3754730" y="1369144"/>
-              <a:ext cx="1676515" cy="393903"/>
+              <a:off x="3754730" y="1410708"/>
+              <a:ext cx="1676515" cy="701474"/>
             </a:xfrm>
             <a:custGeom>
               <a:avLst/>
               <a:pathLst>
-                <a:path w="1676515" h="393903">
+                <a:path w="1676515" h="701474">
                   <a:moveTo>
                     <a:pt x="0" y="0"/>
                   </a:moveTo>
@@ -3604,127 +3604,127 @@
                     <a:pt x="0" y="0"/>
                   </a:lnTo>
                   <a:lnTo>
-                    <a:pt x="0" y="10646"/>
-                  </a:lnTo>
-                  <a:lnTo>
-                    <a:pt x="589885" y="10646"/>
-                  </a:lnTo>
-                  <a:lnTo>
-                    <a:pt x="589885" y="21292"/>
-                  </a:lnTo>
-                  <a:lnTo>
-                    <a:pt x="651978" y="21292"/>
-                  </a:lnTo>
-                  <a:lnTo>
-                    <a:pt x="651978" y="31938"/>
-                  </a:lnTo>
-                  <a:lnTo>
-                    <a:pt x="683024" y="31938"/>
-                  </a:lnTo>
-                  <a:lnTo>
-                    <a:pt x="683024" y="42584"/>
-                  </a:lnTo>
-                  <a:lnTo>
-                    <a:pt x="745118" y="42584"/>
-                  </a:lnTo>
-                  <a:lnTo>
-                    <a:pt x="745118" y="53230"/>
-                  </a:lnTo>
-                  <a:lnTo>
-                    <a:pt x="838257" y="53230"/>
-                  </a:lnTo>
-                  <a:lnTo>
-                    <a:pt x="838257" y="74522"/>
-                  </a:lnTo>
-                  <a:lnTo>
-                    <a:pt x="900351" y="74522"/>
-                  </a:lnTo>
-                  <a:lnTo>
-                    <a:pt x="900351" y="85168"/>
-                  </a:lnTo>
-                  <a:lnTo>
-                    <a:pt x="931397" y="85168"/>
-                  </a:lnTo>
-                  <a:lnTo>
-                    <a:pt x="931397" y="138398"/>
-                  </a:lnTo>
-                  <a:lnTo>
-                    <a:pt x="962444" y="138398"/>
-                  </a:lnTo>
-                  <a:lnTo>
-                    <a:pt x="962444" y="149044"/>
-                  </a:lnTo>
-                  <a:lnTo>
-                    <a:pt x="1024537" y="149044"/>
-                  </a:lnTo>
-                  <a:lnTo>
-                    <a:pt x="1024537" y="191628"/>
-                  </a:lnTo>
-                  <a:lnTo>
-                    <a:pt x="1055584" y="191628"/>
-                  </a:lnTo>
-                  <a:lnTo>
-                    <a:pt x="1055584" y="223566"/>
-                  </a:lnTo>
-                  <a:lnTo>
-                    <a:pt x="1086630" y="223566"/>
-                  </a:lnTo>
-                  <a:lnTo>
-                    <a:pt x="1086630" y="255504"/>
-                  </a:lnTo>
-                  <a:lnTo>
-                    <a:pt x="1117677" y="255504"/>
-                  </a:lnTo>
-                  <a:lnTo>
-                    <a:pt x="1117677" y="276796"/>
-                  </a:lnTo>
-                  <a:lnTo>
-                    <a:pt x="1148723" y="276796"/>
-                  </a:lnTo>
-                  <a:lnTo>
-                    <a:pt x="1148723" y="298088"/>
-                  </a:lnTo>
-                  <a:lnTo>
-                    <a:pt x="1179770" y="298088"/>
-                  </a:lnTo>
-                  <a:lnTo>
-                    <a:pt x="1179770" y="308734"/>
-                  </a:lnTo>
-                  <a:lnTo>
-                    <a:pt x="1241863" y="308734"/>
-                  </a:lnTo>
-                  <a:lnTo>
-                    <a:pt x="1241863" y="330026"/>
-                  </a:lnTo>
-                  <a:lnTo>
-                    <a:pt x="1272910" y="330026"/>
-                  </a:lnTo>
-                  <a:lnTo>
-                    <a:pt x="1272910" y="351318"/>
-                  </a:lnTo>
-                  <a:lnTo>
-                    <a:pt x="1303956" y="351318"/>
-                  </a:lnTo>
-                  <a:lnTo>
-                    <a:pt x="1303956" y="361965"/>
-                  </a:lnTo>
-                  <a:lnTo>
-                    <a:pt x="1335003" y="361965"/>
-                  </a:lnTo>
-                  <a:lnTo>
-                    <a:pt x="1335003" y="383257"/>
-                  </a:lnTo>
-                  <a:lnTo>
-                    <a:pt x="1521282" y="383257"/>
-                  </a:lnTo>
-                  <a:lnTo>
-                    <a:pt x="1521282" y="393903"/>
-                  </a:lnTo>
-                  <a:lnTo>
-                    <a:pt x="1676515" y="393903"/>
-                  </a:lnTo>
-                  <a:lnTo>
-                    <a:pt x="1676515" y="393903"/>
+                    <a:pt x="0" y="18958"/>
+                  </a:lnTo>
+                  <a:lnTo>
+                    <a:pt x="589885" y="18958"/>
+                  </a:lnTo>
+                  <a:lnTo>
+                    <a:pt x="589885" y="37917"/>
+                  </a:lnTo>
+                  <a:lnTo>
+                    <a:pt x="651978" y="37917"/>
+                  </a:lnTo>
+                  <a:lnTo>
+                    <a:pt x="651978" y="56876"/>
+                  </a:lnTo>
+                  <a:lnTo>
+                    <a:pt x="683024" y="56876"/>
+                  </a:lnTo>
+                  <a:lnTo>
+                    <a:pt x="683024" y="75835"/>
+                  </a:lnTo>
+                  <a:lnTo>
+                    <a:pt x="745118" y="75835"/>
+                  </a:lnTo>
+                  <a:lnTo>
+                    <a:pt x="745118" y="94793"/>
+                  </a:lnTo>
+                  <a:lnTo>
+                    <a:pt x="838257" y="94793"/>
+                  </a:lnTo>
+                  <a:lnTo>
+                    <a:pt x="838257" y="132711"/>
+                  </a:lnTo>
+                  <a:lnTo>
+                    <a:pt x="900351" y="132711"/>
+                  </a:lnTo>
+                  <a:lnTo>
+                    <a:pt x="900351" y="151670"/>
+                  </a:lnTo>
+                  <a:lnTo>
+                    <a:pt x="931397" y="151670"/>
+                  </a:lnTo>
+                  <a:lnTo>
+                    <a:pt x="931397" y="246463"/>
+                  </a:lnTo>
+                  <a:lnTo>
+                    <a:pt x="962444" y="246463"/>
+                  </a:lnTo>
+                  <a:lnTo>
+                    <a:pt x="962444" y="265422"/>
+                  </a:lnTo>
+                  <a:lnTo>
+                    <a:pt x="1024537" y="265422"/>
+                  </a:lnTo>
+                  <a:lnTo>
+                    <a:pt x="1024537" y="341257"/>
+                  </a:lnTo>
+                  <a:lnTo>
+                    <a:pt x="1055584" y="341257"/>
+                  </a:lnTo>
+                  <a:lnTo>
+                    <a:pt x="1055584" y="398133"/>
+                  </a:lnTo>
+                  <a:lnTo>
+                    <a:pt x="1086630" y="398133"/>
+                  </a:lnTo>
+                  <a:lnTo>
+                    <a:pt x="1086630" y="455010"/>
+                  </a:lnTo>
+                  <a:lnTo>
+                    <a:pt x="1117677" y="455010"/>
+                  </a:lnTo>
+                  <a:lnTo>
+                    <a:pt x="1117677" y="492927"/>
+                  </a:lnTo>
+                  <a:lnTo>
+                    <a:pt x="1148723" y="492927"/>
+                  </a:lnTo>
+                  <a:lnTo>
+                    <a:pt x="1148723" y="530845"/>
+                  </a:lnTo>
+                  <a:lnTo>
+                    <a:pt x="1179770" y="530845"/>
+                  </a:lnTo>
+                  <a:lnTo>
+                    <a:pt x="1179770" y="549803"/>
+                  </a:lnTo>
+                  <a:lnTo>
+                    <a:pt x="1241863" y="549803"/>
+                  </a:lnTo>
+                  <a:lnTo>
+                    <a:pt x="1241863" y="587721"/>
+                  </a:lnTo>
+                  <a:lnTo>
+                    <a:pt x="1272910" y="587721"/>
+                  </a:lnTo>
+                  <a:lnTo>
+                    <a:pt x="1272910" y="625638"/>
+                  </a:lnTo>
+                  <a:lnTo>
+                    <a:pt x="1303956" y="625638"/>
+                  </a:lnTo>
+                  <a:lnTo>
+                    <a:pt x="1303956" y="644597"/>
+                  </a:lnTo>
+                  <a:lnTo>
+                    <a:pt x="1335003" y="644597"/>
+                  </a:lnTo>
+                  <a:lnTo>
+                    <a:pt x="1335003" y="682515"/>
+                  </a:lnTo>
+                  <a:lnTo>
+                    <a:pt x="1521282" y="682515"/>
+                  </a:lnTo>
+                  <a:lnTo>
+                    <a:pt x="1521282" y="701474"/>
+                  </a:lnTo>
+                  <a:lnTo>
+                    <a:pt x="1676515" y="701474"/>
+                  </a:lnTo>
+                  <a:lnTo>
+                    <a:pt x="1676515" y="701474"/>
                   </a:lnTo>
                 </a:path>
               </a:pathLst>
@@ -3753,13 +3753,13 @@
           </p:nvSpPr>
           <p:spPr>
             <a:xfrm>
-              <a:off x="3754730" y="1369144"/>
-              <a:ext cx="1676515" cy="383257"/>
+              <a:off x="3754730" y="1410708"/>
+              <a:ext cx="1676515" cy="682515"/>
             </a:xfrm>
             <a:custGeom>
               <a:avLst/>
               <a:pathLst>
-                <a:path w="1676515" h="383257">
+                <a:path w="1676515" h="682515">
                   <a:moveTo>
                     <a:pt x="0" y="0"/>
                   </a:moveTo>
@@ -3767,115 +3767,115 @@
                     <a:pt x="620931" y="0"/>
                   </a:lnTo>
                   <a:lnTo>
-                    <a:pt x="620931" y="21292"/>
-                  </a:lnTo>
-                  <a:lnTo>
-                    <a:pt x="745118" y="21292"/>
-                  </a:lnTo>
-                  <a:lnTo>
-                    <a:pt x="745118" y="31938"/>
-                  </a:lnTo>
-                  <a:lnTo>
-                    <a:pt x="776164" y="31938"/>
-                  </a:lnTo>
-                  <a:lnTo>
-                    <a:pt x="776164" y="42584"/>
-                  </a:lnTo>
-                  <a:lnTo>
-                    <a:pt x="807211" y="42584"/>
-                  </a:lnTo>
-                  <a:lnTo>
-                    <a:pt x="807211" y="85168"/>
-                  </a:lnTo>
-                  <a:lnTo>
-                    <a:pt x="838257" y="85168"/>
-                  </a:lnTo>
-                  <a:lnTo>
-                    <a:pt x="838257" y="127752"/>
-                  </a:lnTo>
-                  <a:lnTo>
-                    <a:pt x="869304" y="127752"/>
-                  </a:lnTo>
-                  <a:lnTo>
-                    <a:pt x="869304" y="149044"/>
-                  </a:lnTo>
-                  <a:lnTo>
-                    <a:pt x="900351" y="149044"/>
-                  </a:lnTo>
-                  <a:lnTo>
-                    <a:pt x="900351" y="191628"/>
-                  </a:lnTo>
-                  <a:lnTo>
-                    <a:pt x="931397" y="191628"/>
-                  </a:lnTo>
-                  <a:lnTo>
-                    <a:pt x="931397" y="234212"/>
-                  </a:lnTo>
-                  <a:lnTo>
-                    <a:pt x="962444" y="234212"/>
-                  </a:lnTo>
-                  <a:lnTo>
-                    <a:pt x="962444" y="266150"/>
-                  </a:lnTo>
-                  <a:lnTo>
-                    <a:pt x="993490" y="266150"/>
-                  </a:lnTo>
-                  <a:lnTo>
-                    <a:pt x="993490" y="276796"/>
-                  </a:lnTo>
-                  <a:lnTo>
-                    <a:pt x="1024537" y="276796"/>
-                  </a:lnTo>
-                  <a:lnTo>
-                    <a:pt x="1024537" y="298088"/>
-                  </a:lnTo>
-                  <a:lnTo>
-                    <a:pt x="1055584" y="298088"/>
-                  </a:lnTo>
-                  <a:lnTo>
-                    <a:pt x="1055584" y="308734"/>
-                  </a:lnTo>
-                  <a:lnTo>
-                    <a:pt x="1086630" y="308734"/>
-                  </a:lnTo>
-                  <a:lnTo>
-                    <a:pt x="1086630" y="330026"/>
-                  </a:lnTo>
-                  <a:lnTo>
-                    <a:pt x="1117677" y="330026"/>
-                  </a:lnTo>
-                  <a:lnTo>
-                    <a:pt x="1117677" y="340672"/>
-                  </a:lnTo>
-                  <a:lnTo>
-                    <a:pt x="1148723" y="340672"/>
-                  </a:lnTo>
-                  <a:lnTo>
-                    <a:pt x="1148723" y="351318"/>
-                  </a:lnTo>
-                  <a:lnTo>
-                    <a:pt x="1179770" y="351318"/>
-                  </a:lnTo>
-                  <a:lnTo>
-                    <a:pt x="1179770" y="361965"/>
-                  </a:lnTo>
-                  <a:lnTo>
-                    <a:pt x="1241863" y="361965"/>
-                  </a:lnTo>
-                  <a:lnTo>
-                    <a:pt x="1241863" y="372611"/>
-                  </a:lnTo>
-                  <a:lnTo>
-                    <a:pt x="1335003" y="372611"/>
-                  </a:lnTo>
-                  <a:lnTo>
-                    <a:pt x="1335003" y="383257"/>
-                  </a:lnTo>
-                  <a:lnTo>
-                    <a:pt x="1676515" y="383257"/>
-                  </a:lnTo>
-                  <a:lnTo>
-                    <a:pt x="1676515" y="383257"/>
+                    <a:pt x="620931" y="37917"/>
+                  </a:lnTo>
+                  <a:lnTo>
+                    <a:pt x="745118" y="37917"/>
+                  </a:lnTo>
+                  <a:lnTo>
+                    <a:pt x="745118" y="56876"/>
+                  </a:lnTo>
+                  <a:lnTo>
+                    <a:pt x="776164" y="56876"/>
+                  </a:lnTo>
+                  <a:lnTo>
+                    <a:pt x="776164" y="75835"/>
+                  </a:lnTo>
+                  <a:lnTo>
+                    <a:pt x="807211" y="75835"/>
+                  </a:lnTo>
+                  <a:lnTo>
+                    <a:pt x="807211" y="151670"/>
+                  </a:lnTo>
+                  <a:lnTo>
+                    <a:pt x="838257" y="151670"/>
+                  </a:lnTo>
+                  <a:lnTo>
+                    <a:pt x="838257" y="227505"/>
+                  </a:lnTo>
+                  <a:lnTo>
+                    <a:pt x="869304" y="227505"/>
+                  </a:lnTo>
+                  <a:lnTo>
+                    <a:pt x="869304" y="265422"/>
+                  </a:lnTo>
+                  <a:lnTo>
+                    <a:pt x="900351" y="265422"/>
+                  </a:lnTo>
+                  <a:lnTo>
+                    <a:pt x="900351" y="341257"/>
+                  </a:lnTo>
+                  <a:lnTo>
+                    <a:pt x="931397" y="341257"/>
+                  </a:lnTo>
+                  <a:lnTo>
+                    <a:pt x="931397" y="417092"/>
+                  </a:lnTo>
+                  <a:lnTo>
+                    <a:pt x="962444" y="417092"/>
+                  </a:lnTo>
+                  <a:lnTo>
+                    <a:pt x="962444" y="473968"/>
+                  </a:lnTo>
+                  <a:lnTo>
+                    <a:pt x="993490" y="473968"/>
+                  </a:lnTo>
+                  <a:lnTo>
+                    <a:pt x="993490" y="492927"/>
+                  </a:lnTo>
+                  <a:lnTo>
+                    <a:pt x="1024537" y="492927"/>
+                  </a:lnTo>
+                  <a:lnTo>
+                    <a:pt x="1024537" y="530845"/>
+                  </a:lnTo>
+                  <a:lnTo>
+                    <a:pt x="1055584" y="530845"/>
+                  </a:lnTo>
+                  <a:lnTo>
+                    <a:pt x="1055584" y="549803"/>
+                  </a:lnTo>
+                  <a:lnTo>
+                    <a:pt x="1086630" y="549803"/>
+                  </a:lnTo>
+                  <a:lnTo>
+                    <a:pt x="1086630" y="587721"/>
+                  </a:lnTo>
+                  <a:lnTo>
+                    <a:pt x="1117677" y="587721"/>
+                  </a:lnTo>
+                  <a:lnTo>
+                    <a:pt x="1117677" y="606680"/>
+                  </a:lnTo>
+                  <a:lnTo>
+                    <a:pt x="1148723" y="606680"/>
+                  </a:lnTo>
+                  <a:lnTo>
+                    <a:pt x="1148723" y="625638"/>
+                  </a:lnTo>
+                  <a:lnTo>
+                    <a:pt x="1179770" y="625638"/>
+                  </a:lnTo>
+                  <a:lnTo>
+                    <a:pt x="1179770" y="644597"/>
+                  </a:lnTo>
+                  <a:lnTo>
+                    <a:pt x="1241863" y="644597"/>
+                  </a:lnTo>
+                  <a:lnTo>
+                    <a:pt x="1241863" y="663556"/>
+                  </a:lnTo>
+                  <a:lnTo>
+                    <a:pt x="1335003" y="663556"/>
+                  </a:lnTo>
+                  <a:lnTo>
+                    <a:pt x="1335003" y="682515"/>
+                  </a:lnTo>
+                  <a:lnTo>
+                    <a:pt x="1676515" y="682515"/>
+                  </a:lnTo>
+                  <a:lnTo>
+                    <a:pt x="1676515" y="682515"/>
                   </a:lnTo>
                 </a:path>
               </a:pathLst>
@@ -3904,13 +3904,13 @@
           </p:nvSpPr>
           <p:spPr>
             <a:xfrm>
-              <a:off x="3754730" y="1369144"/>
-              <a:ext cx="1676515" cy="372611"/>
+              <a:off x="3754730" y="1410708"/>
+              <a:ext cx="1676515" cy="663556"/>
             </a:xfrm>
             <a:custGeom>
               <a:avLst/>
               <a:pathLst>
-                <a:path w="1676515" h="372611">
+                <a:path w="1676515" h="663556">
                   <a:moveTo>
                     <a:pt x="0" y="0"/>
                   </a:moveTo>
@@ -3918,109 +3918,109 @@
                     <a:pt x="124186" y="0"/>
                   </a:lnTo>
                   <a:lnTo>
-                    <a:pt x="124186" y="10646"/>
-                  </a:lnTo>
-                  <a:lnTo>
-                    <a:pt x="217326" y="10646"/>
-                  </a:lnTo>
-                  <a:lnTo>
-                    <a:pt x="217326" y="21292"/>
-                  </a:lnTo>
-                  <a:lnTo>
-                    <a:pt x="683024" y="21292"/>
-                  </a:lnTo>
-                  <a:lnTo>
-                    <a:pt x="683024" y="31938"/>
-                  </a:lnTo>
-                  <a:lnTo>
-                    <a:pt x="776164" y="31938"/>
-                  </a:lnTo>
-                  <a:lnTo>
-                    <a:pt x="776164" y="42584"/>
-                  </a:lnTo>
-                  <a:lnTo>
-                    <a:pt x="838257" y="42584"/>
-                  </a:lnTo>
-                  <a:lnTo>
-                    <a:pt x="838257" y="63876"/>
-                  </a:lnTo>
-                  <a:lnTo>
-                    <a:pt x="869304" y="63876"/>
-                  </a:lnTo>
-                  <a:lnTo>
-                    <a:pt x="869304" y="85168"/>
-                  </a:lnTo>
-                  <a:lnTo>
-                    <a:pt x="900351" y="85168"/>
-                  </a:lnTo>
-                  <a:lnTo>
-                    <a:pt x="900351" y="117106"/>
-                  </a:lnTo>
-                  <a:lnTo>
-                    <a:pt x="931397" y="117106"/>
-                  </a:lnTo>
-                  <a:lnTo>
-                    <a:pt x="931397" y="180982"/>
-                  </a:lnTo>
-                  <a:lnTo>
-                    <a:pt x="962444" y="180982"/>
-                  </a:lnTo>
-                  <a:lnTo>
-                    <a:pt x="962444" y="202274"/>
-                  </a:lnTo>
-                  <a:lnTo>
-                    <a:pt x="993490" y="202274"/>
-                  </a:lnTo>
-                  <a:lnTo>
-                    <a:pt x="993490" y="223566"/>
-                  </a:lnTo>
-                  <a:lnTo>
-                    <a:pt x="1024537" y="223566"/>
-                  </a:lnTo>
-                  <a:lnTo>
-                    <a:pt x="1024537" y="255504"/>
-                  </a:lnTo>
-                  <a:lnTo>
-                    <a:pt x="1055584" y="255504"/>
-                  </a:lnTo>
-                  <a:lnTo>
-                    <a:pt x="1055584" y="276796"/>
-                  </a:lnTo>
-                  <a:lnTo>
-                    <a:pt x="1086630" y="276796"/>
-                  </a:lnTo>
-                  <a:lnTo>
-                    <a:pt x="1086630" y="308734"/>
-                  </a:lnTo>
-                  <a:lnTo>
-                    <a:pt x="1117677" y="308734"/>
-                  </a:lnTo>
-                  <a:lnTo>
-                    <a:pt x="1117677" y="319380"/>
-                  </a:lnTo>
-                  <a:lnTo>
-                    <a:pt x="1148723" y="319380"/>
-                  </a:lnTo>
-                  <a:lnTo>
-                    <a:pt x="1148723" y="351318"/>
-                  </a:lnTo>
-                  <a:lnTo>
-                    <a:pt x="1179770" y="351318"/>
-                  </a:lnTo>
-                  <a:lnTo>
-                    <a:pt x="1179770" y="361965"/>
-                  </a:lnTo>
-                  <a:lnTo>
-                    <a:pt x="1490236" y="361965"/>
-                  </a:lnTo>
-                  <a:lnTo>
-                    <a:pt x="1490236" y="372611"/>
-                  </a:lnTo>
-                  <a:lnTo>
-                    <a:pt x="1676515" y="372611"/>
-                  </a:lnTo>
-                  <a:lnTo>
-                    <a:pt x="1676515" y="372611"/>
+                    <a:pt x="124186" y="18958"/>
+                  </a:lnTo>
+                  <a:lnTo>
+                    <a:pt x="217326" y="18958"/>
+                  </a:lnTo>
+                  <a:lnTo>
+                    <a:pt x="217326" y="37917"/>
+                  </a:lnTo>
+                  <a:lnTo>
+                    <a:pt x="683024" y="37917"/>
+                  </a:lnTo>
+                  <a:lnTo>
+                    <a:pt x="683024" y="56876"/>
+                  </a:lnTo>
+                  <a:lnTo>
+                    <a:pt x="776164" y="56876"/>
+                  </a:lnTo>
+                  <a:lnTo>
+                    <a:pt x="776164" y="75835"/>
+                  </a:lnTo>
+                  <a:lnTo>
+                    <a:pt x="838257" y="75835"/>
+                  </a:lnTo>
+                  <a:lnTo>
+                    <a:pt x="838257" y="113752"/>
+                  </a:lnTo>
+                  <a:lnTo>
+                    <a:pt x="869304" y="113752"/>
+                  </a:lnTo>
+                  <a:lnTo>
+                    <a:pt x="869304" y="151670"/>
+                  </a:lnTo>
+                  <a:lnTo>
+                    <a:pt x="900351" y="151670"/>
+                  </a:lnTo>
+                  <a:lnTo>
+                    <a:pt x="900351" y="208546"/>
+                  </a:lnTo>
+                  <a:lnTo>
+                    <a:pt x="931397" y="208546"/>
+                  </a:lnTo>
+                  <a:lnTo>
+                    <a:pt x="931397" y="322298"/>
+                  </a:lnTo>
+                  <a:lnTo>
+                    <a:pt x="962444" y="322298"/>
+                  </a:lnTo>
+                  <a:lnTo>
+                    <a:pt x="962444" y="360216"/>
+                  </a:lnTo>
+                  <a:lnTo>
+                    <a:pt x="993490" y="360216"/>
+                  </a:lnTo>
+                  <a:lnTo>
+                    <a:pt x="993490" y="398133"/>
+                  </a:lnTo>
+                  <a:lnTo>
+                    <a:pt x="1024537" y="398133"/>
+                  </a:lnTo>
+                  <a:lnTo>
+                    <a:pt x="1024537" y="455010"/>
+                  </a:lnTo>
+                  <a:lnTo>
+                    <a:pt x="1055584" y="455010"/>
+                  </a:lnTo>
+                  <a:lnTo>
+                    <a:pt x="1055584" y="492927"/>
+                  </a:lnTo>
+                  <a:lnTo>
+                    <a:pt x="1086630" y="492927"/>
+                  </a:lnTo>
+                  <a:lnTo>
+                    <a:pt x="1086630" y="549803"/>
+                  </a:lnTo>
+                  <a:lnTo>
+                    <a:pt x="1117677" y="549803"/>
+                  </a:lnTo>
+                  <a:lnTo>
+                    <a:pt x="1117677" y="568762"/>
+                  </a:lnTo>
+                  <a:lnTo>
+                    <a:pt x="1148723" y="568762"/>
+                  </a:lnTo>
+                  <a:lnTo>
+                    <a:pt x="1148723" y="625638"/>
+                  </a:lnTo>
+                  <a:lnTo>
+                    <a:pt x="1179770" y="625638"/>
+                  </a:lnTo>
+                  <a:lnTo>
+                    <a:pt x="1179770" y="644597"/>
+                  </a:lnTo>
+                  <a:lnTo>
+                    <a:pt x="1490236" y="644597"/>
+                  </a:lnTo>
+                  <a:lnTo>
+                    <a:pt x="1490236" y="663556"/>
+                  </a:lnTo>
+                  <a:lnTo>
+                    <a:pt x="1676515" y="663556"/>
+                  </a:lnTo>
+                  <a:lnTo>
+                    <a:pt x="1676515" y="663556"/>
                   </a:lnTo>
                 </a:path>
               </a:pathLst>
@@ -4049,7 +4049,7 @@
           </p:nvSpPr>
           <p:spPr>
             <a:xfrm>
-              <a:off x="5358095" y="1708312"/>
+              <a:off x="5358095" y="2057447"/>
               <a:ext cx="146301" cy="109470"/>
             </a:xfrm>
             <a:prstGeom prst="rect">
@@ -4095,7 +4095,7 @@
           </p:nvSpPr>
           <p:spPr>
             <a:xfrm>
-              <a:off x="5358095" y="1697666"/>
+              <a:off x="5358095" y="2038488"/>
               <a:ext cx="146301" cy="109470"/>
             </a:xfrm>
             <a:prstGeom prst="rect">
@@ -4141,7 +4141,7 @@
           </p:nvSpPr>
           <p:spPr>
             <a:xfrm>
-              <a:off x="5358095" y="1687020"/>
+              <a:off x="5358095" y="2019529"/>
               <a:ext cx="146301" cy="109470"/>
             </a:xfrm>
             <a:prstGeom prst="rect">
@@ -4188,7 +4188,7 @@
           <p:spPr>
             <a:xfrm>
               <a:off x="3670904" y="1315914"/>
-              <a:ext cx="1844167" cy="1171063"/>
+              <a:ext cx="1844167" cy="2085463"/>
             </a:xfrm>
             <a:prstGeom prst="rect">
               <a:avLst/>
@@ -4208,8 +4208,8 @@
           </p:nvSpPr>
           <p:spPr>
             <a:xfrm>
-              <a:off x="3670904" y="2850534"/>
-              <a:ext cx="1844167" cy="1171063"/>
+              <a:off x="3670904" y="3764934"/>
+              <a:ext cx="1844167" cy="2085463"/>
             </a:xfrm>
             <a:prstGeom prst="rect">
               <a:avLst/>
@@ -4234,13 +4234,13 @@
           </p:nvSpPr>
           <p:spPr>
             <a:xfrm>
-              <a:off x="3754730" y="2903765"/>
-              <a:ext cx="1676515" cy="372611"/>
+              <a:off x="3754730" y="3859728"/>
+              <a:ext cx="1676515" cy="663556"/>
             </a:xfrm>
             <a:custGeom>
               <a:avLst/>
               <a:pathLst>
-                <a:path w="1676515" h="372611">
+                <a:path w="1676515" h="663556">
                   <a:moveTo>
                     <a:pt x="0" y="0"/>
                   </a:moveTo>
@@ -4248,97 +4248,97 @@
                     <a:pt x="838257" y="0"/>
                   </a:lnTo>
                   <a:lnTo>
-                    <a:pt x="838257" y="10646"/>
-                  </a:lnTo>
-                  <a:lnTo>
-                    <a:pt x="900351" y="10646"/>
-                  </a:lnTo>
-                  <a:lnTo>
-                    <a:pt x="900351" y="31938"/>
-                  </a:lnTo>
-                  <a:lnTo>
-                    <a:pt x="931397" y="31938"/>
-                  </a:lnTo>
-                  <a:lnTo>
-                    <a:pt x="931397" y="85168"/>
-                  </a:lnTo>
-                  <a:lnTo>
-                    <a:pt x="962444" y="85168"/>
-                  </a:lnTo>
-                  <a:lnTo>
-                    <a:pt x="962444" y="138398"/>
-                  </a:lnTo>
-                  <a:lnTo>
-                    <a:pt x="993490" y="138398"/>
-                  </a:lnTo>
-                  <a:lnTo>
-                    <a:pt x="993490" y="180982"/>
-                  </a:lnTo>
-                  <a:lnTo>
-                    <a:pt x="1024537" y="180982"/>
-                  </a:lnTo>
-                  <a:lnTo>
-                    <a:pt x="1024537" y="191628"/>
-                  </a:lnTo>
-                  <a:lnTo>
-                    <a:pt x="1086630" y="191628"/>
-                  </a:lnTo>
-                  <a:lnTo>
-                    <a:pt x="1086630" y="223566"/>
-                  </a:lnTo>
-                  <a:lnTo>
-                    <a:pt x="1117677" y="223566"/>
-                  </a:lnTo>
-                  <a:lnTo>
-                    <a:pt x="1117677" y="266150"/>
-                  </a:lnTo>
-                  <a:lnTo>
-                    <a:pt x="1148723" y="266150"/>
-                  </a:lnTo>
-                  <a:lnTo>
-                    <a:pt x="1148723" y="276796"/>
-                  </a:lnTo>
-                  <a:lnTo>
-                    <a:pt x="1179770" y="276796"/>
-                  </a:lnTo>
-                  <a:lnTo>
-                    <a:pt x="1179770" y="308734"/>
-                  </a:lnTo>
-                  <a:lnTo>
-                    <a:pt x="1241863" y="308734"/>
-                  </a:lnTo>
-                  <a:lnTo>
-                    <a:pt x="1241863" y="319380"/>
-                  </a:lnTo>
-                  <a:lnTo>
-                    <a:pt x="1397096" y="319380"/>
-                  </a:lnTo>
-                  <a:lnTo>
-                    <a:pt x="1397096" y="340672"/>
-                  </a:lnTo>
-                  <a:lnTo>
-                    <a:pt x="1428143" y="340672"/>
-                  </a:lnTo>
-                  <a:lnTo>
-                    <a:pt x="1428143" y="351318"/>
-                  </a:lnTo>
-                  <a:lnTo>
-                    <a:pt x="1459189" y="351318"/>
-                  </a:lnTo>
-                  <a:lnTo>
-                    <a:pt x="1459189" y="361965"/>
-                  </a:lnTo>
-                  <a:lnTo>
-                    <a:pt x="1490236" y="361965"/>
-                  </a:lnTo>
-                  <a:lnTo>
-                    <a:pt x="1490236" y="372611"/>
-                  </a:lnTo>
-                  <a:lnTo>
-                    <a:pt x="1676515" y="372611"/>
-                  </a:lnTo>
-                  <a:lnTo>
-                    <a:pt x="1676515" y="372611"/>
+                    <a:pt x="838257" y="18958"/>
+                  </a:lnTo>
+                  <a:lnTo>
+                    <a:pt x="900351" y="18958"/>
+                  </a:lnTo>
+                  <a:lnTo>
+                    <a:pt x="900351" y="56876"/>
+                  </a:lnTo>
+                  <a:lnTo>
+                    <a:pt x="931397" y="56876"/>
+                  </a:lnTo>
+                  <a:lnTo>
+                    <a:pt x="931397" y="151670"/>
+                  </a:lnTo>
+                  <a:lnTo>
+                    <a:pt x="962444" y="151670"/>
+                  </a:lnTo>
+                  <a:lnTo>
+                    <a:pt x="962444" y="246463"/>
+                  </a:lnTo>
+                  <a:lnTo>
+                    <a:pt x="993490" y="246463"/>
+                  </a:lnTo>
+                  <a:lnTo>
+                    <a:pt x="993490" y="322298"/>
+                  </a:lnTo>
+                  <a:lnTo>
+                    <a:pt x="1024537" y="322298"/>
+                  </a:lnTo>
+                  <a:lnTo>
+                    <a:pt x="1024537" y="341257"/>
+                  </a:lnTo>
+                  <a:lnTo>
+                    <a:pt x="1086630" y="341257"/>
+                  </a:lnTo>
+                  <a:lnTo>
+                    <a:pt x="1086630" y="398133"/>
+                  </a:lnTo>
+                  <a:lnTo>
+                    <a:pt x="1117677" y="398133"/>
+                  </a:lnTo>
+                  <a:lnTo>
+                    <a:pt x="1117677" y="473968"/>
+                  </a:lnTo>
+                  <a:lnTo>
+                    <a:pt x="1148723" y="473968"/>
+                  </a:lnTo>
+                  <a:lnTo>
+                    <a:pt x="1148723" y="492927"/>
+                  </a:lnTo>
+                  <a:lnTo>
+                    <a:pt x="1179770" y="492927"/>
+                  </a:lnTo>
+                  <a:lnTo>
+                    <a:pt x="1179770" y="549803"/>
+                  </a:lnTo>
+                  <a:lnTo>
+                    <a:pt x="1241863" y="549803"/>
+                  </a:lnTo>
+                  <a:lnTo>
+                    <a:pt x="1241863" y="568762"/>
+                  </a:lnTo>
+                  <a:lnTo>
+                    <a:pt x="1397096" y="568762"/>
+                  </a:lnTo>
+                  <a:lnTo>
+                    <a:pt x="1397096" y="606680"/>
+                  </a:lnTo>
+                  <a:lnTo>
+                    <a:pt x="1428143" y="606680"/>
+                  </a:lnTo>
+                  <a:lnTo>
+                    <a:pt x="1428143" y="625638"/>
+                  </a:lnTo>
+                  <a:lnTo>
+                    <a:pt x="1459189" y="625638"/>
+                  </a:lnTo>
+                  <a:lnTo>
+                    <a:pt x="1459189" y="644597"/>
+                  </a:lnTo>
+                  <a:lnTo>
+                    <a:pt x="1490236" y="644597"/>
+                  </a:lnTo>
+                  <a:lnTo>
+                    <a:pt x="1490236" y="663556"/>
+                  </a:lnTo>
+                  <a:lnTo>
+                    <a:pt x="1676515" y="663556"/>
+                  </a:lnTo>
+                  <a:lnTo>
+                    <a:pt x="1676515" y="663556"/>
                   </a:lnTo>
                 </a:path>
               </a:pathLst>
@@ -4367,13 +4367,13 @@
           </p:nvSpPr>
           <p:spPr>
             <a:xfrm>
-              <a:off x="3754730" y="2903765"/>
-              <a:ext cx="1676515" cy="287442"/>
+              <a:off x="3754730" y="3859728"/>
+              <a:ext cx="1676515" cy="511886"/>
             </a:xfrm>
             <a:custGeom>
               <a:avLst/>
               <a:pathLst>
-                <a:path w="1676515" h="287442">
+                <a:path w="1676515" h="511886">
                   <a:moveTo>
                     <a:pt x="0" y="0"/>
                   </a:moveTo>
@@ -4381,85 +4381,85 @@
                     <a:pt x="807211" y="0"/>
                   </a:lnTo>
                   <a:lnTo>
-                    <a:pt x="807211" y="21292"/>
-                  </a:lnTo>
-                  <a:lnTo>
-                    <a:pt x="838257" y="21292"/>
-                  </a:lnTo>
-                  <a:lnTo>
-                    <a:pt x="838257" y="31938"/>
-                  </a:lnTo>
-                  <a:lnTo>
-                    <a:pt x="900351" y="31938"/>
-                  </a:lnTo>
-                  <a:lnTo>
-                    <a:pt x="900351" y="85168"/>
-                  </a:lnTo>
-                  <a:lnTo>
-                    <a:pt x="931397" y="85168"/>
-                  </a:lnTo>
-                  <a:lnTo>
-                    <a:pt x="931397" y="95814"/>
-                  </a:lnTo>
-                  <a:lnTo>
-                    <a:pt x="1024537" y="95814"/>
-                  </a:lnTo>
-                  <a:lnTo>
-                    <a:pt x="1024537" y="106460"/>
-                  </a:lnTo>
-                  <a:lnTo>
-                    <a:pt x="1055584" y="106460"/>
-                  </a:lnTo>
-                  <a:lnTo>
-                    <a:pt x="1055584" y="149044"/>
-                  </a:lnTo>
-                  <a:lnTo>
-                    <a:pt x="1086630" y="149044"/>
-                  </a:lnTo>
-                  <a:lnTo>
-                    <a:pt x="1086630" y="202274"/>
-                  </a:lnTo>
-                  <a:lnTo>
-                    <a:pt x="1117677" y="202274"/>
-                  </a:lnTo>
-                  <a:lnTo>
-                    <a:pt x="1117677" y="223566"/>
-                  </a:lnTo>
-                  <a:lnTo>
-                    <a:pt x="1148723" y="223566"/>
-                  </a:lnTo>
-                  <a:lnTo>
-                    <a:pt x="1148723" y="244858"/>
-                  </a:lnTo>
-                  <a:lnTo>
-                    <a:pt x="1179770" y="244858"/>
-                  </a:lnTo>
-                  <a:lnTo>
-                    <a:pt x="1179770" y="255504"/>
-                  </a:lnTo>
-                  <a:lnTo>
-                    <a:pt x="1210816" y="255504"/>
-                  </a:lnTo>
-                  <a:lnTo>
-                    <a:pt x="1210816" y="266150"/>
-                  </a:lnTo>
-                  <a:lnTo>
-                    <a:pt x="1459189" y="266150"/>
-                  </a:lnTo>
-                  <a:lnTo>
-                    <a:pt x="1459189" y="276796"/>
-                  </a:lnTo>
-                  <a:lnTo>
-                    <a:pt x="1583376" y="276796"/>
-                  </a:lnTo>
-                  <a:lnTo>
-                    <a:pt x="1583376" y="287442"/>
-                  </a:lnTo>
-                  <a:lnTo>
-                    <a:pt x="1676515" y="287442"/>
-                  </a:lnTo>
-                  <a:lnTo>
-                    <a:pt x="1676515" y="287442"/>
+                    <a:pt x="807211" y="37917"/>
+                  </a:lnTo>
+                  <a:lnTo>
+                    <a:pt x="838257" y="37917"/>
+                  </a:lnTo>
+                  <a:lnTo>
+                    <a:pt x="838257" y="56876"/>
+                  </a:lnTo>
+                  <a:lnTo>
+                    <a:pt x="900351" y="56876"/>
+                  </a:lnTo>
+                  <a:lnTo>
+                    <a:pt x="900351" y="151670"/>
+                  </a:lnTo>
+                  <a:lnTo>
+                    <a:pt x="931397" y="151670"/>
+                  </a:lnTo>
+                  <a:lnTo>
+                    <a:pt x="931397" y="170628"/>
+                  </a:lnTo>
+                  <a:lnTo>
+                    <a:pt x="1024537" y="170628"/>
+                  </a:lnTo>
+                  <a:lnTo>
+                    <a:pt x="1024537" y="189587"/>
+                  </a:lnTo>
+                  <a:lnTo>
+                    <a:pt x="1055584" y="189587"/>
+                  </a:lnTo>
+                  <a:lnTo>
+                    <a:pt x="1055584" y="265422"/>
+                  </a:lnTo>
+                  <a:lnTo>
+                    <a:pt x="1086630" y="265422"/>
+                  </a:lnTo>
+                  <a:lnTo>
+                    <a:pt x="1086630" y="360216"/>
+                  </a:lnTo>
+                  <a:lnTo>
+                    <a:pt x="1117677" y="360216"/>
+                  </a:lnTo>
+                  <a:lnTo>
+                    <a:pt x="1117677" y="398133"/>
+                  </a:lnTo>
+                  <a:lnTo>
+                    <a:pt x="1148723" y="398133"/>
+                  </a:lnTo>
+                  <a:lnTo>
+                    <a:pt x="1148723" y="436051"/>
+                  </a:lnTo>
+                  <a:lnTo>
+                    <a:pt x="1179770" y="436051"/>
+                  </a:lnTo>
+                  <a:lnTo>
+                    <a:pt x="1179770" y="455010"/>
+                  </a:lnTo>
+                  <a:lnTo>
+                    <a:pt x="1210816" y="455010"/>
+                  </a:lnTo>
+                  <a:lnTo>
+                    <a:pt x="1210816" y="473968"/>
+                  </a:lnTo>
+                  <a:lnTo>
+                    <a:pt x="1459189" y="473968"/>
+                  </a:lnTo>
+                  <a:lnTo>
+                    <a:pt x="1459189" y="492927"/>
+                  </a:lnTo>
+                  <a:lnTo>
+                    <a:pt x="1583376" y="492927"/>
+                  </a:lnTo>
+                  <a:lnTo>
+                    <a:pt x="1583376" y="511886"/>
+                  </a:lnTo>
+                  <a:lnTo>
+                    <a:pt x="1676515" y="511886"/>
+                  </a:lnTo>
+                  <a:lnTo>
+                    <a:pt x="1676515" y="511886"/>
                   </a:lnTo>
                 </a:path>
               </a:pathLst>
@@ -4488,13 +4488,13 @@
           </p:nvSpPr>
           <p:spPr>
             <a:xfrm>
-              <a:off x="3754730" y="2903765"/>
-              <a:ext cx="1676515" cy="361965"/>
+              <a:off x="3754730" y="3859728"/>
+              <a:ext cx="1676515" cy="644597"/>
             </a:xfrm>
             <a:custGeom>
               <a:avLst/>
               <a:pathLst>
-                <a:path w="1676515" h="361965">
+                <a:path w="1676515" h="644597">
                   <a:moveTo>
                     <a:pt x="0" y="0"/>
                   </a:moveTo>
@@ -4502,109 +4502,109 @@
                     <a:pt x="589885" y="0"/>
                   </a:lnTo>
                   <a:lnTo>
-                    <a:pt x="589885" y="10646"/>
-                  </a:lnTo>
-                  <a:lnTo>
-                    <a:pt x="651978" y="10646"/>
-                  </a:lnTo>
-                  <a:lnTo>
-                    <a:pt x="651978" y="21292"/>
-                  </a:lnTo>
-                  <a:lnTo>
-                    <a:pt x="683024" y="21292"/>
-                  </a:lnTo>
-                  <a:lnTo>
-                    <a:pt x="683024" y="31938"/>
-                  </a:lnTo>
-                  <a:lnTo>
-                    <a:pt x="776164" y="31938"/>
-                  </a:lnTo>
-                  <a:lnTo>
-                    <a:pt x="776164" y="42584"/>
-                  </a:lnTo>
-                  <a:lnTo>
-                    <a:pt x="869304" y="42584"/>
-                  </a:lnTo>
-                  <a:lnTo>
-                    <a:pt x="869304" y="53230"/>
-                  </a:lnTo>
-                  <a:lnTo>
-                    <a:pt x="931397" y="53230"/>
-                  </a:lnTo>
-                  <a:lnTo>
-                    <a:pt x="931397" y="63876"/>
-                  </a:lnTo>
-                  <a:lnTo>
-                    <a:pt x="962444" y="63876"/>
-                  </a:lnTo>
-                  <a:lnTo>
-                    <a:pt x="962444" y="117106"/>
-                  </a:lnTo>
-                  <a:lnTo>
-                    <a:pt x="1024537" y="117106"/>
-                  </a:lnTo>
-                  <a:lnTo>
-                    <a:pt x="1024537" y="127752"/>
-                  </a:lnTo>
-                  <a:lnTo>
-                    <a:pt x="1055584" y="127752"/>
-                  </a:lnTo>
-                  <a:lnTo>
-                    <a:pt x="1055584" y="159690"/>
-                  </a:lnTo>
-                  <a:lnTo>
-                    <a:pt x="1086630" y="159690"/>
-                  </a:lnTo>
-                  <a:lnTo>
-                    <a:pt x="1086630" y="212920"/>
-                  </a:lnTo>
-                  <a:lnTo>
-                    <a:pt x="1117677" y="212920"/>
-                  </a:lnTo>
-                  <a:lnTo>
-                    <a:pt x="1117677" y="234212"/>
-                  </a:lnTo>
-                  <a:lnTo>
-                    <a:pt x="1148723" y="234212"/>
-                  </a:lnTo>
-                  <a:lnTo>
-                    <a:pt x="1148723" y="244858"/>
-                  </a:lnTo>
-                  <a:lnTo>
-                    <a:pt x="1179770" y="244858"/>
-                  </a:lnTo>
-                  <a:lnTo>
-                    <a:pt x="1179770" y="276796"/>
-                  </a:lnTo>
-                  <a:lnTo>
-                    <a:pt x="1210816" y="276796"/>
-                  </a:lnTo>
-                  <a:lnTo>
-                    <a:pt x="1210816" y="319380"/>
-                  </a:lnTo>
-                  <a:lnTo>
-                    <a:pt x="1241863" y="319380"/>
-                  </a:lnTo>
-                  <a:lnTo>
-                    <a:pt x="1241863" y="330026"/>
-                  </a:lnTo>
-                  <a:lnTo>
-                    <a:pt x="1303956" y="330026"/>
-                  </a:lnTo>
-                  <a:lnTo>
-                    <a:pt x="1303956" y="340672"/>
-                  </a:lnTo>
-                  <a:lnTo>
-                    <a:pt x="1490236" y="340672"/>
-                  </a:lnTo>
-                  <a:lnTo>
-                    <a:pt x="1490236" y="351318"/>
-                  </a:lnTo>
-                  <a:lnTo>
-                    <a:pt x="1676515" y="351318"/>
-                  </a:lnTo>
-                  <a:lnTo>
-                    <a:pt x="1676515" y="361965"/>
+                    <a:pt x="589885" y="18958"/>
+                  </a:lnTo>
+                  <a:lnTo>
+                    <a:pt x="651978" y="18958"/>
+                  </a:lnTo>
+                  <a:lnTo>
+                    <a:pt x="651978" y="37917"/>
+                  </a:lnTo>
+                  <a:lnTo>
+                    <a:pt x="683024" y="37917"/>
+                  </a:lnTo>
+                  <a:lnTo>
+                    <a:pt x="683024" y="56876"/>
+                  </a:lnTo>
+                  <a:lnTo>
+                    <a:pt x="776164" y="56876"/>
+                  </a:lnTo>
+                  <a:lnTo>
+                    <a:pt x="776164" y="75835"/>
+                  </a:lnTo>
+                  <a:lnTo>
+                    <a:pt x="869304" y="75835"/>
+                  </a:lnTo>
+                  <a:lnTo>
+                    <a:pt x="869304" y="94793"/>
+                  </a:lnTo>
+                  <a:lnTo>
+                    <a:pt x="931397" y="94793"/>
+                  </a:lnTo>
+                  <a:lnTo>
+                    <a:pt x="931397" y="113752"/>
+                  </a:lnTo>
+                  <a:lnTo>
+                    <a:pt x="962444" y="113752"/>
+                  </a:lnTo>
+                  <a:lnTo>
+                    <a:pt x="962444" y="208546"/>
+                  </a:lnTo>
+                  <a:lnTo>
+                    <a:pt x="1024537" y="208546"/>
+                  </a:lnTo>
+                  <a:lnTo>
+                    <a:pt x="1024537" y="227505"/>
+                  </a:lnTo>
+                  <a:lnTo>
+                    <a:pt x="1055584" y="227505"/>
+                  </a:lnTo>
+                  <a:lnTo>
+                    <a:pt x="1055584" y="284381"/>
+                  </a:lnTo>
+                  <a:lnTo>
+                    <a:pt x="1086630" y="284381"/>
+                  </a:lnTo>
+                  <a:lnTo>
+                    <a:pt x="1086630" y="379175"/>
+                  </a:lnTo>
+                  <a:lnTo>
+                    <a:pt x="1117677" y="379175"/>
+                  </a:lnTo>
+                  <a:lnTo>
+                    <a:pt x="1117677" y="417092"/>
+                  </a:lnTo>
+                  <a:lnTo>
+                    <a:pt x="1148723" y="417092"/>
+                  </a:lnTo>
+                  <a:lnTo>
+                    <a:pt x="1148723" y="436051"/>
+                  </a:lnTo>
+                  <a:lnTo>
+                    <a:pt x="1179770" y="436051"/>
+                  </a:lnTo>
+                  <a:lnTo>
+                    <a:pt x="1179770" y="492927"/>
+                  </a:lnTo>
+                  <a:lnTo>
+                    <a:pt x="1210816" y="492927"/>
+                  </a:lnTo>
+                  <a:lnTo>
+                    <a:pt x="1210816" y="568762"/>
+                  </a:lnTo>
+                  <a:lnTo>
+                    <a:pt x="1241863" y="568762"/>
+                  </a:lnTo>
+                  <a:lnTo>
+                    <a:pt x="1241863" y="587721"/>
+                  </a:lnTo>
+                  <a:lnTo>
+                    <a:pt x="1303956" y="587721"/>
+                  </a:lnTo>
+                  <a:lnTo>
+                    <a:pt x="1303956" y="606680"/>
+                  </a:lnTo>
+                  <a:lnTo>
+                    <a:pt x="1490236" y="606680"/>
+                  </a:lnTo>
+                  <a:lnTo>
+                    <a:pt x="1490236" y="625638"/>
+                  </a:lnTo>
+                  <a:lnTo>
+                    <a:pt x="1676515" y="625638"/>
+                  </a:lnTo>
+                  <a:lnTo>
+                    <a:pt x="1676515" y="644597"/>
                   </a:lnTo>
                 </a:path>
               </a:pathLst>
@@ -4633,7 +4633,7 @@
           </p:nvSpPr>
           <p:spPr>
             <a:xfrm>
-              <a:off x="5358095" y="3221640"/>
+              <a:off x="5358095" y="4468549"/>
               <a:ext cx="146301" cy="109470"/>
             </a:xfrm>
             <a:prstGeom prst="rect">
@@ -4679,7 +4679,7 @@
           </p:nvSpPr>
           <p:spPr>
             <a:xfrm>
-              <a:off x="5358095" y="3136472"/>
+              <a:off x="5358095" y="4316879"/>
               <a:ext cx="146301" cy="109470"/>
             </a:xfrm>
             <a:prstGeom prst="rect">
@@ -4725,7 +4725,7 @@
           </p:nvSpPr>
           <p:spPr>
             <a:xfrm>
-              <a:off x="5358095" y="3210994"/>
+              <a:off x="5358095" y="4449591"/>
               <a:ext cx="146301" cy="109470"/>
             </a:xfrm>
             <a:prstGeom prst="rect">
@@ -4771,8 +4771,8 @@
           </p:nvSpPr>
           <p:spPr>
             <a:xfrm>
-              <a:off x="3670904" y="2850534"/>
-              <a:ext cx="1844167" cy="1171063"/>
+              <a:off x="3670904" y="3764934"/>
+              <a:ext cx="1844167" cy="2085463"/>
             </a:xfrm>
             <a:prstGeom prst="rect">
               <a:avLst/>
@@ -4792,7 +4792,7 @@
           </p:nvSpPr>
           <p:spPr>
             <a:xfrm>
-              <a:off x="1738169" y="2575545"/>
+              <a:off x="1738169" y="3489945"/>
               <a:ext cx="1844167" cy="274989"/>
             </a:xfrm>
             <a:prstGeom prst="rect">
@@ -4827,7 +4827,7 @@
           </p:nvSpPr>
           <p:spPr>
             <a:xfrm>
-              <a:off x="2324759" y="2657304"/>
+              <a:off x="2324759" y="3571704"/>
               <a:ext cx="670986" cy="107582"/>
             </a:xfrm>
             <a:prstGeom prst="rect">
@@ -4873,7 +4873,7 @@
           </p:nvSpPr>
           <p:spPr>
             <a:xfrm>
-              <a:off x="3670904" y="2575545"/>
+              <a:off x="3670904" y="3489945"/>
               <a:ext cx="1844167" cy="274989"/>
             </a:xfrm>
             <a:prstGeom prst="rect">
@@ -4908,7 +4908,7 @@
           </p:nvSpPr>
           <p:spPr>
             <a:xfrm>
-              <a:off x="4250653" y="2661193"/>
+              <a:off x="4250653" y="3575593"/>
               <a:ext cx="684668" cy="103693"/>
             </a:xfrm>
             <a:prstGeom prst="rect">
@@ -5116,7 +5116,7 @@
           </p:nvSpPr>
           <p:spPr>
             <a:xfrm>
-              <a:off x="1738169" y="4021598"/>
+              <a:off x="1738169" y="5850398"/>
               <a:ext cx="1844167" cy="0"/>
             </a:xfrm>
             <a:custGeom>
@@ -5156,7 +5156,7 @@
           </p:nvSpPr>
           <p:spPr>
             <a:xfrm>
-              <a:off x="1821995" y="4021598"/>
+              <a:off x="1821995" y="5850398"/>
               <a:ext cx="0" cy="44283"/>
             </a:xfrm>
             <a:custGeom>
@@ -5196,7 +5196,7 @@
           </p:nvSpPr>
           <p:spPr>
             <a:xfrm>
-              <a:off x="1946181" y="4021598"/>
+              <a:off x="2070367" y="5850398"/>
               <a:ext cx="0" cy="44283"/>
             </a:xfrm>
             <a:custGeom>
@@ -5236,7 +5236,7 @@
           </p:nvSpPr>
           <p:spPr>
             <a:xfrm>
-              <a:off x="2070367" y="4021598"/>
+              <a:off x="2318740" y="5850398"/>
               <a:ext cx="0" cy="44283"/>
             </a:xfrm>
             <a:custGeom>
@@ -5276,7 +5276,7 @@
           </p:nvSpPr>
           <p:spPr>
             <a:xfrm>
-              <a:off x="2194554" y="4021598"/>
+              <a:off x="2567113" y="5850398"/>
               <a:ext cx="0" cy="44283"/>
             </a:xfrm>
             <a:custGeom>
@@ -5316,7 +5316,7 @@
           </p:nvSpPr>
           <p:spPr>
             <a:xfrm>
-              <a:off x="2318740" y="4021598"/>
+              <a:off x="2815485" y="5850398"/>
               <a:ext cx="0" cy="44283"/>
             </a:xfrm>
             <a:custGeom>
@@ -5356,7 +5356,7 @@
           </p:nvSpPr>
           <p:spPr>
             <a:xfrm>
-              <a:off x="2442926" y="4021598"/>
+              <a:off x="3063858" y="5850398"/>
               <a:ext cx="0" cy="44283"/>
             </a:xfrm>
             <a:custGeom>
@@ -5396,7 +5396,7 @@
           </p:nvSpPr>
           <p:spPr>
             <a:xfrm>
-              <a:off x="2567113" y="4021598"/>
+              <a:off x="3312231" y="5850398"/>
               <a:ext cx="0" cy="44283"/>
             </a:xfrm>
             <a:custGeom>
@@ -5436,7 +5436,7 @@
           </p:nvSpPr>
           <p:spPr>
             <a:xfrm>
-              <a:off x="2691299" y="4021598"/>
+              <a:off x="3560604" y="5850398"/>
               <a:ext cx="0" cy="44283"/>
             </a:xfrm>
             <a:custGeom>
@@ -5470,293 +5470,13 @@
         </p:sp>
         <p:sp>
           <p:nvSpPr>
-            <p:cNvPr id="55" name="pl54"/>
-            <p:cNvSpPr/>
-            <p:nvPr/>
-          </p:nvSpPr>
-          <p:spPr>
-            <a:xfrm>
-              <a:off x="2815485" y="4021598"/>
-              <a:ext cx="0" cy="44283"/>
-            </a:xfrm>
-            <a:custGeom>
-              <a:avLst/>
-              <a:pathLst>
-                <a:path w="0" h="44283">
-                  <a:moveTo>
-                    <a:pt x="0" y="44283"/>
-                  </a:moveTo>
-                  <a:lnTo>
-                    <a:pt x="0" y="0"/>
-                  </a:lnTo>
-                </a:path>
-              </a:pathLst>
-            </a:custGeom>
-            <a:ln w="17246" cap="flat">
-              <a:solidFill>
-                <a:srgbClr val="000000">
-                  <a:alpha val="100000"/>
-                </a:srgbClr>
-              </a:solidFill>
-              <a:prstDash val="solid"/>
-              <a:round/>
-            </a:ln>
-          </p:spPr>
-          <p:txBody>
-            <a:bodyPr/>
-            <a:lstStyle/>
-            <a:p/>
-          </p:txBody>
-        </p:sp>
-        <p:sp>
-          <p:nvSpPr>
-            <p:cNvPr id="56" name="pl55"/>
-            <p:cNvSpPr/>
-            <p:nvPr/>
-          </p:nvSpPr>
-          <p:spPr>
-            <a:xfrm>
-              <a:off x="2939672" y="4021598"/>
-              <a:ext cx="0" cy="44283"/>
-            </a:xfrm>
-            <a:custGeom>
-              <a:avLst/>
-              <a:pathLst>
-                <a:path w="0" h="44283">
-                  <a:moveTo>
-                    <a:pt x="0" y="44283"/>
-                  </a:moveTo>
-                  <a:lnTo>
-                    <a:pt x="0" y="0"/>
-                  </a:lnTo>
-                </a:path>
-              </a:pathLst>
-            </a:custGeom>
-            <a:ln w="17246" cap="flat">
-              <a:solidFill>
-                <a:srgbClr val="000000">
-                  <a:alpha val="100000"/>
-                </a:srgbClr>
-              </a:solidFill>
-              <a:prstDash val="solid"/>
-              <a:round/>
-            </a:ln>
-          </p:spPr>
-          <p:txBody>
-            <a:bodyPr/>
-            <a:lstStyle/>
-            <a:p/>
-          </p:txBody>
-        </p:sp>
-        <p:sp>
-          <p:nvSpPr>
-            <p:cNvPr id="57" name="pl56"/>
-            <p:cNvSpPr/>
-            <p:nvPr/>
-          </p:nvSpPr>
-          <p:spPr>
-            <a:xfrm>
-              <a:off x="3063858" y="4021598"/>
-              <a:ext cx="0" cy="44283"/>
-            </a:xfrm>
-            <a:custGeom>
-              <a:avLst/>
-              <a:pathLst>
-                <a:path w="0" h="44283">
-                  <a:moveTo>
-                    <a:pt x="0" y="44283"/>
-                  </a:moveTo>
-                  <a:lnTo>
-                    <a:pt x="0" y="0"/>
-                  </a:lnTo>
-                </a:path>
-              </a:pathLst>
-            </a:custGeom>
-            <a:ln w="17246" cap="flat">
-              <a:solidFill>
-                <a:srgbClr val="000000">
-                  <a:alpha val="100000"/>
-                </a:srgbClr>
-              </a:solidFill>
-              <a:prstDash val="solid"/>
-              <a:round/>
-            </a:ln>
-          </p:spPr>
-          <p:txBody>
-            <a:bodyPr/>
-            <a:lstStyle/>
-            <a:p/>
-          </p:txBody>
-        </p:sp>
-        <p:sp>
-          <p:nvSpPr>
-            <p:cNvPr id="58" name="pl57"/>
-            <p:cNvSpPr/>
-            <p:nvPr/>
-          </p:nvSpPr>
-          <p:spPr>
-            <a:xfrm>
-              <a:off x="3188044" y="4021598"/>
-              <a:ext cx="0" cy="44283"/>
-            </a:xfrm>
-            <a:custGeom>
-              <a:avLst/>
-              <a:pathLst>
-                <a:path w="0" h="44283">
-                  <a:moveTo>
-                    <a:pt x="0" y="44283"/>
-                  </a:moveTo>
-                  <a:lnTo>
-                    <a:pt x="0" y="0"/>
-                  </a:lnTo>
-                </a:path>
-              </a:pathLst>
-            </a:custGeom>
-            <a:ln w="17246" cap="flat">
-              <a:solidFill>
-                <a:srgbClr val="000000">
-                  <a:alpha val="100000"/>
-                </a:srgbClr>
-              </a:solidFill>
-              <a:prstDash val="solid"/>
-              <a:round/>
-            </a:ln>
-          </p:spPr>
-          <p:txBody>
-            <a:bodyPr/>
-            <a:lstStyle/>
-            <a:p/>
-          </p:txBody>
-        </p:sp>
-        <p:sp>
-          <p:nvSpPr>
-            <p:cNvPr id="59" name="pl58"/>
-            <p:cNvSpPr/>
-            <p:nvPr/>
-          </p:nvSpPr>
-          <p:spPr>
-            <a:xfrm>
-              <a:off x="3312231" y="4021598"/>
-              <a:ext cx="0" cy="44283"/>
-            </a:xfrm>
-            <a:custGeom>
-              <a:avLst/>
-              <a:pathLst>
-                <a:path w="0" h="44283">
-                  <a:moveTo>
-                    <a:pt x="0" y="44283"/>
-                  </a:moveTo>
-                  <a:lnTo>
-                    <a:pt x="0" y="0"/>
-                  </a:lnTo>
-                </a:path>
-              </a:pathLst>
-            </a:custGeom>
-            <a:ln w="17246" cap="flat">
-              <a:solidFill>
-                <a:srgbClr val="000000">
-                  <a:alpha val="100000"/>
-                </a:srgbClr>
-              </a:solidFill>
-              <a:prstDash val="solid"/>
-              <a:round/>
-            </a:ln>
-          </p:spPr>
-          <p:txBody>
-            <a:bodyPr/>
-            <a:lstStyle/>
-            <a:p/>
-          </p:txBody>
-        </p:sp>
-        <p:sp>
-          <p:nvSpPr>
-            <p:cNvPr id="60" name="pl59"/>
-            <p:cNvSpPr/>
-            <p:nvPr/>
-          </p:nvSpPr>
-          <p:spPr>
-            <a:xfrm>
-              <a:off x="3436417" y="4021598"/>
-              <a:ext cx="0" cy="44283"/>
-            </a:xfrm>
-            <a:custGeom>
-              <a:avLst/>
-              <a:pathLst>
-                <a:path w="0" h="44283">
-                  <a:moveTo>
-                    <a:pt x="0" y="44283"/>
-                  </a:moveTo>
-                  <a:lnTo>
-                    <a:pt x="0" y="0"/>
-                  </a:lnTo>
-                </a:path>
-              </a:pathLst>
-            </a:custGeom>
-            <a:ln w="17246" cap="flat">
-              <a:solidFill>
-                <a:srgbClr val="000000">
-                  <a:alpha val="100000"/>
-                </a:srgbClr>
-              </a:solidFill>
-              <a:prstDash val="solid"/>
-              <a:round/>
-            </a:ln>
-          </p:spPr>
-          <p:txBody>
-            <a:bodyPr/>
-            <a:lstStyle/>
-            <a:p/>
-          </p:txBody>
-        </p:sp>
-        <p:sp>
-          <p:nvSpPr>
-            <p:cNvPr id="61" name="pl60"/>
-            <p:cNvSpPr/>
-            <p:nvPr/>
-          </p:nvSpPr>
-          <p:spPr>
-            <a:xfrm>
-              <a:off x="3560604" y="4021598"/>
-              <a:ext cx="0" cy="44283"/>
-            </a:xfrm>
-            <a:custGeom>
-              <a:avLst/>
-              <a:pathLst>
-                <a:path w="0" h="44283">
-                  <a:moveTo>
-                    <a:pt x="0" y="44283"/>
-                  </a:moveTo>
-                  <a:lnTo>
-                    <a:pt x="0" y="0"/>
-                  </a:lnTo>
-                </a:path>
-              </a:pathLst>
-            </a:custGeom>
-            <a:ln w="17246" cap="flat">
-              <a:solidFill>
-                <a:srgbClr val="000000">
-                  <a:alpha val="100000"/>
-                </a:srgbClr>
-              </a:solidFill>
-              <a:prstDash val="solid"/>
-              <a:round/>
-            </a:ln>
-          </p:spPr>
-          <p:txBody>
-            <a:bodyPr/>
-            <a:lstStyle/>
-            <a:p/>
-          </p:txBody>
-        </p:sp>
-        <p:sp>
-          <p:nvSpPr>
-            <p:cNvPr id="62" name="tx61"/>
-            <p:cNvSpPr/>
-            <p:nvPr/>
-          </p:nvSpPr>
-          <p:spPr>
-            <a:xfrm>
-              <a:off x="1776746" y="4097419"/>
+            <p:cNvPr id="55" name="tx54"/>
+            <p:cNvSpPr/>
+            <p:nvPr/>
+          </p:nvSpPr>
+          <p:spPr>
+            <a:xfrm>
+              <a:off x="1776746" y="5926219"/>
               <a:ext cx="90497" cy="107582"/>
             </a:xfrm>
             <a:prstGeom prst="rect">
@@ -5796,59 +5516,13 @@
         </p:sp>
         <p:sp>
           <p:nvSpPr>
-            <p:cNvPr id="63" name="tx62"/>
-            <p:cNvSpPr/>
-            <p:nvPr/>
-          </p:nvSpPr>
-          <p:spPr>
-            <a:xfrm>
-              <a:off x="1900932" y="4101309"/>
-              <a:ext cx="90497" cy="103693"/>
-            </a:xfrm>
-            <a:prstGeom prst="rect">
-              <a:avLst/>
-            </a:prstGeom>
-            <a:noFill/>
-          </p:spPr>
-          <p:txBody>
-            <a:bodyPr lIns="0" rIns="0" tIns="0" bIns="0" anchorCtr="1" anchor="ctr" wrap="none"/>
-            <a:lstStyle/>
-            <a:p>
-              <a:pPr algn="l" marL="0" marR="0" indent="0">
-                <a:lnSpc>
-                  <a:spcPts val="1120"/>
-                </a:lnSpc>
-                <a:spcBef>
-                  <a:spcPts val="0"/>
-                </a:spcBef>
-                <a:spcAft>
-                  <a:spcPts val="0"/>
-                </a:spcAft>
-              </a:pPr>
-              <a:r>
-                <a:rPr sz="1120">
-                  <a:solidFill>
-                    <a:srgbClr val="000000">
-                      <a:alpha val="100000"/>
-                    </a:srgbClr>
-                  </a:solidFill>
-                  <a:latin typeface="DejaVu Sans"/>
-                  <a:cs typeface="DejaVu Sans"/>
-                </a:rPr>
-                <a:t>4</a:t>
-              </a:r>
-            </a:p>
-          </p:txBody>
-        </p:sp>
-        <p:sp>
-          <p:nvSpPr>
-            <p:cNvPr id="64" name="tx63"/>
-            <p:cNvSpPr/>
-            <p:nvPr/>
-          </p:nvSpPr>
-          <p:spPr>
-            <a:xfrm>
-              <a:off x="2025119" y="4097419"/>
+            <p:cNvPr id="56" name="tx55"/>
+            <p:cNvSpPr/>
+            <p:nvPr/>
+          </p:nvSpPr>
+          <p:spPr>
+            <a:xfrm>
+              <a:off x="2025119" y="5926219"/>
               <a:ext cx="90497" cy="107582"/>
             </a:xfrm>
             <a:prstGeom prst="rect">
@@ -5888,59 +5562,13 @@
         </p:sp>
         <p:sp>
           <p:nvSpPr>
-            <p:cNvPr id="65" name="tx64"/>
-            <p:cNvSpPr/>
-            <p:nvPr/>
-          </p:nvSpPr>
-          <p:spPr>
-            <a:xfrm>
-              <a:off x="2104056" y="4099434"/>
-              <a:ext cx="180994" cy="105568"/>
-            </a:xfrm>
-            <a:prstGeom prst="rect">
-              <a:avLst/>
-            </a:prstGeom>
-            <a:noFill/>
-          </p:spPr>
-          <p:txBody>
-            <a:bodyPr lIns="0" rIns="0" tIns="0" bIns="0" anchorCtr="1" anchor="ctr" wrap="none"/>
-            <a:lstStyle/>
-            <a:p>
-              <a:pPr algn="l" marL="0" marR="0" indent="0">
-                <a:lnSpc>
-                  <a:spcPts val="1120"/>
-                </a:lnSpc>
-                <a:spcBef>
-                  <a:spcPts val="0"/>
-                </a:spcBef>
-                <a:spcAft>
-                  <a:spcPts val="0"/>
-                </a:spcAft>
-              </a:pPr>
-              <a:r>
-                <a:rPr sz="1120">
-                  <a:solidFill>
-                    <a:srgbClr val="000000">
-                      <a:alpha val="100000"/>
-                    </a:srgbClr>
-                  </a:solidFill>
-                  <a:latin typeface="DejaVu Sans"/>
-                  <a:cs typeface="DejaVu Sans"/>
-                </a:rPr>
-                <a:t>12</a:t>
-              </a:r>
-            </a:p>
-          </p:txBody>
-        </p:sp>
-        <p:sp>
-          <p:nvSpPr>
-            <p:cNvPr id="66" name="tx65"/>
-            <p:cNvSpPr/>
-            <p:nvPr/>
-          </p:nvSpPr>
-          <p:spPr>
-            <a:xfrm>
-              <a:off x="2228243" y="4097419"/>
+            <p:cNvPr id="57" name="tx56"/>
+            <p:cNvSpPr/>
+            <p:nvPr/>
+          </p:nvSpPr>
+          <p:spPr>
+            <a:xfrm>
+              <a:off x="2228243" y="5926219"/>
               <a:ext cx="180994" cy="107582"/>
             </a:xfrm>
             <a:prstGeom prst="rect">
@@ -5980,59 +5608,13 @@
         </p:sp>
         <p:sp>
           <p:nvSpPr>
-            <p:cNvPr id="67" name="tx66"/>
-            <p:cNvSpPr/>
-            <p:nvPr/>
-          </p:nvSpPr>
-          <p:spPr>
-            <a:xfrm>
-              <a:off x="2352429" y="4097419"/>
-              <a:ext cx="180994" cy="107582"/>
-            </a:xfrm>
-            <a:prstGeom prst="rect">
-              <a:avLst/>
-            </a:prstGeom>
-            <a:noFill/>
-          </p:spPr>
-          <p:txBody>
-            <a:bodyPr lIns="0" rIns="0" tIns="0" bIns="0" anchorCtr="1" anchor="ctr" wrap="none"/>
-            <a:lstStyle/>
-            <a:p>
-              <a:pPr algn="l" marL="0" marR="0" indent="0">
-                <a:lnSpc>
-                  <a:spcPts val="1120"/>
-                </a:lnSpc>
-                <a:spcBef>
-                  <a:spcPts val="0"/>
-                </a:spcBef>
-                <a:spcAft>
-                  <a:spcPts val="0"/>
-                </a:spcAft>
-              </a:pPr>
-              <a:r>
-                <a:rPr sz="1120">
-                  <a:solidFill>
-                    <a:srgbClr val="000000">
-                      <a:alpha val="100000"/>
-                    </a:srgbClr>
-                  </a:solidFill>
-                  <a:latin typeface="DejaVu Sans"/>
-                  <a:cs typeface="DejaVu Sans"/>
-                </a:rPr>
-                <a:t>20</a:t>
-              </a:r>
-            </a:p>
-          </p:txBody>
-        </p:sp>
-        <p:sp>
-          <p:nvSpPr>
-            <p:cNvPr id="68" name="tx67"/>
-            <p:cNvSpPr/>
-            <p:nvPr/>
-          </p:nvSpPr>
-          <p:spPr>
-            <a:xfrm>
-              <a:off x="2476615" y="4099434"/>
+            <p:cNvPr id="58" name="tx57"/>
+            <p:cNvSpPr/>
+            <p:nvPr/>
+          </p:nvSpPr>
+          <p:spPr>
+            <a:xfrm>
+              <a:off x="2476615" y="5928234"/>
               <a:ext cx="180994" cy="105568"/>
             </a:xfrm>
             <a:prstGeom prst="rect">
@@ -6072,59 +5654,13 @@
         </p:sp>
         <p:sp>
           <p:nvSpPr>
-            <p:cNvPr id="69" name="tx68"/>
-            <p:cNvSpPr/>
-            <p:nvPr/>
-          </p:nvSpPr>
-          <p:spPr>
-            <a:xfrm>
-              <a:off x="2600802" y="4097419"/>
-              <a:ext cx="180994" cy="107582"/>
-            </a:xfrm>
-            <a:prstGeom prst="rect">
-              <a:avLst/>
-            </a:prstGeom>
-            <a:noFill/>
-          </p:spPr>
-          <p:txBody>
-            <a:bodyPr lIns="0" rIns="0" tIns="0" bIns="0" anchorCtr="1" anchor="ctr" wrap="none"/>
-            <a:lstStyle/>
-            <a:p>
-              <a:pPr algn="l" marL="0" marR="0" indent="0">
-                <a:lnSpc>
-                  <a:spcPts val="1120"/>
-                </a:lnSpc>
-                <a:spcBef>
-                  <a:spcPts val="0"/>
-                </a:spcBef>
-                <a:spcAft>
-                  <a:spcPts val="0"/>
-                </a:spcAft>
-              </a:pPr>
-              <a:r>
-                <a:rPr sz="1120">
-                  <a:solidFill>
-                    <a:srgbClr val="000000">
-                      <a:alpha val="100000"/>
-                    </a:srgbClr>
-                  </a:solidFill>
-                  <a:latin typeface="DejaVu Sans"/>
-                  <a:cs typeface="DejaVu Sans"/>
-                </a:rPr>
-                <a:t>28</a:t>
-              </a:r>
-            </a:p>
-          </p:txBody>
-        </p:sp>
-        <p:sp>
-          <p:nvSpPr>
-            <p:cNvPr id="70" name="tx69"/>
-            <p:cNvSpPr/>
-            <p:nvPr/>
-          </p:nvSpPr>
-          <p:spPr>
-            <a:xfrm>
-              <a:off x="2724988" y="4097419"/>
+            <p:cNvPr id="59" name="tx58"/>
+            <p:cNvSpPr/>
+            <p:nvPr/>
+          </p:nvSpPr>
+          <p:spPr>
+            <a:xfrm>
+              <a:off x="2724988" y="5926219"/>
               <a:ext cx="180994" cy="107582"/>
             </a:xfrm>
             <a:prstGeom prst="rect">
@@ -6164,59 +5700,13 @@
         </p:sp>
         <p:sp>
           <p:nvSpPr>
-            <p:cNvPr id="71" name="tx70"/>
-            <p:cNvSpPr/>
-            <p:nvPr/>
-          </p:nvSpPr>
-          <p:spPr>
-            <a:xfrm>
-              <a:off x="2849174" y="4097419"/>
-              <a:ext cx="180994" cy="107582"/>
-            </a:xfrm>
-            <a:prstGeom prst="rect">
-              <a:avLst/>
-            </a:prstGeom>
-            <a:noFill/>
-          </p:spPr>
-          <p:txBody>
-            <a:bodyPr lIns="0" rIns="0" tIns="0" bIns="0" anchorCtr="1" anchor="ctr" wrap="none"/>
-            <a:lstStyle/>
-            <a:p>
-              <a:pPr algn="l" marL="0" marR="0" indent="0">
-                <a:lnSpc>
-                  <a:spcPts val="1120"/>
-                </a:lnSpc>
-                <a:spcBef>
-                  <a:spcPts val="0"/>
-                </a:spcBef>
-                <a:spcAft>
-                  <a:spcPts val="0"/>
-                </a:spcAft>
-              </a:pPr>
-              <a:r>
-                <a:rPr sz="1120">
-                  <a:solidFill>
-                    <a:srgbClr val="000000">
-                      <a:alpha val="100000"/>
-                    </a:srgbClr>
-                  </a:solidFill>
-                  <a:latin typeface="DejaVu Sans"/>
-                  <a:cs typeface="DejaVu Sans"/>
-                </a:rPr>
-                <a:t>36</a:t>
-              </a:r>
-            </a:p>
-          </p:txBody>
-        </p:sp>
-        <p:sp>
-          <p:nvSpPr>
-            <p:cNvPr id="72" name="tx71"/>
-            <p:cNvSpPr/>
-            <p:nvPr/>
-          </p:nvSpPr>
-          <p:spPr>
-            <a:xfrm>
-              <a:off x="2973361" y="4097419"/>
+            <p:cNvPr id="60" name="tx59"/>
+            <p:cNvSpPr/>
+            <p:nvPr/>
+          </p:nvSpPr>
+          <p:spPr>
+            <a:xfrm>
+              <a:off x="2973361" y="5926219"/>
               <a:ext cx="180994" cy="107582"/>
             </a:xfrm>
             <a:prstGeom prst="rect">
@@ -6256,59 +5746,13 @@
         </p:sp>
         <p:sp>
           <p:nvSpPr>
-            <p:cNvPr id="73" name="tx72"/>
-            <p:cNvSpPr/>
-            <p:nvPr/>
-          </p:nvSpPr>
-          <p:spPr>
-            <a:xfrm>
-              <a:off x="3097547" y="4101309"/>
-              <a:ext cx="180994" cy="103693"/>
-            </a:xfrm>
-            <a:prstGeom prst="rect">
-              <a:avLst/>
-            </a:prstGeom>
-            <a:noFill/>
-          </p:spPr>
-          <p:txBody>
-            <a:bodyPr lIns="0" rIns="0" tIns="0" bIns="0" anchorCtr="1" anchor="ctr" wrap="none"/>
-            <a:lstStyle/>
-            <a:p>
-              <a:pPr algn="l" marL="0" marR="0" indent="0">
-                <a:lnSpc>
-                  <a:spcPts val="1120"/>
-                </a:lnSpc>
-                <a:spcBef>
-                  <a:spcPts val="0"/>
-                </a:spcBef>
-                <a:spcAft>
-                  <a:spcPts val="0"/>
-                </a:spcAft>
-              </a:pPr>
-              <a:r>
-                <a:rPr sz="1120">
-                  <a:solidFill>
-                    <a:srgbClr val="000000">
-                      <a:alpha val="100000"/>
-                    </a:srgbClr>
-                  </a:solidFill>
-                  <a:latin typeface="DejaVu Sans"/>
-                  <a:cs typeface="DejaVu Sans"/>
-                </a:rPr>
-                <a:t>44</a:t>
-              </a:r>
-            </a:p>
-          </p:txBody>
-        </p:sp>
-        <p:sp>
-          <p:nvSpPr>
-            <p:cNvPr id="74" name="tx73"/>
-            <p:cNvSpPr/>
-            <p:nvPr/>
-          </p:nvSpPr>
-          <p:spPr>
-            <a:xfrm>
-              <a:off x="3221733" y="4097419"/>
+            <p:cNvPr id="61" name="tx60"/>
+            <p:cNvSpPr/>
+            <p:nvPr/>
+          </p:nvSpPr>
+          <p:spPr>
+            <a:xfrm>
+              <a:off x="3221733" y="5926219"/>
               <a:ext cx="180994" cy="107582"/>
             </a:xfrm>
             <a:prstGeom prst="rect">
@@ -6348,59 +5792,13 @@
         </p:sp>
         <p:sp>
           <p:nvSpPr>
-            <p:cNvPr id="75" name="tx74"/>
-            <p:cNvSpPr/>
-            <p:nvPr/>
-          </p:nvSpPr>
-          <p:spPr>
-            <a:xfrm>
-              <a:off x="3345920" y="4097419"/>
-              <a:ext cx="180994" cy="107582"/>
-            </a:xfrm>
-            <a:prstGeom prst="rect">
-              <a:avLst/>
-            </a:prstGeom>
-            <a:noFill/>
-          </p:spPr>
-          <p:txBody>
-            <a:bodyPr lIns="0" rIns="0" tIns="0" bIns="0" anchorCtr="1" anchor="ctr" wrap="none"/>
-            <a:lstStyle/>
-            <a:p>
-              <a:pPr algn="l" marL="0" marR="0" indent="0">
-                <a:lnSpc>
-                  <a:spcPts val="1120"/>
-                </a:lnSpc>
-                <a:spcBef>
-                  <a:spcPts val="0"/>
-                </a:spcBef>
-                <a:spcAft>
-                  <a:spcPts val="0"/>
-                </a:spcAft>
-              </a:pPr>
-              <a:r>
-                <a:rPr sz="1120">
-                  <a:solidFill>
-                    <a:srgbClr val="000000">
-                      <a:alpha val="100000"/>
-                    </a:srgbClr>
-                  </a:solidFill>
-                  <a:latin typeface="DejaVu Sans"/>
-                  <a:cs typeface="DejaVu Sans"/>
-                </a:rPr>
-                <a:t>52</a:t>
-              </a:r>
-            </a:p>
-          </p:txBody>
-        </p:sp>
-        <p:sp>
-          <p:nvSpPr>
-            <p:cNvPr id="76" name="tx75"/>
-            <p:cNvSpPr/>
-            <p:nvPr/>
-          </p:nvSpPr>
-          <p:spPr>
-            <a:xfrm>
-              <a:off x="3470106" y="4097419"/>
+            <p:cNvPr id="62" name="tx61"/>
+            <p:cNvSpPr/>
+            <p:nvPr/>
+          </p:nvSpPr>
+          <p:spPr>
+            <a:xfrm>
+              <a:off x="3470106" y="5926219"/>
               <a:ext cx="180994" cy="107582"/>
             </a:xfrm>
             <a:prstGeom prst="rect">
@@ -6440,13 +5838,13 @@
         </p:sp>
         <p:sp>
           <p:nvSpPr>
-            <p:cNvPr id="77" name="pl76"/>
-            <p:cNvSpPr/>
-            <p:nvPr/>
-          </p:nvSpPr>
-          <p:spPr>
-            <a:xfrm>
-              <a:off x="3670904" y="4021598"/>
+            <p:cNvPr id="63" name="pl62"/>
+            <p:cNvSpPr/>
+            <p:nvPr/>
+          </p:nvSpPr>
+          <p:spPr>
+            <a:xfrm>
+              <a:off x="3670904" y="5850398"/>
               <a:ext cx="1844167" cy="0"/>
             </a:xfrm>
             <a:custGeom>
@@ -6480,13 +5878,13 @@
         </p:sp>
         <p:sp>
           <p:nvSpPr>
-            <p:cNvPr id="78" name="pl77"/>
-            <p:cNvSpPr/>
-            <p:nvPr/>
-          </p:nvSpPr>
-          <p:spPr>
-            <a:xfrm>
-              <a:off x="3754730" y="4021598"/>
+            <p:cNvPr id="64" name="pl63"/>
+            <p:cNvSpPr/>
+            <p:nvPr/>
+          </p:nvSpPr>
+          <p:spPr>
+            <a:xfrm>
+              <a:off x="3754730" y="5850398"/>
               <a:ext cx="0" cy="44283"/>
             </a:xfrm>
             <a:custGeom>
@@ -6520,13 +5918,13 @@
         </p:sp>
         <p:sp>
           <p:nvSpPr>
-            <p:cNvPr id="79" name="pl78"/>
-            <p:cNvSpPr/>
-            <p:nvPr/>
-          </p:nvSpPr>
-          <p:spPr>
-            <a:xfrm>
-              <a:off x="3878916" y="4021598"/>
+            <p:cNvPr id="65" name="pl64"/>
+            <p:cNvSpPr/>
+            <p:nvPr/>
+          </p:nvSpPr>
+          <p:spPr>
+            <a:xfrm>
+              <a:off x="4003103" y="5850398"/>
               <a:ext cx="0" cy="44283"/>
             </a:xfrm>
             <a:custGeom>
@@ -6560,13 +5958,13 @@
         </p:sp>
         <p:sp>
           <p:nvSpPr>
-            <p:cNvPr id="80" name="pl79"/>
-            <p:cNvSpPr/>
-            <p:nvPr/>
-          </p:nvSpPr>
-          <p:spPr>
-            <a:xfrm>
-              <a:off x="4003103" y="4021598"/>
+            <p:cNvPr id="66" name="pl65"/>
+            <p:cNvSpPr/>
+            <p:nvPr/>
+          </p:nvSpPr>
+          <p:spPr>
+            <a:xfrm>
+              <a:off x="4251475" y="5850398"/>
               <a:ext cx="0" cy="44283"/>
             </a:xfrm>
             <a:custGeom>
@@ -6600,13 +5998,13 @@
         </p:sp>
         <p:sp>
           <p:nvSpPr>
-            <p:cNvPr id="81" name="pl80"/>
-            <p:cNvSpPr/>
-            <p:nvPr/>
-          </p:nvSpPr>
-          <p:spPr>
-            <a:xfrm>
-              <a:off x="4127289" y="4021598"/>
+            <p:cNvPr id="67" name="pl66"/>
+            <p:cNvSpPr/>
+            <p:nvPr/>
+          </p:nvSpPr>
+          <p:spPr>
+            <a:xfrm>
+              <a:off x="4499848" y="5850398"/>
               <a:ext cx="0" cy="44283"/>
             </a:xfrm>
             <a:custGeom>
@@ -6640,13 +6038,13 @@
         </p:sp>
         <p:sp>
           <p:nvSpPr>
-            <p:cNvPr id="82" name="pl81"/>
-            <p:cNvSpPr/>
-            <p:nvPr/>
-          </p:nvSpPr>
-          <p:spPr>
-            <a:xfrm>
-              <a:off x="4251475" y="4021598"/>
+            <p:cNvPr id="68" name="pl67"/>
+            <p:cNvSpPr/>
+            <p:nvPr/>
+          </p:nvSpPr>
+          <p:spPr>
+            <a:xfrm>
+              <a:off x="4748221" y="5850398"/>
               <a:ext cx="0" cy="44283"/>
             </a:xfrm>
             <a:custGeom>
@@ -6680,13 +6078,13 @@
         </p:sp>
         <p:sp>
           <p:nvSpPr>
-            <p:cNvPr id="83" name="pl82"/>
-            <p:cNvSpPr/>
-            <p:nvPr/>
-          </p:nvSpPr>
-          <p:spPr>
-            <a:xfrm>
-              <a:off x="4375662" y="4021598"/>
+            <p:cNvPr id="69" name="pl68"/>
+            <p:cNvSpPr/>
+            <p:nvPr/>
+          </p:nvSpPr>
+          <p:spPr>
+            <a:xfrm>
+              <a:off x="4996593" y="5850398"/>
               <a:ext cx="0" cy="44283"/>
             </a:xfrm>
             <a:custGeom>
@@ -6720,13 +6118,13 @@
         </p:sp>
         <p:sp>
           <p:nvSpPr>
-            <p:cNvPr id="84" name="pl83"/>
-            <p:cNvSpPr/>
-            <p:nvPr/>
-          </p:nvSpPr>
-          <p:spPr>
-            <a:xfrm>
-              <a:off x="4499848" y="4021598"/>
+            <p:cNvPr id="70" name="pl69"/>
+            <p:cNvSpPr/>
+            <p:nvPr/>
+          </p:nvSpPr>
+          <p:spPr>
+            <a:xfrm>
+              <a:off x="5244966" y="5850398"/>
               <a:ext cx="0" cy="44283"/>
             </a:xfrm>
             <a:custGeom>
@@ -6760,13 +6158,13 @@
         </p:sp>
         <p:sp>
           <p:nvSpPr>
-            <p:cNvPr id="85" name="pl84"/>
-            <p:cNvSpPr/>
-            <p:nvPr/>
-          </p:nvSpPr>
-          <p:spPr>
-            <a:xfrm>
-              <a:off x="4624034" y="4021598"/>
+            <p:cNvPr id="71" name="pl70"/>
+            <p:cNvSpPr/>
+            <p:nvPr/>
+          </p:nvSpPr>
+          <p:spPr>
+            <a:xfrm>
+              <a:off x="5493339" y="5850398"/>
               <a:ext cx="0" cy="44283"/>
             </a:xfrm>
             <a:custGeom>
@@ -6800,293 +6198,13 @@
         </p:sp>
         <p:sp>
           <p:nvSpPr>
-            <p:cNvPr id="86" name="pl85"/>
-            <p:cNvSpPr/>
-            <p:nvPr/>
-          </p:nvSpPr>
-          <p:spPr>
-            <a:xfrm>
-              <a:off x="4748221" y="4021598"/>
-              <a:ext cx="0" cy="44283"/>
-            </a:xfrm>
-            <a:custGeom>
-              <a:avLst/>
-              <a:pathLst>
-                <a:path w="0" h="44283">
-                  <a:moveTo>
-                    <a:pt x="0" y="44283"/>
-                  </a:moveTo>
-                  <a:lnTo>
-                    <a:pt x="0" y="0"/>
-                  </a:lnTo>
-                </a:path>
-              </a:pathLst>
-            </a:custGeom>
-            <a:ln w="17246" cap="flat">
-              <a:solidFill>
-                <a:srgbClr val="000000">
-                  <a:alpha val="100000"/>
-                </a:srgbClr>
-              </a:solidFill>
-              <a:prstDash val="solid"/>
-              <a:round/>
-            </a:ln>
-          </p:spPr>
-          <p:txBody>
-            <a:bodyPr/>
-            <a:lstStyle/>
-            <a:p/>
-          </p:txBody>
-        </p:sp>
-        <p:sp>
-          <p:nvSpPr>
-            <p:cNvPr id="87" name="pl86"/>
-            <p:cNvSpPr/>
-            <p:nvPr/>
-          </p:nvSpPr>
-          <p:spPr>
-            <a:xfrm>
-              <a:off x="4872407" y="4021598"/>
-              <a:ext cx="0" cy="44283"/>
-            </a:xfrm>
-            <a:custGeom>
-              <a:avLst/>
-              <a:pathLst>
-                <a:path w="0" h="44283">
-                  <a:moveTo>
-                    <a:pt x="0" y="44283"/>
-                  </a:moveTo>
-                  <a:lnTo>
-                    <a:pt x="0" y="0"/>
-                  </a:lnTo>
-                </a:path>
-              </a:pathLst>
-            </a:custGeom>
-            <a:ln w="17246" cap="flat">
-              <a:solidFill>
-                <a:srgbClr val="000000">
-                  <a:alpha val="100000"/>
-                </a:srgbClr>
-              </a:solidFill>
-              <a:prstDash val="solid"/>
-              <a:round/>
-            </a:ln>
-          </p:spPr>
-          <p:txBody>
-            <a:bodyPr/>
-            <a:lstStyle/>
-            <a:p/>
-          </p:txBody>
-        </p:sp>
-        <p:sp>
-          <p:nvSpPr>
-            <p:cNvPr id="88" name="pl87"/>
-            <p:cNvSpPr/>
-            <p:nvPr/>
-          </p:nvSpPr>
-          <p:spPr>
-            <a:xfrm>
-              <a:off x="4996593" y="4021598"/>
-              <a:ext cx="0" cy="44283"/>
-            </a:xfrm>
-            <a:custGeom>
-              <a:avLst/>
-              <a:pathLst>
-                <a:path w="0" h="44283">
-                  <a:moveTo>
-                    <a:pt x="0" y="44283"/>
-                  </a:moveTo>
-                  <a:lnTo>
-                    <a:pt x="0" y="0"/>
-                  </a:lnTo>
-                </a:path>
-              </a:pathLst>
-            </a:custGeom>
-            <a:ln w="17246" cap="flat">
-              <a:solidFill>
-                <a:srgbClr val="000000">
-                  <a:alpha val="100000"/>
-                </a:srgbClr>
-              </a:solidFill>
-              <a:prstDash val="solid"/>
-              <a:round/>
-            </a:ln>
-          </p:spPr>
-          <p:txBody>
-            <a:bodyPr/>
-            <a:lstStyle/>
-            <a:p/>
-          </p:txBody>
-        </p:sp>
-        <p:sp>
-          <p:nvSpPr>
-            <p:cNvPr id="89" name="pl88"/>
-            <p:cNvSpPr/>
-            <p:nvPr/>
-          </p:nvSpPr>
-          <p:spPr>
-            <a:xfrm>
-              <a:off x="5120780" y="4021598"/>
-              <a:ext cx="0" cy="44283"/>
-            </a:xfrm>
-            <a:custGeom>
-              <a:avLst/>
-              <a:pathLst>
-                <a:path w="0" h="44283">
-                  <a:moveTo>
-                    <a:pt x="0" y="44283"/>
-                  </a:moveTo>
-                  <a:lnTo>
-                    <a:pt x="0" y="0"/>
-                  </a:lnTo>
-                </a:path>
-              </a:pathLst>
-            </a:custGeom>
-            <a:ln w="17246" cap="flat">
-              <a:solidFill>
-                <a:srgbClr val="000000">
-                  <a:alpha val="100000"/>
-                </a:srgbClr>
-              </a:solidFill>
-              <a:prstDash val="solid"/>
-              <a:round/>
-            </a:ln>
-          </p:spPr>
-          <p:txBody>
-            <a:bodyPr/>
-            <a:lstStyle/>
-            <a:p/>
-          </p:txBody>
-        </p:sp>
-        <p:sp>
-          <p:nvSpPr>
-            <p:cNvPr id="90" name="pl89"/>
-            <p:cNvSpPr/>
-            <p:nvPr/>
-          </p:nvSpPr>
-          <p:spPr>
-            <a:xfrm>
-              <a:off x="5244966" y="4021598"/>
-              <a:ext cx="0" cy="44283"/>
-            </a:xfrm>
-            <a:custGeom>
-              <a:avLst/>
-              <a:pathLst>
-                <a:path w="0" h="44283">
-                  <a:moveTo>
-                    <a:pt x="0" y="44283"/>
-                  </a:moveTo>
-                  <a:lnTo>
-                    <a:pt x="0" y="0"/>
-                  </a:lnTo>
-                </a:path>
-              </a:pathLst>
-            </a:custGeom>
-            <a:ln w="17246" cap="flat">
-              <a:solidFill>
-                <a:srgbClr val="000000">
-                  <a:alpha val="100000"/>
-                </a:srgbClr>
-              </a:solidFill>
-              <a:prstDash val="solid"/>
-              <a:round/>
-            </a:ln>
-          </p:spPr>
-          <p:txBody>
-            <a:bodyPr/>
-            <a:lstStyle/>
-            <a:p/>
-          </p:txBody>
-        </p:sp>
-        <p:sp>
-          <p:nvSpPr>
-            <p:cNvPr id="91" name="pl90"/>
-            <p:cNvSpPr/>
-            <p:nvPr/>
-          </p:nvSpPr>
-          <p:spPr>
-            <a:xfrm>
-              <a:off x="5369152" y="4021598"/>
-              <a:ext cx="0" cy="44283"/>
-            </a:xfrm>
-            <a:custGeom>
-              <a:avLst/>
-              <a:pathLst>
-                <a:path w="0" h="44283">
-                  <a:moveTo>
-                    <a:pt x="0" y="44283"/>
-                  </a:moveTo>
-                  <a:lnTo>
-                    <a:pt x="0" y="0"/>
-                  </a:lnTo>
-                </a:path>
-              </a:pathLst>
-            </a:custGeom>
-            <a:ln w="17246" cap="flat">
-              <a:solidFill>
-                <a:srgbClr val="000000">
-                  <a:alpha val="100000"/>
-                </a:srgbClr>
-              </a:solidFill>
-              <a:prstDash val="solid"/>
-              <a:round/>
-            </a:ln>
-          </p:spPr>
-          <p:txBody>
-            <a:bodyPr/>
-            <a:lstStyle/>
-            <a:p/>
-          </p:txBody>
-        </p:sp>
-        <p:sp>
-          <p:nvSpPr>
-            <p:cNvPr id="92" name="pl91"/>
-            <p:cNvSpPr/>
-            <p:nvPr/>
-          </p:nvSpPr>
-          <p:spPr>
-            <a:xfrm>
-              <a:off x="5493339" y="4021598"/>
-              <a:ext cx="0" cy="44283"/>
-            </a:xfrm>
-            <a:custGeom>
-              <a:avLst/>
-              <a:pathLst>
-                <a:path w="0" h="44283">
-                  <a:moveTo>
-                    <a:pt x="0" y="44283"/>
-                  </a:moveTo>
-                  <a:lnTo>
-                    <a:pt x="0" y="0"/>
-                  </a:lnTo>
-                </a:path>
-              </a:pathLst>
-            </a:custGeom>
-            <a:ln w="17246" cap="flat">
-              <a:solidFill>
-                <a:srgbClr val="000000">
-                  <a:alpha val="100000"/>
-                </a:srgbClr>
-              </a:solidFill>
-              <a:prstDash val="solid"/>
-              <a:round/>
-            </a:ln>
-          </p:spPr>
-          <p:txBody>
-            <a:bodyPr/>
-            <a:lstStyle/>
-            <a:p/>
-          </p:txBody>
-        </p:sp>
-        <p:sp>
-          <p:nvSpPr>
-            <p:cNvPr id="93" name="tx92"/>
-            <p:cNvSpPr/>
-            <p:nvPr/>
-          </p:nvSpPr>
-          <p:spPr>
-            <a:xfrm>
-              <a:off x="3709481" y="4097419"/>
+            <p:cNvPr id="72" name="tx71"/>
+            <p:cNvSpPr/>
+            <p:nvPr/>
+          </p:nvSpPr>
+          <p:spPr>
+            <a:xfrm>
+              <a:off x="3709481" y="5926219"/>
               <a:ext cx="90497" cy="107582"/>
             </a:xfrm>
             <a:prstGeom prst="rect">
@@ -7126,59 +6244,13 @@
         </p:sp>
         <p:sp>
           <p:nvSpPr>
-            <p:cNvPr id="94" name="tx93"/>
-            <p:cNvSpPr/>
-            <p:nvPr/>
-          </p:nvSpPr>
-          <p:spPr>
-            <a:xfrm>
-              <a:off x="3833667" y="4101309"/>
-              <a:ext cx="90497" cy="103693"/>
-            </a:xfrm>
-            <a:prstGeom prst="rect">
-              <a:avLst/>
-            </a:prstGeom>
-            <a:noFill/>
-          </p:spPr>
-          <p:txBody>
-            <a:bodyPr lIns="0" rIns="0" tIns="0" bIns="0" anchorCtr="1" anchor="ctr" wrap="none"/>
-            <a:lstStyle/>
-            <a:p>
-              <a:pPr algn="l" marL="0" marR="0" indent="0">
-                <a:lnSpc>
-                  <a:spcPts val="1120"/>
-                </a:lnSpc>
-                <a:spcBef>
-                  <a:spcPts val="0"/>
-                </a:spcBef>
-                <a:spcAft>
-                  <a:spcPts val="0"/>
-                </a:spcAft>
-              </a:pPr>
-              <a:r>
-                <a:rPr sz="1120">
-                  <a:solidFill>
-                    <a:srgbClr val="000000">
-                      <a:alpha val="100000"/>
-                    </a:srgbClr>
-                  </a:solidFill>
-                  <a:latin typeface="DejaVu Sans"/>
-                  <a:cs typeface="DejaVu Sans"/>
-                </a:rPr>
-                <a:t>4</a:t>
-              </a:r>
-            </a:p>
-          </p:txBody>
-        </p:sp>
-        <p:sp>
-          <p:nvSpPr>
-            <p:cNvPr id="95" name="tx94"/>
-            <p:cNvSpPr/>
-            <p:nvPr/>
-          </p:nvSpPr>
-          <p:spPr>
-            <a:xfrm>
-              <a:off x="3957854" y="4097419"/>
+            <p:cNvPr id="73" name="tx72"/>
+            <p:cNvSpPr/>
+            <p:nvPr/>
+          </p:nvSpPr>
+          <p:spPr>
+            <a:xfrm>
+              <a:off x="3957854" y="5926219"/>
               <a:ext cx="90497" cy="107582"/>
             </a:xfrm>
             <a:prstGeom prst="rect">
@@ -7218,59 +6290,13 @@
         </p:sp>
         <p:sp>
           <p:nvSpPr>
-            <p:cNvPr id="96" name="tx95"/>
-            <p:cNvSpPr/>
-            <p:nvPr/>
-          </p:nvSpPr>
-          <p:spPr>
-            <a:xfrm>
-              <a:off x="4036791" y="4099434"/>
-              <a:ext cx="180994" cy="105568"/>
-            </a:xfrm>
-            <a:prstGeom prst="rect">
-              <a:avLst/>
-            </a:prstGeom>
-            <a:noFill/>
-          </p:spPr>
-          <p:txBody>
-            <a:bodyPr lIns="0" rIns="0" tIns="0" bIns="0" anchorCtr="1" anchor="ctr" wrap="none"/>
-            <a:lstStyle/>
-            <a:p>
-              <a:pPr algn="l" marL="0" marR="0" indent="0">
-                <a:lnSpc>
-                  <a:spcPts val="1120"/>
-                </a:lnSpc>
-                <a:spcBef>
-                  <a:spcPts val="0"/>
-                </a:spcBef>
-                <a:spcAft>
-                  <a:spcPts val="0"/>
-                </a:spcAft>
-              </a:pPr>
-              <a:r>
-                <a:rPr sz="1120">
-                  <a:solidFill>
-                    <a:srgbClr val="000000">
-                      <a:alpha val="100000"/>
-                    </a:srgbClr>
-                  </a:solidFill>
-                  <a:latin typeface="DejaVu Sans"/>
-                  <a:cs typeface="DejaVu Sans"/>
-                </a:rPr>
-                <a:t>12</a:t>
-              </a:r>
-            </a:p>
-          </p:txBody>
-        </p:sp>
-        <p:sp>
-          <p:nvSpPr>
-            <p:cNvPr id="97" name="tx96"/>
-            <p:cNvSpPr/>
-            <p:nvPr/>
-          </p:nvSpPr>
-          <p:spPr>
-            <a:xfrm>
-              <a:off x="4160978" y="4097419"/>
+            <p:cNvPr id="74" name="tx73"/>
+            <p:cNvSpPr/>
+            <p:nvPr/>
+          </p:nvSpPr>
+          <p:spPr>
+            <a:xfrm>
+              <a:off x="4160978" y="5926219"/>
               <a:ext cx="180994" cy="107582"/>
             </a:xfrm>
             <a:prstGeom prst="rect">
@@ -7310,59 +6336,13 @@
         </p:sp>
         <p:sp>
           <p:nvSpPr>
-            <p:cNvPr id="98" name="tx97"/>
-            <p:cNvSpPr/>
-            <p:nvPr/>
-          </p:nvSpPr>
-          <p:spPr>
-            <a:xfrm>
-              <a:off x="4285164" y="4097419"/>
-              <a:ext cx="180994" cy="107582"/>
-            </a:xfrm>
-            <a:prstGeom prst="rect">
-              <a:avLst/>
-            </a:prstGeom>
-            <a:noFill/>
-          </p:spPr>
-          <p:txBody>
-            <a:bodyPr lIns="0" rIns="0" tIns="0" bIns="0" anchorCtr="1" anchor="ctr" wrap="none"/>
-            <a:lstStyle/>
-            <a:p>
-              <a:pPr algn="l" marL="0" marR="0" indent="0">
-                <a:lnSpc>
-                  <a:spcPts val="1120"/>
-                </a:lnSpc>
-                <a:spcBef>
-                  <a:spcPts val="0"/>
-                </a:spcBef>
-                <a:spcAft>
-                  <a:spcPts val="0"/>
-                </a:spcAft>
-              </a:pPr>
-              <a:r>
-                <a:rPr sz="1120">
-                  <a:solidFill>
-                    <a:srgbClr val="000000">
-                      <a:alpha val="100000"/>
-                    </a:srgbClr>
-                  </a:solidFill>
-                  <a:latin typeface="DejaVu Sans"/>
-                  <a:cs typeface="DejaVu Sans"/>
-                </a:rPr>
-                <a:t>20</a:t>
-              </a:r>
-            </a:p>
-          </p:txBody>
-        </p:sp>
-        <p:sp>
-          <p:nvSpPr>
-            <p:cNvPr id="99" name="tx98"/>
-            <p:cNvSpPr/>
-            <p:nvPr/>
-          </p:nvSpPr>
-          <p:spPr>
-            <a:xfrm>
-              <a:off x="4409351" y="4099434"/>
+            <p:cNvPr id="75" name="tx74"/>
+            <p:cNvSpPr/>
+            <p:nvPr/>
+          </p:nvSpPr>
+          <p:spPr>
+            <a:xfrm>
+              <a:off x="4409351" y="5928234"/>
               <a:ext cx="180994" cy="105568"/>
             </a:xfrm>
             <a:prstGeom prst="rect">
@@ -7402,59 +6382,13 @@
         </p:sp>
         <p:sp>
           <p:nvSpPr>
-            <p:cNvPr id="100" name="tx99"/>
-            <p:cNvSpPr/>
-            <p:nvPr/>
-          </p:nvSpPr>
-          <p:spPr>
-            <a:xfrm>
-              <a:off x="4533537" y="4097419"/>
-              <a:ext cx="180994" cy="107582"/>
-            </a:xfrm>
-            <a:prstGeom prst="rect">
-              <a:avLst/>
-            </a:prstGeom>
-            <a:noFill/>
-          </p:spPr>
-          <p:txBody>
-            <a:bodyPr lIns="0" rIns="0" tIns="0" bIns="0" anchorCtr="1" anchor="ctr" wrap="none"/>
-            <a:lstStyle/>
-            <a:p>
-              <a:pPr algn="l" marL="0" marR="0" indent="0">
-                <a:lnSpc>
-                  <a:spcPts val="1120"/>
-                </a:lnSpc>
-                <a:spcBef>
-                  <a:spcPts val="0"/>
-                </a:spcBef>
-                <a:spcAft>
-                  <a:spcPts val="0"/>
-                </a:spcAft>
-              </a:pPr>
-              <a:r>
-                <a:rPr sz="1120">
-                  <a:solidFill>
-                    <a:srgbClr val="000000">
-                      <a:alpha val="100000"/>
-                    </a:srgbClr>
-                  </a:solidFill>
-                  <a:latin typeface="DejaVu Sans"/>
-                  <a:cs typeface="DejaVu Sans"/>
-                </a:rPr>
-                <a:t>28</a:t>
-              </a:r>
-            </a:p>
-          </p:txBody>
-        </p:sp>
-        <p:sp>
-          <p:nvSpPr>
-            <p:cNvPr id="101" name="tx100"/>
-            <p:cNvSpPr/>
-            <p:nvPr/>
-          </p:nvSpPr>
-          <p:spPr>
-            <a:xfrm>
-              <a:off x="4657723" y="4097419"/>
+            <p:cNvPr id="76" name="tx75"/>
+            <p:cNvSpPr/>
+            <p:nvPr/>
+          </p:nvSpPr>
+          <p:spPr>
+            <a:xfrm>
+              <a:off x="4657723" y="5926219"/>
               <a:ext cx="180994" cy="107582"/>
             </a:xfrm>
             <a:prstGeom prst="rect">
@@ -7494,59 +6428,13 @@
         </p:sp>
         <p:sp>
           <p:nvSpPr>
-            <p:cNvPr id="102" name="tx101"/>
-            <p:cNvSpPr/>
-            <p:nvPr/>
-          </p:nvSpPr>
-          <p:spPr>
-            <a:xfrm>
-              <a:off x="4781910" y="4097419"/>
-              <a:ext cx="180994" cy="107582"/>
-            </a:xfrm>
-            <a:prstGeom prst="rect">
-              <a:avLst/>
-            </a:prstGeom>
-            <a:noFill/>
-          </p:spPr>
-          <p:txBody>
-            <a:bodyPr lIns="0" rIns="0" tIns="0" bIns="0" anchorCtr="1" anchor="ctr" wrap="none"/>
-            <a:lstStyle/>
-            <a:p>
-              <a:pPr algn="l" marL="0" marR="0" indent="0">
-                <a:lnSpc>
-                  <a:spcPts val="1120"/>
-                </a:lnSpc>
-                <a:spcBef>
-                  <a:spcPts val="0"/>
-                </a:spcBef>
-                <a:spcAft>
-                  <a:spcPts val="0"/>
-                </a:spcAft>
-              </a:pPr>
-              <a:r>
-                <a:rPr sz="1120">
-                  <a:solidFill>
-                    <a:srgbClr val="000000">
-                      <a:alpha val="100000"/>
-                    </a:srgbClr>
-                  </a:solidFill>
-                  <a:latin typeface="DejaVu Sans"/>
-                  <a:cs typeface="DejaVu Sans"/>
-                </a:rPr>
-                <a:t>36</a:t>
-              </a:r>
-            </a:p>
-          </p:txBody>
-        </p:sp>
-        <p:sp>
-          <p:nvSpPr>
-            <p:cNvPr id="103" name="tx102"/>
-            <p:cNvSpPr/>
-            <p:nvPr/>
-          </p:nvSpPr>
-          <p:spPr>
-            <a:xfrm>
-              <a:off x="4906096" y="4097419"/>
+            <p:cNvPr id="77" name="tx76"/>
+            <p:cNvSpPr/>
+            <p:nvPr/>
+          </p:nvSpPr>
+          <p:spPr>
+            <a:xfrm>
+              <a:off x="4906096" y="5926219"/>
               <a:ext cx="180994" cy="107582"/>
             </a:xfrm>
             <a:prstGeom prst="rect">
@@ -7586,59 +6474,13 @@
         </p:sp>
         <p:sp>
           <p:nvSpPr>
-            <p:cNvPr id="104" name="tx103"/>
-            <p:cNvSpPr/>
-            <p:nvPr/>
-          </p:nvSpPr>
-          <p:spPr>
-            <a:xfrm>
-              <a:off x="5030282" y="4101309"/>
-              <a:ext cx="180994" cy="103693"/>
-            </a:xfrm>
-            <a:prstGeom prst="rect">
-              <a:avLst/>
-            </a:prstGeom>
-            <a:noFill/>
-          </p:spPr>
-          <p:txBody>
-            <a:bodyPr lIns="0" rIns="0" tIns="0" bIns="0" anchorCtr="1" anchor="ctr" wrap="none"/>
-            <a:lstStyle/>
-            <a:p>
-              <a:pPr algn="l" marL="0" marR="0" indent="0">
-                <a:lnSpc>
-                  <a:spcPts val="1120"/>
-                </a:lnSpc>
-                <a:spcBef>
-                  <a:spcPts val="0"/>
-                </a:spcBef>
-                <a:spcAft>
-                  <a:spcPts val="0"/>
-                </a:spcAft>
-              </a:pPr>
-              <a:r>
-                <a:rPr sz="1120">
-                  <a:solidFill>
-                    <a:srgbClr val="000000">
-                      <a:alpha val="100000"/>
-                    </a:srgbClr>
-                  </a:solidFill>
-                  <a:latin typeface="DejaVu Sans"/>
-                  <a:cs typeface="DejaVu Sans"/>
-                </a:rPr>
-                <a:t>44</a:t>
-              </a:r>
-            </a:p>
-          </p:txBody>
-        </p:sp>
-        <p:sp>
-          <p:nvSpPr>
-            <p:cNvPr id="105" name="tx104"/>
-            <p:cNvSpPr/>
-            <p:nvPr/>
-          </p:nvSpPr>
-          <p:spPr>
-            <a:xfrm>
-              <a:off x="5154469" y="4097419"/>
+            <p:cNvPr id="78" name="tx77"/>
+            <p:cNvSpPr/>
+            <p:nvPr/>
+          </p:nvSpPr>
+          <p:spPr>
+            <a:xfrm>
+              <a:off x="5154469" y="5926219"/>
               <a:ext cx="180994" cy="107582"/>
             </a:xfrm>
             <a:prstGeom prst="rect">
@@ -7678,59 +6520,13 @@
         </p:sp>
         <p:sp>
           <p:nvSpPr>
-            <p:cNvPr id="106" name="tx105"/>
-            <p:cNvSpPr/>
-            <p:nvPr/>
-          </p:nvSpPr>
-          <p:spPr>
-            <a:xfrm>
-              <a:off x="5278655" y="4097419"/>
-              <a:ext cx="180994" cy="107582"/>
-            </a:xfrm>
-            <a:prstGeom prst="rect">
-              <a:avLst/>
-            </a:prstGeom>
-            <a:noFill/>
-          </p:spPr>
-          <p:txBody>
-            <a:bodyPr lIns="0" rIns="0" tIns="0" bIns="0" anchorCtr="1" anchor="ctr" wrap="none"/>
-            <a:lstStyle/>
-            <a:p>
-              <a:pPr algn="l" marL="0" marR="0" indent="0">
-                <a:lnSpc>
-                  <a:spcPts val="1120"/>
-                </a:lnSpc>
-                <a:spcBef>
-                  <a:spcPts val="0"/>
-                </a:spcBef>
-                <a:spcAft>
-                  <a:spcPts val="0"/>
-                </a:spcAft>
-              </a:pPr>
-              <a:r>
-                <a:rPr sz="1120">
-                  <a:solidFill>
-                    <a:srgbClr val="000000">
-                      <a:alpha val="100000"/>
-                    </a:srgbClr>
-                  </a:solidFill>
-                  <a:latin typeface="DejaVu Sans"/>
-                  <a:cs typeface="DejaVu Sans"/>
-                </a:rPr>
-                <a:t>52</a:t>
-              </a:r>
-            </a:p>
-          </p:txBody>
-        </p:sp>
-        <p:sp>
-          <p:nvSpPr>
-            <p:cNvPr id="107" name="tx106"/>
-            <p:cNvSpPr/>
-            <p:nvPr/>
-          </p:nvSpPr>
-          <p:spPr>
-            <a:xfrm>
-              <a:off x="5402841" y="4097419"/>
+            <p:cNvPr id="79" name="tx78"/>
+            <p:cNvSpPr/>
+            <p:nvPr/>
+          </p:nvSpPr>
+          <p:spPr>
+            <a:xfrm>
+              <a:off x="5402841" y="5926219"/>
               <a:ext cx="180994" cy="107582"/>
             </a:xfrm>
             <a:prstGeom prst="rect">
@@ -7770,21 +6566,21 @@
         </p:sp>
         <p:sp>
           <p:nvSpPr>
-            <p:cNvPr id="108" name="pl107"/>
+            <p:cNvPr id="80" name="pl79"/>
             <p:cNvSpPr/>
             <p:nvPr/>
           </p:nvSpPr>
           <p:spPr>
             <a:xfrm>
               <a:off x="1738169" y="1315914"/>
-              <a:ext cx="0" cy="1171063"/>
+              <a:ext cx="0" cy="2085463"/>
             </a:xfrm>
             <a:custGeom>
               <a:avLst/>
               <a:pathLst>
-                <a:path w="0" h="1171063">
+                <a:path w="0" h="2085463">
                   <a:moveTo>
-                    <a:pt x="0" y="1171063"/>
+                    <a:pt x="0" y="2085463"/>
                   </a:moveTo>
                   <a:lnTo>
                     <a:pt x="0" y="0"/>
@@ -7810,13 +6606,13 @@
         </p:sp>
         <p:sp>
           <p:nvSpPr>
-            <p:cNvPr id="109" name="tx108"/>
-            <p:cNvSpPr/>
-            <p:nvPr/>
-          </p:nvSpPr>
-          <p:spPr>
-            <a:xfrm>
-              <a:off x="1432804" y="2378011"/>
+            <p:cNvPr id="81" name="tx80"/>
+            <p:cNvSpPr/>
+            <p:nvPr/>
+          </p:nvSpPr>
+          <p:spPr>
+            <a:xfrm>
+              <a:off x="1432804" y="3250848"/>
               <a:ext cx="225653" cy="107582"/>
             </a:xfrm>
             <a:prstGeom prst="rect">
@@ -7856,13 +6652,13 @@
         </p:sp>
         <p:sp>
           <p:nvSpPr>
-            <p:cNvPr id="110" name="tx109"/>
-            <p:cNvSpPr/>
-            <p:nvPr/>
-          </p:nvSpPr>
-          <p:spPr>
-            <a:xfrm>
-              <a:off x="1342307" y="2271551"/>
+            <p:cNvPr id="82" name="tx81"/>
+            <p:cNvSpPr/>
+            <p:nvPr/>
+          </p:nvSpPr>
+          <p:spPr>
+            <a:xfrm>
+              <a:off x="1342307" y="3061260"/>
               <a:ext cx="316150" cy="107582"/>
             </a:xfrm>
             <a:prstGeom prst="rect">
@@ -7902,13 +6698,13 @@
         </p:sp>
         <p:sp>
           <p:nvSpPr>
-            <p:cNvPr id="111" name="tx110"/>
-            <p:cNvSpPr/>
-            <p:nvPr/>
-          </p:nvSpPr>
-          <p:spPr>
-            <a:xfrm>
-              <a:off x="1342307" y="2165091"/>
+            <p:cNvPr id="83" name="tx82"/>
+            <p:cNvSpPr/>
+            <p:nvPr/>
+          </p:nvSpPr>
+          <p:spPr>
+            <a:xfrm>
+              <a:off x="1342307" y="2871672"/>
               <a:ext cx="316150" cy="107582"/>
             </a:xfrm>
             <a:prstGeom prst="rect">
@@ -7948,13 +6744,13 @@
         </p:sp>
         <p:sp>
           <p:nvSpPr>
-            <p:cNvPr id="112" name="tx111"/>
-            <p:cNvSpPr/>
-            <p:nvPr/>
-          </p:nvSpPr>
-          <p:spPr>
-            <a:xfrm>
-              <a:off x="1342307" y="2058630"/>
+            <p:cNvPr id="84" name="tx83"/>
+            <p:cNvSpPr/>
+            <p:nvPr/>
+          </p:nvSpPr>
+          <p:spPr>
+            <a:xfrm>
+              <a:off x="1342307" y="2682085"/>
               <a:ext cx="316150" cy="107582"/>
             </a:xfrm>
             <a:prstGeom prst="rect">
@@ -7994,13 +6790,13 @@
         </p:sp>
         <p:sp>
           <p:nvSpPr>
-            <p:cNvPr id="113" name="tx112"/>
-            <p:cNvSpPr/>
-            <p:nvPr/>
-          </p:nvSpPr>
-          <p:spPr>
-            <a:xfrm>
-              <a:off x="1342307" y="1952170"/>
+            <p:cNvPr id="85" name="tx84"/>
+            <p:cNvSpPr/>
+            <p:nvPr/>
+          </p:nvSpPr>
+          <p:spPr>
+            <a:xfrm>
+              <a:off x="1342307" y="2492497"/>
               <a:ext cx="316150" cy="107582"/>
             </a:xfrm>
             <a:prstGeom prst="rect">
@@ -8040,13 +6836,13 @@
         </p:sp>
         <p:sp>
           <p:nvSpPr>
-            <p:cNvPr id="114" name="tx113"/>
-            <p:cNvSpPr/>
-            <p:nvPr/>
-          </p:nvSpPr>
-          <p:spPr>
-            <a:xfrm>
-              <a:off x="1342307" y="1845710"/>
+            <p:cNvPr id="86" name="tx85"/>
+            <p:cNvSpPr/>
+            <p:nvPr/>
+          </p:nvSpPr>
+          <p:spPr>
+            <a:xfrm>
+              <a:off x="1342307" y="2302910"/>
               <a:ext cx="316150" cy="107582"/>
             </a:xfrm>
             <a:prstGeom prst="rect">
@@ -8086,13 +6882,13 @@
         </p:sp>
         <p:sp>
           <p:nvSpPr>
-            <p:cNvPr id="115" name="tx114"/>
-            <p:cNvSpPr/>
-            <p:nvPr/>
-          </p:nvSpPr>
-          <p:spPr>
-            <a:xfrm>
-              <a:off x="1342307" y="1739249"/>
+            <p:cNvPr id="87" name="tx86"/>
+            <p:cNvSpPr/>
+            <p:nvPr/>
+          </p:nvSpPr>
+          <p:spPr>
+            <a:xfrm>
+              <a:off x="1342307" y="2113322"/>
               <a:ext cx="316150" cy="107582"/>
             </a:xfrm>
             <a:prstGeom prst="rect">
@@ -8132,13 +6928,13 @@
         </p:sp>
         <p:sp>
           <p:nvSpPr>
-            <p:cNvPr id="116" name="tx115"/>
-            <p:cNvSpPr/>
-            <p:nvPr/>
-          </p:nvSpPr>
-          <p:spPr>
-            <a:xfrm>
-              <a:off x="1342307" y="1632789"/>
+            <p:cNvPr id="88" name="tx87"/>
+            <p:cNvSpPr/>
+            <p:nvPr/>
+          </p:nvSpPr>
+          <p:spPr>
+            <a:xfrm>
+              <a:off x="1342307" y="1923735"/>
               <a:ext cx="316150" cy="107582"/>
             </a:xfrm>
             <a:prstGeom prst="rect">
@@ -8178,13 +6974,13 @@
         </p:sp>
         <p:sp>
           <p:nvSpPr>
-            <p:cNvPr id="117" name="tx116"/>
-            <p:cNvSpPr/>
-            <p:nvPr/>
-          </p:nvSpPr>
-          <p:spPr>
-            <a:xfrm>
-              <a:off x="1342307" y="1526329"/>
+            <p:cNvPr id="89" name="tx88"/>
+            <p:cNvSpPr/>
+            <p:nvPr/>
+          </p:nvSpPr>
+          <p:spPr>
+            <a:xfrm>
+              <a:off x="1342307" y="1734147"/>
               <a:ext cx="316150" cy="107582"/>
             </a:xfrm>
             <a:prstGeom prst="rect">
@@ -8224,13 +7020,13 @@
         </p:sp>
         <p:sp>
           <p:nvSpPr>
-            <p:cNvPr id="118" name="tx117"/>
-            <p:cNvSpPr/>
-            <p:nvPr/>
-          </p:nvSpPr>
-          <p:spPr>
-            <a:xfrm>
-              <a:off x="1342307" y="1419868"/>
+            <p:cNvPr id="90" name="tx89"/>
+            <p:cNvSpPr/>
+            <p:nvPr/>
+          </p:nvSpPr>
+          <p:spPr>
+            <a:xfrm>
+              <a:off x="1342307" y="1544559"/>
               <a:ext cx="316150" cy="107582"/>
             </a:xfrm>
             <a:prstGeom prst="rect">
@@ -8270,13 +7066,13 @@
         </p:sp>
         <p:sp>
           <p:nvSpPr>
-            <p:cNvPr id="119" name="tx118"/>
-            <p:cNvSpPr/>
-            <p:nvPr/>
-          </p:nvSpPr>
-          <p:spPr>
-            <a:xfrm>
-              <a:off x="1251810" y="1313408"/>
+            <p:cNvPr id="91" name="tx90"/>
+            <p:cNvSpPr/>
+            <p:nvPr/>
+          </p:nvSpPr>
+          <p:spPr>
+            <a:xfrm>
+              <a:off x="1251810" y="1354972"/>
               <a:ext cx="406648" cy="107582"/>
             </a:xfrm>
             <a:prstGeom prst="rect">
@@ -8316,13 +7112,13 @@
         </p:sp>
         <p:sp>
           <p:nvSpPr>
-            <p:cNvPr id="120" name="pl119"/>
-            <p:cNvSpPr/>
-            <p:nvPr/>
-          </p:nvSpPr>
-          <p:spPr>
-            <a:xfrm>
-              <a:off x="1693885" y="2433747"/>
+            <p:cNvPr id="92" name="pl91"/>
+            <p:cNvSpPr/>
+            <p:nvPr/>
+          </p:nvSpPr>
+          <p:spPr>
+            <a:xfrm>
+              <a:off x="1693885" y="3306584"/>
               <a:ext cx="44283" cy="0"/>
             </a:xfrm>
             <a:custGeom>
@@ -8356,13 +7152,13 @@
         </p:sp>
         <p:sp>
           <p:nvSpPr>
-            <p:cNvPr id="121" name="pl120"/>
-            <p:cNvSpPr/>
-            <p:nvPr/>
-          </p:nvSpPr>
-          <p:spPr>
-            <a:xfrm>
-              <a:off x="1693885" y="2327287"/>
+            <p:cNvPr id="93" name="pl92"/>
+            <p:cNvSpPr/>
+            <p:nvPr/>
+          </p:nvSpPr>
+          <p:spPr>
+            <a:xfrm>
+              <a:off x="1693885" y="3116996"/>
               <a:ext cx="44283" cy="0"/>
             </a:xfrm>
             <a:custGeom>
@@ -8396,13 +7192,13 @@
         </p:sp>
         <p:sp>
           <p:nvSpPr>
-            <p:cNvPr id="122" name="pl121"/>
-            <p:cNvSpPr/>
-            <p:nvPr/>
-          </p:nvSpPr>
-          <p:spPr>
-            <a:xfrm>
-              <a:off x="1693885" y="2220827"/>
+            <p:cNvPr id="94" name="pl93"/>
+            <p:cNvSpPr/>
+            <p:nvPr/>
+          </p:nvSpPr>
+          <p:spPr>
+            <a:xfrm>
+              <a:off x="1693885" y="2927409"/>
               <a:ext cx="44283" cy="0"/>
             </a:xfrm>
             <a:custGeom>
@@ -8436,13 +7232,13 @@
         </p:sp>
         <p:sp>
           <p:nvSpPr>
-            <p:cNvPr id="123" name="pl122"/>
-            <p:cNvSpPr/>
-            <p:nvPr/>
-          </p:nvSpPr>
-          <p:spPr>
-            <a:xfrm>
-              <a:off x="1693885" y="2114366"/>
+            <p:cNvPr id="95" name="pl94"/>
+            <p:cNvSpPr/>
+            <p:nvPr/>
+          </p:nvSpPr>
+          <p:spPr>
+            <a:xfrm>
+              <a:off x="1693885" y="2737821"/>
               <a:ext cx="44283" cy="0"/>
             </a:xfrm>
             <a:custGeom>
@@ -8476,13 +7272,13 @@
         </p:sp>
         <p:sp>
           <p:nvSpPr>
-            <p:cNvPr id="124" name="pl123"/>
-            <p:cNvSpPr/>
-            <p:nvPr/>
-          </p:nvSpPr>
-          <p:spPr>
-            <a:xfrm>
-              <a:off x="1693885" y="2007906"/>
+            <p:cNvPr id="96" name="pl95"/>
+            <p:cNvSpPr/>
+            <p:nvPr/>
+          </p:nvSpPr>
+          <p:spPr>
+            <a:xfrm>
+              <a:off x="1693885" y="2548233"/>
               <a:ext cx="44283" cy="0"/>
             </a:xfrm>
             <a:custGeom>
@@ -8516,13 +7312,13 @@
         </p:sp>
         <p:sp>
           <p:nvSpPr>
-            <p:cNvPr id="125" name="pl124"/>
-            <p:cNvSpPr/>
-            <p:nvPr/>
-          </p:nvSpPr>
-          <p:spPr>
-            <a:xfrm>
-              <a:off x="1693885" y="1901446"/>
+            <p:cNvPr id="97" name="pl96"/>
+            <p:cNvSpPr/>
+            <p:nvPr/>
+          </p:nvSpPr>
+          <p:spPr>
+            <a:xfrm>
+              <a:off x="1693885" y="2358646"/>
               <a:ext cx="44283" cy="0"/>
             </a:xfrm>
             <a:custGeom>
@@ -8556,13 +7352,13 @@
         </p:sp>
         <p:sp>
           <p:nvSpPr>
-            <p:cNvPr id="126" name="pl125"/>
-            <p:cNvSpPr/>
-            <p:nvPr/>
-          </p:nvSpPr>
-          <p:spPr>
-            <a:xfrm>
-              <a:off x="1693885" y="1794986"/>
+            <p:cNvPr id="98" name="pl97"/>
+            <p:cNvSpPr/>
+            <p:nvPr/>
+          </p:nvSpPr>
+          <p:spPr>
+            <a:xfrm>
+              <a:off x="1693885" y="2169058"/>
               <a:ext cx="44283" cy="0"/>
             </a:xfrm>
             <a:custGeom>
@@ -8596,13 +7392,13 @@
         </p:sp>
         <p:sp>
           <p:nvSpPr>
-            <p:cNvPr id="127" name="pl126"/>
-            <p:cNvSpPr/>
-            <p:nvPr/>
-          </p:nvSpPr>
-          <p:spPr>
-            <a:xfrm>
-              <a:off x="1693885" y="1688525"/>
+            <p:cNvPr id="99" name="pl98"/>
+            <p:cNvSpPr/>
+            <p:nvPr/>
+          </p:nvSpPr>
+          <p:spPr>
+            <a:xfrm>
+              <a:off x="1693885" y="1979471"/>
               <a:ext cx="44283" cy="0"/>
             </a:xfrm>
             <a:custGeom>
@@ -8636,13 +7432,13 @@
         </p:sp>
         <p:sp>
           <p:nvSpPr>
-            <p:cNvPr id="128" name="pl127"/>
-            <p:cNvSpPr/>
-            <p:nvPr/>
-          </p:nvSpPr>
-          <p:spPr>
-            <a:xfrm>
-              <a:off x="1693885" y="1582065"/>
+            <p:cNvPr id="100" name="pl99"/>
+            <p:cNvSpPr/>
+            <p:nvPr/>
+          </p:nvSpPr>
+          <p:spPr>
+            <a:xfrm>
+              <a:off x="1693885" y="1789883"/>
               <a:ext cx="44283" cy="0"/>
             </a:xfrm>
             <a:custGeom>
@@ -8676,13 +7472,13 @@
         </p:sp>
         <p:sp>
           <p:nvSpPr>
-            <p:cNvPr id="129" name="pl128"/>
-            <p:cNvSpPr/>
-            <p:nvPr/>
-          </p:nvSpPr>
-          <p:spPr>
-            <a:xfrm>
-              <a:off x="1693885" y="1475605"/>
+            <p:cNvPr id="101" name="pl100"/>
+            <p:cNvSpPr/>
+            <p:nvPr/>
+          </p:nvSpPr>
+          <p:spPr>
+            <a:xfrm>
+              <a:off x="1693885" y="1600296"/>
               <a:ext cx="44283" cy="0"/>
             </a:xfrm>
             <a:custGeom>
@@ -8716,13 +7512,13 @@
         </p:sp>
         <p:sp>
           <p:nvSpPr>
-            <p:cNvPr id="130" name="pl129"/>
-            <p:cNvSpPr/>
-            <p:nvPr/>
-          </p:nvSpPr>
-          <p:spPr>
-            <a:xfrm>
-              <a:off x="1693885" y="1369144"/>
+            <p:cNvPr id="102" name="pl101"/>
+            <p:cNvSpPr/>
+            <p:nvPr/>
+          </p:nvSpPr>
+          <p:spPr>
+            <a:xfrm>
+              <a:off x="1693885" y="1410708"/>
               <a:ext cx="44283" cy="0"/>
             </a:xfrm>
             <a:custGeom>
@@ -8756,21 +7552,21 @@
         </p:sp>
         <p:sp>
           <p:nvSpPr>
-            <p:cNvPr id="131" name="pl130"/>
-            <p:cNvSpPr/>
-            <p:nvPr/>
-          </p:nvSpPr>
-          <p:spPr>
-            <a:xfrm>
-              <a:off x="1738169" y="2850534"/>
-              <a:ext cx="0" cy="1171063"/>
+            <p:cNvPr id="103" name="pl102"/>
+            <p:cNvSpPr/>
+            <p:nvPr/>
+          </p:nvSpPr>
+          <p:spPr>
+            <a:xfrm>
+              <a:off x="1738169" y="3764934"/>
+              <a:ext cx="0" cy="2085463"/>
             </a:xfrm>
             <a:custGeom>
               <a:avLst/>
               <a:pathLst>
-                <a:path w="0" h="1171063">
+                <a:path w="0" h="2085463">
                   <a:moveTo>
-                    <a:pt x="0" y="1171063"/>
+                    <a:pt x="0" y="2085463"/>
                   </a:moveTo>
                   <a:lnTo>
                     <a:pt x="0" y="0"/>
@@ -8796,13 +7592,13 @@
         </p:sp>
         <p:sp>
           <p:nvSpPr>
-            <p:cNvPr id="132" name="tx131"/>
-            <p:cNvSpPr/>
-            <p:nvPr/>
-          </p:nvSpPr>
-          <p:spPr>
-            <a:xfrm>
-              <a:off x="1432804" y="3912631"/>
+            <p:cNvPr id="104" name="tx103"/>
+            <p:cNvSpPr/>
+            <p:nvPr/>
+          </p:nvSpPr>
+          <p:spPr>
+            <a:xfrm>
+              <a:off x="1432804" y="5699868"/>
               <a:ext cx="225653" cy="107582"/>
             </a:xfrm>
             <a:prstGeom prst="rect">
@@ -8842,13 +7638,13 @@
         </p:sp>
         <p:sp>
           <p:nvSpPr>
-            <p:cNvPr id="133" name="tx132"/>
-            <p:cNvSpPr/>
-            <p:nvPr/>
-          </p:nvSpPr>
-          <p:spPr>
-            <a:xfrm>
-              <a:off x="1342307" y="3806171"/>
+            <p:cNvPr id="105" name="tx104"/>
+            <p:cNvSpPr/>
+            <p:nvPr/>
+          </p:nvSpPr>
+          <p:spPr>
+            <a:xfrm>
+              <a:off x="1342307" y="5510280"/>
               <a:ext cx="316150" cy="107582"/>
             </a:xfrm>
             <a:prstGeom prst="rect">
@@ -8888,13 +7684,13 @@
         </p:sp>
         <p:sp>
           <p:nvSpPr>
-            <p:cNvPr id="134" name="tx133"/>
-            <p:cNvSpPr/>
-            <p:nvPr/>
-          </p:nvSpPr>
-          <p:spPr>
-            <a:xfrm>
-              <a:off x="1342307" y="3699711"/>
+            <p:cNvPr id="106" name="tx105"/>
+            <p:cNvSpPr/>
+            <p:nvPr/>
+          </p:nvSpPr>
+          <p:spPr>
+            <a:xfrm>
+              <a:off x="1342307" y="5320693"/>
               <a:ext cx="316150" cy="107582"/>
             </a:xfrm>
             <a:prstGeom prst="rect">
@@ -8934,13 +7730,13 @@
         </p:sp>
         <p:sp>
           <p:nvSpPr>
-            <p:cNvPr id="135" name="tx134"/>
-            <p:cNvSpPr/>
-            <p:nvPr/>
-          </p:nvSpPr>
-          <p:spPr>
-            <a:xfrm>
-              <a:off x="1342307" y="3593251"/>
+            <p:cNvPr id="107" name="tx106"/>
+            <p:cNvSpPr/>
+            <p:nvPr/>
+          </p:nvSpPr>
+          <p:spPr>
+            <a:xfrm>
+              <a:off x="1342307" y="5131105"/>
               <a:ext cx="316150" cy="107582"/>
             </a:xfrm>
             <a:prstGeom prst="rect">
@@ -8980,13 +7776,13 @@
         </p:sp>
         <p:sp>
           <p:nvSpPr>
-            <p:cNvPr id="136" name="tx135"/>
-            <p:cNvSpPr/>
-            <p:nvPr/>
-          </p:nvSpPr>
-          <p:spPr>
-            <a:xfrm>
-              <a:off x="1342307" y="3486790"/>
+            <p:cNvPr id="108" name="tx107"/>
+            <p:cNvSpPr/>
+            <p:nvPr/>
+          </p:nvSpPr>
+          <p:spPr>
+            <a:xfrm>
+              <a:off x="1342307" y="4941518"/>
               <a:ext cx="316150" cy="107582"/>
             </a:xfrm>
             <a:prstGeom prst="rect">
@@ -9026,13 +7822,13 @@
         </p:sp>
         <p:sp>
           <p:nvSpPr>
-            <p:cNvPr id="137" name="tx136"/>
-            <p:cNvSpPr/>
-            <p:nvPr/>
-          </p:nvSpPr>
-          <p:spPr>
-            <a:xfrm>
-              <a:off x="1342307" y="3380330"/>
+            <p:cNvPr id="109" name="tx108"/>
+            <p:cNvSpPr/>
+            <p:nvPr/>
+          </p:nvSpPr>
+          <p:spPr>
+            <a:xfrm>
+              <a:off x="1342307" y="4751930"/>
               <a:ext cx="316150" cy="107582"/>
             </a:xfrm>
             <a:prstGeom prst="rect">
@@ -9072,13 +7868,13 @@
         </p:sp>
         <p:sp>
           <p:nvSpPr>
-            <p:cNvPr id="138" name="tx137"/>
-            <p:cNvSpPr/>
-            <p:nvPr/>
-          </p:nvSpPr>
-          <p:spPr>
-            <a:xfrm>
-              <a:off x="1342307" y="3273870"/>
+            <p:cNvPr id="110" name="tx109"/>
+            <p:cNvSpPr/>
+            <p:nvPr/>
+          </p:nvSpPr>
+          <p:spPr>
+            <a:xfrm>
+              <a:off x="1342307" y="4562342"/>
               <a:ext cx="316150" cy="107582"/>
             </a:xfrm>
             <a:prstGeom prst="rect">
@@ -9118,13 +7914,13 @@
         </p:sp>
         <p:sp>
           <p:nvSpPr>
-            <p:cNvPr id="139" name="tx138"/>
-            <p:cNvSpPr/>
-            <p:nvPr/>
-          </p:nvSpPr>
-          <p:spPr>
-            <a:xfrm>
-              <a:off x="1342307" y="3167409"/>
+            <p:cNvPr id="111" name="tx110"/>
+            <p:cNvSpPr/>
+            <p:nvPr/>
+          </p:nvSpPr>
+          <p:spPr>
+            <a:xfrm>
+              <a:off x="1342307" y="4372755"/>
               <a:ext cx="316150" cy="107582"/>
             </a:xfrm>
             <a:prstGeom prst="rect">
@@ -9164,13 +7960,13 @@
         </p:sp>
         <p:sp>
           <p:nvSpPr>
-            <p:cNvPr id="140" name="tx139"/>
-            <p:cNvSpPr/>
-            <p:nvPr/>
-          </p:nvSpPr>
-          <p:spPr>
-            <a:xfrm>
-              <a:off x="1342307" y="3060949"/>
+            <p:cNvPr id="112" name="tx111"/>
+            <p:cNvSpPr/>
+            <p:nvPr/>
+          </p:nvSpPr>
+          <p:spPr>
+            <a:xfrm>
+              <a:off x="1342307" y="4183167"/>
               <a:ext cx="316150" cy="107582"/>
             </a:xfrm>
             <a:prstGeom prst="rect">
@@ -9210,13 +8006,13 @@
         </p:sp>
         <p:sp>
           <p:nvSpPr>
-            <p:cNvPr id="141" name="tx140"/>
-            <p:cNvSpPr/>
-            <p:nvPr/>
-          </p:nvSpPr>
-          <p:spPr>
-            <a:xfrm>
-              <a:off x="1342307" y="2954489"/>
+            <p:cNvPr id="113" name="tx112"/>
+            <p:cNvSpPr/>
+            <p:nvPr/>
+          </p:nvSpPr>
+          <p:spPr>
+            <a:xfrm>
+              <a:off x="1342307" y="3993580"/>
               <a:ext cx="316150" cy="107582"/>
             </a:xfrm>
             <a:prstGeom prst="rect">
@@ -9256,13 +8052,13 @@
         </p:sp>
         <p:sp>
           <p:nvSpPr>
-            <p:cNvPr id="142" name="tx141"/>
-            <p:cNvSpPr/>
-            <p:nvPr/>
-          </p:nvSpPr>
-          <p:spPr>
-            <a:xfrm>
-              <a:off x="1251810" y="2848028"/>
+            <p:cNvPr id="114" name="tx113"/>
+            <p:cNvSpPr/>
+            <p:nvPr/>
+          </p:nvSpPr>
+          <p:spPr>
+            <a:xfrm>
+              <a:off x="1251810" y="3803992"/>
               <a:ext cx="406648" cy="107582"/>
             </a:xfrm>
             <a:prstGeom prst="rect">
@@ -9302,13 +8098,13 @@
         </p:sp>
         <p:sp>
           <p:nvSpPr>
-            <p:cNvPr id="143" name="pl142"/>
-            <p:cNvSpPr/>
-            <p:nvPr/>
-          </p:nvSpPr>
-          <p:spPr>
-            <a:xfrm>
-              <a:off x="1693885" y="3968368"/>
+            <p:cNvPr id="115" name="pl114"/>
+            <p:cNvSpPr/>
+            <p:nvPr/>
+          </p:nvSpPr>
+          <p:spPr>
+            <a:xfrm>
+              <a:off x="1693885" y="5755604"/>
               <a:ext cx="44283" cy="0"/>
             </a:xfrm>
             <a:custGeom>
@@ -9342,13 +8138,13 @@
         </p:sp>
         <p:sp>
           <p:nvSpPr>
-            <p:cNvPr id="144" name="pl143"/>
-            <p:cNvSpPr/>
-            <p:nvPr/>
-          </p:nvSpPr>
-          <p:spPr>
-            <a:xfrm>
-              <a:off x="1693885" y="3861907"/>
+            <p:cNvPr id="116" name="pl115"/>
+            <p:cNvSpPr/>
+            <p:nvPr/>
+          </p:nvSpPr>
+          <p:spPr>
+            <a:xfrm>
+              <a:off x="1693885" y="5566016"/>
               <a:ext cx="44283" cy="0"/>
             </a:xfrm>
             <a:custGeom>
@@ -9382,13 +8178,13 @@
         </p:sp>
         <p:sp>
           <p:nvSpPr>
-            <p:cNvPr id="145" name="pl144"/>
-            <p:cNvSpPr/>
-            <p:nvPr/>
-          </p:nvSpPr>
-          <p:spPr>
-            <a:xfrm>
-              <a:off x="1693885" y="3755447"/>
+            <p:cNvPr id="117" name="pl116"/>
+            <p:cNvSpPr/>
+            <p:nvPr/>
+          </p:nvSpPr>
+          <p:spPr>
+            <a:xfrm>
+              <a:off x="1693885" y="5376429"/>
               <a:ext cx="44283" cy="0"/>
             </a:xfrm>
             <a:custGeom>
@@ -9422,13 +8218,13 @@
         </p:sp>
         <p:sp>
           <p:nvSpPr>
-            <p:cNvPr id="146" name="pl145"/>
-            <p:cNvSpPr/>
-            <p:nvPr/>
-          </p:nvSpPr>
-          <p:spPr>
-            <a:xfrm>
-              <a:off x="1693885" y="3648987"/>
+            <p:cNvPr id="118" name="pl117"/>
+            <p:cNvSpPr/>
+            <p:nvPr/>
+          </p:nvSpPr>
+          <p:spPr>
+            <a:xfrm>
+              <a:off x="1693885" y="5186841"/>
               <a:ext cx="44283" cy="0"/>
             </a:xfrm>
             <a:custGeom>
@@ -9462,13 +8258,13 @@
         </p:sp>
         <p:sp>
           <p:nvSpPr>
-            <p:cNvPr id="147" name="pl146"/>
-            <p:cNvSpPr/>
-            <p:nvPr/>
-          </p:nvSpPr>
-          <p:spPr>
-            <a:xfrm>
-              <a:off x="1693885" y="3542526"/>
+            <p:cNvPr id="119" name="pl118"/>
+            <p:cNvSpPr/>
+            <p:nvPr/>
+          </p:nvSpPr>
+          <p:spPr>
+            <a:xfrm>
+              <a:off x="1693885" y="4997254"/>
               <a:ext cx="44283" cy="0"/>
             </a:xfrm>
             <a:custGeom>
@@ -9502,13 +8298,13 @@
         </p:sp>
         <p:sp>
           <p:nvSpPr>
-            <p:cNvPr id="148" name="pl147"/>
-            <p:cNvSpPr/>
-            <p:nvPr/>
-          </p:nvSpPr>
-          <p:spPr>
-            <a:xfrm>
-              <a:off x="1693885" y="3436066"/>
+            <p:cNvPr id="120" name="pl119"/>
+            <p:cNvSpPr/>
+            <p:nvPr/>
+          </p:nvSpPr>
+          <p:spPr>
+            <a:xfrm>
+              <a:off x="1693885" y="4807666"/>
               <a:ext cx="44283" cy="0"/>
             </a:xfrm>
             <a:custGeom>
@@ -9542,13 +8338,13 @@
         </p:sp>
         <p:sp>
           <p:nvSpPr>
-            <p:cNvPr id="149" name="pl148"/>
-            <p:cNvSpPr/>
-            <p:nvPr/>
-          </p:nvSpPr>
-          <p:spPr>
-            <a:xfrm>
-              <a:off x="1693885" y="3329606"/>
+            <p:cNvPr id="121" name="pl120"/>
+            <p:cNvSpPr/>
+            <p:nvPr/>
+          </p:nvSpPr>
+          <p:spPr>
+            <a:xfrm>
+              <a:off x="1693885" y="4618079"/>
               <a:ext cx="44283" cy="0"/>
             </a:xfrm>
             <a:custGeom>
@@ -9582,13 +8378,13 @@
         </p:sp>
         <p:sp>
           <p:nvSpPr>
-            <p:cNvPr id="150" name="pl149"/>
-            <p:cNvSpPr/>
-            <p:nvPr/>
-          </p:nvSpPr>
-          <p:spPr>
-            <a:xfrm>
-              <a:off x="1693885" y="3223145"/>
+            <p:cNvPr id="122" name="pl121"/>
+            <p:cNvSpPr/>
+            <p:nvPr/>
+          </p:nvSpPr>
+          <p:spPr>
+            <a:xfrm>
+              <a:off x="1693885" y="4428491"/>
               <a:ext cx="44283" cy="0"/>
             </a:xfrm>
             <a:custGeom>
@@ -9622,13 +8418,13 @@
         </p:sp>
         <p:sp>
           <p:nvSpPr>
-            <p:cNvPr id="151" name="pl150"/>
-            <p:cNvSpPr/>
-            <p:nvPr/>
-          </p:nvSpPr>
-          <p:spPr>
-            <a:xfrm>
-              <a:off x="1693885" y="3116685"/>
+            <p:cNvPr id="123" name="pl122"/>
+            <p:cNvSpPr/>
+            <p:nvPr/>
+          </p:nvSpPr>
+          <p:spPr>
+            <a:xfrm>
+              <a:off x="1693885" y="4238903"/>
               <a:ext cx="44283" cy="0"/>
             </a:xfrm>
             <a:custGeom>
@@ -9662,13 +8458,13 @@
         </p:sp>
         <p:sp>
           <p:nvSpPr>
-            <p:cNvPr id="152" name="pl151"/>
-            <p:cNvSpPr/>
-            <p:nvPr/>
-          </p:nvSpPr>
-          <p:spPr>
-            <a:xfrm>
-              <a:off x="1693885" y="3010225"/>
+            <p:cNvPr id="124" name="pl123"/>
+            <p:cNvSpPr/>
+            <p:nvPr/>
+          </p:nvSpPr>
+          <p:spPr>
+            <a:xfrm>
+              <a:off x="1693885" y="4049316"/>
               <a:ext cx="44283" cy="0"/>
             </a:xfrm>
             <a:custGeom>
@@ -9702,13 +8498,13 @@
         </p:sp>
         <p:sp>
           <p:nvSpPr>
-            <p:cNvPr id="153" name="pl152"/>
-            <p:cNvSpPr/>
-            <p:nvPr/>
-          </p:nvSpPr>
-          <p:spPr>
-            <a:xfrm>
-              <a:off x="1693885" y="2903765"/>
+            <p:cNvPr id="125" name="pl124"/>
+            <p:cNvSpPr/>
+            <p:nvPr/>
+          </p:nvSpPr>
+          <p:spPr>
+            <a:xfrm>
+              <a:off x="1693885" y="3859728"/>
               <a:ext cx="44283" cy="0"/>
             </a:xfrm>
             <a:custGeom>
@@ -9742,13 +8538,13 @@
         </p:sp>
         <p:sp>
           <p:nvSpPr>
-            <p:cNvPr id="154" name="tx153"/>
-            <p:cNvSpPr/>
-            <p:nvPr/>
-          </p:nvSpPr>
-          <p:spPr>
-            <a:xfrm>
-              <a:off x="3444610" y="4338047"/>
+            <p:cNvPr id="126" name="tx125"/>
+            <p:cNvSpPr/>
+            <p:nvPr/>
+          </p:nvSpPr>
+          <p:spPr>
+            <a:xfrm>
+              <a:off x="3444610" y="6166847"/>
               <a:ext cx="364021" cy="129616"/>
             </a:xfrm>
             <a:prstGeom prst="rect">
@@ -9788,13 +8584,13 @@
         </p:sp>
         <p:sp>
           <p:nvSpPr>
-            <p:cNvPr id="155" name="tx154"/>
+            <p:cNvPr id="127" name="tx126"/>
             <p:cNvSpPr/>
             <p:nvPr/>
           </p:nvSpPr>
           <p:spPr>
             <a:xfrm rot="-5400000">
-              <a:off x="60203" y="2582026"/>
+              <a:off x="60203" y="3496426"/>
               <a:ext cx="1973250" cy="173459"/>
             </a:xfrm>
             <a:prstGeom prst="rect">
@@ -9834,13 +8630,13 @@
         </p:sp>
         <p:sp>
           <p:nvSpPr>
-            <p:cNvPr id="156" name="rc155"/>
-            <p:cNvSpPr/>
-            <p:nvPr/>
-          </p:nvSpPr>
-          <p:spPr>
-            <a:xfrm>
-              <a:off x="5692207" y="1581072"/>
+            <p:cNvPr id="128" name="rc127"/>
+            <p:cNvSpPr/>
+            <p:nvPr/>
+          </p:nvSpPr>
+          <p:spPr>
+            <a:xfrm>
+              <a:off x="5692207" y="2495472"/>
               <a:ext cx="582066" cy="2175368"/>
             </a:xfrm>
             <a:prstGeom prst="rect">
@@ -9860,13 +8656,13 @@
         </p:sp>
         <p:sp>
           <p:nvSpPr>
-            <p:cNvPr id="157" name="tx156"/>
-            <p:cNvSpPr/>
-            <p:nvPr/>
-          </p:nvSpPr>
-          <p:spPr>
-            <a:xfrm>
-              <a:off x="5692207" y="1590076"/>
+            <p:cNvPr id="129" name="tx128"/>
+            <p:cNvSpPr/>
+            <p:nvPr/>
+          </p:nvSpPr>
+          <p:spPr>
+            <a:xfrm>
+              <a:off x="5692207" y="2504476"/>
               <a:ext cx="582066" cy="117946"/>
             </a:xfrm>
             <a:prstGeom prst="rect">
@@ -9906,13 +8702,13 @@
         </p:sp>
         <p:sp>
           <p:nvSpPr>
-            <p:cNvPr id="158" name="pl157"/>
-            <p:cNvSpPr/>
-            <p:nvPr/>
-          </p:nvSpPr>
-          <p:spPr>
-            <a:xfrm>
-              <a:off x="5708407" y="1893440"/>
+            <p:cNvPr id="130" name="pl129"/>
+            <p:cNvSpPr/>
+            <p:nvPr/>
+          </p:nvSpPr>
+          <p:spPr>
+            <a:xfrm>
+              <a:off x="5708407" y="2807840"/>
               <a:ext cx="129600" cy="0"/>
             </a:xfrm>
             <a:custGeom>
@@ -9946,13 +8742,13 @@
         </p:sp>
         <p:sp>
           <p:nvSpPr>
-            <p:cNvPr id="159" name="tx158"/>
-            <p:cNvSpPr/>
-            <p:nvPr/>
-          </p:nvSpPr>
-          <p:spPr>
-            <a:xfrm>
-              <a:off x="5700056" y="1838705"/>
+            <p:cNvPr id="131" name="tx130"/>
+            <p:cNvSpPr/>
+            <p:nvPr/>
+          </p:nvSpPr>
+          <p:spPr>
+            <a:xfrm>
+              <a:off x="5700056" y="2753105"/>
               <a:ext cx="146301" cy="109470"/>
             </a:xfrm>
             <a:prstGeom prst="rect">
@@ -9992,13 +8788,13 @@
         </p:sp>
         <p:sp>
           <p:nvSpPr>
-            <p:cNvPr id="160" name="pl159"/>
-            <p:cNvSpPr/>
-            <p:nvPr/>
-          </p:nvSpPr>
-          <p:spPr>
-            <a:xfrm>
-              <a:off x="5708407" y="2055440"/>
+            <p:cNvPr id="132" name="pl131"/>
+            <p:cNvSpPr/>
+            <p:nvPr/>
+          </p:nvSpPr>
+          <p:spPr>
+            <a:xfrm>
+              <a:off x="5708407" y="2969840"/>
               <a:ext cx="129600" cy="0"/>
             </a:xfrm>
             <a:custGeom>
@@ -10032,13 +8828,13 @@
         </p:sp>
         <p:sp>
           <p:nvSpPr>
-            <p:cNvPr id="161" name="tx160"/>
-            <p:cNvSpPr/>
-            <p:nvPr/>
-          </p:nvSpPr>
-          <p:spPr>
-            <a:xfrm>
-              <a:off x="5700056" y="2000705"/>
+            <p:cNvPr id="133" name="tx132"/>
+            <p:cNvSpPr/>
+            <p:nvPr/>
+          </p:nvSpPr>
+          <p:spPr>
+            <a:xfrm>
+              <a:off x="5700056" y="2915105"/>
               <a:ext cx="146301" cy="109470"/>
             </a:xfrm>
             <a:prstGeom prst="rect">
@@ -10078,13 +8874,13 @@
         </p:sp>
         <p:sp>
           <p:nvSpPr>
-            <p:cNvPr id="162" name="pl161"/>
-            <p:cNvSpPr/>
-            <p:nvPr/>
-          </p:nvSpPr>
-          <p:spPr>
-            <a:xfrm>
-              <a:off x="5708407" y="2217440"/>
+            <p:cNvPr id="134" name="pl133"/>
+            <p:cNvSpPr/>
+            <p:nvPr/>
+          </p:nvSpPr>
+          <p:spPr>
+            <a:xfrm>
+              <a:off x="5708407" y="3131840"/>
               <a:ext cx="129600" cy="0"/>
             </a:xfrm>
             <a:custGeom>
@@ -10118,13 +8914,13 @@
         </p:sp>
         <p:sp>
           <p:nvSpPr>
-            <p:cNvPr id="163" name="tx162"/>
-            <p:cNvSpPr/>
-            <p:nvPr/>
-          </p:nvSpPr>
-          <p:spPr>
-            <a:xfrm>
-              <a:off x="5700056" y="2162705"/>
+            <p:cNvPr id="135" name="tx134"/>
+            <p:cNvSpPr/>
+            <p:nvPr/>
+          </p:nvSpPr>
+          <p:spPr>
+            <a:xfrm>
+              <a:off x="5700056" y="3077105"/>
               <a:ext cx="146301" cy="109470"/>
             </a:xfrm>
             <a:prstGeom prst="rect">
@@ -10164,13 +8960,13 @@
         </p:sp>
         <p:sp>
           <p:nvSpPr>
-            <p:cNvPr id="164" name="pl163"/>
-            <p:cNvSpPr/>
-            <p:nvPr/>
-          </p:nvSpPr>
-          <p:spPr>
-            <a:xfrm>
-              <a:off x="5708407" y="2379440"/>
+            <p:cNvPr id="136" name="pl135"/>
+            <p:cNvSpPr/>
+            <p:nvPr/>
+          </p:nvSpPr>
+          <p:spPr>
+            <a:xfrm>
+              <a:off x="5708407" y="3293840"/>
               <a:ext cx="129600" cy="0"/>
             </a:xfrm>
             <a:custGeom>
@@ -10204,13 +9000,13 @@
         </p:sp>
         <p:sp>
           <p:nvSpPr>
-            <p:cNvPr id="165" name="tx164"/>
-            <p:cNvSpPr/>
-            <p:nvPr/>
-          </p:nvSpPr>
-          <p:spPr>
-            <a:xfrm>
-              <a:off x="5700056" y="2324705"/>
+            <p:cNvPr id="137" name="tx136"/>
+            <p:cNvSpPr/>
+            <p:nvPr/>
+          </p:nvSpPr>
+          <p:spPr>
+            <a:xfrm>
+              <a:off x="5700056" y="3239105"/>
               <a:ext cx="146301" cy="109470"/>
             </a:xfrm>
             <a:prstGeom prst="rect">
@@ -10250,13 +9046,13 @@
         </p:sp>
         <p:sp>
           <p:nvSpPr>
-            <p:cNvPr id="166" name="pl165"/>
-            <p:cNvSpPr/>
-            <p:nvPr/>
-          </p:nvSpPr>
-          <p:spPr>
-            <a:xfrm>
-              <a:off x="5708407" y="2541440"/>
+            <p:cNvPr id="138" name="pl137"/>
+            <p:cNvSpPr/>
+            <p:nvPr/>
+          </p:nvSpPr>
+          <p:spPr>
+            <a:xfrm>
+              <a:off x="5708407" y="3455840"/>
               <a:ext cx="129600" cy="0"/>
             </a:xfrm>
             <a:custGeom>
@@ -10290,13 +9086,13 @@
         </p:sp>
         <p:sp>
           <p:nvSpPr>
-            <p:cNvPr id="167" name="tx166"/>
-            <p:cNvSpPr/>
-            <p:nvPr/>
-          </p:nvSpPr>
-          <p:spPr>
-            <a:xfrm>
-              <a:off x="5700056" y="2486705"/>
+            <p:cNvPr id="139" name="tx138"/>
+            <p:cNvSpPr/>
+            <p:nvPr/>
+          </p:nvSpPr>
+          <p:spPr>
+            <a:xfrm>
+              <a:off x="5700056" y="3401105"/>
               <a:ext cx="146301" cy="109470"/>
             </a:xfrm>
             <a:prstGeom prst="rect">
@@ -10336,13 +9132,13 @@
         </p:sp>
         <p:sp>
           <p:nvSpPr>
-            <p:cNvPr id="168" name="pl167"/>
-            <p:cNvSpPr/>
-            <p:nvPr/>
-          </p:nvSpPr>
-          <p:spPr>
-            <a:xfrm>
-              <a:off x="5708407" y="2703440"/>
+            <p:cNvPr id="140" name="pl139"/>
+            <p:cNvSpPr/>
+            <p:nvPr/>
+          </p:nvSpPr>
+          <p:spPr>
+            <a:xfrm>
+              <a:off x="5708407" y="3617840"/>
               <a:ext cx="129600" cy="0"/>
             </a:xfrm>
             <a:custGeom>
@@ -10376,13 +9172,13 @@
         </p:sp>
         <p:sp>
           <p:nvSpPr>
-            <p:cNvPr id="169" name="tx168"/>
-            <p:cNvSpPr/>
-            <p:nvPr/>
-          </p:nvSpPr>
-          <p:spPr>
-            <a:xfrm>
-              <a:off x="5700056" y="2648705"/>
+            <p:cNvPr id="141" name="tx140"/>
+            <p:cNvSpPr/>
+            <p:nvPr/>
+          </p:nvSpPr>
+          <p:spPr>
+            <a:xfrm>
+              <a:off x="5700056" y="3563105"/>
               <a:ext cx="146301" cy="109470"/>
             </a:xfrm>
             <a:prstGeom prst="rect">
@@ -10422,13 +9218,13 @@
         </p:sp>
         <p:sp>
           <p:nvSpPr>
-            <p:cNvPr id="170" name="pl169"/>
-            <p:cNvSpPr/>
-            <p:nvPr/>
-          </p:nvSpPr>
-          <p:spPr>
-            <a:xfrm>
-              <a:off x="5708407" y="2865440"/>
+            <p:cNvPr id="142" name="pl141"/>
+            <p:cNvSpPr/>
+            <p:nvPr/>
+          </p:nvSpPr>
+          <p:spPr>
+            <a:xfrm>
+              <a:off x="5708407" y="3779840"/>
               <a:ext cx="129600" cy="0"/>
             </a:xfrm>
             <a:custGeom>
@@ -10462,13 +9258,13 @@
         </p:sp>
         <p:sp>
           <p:nvSpPr>
-            <p:cNvPr id="171" name="tx170"/>
-            <p:cNvSpPr/>
-            <p:nvPr/>
-          </p:nvSpPr>
-          <p:spPr>
-            <a:xfrm>
-              <a:off x="5700056" y="2810705"/>
+            <p:cNvPr id="143" name="tx142"/>
+            <p:cNvSpPr/>
+            <p:nvPr/>
+          </p:nvSpPr>
+          <p:spPr>
+            <a:xfrm>
+              <a:off x="5700056" y="3725105"/>
               <a:ext cx="146301" cy="109470"/>
             </a:xfrm>
             <a:prstGeom prst="rect">
@@ -10508,13 +9304,13 @@
         </p:sp>
         <p:sp>
           <p:nvSpPr>
-            <p:cNvPr id="172" name="pl171"/>
-            <p:cNvSpPr/>
-            <p:nvPr/>
-          </p:nvSpPr>
-          <p:spPr>
-            <a:xfrm>
-              <a:off x="5708407" y="3027440"/>
+            <p:cNvPr id="144" name="pl143"/>
+            <p:cNvSpPr/>
+            <p:nvPr/>
+          </p:nvSpPr>
+          <p:spPr>
+            <a:xfrm>
+              <a:off x="5708407" y="3941840"/>
               <a:ext cx="129600" cy="0"/>
             </a:xfrm>
             <a:custGeom>
@@ -10548,13 +9344,13 @@
         </p:sp>
         <p:sp>
           <p:nvSpPr>
-            <p:cNvPr id="173" name="tx172"/>
-            <p:cNvSpPr/>
-            <p:nvPr/>
-          </p:nvSpPr>
-          <p:spPr>
-            <a:xfrm>
-              <a:off x="5700056" y="2972705"/>
+            <p:cNvPr id="145" name="tx144"/>
+            <p:cNvSpPr/>
+            <p:nvPr/>
+          </p:nvSpPr>
+          <p:spPr>
+            <a:xfrm>
+              <a:off x="5700056" y="3887105"/>
               <a:ext cx="146301" cy="109470"/>
             </a:xfrm>
             <a:prstGeom prst="rect">
@@ -10594,13 +9390,13 @@
         </p:sp>
         <p:sp>
           <p:nvSpPr>
-            <p:cNvPr id="174" name="pl173"/>
-            <p:cNvSpPr/>
-            <p:nvPr/>
-          </p:nvSpPr>
-          <p:spPr>
-            <a:xfrm>
-              <a:off x="5708407" y="3189440"/>
+            <p:cNvPr id="146" name="pl145"/>
+            <p:cNvSpPr/>
+            <p:nvPr/>
+          </p:nvSpPr>
+          <p:spPr>
+            <a:xfrm>
+              <a:off x="5708407" y="4103840"/>
               <a:ext cx="129600" cy="0"/>
             </a:xfrm>
             <a:custGeom>
@@ -10634,13 +9430,13 @@
         </p:sp>
         <p:sp>
           <p:nvSpPr>
-            <p:cNvPr id="175" name="tx174"/>
-            <p:cNvSpPr/>
-            <p:nvPr/>
-          </p:nvSpPr>
-          <p:spPr>
-            <a:xfrm>
-              <a:off x="5700056" y="3134705"/>
+            <p:cNvPr id="147" name="tx146"/>
+            <p:cNvSpPr/>
+            <p:nvPr/>
+          </p:nvSpPr>
+          <p:spPr>
+            <a:xfrm>
+              <a:off x="5700056" y="4049105"/>
               <a:ext cx="146301" cy="109470"/>
             </a:xfrm>
             <a:prstGeom prst="rect">
@@ -10680,13 +9476,13 @@
         </p:sp>
         <p:sp>
           <p:nvSpPr>
-            <p:cNvPr id="176" name="pl175"/>
-            <p:cNvSpPr/>
-            <p:nvPr/>
-          </p:nvSpPr>
-          <p:spPr>
-            <a:xfrm>
-              <a:off x="5708407" y="3351440"/>
+            <p:cNvPr id="148" name="pl147"/>
+            <p:cNvSpPr/>
+            <p:nvPr/>
+          </p:nvSpPr>
+          <p:spPr>
+            <a:xfrm>
+              <a:off x="5708407" y="4265840"/>
               <a:ext cx="129600" cy="0"/>
             </a:xfrm>
             <a:custGeom>
@@ -10720,13 +9516,13 @@
         </p:sp>
         <p:sp>
           <p:nvSpPr>
-            <p:cNvPr id="177" name="tx176"/>
-            <p:cNvSpPr/>
-            <p:nvPr/>
-          </p:nvSpPr>
-          <p:spPr>
-            <a:xfrm>
-              <a:off x="5700056" y="3296705"/>
+            <p:cNvPr id="149" name="tx148"/>
+            <p:cNvSpPr/>
+            <p:nvPr/>
+          </p:nvSpPr>
+          <p:spPr>
+            <a:xfrm>
+              <a:off x="5700056" y="4211105"/>
               <a:ext cx="146301" cy="109470"/>
             </a:xfrm>
             <a:prstGeom prst="rect">
@@ -10766,13 +9562,13 @@
         </p:sp>
         <p:sp>
           <p:nvSpPr>
-            <p:cNvPr id="178" name="pl177"/>
-            <p:cNvSpPr/>
-            <p:nvPr/>
-          </p:nvSpPr>
-          <p:spPr>
-            <a:xfrm>
-              <a:off x="5708407" y="3513440"/>
+            <p:cNvPr id="150" name="pl149"/>
+            <p:cNvSpPr/>
+            <p:nvPr/>
+          </p:nvSpPr>
+          <p:spPr>
+            <a:xfrm>
+              <a:off x="5708407" y="4427840"/>
               <a:ext cx="129600" cy="0"/>
             </a:xfrm>
             <a:custGeom>
@@ -10806,13 +9602,13 @@
         </p:sp>
         <p:sp>
           <p:nvSpPr>
-            <p:cNvPr id="179" name="tx178"/>
-            <p:cNvSpPr/>
-            <p:nvPr/>
-          </p:nvSpPr>
-          <p:spPr>
-            <a:xfrm>
-              <a:off x="5700056" y="3458705"/>
+            <p:cNvPr id="151" name="tx150"/>
+            <p:cNvSpPr/>
+            <p:nvPr/>
+          </p:nvSpPr>
+          <p:spPr>
+            <a:xfrm>
+              <a:off x="5700056" y="4373105"/>
               <a:ext cx="146301" cy="109470"/>
             </a:xfrm>
             <a:prstGeom prst="rect">
@@ -10852,13 +9648,13 @@
         </p:sp>
         <p:sp>
           <p:nvSpPr>
-            <p:cNvPr id="180" name="pl179"/>
-            <p:cNvSpPr/>
-            <p:nvPr/>
-          </p:nvSpPr>
-          <p:spPr>
-            <a:xfrm>
-              <a:off x="5708407" y="3675440"/>
+            <p:cNvPr id="152" name="pl151"/>
+            <p:cNvSpPr/>
+            <p:nvPr/>
+          </p:nvSpPr>
+          <p:spPr>
+            <a:xfrm>
+              <a:off x="5708407" y="4589840"/>
               <a:ext cx="129600" cy="0"/>
             </a:xfrm>
             <a:custGeom>
@@ -10892,13 +9688,13 @@
         </p:sp>
         <p:sp>
           <p:nvSpPr>
-            <p:cNvPr id="181" name="tx180"/>
-            <p:cNvSpPr/>
-            <p:nvPr/>
-          </p:nvSpPr>
-          <p:spPr>
-            <a:xfrm>
-              <a:off x="5700056" y="3620705"/>
+            <p:cNvPr id="153" name="tx152"/>
+            <p:cNvSpPr/>
+            <p:nvPr/>
+          </p:nvSpPr>
+          <p:spPr>
+            <a:xfrm>
+              <a:off x="5700056" y="4535105"/>
               <a:ext cx="146301" cy="109470"/>
             </a:xfrm>
             <a:prstGeom prst="rect">
@@ -10938,13 +9734,13 @@
         </p:sp>
         <p:sp>
           <p:nvSpPr>
-            <p:cNvPr id="182" name="tx181"/>
-            <p:cNvSpPr/>
-            <p:nvPr/>
-          </p:nvSpPr>
-          <p:spPr>
-            <a:xfrm>
-              <a:off x="5942775" y="1837704"/>
+            <p:cNvPr id="154" name="tx153"/>
+            <p:cNvSpPr/>
+            <p:nvPr/>
+          </p:nvSpPr>
+          <p:spPr>
+            <a:xfrm>
+              <a:off x="5942775" y="2752104"/>
               <a:ext cx="189815" cy="107582"/>
             </a:xfrm>
             <a:prstGeom prst="rect">
@@ -10984,13 +9780,13 @@
         </p:sp>
         <p:sp>
           <p:nvSpPr>
-            <p:cNvPr id="183" name="tx182"/>
-            <p:cNvSpPr/>
-            <p:nvPr/>
-          </p:nvSpPr>
-          <p:spPr>
-            <a:xfrm>
-              <a:off x="5942775" y="1999704"/>
+            <p:cNvPr id="155" name="tx154"/>
+            <p:cNvSpPr/>
+            <p:nvPr/>
+          </p:nvSpPr>
+          <p:spPr>
+            <a:xfrm>
+              <a:off x="5942775" y="2914104"/>
               <a:ext cx="280312" cy="107582"/>
             </a:xfrm>
             <a:prstGeom prst="rect">
@@ -11030,13 +9826,13 @@
         </p:sp>
         <p:sp>
           <p:nvSpPr>
-            <p:cNvPr id="184" name="tx183"/>
-            <p:cNvSpPr/>
-            <p:nvPr/>
-          </p:nvSpPr>
-          <p:spPr>
-            <a:xfrm>
-              <a:off x="5942775" y="2161704"/>
+            <p:cNvPr id="156" name="tx155"/>
+            <p:cNvSpPr/>
+            <p:nvPr/>
+          </p:nvSpPr>
+          <p:spPr>
+            <a:xfrm>
+              <a:off x="5942775" y="3076104"/>
               <a:ext cx="280312" cy="107582"/>
             </a:xfrm>
             <a:prstGeom prst="rect">
@@ -11076,13 +9872,13 @@
         </p:sp>
         <p:sp>
           <p:nvSpPr>
-            <p:cNvPr id="185" name="tx184"/>
-            <p:cNvSpPr/>
-            <p:nvPr/>
-          </p:nvSpPr>
-          <p:spPr>
-            <a:xfrm>
-              <a:off x="5942775" y="2323704"/>
+            <p:cNvPr id="157" name="tx156"/>
+            <p:cNvSpPr/>
+            <p:nvPr/>
+          </p:nvSpPr>
+          <p:spPr>
+            <a:xfrm>
+              <a:off x="5942775" y="3238104"/>
               <a:ext cx="280312" cy="107582"/>
             </a:xfrm>
             <a:prstGeom prst="rect">
@@ -11122,13 +9918,13 @@
         </p:sp>
         <p:sp>
           <p:nvSpPr>
-            <p:cNvPr id="186" name="tx185"/>
-            <p:cNvSpPr/>
-            <p:nvPr/>
-          </p:nvSpPr>
-          <p:spPr>
-            <a:xfrm>
-              <a:off x="5942775" y="2485704"/>
+            <p:cNvPr id="158" name="tx157"/>
+            <p:cNvSpPr/>
+            <p:nvPr/>
+          </p:nvSpPr>
+          <p:spPr>
+            <a:xfrm>
+              <a:off x="5942775" y="3400104"/>
               <a:ext cx="280312" cy="107582"/>
             </a:xfrm>
             <a:prstGeom prst="rect">
@@ -11168,13 +9964,13 @@
         </p:sp>
         <p:sp>
           <p:nvSpPr>
-            <p:cNvPr id="187" name="tx186"/>
-            <p:cNvSpPr/>
-            <p:nvPr/>
-          </p:nvSpPr>
-          <p:spPr>
-            <a:xfrm>
-              <a:off x="5942775" y="2647704"/>
+            <p:cNvPr id="159" name="tx158"/>
+            <p:cNvSpPr/>
+            <p:nvPr/>
+          </p:nvSpPr>
+          <p:spPr>
+            <a:xfrm>
+              <a:off x="5942775" y="3562104"/>
               <a:ext cx="189815" cy="107582"/>
             </a:xfrm>
             <a:prstGeom prst="rect">
@@ -11214,13 +10010,13 @@
         </p:sp>
         <p:sp>
           <p:nvSpPr>
-            <p:cNvPr id="188" name="tx187"/>
-            <p:cNvSpPr/>
-            <p:nvPr/>
-          </p:nvSpPr>
-          <p:spPr>
-            <a:xfrm>
-              <a:off x="5942775" y="2809704"/>
+            <p:cNvPr id="160" name="tx159"/>
+            <p:cNvSpPr/>
+            <p:nvPr/>
+          </p:nvSpPr>
+          <p:spPr>
+            <a:xfrm>
+              <a:off x="5942775" y="3724104"/>
               <a:ext cx="189815" cy="107582"/>
             </a:xfrm>
             <a:prstGeom prst="rect">
@@ -11260,13 +10056,13 @@
         </p:sp>
         <p:sp>
           <p:nvSpPr>
-            <p:cNvPr id="189" name="tx188"/>
-            <p:cNvSpPr/>
-            <p:nvPr/>
-          </p:nvSpPr>
-          <p:spPr>
-            <a:xfrm>
-              <a:off x="5942775" y="2971704"/>
+            <p:cNvPr id="161" name="tx160"/>
+            <p:cNvSpPr/>
+            <p:nvPr/>
+          </p:nvSpPr>
+          <p:spPr>
+            <a:xfrm>
+              <a:off x="5942775" y="3886104"/>
               <a:ext cx="189815" cy="107582"/>
             </a:xfrm>
             <a:prstGeom prst="rect">
@@ -11306,13 +10102,13 @@
         </p:sp>
         <p:sp>
           <p:nvSpPr>
-            <p:cNvPr id="190" name="tx189"/>
-            <p:cNvSpPr/>
-            <p:nvPr/>
-          </p:nvSpPr>
-          <p:spPr>
-            <a:xfrm>
-              <a:off x="5942775" y="3133704"/>
+            <p:cNvPr id="162" name="tx161"/>
+            <p:cNvSpPr/>
+            <p:nvPr/>
+          </p:nvSpPr>
+          <p:spPr>
+            <a:xfrm>
+              <a:off x="5942775" y="4048104"/>
               <a:ext cx="189815" cy="107582"/>
             </a:xfrm>
             <a:prstGeom prst="rect">
@@ -11352,13 +10148,13 @@
         </p:sp>
         <p:sp>
           <p:nvSpPr>
-            <p:cNvPr id="191" name="tx190"/>
-            <p:cNvSpPr/>
-            <p:nvPr/>
-          </p:nvSpPr>
-          <p:spPr>
-            <a:xfrm>
-              <a:off x="5942775" y="3295704"/>
+            <p:cNvPr id="163" name="tx162"/>
+            <p:cNvSpPr/>
+            <p:nvPr/>
+          </p:nvSpPr>
+          <p:spPr>
+            <a:xfrm>
+              <a:off x="5942775" y="4210104"/>
               <a:ext cx="189815" cy="107582"/>
             </a:xfrm>
             <a:prstGeom prst="rect">
@@ -11398,13 +10194,13 @@
         </p:sp>
         <p:sp>
           <p:nvSpPr>
-            <p:cNvPr id="192" name="tx191"/>
-            <p:cNvSpPr/>
-            <p:nvPr/>
-          </p:nvSpPr>
-          <p:spPr>
-            <a:xfrm>
-              <a:off x="5942775" y="3457704"/>
+            <p:cNvPr id="164" name="tx163"/>
+            <p:cNvSpPr/>
+            <p:nvPr/>
+          </p:nvSpPr>
+          <p:spPr>
+            <a:xfrm>
+              <a:off x="5942775" y="4372104"/>
               <a:ext cx="189815" cy="107582"/>
             </a:xfrm>
             <a:prstGeom prst="rect">
@@ -11444,13 +10240,13 @@
         </p:sp>
         <p:sp>
           <p:nvSpPr>
-            <p:cNvPr id="193" name="tx192"/>
-            <p:cNvSpPr/>
-            <p:nvPr/>
-          </p:nvSpPr>
-          <p:spPr>
-            <a:xfrm>
-              <a:off x="5942775" y="3619704"/>
+            <p:cNvPr id="165" name="tx164"/>
+            <p:cNvSpPr/>
+            <p:nvPr/>
+          </p:nvSpPr>
+          <p:spPr>
+            <a:xfrm>
+              <a:off x="5942775" y="4534104"/>
               <a:ext cx="189815" cy="107582"/>
             </a:xfrm>
             <a:prstGeom prst="rect">

--- a/reference/QCATC777-Survival-Curve.pptx
+++ b/reference/QCATC777-Survival-Curve.pptx
@@ -4827,8 +4827,8 @@
           </p:nvSpPr>
           <p:spPr>
             <a:xfrm>
-              <a:off x="2324759" y="3571704"/>
-              <a:ext cx="670986" cy="107582"/>
+              <a:off x="2608058" y="3571704"/>
+              <a:ext cx="104388" cy="107582"/>
             </a:xfrm>
             <a:prstGeom prst="rect">
               <a:avLst/>
@@ -4860,7 +4860,7 @@
                   <a:latin typeface="DejaVu Sans"/>
                   <a:cs typeface="DejaVu Sans"/>
                 </a:rPr>
-                <a:t>Trt.ID: C</a:t>
+                <a:t>C</a:t>
               </a:r>
             </a:p>
           </p:txBody>
@@ -4908,8 +4908,8 @@
           </p:nvSpPr>
           <p:spPr>
             <a:xfrm>
-              <a:off x="4250653" y="3575593"/>
-              <a:ext cx="684668" cy="103693"/>
+              <a:off x="4533953" y="3575593"/>
+              <a:ext cx="118070" cy="103693"/>
             </a:xfrm>
             <a:prstGeom prst="rect">
               <a:avLst/>
@@ -4941,7 +4941,7 @@
                   <a:latin typeface="DejaVu Sans"/>
                   <a:cs typeface="DejaVu Sans"/>
                 </a:rPr>
-                <a:t>Trt.ID: D</a:t>
+                <a:t>D</a:t>
               </a:r>
             </a:p>
           </p:txBody>
@@ -4989,8 +4989,8 @@
           </p:nvSpPr>
           <p:spPr>
             <a:xfrm>
-              <a:off x="2321912" y="1126573"/>
-              <a:ext cx="676681" cy="103693"/>
+              <a:off x="2605211" y="1126573"/>
+              <a:ext cx="110083" cy="103693"/>
             </a:xfrm>
             <a:prstGeom prst="rect">
               <a:avLst/>
@@ -5022,7 +5022,7 @@
                   <a:latin typeface="DejaVu Sans"/>
                   <a:cs typeface="DejaVu Sans"/>
                 </a:rPr>
-                <a:t>Trt.ID: A</a:t>
+                <a:t>A</a:t>
               </a:r>
             </a:p>
           </p:txBody>
@@ -5070,8 +5070,8 @@
           </p:nvSpPr>
           <p:spPr>
             <a:xfrm>
-              <a:off x="4255480" y="1126573"/>
-              <a:ext cx="675014" cy="103693"/>
+              <a:off x="4538780" y="1126573"/>
+              <a:ext cx="108416" cy="103693"/>
             </a:xfrm>
             <a:prstGeom prst="rect">
               <a:avLst/>
@@ -5103,7 +5103,7 @@
                   <a:latin typeface="DejaVu Sans"/>
                   <a:cs typeface="DejaVu Sans"/>
                 </a:rPr>
-                <a:t>Trt.ID: B</a:t>
+                <a:t>B</a:t>
               </a:r>
             </a:p>
           </p:txBody>

--- a/reference/QCATC777-Survival-Curve.pptx
+++ b/reference/QCATC777-Survival-Curve.pptx
@@ -2350,13 +2350,13 @@
           </p:nvSpPr>
           <p:spPr>
             <a:xfrm>
-              <a:off x="1886067" y="1176410"/>
-              <a:ext cx="2957974" cy="948395"/>
+              <a:off x="1886067" y="1045754"/>
+              <a:ext cx="2957974" cy="994125"/>
             </a:xfrm>
             <a:custGeom>
               <a:avLst/>
               <a:pathLst>
-                <a:path w="2957974" h="948395">
+                <a:path w="2957974" h="994125">
                   <a:moveTo>
                     <a:pt x="0" y="0"/>
                   </a:moveTo>
@@ -2364,121 +2364,121 @@
                     <a:pt x="1478987" y="0"/>
                   </a:lnTo>
                   <a:lnTo>
-                    <a:pt x="1478987" y="27097"/>
-                  </a:lnTo>
-                  <a:lnTo>
-                    <a:pt x="1643319" y="27097"/>
-                  </a:lnTo>
-                  <a:lnTo>
-                    <a:pt x="1643319" y="54194"/>
-                  </a:lnTo>
-                  <a:lnTo>
-                    <a:pt x="1698096" y="54194"/>
-                  </a:lnTo>
-                  <a:lnTo>
-                    <a:pt x="1698096" y="81291"/>
-                  </a:lnTo>
-                  <a:lnTo>
-                    <a:pt x="1752873" y="81291"/>
-                  </a:lnTo>
-                  <a:lnTo>
-                    <a:pt x="1752873" y="108388"/>
-                  </a:lnTo>
-                  <a:lnTo>
-                    <a:pt x="1807650" y="108388"/>
-                  </a:lnTo>
-                  <a:lnTo>
-                    <a:pt x="1807650" y="135485"/>
-                  </a:lnTo>
-                  <a:lnTo>
-                    <a:pt x="1862428" y="135485"/>
-                  </a:lnTo>
-                  <a:lnTo>
-                    <a:pt x="1862428" y="162582"/>
-                  </a:lnTo>
-                  <a:lnTo>
-                    <a:pt x="1917205" y="162582"/>
-                  </a:lnTo>
-                  <a:lnTo>
-                    <a:pt x="1917205" y="189679"/>
-                  </a:lnTo>
-                  <a:lnTo>
-                    <a:pt x="1971982" y="189679"/>
-                  </a:lnTo>
-                  <a:lnTo>
-                    <a:pt x="1971982" y="298067"/>
-                  </a:lnTo>
-                  <a:lnTo>
-                    <a:pt x="2026760" y="298067"/>
-                  </a:lnTo>
-                  <a:lnTo>
-                    <a:pt x="2026760" y="406455"/>
-                  </a:lnTo>
-                  <a:lnTo>
-                    <a:pt x="2081537" y="406455"/>
-                  </a:lnTo>
-                  <a:lnTo>
-                    <a:pt x="2081537" y="460649"/>
-                  </a:lnTo>
-                  <a:lnTo>
-                    <a:pt x="2136314" y="460649"/>
-                  </a:lnTo>
-                  <a:lnTo>
-                    <a:pt x="2136314" y="541940"/>
-                  </a:lnTo>
-                  <a:lnTo>
-                    <a:pt x="2191092" y="541940"/>
-                  </a:lnTo>
-                  <a:lnTo>
-                    <a:pt x="2191092" y="596134"/>
-                  </a:lnTo>
-                  <a:lnTo>
-                    <a:pt x="2245869" y="596134"/>
-                  </a:lnTo>
-                  <a:lnTo>
-                    <a:pt x="2245869" y="650328"/>
-                  </a:lnTo>
-                  <a:lnTo>
-                    <a:pt x="2355424" y="650328"/>
-                  </a:lnTo>
-                  <a:lnTo>
-                    <a:pt x="2355424" y="677425"/>
-                  </a:lnTo>
-                  <a:lnTo>
-                    <a:pt x="2464978" y="677425"/>
-                  </a:lnTo>
-                  <a:lnTo>
-                    <a:pt x="2464978" y="758716"/>
-                  </a:lnTo>
-                  <a:lnTo>
-                    <a:pt x="2574533" y="758716"/>
-                  </a:lnTo>
-                  <a:lnTo>
-                    <a:pt x="2574533" y="840007"/>
-                  </a:lnTo>
-                  <a:lnTo>
-                    <a:pt x="2629310" y="840007"/>
-                  </a:lnTo>
-                  <a:lnTo>
-                    <a:pt x="2629310" y="894201"/>
-                  </a:lnTo>
-                  <a:lnTo>
-                    <a:pt x="2684087" y="894201"/>
-                  </a:lnTo>
-                  <a:lnTo>
-                    <a:pt x="2684087" y="921298"/>
-                  </a:lnTo>
-                  <a:lnTo>
-                    <a:pt x="2738865" y="921298"/>
-                  </a:lnTo>
-                  <a:lnTo>
-                    <a:pt x="2738865" y="948395"/>
-                  </a:lnTo>
-                  <a:lnTo>
-                    <a:pt x="2957974" y="948395"/>
-                  </a:lnTo>
-                  <a:lnTo>
-                    <a:pt x="2957974" y="948395"/>
+                    <a:pt x="1478987" y="28403"/>
+                  </a:lnTo>
+                  <a:lnTo>
+                    <a:pt x="1643319" y="28403"/>
+                  </a:lnTo>
+                  <a:lnTo>
+                    <a:pt x="1643319" y="56807"/>
+                  </a:lnTo>
+                  <a:lnTo>
+                    <a:pt x="1698096" y="56807"/>
+                  </a:lnTo>
+                  <a:lnTo>
+                    <a:pt x="1698096" y="85210"/>
+                  </a:lnTo>
+                  <a:lnTo>
+                    <a:pt x="1752873" y="85210"/>
+                  </a:lnTo>
+                  <a:lnTo>
+                    <a:pt x="1752873" y="113614"/>
+                  </a:lnTo>
+                  <a:lnTo>
+                    <a:pt x="1807650" y="113614"/>
+                  </a:lnTo>
+                  <a:lnTo>
+                    <a:pt x="1807650" y="142017"/>
+                  </a:lnTo>
+                  <a:lnTo>
+                    <a:pt x="1862428" y="142017"/>
+                  </a:lnTo>
+                  <a:lnTo>
+                    <a:pt x="1862428" y="170421"/>
+                  </a:lnTo>
+                  <a:lnTo>
+                    <a:pt x="1917205" y="170421"/>
+                  </a:lnTo>
+                  <a:lnTo>
+                    <a:pt x="1917205" y="198825"/>
+                  </a:lnTo>
+                  <a:lnTo>
+                    <a:pt x="1971982" y="198825"/>
+                  </a:lnTo>
+                  <a:lnTo>
+                    <a:pt x="1971982" y="312439"/>
+                  </a:lnTo>
+                  <a:lnTo>
+                    <a:pt x="2026760" y="312439"/>
+                  </a:lnTo>
+                  <a:lnTo>
+                    <a:pt x="2026760" y="426053"/>
+                  </a:lnTo>
+                  <a:lnTo>
+                    <a:pt x="2081537" y="426053"/>
+                  </a:lnTo>
+                  <a:lnTo>
+                    <a:pt x="2081537" y="482861"/>
+                  </a:lnTo>
+                  <a:lnTo>
+                    <a:pt x="2136314" y="482861"/>
+                  </a:lnTo>
+                  <a:lnTo>
+                    <a:pt x="2136314" y="568071"/>
+                  </a:lnTo>
+                  <a:lnTo>
+                    <a:pt x="2191092" y="568071"/>
+                  </a:lnTo>
+                  <a:lnTo>
+                    <a:pt x="2191092" y="624878"/>
+                  </a:lnTo>
+                  <a:lnTo>
+                    <a:pt x="2245869" y="624878"/>
+                  </a:lnTo>
+                  <a:lnTo>
+                    <a:pt x="2245869" y="681686"/>
+                  </a:lnTo>
+                  <a:lnTo>
+                    <a:pt x="2355424" y="681686"/>
+                  </a:lnTo>
+                  <a:lnTo>
+                    <a:pt x="2355424" y="710089"/>
+                  </a:lnTo>
+                  <a:lnTo>
+                    <a:pt x="2464978" y="710089"/>
+                  </a:lnTo>
+                  <a:lnTo>
+                    <a:pt x="2464978" y="795300"/>
+                  </a:lnTo>
+                  <a:lnTo>
+                    <a:pt x="2574533" y="795300"/>
+                  </a:lnTo>
+                  <a:lnTo>
+                    <a:pt x="2574533" y="880511"/>
+                  </a:lnTo>
+                  <a:lnTo>
+                    <a:pt x="2629310" y="880511"/>
+                  </a:lnTo>
+                  <a:lnTo>
+                    <a:pt x="2629310" y="937318"/>
+                  </a:lnTo>
+                  <a:lnTo>
+                    <a:pt x="2684087" y="937318"/>
+                  </a:lnTo>
+                  <a:lnTo>
+                    <a:pt x="2684087" y="965722"/>
+                  </a:lnTo>
+                  <a:lnTo>
+                    <a:pt x="2738865" y="965722"/>
+                  </a:lnTo>
+                  <a:lnTo>
+                    <a:pt x="2738865" y="994125"/>
+                  </a:lnTo>
+                  <a:lnTo>
+                    <a:pt x="2957974" y="994125"/>
+                  </a:lnTo>
+                  <a:lnTo>
+                    <a:pt x="2957974" y="994125"/>
                   </a:lnTo>
                 </a:path>
               </a:pathLst>
@@ -2507,13 +2507,13 @@
           </p:nvSpPr>
           <p:spPr>
             <a:xfrm>
-              <a:off x="1886067" y="1176410"/>
-              <a:ext cx="2957974" cy="1056783"/>
+              <a:off x="1886067" y="1045754"/>
+              <a:ext cx="2957974" cy="1107739"/>
             </a:xfrm>
             <a:custGeom>
               <a:avLst/>
               <a:pathLst>
-                <a:path w="2957974" h="1056783">
+                <a:path w="2957974" h="1107739">
                   <a:moveTo>
                     <a:pt x="0" y="0"/>
                   </a:moveTo>
@@ -2521,97 +2521,97 @@
                     <a:pt x="1424209" y="0"/>
                   </a:lnTo>
                   <a:lnTo>
-                    <a:pt x="1424209" y="27097"/>
-                  </a:lnTo>
-                  <a:lnTo>
-                    <a:pt x="1478987" y="27097"/>
-                  </a:lnTo>
-                  <a:lnTo>
-                    <a:pt x="1478987" y="81291"/>
-                  </a:lnTo>
-                  <a:lnTo>
-                    <a:pt x="1643319" y="81291"/>
-                  </a:lnTo>
-                  <a:lnTo>
-                    <a:pt x="1643319" y="135485"/>
-                  </a:lnTo>
-                  <a:lnTo>
-                    <a:pt x="1698096" y="135485"/>
-                  </a:lnTo>
-                  <a:lnTo>
-                    <a:pt x="1698096" y="189679"/>
-                  </a:lnTo>
-                  <a:lnTo>
-                    <a:pt x="1752873" y="189679"/>
-                  </a:lnTo>
-                  <a:lnTo>
-                    <a:pt x="1752873" y="352261"/>
-                  </a:lnTo>
-                  <a:lnTo>
-                    <a:pt x="1807650" y="352261"/>
-                  </a:lnTo>
-                  <a:lnTo>
-                    <a:pt x="1807650" y="460649"/>
-                  </a:lnTo>
-                  <a:lnTo>
-                    <a:pt x="1862428" y="460649"/>
-                  </a:lnTo>
-                  <a:lnTo>
-                    <a:pt x="1862428" y="541940"/>
-                  </a:lnTo>
-                  <a:lnTo>
-                    <a:pt x="1917205" y="541940"/>
-                  </a:lnTo>
-                  <a:lnTo>
-                    <a:pt x="1917205" y="677425"/>
-                  </a:lnTo>
-                  <a:lnTo>
-                    <a:pt x="1971982" y="677425"/>
-                  </a:lnTo>
-                  <a:lnTo>
-                    <a:pt x="1971982" y="812910"/>
-                  </a:lnTo>
-                  <a:lnTo>
-                    <a:pt x="2026760" y="812910"/>
-                  </a:lnTo>
-                  <a:lnTo>
-                    <a:pt x="2026760" y="867104"/>
-                  </a:lnTo>
-                  <a:lnTo>
-                    <a:pt x="2081537" y="867104"/>
-                  </a:lnTo>
-                  <a:lnTo>
-                    <a:pt x="2081537" y="894201"/>
-                  </a:lnTo>
-                  <a:lnTo>
-                    <a:pt x="2136314" y="894201"/>
-                  </a:lnTo>
-                  <a:lnTo>
-                    <a:pt x="2136314" y="921298"/>
-                  </a:lnTo>
-                  <a:lnTo>
-                    <a:pt x="2191092" y="921298"/>
-                  </a:lnTo>
-                  <a:lnTo>
-                    <a:pt x="2191092" y="975492"/>
-                  </a:lnTo>
-                  <a:lnTo>
-                    <a:pt x="2574533" y="975492"/>
-                  </a:lnTo>
-                  <a:lnTo>
-                    <a:pt x="2574533" y="1002589"/>
-                  </a:lnTo>
-                  <a:lnTo>
-                    <a:pt x="2629310" y="1002589"/>
-                  </a:lnTo>
-                  <a:lnTo>
-                    <a:pt x="2629310" y="1029686"/>
-                  </a:lnTo>
-                  <a:lnTo>
-                    <a:pt x="2957974" y="1029686"/>
-                  </a:lnTo>
-                  <a:lnTo>
-                    <a:pt x="2957974" y="1056783"/>
+                    <a:pt x="1424209" y="28403"/>
+                  </a:lnTo>
+                  <a:lnTo>
+                    <a:pt x="1478987" y="28403"/>
+                  </a:lnTo>
+                  <a:lnTo>
+                    <a:pt x="1478987" y="85210"/>
+                  </a:lnTo>
+                  <a:lnTo>
+                    <a:pt x="1643319" y="85210"/>
+                  </a:lnTo>
+                  <a:lnTo>
+                    <a:pt x="1643319" y="142017"/>
+                  </a:lnTo>
+                  <a:lnTo>
+                    <a:pt x="1698096" y="142017"/>
+                  </a:lnTo>
+                  <a:lnTo>
+                    <a:pt x="1698096" y="198825"/>
+                  </a:lnTo>
+                  <a:lnTo>
+                    <a:pt x="1752873" y="198825"/>
+                  </a:lnTo>
+                  <a:lnTo>
+                    <a:pt x="1752873" y="369246"/>
+                  </a:lnTo>
+                  <a:lnTo>
+                    <a:pt x="1807650" y="369246"/>
+                  </a:lnTo>
+                  <a:lnTo>
+                    <a:pt x="1807650" y="482861"/>
+                  </a:lnTo>
+                  <a:lnTo>
+                    <a:pt x="1862428" y="482861"/>
+                  </a:lnTo>
+                  <a:lnTo>
+                    <a:pt x="1862428" y="568071"/>
+                  </a:lnTo>
+                  <a:lnTo>
+                    <a:pt x="1917205" y="568071"/>
+                  </a:lnTo>
+                  <a:lnTo>
+                    <a:pt x="1917205" y="710089"/>
+                  </a:lnTo>
+                  <a:lnTo>
+                    <a:pt x="1971982" y="710089"/>
+                  </a:lnTo>
+                  <a:lnTo>
+                    <a:pt x="1971982" y="852107"/>
+                  </a:lnTo>
+                  <a:lnTo>
+                    <a:pt x="2026760" y="852107"/>
+                  </a:lnTo>
+                  <a:lnTo>
+                    <a:pt x="2026760" y="908914"/>
+                  </a:lnTo>
+                  <a:lnTo>
+                    <a:pt x="2081537" y="908914"/>
+                  </a:lnTo>
+                  <a:lnTo>
+                    <a:pt x="2081537" y="937318"/>
+                  </a:lnTo>
+                  <a:lnTo>
+                    <a:pt x="2136314" y="937318"/>
+                  </a:lnTo>
+                  <a:lnTo>
+                    <a:pt x="2136314" y="965722"/>
+                  </a:lnTo>
+                  <a:lnTo>
+                    <a:pt x="2191092" y="965722"/>
+                  </a:lnTo>
+                  <a:lnTo>
+                    <a:pt x="2191092" y="1022529"/>
+                  </a:lnTo>
+                  <a:lnTo>
+                    <a:pt x="2574533" y="1022529"/>
+                  </a:lnTo>
+                  <a:lnTo>
+                    <a:pt x="2574533" y="1050932"/>
+                  </a:lnTo>
+                  <a:lnTo>
+                    <a:pt x="2629310" y="1050932"/>
+                  </a:lnTo>
+                  <a:lnTo>
+                    <a:pt x="2629310" y="1079336"/>
+                  </a:lnTo>
+                  <a:lnTo>
+                    <a:pt x="2957974" y="1079336"/>
+                  </a:lnTo>
+                  <a:lnTo>
+                    <a:pt x="2957974" y="1107739"/>
                   </a:lnTo>
                 </a:path>
               </a:pathLst>
@@ -2640,13 +2640,13 @@
           </p:nvSpPr>
           <p:spPr>
             <a:xfrm>
-              <a:off x="1886067" y="1176410"/>
-              <a:ext cx="2957974" cy="894201"/>
+              <a:off x="1886067" y="1045754"/>
+              <a:ext cx="2957974" cy="937318"/>
             </a:xfrm>
             <a:custGeom>
               <a:avLst/>
               <a:pathLst>
-                <a:path w="2957974" h="894201">
+                <a:path w="2957974" h="937318">
                   <a:moveTo>
                     <a:pt x="0" y="0"/>
                   </a:moveTo>
@@ -2654,121 +2654,121 @@
                     <a:pt x="1259877" y="0"/>
                   </a:lnTo>
                   <a:lnTo>
-                    <a:pt x="1259877" y="27097"/>
-                  </a:lnTo>
-                  <a:lnTo>
-                    <a:pt x="1424209" y="27097"/>
-                  </a:lnTo>
-                  <a:lnTo>
-                    <a:pt x="1424209" y="135485"/>
-                  </a:lnTo>
-                  <a:lnTo>
-                    <a:pt x="1478987" y="135485"/>
-                  </a:lnTo>
-                  <a:lnTo>
-                    <a:pt x="1478987" y="162582"/>
-                  </a:lnTo>
-                  <a:lnTo>
-                    <a:pt x="1588541" y="162582"/>
-                  </a:lnTo>
-                  <a:lnTo>
-                    <a:pt x="1588541" y="189679"/>
-                  </a:lnTo>
-                  <a:lnTo>
-                    <a:pt x="1698096" y="189679"/>
-                  </a:lnTo>
-                  <a:lnTo>
-                    <a:pt x="1698096" y="216776"/>
-                  </a:lnTo>
-                  <a:lnTo>
-                    <a:pt x="1752873" y="216776"/>
-                  </a:lnTo>
-                  <a:lnTo>
-                    <a:pt x="1752873" y="243873"/>
-                  </a:lnTo>
-                  <a:lnTo>
-                    <a:pt x="1807650" y="243873"/>
-                  </a:lnTo>
-                  <a:lnTo>
-                    <a:pt x="1807650" y="270970"/>
-                  </a:lnTo>
-                  <a:lnTo>
-                    <a:pt x="1862428" y="270970"/>
-                  </a:lnTo>
-                  <a:lnTo>
-                    <a:pt x="1862428" y="325164"/>
-                  </a:lnTo>
-                  <a:lnTo>
-                    <a:pt x="1917205" y="325164"/>
-                  </a:lnTo>
-                  <a:lnTo>
-                    <a:pt x="1917205" y="379358"/>
-                  </a:lnTo>
-                  <a:lnTo>
-                    <a:pt x="1971982" y="379358"/>
-                  </a:lnTo>
-                  <a:lnTo>
-                    <a:pt x="1971982" y="433552"/>
-                  </a:lnTo>
-                  <a:lnTo>
-                    <a:pt x="2026760" y="433552"/>
-                  </a:lnTo>
-                  <a:lnTo>
-                    <a:pt x="2026760" y="487746"/>
-                  </a:lnTo>
-                  <a:lnTo>
-                    <a:pt x="2191092" y="487746"/>
-                  </a:lnTo>
-                  <a:lnTo>
-                    <a:pt x="2191092" y="541940"/>
-                  </a:lnTo>
-                  <a:lnTo>
-                    <a:pt x="2355424" y="541940"/>
-                  </a:lnTo>
-                  <a:lnTo>
-                    <a:pt x="2355424" y="569037"/>
-                  </a:lnTo>
-                  <a:lnTo>
-                    <a:pt x="2410201" y="569037"/>
-                  </a:lnTo>
-                  <a:lnTo>
-                    <a:pt x="2410201" y="623231"/>
-                  </a:lnTo>
-                  <a:lnTo>
-                    <a:pt x="2464978" y="623231"/>
-                  </a:lnTo>
-                  <a:lnTo>
-                    <a:pt x="2464978" y="704522"/>
-                  </a:lnTo>
-                  <a:lnTo>
-                    <a:pt x="2519755" y="704522"/>
-                  </a:lnTo>
-                  <a:lnTo>
-                    <a:pt x="2519755" y="731619"/>
-                  </a:lnTo>
-                  <a:lnTo>
-                    <a:pt x="2629310" y="731619"/>
-                  </a:lnTo>
-                  <a:lnTo>
-                    <a:pt x="2629310" y="812910"/>
-                  </a:lnTo>
-                  <a:lnTo>
-                    <a:pt x="2684087" y="812910"/>
-                  </a:lnTo>
-                  <a:lnTo>
-                    <a:pt x="2684087" y="867104"/>
-                  </a:lnTo>
-                  <a:lnTo>
-                    <a:pt x="2738865" y="867104"/>
-                  </a:lnTo>
-                  <a:lnTo>
-                    <a:pt x="2738865" y="894201"/>
-                  </a:lnTo>
-                  <a:lnTo>
-                    <a:pt x="2957974" y="894201"/>
-                  </a:lnTo>
-                  <a:lnTo>
-                    <a:pt x="2957974" y="894201"/>
+                    <a:pt x="1259877" y="28403"/>
+                  </a:lnTo>
+                  <a:lnTo>
+                    <a:pt x="1424209" y="28403"/>
+                  </a:lnTo>
+                  <a:lnTo>
+                    <a:pt x="1424209" y="142017"/>
+                  </a:lnTo>
+                  <a:lnTo>
+                    <a:pt x="1478987" y="142017"/>
+                  </a:lnTo>
+                  <a:lnTo>
+                    <a:pt x="1478987" y="170421"/>
+                  </a:lnTo>
+                  <a:lnTo>
+                    <a:pt x="1588541" y="170421"/>
+                  </a:lnTo>
+                  <a:lnTo>
+                    <a:pt x="1588541" y="198825"/>
+                  </a:lnTo>
+                  <a:lnTo>
+                    <a:pt x="1698096" y="198825"/>
+                  </a:lnTo>
+                  <a:lnTo>
+                    <a:pt x="1698096" y="227228"/>
+                  </a:lnTo>
+                  <a:lnTo>
+                    <a:pt x="1752873" y="227228"/>
+                  </a:lnTo>
+                  <a:lnTo>
+                    <a:pt x="1752873" y="255632"/>
+                  </a:lnTo>
+                  <a:lnTo>
+                    <a:pt x="1807650" y="255632"/>
+                  </a:lnTo>
+                  <a:lnTo>
+                    <a:pt x="1807650" y="284035"/>
+                  </a:lnTo>
+                  <a:lnTo>
+                    <a:pt x="1862428" y="284035"/>
+                  </a:lnTo>
+                  <a:lnTo>
+                    <a:pt x="1862428" y="340843"/>
+                  </a:lnTo>
+                  <a:lnTo>
+                    <a:pt x="1917205" y="340843"/>
+                  </a:lnTo>
+                  <a:lnTo>
+                    <a:pt x="1917205" y="397650"/>
+                  </a:lnTo>
+                  <a:lnTo>
+                    <a:pt x="1971982" y="397650"/>
+                  </a:lnTo>
+                  <a:lnTo>
+                    <a:pt x="1971982" y="454457"/>
+                  </a:lnTo>
+                  <a:lnTo>
+                    <a:pt x="2026760" y="454457"/>
+                  </a:lnTo>
+                  <a:lnTo>
+                    <a:pt x="2026760" y="511264"/>
+                  </a:lnTo>
+                  <a:lnTo>
+                    <a:pt x="2191092" y="511264"/>
+                  </a:lnTo>
+                  <a:lnTo>
+                    <a:pt x="2191092" y="568071"/>
+                  </a:lnTo>
+                  <a:lnTo>
+                    <a:pt x="2355424" y="568071"/>
+                  </a:lnTo>
+                  <a:lnTo>
+                    <a:pt x="2355424" y="596475"/>
+                  </a:lnTo>
+                  <a:lnTo>
+                    <a:pt x="2410201" y="596475"/>
+                  </a:lnTo>
+                  <a:lnTo>
+                    <a:pt x="2410201" y="653282"/>
+                  </a:lnTo>
+                  <a:lnTo>
+                    <a:pt x="2464978" y="653282"/>
+                  </a:lnTo>
+                  <a:lnTo>
+                    <a:pt x="2464978" y="738493"/>
+                  </a:lnTo>
+                  <a:lnTo>
+                    <a:pt x="2519755" y="738493"/>
+                  </a:lnTo>
+                  <a:lnTo>
+                    <a:pt x="2519755" y="766896"/>
+                  </a:lnTo>
+                  <a:lnTo>
+                    <a:pt x="2629310" y="766896"/>
+                  </a:lnTo>
+                  <a:lnTo>
+                    <a:pt x="2629310" y="852107"/>
+                  </a:lnTo>
+                  <a:lnTo>
+                    <a:pt x="2684087" y="852107"/>
+                  </a:lnTo>
+                  <a:lnTo>
+                    <a:pt x="2684087" y="908914"/>
+                  </a:lnTo>
+                  <a:lnTo>
+                    <a:pt x="2738865" y="908914"/>
+                  </a:lnTo>
+                  <a:lnTo>
+                    <a:pt x="2738865" y="937318"/>
+                  </a:lnTo>
+                  <a:lnTo>
+                    <a:pt x="2957974" y="937318"/>
+                  </a:lnTo>
+                  <a:lnTo>
+                    <a:pt x="2957974" y="937318"/>
                   </a:lnTo>
                 </a:path>
               </a:pathLst>
@@ -2797,13 +2797,13 @@
           </p:nvSpPr>
           <p:spPr>
             <a:xfrm>
-              <a:off x="1886067" y="1176410"/>
-              <a:ext cx="2957974" cy="1002589"/>
+              <a:off x="1886067" y="1045754"/>
+              <a:ext cx="2957974" cy="1050932"/>
             </a:xfrm>
             <a:custGeom>
               <a:avLst/>
               <a:pathLst>
-                <a:path w="2957974" h="1002589">
+                <a:path w="2957974" h="1050932">
                   <a:moveTo>
                     <a:pt x="0" y="0"/>
                   </a:moveTo>
@@ -2811,127 +2811,127 @@
                     <a:pt x="0" y="0"/>
                   </a:lnTo>
                   <a:lnTo>
-                    <a:pt x="0" y="27097"/>
-                  </a:lnTo>
-                  <a:lnTo>
-                    <a:pt x="1040768" y="27097"/>
-                  </a:lnTo>
-                  <a:lnTo>
-                    <a:pt x="1040768" y="54194"/>
-                  </a:lnTo>
-                  <a:lnTo>
-                    <a:pt x="1150323" y="54194"/>
-                  </a:lnTo>
-                  <a:lnTo>
-                    <a:pt x="1150323" y="81291"/>
-                  </a:lnTo>
-                  <a:lnTo>
-                    <a:pt x="1205100" y="81291"/>
-                  </a:lnTo>
-                  <a:lnTo>
-                    <a:pt x="1205100" y="108388"/>
-                  </a:lnTo>
-                  <a:lnTo>
-                    <a:pt x="1314655" y="108388"/>
-                  </a:lnTo>
-                  <a:lnTo>
-                    <a:pt x="1314655" y="135485"/>
-                  </a:lnTo>
-                  <a:lnTo>
-                    <a:pt x="1478987" y="135485"/>
-                  </a:lnTo>
-                  <a:lnTo>
-                    <a:pt x="1478987" y="189679"/>
-                  </a:lnTo>
-                  <a:lnTo>
-                    <a:pt x="1588541" y="189679"/>
-                  </a:lnTo>
-                  <a:lnTo>
-                    <a:pt x="1588541" y="216776"/>
-                  </a:lnTo>
-                  <a:lnTo>
-                    <a:pt x="1643319" y="216776"/>
-                  </a:lnTo>
-                  <a:lnTo>
-                    <a:pt x="1643319" y="352261"/>
-                  </a:lnTo>
-                  <a:lnTo>
-                    <a:pt x="1698096" y="352261"/>
-                  </a:lnTo>
-                  <a:lnTo>
-                    <a:pt x="1698096" y="379358"/>
-                  </a:lnTo>
-                  <a:lnTo>
-                    <a:pt x="1807650" y="379358"/>
-                  </a:lnTo>
-                  <a:lnTo>
-                    <a:pt x="1807650" y="487746"/>
-                  </a:lnTo>
-                  <a:lnTo>
-                    <a:pt x="1862428" y="487746"/>
-                  </a:lnTo>
-                  <a:lnTo>
-                    <a:pt x="1862428" y="569037"/>
-                  </a:lnTo>
-                  <a:lnTo>
-                    <a:pt x="1917205" y="569037"/>
-                  </a:lnTo>
-                  <a:lnTo>
-                    <a:pt x="1917205" y="650328"/>
-                  </a:lnTo>
-                  <a:lnTo>
-                    <a:pt x="1971982" y="650328"/>
-                  </a:lnTo>
-                  <a:lnTo>
-                    <a:pt x="1971982" y="704522"/>
-                  </a:lnTo>
-                  <a:lnTo>
-                    <a:pt x="2026760" y="704522"/>
-                  </a:lnTo>
-                  <a:lnTo>
-                    <a:pt x="2026760" y="758716"/>
-                  </a:lnTo>
-                  <a:lnTo>
-                    <a:pt x="2081537" y="758716"/>
-                  </a:lnTo>
-                  <a:lnTo>
-                    <a:pt x="2081537" y="785813"/>
-                  </a:lnTo>
-                  <a:lnTo>
-                    <a:pt x="2191092" y="785813"/>
-                  </a:lnTo>
-                  <a:lnTo>
-                    <a:pt x="2191092" y="840007"/>
-                  </a:lnTo>
-                  <a:lnTo>
-                    <a:pt x="2245869" y="840007"/>
-                  </a:lnTo>
-                  <a:lnTo>
-                    <a:pt x="2245869" y="894201"/>
-                  </a:lnTo>
-                  <a:lnTo>
-                    <a:pt x="2300646" y="894201"/>
-                  </a:lnTo>
-                  <a:lnTo>
-                    <a:pt x="2300646" y="921298"/>
-                  </a:lnTo>
-                  <a:lnTo>
-                    <a:pt x="2355424" y="921298"/>
-                  </a:lnTo>
-                  <a:lnTo>
-                    <a:pt x="2355424" y="975492"/>
-                  </a:lnTo>
-                  <a:lnTo>
-                    <a:pt x="2684087" y="975492"/>
-                  </a:lnTo>
-                  <a:lnTo>
-                    <a:pt x="2684087" y="1002589"/>
-                  </a:lnTo>
-                  <a:lnTo>
-                    <a:pt x="2957974" y="1002589"/>
-                  </a:lnTo>
-                  <a:lnTo>
-                    <a:pt x="2957974" y="1002589"/>
+                    <a:pt x="0" y="28403"/>
+                  </a:lnTo>
+                  <a:lnTo>
+                    <a:pt x="1040768" y="28403"/>
+                  </a:lnTo>
+                  <a:lnTo>
+                    <a:pt x="1040768" y="56807"/>
+                  </a:lnTo>
+                  <a:lnTo>
+                    <a:pt x="1150323" y="56807"/>
+                  </a:lnTo>
+                  <a:lnTo>
+                    <a:pt x="1150323" y="85210"/>
+                  </a:lnTo>
+                  <a:lnTo>
+                    <a:pt x="1205100" y="85210"/>
+                  </a:lnTo>
+                  <a:lnTo>
+                    <a:pt x="1205100" y="113614"/>
+                  </a:lnTo>
+                  <a:lnTo>
+                    <a:pt x="1314655" y="113614"/>
+                  </a:lnTo>
+                  <a:lnTo>
+                    <a:pt x="1314655" y="142017"/>
+                  </a:lnTo>
+                  <a:lnTo>
+                    <a:pt x="1478987" y="142017"/>
+                  </a:lnTo>
+                  <a:lnTo>
+                    <a:pt x="1478987" y="198825"/>
+                  </a:lnTo>
+                  <a:lnTo>
+                    <a:pt x="1588541" y="198825"/>
+                  </a:lnTo>
+                  <a:lnTo>
+                    <a:pt x="1588541" y="227228"/>
+                  </a:lnTo>
+                  <a:lnTo>
+                    <a:pt x="1643319" y="227228"/>
+                  </a:lnTo>
+                  <a:lnTo>
+                    <a:pt x="1643319" y="369246"/>
+                  </a:lnTo>
+                  <a:lnTo>
+                    <a:pt x="1698096" y="369246"/>
+                  </a:lnTo>
+                  <a:lnTo>
+                    <a:pt x="1698096" y="397650"/>
+                  </a:lnTo>
+                  <a:lnTo>
+                    <a:pt x="1807650" y="397650"/>
+                  </a:lnTo>
+                  <a:lnTo>
+                    <a:pt x="1807650" y="511264"/>
+                  </a:lnTo>
+                  <a:lnTo>
+                    <a:pt x="1862428" y="511264"/>
+                  </a:lnTo>
+                  <a:lnTo>
+                    <a:pt x="1862428" y="596475"/>
+                  </a:lnTo>
+                  <a:lnTo>
+                    <a:pt x="1917205" y="596475"/>
+                  </a:lnTo>
+                  <a:lnTo>
+                    <a:pt x="1917205" y="681686"/>
+                  </a:lnTo>
+                  <a:lnTo>
+                    <a:pt x="1971982" y="681686"/>
+                  </a:lnTo>
+                  <a:lnTo>
+                    <a:pt x="1971982" y="738493"/>
+                  </a:lnTo>
+                  <a:lnTo>
+                    <a:pt x="2026760" y="738493"/>
+                  </a:lnTo>
+                  <a:lnTo>
+                    <a:pt x="2026760" y="795300"/>
+                  </a:lnTo>
+                  <a:lnTo>
+                    <a:pt x="2081537" y="795300"/>
+                  </a:lnTo>
+                  <a:lnTo>
+                    <a:pt x="2081537" y="823704"/>
+                  </a:lnTo>
+                  <a:lnTo>
+                    <a:pt x="2191092" y="823704"/>
+                  </a:lnTo>
+                  <a:lnTo>
+                    <a:pt x="2191092" y="880511"/>
+                  </a:lnTo>
+                  <a:lnTo>
+                    <a:pt x="2245869" y="880511"/>
+                  </a:lnTo>
+                  <a:lnTo>
+                    <a:pt x="2245869" y="937318"/>
+                  </a:lnTo>
+                  <a:lnTo>
+                    <a:pt x="2300646" y="937318"/>
+                  </a:lnTo>
+                  <a:lnTo>
+                    <a:pt x="2300646" y="965722"/>
+                  </a:lnTo>
+                  <a:lnTo>
+                    <a:pt x="2355424" y="965722"/>
+                  </a:lnTo>
+                  <a:lnTo>
+                    <a:pt x="2355424" y="1022529"/>
+                  </a:lnTo>
+                  <a:lnTo>
+                    <a:pt x="2684087" y="1022529"/>
+                  </a:lnTo>
+                  <a:lnTo>
+                    <a:pt x="2684087" y="1050932"/>
+                  </a:lnTo>
+                  <a:lnTo>
+                    <a:pt x="2957974" y="1050932"/>
+                  </a:lnTo>
+                  <a:lnTo>
+                    <a:pt x="2957974" y="1050932"/>
                   </a:lnTo>
                 </a:path>
               </a:pathLst>
@@ -2960,13 +2960,13 @@
           </p:nvSpPr>
           <p:spPr>
             <a:xfrm>
-              <a:off x="1886067" y="1176410"/>
-              <a:ext cx="2957974" cy="975492"/>
+              <a:off x="1886067" y="1045754"/>
+              <a:ext cx="2957974" cy="1022529"/>
             </a:xfrm>
             <a:custGeom>
               <a:avLst/>
               <a:pathLst>
-                <a:path w="2957974" h="975492">
+                <a:path w="2957974" h="1022529">
                   <a:moveTo>
                     <a:pt x="0" y="0"/>
                   </a:moveTo>
@@ -2974,115 +2974,115 @@
                     <a:pt x="1095546" y="0"/>
                   </a:lnTo>
                   <a:lnTo>
-                    <a:pt x="1095546" y="54194"/>
-                  </a:lnTo>
-                  <a:lnTo>
-                    <a:pt x="1314655" y="54194"/>
-                  </a:lnTo>
-                  <a:lnTo>
-                    <a:pt x="1314655" y="81291"/>
-                  </a:lnTo>
-                  <a:lnTo>
-                    <a:pt x="1369432" y="81291"/>
-                  </a:lnTo>
-                  <a:lnTo>
-                    <a:pt x="1369432" y="108388"/>
-                  </a:lnTo>
-                  <a:lnTo>
-                    <a:pt x="1424209" y="108388"/>
-                  </a:lnTo>
-                  <a:lnTo>
-                    <a:pt x="1424209" y="216776"/>
-                  </a:lnTo>
-                  <a:lnTo>
-                    <a:pt x="1478987" y="216776"/>
-                  </a:lnTo>
-                  <a:lnTo>
-                    <a:pt x="1478987" y="325164"/>
-                  </a:lnTo>
-                  <a:lnTo>
-                    <a:pt x="1533764" y="325164"/>
-                  </a:lnTo>
-                  <a:lnTo>
-                    <a:pt x="1533764" y="379358"/>
-                  </a:lnTo>
-                  <a:lnTo>
-                    <a:pt x="1588541" y="379358"/>
-                  </a:lnTo>
-                  <a:lnTo>
-                    <a:pt x="1588541" y="487746"/>
-                  </a:lnTo>
-                  <a:lnTo>
-                    <a:pt x="1643319" y="487746"/>
-                  </a:lnTo>
-                  <a:lnTo>
-                    <a:pt x="1643319" y="596134"/>
-                  </a:lnTo>
-                  <a:lnTo>
-                    <a:pt x="1698096" y="596134"/>
-                  </a:lnTo>
-                  <a:lnTo>
-                    <a:pt x="1698096" y="677425"/>
-                  </a:lnTo>
-                  <a:lnTo>
-                    <a:pt x="1752873" y="677425"/>
-                  </a:lnTo>
-                  <a:lnTo>
-                    <a:pt x="1752873" y="704522"/>
-                  </a:lnTo>
-                  <a:lnTo>
-                    <a:pt x="1807650" y="704522"/>
-                  </a:lnTo>
-                  <a:lnTo>
-                    <a:pt x="1807650" y="758716"/>
-                  </a:lnTo>
-                  <a:lnTo>
-                    <a:pt x="1862428" y="758716"/>
-                  </a:lnTo>
-                  <a:lnTo>
-                    <a:pt x="1862428" y="785813"/>
-                  </a:lnTo>
-                  <a:lnTo>
-                    <a:pt x="1917205" y="785813"/>
-                  </a:lnTo>
-                  <a:lnTo>
-                    <a:pt x="1917205" y="840007"/>
-                  </a:lnTo>
-                  <a:lnTo>
-                    <a:pt x="1971982" y="840007"/>
-                  </a:lnTo>
-                  <a:lnTo>
-                    <a:pt x="1971982" y="867104"/>
-                  </a:lnTo>
-                  <a:lnTo>
-                    <a:pt x="2026760" y="867104"/>
-                  </a:lnTo>
-                  <a:lnTo>
-                    <a:pt x="2026760" y="894201"/>
-                  </a:lnTo>
-                  <a:lnTo>
-                    <a:pt x="2081537" y="894201"/>
-                  </a:lnTo>
-                  <a:lnTo>
-                    <a:pt x="2081537" y="921298"/>
-                  </a:lnTo>
-                  <a:lnTo>
-                    <a:pt x="2191092" y="921298"/>
-                  </a:lnTo>
-                  <a:lnTo>
-                    <a:pt x="2191092" y="948395"/>
-                  </a:lnTo>
-                  <a:lnTo>
-                    <a:pt x="2355424" y="948395"/>
-                  </a:lnTo>
-                  <a:lnTo>
-                    <a:pt x="2355424" y="975492"/>
-                  </a:lnTo>
-                  <a:lnTo>
-                    <a:pt x="2957974" y="975492"/>
-                  </a:lnTo>
-                  <a:lnTo>
-                    <a:pt x="2957974" y="975492"/>
+                    <a:pt x="1095546" y="56807"/>
+                  </a:lnTo>
+                  <a:lnTo>
+                    <a:pt x="1314655" y="56807"/>
+                  </a:lnTo>
+                  <a:lnTo>
+                    <a:pt x="1314655" y="85210"/>
+                  </a:lnTo>
+                  <a:lnTo>
+                    <a:pt x="1369432" y="85210"/>
+                  </a:lnTo>
+                  <a:lnTo>
+                    <a:pt x="1369432" y="113614"/>
+                  </a:lnTo>
+                  <a:lnTo>
+                    <a:pt x="1424209" y="113614"/>
+                  </a:lnTo>
+                  <a:lnTo>
+                    <a:pt x="1424209" y="227228"/>
+                  </a:lnTo>
+                  <a:lnTo>
+                    <a:pt x="1478987" y="227228"/>
+                  </a:lnTo>
+                  <a:lnTo>
+                    <a:pt x="1478987" y="340843"/>
+                  </a:lnTo>
+                  <a:lnTo>
+                    <a:pt x="1533764" y="340843"/>
+                  </a:lnTo>
+                  <a:lnTo>
+                    <a:pt x="1533764" y="397650"/>
+                  </a:lnTo>
+                  <a:lnTo>
+                    <a:pt x="1588541" y="397650"/>
+                  </a:lnTo>
+                  <a:lnTo>
+                    <a:pt x="1588541" y="511264"/>
+                  </a:lnTo>
+                  <a:lnTo>
+                    <a:pt x="1643319" y="511264"/>
+                  </a:lnTo>
+                  <a:lnTo>
+                    <a:pt x="1643319" y="624878"/>
+                  </a:lnTo>
+                  <a:lnTo>
+                    <a:pt x="1698096" y="624878"/>
+                  </a:lnTo>
+                  <a:lnTo>
+                    <a:pt x="1698096" y="710089"/>
+                  </a:lnTo>
+                  <a:lnTo>
+                    <a:pt x="1752873" y="710089"/>
+                  </a:lnTo>
+                  <a:lnTo>
+                    <a:pt x="1752873" y="738493"/>
+                  </a:lnTo>
+                  <a:lnTo>
+                    <a:pt x="1807650" y="738493"/>
+                  </a:lnTo>
+                  <a:lnTo>
+                    <a:pt x="1807650" y="795300"/>
+                  </a:lnTo>
+                  <a:lnTo>
+                    <a:pt x="1862428" y="795300"/>
+                  </a:lnTo>
+                  <a:lnTo>
+                    <a:pt x="1862428" y="823704"/>
+                  </a:lnTo>
+                  <a:lnTo>
+                    <a:pt x="1917205" y="823704"/>
+                  </a:lnTo>
+                  <a:lnTo>
+                    <a:pt x="1917205" y="880511"/>
+                  </a:lnTo>
+                  <a:lnTo>
+                    <a:pt x="1971982" y="880511"/>
+                  </a:lnTo>
+                  <a:lnTo>
+                    <a:pt x="1971982" y="908914"/>
+                  </a:lnTo>
+                  <a:lnTo>
+                    <a:pt x="2026760" y="908914"/>
+                  </a:lnTo>
+                  <a:lnTo>
+                    <a:pt x="2026760" y="937318"/>
+                  </a:lnTo>
+                  <a:lnTo>
+                    <a:pt x="2081537" y="937318"/>
+                  </a:lnTo>
+                  <a:lnTo>
+                    <a:pt x="2081537" y="965722"/>
+                  </a:lnTo>
+                  <a:lnTo>
+                    <a:pt x="2191092" y="965722"/>
+                  </a:lnTo>
+                  <a:lnTo>
+                    <a:pt x="2191092" y="994125"/>
+                  </a:lnTo>
+                  <a:lnTo>
+                    <a:pt x="2355424" y="994125"/>
+                  </a:lnTo>
+                  <a:lnTo>
+                    <a:pt x="2355424" y="1022529"/>
+                  </a:lnTo>
+                  <a:lnTo>
+                    <a:pt x="2957974" y="1022529"/>
+                  </a:lnTo>
+                  <a:lnTo>
+                    <a:pt x="2957974" y="1022529"/>
                   </a:lnTo>
                 </a:path>
               </a:pathLst>
@@ -3111,13 +3111,13 @@
           </p:nvSpPr>
           <p:spPr>
             <a:xfrm>
-              <a:off x="1886067" y="1176410"/>
-              <a:ext cx="2957974" cy="948395"/>
+              <a:off x="1886067" y="1045754"/>
+              <a:ext cx="2957974" cy="994125"/>
             </a:xfrm>
             <a:custGeom>
               <a:avLst/>
               <a:pathLst>
-                <a:path w="2957974" h="948395">
+                <a:path w="2957974" h="994125">
                   <a:moveTo>
                     <a:pt x="0" y="0"/>
                   </a:moveTo>
@@ -3125,109 +3125,109 @@
                     <a:pt x="219109" y="0"/>
                   </a:lnTo>
                   <a:lnTo>
-                    <a:pt x="219109" y="27097"/>
-                  </a:lnTo>
-                  <a:lnTo>
-                    <a:pt x="383441" y="27097"/>
-                  </a:lnTo>
-                  <a:lnTo>
-                    <a:pt x="383441" y="54194"/>
-                  </a:lnTo>
-                  <a:lnTo>
-                    <a:pt x="1205100" y="54194"/>
-                  </a:lnTo>
-                  <a:lnTo>
-                    <a:pt x="1205100" y="81291"/>
-                  </a:lnTo>
-                  <a:lnTo>
-                    <a:pt x="1369432" y="81291"/>
-                  </a:lnTo>
-                  <a:lnTo>
-                    <a:pt x="1369432" y="108388"/>
-                  </a:lnTo>
-                  <a:lnTo>
-                    <a:pt x="1478987" y="108388"/>
-                  </a:lnTo>
-                  <a:lnTo>
-                    <a:pt x="1478987" y="162582"/>
-                  </a:lnTo>
-                  <a:lnTo>
-                    <a:pt x="1533764" y="162582"/>
-                  </a:lnTo>
-                  <a:lnTo>
-                    <a:pt x="1533764" y="216776"/>
-                  </a:lnTo>
-                  <a:lnTo>
-                    <a:pt x="1588541" y="216776"/>
-                  </a:lnTo>
-                  <a:lnTo>
-                    <a:pt x="1588541" y="298067"/>
-                  </a:lnTo>
-                  <a:lnTo>
-                    <a:pt x="1643319" y="298067"/>
-                  </a:lnTo>
-                  <a:lnTo>
-                    <a:pt x="1643319" y="460649"/>
-                  </a:lnTo>
-                  <a:lnTo>
-                    <a:pt x="1698096" y="460649"/>
-                  </a:lnTo>
-                  <a:lnTo>
-                    <a:pt x="1698096" y="514843"/>
-                  </a:lnTo>
-                  <a:lnTo>
-                    <a:pt x="1752873" y="514843"/>
-                  </a:lnTo>
-                  <a:lnTo>
-                    <a:pt x="1752873" y="569037"/>
-                  </a:lnTo>
-                  <a:lnTo>
-                    <a:pt x="1807650" y="569037"/>
-                  </a:lnTo>
-                  <a:lnTo>
-                    <a:pt x="1807650" y="650328"/>
-                  </a:lnTo>
-                  <a:lnTo>
-                    <a:pt x="1862428" y="650328"/>
-                  </a:lnTo>
-                  <a:lnTo>
-                    <a:pt x="1862428" y="704522"/>
-                  </a:lnTo>
-                  <a:lnTo>
-                    <a:pt x="1917205" y="704522"/>
-                  </a:lnTo>
-                  <a:lnTo>
-                    <a:pt x="1917205" y="785813"/>
-                  </a:lnTo>
-                  <a:lnTo>
-                    <a:pt x="1971982" y="785813"/>
-                  </a:lnTo>
-                  <a:lnTo>
-                    <a:pt x="1971982" y="812910"/>
-                  </a:lnTo>
-                  <a:lnTo>
-                    <a:pt x="2026760" y="812910"/>
-                  </a:lnTo>
-                  <a:lnTo>
-                    <a:pt x="2026760" y="894201"/>
-                  </a:lnTo>
-                  <a:lnTo>
-                    <a:pt x="2081537" y="894201"/>
-                  </a:lnTo>
-                  <a:lnTo>
-                    <a:pt x="2081537" y="921298"/>
-                  </a:lnTo>
-                  <a:lnTo>
-                    <a:pt x="2629310" y="921298"/>
-                  </a:lnTo>
-                  <a:lnTo>
-                    <a:pt x="2629310" y="948395"/>
-                  </a:lnTo>
-                  <a:lnTo>
-                    <a:pt x="2957974" y="948395"/>
-                  </a:lnTo>
-                  <a:lnTo>
-                    <a:pt x="2957974" y="948395"/>
+                    <a:pt x="219109" y="28403"/>
+                  </a:lnTo>
+                  <a:lnTo>
+                    <a:pt x="383441" y="28403"/>
+                  </a:lnTo>
+                  <a:lnTo>
+                    <a:pt x="383441" y="56807"/>
+                  </a:lnTo>
+                  <a:lnTo>
+                    <a:pt x="1205100" y="56807"/>
+                  </a:lnTo>
+                  <a:lnTo>
+                    <a:pt x="1205100" y="85210"/>
+                  </a:lnTo>
+                  <a:lnTo>
+                    <a:pt x="1369432" y="85210"/>
+                  </a:lnTo>
+                  <a:lnTo>
+                    <a:pt x="1369432" y="113614"/>
+                  </a:lnTo>
+                  <a:lnTo>
+                    <a:pt x="1478987" y="113614"/>
+                  </a:lnTo>
+                  <a:lnTo>
+                    <a:pt x="1478987" y="170421"/>
+                  </a:lnTo>
+                  <a:lnTo>
+                    <a:pt x="1533764" y="170421"/>
+                  </a:lnTo>
+                  <a:lnTo>
+                    <a:pt x="1533764" y="227228"/>
+                  </a:lnTo>
+                  <a:lnTo>
+                    <a:pt x="1588541" y="227228"/>
+                  </a:lnTo>
+                  <a:lnTo>
+                    <a:pt x="1588541" y="312439"/>
+                  </a:lnTo>
+                  <a:lnTo>
+                    <a:pt x="1643319" y="312439"/>
+                  </a:lnTo>
+                  <a:lnTo>
+                    <a:pt x="1643319" y="482861"/>
+                  </a:lnTo>
+                  <a:lnTo>
+                    <a:pt x="1698096" y="482861"/>
+                  </a:lnTo>
+                  <a:lnTo>
+                    <a:pt x="1698096" y="539668"/>
+                  </a:lnTo>
+                  <a:lnTo>
+                    <a:pt x="1752873" y="539668"/>
+                  </a:lnTo>
+                  <a:lnTo>
+                    <a:pt x="1752873" y="596475"/>
+                  </a:lnTo>
+                  <a:lnTo>
+                    <a:pt x="1807650" y="596475"/>
+                  </a:lnTo>
+                  <a:lnTo>
+                    <a:pt x="1807650" y="681686"/>
+                  </a:lnTo>
+                  <a:lnTo>
+                    <a:pt x="1862428" y="681686"/>
+                  </a:lnTo>
+                  <a:lnTo>
+                    <a:pt x="1862428" y="738493"/>
+                  </a:lnTo>
+                  <a:lnTo>
+                    <a:pt x="1917205" y="738493"/>
+                  </a:lnTo>
+                  <a:lnTo>
+                    <a:pt x="1917205" y="823704"/>
+                  </a:lnTo>
+                  <a:lnTo>
+                    <a:pt x="1971982" y="823704"/>
+                  </a:lnTo>
+                  <a:lnTo>
+                    <a:pt x="1971982" y="852107"/>
+                  </a:lnTo>
+                  <a:lnTo>
+                    <a:pt x="2026760" y="852107"/>
+                  </a:lnTo>
+                  <a:lnTo>
+                    <a:pt x="2026760" y="937318"/>
+                  </a:lnTo>
+                  <a:lnTo>
+                    <a:pt x="2081537" y="937318"/>
+                  </a:lnTo>
+                  <a:lnTo>
+                    <a:pt x="2081537" y="965722"/>
+                  </a:lnTo>
+                  <a:lnTo>
+                    <a:pt x="2629310" y="965722"/>
+                  </a:lnTo>
+                  <a:lnTo>
+                    <a:pt x="2629310" y="994125"/>
+                  </a:lnTo>
+                  <a:lnTo>
+                    <a:pt x="2957974" y="994125"/>
+                  </a:lnTo>
+                  <a:lnTo>
+                    <a:pt x="2957974" y="994125"/>
                   </a:lnTo>
                 </a:path>
               </a:pathLst>
@@ -3256,13 +3256,13 @@
           </p:nvSpPr>
           <p:spPr>
             <a:xfrm>
-              <a:off x="1886067" y="1176410"/>
-              <a:ext cx="2957974" cy="731619"/>
+              <a:off x="1886067" y="1045754"/>
+              <a:ext cx="2957974" cy="766896"/>
             </a:xfrm>
             <a:custGeom>
               <a:avLst/>
               <a:pathLst>
-                <a:path w="2957974" h="731619">
+                <a:path w="2957974" h="766896">
                   <a:moveTo>
                     <a:pt x="0" y="0"/>
                   </a:moveTo>
@@ -3270,97 +3270,97 @@
                     <a:pt x="1095546" y="0"/>
                   </a:lnTo>
                   <a:lnTo>
-                    <a:pt x="1095546" y="27097"/>
-                  </a:lnTo>
-                  <a:lnTo>
-                    <a:pt x="1424209" y="27097"/>
-                  </a:lnTo>
-                  <a:lnTo>
-                    <a:pt x="1424209" y="54194"/>
-                  </a:lnTo>
-                  <a:lnTo>
-                    <a:pt x="1533764" y="54194"/>
-                  </a:lnTo>
-                  <a:lnTo>
-                    <a:pt x="1533764" y="81291"/>
-                  </a:lnTo>
-                  <a:lnTo>
-                    <a:pt x="1588541" y="81291"/>
-                  </a:lnTo>
-                  <a:lnTo>
-                    <a:pt x="1588541" y="108388"/>
-                  </a:lnTo>
-                  <a:lnTo>
-                    <a:pt x="1643319" y="108388"/>
-                  </a:lnTo>
-                  <a:lnTo>
-                    <a:pt x="1643319" y="189679"/>
-                  </a:lnTo>
-                  <a:lnTo>
-                    <a:pt x="1698096" y="189679"/>
-                  </a:lnTo>
-                  <a:lnTo>
-                    <a:pt x="1698096" y="270970"/>
-                  </a:lnTo>
-                  <a:lnTo>
-                    <a:pt x="1752873" y="270970"/>
-                  </a:lnTo>
-                  <a:lnTo>
-                    <a:pt x="1752873" y="298067"/>
-                  </a:lnTo>
-                  <a:lnTo>
-                    <a:pt x="1807650" y="298067"/>
-                  </a:lnTo>
-                  <a:lnTo>
-                    <a:pt x="1807650" y="406455"/>
-                  </a:lnTo>
-                  <a:lnTo>
-                    <a:pt x="1862428" y="406455"/>
-                  </a:lnTo>
-                  <a:lnTo>
-                    <a:pt x="1862428" y="460649"/>
-                  </a:lnTo>
-                  <a:lnTo>
-                    <a:pt x="1917205" y="460649"/>
-                  </a:lnTo>
-                  <a:lnTo>
-                    <a:pt x="1917205" y="514843"/>
-                  </a:lnTo>
-                  <a:lnTo>
-                    <a:pt x="1971982" y="514843"/>
-                  </a:lnTo>
-                  <a:lnTo>
-                    <a:pt x="1971982" y="569037"/>
-                  </a:lnTo>
-                  <a:lnTo>
-                    <a:pt x="2026760" y="569037"/>
-                  </a:lnTo>
-                  <a:lnTo>
-                    <a:pt x="2026760" y="623231"/>
-                  </a:lnTo>
-                  <a:lnTo>
-                    <a:pt x="2136314" y="623231"/>
-                  </a:lnTo>
-                  <a:lnTo>
-                    <a:pt x="2136314" y="650328"/>
-                  </a:lnTo>
-                  <a:lnTo>
-                    <a:pt x="2245869" y="650328"/>
-                  </a:lnTo>
-                  <a:lnTo>
-                    <a:pt x="2245869" y="704522"/>
-                  </a:lnTo>
-                  <a:lnTo>
-                    <a:pt x="2410201" y="704522"/>
-                  </a:lnTo>
-                  <a:lnTo>
-                    <a:pt x="2410201" y="731619"/>
-                  </a:lnTo>
-                  <a:lnTo>
-                    <a:pt x="2957974" y="731619"/>
-                  </a:lnTo>
-                  <a:lnTo>
-                    <a:pt x="2957974" y="731619"/>
+                    <a:pt x="1095546" y="28403"/>
+                  </a:lnTo>
+                  <a:lnTo>
+                    <a:pt x="1424209" y="28403"/>
+                  </a:lnTo>
+                  <a:lnTo>
+                    <a:pt x="1424209" y="56807"/>
+                  </a:lnTo>
+                  <a:lnTo>
+                    <a:pt x="1533764" y="56807"/>
+                  </a:lnTo>
+                  <a:lnTo>
+                    <a:pt x="1533764" y="85210"/>
+                  </a:lnTo>
+                  <a:lnTo>
+                    <a:pt x="1588541" y="85210"/>
+                  </a:lnTo>
+                  <a:lnTo>
+                    <a:pt x="1588541" y="113614"/>
+                  </a:lnTo>
+                  <a:lnTo>
+                    <a:pt x="1643319" y="113614"/>
+                  </a:lnTo>
+                  <a:lnTo>
+                    <a:pt x="1643319" y="198825"/>
+                  </a:lnTo>
+                  <a:lnTo>
+                    <a:pt x="1698096" y="198825"/>
+                  </a:lnTo>
+                  <a:lnTo>
+                    <a:pt x="1698096" y="284035"/>
+                  </a:lnTo>
+                  <a:lnTo>
+                    <a:pt x="1752873" y="284035"/>
+                  </a:lnTo>
+                  <a:lnTo>
+                    <a:pt x="1752873" y="312439"/>
+                  </a:lnTo>
+                  <a:lnTo>
+                    <a:pt x="1807650" y="312439"/>
+                  </a:lnTo>
+                  <a:lnTo>
+                    <a:pt x="1807650" y="426053"/>
+                  </a:lnTo>
+                  <a:lnTo>
+                    <a:pt x="1862428" y="426053"/>
+                  </a:lnTo>
+                  <a:lnTo>
+                    <a:pt x="1862428" y="482861"/>
+                  </a:lnTo>
+                  <a:lnTo>
+                    <a:pt x="1917205" y="482861"/>
+                  </a:lnTo>
+                  <a:lnTo>
+                    <a:pt x="1917205" y="539668"/>
+                  </a:lnTo>
+                  <a:lnTo>
+                    <a:pt x="1971982" y="539668"/>
+                  </a:lnTo>
+                  <a:lnTo>
+                    <a:pt x="1971982" y="596475"/>
+                  </a:lnTo>
+                  <a:lnTo>
+                    <a:pt x="2026760" y="596475"/>
+                  </a:lnTo>
+                  <a:lnTo>
+                    <a:pt x="2026760" y="653282"/>
+                  </a:lnTo>
+                  <a:lnTo>
+                    <a:pt x="2136314" y="653282"/>
+                  </a:lnTo>
+                  <a:lnTo>
+                    <a:pt x="2136314" y="681686"/>
+                  </a:lnTo>
+                  <a:lnTo>
+                    <a:pt x="2245869" y="681686"/>
+                  </a:lnTo>
+                  <a:lnTo>
+                    <a:pt x="2245869" y="738493"/>
+                  </a:lnTo>
+                  <a:lnTo>
+                    <a:pt x="2410201" y="738493"/>
+                  </a:lnTo>
+                  <a:lnTo>
+                    <a:pt x="2410201" y="766896"/>
+                  </a:lnTo>
+                  <a:lnTo>
+                    <a:pt x="2957974" y="766896"/>
+                  </a:lnTo>
+                  <a:lnTo>
+                    <a:pt x="2957974" y="766896"/>
                   </a:lnTo>
                 </a:path>
               </a:pathLst>
@@ -3389,13 +3389,13 @@
           </p:nvSpPr>
           <p:spPr>
             <a:xfrm>
-              <a:off x="1886067" y="1176410"/>
-              <a:ext cx="2957974" cy="812910"/>
+              <a:off x="1886067" y="1045754"/>
+              <a:ext cx="2957974" cy="852107"/>
             </a:xfrm>
             <a:custGeom>
               <a:avLst/>
               <a:pathLst>
-                <a:path w="2957974" h="812910">
+                <a:path w="2957974" h="852107">
                   <a:moveTo>
                     <a:pt x="0" y="0"/>
                   </a:moveTo>
@@ -3403,115 +3403,115 @@
                     <a:pt x="1478987" y="0"/>
                   </a:lnTo>
                   <a:lnTo>
-                    <a:pt x="1478987" y="27097"/>
-                  </a:lnTo>
-                  <a:lnTo>
-                    <a:pt x="1533764" y="27097"/>
-                  </a:lnTo>
-                  <a:lnTo>
-                    <a:pt x="1533764" y="54194"/>
-                  </a:lnTo>
-                  <a:lnTo>
-                    <a:pt x="1588541" y="54194"/>
-                  </a:lnTo>
-                  <a:lnTo>
-                    <a:pt x="1588541" y="81291"/>
-                  </a:lnTo>
-                  <a:lnTo>
-                    <a:pt x="1643319" y="81291"/>
-                  </a:lnTo>
-                  <a:lnTo>
-                    <a:pt x="1643319" y="108388"/>
-                  </a:lnTo>
-                  <a:lnTo>
-                    <a:pt x="1698096" y="108388"/>
-                  </a:lnTo>
-                  <a:lnTo>
-                    <a:pt x="1698096" y="135485"/>
-                  </a:lnTo>
-                  <a:lnTo>
-                    <a:pt x="1807650" y="135485"/>
-                  </a:lnTo>
-                  <a:lnTo>
-                    <a:pt x="1807650" y="189679"/>
-                  </a:lnTo>
-                  <a:lnTo>
-                    <a:pt x="1862428" y="189679"/>
-                  </a:lnTo>
-                  <a:lnTo>
-                    <a:pt x="1862428" y="216776"/>
-                  </a:lnTo>
-                  <a:lnTo>
-                    <a:pt x="1917205" y="216776"/>
-                  </a:lnTo>
-                  <a:lnTo>
-                    <a:pt x="1917205" y="352261"/>
-                  </a:lnTo>
-                  <a:lnTo>
-                    <a:pt x="1971982" y="352261"/>
-                  </a:lnTo>
-                  <a:lnTo>
-                    <a:pt x="1971982" y="406455"/>
-                  </a:lnTo>
-                  <a:lnTo>
-                    <a:pt x="2026760" y="406455"/>
-                  </a:lnTo>
-                  <a:lnTo>
-                    <a:pt x="2026760" y="460649"/>
-                  </a:lnTo>
-                  <a:lnTo>
-                    <a:pt x="2081537" y="460649"/>
-                  </a:lnTo>
-                  <a:lnTo>
-                    <a:pt x="2081537" y="541940"/>
-                  </a:lnTo>
-                  <a:lnTo>
-                    <a:pt x="2136314" y="541940"/>
-                  </a:lnTo>
-                  <a:lnTo>
-                    <a:pt x="2136314" y="569037"/>
-                  </a:lnTo>
-                  <a:lnTo>
-                    <a:pt x="2191092" y="569037"/>
-                  </a:lnTo>
-                  <a:lnTo>
-                    <a:pt x="2191092" y="596134"/>
-                  </a:lnTo>
-                  <a:lnTo>
-                    <a:pt x="2245869" y="596134"/>
-                  </a:lnTo>
-                  <a:lnTo>
-                    <a:pt x="2245869" y="623231"/>
-                  </a:lnTo>
-                  <a:lnTo>
-                    <a:pt x="2355424" y="623231"/>
-                  </a:lnTo>
-                  <a:lnTo>
-                    <a:pt x="2355424" y="650328"/>
-                  </a:lnTo>
-                  <a:lnTo>
-                    <a:pt x="2464978" y="650328"/>
-                  </a:lnTo>
-                  <a:lnTo>
-                    <a:pt x="2464978" y="731619"/>
-                  </a:lnTo>
-                  <a:lnTo>
-                    <a:pt x="2629310" y="731619"/>
-                  </a:lnTo>
-                  <a:lnTo>
-                    <a:pt x="2629310" y="758716"/>
-                  </a:lnTo>
-                  <a:lnTo>
-                    <a:pt x="2684087" y="758716"/>
-                  </a:lnTo>
-                  <a:lnTo>
-                    <a:pt x="2684087" y="812910"/>
-                  </a:lnTo>
-                  <a:lnTo>
-                    <a:pt x="2957974" y="812910"/>
-                  </a:lnTo>
-                  <a:lnTo>
-                    <a:pt x="2957974" y="812910"/>
+                    <a:pt x="1478987" y="28403"/>
+                  </a:lnTo>
+                  <a:lnTo>
+                    <a:pt x="1533764" y="28403"/>
+                  </a:lnTo>
+                  <a:lnTo>
+                    <a:pt x="1533764" y="56807"/>
+                  </a:lnTo>
+                  <a:lnTo>
+                    <a:pt x="1588541" y="56807"/>
+                  </a:lnTo>
+                  <a:lnTo>
+                    <a:pt x="1588541" y="85210"/>
+                  </a:lnTo>
+                  <a:lnTo>
+                    <a:pt x="1643319" y="85210"/>
+                  </a:lnTo>
+                  <a:lnTo>
+                    <a:pt x="1643319" y="113614"/>
+                  </a:lnTo>
+                  <a:lnTo>
+                    <a:pt x="1698096" y="113614"/>
+                  </a:lnTo>
+                  <a:lnTo>
+                    <a:pt x="1698096" y="142017"/>
+                  </a:lnTo>
+                  <a:lnTo>
+                    <a:pt x="1807650" y="142017"/>
+                  </a:lnTo>
+                  <a:lnTo>
+                    <a:pt x="1807650" y="198825"/>
+                  </a:lnTo>
+                  <a:lnTo>
+                    <a:pt x="1862428" y="198825"/>
+                  </a:lnTo>
+                  <a:lnTo>
+                    <a:pt x="1862428" y="227228"/>
+                  </a:lnTo>
+                  <a:lnTo>
+                    <a:pt x="1917205" y="227228"/>
+                  </a:lnTo>
+                  <a:lnTo>
+                    <a:pt x="1917205" y="369246"/>
+                  </a:lnTo>
+                  <a:lnTo>
+                    <a:pt x="1971982" y="369246"/>
+                  </a:lnTo>
+                  <a:lnTo>
+                    <a:pt x="1971982" y="426053"/>
+                  </a:lnTo>
+                  <a:lnTo>
+                    <a:pt x="2026760" y="426053"/>
+                  </a:lnTo>
+                  <a:lnTo>
+                    <a:pt x="2026760" y="482861"/>
+                  </a:lnTo>
+                  <a:lnTo>
+                    <a:pt x="2081537" y="482861"/>
+                  </a:lnTo>
+                  <a:lnTo>
+                    <a:pt x="2081537" y="568071"/>
+                  </a:lnTo>
+                  <a:lnTo>
+                    <a:pt x="2136314" y="568071"/>
+                  </a:lnTo>
+                  <a:lnTo>
+                    <a:pt x="2136314" y="596475"/>
+                  </a:lnTo>
+                  <a:lnTo>
+                    <a:pt x="2191092" y="596475"/>
+                  </a:lnTo>
+                  <a:lnTo>
+                    <a:pt x="2191092" y="624878"/>
+                  </a:lnTo>
+                  <a:lnTo>
+                    <a:pt x="2245869" y="624878"/>
+                  </a:lnTo>
+                  <a:lnTo>
+                    <a:pt x="2245869" y="653282"/>
+                  </a:lnTo>
+                  <a:lnTo>
+                    <a:pt x="2355424" y="653282"/>
+                  </a:lnTo>
+                  <a:lnTo>
+                    <a:pt x="2355424" y="681686"/>
+                  </a:lnTo>
+                  <a:lnTo>
+                    <a:pt x="2464978" y="681686"/>
+                  </a:lnTo>
+                  <a:lnTo>
+                    <a:pt x="2464978" y="766896"/>
+                  </a:lnTo>
+                  <a:lnTo>
+                    <a:pt x="2629310" y="766896"/>
+                  </a:lnTo>
+                  <a:lnTo>
+                    <a:pt x="2629310" y="795300"/>
+                  </a:lnTo>
+                  <a:lnTo>
+                    <a:pt x="2684087" y="795300"/>
+                  </a:lnTo>
+                  <a:lnTo>
+                    <a:pt x="2684087" y="852107"/>
+                  </a:lnTo>
+                  <a:lnTo>
+                    <a:pt x="2957974" y="852107"/>
+                  </a:lnTo>
+                  <a:lnTo>
+                    <a:pt x="2957974" y="852107"/>
                   </a:lnTo>
                 </a:path>
               </a:pathLst>
@@ -3540,13 +3540,13 @@
           </p:nvSpPr>
           <p:spPr>
             <a:xfrm>
-              <a:off x="1886067" y="1176410"/>
-              <a:ext cx="2957974" cy="840007"/>
+              <a:off x="1886067" y="1045754"/>
+              <a:ext cx="2957974" cy="880511"/>
             </a:xfrm>
             <a:custGeom>
               <a:avLst/>
               <a:pathLst>
-                <a:path w="2957974" h="840007">
+                <a:path w="2957974" h="880511">
                   <a:moveTo>
                     <a:pt x="0" y="0"/>
                   </a:moveTo>
@@ -3554,103 +3554,103 @@
                     <a:pt x="1205100" y="0"/>
                   </a:lnTo>
                   <a:lnTo>
-                    <a:pt x="1205100" y="27097"/>
-                  </a:lnTo>
-                  <a:lnTo>
-                    <a:pt x="1314655" y="27097"/>
-                  </a:lnTo>
-                  <a:lnTo>
-                    <a:pt x="1314655" y="54194"/>
-                  </a:lnTo>
-                  <a:lnTo>
-                    <a:pt x="1424209" y="54194"/>
-                  </a:lnTo>
-                  <a:lnTo>
-                    <a:pt x="1424209" y="81291"/>
-                  </a:lnTo>
-                  <a:lnTo>
-                    <a:pt x="1478987" y="81291"/>
-                  </a:lnTo>
-                  <a:lnTo>
-                    <a:pt x="1478987" y="135485"/>
-                  </a:lnTo>
-                  <a:lnTo>
-                    <a:pt x="1533764" y="135485"/>
-                  </a:lnTo>
-                  <a:lnTo>
-                    <a:pt x="1533764" y="162582"/>
-                  </a:lnTo>
-                  <a:lnTo>
-                    <a:pt x="1643319" y="162582"/>
-                  </a:lnTo>
-                  <a:lnTo>
-                    <a:pt x="1643319" y="189679"/>
-                  </a:lnTo>
-                  <a:lnTo>
-                    <a:pt x="1698096" y="189679"/>
-                  </a:lnTo>
-                  <a:lnTo>
-                    <a:pt x="1698096" y="270970"/>
-                  </a:lnTo>
-                  <a:lnTo>
-                    <a:pt x="1752873" y="270970"/>
-                  </a:lnTo>
-                  <a:lnTo>
-                    <a:pt x="1752873" y="298067"/>
-                  </a:lnTo>
-                  <a:lnTo>
-                    <a:pt x="1807650" y="298067"/>
-                  </a:lnTo>
-                  <a:lnTo>
-                    <a:pt x="1807650" y="433552"/>
-                  </a:lnTo>
-                  <a:lnTo>
-                    <a:pt x="1862428" y="433552"/>
-                  </a:lnTo>
-                  <a:lnTo>
-                    <a:pt x="1862428" y="569037"/>
-                  </a:lnTo>
-                  <a:lnTo>
-                    <a:pt x="1917205" y="569037"/>
-                  </a:lnTo>
-                  <a:lnTo>
-                    <a:pt x="1917205" y="650328"/>
-                  </a:lnTo>
-                  <a:lnTo>
-                    <a:pt x="1971982" y="650328"/>
-                  </a:lnTo>
-                  <a:lnTo>
-                    <a:pt x="1971982" y="704522"/>
-                  </a:lnTo>
-                  <a:lnTo>
-                    <a:pt x="2026760" y="704522"/>
-                  </a:lnTo>
-                  <a:lnTo>
-                    <a:pt x="2026760" y="758716"/>
-                  </a:lnTo>
-                  <a:lnTo>
-                    <a:pt x="2081537" y="758716"/>
-                  </a:lnTo>
-                  <a:lnTo>
-                    <a:pt x="2081537" y="785813"/>
-                  </a:lnTo>
-                  <a:lnTo>
-                    <a:pt x="2136314" y="785813"/>
-                  </a:lnTo>
-                  <a:lnTo>
-                    <a:pt x="2136314" y="812910"/>
-                  </a:lnTo>
-                  <a:lnTo>
-                    <a:pt x="2793642" y="812910"/>
-                  </a:lnTo>
-                  <a:lnTo>
-                    <a:pt x="2793642" y="840007"/>
-                  </a:lnTo>
-                  <a:lnTo>
-                    <a:pt x="2957974" y="840007"/>
-                  </a:lnTo>
-                  <a:lnTo>
-                    <a:pt x="2957974" y="840007"/>
+                    <a:pt x="1205100" y="28403"/>
+                  </a:lnTo>
+                  <a:lnTo>
+                    <a:pt x="1314655" y="28403"/>
+                  </a:lnTo>
+                  <a:lnTo>
+                    <a:pt x="1314655" y="56807"/>
+                  </a:lnTo>
+                  <a:lnTo>
+                    <a:pt x="1424209" y="56807"/>
+                  </a:lnTo>
+                  <a:lnTo>
+                    <a:pt x="1424209" y="85210"/>
+                  </a:lnTo>
+                  <a:lnTo>
+                    <a:pt x="1478987" y="85210"/>
+                  </a:lnTo>
+                  <a:lnTo>
+                    <a:pt x="1478987" y="142017"/>
+                  </a:lnTo>
+                  <a:lnTo>
+                    <a:pt x="1533764" y="142017"/>
+                  </a:lnTo>
+                  <a:lnTo>
+                    <a:pt x="1533764" y="170421"/>
+                  </a:lnTo>
+                  <a:lnTo>
+                    <a:pt x="1643319" y="170421"/>
+                  </a:lnTo>
+                  <a:lnTo>
+                    <a:pt x="1643319" y="198825"/>
+                  </a:lnTo>
+                  <a:lnTo>
+                    <a:pt x="1698096" y="198825"/>
+                  </a:lnTo>
+                  <a:lnTo>
+                    <a:pt x="1698096" y="284035"/>
+                  </a:lnTo>
+                  <a:lnTo>
+                    <a:pt x="1752873" y="284035"/>
+                  </a:lnTo>
+                  <a:lnTo>
+                    <a:pt x="1752873" y="312439"/>
+                  </a:lnTo>
+                  <a:lnTo>
+                    <a:pt x="1807650" y="312439"/>
+                  </a:lnTo>
+                  <a:lnTo>
+                    <a:pt x="1807650" y="454457"/>
+                  </a:lnTo>
+                  <a:lnTo>
+                    <a:pt x="1862428" y="454457"/>
+                  </a:lnTo>
+                  <a:lnTo>
+                    <a:pt x="1862428" y="596475"/>
+                  </a:lnTo>
+                  <a:lnTo>
+                    <a:pt x="1917205" y="596475"/>
+                  </a:lnTo>
+                  <a:lnTo>
+                    <a:pt x="1917205" y="681686"/>
+                  </a:lnTo>
+                  <a:lnTo>
+                    <a:pt x="1971982" y="681686"/>
+                  </a:lnTo>
+                  <a:lnTo>
+                    <a:pt x="1971982" y="738493"/>
+                  </a:lnTo>
+                  <a:lnTo>
+                    <a:pt x="2026760" y="738493"/>
+                  </a:lnTo>
+                  <a:lnTo>
+                    <a:pt x="2026760" y="795300"/>
+                  </a:lnTo>
+                  <a:lnTo>
+                    <a:pt x="2081537" y="795300"/>
+                  </a:lnTo>
+                  <a:lnTo>
+                    <a:pt x="2081537" y="823704"/>
+                  </a:lnTo>
+                  <a:lnTo>
+                    <a:pt x="2136314" y="823704"/>
+                  </a:lnTo>
+                  <a:lnTo>
+                    <a:pt x="2136314" y="852107"/>
+                  </a:lnTo>
+                  <a:lnTo>
+                    <a:pt x="2793642" y="852107"/>
+                  </a:lnTo>
+                  <a:lnTo>
+                    <a:pt x="2793642" y="880511"/>
+                  </a:lnTo>
+                  <a:lnTo>
+                    <a:pt x="2957974" y="880511"/>
+                  </a:lnTo>
+                  <a:lnTo>
+                    <a:pt x="2957974" y="880511"/>
                   </a:lnTo>
                 </a:path>
               </a:pathLst>
@@ -3679,13 +3679,13 @@
           </p:nvSpPr>
           <p:spPr>
             <a:xfrm>
-              <a:off x="1886067" y="1176410"/>
-              <a:ext cx="2957974" cy="948395"/>
+              <a:off x="1886067" y="1045754"/>
+              <a:ext cx="2957974" cy="994125"/>
             </a:xfrm>
             <a:custGeom>
               <a:avLst/>
               <a:pathLst>
-                <a:path w="2957974" h="948395">
+                <a:path w="2957974" h="994125">
                   <a:moveTo>
                     <a:pt x="0" y="0"/>
                   </a:moveTo>
@@ -3693,97 +3693,97 @@
                     <a:pt x="1478987" y="0"/>
                   </a:lnTo>
                   <a:lnTo>
-                    <a:pt x="1478987" y="27097"/>
-                  </a:lnTo>
-                  <a:lnTo>
-                    <a:pt x="1588541" y="27097"/>
-                  </a:lnTo>
-                  <a:lnTo>
-                    <a:pt x="1588541" y="81291"/>
-                  </a:lnTo>
-                  <a:lnTo>
-                    <a:pt x="1643319" y="81291"/>
-                  </a:lnTo>
-                  <a:lnTo>
-                    <a:pt x="1643319" y="216776"/>
-                  </a:lnTo>
-                  <a:lnTo>
-                    <a:pt x="1698096" y="216776"/>
-                  </a:lnTo>
-                  <a:lnTo>
-                    <a:pt x="1698096" y="352261"/>
-                  </a:lnTo>
-                  <a:lnTo>
-                    <a:pt x="1752873" y="352261"/>
-                  </a:lnTo>
-                  <a:lnTo>
-                    <a:pt x="1752873" y="460649"/>
-                  </a:lnTo>
-                  <a:lnTo>
-                    <a:pt x="1807650" y="460649"/>
-                  </a:lnTo>
-                  <a:lnTo>
-                    <a:pt x="1807650" y="487746"/>
-                  </a:lnTo>
-                  <a:lnTo>
-                    <a:pt x="1917205" y="487746"/>
-                  </a:lnTo>
-                  <a:lnTo>
-                    <a:pt x="1917205" y="569037"/>
-                  </a:lnTo>
-                  <a:lnTo>
-                    <a:pt x="1971982" y="569037"/>
-                  </a:lnTo>
-                  <a:lnTo>
-                    <a:pt x="1971982" y="677425"/>
-                  </a:lnTo>
-                  <a:lnTo>
-                    <a:pt x="2026760" y="677425"/>
-                  </a:lnTo>
-                  <a:lnTo>
-                    <a:pt x="2026760" y="704522"/>
-                  </a:lnTo>
-                  <a:lnTo>
-                    <a:pt x="2081537" y="704522"/>
-                  </a:lnTo>
-                  <a:lnTo>
-                    <a:pt x="2081537" y="785813"/>
-                  </a:lnTo>
-                  <a:lnTo>
-                    <a:pt x="2191092" y="785813"/>
-                  </a:lnTo>
-                  <a:lnTo>
-                    <a:pt x="2191092" y="812910"/>
-                  </a:lnTo>
-                  <a:lnTo>
-                    <a:pt x="2464978" y="812910"/>
-                  </a:lnTo>
-                  <a:lnTo>
-                    <a:pt x="2464978" y="867104"/>
-                  </a:lnTo>
-                  <a:lnTo>
-                    <a:pt x="2519755" y="867104"/>
-                  </a:lnTo>
-                  <a:lnTo>
-                    <a:pt x="2519755" y="894201"/>
-                  </a:lnTo>
-                  <a:lnTo>
-                    <a:pt x="2574533" y="894201"/>
-                  </a:lnTo>
-                  <a:lnTo>
-                    <a:pt x="2574533" y="921298"/>
-                  </a:lnTo>
-                  <a:lnTo>
-                    <a:pt x="2629310" y="921298"/>
-                  </a:lnTo>
-                  <a:lnTo>
-                    <a:pt x="2629310" y="948395"/>
-                  </a:lnTo>
-                  <a:lnTo>
-                    <a:pt x="2957974" y="948395"/>
-                  </a:lnTo>
-                  <a:lnTo>
-                    <a:pt x="2957974" y="948395"/>
+                    <a:pt x="1478987" y="28403"/>
+                  </a:lnTo>
+                  <a:lnTo>
+                    <a:pt x="1588541" y="28403"/>
+                  </a:lnTo>
+                  <a:lnTo>
+                    <a:pt x="1588541" y="85210"/>
+                  </a:lnTo>
+                  <a:lnTo>
+                    <a:pt x="1643319" y="85210"/>
+                  </a:lnTo>
+                  <a:lnTo>
+                    <a:pt x="1643319" y="227228"/>
+                  </a:lnTo>
+                  <a:lnTo>
+                    <a:pt x="1698096" y="227228"/>
+                  </a:lnTo>
+                  <a:lnTo>
+                    <a:pt x="1698096" y="369246"/>
+                  </a:lnTo>
+                  <a:lnTo>
+                    <a:pt x="1752873" y="369246"/>
+                  </a:lnTo>
+                  <a:lnTo>
+                    <a:pt x="1752873" y="482861"/>
+                  </a:lnTo>
+                  <a:lnTo>
+                    <a:pt x="1807650" y="482861"/>
+                  </a:lnTo>
+                  <a:lnTo>
+                    <a:pt x="1807650" y="511264"/>
+                  </a:lnTo>
+                  <a:lnTo>
+                    <a:pt x="1917205" y="511264"/>
+                  </a:lnTo>
+                  <a:lnTo>
+                    <a:pt x="1917205" y="596475"/>
+                  </a:lnTo>
+                  <a:lnTo>
+                    <a:pt x="1971982" y="596475"/>
+                  </a:lnTo>
+                  <a:lnTo>
+                    <a:pt x="1971982" y="710089"/>
+                  </a:lnTo>
+                  <a:lnTo>
+                    <a:pt x="2026760" y="710089"/>
+                  </a:lnTo>
+                  <a:lnTo>
+                    <a:pt x="2026760" y="738493"/>
+                  </a:lnTo>
+                  <a:lnTo>
+                    <a:pt x="2081537" y="738493"/>
+                  </a:lnTo>
+                  <a:lnTo>
+                    <a:pt x="2081537" y="823704"/>
+                  </a:lnTo>
+                  <a:lnTo>
+                    <a:pt x="2191092" y="823704"/>
+                  </a:lnTo>
+                  <a:lnTo>
+                    <a:pt x="2191092" y="852107"/>
+                  </a:lnTo>
+                  <a:lnTo>
+                    <a:pt x="2464978" y="852107"/>
+                  </a:lnTo>
+                  <a:lnTo>
+                    <a:pt x="2464978" y="908914"/>
+                  </a:lnTo>
+                  <a:lnTo>
+                    <a:pt x="2519755" y="908914"/>
+                  </a:lnTo>
+                  <a:lnTo>
+                    <a:pt x="2519755" y="937318"/>
+                  </a:lnTo>
+                  <a:lnTo>
+                    <a:pt x="2574533" y="937318"/>
+                  </a:lnTo>
+                  <a:lnTo>
+                    <a:pt x="2574533" y="965722"/>
+                  </a:lnTo>
+                  <a:lnTo>
+                    <a:pt x="2629310" y="965722"/>
+                  </a:lnTo>
+                  <a:lnTo>
+                    <a:pt x="2629310" y="994125"/>
+                  </a:lnTo>
+                  <a:lnTo>
+                    <a:pt x="2957974" y="994125"/>
+                  </a:lnTo>
+                  <a:lnTo>
+                    <a:pt x="2957974" y="994125"/>
                   </a:lnTo>
                 </a:path>
               </a:pathLst>
@@ -3812,13 +3812,13 @@
           </p:nvSpPr>
           <p:spPr>
             <a:xfrm>
-              <a:off x="1886067" y="1176410"/>
-              <a:ext cx="2957974" cy="731619"/>
+              <a:off x="1886067" y="1045754"/>
+              <a:ext cx="2957974" cy="766896"/>
             </a:xfrm>
             <a:custGeom>
               <a:avLst/>
               <a:pathLst>
-                <a:path w="2957974" h="731619">
+                <a:path w="2957974" h="766896">
                   <a:moveTo>
                     <a:pt x="0" y="0"/>
                   </a:moveTo>
@@ -3826,85 +3826,85 @@
                     <a:pt x="1424209" y="0"/>
                   </a:lnTo>
                   <a:lnTo>
-                    <a:pt x="1424209" y="54194"/>
-                  </a:lnTo>
-                  <a:lnTo>
-                    <a:pt x="1478987" y="54194"/>
-                  </a:lnTo>
-                  <a:lnTo>
-                    <a:pt x="1478987" y="81291"/>
-                  </a:lnTo>
-                  <a:lnTo>
-                    <a:pt x="1588541" y="81291"/>
-                  </a:lnTo>
-                  <a:lnTo>
-                    <a:pt x="1588541" y="216776"/>
-                  </a:lnTo>
-                  <a:lnTo>
-                    <a:pt x="1643319" y="216776"/>
-                  </a:lnTo>
-                  <a:lnTo>
-                    <a:pt x="1643319" y="243873"/>
-                  </a:lnTo>
-                  <a:lnTo>
-                    <a:pt x="1807650" y="243873"/>
-                  </a:lnTo>
-                  <a:lnTo>
-                    <a:pt x="1807650" y="270970"/>
-                  </a:lnTo>
-                  <a:lnTo>
-                    <a:pt x="1862428" y="270970"/>
-                  </a:lnTo>
-                  <a:lnTo>
-                    <a:pt x="1862428" y="379358"/>
-                  </a:lnTo>
-                  <a:lnTo>
-                    <a:pt x="1917205" y="379358"/>
-                  </a:lnTo>
-                  <a:lnTo>
-                    <a:pt x="1917205" y="514843"/>
-                  </a:lnTo>
-                  <a:lnTo>
-                    <a:pt x="1971982" y="514843"/>
-                  </a:lnTo>
-                  <a:lnTo>
-                    <a:pt x="1971982" y="569037"/>
-                  </a:lnTo>
-                  <a:lnTo>
-                    <a:pt x="2026760" y="569037"/>
-                  </a:lnTo>
-                  <a:lnTo>
-                    <a:pt x="2026760" y="623231"/>
-                  </a:lnTo>
-                  <a:lnTo>
-                    <a:pt x="2081537" y="623231"/>
-                  </a:lnTo>
-                  <a:lnTo>
-                    <a:pt x="2081537" y="650328"/>
-                  </a:lnTo>
-                  <a:lnTo>
-                    <a:pt x="2136314" y="650328"/>
-                  </a:lnTo>
-                  <a:lnTo>
-                    <a:pt x="2136314" y="677425"/>
-                  </a:lnTo>
-                  <a:lnTo>
-                    <a:pt x="2574533" y="677425"/>
-                  </a:lnTo>
-                  <a:lnTo>
-                    <a:pt x="2574533" y="704522"/>
-                  </a:lnTo>
-                  <a:lnTo>
-                    <a:pt x="2793642" y="704522"/>
-                  </a:lnTo>
-                  <a:lnTo>
-                    <a:pt x="2793642" y="731619"/>
-                  </a:lnTo>
-                  <a:lnTo>
-                    <a:pt x="2957974" y="731619"/>
-                  </a:lnTo>
-                  <a:lnTo>
-                    <a:pt x="2957974" y="731619"/>
+                    <a:pt x="1424209" y="56807"/>
+                  </a:lnTo>
+                  <a:lnTo>
+                    <a:pt x="1478987" y="56807"/>
+                  </a:lnTo>
+                  <a:lnTo>
+                    <a:pt x="1478987" y="85210"/>
+                  </a:lnTo>
+                  <a:lnTo>
+                    <a:pt x="1588541" y="85210"/>
+                  </a:lnTo>
+                  <a:lnTo>
+                    <a:pt x="1588541" y="227228"/>
+                  </a:lnTo>
+                  <a:lnTo>
+                    <a:pt x="1643319" y="227228"/>
+                  </a:lnTo>
+                  <a:lnTo>
+                    <a:pt x="1643319" y="255632"/>
+                  </a:lnTo>
+                  <a:lnTo>
+                    <a:pt x="1807650" y="255632"/>
+                  </a:lnTo>
+                  <a:lnTo>
+                    <a:pt x="1807650" y="284035"/>
+                  </a:lnTo>
+                  <a:lnTo>
+                    <a:pt x="1862428" y="284035"/>
+                  </a:lnTo>
+                  <a:lnTo>
+                    <a:pt x="1862428" y="397650"/>
+                  </a:lnTo>
+                  <a:lnTo>
+                    <a:pt x="1917205" y="397650"/>
+                  </a:lnTo>
+                  <a:lnTo>
+                    <a:pt x="1917205" y="539668"/>
+                  </a:lnTo>
+                  <a:lnTo>
+                    <a:pt x="1971982" y="539668"/>
+                  </a:lnTo>
+                  <a:lnTo>
+                    <a:pt x="1971982" y="596475"/>
+                  </a:lnTo>
+                  <a:lnTo>
+                    <a:pt x="2026760" y="596475"/>
+                  </a:lnTo>
+                  <a:lnTo>
+                    <a:pt x="2026760" y="653282"/>
+                  </a:lnTo>
+                  <a:lnTo>
+                    <a:pt x="2081537" y="653282"/>
+                  </a:lnTo>
+                  <a:lnTo>
+                    <a:pt x="2081537" y="681686"/>
+                  </a:lnTo>
+                  <a:lnTo>
+                    <a:pt x="2136314" y="681686"/>
+                  </a:lnTo>
+                  <a:lnTo>
+                    <a:pt x="2136314" y="710089"/>
+                  </a:lnTo>
+                  <a:lnTo>
+                    <a:pt x="2574533" y="710089"/>
+                  </a:lnTo>
+                  <a:lnTo>
+                    <a:pt x="2574533" y="738493"/>
+                  </a:lnTo>
+                  <a:lnTo>
+                    <a:pt x="2793642" y="738493"/>
+                  </a:lnTo>
+                  <a:lnTo>
+                    <a:pt x="2793642" y="766896"/>
+                  </a:lnTo>
+                  <a:lnTo>
+                    <a:pt x="2957974" y="766896"/>
+                  </a:lnTo>
+                  <a:lnTo>
+                    <a:pt x="2957974" y="766896"/>
                   </a:lnTo>
                 </a:path>
               </a:pathLst>
@@ -3933,13 +3933,13 @@
           </p:nvSpPr>
           <p:spPr>
             <a:xfrm>
-              <a:off x="1886067" y="1176410"/>
-              <a:ext cx="2957974" cy="921298"/>
+              <a:off x="1886067" y="1045754"/>
+              <a:ext cx="2957974" cy="965722"/>
             </a:xfrm>
             <a:custGeom>
               <a:avLst/>
               <a:pathLst>
-                <a:path w="2957974" h="921298">
+                <a:path w="2957974" h="965722">
                   <a:moveTo>
                     <a:pt x="0" y="0"/>
                   </a:moveTo>
@@ -3947,109 +3947,109 @@
                     <a:pt x="1040768" y="0"/>
                   </a:lnTo>
                   <a:lnTo>
-                    <a:pt x="1040768" y="27097"/>
-                  </a:lnTo>
-                  <a:lnTo>
-                    <a:pt x="1150323" y="27097"/>
-                  </a:lnTo>
-                  <a:lnTo>
-                    <a:pt x="1150323" y="54194"/>
-                  </a:lnTo>
-                  <a:lnTo>
-                    <a:pt x="1205100" y="54194"/>
-                  </a:lnTo>
-                  <a:lnTo>
-                    <a:pt x="1205100" y="81291"/>
-                  </a:lnTo>
-                  <a:lnTo>
-                    <a:pt x="1369432" y="81291"/>
-                  </a:lnTo>
-                  <a:lnTo>
-                    <a:pt x="1369432" y="108388"/>
-                  </a:lnTo>
-                  <a:lnTo>
-                    <a:pt x="1533764" y="108388"/>
-                  </a:lnTo>
-                  <a:lnTo>
-                    <a:pt x="1533764" y="135485"/>
-                  </a:lnTo>
-                  <a:lnTo>
-                    <a:pt x="1643319" y="135485"/>
-                  </a:lnTo>
-                  <a:lnTo>
-                    <a:pt x="1643319" y="162582"/>
-                  </a:lnTo>
-                  <a:lnTo>
-                    <a:pt x="1698096" y="162582"/>
-                  </a:lnTo>
-                  <a:lnTo>
-                    <a:pt x="1698096" y="298067"/>
-                  </a:lnTo>
-                  <a:lnTo>
-                    <a:pt x="1807650" y="298067"/>
-                  </a:lnTo>
-                  <a:lnTo>
-                    <a:pt x="1807650" y="325164"/>
-                  </a:lnTo>
-                  <a:lnTo>
-                    <a:pt x="1862428" y="325164"/>
-                  </a:lnTo>
-                  <a:lnTo>
-                    <a:pt x="1862428" y="406455"/>
-                  </a:lnTo>
-                  <a:lnTo>
-                    <a:pt x="1917205" y="406455"/>
-                  </a:lnTo>
-                  <a:lnTo>
-                    <a:pt x="1917205" y="541940"/>
-                  </a:lnTo>
-                  <a:lnTo>
-                    <a:pt x="1971982" y="541940"/>
-                  </a:lnTo>
-                  <a:lnTo>
-                    <a:pt x="1971982" y="596134"/>
-                  </a:lnTo>
-                  <a:lnTo>
-                    <a:pt x="2026760" y="596134"/>
-                  </a:lnTo>
-                  <a:lnTo>
-                    <a:pt x="2026760" y="623231"/>
-                  </a:lnTo>
-                  <a:lnTo>
-                    <a:pt x="2081537" y="623231"/>
-                  </a:lnTo>
-                  <a:lnTo>
-                    <a:pt x="2081537" y="704522"/>
-                  </a:lnTo>
-                  <a:lnTo>
-                    <a:pt x="2136314" y="704522"/>
-                  </a:lnTo>
-                  <a:lnTo>
-                    <a:pt x="2136314" y="812910"/>
-                  </a:lnTo>
-                  <a:lnTo>
-                    <a:pt x="2191092" y="812910"/>
-                  </a:lnTo>
-                  <a:lnTo>
-                    <a:pt x="2191092" y="840007"/>
-                  </a:lnTo>
-                  <a:lnTo>
-                    <a:pt x="2300646" y="840007"/>
-                  </a:lnTo>
-                  <a:lnTo>
-                    <a:pt x="2300646" y="867104"/>
-                  </a:lnTo>
-                  <a:lnTo>
-                    <a:pt x="2629310" y="867104"/>
-                  </a:lnTo>
-                  <a:lnTo>
-                    <a:pt x="2629310" y="894201"/>
-                  </a:lnTo>
-                  <a:lnTo>
-                    <a:pt x="2957974" y="894201"/>
-                  </a:lnTo>
-                  <a:lnTo>
-                    <a:pt x="2957974" y="921298"/>
+                    <a:pt x="1040768" y="28403"/>
+                  </a:lnTo>
+                  <a:lnTo>
+                    <a:pt x="1150323" y="28403"/>
+                  </a:lnTo>
+                  <a:lnTo>
+                    <a:pt x="1150323" y="56807"/>
+                  </a:lnTo>
+                  <a:lnTo>
+                    <a:pt x="1205100" y="56807"/>
+                  </a:lnTo>
+                  <a:lnTo>
+                    <a:pt x="1205100" y="85210"/>
+                  </a:lnTo>
+                  <a:lnTo>
+                    <a:pt x="1369432" y="85210"/>
+                  </a:lnTo>
+                  <a:lnTo>
+                    <a:pt x="1369432" y="113614"/>
+                  </a:lnTo>
+                  <a:lnTo>
+                    <a:pt x="1533764" y="113614"/>
+                  </a:lnTo>
+                  <a:lnTo>
+                    <a:pt x="1533764" y="142017"/>
+                  </a:lnTo>
+                  <a:lnTo>
+                    <a:pt x="1643319" y="142017"/>
+                  </a:lnTo>
+                  <a:lnTo>
+                    <a:pt x="1643319" y="170421"/>
+                  </a:lnTo>
+                  <a:lnTo>
+                    <a:pt x="1698096" y="170421"/>
+                  </a:lnTo>
+                  <a:lnTo>
+                    <a:pt x="1698096" y="312439"/>
+                  </a:lnTo>
+                  <a:lnTo>
+                    <a:pt x="1807650" y="312439"/>
+                  </a:lnTo>
+                  <a:lnTo>
+                    <a:pt x="1807650" y="340843"/>
+                  </a:lnTo>
+                  <a:lnTo>
+                    <a:pt x="1862428" y="340843"/>
+                  </a:lnTo>
+                  <a:lnTo>
+                    <a:pt x="1862428" y="426053"/>
+                  </a:lnTo>
+                  <a:lnTo>
+                    <a:pt x="1917205" y="426053"/>
+                  </a:lnTo>
+                  <a:lnTo>
+                    <a:pt x="1917205" y="568071"/>
+                  </a:lnTo>
+                  <a:lnTo>
+                    <a:pt x="1971982" y="568071"/>
+                  </a:lnTo>
+                  <a:lnTo>
+                    <a:pt x="1971982" y="624878"/>
+                  </a:lnTo>
+                  <a:lnTo>
+                    <a:pt x="2026760" y="624878"/>
+                  </a:lnTo>
+                  <a:lnTo>
+                    <a:pt x="2026760" y="653282"/>
+                  </a:lnTo>
+                  <a:lnTo>
+                    <a:pt x="2081537" y="653282"/>
+                  </a:lnTo>
+                  <a:lnTo>
+                    <a:pt x="2081537" y="738493"/>
+                  </a:lnTo>
+                  <a:lnTo>
+                    <a:pt x="2136314" y="738493"/>
+                  </a:lnTo>
+                  <a:lnTo>
+                    <a:pt x="2136314" y="852107"/>
+                  </a:lnTo>
+                  <a:lnTo>
+                    <a:pt x="2191092" y="852107"/>
+                  </a:lnTo>
+                  <a:lnTo>
+                    <a:pt x="2191092" y="880511"/>
+                  </a:lnTo>
+                  <a:lnTo>
+                    <a:pt x="2300646" y="880511"/>
+                  </a:lnTo>
+                  <a:lnTo>
+                    <a:pt x="2300646" y="908914"/>
+                  </a:lnTo>
+                  <a:lnTo>
+                    <a:pt x="2629310" y="908914"/>
+                  </a:lnTo>
+                  <a:lnTo>
+                    <a:pt x="2629310" y="937318"/>
+                  </a:lnTo>
+                  <a:lnTo>
+                    <a:pt x="2957974" y="937318"/>
+                  </a:lnTo>
+                  <a:lnTo>
+                    <a:pt x="2957974" y="965722"/>
                   </a:lnTo>
                 </a:path>
               </a:pathLst>
@@ -4078,7 +4078,7 @@
           </p:nvSpPr>
           <p:spPr>
             <a:xfrm>
-              <a:off x="4770891" y="2070071"/>
+              <a:off x="4770891" y="1985144"/>
               <a:ext cx="146301" cy="109470"/>
             </a:xfrm>
             <a:prstGeom prst="rect">
@@ -4124,7 +4124,7 @@
           </p:nvSpPr>
           <p:spPr>
             <a:xfrm>
-              <a:off x="4770891" y="2178459"/>
+              <a:off x="4770891" y="2098758"/>
               <a:ext cx="146301" cy="109470"/>
             </a:xfrm>
             <a:prstGeom prst="rect">
@@ -4170,7 +4170,7 @@
           </p:nvSpPr>
           <p:spPr>
             <a:xfrm>
-              <a:off x="4770891" y="2015877"/>
+              <a:off x="4770891" y="1928337"/>
               <a:ext cx="146301" cy="109470"/>
             </a:xfrm>
             <a:prstGeom prst="rect">
@@ -4216,7 +4216,7 @@
           </p:nvSpPr>
           <p:spPr>
             <a:xfrm>
-              <a:off x="4770891" y="2124265"/>
+              <a:off x="4770891" y="2041951"/>
               <a:ext cx="146301" cy="109470"/>
             </a:xfrm>
             <a:prstGeom prst="rect">
@@ -4262,7 +4262,7 @@
           </p:nvSpPr>
           <p:spPr>
             <a:xfrm>
-              <a:off x="4770891" y="2097168"/>
+              <a:off x="4770891" y="2013548"/>
               <a:ext cx="146301" cy="109470"/>
             </a:xfrm>
             <a:prstGeom prst="rect">
@@ -4308,7 +4308,7 @@
           </p:nvSpPr>
           <p:spPr>
             <a:xfrm>
-              <a:off x="4770891" y="2070071"/>
+              <a:off x="4770891" y="1985144"/>
               <a:ext cx="146301" cy="109470"/>
             </a:xfrm>
             <a:prstGeom prst="rect">
@@ -4354,7 +4354,7 @@
           </p:nvSpPr>
           <p:spPr>
             <a:xfrm>
-              <a:off x="4770891" y="1853294"/>
+              <a:off x="4770891" y="1757915"/>
               <a:ext cx="146301" cy="109470"/>
             </a:xfrm>
             <a:prstGeom prst="rect">
@@ -4400,7 +4400,7 @@
           </p:nvSpPr>
           <p:spPr>
             <a:xfrm>
-              <a:off x="4770891" y="1934586"/>
+              <a:off x="4770891" y="1843126"/>
               <a:ext cx="146301" cy="109470"/>
             </a:xfrm>
             <a:prstGeom prst="rect">
@@ -4446,7 +4446,7 @@
           </p:nvSpPr>
           <p:spPr>
             <a:xfrm>
-              <a:off x="4770891" y="1961683"/>
+              <a:off x="4770891" y="1871530"/>
               <a:ext cx="146301" cy="109470"/>
             </a:xfrm>
             <a:prstGeom prst="rect">
@@ -4492,7 +4492,7 @@
           </p:nvSpPr>
           <p:spPr>
             <a:xfrm>
-              <a:off x="4770891" y="2070071"/>
+              <a:off x="4770891" y="1985144"/>
               <a:ext cx="146301" cy="109470"/>
             </a:xfrm>
             <a:prstGeom prst="rect">
@@ -4538,7 +4538,7 @@
           </p:nvSpPr>
           <p:spPr>
             <a:xfrm>
-              <a:off x="4770891" y="1853294"/>
+              <a:off x="4770891" y="1757915"/>
               <a:ext cx="146301" cy="109470"/>
             </a:xfrm>
             <a:prstGeom prst="rect">
@@ -4584,7 +4584,7 @@
           </p:nvSpPr>
           <p:spPr>
             <a:xfrm>
-              <a:off x="4770891" y="2042974"/>
+              <a:off x="4770891" y="1956740"/>
               <a:ext cx="146301" cy="109470"/>
             </a:xfrm>
             <a:prstGeom prst="rect">
@@ -4737,7 +4737,7 @@
           </p:nvSpPr>
           <p:spPr>
             <a:xfrm>
-              <a:off x="1342307" y="3559406"/>
+              <a:off x="1342307" y="3546341"/>
               <a:ext cx="316150" cy="107582"/>
             </a:xfrm>
             <a:prstGeom prst="rect">
@@ -4783,7 +4783,7 @@
           </p:nvSpPr>
           <p:spPr>
             <a:xfrm>
-              <a:off x="1342307" y="3288436"/>
+              <a:off x="1342307" y="3262305"/>
               <a:ext cx="316150" cy="107582"/>
             </a:xfrm>
             <a:prstGeom prst="rect">
@@ -4829,7 +4829,7 @@
           </p:nvSpPr>
           <p:spPr>
             <a:xfrm>
-              <a:off x="1342307" y="3017466"/>
+              <a:off x="1342307" y="2978269"/>
               <a:ext cx="316150" cy="107582"/>
             </a:xfrm>
             <a:prstGeom prst="rect">
@@ -4875,7 +4875,7 @@
           </p:nvSpPr>
           <p:spPr>
             <a:xfrm>
-              <a:off x="1342307" y="2746495"/>
+              <a:off x="1342307" y="2694233"/>
               <a:ext cx="316150" cy="107582"/>
             </a:xfrm>
             <a:prstGeom prst="rect">
@@ -4921,7 +4921,7 @@
           </p:nvSpPr>
           <p:spPr>
             <a:xfrm>
-              <a:off x="1342307" y="2475525"/>
+              <a:off x="1342307" y="2410197"/>
               <a:ext cx="316150" cy="107582"/>
             </a:xfrm>
             <a:prstGeom prst="rect">
@@ -4967,7 +4967,7 @@
           </p:nvSpPr>
           <p:spPr>
             <a:xfrm>
-              <a:off x="1342307" y="2204555"/>
+              <a:off x="1342307" y="2126161"/>
               <a:ext cx="316150" cy="107582"/>
             </a:xfrm>
             <a:prstGeom prst="rect">
@@ -5013,7 +5013,7 @@
           </p:nvSpPr>
           <p:spPr>
             <a:xfrm>
-              <a:off x="1342307" y="1933585"/>
+              <a:off x="1342307" y="1842125"/>
               <a:ext cx="316150" cy="107582"/>
             </a:xfrm>
             <a:prstGeom prst="rect">
@@ -5059,7 +5059,7 @@
           </p:nvSpPr>
           <p:spPr>
             <a:xfrm>
-              <a:off x="1342307" y="1662615"/>
+              <a:off x="1342307" y="1558089"/>
               <a:ext cx="316150" cy="107582"/>
             </a:xfrm>
             <a:prstGeom prst="rect">
@@ -5105,7 +5105,7 @@
           </p:nvSpPr>
           <p:spPr>
             <a:xfrm>
-              <a:off x="1342307" y="1391644"/>
+              <a:off x="1342307" y="1274053"/>
               <a:ext cx="316150" cy="107582"/>
             </a:xfrm>
             <a:prstGeom prst="rect">
@@ -5151,7 +5151,7 @@
           </p:nvSpPr>
           <p:spPr>
             <a:xfrm>
-              <a:off x="1251810" y="1120674"/>
+              <a:off x="1251810" y="990018"/>
               <a:ext cx="406648" cy="107582"/>
             </a:xfrm>
             <a:prstGeom prst="rect">
@@ -5237,7 +5237,7 @@
           </p:nvSpPr>
           <p:spPr>
             <a:xfrm>
-              <a:off x="1693885" y="3615142"/>
+              <a:off x="1693885" y="3602077"/>
               <a:ext cx="44283" cy="0"/>
             </a:xfrm>
             <a:custGeom>
@@ -5277,7 +5277,7 @@
           </p:nvSpPr>
           <p:spPr>
             <a:xfrm>
-              <a:off x="1693885" y="3344172"/>
+              <a:off x="1693885" y="3318041"/>
               <a:ext cx="44283" cy="0"/>
             </a:xfrm>
             <a:custGeom>
@@ -5317,7 +5317,7 @@
           </p:nvSpPr>
           <p:spPr>
             <a:xfrm>
-              <a:off x="1693885" y="3073202"/>
+              <a:off x="1693885" y="3034005"/>
               <a:ext cx="44283" cy="0"/>
             </a:xfrm>
             <a:custGeom>
@@ -5357,7 +5357,7 @@
           </p:nvSpPr>
           <p:spPr>
             <a:xfrm>
-              <a:off x="1693885" y="2802232"/>
+              <a:off x="1693885" y="2749969"/>
               <a:ext cx="44283" cy="0"/>
             </a:xfrm>
             <a:custGeom>
@@ -5397,7 +5397,7 @@
           </p:nvSpPr>
           <p:spPr>
             <a:xfrm>
-              <a:off x="1693885" y="2531261"/>
+              <a:off x="1693885" y="2465933"/>
               <a:ext cx="44283" cy="0"/>
             </a:xfrm>
             <a:custGeom>
@@ -5437,7 +5437,7 @@
           </p:nvSpPr>
           <p:spPr>
             <a:xfrm>
-              <a:off x="1693885" y="2260291"/>
+              <a:off x="1693885" y="2181897"/>
               <a:ext cx="44283" cy="0"/>
             </a:xfrm>
             <a:custGeom>
@@ -5477,7 +5477,7 @@
           </p:nvSpPr>
           <p:spPr>
             <a:xfrm>
-              <a:off x="1693885" y="1989321"/>
+              <a:off x="1693885" y="1897861"/>
               <a:ext cx="44283" cy="0"/>
             </a:xfrm>
             <a:custGeom>
@@ -5517,7 +5517,7 @@
           </p:nvSpPr>
           <p:spPr>
             <a:xfrm>
-              <a:off x="1693885" y="1718351"/>
+              <a:off x="1693885" y="1613825"/>
               <a:ext cx="44283" cy="0"/>
             </a:xfrm>
             <a:custGeom>
@@ -5557,7 +5557,7 @@
           </p:nvSpPr>
           <p:spPr>
             <a:xfrm>
-              <a:off x="1693885" y="1447380"/>
+              <a:off x="1693885" y="1329790"/>
               <a:ext cx="44283" cy="0"/>
             </a:xfrm>
             <a:custGeom>
@@ -5597,7 +5597,7 @@
           </p:nvSpPr>
           <p:spPr>
             <a:xfrm>
-              <a:off x="1693885" y="1176410"/>
+              <a:off x="1693885" y="1045754"/>
               <a:ext cx="44283" cy="0"/>
             </a:xfrm>
             <a:custGeom>

--- a/reference/QCATC777-Survival-Curve.pptx
+++ b/reference/QCATC777-Survival-Curve.pptx
@@ -2350,13 +2350,13 @@
           </p:nvSpPr>
           <p:spPr>
             <a:xfrm>
-              <a:off x="1886067" y="1045754"/>
-              <a:ext cx="2957974" cy="994125"/>
+              <a:off x="1886067" y="1176410"/>
+              <a:ext cx="2957974" cy="948395"/>
             </a:xfrm>
             <a:custGeom>
               <a:avLst/>
               <a:pathLst>
-                <a:path w="2957974" h="994125">
+                <a:path w="2957974" h="948395">
                   <a:moveTo>
                     <a:pt x="0" y="0"/>
                   </a:moveTo>
@@ -2364,121 +2364,121 @@
                     <a:pt x="1478987" y="0"/>
                   </a:lnTo>
                   <a:lnTo>
-                    <a:pt x="1478987" y="28403"/>
-                  </a:lnTo>
-                  <a:lnTo>
-                    <a:pt x="1643319" y="28403"/>
-                  </a:lnTo>
-                  <a:lnTo>
-                    <a:pt x="1643319" y="56807"/>
-                  </a:lnTo>
-                  <a:lnTo>
-                    <a:pt x="1698096" y="56807"/>
-                  </a:lnTo>
-                  <a:lnTo>
-                    <a:pt x="1698096" y="85210"/>
-                  </a:lnTo>
-                  <a:lnTo>
-                    <a:pt x="1752873" y="85210"/>
-                  </a:lnTo>
-                  <a:lnTo>
-                    <a:pt x="1752873" y="113614"/>
-                  </a:lnTo>
-                  <a:lnTo>
-                    <a:pt x="1807650" y="113614"/>
-                  </a:lnTo>
-                  <a:lnTo>
-                    <a:pt x="1807650" y="142017"/>
-                  </a:lnTo>
-                  <a:lnTo>
-                    <a:pt x="1862428" y="142017"/>
-                  </a:lnTo>
-                  <a:lnTo>
-                    <a:pt x="1862428" y="170421"/>
-                  </a:lnTo>
-                  <a:lnTo>
-                    <a:pt x="1917205" y="170421"/>
-                  </a:lnTo>
-                  <a:lnTo>
-                    <a:pt x="1917205" y="198825"/>
-                  </a:lnTo>
-                  <a:lnTo>
-                    <a:pt x="1971982" y="198825"/>
-                  </a:lnTo>
-                  <a:lnTo>
-                    <a:pt x="1971982" y="312439"/>
-                  </a:lnTo>
-                  <a:lnTo>
-                    <a:pt x="2026760" y="312439"/>
-                  </a:lnTo>
-                  <a:lnTo>
-                    <a:pt x="2026760" y="426053"/>
-                  </a:lnTo>
-                  <a:lnTo>
-                    <a:pt x="2081537" y="426053"/>
-                  </a:lnTo>
-                  <a:lnTo>
-                    <a:pt x="2081537" y="482861"/>
-                  </a:lnTo>
-                  <a:lnTo>
-                    <a:pt x="2136314" y="482861"/>
-                  </a:lnTo>
-                  <a:lnTo>
-                    <a:pt x="2136314" y="568071"/>
-                  </a:lnTo>
-                  <a:lnTo>
-                    <a:pt x="2191092" y="568071"/>
-                  </a:lnTo>
-                  <a:lnTo>
-                    <a:pt x="2191092" y="624878"/>
-                  </a:lnTo>
-                  <a:lnTo>
-                    <a:pt x="2245869" y="624878"/>
-                  </a:lnTo>
-                  <a:lnTo>
-                    <a:pt x="2245869" y="681686"/>
-                  </a:lnTo>
-                  <a:lnTo>
-                    <a:pt x="2355424" y="681686"/>
-                  </a:lnTo>
-                  <a:lnTo>
-                    <a:pt x="2355424" y="710089"/>
-                  </a:lnTo>
-                  <a:lnTo>
-                    <a:pt x="2464978" y="710089"/>
-                  </a:lnTo>
-                  <a:lnTo>
-                    <a:pt x="2464978" y="795300"/>
-                  </a:lnTo>
-                  <a:lnTo>
-                    <a:pt x="2574533" y="795300"/>
-                  </a:lnTo>
-                  <a:lnTo>
-                    <a:pt x="2574533" y="880511"/>
-                  </a:lnTo>
-                  <a:lnTo>
-                    <a:pt x="2629310" y="880511"/>
-                  </a:lnTo>
-                  <a:lnTo>
-                    <a:pt x="2629310" y="937318"/>
-                  </a:lnTo>
-                  <a:lnTo>
-                    <a:pt x="2684087" y="937318"/>
-                  </a:lnTo>
-                  <a:lnTo>
-                    <a:pt x="2684087" y="965722"/>
-                  </a:lnTo>
-                  <a:lnTo>
-                    <a:pt x="2738865" y="965722"/>
-                  </a:lnTo>
-                  <a:lnTo>
-                    <a:pt x="2738865" y="994125"/>
-                  </a:lnTo>
-                  <a:lnTo>
-                    <a:pt x="2957974" y="994125"/>
-                  </a:lnTo>
-                  <a:lnTo>
-                    <a:pt x="2957974" y="994125"/>
+                    <a:pt x="1478987" y="27097"/>
+                  </a:lnTo>
+                  <a:lnTo>
+                    <a:pt x="1643319" y="27097"/>
+                  </a:lnTo>
+                  <a:lnTo>
+                    <a:pt x="1643319" y="54194"/>
+                  </a:lnTo>
+                  <a:lnTo>
+                    <a:pt x="1698096" y="54194"/>
+                  </a:lnTo>
+                  <a:lnTo>
+                    <a:pt x="1698096" y="81291"/>
+                  </a:lnTo>
+                  <a:lnTo>
+                    <a:pt x="1752873" y="81291"/>
+                  </a:lnTo>
+                  <a:lnTo>
+                    <a:pt x="1752873" y="108388"/>
+                  </a:lnTo>
+                  <a:lnTo>
+                    <a:pt x="1807650" y="108388"/>
+                  </a:lnTo>
+                  <a:lnTo>
+                    <a:pt x="1807650" y="135485"/>
+                  </a:lnTo>
+                  <a:lnTo>
+                    <a:pt x="1862428" y="135485"/>
+                  </a:lnTo>
+                  <a:lnTo>
+                    <a:pt x="1862428" y="162582"/>
+                  </a:lnTo>
+                  <a:lnTo>
+                    <a:pt x="1917205" y="162582"/>
+                  </a:lnTo>
+                  <a:lnTo>
+                    <a:pt x="1917205" y="189679"/>
+                  </a:lnTo>
+                  <a:lnTo>
+                    <a:pt x="1971982" y="189679"/>
+                  </a:lnTo>
+                  <a:lnTo>
+                    <a:pt x="1971982" y="298067"/>
+                  </a:lnTo>
+                  <a:lnTo>
+                    <a:pt x="2026760" y="298067"/>
+                  </a:lnTo>
+                  <a:lnTo>
+                    <a:pt x="2026760" y="406455"/>
+                  </a:lnTo>
+                  <a:lnTo>
+                    <a:pt x="2081537" y="406455"/>
+                  </a:lnTo>
+                  <a:lnTo>
+                    <a:pt x="2081537" y="460649"/>
+                  </a:lnTo>
+                  <a:lnTo>
+                    <a:pt x="2136314" y="460649"/>
+                  </a:lnTo>
+                  <a:lnTo>
+                    <a:pt x="2136314" y="541940"/>
+                  </a:lnTo>
+                  <a:lnTo>
+                    <a:pt x="2191092" y="541940"/>
+                  </a:lnTo>
+                  <a:lnTo>
+                    <a:pt x="2191092" y="596134"/>
+                  </a:lnTo>
+                  <a:lnTo>
+                    <a:pt x="2245869" y="596134"/>
+                  </a:lnTo>
+                  <a:lnTo>
+                    <a:pt x="2245869" y="650328"/>
+                  </a:lnTo>
+                  <a:lnTo>
+                    <a:pt x="2355424" y="650328"/>
+                  </a:lnTo>
+                  <a:lnTo>
+                    <a:pt x="2355424" y="677425"/>
+                  </a:lnTo>
+                  <a:lnTo>
+                    <a:pt x="2464978" y="677425"/>
+                  </a:lnTo>
+                  <a:lnTo>
+                    <a:pt x="2464978" y="758716"/>
+                  </a:lnTo>
+                  <a:lnTo>
+                    <a:pt x="2574533" y="758716"/>
+                  </a:lnTo>
+                  <a:lnTo>
+                    <a:pt x="2574533" y="840007"/>
+                  </a:lnTo>
+                  <a:lnTo>
+                    <a:pt x="2629310" y="840007"/>
+                  </a:lnTo>
+                  <a:lnTo>
+                    <a:pt x="2629310" y="894201"/>
+                  </a:lnTo>
+                  <a:lnTo>
+                    <a:pt x="2684087" y="894201"/>
+                  </a:lnTo>
+                  <a:lnTo>
+                    <a:pt x="2684087" y="921298"/>
+                  </a:lnTo>
+                  <a:lnTo>
+                    <a:pt x="2738865" y="921298"/>
+                  </a:lnTo>
+                  <a:lnTo>
+                    <a:pt x="2738865" y="948395"/>
+                  </a:lnTo>
+                  <a:lnTo>
+                    <a:pt x="2957974" y="948395"/>
+                  </a:lnTo>
+                  <a:lnTo>
+                    <a:pt x="2957974" y="948395"/>
                   </a:lnTo>
                 </a:path>
               </a:pathLst>
@@ -2507,13 +2507,13 @@
           </p:nvSpPr>
           <p:spPr>
             <a:xfrm>
-              <a:off x="1886067" y="1045754"/>
-              <a:ext cx="2957974" cy="1107739"/>
+              <a:off x="1886067" y="1176410"/>
+              <a:ext cx="2957974" cy="1056783"/>
             </a:xfrm>
             <a:custGeom>
               <a:avLst/>
               <a:pathLst>
-                <a:path w="2957974" h="1107739">
+                <a:path w="2957974" h="1056783">
                   <a:moveTo>
                     <a:pt x="0" y="0"/>
                   </a:moveTo>
@@ -2521,97 +2521,97 @@
                     <a:pt x="1424209" y="0"/>
                   </a:lnTo>
                   <a:lnTo>
-                    <a:pt x="1424209" y="28403"/>
-                  </a:lnTo>
-                  <a:lnTo>
-                    <a:pt x="1478987" y="28403"/>
-                  </a:lnTo>
-                  <a:lnTo>
-                    <a:pt x="1478987" y="85210"/>
-                  </a:lnTo>
-                  <a:lnTo>
-                    <a:pt x="1643319" y="85210"/>
-                  </a:lnTo>
-                  <a:lnTo>
-                    <a:pt x="1643319" y="142017"/>
-                  </a:lnTo>
-                  <a:lnTo>
-                    <a:pt x="1698096" y="142017"/>
-                  </a:lnTo>
-                  <a:lnTo>
-                    <a:pt x="1698096" y="198825"/>
-                  </a:lnTo>
-                  <a:lnTo>
-                    <a:pt x="1752873" y="198825"/>
-                  </a:lnTo>
-                  <a:lnTo>
-                    <a:pt x="1752873" y="369246"/>
-                  </a:lnTo>
-                  <a:lnTo>
-                    <a:pt x="1807650" y="369246"/>
-                  </a:lnTo>
-                  <a:lnTo>
-                    <a:pt x="1807650" y="482861"/>
-                  </a:lnTo>
-                  <a:lnTo>
-                    <a:pt x="1862428" y="482861"/>
-                  </a:lnTo>
-                  <a:lnTo>
-                    <a:pt x="1862428" y="568071"/>
-                  </a:lnTo>
-                  <a:lnTo>
-                    <a:pt x="1917205" y="568071"/>
-                  </a:lnTo>
-                  <a:lnTo>
-                    <a:pt x="1917205" y="710089"/>
-                  </a:lnTo>
-                  <a:lnTo>
-                    <a:pt x="1971982" y="710089"/>
-                  </a:lnTo>
-                  <a:lnTo>
-                    <a:pt x="1971982" y="852107"/>
-                  </a:lnTo>
-                  <a:lnTo>
-                    <a:pt x="2026760" y="852107"/>
-                  </a:lnTo>
-                  <a:lnTo>
-                    <a:pt x="2026760" y="908914"/>
-                  </a:lnTo>
-                  <a:lnTo>
-                    <a:pt x="2081537" y="908914"/>
-                  </a:lnTo>
-                  <a:lnTo>
-                    <a:pt x="2081537" y="937318"/>
-                  </a:lnTo>
-                  <a:lnTo>
-                    <a:pt x="2136314" y="937318"/>
-                  </a:lnTo>
-                  <a:lnTo>
-                    <a:pt x="2136314" y="965722"/>
-                  </a:lnTo>
-                  <a:lnTo>
-                    <a:pt x="2191092" y="965722"/>
-                  </a:lnTo>
-                  <a:lnTo>
-                    <a:pt x="2191092" y="1022529"/>
-                  </a:lnTo>
-                  <a:lnTo>
-                    <a:pt x="2574533" y="1022529"/>
-                  </a:lnTo>
-                  <a:lnTo>
-                    <a:pt x="2574533" y="1050932"/>
-                  </a:lnTo>
-                  <a:lnTo>
-                    <a:pt x="2629310" y="1050932"/>
-                  </a:lnTo>
-                  <a:lnTo>
-                    <a:pt x="2629310" y="1079336"/>
-                  </a:lnTo>
-                  <a:lnTo>
-                    <a:pt x="2957974" y="1079336"/>
-                  </a:lnTo>
-                  <a:lnTo>
-                    <a:pt x="2957974" y="1107739"/>
+                    <a:pt x="1424209" y="27097"/>
+                  </a:lnTo>
+                  <a:lnTo>
+                    <a:pt x="1478987" y="27097"/>
+                  </a:lnTo>
+                  <a:lnTo>
+                    <a:pt x="1478987" y="81291"/>
+                  </a:lnTo>
+                  <a:lnTo>
+                    <a:pt x="1643319" y="81291"/>
+                  </a:lnTo>
+                  <a:lnTo>
+                    <a:pt x="1643319" y="135485"/>
+                  </a:lnTo>
+                  <a:lnTo>
+                    <a:pt x="1698096" y="135485"/>
+                  </a:lnTo>
+                  <a:lnTo>
+                    <a:pt x="1698096" y="189679"/>
+                  </a:lnTo>
+                  <a:lnTo>
+                    <a:pt x="1752873" y="189679"/>
+                  </a:lnTo>
+                  <a:lnTo>
+                    <a:pt x="1752873" y="352261"/>
+                  </a:lnTo>
+                  <a:lnTo>
+                    <a:pt x="1807650" y="352261"/>
+                  </a:lnTo>
+                  <a:lnTo>
+                    <a:pt x="1807650" y="460649"/>
+                  </a:lnTo>
+                  <a:lnTo>
+                    <a:pt x="1862428" y="460649"/>
+                  </a:lnTo>
+                  <a:lnTo>
+                    <a:pt x="1862428" y="541940"/>
+                  </a:lnTo>
+                  <a:lnTo>
+                    <a:pt x="1917205" y="541940"/>
+                  </a:lnTo>
+                  <a:lnTo>
+                    <a:pt x="1917205" y="677425"/>
+                  </a:lnTo>
+                  <a:lnTo>
+                    <a:pt x="1971982" y="677425"/>
+                  </a:lnTo>
+                  <a:lnTo>
+                    <a:pt x="1971982" y="812910"/>
+                  </a:lnTo>
+                  <a:lnTo>
+                    <a:pt x="2026760" y="812910"/>
+                  </a:lnTo>
+                  <a:lnTo>
+                    <a:pt x="2026760" y="867104"/>
+                  </a:lnTo>
+                  <a:lnTo>
+                    <a:pt x="2081537" y="867104"/>
+                  </a:lnTo>
+                  <a:lnTo>
+                    <a:pt x="2081537" y="894201"/>
+                  </a:lnTo>
+                  <a:lnTo>
+                    <a:pt x="2136314" y="894201"/>
+                  </a:lnTo>
+                  <a:lnTo>
+                    <a:pt x="2136314" y="921298"/>
+                  </a:lnTo>
+                  <a:lnTo>
+                    <a:pt x="2191092" y="921298"/>
+                  </a:lnTo>
+                  <a:lnTo>
+                    <a:pt x="2191092" y="975492"/>
+                  </a:lnTo>
+                  <a:lnTo>
+                    <a:pt x="2574533" y="975492"/>
+                  </a:lnTo>
+                  <a:lnTo>
+                    <a:pt x="2574533" y="1002589"/>
+                  </a:lnTo>
+                  <a:lnTo>
+                    <a:pt x="2629310" y="1002589"/>
+                  </a:lnTo>
+                  <a:lnTo>
+                    <a:pt x="2629310" y="1029686"/>
+                  </a:lnTo>
+                  <a:lnTo>
+                    <a:pt x="2957974" y="1029686"/>
+                  </a:lnTo>
+                  <a:lnTo>
+                    <a:pt x="2957974" y="1056783"/>
                   </a:lnTo>
                 </a:path>
               </a:pathLst>
@@ -2640,13 +2640,13 @@
           </p:nvSpPr>
           <p:spPr>
             <a:xfrm>
-              <a:off x="1886067" y="1045754"/>
-              <a:ext cx="2957974" cy="937318"/>
+              <a:off x="1886067" y="1176410"/>
+              <a:ext cx="2957974" cy="894201"/>
             </a:xfrm>
             <a:custGeom>
               <a:avLst/>
               <a:pathLst>
-                <a:path w="2957974" h="937318">
+                <a:path w="2957974" h="894201">
                   <a:moveTo>
                     <a:pt x="0" y="0"/>
                   </a:moveTo>
@@ -2654,121 +2654,121 @@
                     <a:pt x="1259877" y="0"/>
                   </a:lnTo>
                   <a:lnTo>
-                    <a:pt x="1259877" y="28403"/>
-                  </a:lnTo>
-                  <a:lnTo>
-                    <a:pt x="1424209" y="28403"/>
-                  </a:lnTo>
-                  <a:lnTo>
-                    <a:pt x="1424209" y="142017"/>
-                  </a:lnTo>
-                  <a:lnTo>
-                    <a:pt x="1478987" y="142017"/>
-                  </a:lnTo>
-                  <a:lnTo>
-                    <a:pt x="1478987" y="170421"/>
-                  </a:lnTo>
-                  <a:lnTo>
-                    <a:pt x="1588541" y="170421"/>
-                  </a:lnTo>
-                  <a:lnTo>
-                    <a:pt x="1588541" y="198825"/>
-                  </a:lnTo>
-                  <a:lnTo>
-                    <a:pt x="1698096" y="198825"/>
-                  </a:lnTo>
-                  <a:lnTo>
-                    <a:pt x="1698096" y="227228"/>
-                  </a:lnTo>
-                  <a:lnTo>
-                    <a:pt x="1752873" y="227228"/>
-                  </a:lnTo>
-                  <a:lnTo>
-                    <a:pt x="1752873" y="255632"/>
-                  </a:lnTo>
-                  <a:lnTo>
-                    <a:pt x="1807650" y="255632"/>
-                  </a:lnTo>
-                  <a:lnTo>
-                    <a:pt x="1807650" y="284035"/>
-                  </a:lnTo>
-                  <a:lnTo>
-                    <a:pt x="1862428" y="284035"/>
-                  </a:lnTo>
-                  <a:lnTo>
-                    <a:pt x="1862428" y="340843"/>
-                  </a:lnTo>
-                  <a:lnTo>
-                    <a:pt x="1917205" y="340843"/>
-                  </a:lnTo>
-                  <a:lnTo>
-                    <a:pt x="1917205" y="397650"/>
-                  </a:lnTo>
-                  <a:lnTo>
-                    <a:pt x="1971982" y="397650"/>
-                  </a:lnTo>
-                  <a:lnTo>
-                    <a:pt x="1971982" y="454457"/>
-                  </a:lnTo>
-                  <a:lnTo>
-                    <a:pt x="2026760" y="454457"/>
-                  </a:lnTo>
-                  <a:lnTo>
-                    <a:pt x="2026760" y="511264"/>
-                  </a:lnTo>
-                  <a:lnTo>
-                    <a:pt x="2191092" y="511264"/>
-                  </a:lnTo>
-                  <a:lnTo>
-                    <a:pt x="2191092" y="568071"/>
-                  </a:lnTo>
-                  <a:lnTo>
-                    <a:pt x="2355424" y="568071"/>
-                  </a:lnTo>
-                  <a:lnTo>
-                    <a:pt x="2355424" y="596475"/>
-                  </a:lnTo>
-                  <a:lnTo>
-                    <a:pt x="2410201" y="596475"/>
-                  </a:lnTo>
-                  <a:lnTo>
-                    <a:pt x="2410201" y="653282"/>
-                  </a:lnTo>
-                  <a:lnTo>
-                    <a:pt x="2464978" y="653282"/>
-                  </a:lnTo>
-                  <a:lnTo>
-                    <a:pt x="2464978" y="738493"/>
-                  </a:lnTo>
-                  <a:lnTo>
-                    <a:pt x="2519755" y="738493"/>
-                  </a:lnTo>
-                  <a:lnTo>
-                    <a:pt x="2519755" y="766896"/>
-                  </a:lnTo>
-                  <a:lnTo>
-                    <a:pt x="2629310" y="766896"/>
-                  </a:lnTo>
-                  <a:lnTo>
-                    <a:pt x="2629310" y="852107"/>
-                  </a:lnTo>
-                  <a:lnTo>
-                    <a:pt x="2684087" y="852107"/>
-                  </a:lnTo>
-                  <a:lnTo>
-                    <a:pt x="2684087" y="908914"/>
-                  </a:lnTo>
-                  <a:lnTo>
-                    <a:pt x="2738865" y="908914"/>
-                  </a:lnTo>
-                  <a:lnTo>
-                    <a:pt x="2738865" y="937318"/>
-                  </a:lnTo>
-                  <a:lnTo>
-                    <a:pt x="2957974" y="937318"/>
-                  </a:lnTo>
-                  <a:lnTo>
-                    <a:pt x="2957974" y="937318"/>
+                    <a:pt x="1259877" y="27097"/>
+                  </a:lnTo>
+                  <a:lnTo>
+                    <a:pt x="1424209" y="27097"/>
+                  </a:lnTo>
+                  <a:lnTo>
+                    <a:pt x="1424209" y="135485"/>
+                  </a:lnTo>
+                  <a:lnTo>
+                    <a:pt x="1478987" y="135485"/>
+                  </a:lnTo>
+                  <a:lnTo>
+                    <a:pt x="1478987" y="162582"/>
+                  </a:lnTo>
+                  <a:lnTo>
+                    <a:pt x="1588541" y="162582"/>
+                  </a:lnTo>
+                  <a:lnTo>
+                    <a:pt x="1588541" y="189679"/>
+                  </a:lnTo>
+                  <a:lnTo>
+                    <a:pt x="1698096" y="189679"/>
+                  </a:lnTo>
+                  <a:lnTo>
+                    <a:pt x="1698096" y="216776"/>
+                  </a:lnTo>
+                  <a:lnTo>
+                    <a:pt x="1752873" y="216776"/>
+                  </a:lnTo>
+                  <a:lnTo>
+                    <a:pt x="1752873" y="243873"/>
+                  </a:lnTo>
+                  <a:lnTo>
+                    <a:pt x="1807650" y="243873"/>
+                  </a:lnTo>
+                  <a:lnTo>
+                    <a:pt x="1807650" y="270970"/>
+                  </a:lnTo>
+                  <a:lnTo>
+                    <a:pt x="1862428" y="270970"/>
+                  </a:lnTo>
+                  <a:lnTo>
+                    <a:pt x="1862428" y="325164"/>
+                  </a:lnTo>
+                  <a:lnTo>
+                    <a:pt x="1917205" y="325164"/>
+                  </a:lnTo>
+                  <a:lnTo>
+                    <a:pt x="1917205" y="379358"/>
+                  </a:lnTo>
+                  <a:lnTo>
+                    <a:pt x="1971982" y="379358"/>
+                  </a:lnTo>
+                  <a:lnTo>
+                    <a:pt x="1971982" y="433552"/>
+                  </a:lnTo>
+                  <a:lnTo>
+                    <a:pt x="2026760" y="433552"/>
+                  </a:lnTo>
+                  <a:lnTo>
+                    <a:pt x="2026760" y="487746"/>
+                  </a:lnTo>
+                  <a:lnTo>
+                    <a:pt x="2191092" y="487746"/>
+                  </a:lnTo>
+                  <a:lnTo>
+                    <a:pt x="2191092" y="541940"/>
+                  </a:lnTo>
+                  <a:lnTo>
+                    <a:pt x="2355424" y="541940"/>
+                  </a:lnTo>
+                  <a:lnTo>
+                    <a:pt x="2355424" y="569037"/>
+                  </a:lnTo>
+                  <a:lnTo>
+                    <a:pt x="2410201" y="569037"/>
+                  </a:lnTo>
+                  <a:lnTo>
+                    <a:pt x="2410201" y="623231"/>
+                  </a:lnTo>
+                  <a:lnTo>
+                    <a:pt x="2464978" y="623231"/>
+                  </a:lnTo>
+                  <a:lnTo>
+                    <a:pt x="2464978" y="704522"/>
+                  </a:lnTo>
+                  <a:lnTo>
+                    <a:pt x="2519755" y="704522"/>
+                  </a:lnTo>
+                  <a:lnTo>
+                    <a:pt x="2519755" y="731619"/>
+                  </a:lnTo>
+                  <a:lnTo>
+                    <a:pt x="2629310" y="731619"/>
+                  </a:lnTo>
+                  <a:lnTo>
+                    <a:pt x="2629310" y="812910"/>
+                  </a:lnTo>
+                  <a:lnTo>
+                    <a:pt x="2684087" y="812910"/>
+                  </a:lnTo>
+                  <a:lnTo>
+                    <a:pt x="2684087" y="867104"/>
+                  </a:lnTo>
+                  <a:lnTo>
+                    <a:pt x="2738865" y="867104"/>
+                  </a:lnTo>
+                  <a:lnTo>
+                    <a:pt x="2738865" y="894201"/>
+                  </a:lnTo>
+                  <a:lnTo>
+                    <a:pt x="2957974" y="894201"/>
+                  </a:lnTo>
+                  <a:lnTo>
+                    <a:pt x="2957974" y="894201"/>
                   </a:lnTo>
                 </a:path>
               </a:pathLst>
@@ -2797,13 +2797,13 @@
           </p:nvSpPr>
           <p:spPr>
             <a:xfrm>
-              <a:off x="1886067" y="1045754"/>
-              <a:ext cx="2957974" cy="1050932"/>
+              <a:off x="1886067" y="1176410"/>
+              <a:ext cx="2957974" cy="1002589"/>
             </a:xfrm>
             <a:custGeom>
               <a:avLst/>
               <a:pathLst>
-                <a:path w="2957974" h="1050932">
+                <a:path w="2957974" h="1002589">
                   <a:moveTo>
                     <a:pt x="0" y="0"/>
                   </a:moveTo>
@@ -2811,127 +2811,127 @@
                     <a:pt x="0" y="0"/>
                   </a:lnTo>
                   <a:lnTo>
-                    <a:pt x="0" y="28403"/>
-                  </a:lnTo>
-                  <a:lnTo>
-                    <a:pt x="1040768" y="28403"/>
-                  </a:lnTo>
-                  <a:lnTo>
-                    <a:pt x="1040768" y="56807"/>
-                  </a:lnTo>
-                  <a:lnTo>
-                    <a:pt x="1150323" y="56807"/>
-                  </a:lnTo>
-                  <a:lnTo>
-                    <a:pt x="1150323" y="85210"/>
-                  </a:lnTo>
-                  <a:lnTo>
-                    <a:pt x="1205100" y="85210"/>
-                  </a:lnTo>
-                  <a:lnTo>
-                    <a:pt x="1205100" y="113614"/>
-                  </a:lnTo>
-                  <a:lnTo>
-                    <a:pt x="1314655" y="113614"/>
-                  </a:lnTo>
-                  <a:lnTo>
-                    <a:pt x="1314655" y="142017"/>
-                  </a:lnTo>
-                  <a:lnTo>
-                    <a:pt x="1478987" y="142017"/>
-                  </a:lnTo>
-                  <a:lnTo>
-                    <a:pt x="1478987" y="198825"/>
-                  </a:lnTo>
-                  <a:lnTo>
-                    <a:pt x="1588541" y="198825"/>
-                  </a:lnTo>
-                  <a:lnTo>
-                    <a:pt x="1588541" y="227228"/>
-                  </a:lnTo>
-                  <a:lnTo>
-                    <a:pt x="1643319" y="227228"/>
-                  </a:lnTo>
-                  <a:lnTo>
-                    <a:pt x="1643319" y="369246"/>
-                  </a:lnTo>
-                  <a:lnTo>
-                    <a:pt x="1698096" y="369246"/>
-                  </a:lnTo>
-                  <a:lnTo>
-                    <a:pt x="1698096" y="397650"/>
-                  </a:lnTo>
-                  <a:lnTo>
-                    <a:pt x="1807650" y="397650"/>
-                  </a:lnTo>
-                  <a:lnTo>
-                    <a:pt x="1807650" y="511264"/>
-                  </a:lnTo>
-                  <a:lnTo>
-                    <a:pt x="1862428" y="511264"/>
-                  </a:lnTo>
-                  <a:lnTo>
-                    <a:pt x="1862428" y="596475"/>
-                  </a:lnTo>
-                  <a:lnTo>
-                    <a:pt x="1917205" y="596475"/>
-                  </a:lnTo>
-                  <a:lnTo>
-                    <a:pt x="1917205" y="681686"/>
-                  </a:lnTo>
-                  <a:lnTo>
-                    <a:pt x="1971982" y="681686"/>
-                  </a:lnTo>
-                  <a:lnTo>
-                    <a:pt x="1971982" y="738493"/>
-                  </a:lnTo>
-                  <a:lnTo>
-                    <a:pt x="2026760" y="738493"/>
-                  </a:lnTo>
-                  <a:lnTo>
-                    <a:pt x="2026760" y="795300"/>
-                  </a:lnTo>
-                  <a:lnTo>
-                    <a:pt x="2081537" y="795300"/>
-                  </a:lnTo>
-                  <a:lnTo>
-                    <a:pt x="2081537" y="823704"/>
-                  </a:lnTo>
-                  <a:lnTo>
-                    <a:pt x="2191092" y="823704"/>
-                  </a:lnTo>
-                  <a:lnTo>
-                    <a:pt x="2191092" y="880511"/>
-                  </a:lnTo>
-                  <a:lnTo>
-                    <a:pt x="2245869" y="880511"/>
-                  </a:lnTo>
-                  <a:lnTo>
-                    <a:pt x="2245869" y="937318"/>
-                  </a:lnTo>
-                  <a:lnTo>
-                    <a:pt x="2300646" y="937318"/>
-                  </a:lnTo>
-                  <a:lnTo>
-                    <a:pt x="2300646" y="965722"/>
-                  </a:lnTo>
-                  <a:lnTo>
-                    <a:pt x="2355424" y="965722"/>
-                  </a:lnTo>
-                  <a:lnTo>
-                    <a:pt x="2355424" y="1022529"/>
-                  </a:lnTo>
-                  <a:lnTo>
-                    <a:pt x="2684087" y="1022529"/>
-                  </a:lnTo>
-                  <a:lnTo>
-                    <a:pt x="2684087" y="1050932"/>
-                  </a:lnTo>
-                  <a:lnTo>
-                    <a:pt x="2957974" y="1050932"/>
-                  </a:lnTo>
-                  <a:lnTo>
-                    <a:pt x="2957974" y="1050932"/>
+                    <a:pt x="0" y="27097"/>
+                  </a:lnTo>
+                  <a:lnTo>
+                    <a:pt x="1040768" y="27097"/>
+                  </a:lnTo>
+                  <a:lnTo>
+                    <a:pt x="1040768" y="54194"/>
+                  </a:lnTo>
+                  <a:lnTo>
+                    <a:pt x="1150323" y="54194"/>
+                  </a:lnTo>
+                  <a:lnTo>
+                    <a:pt x="1150323" y="81291"/>
+                  </a:lnTo>
+                  <a:lnTo>
+                    <a:pt x="1205100" y="81291"/>
+                  </a:lnTo>
+                  <a:lnTo>
+                    <a:pt x="1205100" y="108388"/>
+                  </a:lnTo>
+                  <a:lnTo>
+                    <a:pt x="1314655" y="108388"/>
+                  </a:lnTo>
+                  <a:lnTo>
+                    <a:pt x="1314655" y="135485"/>
+                  </a:lnTo>
+                  <a:lnTo>
+                    <a:pt x="1478987" y="135485"/>
+                  </a:lnTo>
+                  <a:lnTo>
+                    <a:pt x="1478987" y="189679"/>
+                  </a:lnTo>
+                  <a:lnTo>
+                    <a:pt x="1588541" y="189679"/>
+                  </a:lnTo>
+                  <a:lnTo>
+                    <a:pt x="1588541" y="216776"/>
+                  </a:lnTo>
+                  <a:lnTo>
+                    <a:pt x="1643319" y="216776"/>
+                  </a:lnTo>
+                  <a:lnTo>
+                    <a:pt x="1643319" y="352261"/>
+                  </a:lnTo>
+                  <a:lnTo>
+                    <a:pt x="1698096" y="352261"/>
+                  </a:lnTo>
+                  <a:lnTo>
+                    <a:pt x="1698096" y="379358"/>
+                  </a:lnTo>
+                  <a:lnTo>
+                    <a:pt x="1807650" y="379358"/>
+                  </a:lnTo>
+                  <a:lnTo>
+                    <a:pt x="1807650" y="487746"/>
+                  </a:lnTo>
+                  <a:lnTo>
+                    <a:pt x="1862428" y="487746"/>
+                  </a:lnTo>
+                  <a:lnTo>
+                    <a:pt x="1862428" y="569037"/>
+                  </a:lnTo>
+                  <a:lnTo>
+                    <a:pt x="1917205" y="569037"/>
+                  </a:lnTo>
+                  <a:lnTo>
+                    <a:pt x="1917205" y="650328"/>
+                  </a:lnTo>
+                  <a:lnTo>
+                    <a:pt x="1971982" y="650328"/>
+                  </a:lnTo>
+                  <a:lnTo>
+                    <a:pt x="1971982" y="704522"/>
+                  </a:lnTo>
+                  <a:lnTo>
+                    <a:pt x="2026760" y="704522"/>
+                  </a:lnTo>
+                  <a:lnTo>
+                    <a:pt x="2026760" y="758716"/>
+                  </a:lnTo>
+                  <a:lnTo>
+                    <a:pt x="2081537" y="758716"/>
+                  </a:lnTo>
+                  <a:lnTo>
+                    <a:pt x="2081537" y="785813"/>
+                  </a:lnTo>
+                  <a:lnTo>
+                    <a:pt x="2191092" y="785813"/>
+                  </a:lnTo>
+                  <a:lnTo>
+                    <a:pt x="2191092" y="840007"/>
+                  </a:lnTo>
+                  <a:lnTo>
+                    <a:pt x="2245869" y="840007"/>
+                  </a:lnTo>
+                  <a:lnTo>
+                    <a:pt x="2245869" y="894201"/>
+                  </a:lnTo>
+                  <a:lnTo>
+                    <a:pt x="2300646" y="894201"/>
+                  </a:lnTo>
+                  <a:lnTo>
+                    <a:pt x="2300646" y="921298"/>
+                  </a:lnTo>
+                  <a:lnTo>
+                    <a:pt x="2355424" y="921298"/>
+                  </a:lnTo>
+                  <a:lnTo>
+                    <a:pt x="2355424" y="975492"/>
+                  </a:lnTo>
+                  <a:lnTo>
+                    <a:pt x="2684087" y="975492"/>
+                  </a:lnTo>
+                  <a:lnTo>
+                    <a:pt x="2684087" y="1002589"/>
+                  </a:lnTo>
+                  <a:lnTo>
+                    <a:pt x="2957974" y="1002589"/>
+                  </a:lnTo>
+                  <a:lnTo>
+                    <a:pt x="2957974" y="1002589"/>
                   </a:lnTo>
                 </a:path>
               </a:pathLst>
@@ -2960,13 +2960,13 @@
           </p:nvSpPr>
           <p:spPr>
             <a:xfrm>
-              <a:off x="1886067" y="1045754"/>
-              <a:ext cx="2957974" cy="1022529"/>
+              <a:off x="1886067" y="1176410"/>
+              <a:ext cx="2957974" cy="975492"/>
             </a:xfrm>
             <a:custGeom>
               <a:avLst/>
               <a:pathLst>
-                <a:path w="2957974" h="1022529">
+                <a:path w="2957974" h="975492">
                   <a:moveTo>
                     <a:pt x="0" y="0"/>
                   </a:moveTo>
@@ -2974,115 +2974,115 @@
                     <a:pt x="1095546" y="0"/>
                   </a:lnTo>
                   <a:lnTo>
-                    <a:pt x="1095546" y="56807"/>
-                  </a:lnTo>
-                  <a:lnTo>
-                    <a:pt x="1314655" y="56807"/>
-                  </a:lnTo>
-                  <a:lnTo>
-                    <a:pt x="1314655" y="85210"/>
-                  </a:lnTo>
-                  <a:lnTo>
-                    <a:pt x="1369432" y="85210"/>
-                  </a:lnTo>
-                  <a:lnTo>
-                    <a:pt x="1369432" y="113614"/>
-                  </a:lnTo>
-                  <a:lnTo>
-                    <a:pt x="1424209" y="113614"/>
-                  </a:lnTo>
-                  <a:lnTo>
-                    <a:pt x="1424209" y="227228"/>
-                  </a:lnTo>
-                  <a:lnTo>
-                    <a:pt x="1478987" y="227228"/>
-                  </a:lnTo>
-                  <a:lnTo>
-                    <a:pt x="1478987" y="340843"/>
-                  </a:lnTo>
-                  <a:lnTo>
-                    <a:pt x="1533764" y="340843"/>
-                  </a:lnTo>
-                  <a:lnTo>
-                    <a:pt x="1533764" y="397650"/>
-                  </a:lnTo>
-                  <a:lnTo>
-                    <a:pt x="1588541" y="397650"/>
-                  </a:lnTo>
-                  <a:lnTo>
-                    <a:pt x="1588541" y="511264"/>
-                  </a:lnTo>
-                  <a:lnTo>
-                    <a:pt x="1643319" y="511264"/>
-                  </a:lnTo>
-                  <a:lnTo>
-                    <a:pt x="1643319" y="624878"/>
-                  </a:lnTo>
-                  <a:lnTo>
-                    <a:pt x="1698096" y="624878"/>
-                  </a:lnTo>
-                  <a:lnTo>
-                    <a:pt x="1698096" y="710089"/>
-                  </a:lnTo>
-                  <a:lnTo>
-                    <a:pt x="1752873" y="710089"/>
-                  </a:lnTo>
-                  <a:lnTo>
-                    <a:pt x="1752873" y="738493"/>
-                  </a:lnTo>
-                  <a:lnTo>
-                    <a:pt x="1807650" y="738493"/>
-                  </a:lnTo>
-                  <a:lnTo>
-                    <a:pt x="1807650" y="795300"/>
-                  </a:lnTo>
-                  <a:lnTo>
-                    <a:pt x="1862428" y="795300"/>
-                  </a:lnTo>
-                  <a:lnTo>
-                    <a:pt x="1862428" y="823704"/>
-                  </a:lnTo>
-                  <a:lnTo>
-                    <a:pt x="1917205" y="823704"/>
-                  </a:lnTo>
-                  <a:lnTo>
-                    <a:pt x="1917205" y="880511"/>
-                  </a:lnTo>
-                  <a:lnTo>
-                    <a:pt x="1971982" y="880511"/>
-                  </a:lnTo>
-                  <a:lnTo>
-                    <a:pt x="1971982" y="908914"/>
-                  </a:lnTo>
-                  <a:lnTo>
-                    <a:pt x="2026760" y="908914"/>
-                  </a:lnTo>
-                  <a:lnTo>
-                    <a:pt x="2026760" y="937318"/>
-                  </a:lnTo>
-                  <a:lnTo>
-                    <a:pt x="2081537" y="937318"/>
-                  </a:lnTo>
-                  <a:lnTo>
-                    <a:pt x="2081537" y="965722"/>
-                  </a:lnTo>
-                  <a:lnTo>
-                    <a:pt x="2191092" y="965722"/>
-                  </a:lnTo>
-                  <a:lnTo>
-                    <a:pt x="2191092" y="994125"/>
-                  </a:lnTo>
-                  <a:lnTo>
-                    <a:pt x="2355424" y="994125"/>
-                  </a:lnTo>
-                  <a:lnTo>
-                    <a:pt x="2355424" y="1022529"/>
-                  </a:lnTo>
-                  <a:lnTo>
-                    <a:pt x="2957974" y="1022529"/>
-                  </a:lnTo>
-                  <a:lnTo>
-                    <a:pt x="2957974" y="1022529"/>
+                    <a:pt x="1095546" y="54194"/>
+                  </a:lnTo>
+                  <a:lnTo>
+                    <a:pt x="1314655" y="54194"/>
+                  </a:lnTo>
+                  <a:lnTo>
+                    <a:pt x="1314655" y="81291"/>
+                  </a:lnTo>
+                  <a:lnTo>
+                    <a:pt x="1369432" y="81291"/>
+                  </a:lnTo>
+                  <a:lnTo>
+                    <a:pt x="1369432" y="108388"/>
+                  </a:lnTo>
+                  <a:lnTo>
+                    <a:pt x="1424209" y="108388"/>
+                  </a:lnTo>
+                  <a:lnTo>
+                    <a:pt x="1424209" y="216776"/>
+                  </a:lnTo>
+                  <a:lnTo>
+                    <a:pt x="1478987" y="216776"/>
+                  </a:lnTo>
+                  <a:lnTo>
+                    <a:pt x="1478987" y="325164"/>
+                  </a:lnTo>
+                  <a:lnTo>
+                    <a:pt x="1533764" y="325164"/>
+                  </a:lnTo>
+                  <a:lnTo>
+                    <a:pt x="1533764" y="379358"/>
+                  </a:lnTo>
+                  <a:lnTo>
+                    <a:pt x="1588541" y="379358"/>
+                  </a:lnTo>
+                  <a:lnTo>
+                    <a:pt x="1588541" y="487746"/>
+                  </a:lnTo>
+                  <a:lnTo>
+                    <a:pt x="1643319" y="487746"/>
+                  </a:lnTo>
+                  <a:lnTo>
+                    <a:pt x="1643319" y="596134"/>
+                  </a:lnTo>
+                  <a:lnTo>
+                    <a:pt x="1698096" y="596134"/>
+                  </a:lnTo>
+                  <a:lnTo>
+                    <a:pt x="1698096" y="677425"/>
+                  </a:lnTo>
+                  <a:lnTo>
+                    <a:pt x="1752873" y="677425"/>
+                  </a:lnTo>
+                  <a:lnTo>
+                    <a:pt x="1752873" y="704522"/>
+                  </a:lnTo>
+                  <a:lnTo>
+                    <a:pt x="1807650" y="704522"/>
+                  </a:lnTo>
+                  <a:lnTo>
+                    <a:pt x="1807650" y="758716"/>
+                  </a:lnTo>
+                  <a:lnTo>
+                    <a:pt x="1862428" y="758716"/>
+                  </a:lnTo>
+                  <a:lnTo>
+                    <a:pt x="1862428" y="785813"/>
+                  </a:lnTo>
+                  <a:lnTo>
+                    <a:pt x="1917205" y="785813"/>
+                  </a:lnTo>
+                  <a:lnTo>
+                    <a:pt x="1917205" y="840007"/>
+                  </a:lnTo>
+                  <a:lnTo>
+                    <a:pt x="1971982" y="840007"/>
+                  </a:lnTo>
+                  <a:lnTo>
+                    <a:pt x="1971982" y="867104"/>
+                  </a:lnTo>
+                  <a:lnTo>
+                    <a:pt x="2026760" y="867104"/>
+                  </a:lnTo>
+                  <a:lnTo>
+                    <a:pt x="2026760" y="894201"/>
+                  </a:lnTo>
+                  <a:lnTo>
+                    <a:pt x="2081537" y="894201"/>
+                  </a:lnTo>
+                  <a:lnTo>
+                    <a:pt x="2081537" y="921298"/>
+                  </a:lnTo>
+                  <a:lnTo>
+                    <a:pt x="2191092" y="921298"/>
+                  </a:lnTo>
+                  <a:lnTo>
+                    <a:pt x="2191092" y="948395"/>
+                  </a:lnTo>
+                  <a:lnTo>
+                    <a:pt x="2355424" y="948395"/>
+                  </a:lnTo>
+                  <a:lnTo>
+                    <a:pt x="2355424" y="975492"/>
+                  </a:lnTo>
+                  <a:lnTo>
+                    <a:pt x="2957974" y="975492"/>
+                  </a:lnTo>
+                  <a:lnTo>
+                    <a:pt x="2957974" y="975492"/>
                   </a:lnTo>
                 </a:path>
               </a:pathLst>
@@ -3111,13 +3111,13 @@
           </p:nvSpPr>
           <p:spPr>
             <a:xfrm>
-              <a:off x="1886067" y="1045754"/>
-              <a:ext cx="2957974" cy="994125"/>
+              <a:off x="1886067" y="1176410"/>
+              <a:ext cx="2957974" cy="948395"/>
             </a:xfrm>
             <a:custGeom>
               <a:avLst/>
               <a:pathLst>
-                <a:path w="2957974" h="994125">
+                <a:path w="2957974" h="948395">
                   <a:moveTo>
                     <a:pt x="0" y="0"/>
                   </a:moveTo>
@@ -3125,109 +3125,109 @@
                     <a:pt x="219109" y="0"/>
                   </a:lnTo>
                   <a:lnTo>
-                    <a:pt x="219109" y="28403"/>
-                  </a:lnTo>
-                  <a:lnTo>
-                    <a:pt x="383441" y="28403"/>
-                  </a:lnTo>
-                  <a:lnTo>
-                    <a:pt x="383441" y="56807"/>
-                  </a:lnTo>
-                  <a:lnTo>
-                    <a:pt x="1205100" y="56807"/>
-                  </a:lnTo>
-                  <a:lnTo>
-                    <a:pt x="1205100" y="85210"/>
-                  </a:lnTo>
-                  <a:lnTo>
-                    <a:pt x="1369432" y="85210"/>
-                  </a:lnTo>
-                  <a:lnTo>
-                    <a:pt x="1369432" y="113614"/>
-                  </a:lnTo>
-                  <a:lnTo>
-                    <a:pt x="1478987" y="113614"/>
-                  </a:lnTo>
-                  <a:lnTo>
-                    <a:pt x="1478987" y="170421"/>
-                  </a:lnTo>
-                  <a:lnTo>
-                    <a:pt x="1533764" y="170421"/>
-                  </a:lnTo>
-                  <a:lnTo>
-                    <a:pt x="1533764" y="227228"/>
-                  </a:lnTo>
-                  <a:lnTo>
-                    <a:pt x="1588541" y="227228"/>
-                  </a:lnTo>
-                  <a:lnTo>
-                    <a:pt x="1588541" y="312439"/>
-                  </a:lnTo>
-                  <a:lnTo>
-                    <a:pt x="1643319" y="312439"/>
-                  </a:lnTo>
-                  <a:lnTo>
-                    <a:pt x="1643319" y="482861"/>
-                  </a:lnTo>
-                  <a:lnTo>
-                    <a:pt x="1698096" y="482861"/>
-                  </a:lnTo>
-                  <a:lnTo>
-                    <a:pt x="1698096" y="539668"/>
-                  </a:lnTo>
-                  <a:lnTo>
-                    <a:pt x="1752873" y="539668"/>
-                  </a:lnTo>
-                  <a:lnTo>
-                    <a:pt x="1752873" y="596475"/>
-                  </a:lnTo>
-                  <a:lnTo>
-                    <a:pt x="1807650" y="596475"/>
-                  </a:lnTo>
-                  <a:lnTo>
-                    <a:pt x="1807650" y="681686"/>
-                  </a:lnTo>
-                  <a:lnTo>
-                    <a:pt x="1862428" y="681686"/>
-                  </a:lnTo>
-                  <a:lnTo>
-                    <a:pt x="1862428" y="738493"/>
-                  </a:lnTo>
-                  <a:lnTo>
-                    <a:pt x="1917205" y="738493"/>
-                  </a:lnTo>
-                  <a:lnTo>
-                    <a:pt x="1917205" y="823704"/>
-                  </a:lnTo>
-                  <a:lnTo>
-                    <a:pt x="1971982" y="823704"/>
-                  </a:lnTo>
-                  <a:lnTo>
-                    <a:pt x="1971982" y="852107"/>
-                  </a:lnTo>
-                  <a:lnTo>
-                    <a:pt x="2026760" y="852107"/>
-                  </a:lnTo>
-                  <a:lnTo>
-                    <a:pt x="2026760" y="937318"/>
-                  </a:lnTo>
-                  <a:lnTo>
-                    <a:pt x="2081537" y="937318"/>
-                  </a:lnTo>
-                  <a:lnTo>
-                    <a:pt x="2081537" y="965722"/>
-                  </a:lnTo>
-                  <a:lnTo>
-                    <a:pt x="2629310" y="965722"/>
-                  </a:lnTo>
-                  <a:lnTo>
-                    <a:pt x="2629310" y="994125"/>
-                  </a:lnTo>
-                  <a:lnTo>
-                    <a:pt x="2957974" y="994125"/>
-                  </a:lnTo>
-                  <a:lnTo>
-                    <a:pt x="2957974" y="994125"/>
+                    <a:pt x="219109" y="27097"/>
+                  </a:lnTo>
+                  <a:lnTo>
+                    <a:pt x="383441" y="27097"/>
+                  </a:lnTo>
+                  <a:lnTo>
+                    <a:pt x="383441" y="54194"/>
+                  </a:lnTo>
+                  <a:lnTo>
+                    <a:pt x="1205100" y="54194"/>
+                  </a:lnTo>
+                  <a:lnTo>
+                    <a:pt x="1205100" y="81291"/>
+                  </a:lnTo>
+                  <a:lnTo>
+                    <a:pt x="1369432" y="81291"/>
+                  </a:lnTo>
+                  <a:lnTo>
+                    <a:pt x="1369432" y="108388"/>
+                  </a:lnTo>
+                  <a:lnTo>
+                    <a:pt x="1478987" y="108388"/>
+                  </a:lnTo>
+                  <a:lnTo>
+                    <a:pt x="1478987" y="162582"/>
+                  </a:lnTo>
+                  <a:lnTo>
+                    <a:pt x="1533764" y="162582"/>
+                  </a:lnTo>
+                  <a:lnTo>
+                    <a:pt x="1533764" y="216776"/>
+                  </a:lnTo>
+                  <a:lnTo>
+                    <a:pt x="1588541" y="216776"/>
+                  </a:lnTo>
+                  <a:lnTo>
+                    <a:pt x="1588541" y="298067"/>
+                  </a:lnTo>
+                  <a:lnTo>
+                    <a:pt x="1643319" y="298067"/>
+                  </a:lnTo>
+                  <a:lnTo>
+                    <a:pt x="1643319" y="460649"/>
+                  </a:lnTo>
+                  <a:lnTo>
+                    <a:pt x="1698096" y="460649"/>
+                  </a:lnTo>
+                  <a:lnTo>
+                    <a:pt x="1698096" y="514843"/>
+                  </a:lnTo>
+                  <a:lnTo>
+                    <a:pt x="1752873" y="514843"/>
+                  </a:lnTo>
+                  <a:lnTo>
+                    <a:pt x="1752873" y="569037"/>
+                  </a:lnTo>
+                  <a:lnTo>
+                    <a:pt x="1807650" y="569037"/>
+                  </a:lnTo>
+                  <a:lnTo>
+                    <a:pt x="1807650" y="650328"/>
+                  </a:lnTo>
+                  <a:lnTo>
+                    <a:pt x="1862428" y="650328"/>
+                  </a:lnTo>
+                  <a:lnTo>
+                    <a:pt x="1862428" y="704522"/>
+                  </a:lnTo>
+                  <a:lnTo>
+                    <a:pt x="1917205" y="704522"/>
+                  </a:lnTo>
+                  <a:lnTo>
+                    <a:pt x="1917205" y="785813"/>
+                  </a:lnTo>
+                  <a:lnTo>
+                    <a:pt x="1971982" y="785813"/>
+                  </a:lnTo>
+                  <a:lnTo>
+                    <a:pt x="1971982" y="812910"/>
+                  </a:lnTo>
+                  <a:lnTo>
+                    <a:pt x="2026760" y="812910"/>
+                  </a:lnTo>
+                  <a:lnTo>
+                    <a:pt x="2026760" y="894201"/>
+                  </a:lnTo>
+                  <a:lnTo>
+                    <a:pt x="2081537" y="894201"/>
+                  </a:lnTo>
+                  <a:lnTo>
+                    <a:pt x="2081537" y="921298"/>
+                  </a:lnTo>
+                  <a:lnTo>
+                    <a:pt x="2629310" y="921298"/>
+                  </a:lnTo>
+                  <a:lnTo>
+                    <a:pt x="2629310" y="948395"/>
+                  </a:lnTo>
+                  <a:lnTo>
+                    <a:pt x="2957974" y="948395"/>
+                  </a:lnTo>
+                  <a:lnTo>
+                    <a:pt x="2957974" y="948395"/>
                   </a:lnTo>
                 </a:path>
               </a:pathLst>
@@ -3256,13 +3256,13 @@
           </p:nvSpPr>
           <p:spPr>
             <a:xfrm>
-              <a:off x="1886067" y="1045754"/>
-              <a:ext cx="2957974" cy="766896"/>
+              <a:off x="1886067" y="1176410"/>
+              <a:ext cx="2957974" cy="731619"/>
             </a:xfrm>
             <a:custGeom>
               <a:avLst/>
               <a:pathLst>
-                <a:path w="2957974" h="766896">
+                <a:path w="2957974" h="731619">
                   <a:moveTo>
                     <a:pt x="0" y="0"/>
                   </a:moveTo>
@@ -3270,97 +3270,97 @@
                     <a:pt x="1095546" y="0"/>
                   </a:lnTo>
                   <a:lnTo>
-                    <a:pt x="1095546" y="28403"/>
-                  </a:lnTo>
-                  <a:lnTo>
-                    <a:pt x="1424209" y="28403"/>
-                  </a:lnTo>
-                  <a:lnTo>
-                    <a:pt x="1424209" y="56807"/>
-                  </a:lnTo>
-                  <a:lnTo>
-                    <a:pt x="1533764" y="56807"/>
-                  </a:lnTo>
-                  <a:lnTo>
-                    <a:pt x="1533764" y="85210"/>
-                  </a:lnTo>
-                  <a:lnTo>
-                    <a:pt x="1588541" y="85210"/>
-                  </a:lnTo>
-                  <a:lnTo>
-                    <a:pt x="1588541" y="113614"/>
-                  </a:lnTo>
-                  <a:lnTo>
-                    <a:pt x="1643319" y="113614"/>
-                  </a:lnTo>
-                  <a:lnTo>
-                    <a:pt x="1643319" y="198825"/>
-                  </a:lnTo>
-                  <a:lnTo>
-                    <a:pt x="1698096" y="198825"/>
-                  </a:lnTo>
-                  <a:lnTo>
-                    <a:pt x="1698096" y="284035"/>
-                  </a:lnTo>
-                  <a:lnTo>
-                    <a:pt x="1752873" y="284035"/>
-                  </a:lnTo>
-                  <a:lnTo>
-                    <a:pt x="1752873" y="312439"/>
-                  </a:lnTo>
-                  <a:lnTo>
-                    <a:pt x="1807650" y="312439"/>
-                  </a:lnTo>
-                  <a:lnTo>
-                    <a:pt x="1807650" y="426053"/>
-                  </a:lnTo>
-                  <a:lnTo>
-                    <a:pt x="1862428" y="426053"/>
-                  </a:lnTo>
-                  <a:lnTo>
-                    <a:pt x="1862428" y="482861"/>
-                  </a:lnTo>
-                  <a:lnTo>
-                    <a:pt x="1917205" y="482861"/>
-                  </a:lnTo>
-                  <a:lnTo>
-                    <a:pt x="1917205" y="539668"/>
-                  </a:lnTo>
-                  <a:lnTo>
-                    <a:pt x="1971982" y="539668"/>
-                  </a:lnTo>
-                  <a:lnTo>
-                    <a:pt x="1971982" y="596475"/>
-                  </a:lnTo>
-                  <a:lnTo>
-                    <a:pt x="2026760" y="596475"/>
-                  </a:lnTo>
-                  <a:lnTo>
-                    <a:pt x="2026760" y="653282"/>
-                  </a:lnTo>
-                  <a:lnTo>
-                    <a:pt x="2136314" y="653282"/>
-                  </a:lnTo>
-                  <a:lnTo>
-                    <a:pt x="2136314" y="681686"/>
-                  </a:lnTo>
-                  <a:lnTo>
-                    <a:pt x="2245869" y="681686"/>
-                  </a:lnTo>
-                  <a:lnTo>
-                    <a:pt x="2245869" y="738493"/>
-                  </a:lnTo>
-                  <a:lnTo>
-                    <a:pt x="2410201" y="738493"/>
-                  </a:lnTo>
-                  <a:lnTo>
-                    <a:pt x="2410201" y="766896"/>
-                  </a:lnTo>
-                  <a:lnTo>
-                    <a:pt x="2957974" y="766896"/>
-                  </a:lnTo>
-                  <a:lnTo>
-                    <a:pt x="2957974" y="766896"/>
+                    <a:pt x="1095546" y="27097"/>
+                  </a:lnTo>
+                  <a:lnTo>
+                    <a:pt x="1424209" y="27097"/>
+                  </a:lnTo>
+                  <a:lnTo>
+                    <a:pt x="1424209" y="54194"/>
+                  </a:lnTo>
+                  <a:lnTo>
+                    <a:pt x="1533764" y="54194"/>
+                  </a:lnTo>
+                  <a:lnTo>
+                    <a:pt x="1533764" y="81291"/>
+                  </a:lnTo>
+                  <a:lnTo>
+                    <a:pt x="1588541" y="81291"/>
+                  </a:lnTo>
+                  <a:lnTo>
+                    <a:pt x="1588541" y="108388"/>
+                  </a:lnTo>
+                  <a:lnTo>
+                    <a:pt x="1643319" y="108388"/>
+                  </a:lnTo>
+                  <a:lnTo>
+                    <a:pt x="1643319" y="189679"/>
+                  </a:lnTo>
+                  <a:lnTo>
+                    <a:pt x="1698096" y="189679"/>
+                  </a:lnTo>
+                  <a:lnTo>
+                    <a:pt x="1698096" y="270970"/>
+                  </a:lnTo>
+                  <a:lnTo>
+                    <a:pt x="1752873" y="270970"/>
+                  </a:lnTo>
+                  <a:lnTo>
+                    <a:pt x="1752873" y="298067"/>
+                  </a:lnTo>
+                  <a:lnTo>
+                    <a:pt x="1807650" y="298067"/>
+                  </a:lnTo>
+                  <a:lnTo>
+                    <a:pt x="1807650" y="406455"/>
+                  </a:lnTo>
+                  <a:lnTo>
+                    <a:pt x="1862428" y="406455"/>
+                  </a:lnTo>
+                  <a:lnTo>
+                    <a:pt x="1862428" y="460649"/>
+                  </a:lnTo>
+                  <a:lnTo>
+                    <a:pt x="1917205" y="460649"/>
+                  </a:lnTo>
+                  <a:lnTo>
+                    <a:pt x="1917205" y="514843"/>
+                  </a:lnTo>
+                  <a:lnTo>
+                    <a:pt x="1971982" y="514843"/>
+                  </a:lnTo>
+                  <a:lnTo>
+                    <a:pt x="1971982" y="569037"/>
+                  </a:lnTo>
+                  <a:lnTo>
+                    <a:pt x="2026760" y="569037"/>
+                  </a:lnTo>
+                  <a:lnTo>
+                    <a:pt x="2026760" y="623231"/>
+                  </a:lnTo>
+                  <a:lnTo>
+                    <a:pt x="2136314" y="623231"/>
+                  </a:lnTo>
+                  <a:lnTo>
+                    <a:pt x="2136314" y="650328"/>
+                  </a:lnTo>
+                  <a:lnTo>
+                    <a:pt x="2245869" y="650328"/>
+                  </a:lnTo>
+                  <a:lnTo>
+                    <a:pt x="2245869" y="704522"/>
+                  </a:lnTo>
+                  <a:lnTo>
+                    <a:pt x="2410201" y="704522"/>
+                  </a:lnTo>
+                  <a:lnTo>
+                    <a:pt x="2410201" y="731619"/>
+                  </a:lnTo>
+                  <a:lnTo>
+                    <a:pt x="2957974" y="731619"/>
+                  </a:lnTo>
+                  <a:lnTo>
+                    <a:pt x="2957974" y="731619"/>
                   </a:lnTo>
                 </a:path>
               </a:pathLst>
@@ -3389,13 +3389,13 @@
           </p:nvSpPr>
           <p:spPr>
             <a:xfrm>
-              <a:off x="1886067" y="1045754"/>
-              <a:ext cx="2957974" cy="852107"/>
+              <a:off x="1886067" y="1176410"/>
+              <a:ext cx="2957974" cy="812910"/>
             </a:xfrm>
             <a:custGeom>
               <a:avLst/>
               <a:pathLst>
-                <a:path w="2957974" h="852107">
+                <a:path w="2957974" h="812910">
                   <a:moveTo>
                     <a:pt x="0" y="0"/>
                   </a:moveTo>
@@ -3403,115 +3403,115 @@
                     <a:pt x="1478987" y="0"/>
                   </a:lnTo>
                   <a:lnTo>
-                    <a:pt x="1478987" y="28403"/>
-                  </a:lnTo>
-                  <a:lnTo>
-                    <a:pt x="1533764" y="28403"/>
-                  </a:lnTo>
-                  <a:lnTo>
-                    <a:pt x="1533764" y="56807"/>
-                  </a:lnTo>
-                  <a:lnTo>
-                    <a:pt x="1588541" y="56807"/>
-                  </a:lnTo>
-                  <a:lnTo>
-                    <a:pt x="1588541" y="85210"/>
-                  </a:lnTo>
-                  <a:lnTo>
-                    <a:pt x="1643319" y="85210"/>
-                  </a:lnTo>
-                  <a:lnTo>
-                    <a:pt x="1643319" y="113614"/>
-                  </a:lnTo>
-                  <a:lnTo>
-                    <a:pt x="1698096" y="113614"/>
-                  </a:lnTo>
-                  <a:lnTo>
-                    <a:pt x="1698096" y="142017"/>
-                  </a:lnTo>
-                  <a:lnTo>
-                    <a:pt x="1807650" y="142017"/>
-                  </a:lnTo>
-                  <a:lnTo>
-                    <a:pt x="1807650" y="198825"/>
-                  </a:lnTo>
-                  <a:lnTo>
-                    <a:pt x="1862428" y="198825"/>
-                  </a:lnTo>
-                  <a:lnTo>
-                    <a:pt x="1862428" y="227228"/>
-                  </a:lnTo>
-                  <a:lnTo>
-                    <a:pt x="1917205" y="227228"/>
-                  </a:lnTo>
-                  <a:lnTo>
-                    <a:pt x="1917205" y="369246"/>
-                  </a:lnTo>
-                  <a:lnTo>
-                    <a:pt x="1971982" y="369246"/>
-                  </a:lnTo>
-                  <a:lnTo>
-                    <a:pt x="1971982" y="426053"/>
-                  </a:lnTo>
-                  <a:lnTo>
-                    <a:pt x="2026760" y="426053"/>
-                  </a:lnTo>
-                  <a:lnTo>
-                    <a:pt x="2026760" y="482861"/>
-                  </a:lnTo>
-                  <a:lnTo>
-                    <a:pt x="2081537" y="482861"/>
-                  </a:lnTo>
-                  <a:lnTo>
-                    <a:pt x="2081537" y="568071"/>
-                  </a:lnTo>
-                  <a:lnTo>
-                    <a:pt x="2136314" y="568071"/>
-                  </a:lnTo>
-                  <a:lnTo>
-                    <a:pt x="2136314" y="596475"/>
-                  </a:lnTo>
-                  <a:lnTo>
-                    <a:pt x="2191092" y="596475"/>
-                  </a:lnTo>
-                  <a:lnTo>
-                    <a:pt x="2191092" y="624878"/>
-                  </a:lnTo>
-                  <a:lnTo>
-                    <a:pt x="2245869" y="624878"/>
-                  </a:lnTo>
-                  <a:lnTo>
-                    <a:pt x="2245869" y="653282"/>
-                  </a:lnTo>
-                  <a:lnTo>
-                    <a:pt x="2355424" y="653282"/>
-                  </a:lnTo>
-                  <a:lnTo>
-                    <a:pt x="2355424" y="681686"/>
-                  </a:lnTo>
-                  <a:lnTo>
-                    <a:pt x="2464978" y="681686"/>
-                  </a:lnTo>
-                  <a:lnTo>
-                    <a:pt x="2464978" y="766896"/>
-                  </a:lnTo>
-                  <a:lnTo>
-                    <a:pt x="2629310" y="766896"/>
-                  </a:lnTo>
-                  <a:lnTo>
-                    <a:pt x="2629310" y="795300"/>
-                  </a:lnTo>
-                  <a:lnTo>
-                    <a:pt x="2684087" y="795300"/>
-                  </a:lnTo>
-                  <a:lnTo>
-                    <a:pt x="2684087" y="852107"/>
-                  </a:lnTo>
-                  <a:lnTo>
-                    <a:pt x="2957974" y="852107"/>
-                  </a:lnTo>
-                  <a:lnTo>
-                    <a:pt x="2957974" y="852107"/>
+                    <a:pt x="1478987" y="27097"/>
+                  </a:lnTo>
+                  <a:lnTo>
+                    <a:pt x="1533764" y="27097"/>
+                  </a:lnTo>
+                  <a:lnTo>
+                    <a:pt x="1533764" y="54194"/>
+                  </a:lnTo>
+                  <a:lnTo>
+                    <a:pt x="1588541" y="54194"/>
+                  </a:lnTo>
+                  <a:lnTo>
+                    <a:pt x="1588541" y="81291"/>
+                  </a:lnTo>
+                  <a:lnTo>
+                    <a:pt x="1643319" y="81291"/>
+                  </a:lnTo>
+                  <a:lnTo>
+                    <a:pt x="1643319" y="108388"/>
+                  </a:lnTo>
+                  <a:lnTo>
+                    <a:pt x="1698096" y="108388"/>
+                  </a:lnTo>
+                  <a:lnTo>
+                    <a:pt x="1698096" y="135485"/>
+                  </a:lnTo>
+                  <a:lnTo>
+                    <a:pt x="1807650" y="135485"/>
+                  </a:lnTo>
+                  <a:lnTo>
+                    <a:pt x="1807650" y="189679"/>
+                  </a:lnTo>
+                  <a:lnTo>
+                    <a:pt x="1862428" y="189679"/>
+                  </a:lnTo>
+                  <a:lnTo>
+                    <a:pt x="1862428" y="216776"/>
+                  </a:lnTo>
+                  <a:lnTo>
+                    <a:pt x="1917205" y="216776"/>
+                  </a:lnTo>
+                  <a:lnTo>
+                    <a:pt x="1917205" y="352261"/>
+                  </a:lnTo>
+                  <a:lnTo>
+                    <a:pt x="1971982" y="352261"/>
+                  </a:lnTo>
+                  <a:lnTo>
+                    <a:pt x="1971982" y="406455"/>
+                  </a:lnTo>
+                  <a:lnTo>
+                    <a:pt x="2026760" y="406455"/>
+                  </a:lnTo>
+                  <a:lnTo>
+                    <a:pt x="2026760" y="460649"/>
+                  </a:lnTo>
+                  <a:lnTo>
+                    <a:pt x="2081537" y="460649"/>
+                  </a:lnTo>
+                  <a:lnTo>
+                    <a:pt x="2081537" y="541940"/>
+                  </a:lnTo>
+                  <a:lnTo>
+                    <a:pt x="2136314" y="541940"/>
+                  </a:lnTo>
+                  <a:lnTo>
+                    <a:pt x="2136314" y="569037"/>
+                  </a:lnTo>
+                  <a:lnTo>
+                    <a:pt x="2191092" y="569037"/>
+                  </a:lnTo>
+                  <a:lnTo>
+                    <a:pt x="2191092" y="596134"/>
+                  </a:lnTo>
+                  <a:lnTo>
+                    <a:pt x="2245869" y="596134"/>
+                  </a:lnTo>
+                  <a:lnTo>
+                    <a:pt x="2245869" y="623231"/>
+                  </a:lnTo>
+                  <a:lnTo>
+                    <a:pt x="2355424" y="623231"/>
+                  </a:lnTo>
+                  <a:lnTo>
+                    <a:pt x="2355424" y="650328"/>
+                  </a:lnTo>
+                  <a:lnTo>
+                    <a:pt x="2464978" y="650328"/>
+                  </a:lnTo>
+                  <a:lnTo>
+                    <a:pt x="2464978" y="731619"/>
+                  </a:lnTo>
+                  <a:lnTo>
+                    <a:pt x="2629310" y="731619"/>
+                  </a:lnTo>
+                  <a:lnTo>
+                    <a:pt x="2629310" y="758716"/>
+                  </a:lnTo>
+                  <a:lnTo>
+                    <a:pt x="2684087" y="758716"/>
+                  </a:lnTo>
+                  <a:lnTo>
+                    <a:pt x="2684087" y="812910"/>
+                  </a:lnTo>
+                  <a:lnTo>
+                    <a:pt x="2957974" y="812910"/>
+                  </a:lnTo>
+                  <a:lnTo>
+                    <a:pt x="2957974" y="812910"/>
                   </a:lnTo>
                 </a:path>
               </a:pathLst>
@@ -3540,13 +3540,13 @@
           </p:nvSpPr>
           <p:spPr>
             <a:xfrm>
-              <a:off x="1886067" y="1045754"/>
-              <a:ext cx="2957974" cy="880511"/>
+              <a:off x="1886067" y="1176410"/>
+              <a:ext cx="2957974" cy="840007"/>
             </a:xfrm>
             <a:custGeom>
               <a:avLst/>
               <a:pathLst>
-                <a:path w="2957974" h="880511">
+                <a:path w="2957974" h="840007">
                   <a:moveTo>
                     <a:pt x="0" y="0"/>
                   </a:moveTo>
@@ -3554,103 +3554,103 @@
                     <a:pt x="1205100" y="0"/>
                   </a:lnTo>
                   <a:lnTo>
-                    <a:pt x="1205100" y="28403"/>
-                  </a:lnTo>
-                  <a:lnTo>
-                    <a:pt x="1314655" y="28403"/>
-                  </a:lnTo>
-                  <a:lnTo>
-                    <a:pt x="1314655" y="56807"/>
-                  </a:lnTo>
-                  <a:lnTo>
-                    <a:pt x="1424209" y="56807"/>
-                  </a:lnTo>
-                  <a:lnTo>
-                    <a:pt x="1424209" y="85210"/>
-                  </a:lnTo>
-                  <a:lnTo>
-                    <a:pt x="1478987" y="85210"/>
-                  </a:lnTo>
-                  <a:lnTo>
-                    <a:pt x="1478987" y="142017"/>
-                  </a:lnTo>
-                  <a:lnTo>
-                    <a:pt x="1533764" y="142017"/>
-                  </a:lnTo>
-                  <a:lnTo>
-                    <a:pt x="1533764" y="170421"/>
-                  </a:lnTo>
-                  <a:lnTo>
-                    <a:pt x="1643319" y="170421"/>
-                  </a:lnTo>
-                  <a:lnTo>
-                    <a:pt x="1643319" y="198825"/>
-                  </a:lnTo>
-                  <a:lnTo>
-                    <a:pt x="1698096" y="198825"/>
-                  </a:lnTo>
-                  <a:lnTo>
-                    <a:pt x="1698096" y="284035"/>
-                  </a:lnTo>
-                  <a:lnTo>
-                    <a:pt x="1752873" y="284035"/>
-                  </a:lnTo>
-                  <a:lnTo>
-                    <a:pt x="1752873" y="312439"/>
-                  </a:lnTo>
-                  <a:lnTo>
-                    <a:pt x="1807650" y="312439"/>
-                  </a:lnTo>
-                  <a:lnTo>
-                    <a:pt x="1807650" y="454457"/>
-                  </a:lnTo>
-                  <a:lnTo>
-                    <a:pt x="1862428" y="454457"/>
-                  </a:lnTo>
-                  <a:lnTo>
-                    <a:pt x="1862428" y="596475"/>
-                  </a:lnTo>
-                  <a:lnTo>
-                    <a:pt x="1917205" y="596475"/>
-                  </a:lnTo>
-                  <a:lnTo>
-                    <a:pt x="1917205" y="681686"/>
-                  </a:lnTo>
-                  <a:lnTo>
-                    <a:pt x="1971982" y="681686"/>
-                  </a:lnTo>
-                  <a:lnTo>
-                    <a:pt x="1971982" y="738493"/>
-                  </a:lnTo>
-                  <a:lnTo>
-                    <a:pt x="2026760" y="738493"/>
-                  </a:lnTo>
-                  <a:lnTo>
-                    <a:pt x="2026760" y="795300"/>
-                  </a:lnTo>
-                  <a:lnTo>
-                    <a:pt x="2081537" y="795300"/>
-                  </a:lnTo>
-                  <a:lnTo>
-                    <a:pt x="2081537" y="823704"/>
-                  </a:lnTo>
-                  <a:lnTo>
-                    <a:pt x="2136314" y="823704"/>
-                  </a:lnTo>
-                  <a:lnTo>
-                    <a:pt x="2136314" y="852107"/>
-                  </a:lnTo>
-                  <a:lnTo>
-                    <a:pt x="2793642" y="852107"/>
-                  </a:lnTo>
-                  <a:lnTo>
-                    <a:pt x="2793642" y="880511"/>
-                  </a:lnTo>
-                  <a:lnTo>
-                    <a:pt x="2957974" y="880511"/>
-                  </a:lnTo>
-                  <a:lnTo>
-                    <a:pt x="2957974" y="880511"/>
+                    <a:pt x="1205100" y="27097"/>
+                  </a:lnTo>
+                  <a:lnTo>
+                    <a:pt x="1314655" y="27097"/>
+                  </a:lnTo>
+                  <a:lnTo>
+                    <a:pt x="1314655" y="54194"/>
+                  </a:lnTo>
+                  <a:lnTo>
+                    <a:pt x="1424209" y="54194"/>
+                  </a:lnTo>
+                  <a:lnTo>
+                    <a:pt x="1424209" y="81291"/>
+                  </a:lnTo>
+                  <a:lnTo>
+                    <a:pt x="1478987" y="81291"/>
+                  </a:lnTo>
+                  <a:lnTo>
+                    <a:pt x="1478987" y="135485"/>
+                  </a:lnTo>
+                  <a:lnTo>
+                    <a:pt x="1533764" y="135485"/>
+                  </a:lnTo>
+                  <a:lnTo>
+                    <a:pt x="1533764" y="162582"/>
+                  </a:lnTo>
+                  <a:lnTo>
+                    <a:pt x="1643319" y="162582"/>
+                  </a:lnTo>
+                  <a:lnTo>
+                    <a:pt x="1643319" y="189679"/>
+                  </a:lnTo>
+                  <a:lnTo>
+                    <a:pt x="1698096" y="189679"/>
+                  </a:lnTo>
+                  <a:lnTo>
+                    <a:pt x="1698096" y="270970"/>
+                  </a:lnTo>
+                  <a:lnTo>
+                    <a:pt x="1752873" y="270970"/>
+                  </a:lnTo>
+                  <a:lnTo>
+                    <a:pt x="1752873" y="298067"/>
+                  </a:lnTo>
+                  <a:lnTo>
+                    <a:pt x="1807650" y="298067"/>
+                  </a:lnTo>
+                  <a:lnTo>
+                    <a:pt x="1807650" y="433552"/>
+                  </a:lnTo>
+                  <a:lnTo>
+                    <a:pt x="1862428" y="433552"/>
+                  </a:lnTo>
+                  <a:lnTo>
+                    <a:pt x="1862428" y="569037"/>
+                  </a:lnTo>
+                  <a:lnTo>
+                    <a:pt x="1917205" y="569037"/>
+                  </a:lnTo>
+                  <a:lnTo>
+                    <a:pt x="1917205" y="650328"/>
+                  </a:lnTo>
+                  <a:lnTo>
+                    <a:pt x="1971982" y="650328"/>
+                  </a:lnTo>
+                  <a:lnTo>
+                    <a:pt x="1971982" y="704522"/>
+                  </a:lnTo>
+                  <a:lnTo>
+                    <a:pt x="2026760" y="704522"/>
+                  </a:lnTo>
+                  <a:lnTo>
+                    <a:pt x="2026760" y="758716"/>
+                  </a:lnTo>
+                  <a:lnTo>
+                    <a:pt x="2081537" y="758716"/>
+                  </a:lnTo>
+                  <a:lnTo>
+                    <a:pt x="2081537" y="785813"/>
+                  </a:lnTo>
+                  <a:lnTo>
+                    <a:pt x="2136314" y="785813"/>
+                  </a:lnTo>
+                  <a:lnTo>
+                    <a:pt x="2136314" y="812910"/>
+                  </a:lnTo>
+                  <a:lnTo>
+                    <a:pt x="2793642" y="812910"/>
+                  </a:lnTo>
+                  <a:lnTo>
+                    <a:pt x="2793642" y="840007"/>
+                  </a:lnTo>
+                  <a:lnTo>
+                    <a:pt x="2957974" y="840007"/>
+                  </a:lnTo>
+                  <a:lnTo>
+                    <a:pt x="2957974" y="840007"/>
                   </a:lnTo>
                 </a:path>
               </a:pathLst>
@@ -3679,13 +3679,13 @@
           </p:nvSpPr>
           <p:spPr>
             <a:xfrm>
-              <a:off x="1886067" y="1045754"/>
-              <a:ext cx="2957974" cy="994125"/>
+              <a:off x="1886067" y="1176410"/>
+              <a:ext cx="2957974" cy="948395"/>
             </a:xfrm>
             <a:custGeom>
               <a:avLst/>
               <a:pathLst>
-                <a:path w="2957974" h="994125">
+                <a:path w="2957974" h="948395">
                   <a:moveTo>
                     <a:pt x="0" y="0"/>
                   </a:moveTo>
@@ -3693,97 +3693,97 @@
                     <a:pt x="1478987" y="0"/>
                   </a:lnTo>
                   <a:lnTo>
-                    <a:pt x="1478987" y="28403"/>
-                  </a:lnTo>
-                  <a:lnTo>
-                    <a:pt x="1588541" y="28403"/>
-                  </a:lnTo>
-                  <a:lnTo>
-                    <a:pt x="1588541" y="85210"/>
-                  </a:lnTo>
-                  <a:lnTo>
-                    <a:pt x="1643319" y="85210"/>
-                  </a:lnTo>
-                  <a:lnTo>
-                    <a:pt x="1643319" y="227228"/>
-                  </a:lnTo>
-                  <a:lnTo>
-                    <a:pt x="1698096" y="227228"/>
-                  </a:lnTo>
-                  <a:lnTo>
-                    <a:pt x="1698096" y="369246"/>
-                  </a:lnTo>
-                  <a:lnTo>
-                    <a:pt x="1752873" y="369246"/>
-                  </a:lnTo>
-                  <a:lnTo>
-                    <a:pt x="1752873" y="482861"/>
-                  </a:lnTo>
-                  <a:lnTo>
-                    <a:pt x="1807650" y="482861"/>
-                  </a:lnTo>
-                  <a:lnTo>
-                    <a:pt x="1807650" y="511264"/>
-                  </a:lnTo>
-                  <a:lnTo>
-                    <a:pt x="1917205" y="511264"/>
-                  </a:lnTo>
-                  <a:lnTo>
-                    <a:pt x="1917205" y="596475"/>
-                  </a:lnTo>
-                  <a:lnTo>
-                    <a:pt x="1971982" y="596475"/>
-                  </a:lnTo>
-                  <a:lnTo>
-                    <a:pt x="1971982" y="710089"/>
-                  </a:lnTo>
-                  <a:lnTo>
-                    <a:pt x="2026760" y="710089"/>
-                  </a:lnTo>
-                  <a:lnTo>
-                    <a:pt x="2026760" y="738493"/>
-                  </a:lnTo>
-                  <a:lnTo>
-                    <a:pt x="2081537" y="738493"/>
-                  </a:lnTo>
-                  <a:lnTo>
-                    <a:pt x="2081537" y="823704"/>
-                  </a:lnTo>
-                  <a:lnTo>
-                    <a:pt x="2191092" y="823704"/>
-                  </a:lnTo>
-                  <a:lnTo>
-                    <a:pt x="2191092" y="852107"/>
-                  </a:lnTo>
-                  <a:lnTo>
-                    <a:pt x="2464978" y="852107"/>
-                  </a:lnTo>
-                  <a:lnTo>
-                    <a:pt x="2464978" y="908914"/>
-                  </a:lnTo>
-                  <a:lnTo>
-                    <a:pt x="2519755" y="908914"/>
-                  </a:lnTo>
-                  <a:lnTo>
-                    <a:pt x="2519755" y="937318"/>
-                  </a:lnTo>
-                  <a:lnTo>
-                    <a:pt x="2574533" y="937318"/>
-                  </a:lnTo>
-                  <a:lnTo>
-                    <a:pt x="2574533" y="965722"/>
-                  </a:lnTo>
-                  <a:lnTo>
-                    <a:pt x="2629310" y="965722"/>
-                  </a:lnTo>
-                  <a:lnTo>
-                    <a:pt x="2629310" y="994125"/>
-                  </a:lnTo>
-                  <a:lnTo>
-                    <a:pt x="2957974" y="994125"/>
-                  </a:lnTo>
-                  <a:lnTo>
-                    <a:pt x="2957974" y="994125"/>
+                    <a:pt x="1478987" y="27097"/>
+                  </a:lnTo>
+                  <a:lnTo>
+                    <a:pt x="1588541" y="27097"/>
+                  </a:lnTo>
+                  <a:lnTo>
+                    <a:pt x="1588541" y="81291"/>
+                  </a:lnTo>
+                  <a:lnTo>
+                    <a:pt x="1643319" y="81291"/>
+                  </a:lnTo>
+                  <a:lnTo>
+                    <a:pt x="1643319" y="216776"/>
+                  </a:lnTo>
+                  <a:lnTo>
+                    <a:pt x="1698096" y="216776"/>
+                  </a:lnTo>
+                  <a:lnTo>
+                    <a:pt x="1698096" y="352261"/>
+                  </a:lnTo>
+                  <a:lnTo>
+                    <a:pt x="1752873" y="352261"/>
+                  </a:lnTo>
+                  <a:lnTo>
+                    <a:pt x="1752873" y="460649"/>
+                  </a:lnTo>
+                  <a:lnTo>
+                    <a:pt x="1807650" y="460649"/>
+                  </a:lnTo>
+                  <a:lnTo>
+                    <a:pt x="1807650" y="487746"/>
+                  </a:lnTo>
+                  <a:lnTo>
+                    <a:pt x="1917205" y="487746"/>
+                  </a:lnTo>
+                  <a:lnTo>
+                    <a:pt x="1917205" y="569037"/>
+                  </a:lnTo>
+                  <a:lnTo>
+                    <a:pt x="1971982" y="569037"/>
+                  </a:lnTo>
+                  <a:lnTo>
+                    <a:pt x="1971982" y="677425"/>
+                  </a:lnTo>
+                  <a:lnTo>
+                    <a:pt x="2026760" y="677425"/>
+                  </a:lnTo>
+                  <a:lnTo>
+                    <a:pt x="2026760" y="704522"/>
+                  </a:lnTo>
+                  <a:lnTo>
+                    <a:pt x="2081537" y="704522"/>
+                  </a:lnTo>
+                  <a:lnTo>
+                    <a:pt x="2081537" y="785813"/>
+                  </a:lnTo>
+                  <a:lnTo>
+                    <a:pt x="2191092" y="785813"/>
+                  </a:lnTo>
+                  <a:lnTo>
+                    <a:pt x="2191092" y="812910"/>
+                  </a:lnTo>
+                  <a:lnTo>
+                    <a:pt x="2464978" y="812910"/>
+                  </a:lnTo>
+                  <a:lnTo>
+                    <a:pt x="2464978" y="867104"/>
+                  </a:lnTo>
+                  <a:lnTo>
+                    <a:pt x="2519755" y="867104"/>
+                  </a:lnTo>
+                  <a:lnTo>
+                    <a:pt x="2519755" y="894201"/>
+                  </a:lnTo>
+                  <a:lnTo>
+                    <a:pt x="2574533" y="894201"/>
+                  </a:lnTo>
+                  <a:lnTo>
+                    <a:pt x="2574533" y="921298"/>
+                  </a:lnTo>
+                  <a:lnTo>
+                    <a:pt x="2629310" y="921298"/>
+                  </a:lnTo>
+                  <a:lnTo>
+                    <a:pt x="2629310" y="948395"/>
+                  </a:lnTo>
+                  <a:lnTo>
+                    <a:pt x="2957974" y="948395"/>
+                  </a:lnTo>
+                  <a:lnTo>
+                    <a:pt x="2957974" y="948395"/>
                   </a:lnTo>
                 </a:path>
               </a:pathLst>
@@ -3812,13 +3812,13 @@
           </p:nvSpPr>
           <p:spPr>
             <a:xfrm>
-              <a:off x="1886067" y="1045754"/>
-              <a:ext cx="2957974" cy="766896"/>
+              <a:off x="1886067" y="1176410"/>
+              <a:ext cx="2957974" cy="731619"/>
             </a:xfrm>
             <a:custGeom>
               <a:avLst/>
               <a:pathLst>
-                <a:path w="2957974" h="766896">
+                <a:path w="2957974" h="731619">
                   <a:moveTo>
                     <a:pt x="0" y="0"/>
                   </a:moveTo>
@@ -3826,85 +3826,85 @@
                     <a:pt x="1424209" y="0"/>
                   </a:lnTo>
                   <a:lnTo>
-                    <a:pt x="1424209" y="56807"/>
-                  </a:lnTo>
-                  <a:lnTo>
-                    <a:pt x="1478987" y="56807"/>
-                  </a:lnTo>
-                  <a:lnTo>
-                    <a:pt x="1478987" y="85210"/>
-                  </a:lnTo>
-                  <a:lnTo>
-                    <a:pt x="1588541" y="85210"/>
-                  </a:lnTo>
-                  <a:lnTo>
-                    <a:pt x="1588541" y="227228"/>
-                  </a:lnTo>
-                  <a:lnTo>
-                    <a:pt x="1643319" y="227228"/>
-                  </a:lnTo>
-                  <a:lnTo>
-                    <a:pt x="1643319" y="255632"/>
-                  </a:lnTo>
-                  <a:lnTo>
-                    <a:pt x="1807650" y="255632"/>
-                  </a:lnTo>
-                  <a:lnTo>
-                    <a:pt x="1807650" y="284035"/>
-                  </a:lnTo>
-                  <a:lnTo>
-                    <a:pt x="1862428" y="284035"/>
-                  </a:lnTo>
-                  <a:lnTo>
-                    <a:pt x="1862428" y="397650"/>
-                  </a:lnTo>
-                  <a:lnTo>
-                    <a:pt x="1917205" y="397650"/>
-                  </a:lnTo>
-                  <a:lnTo>
-                    <a:pt x="1917205" y="539668"/>
-                  </a:lnTo>
-                  <a:lnTo>
-                    <a:pt x="1971982" y="539668"/>
-                  </a:lnTo>
-                  <a:lnTo>
-                    <a:pt x="1971982" y="596475"/>
-                  </a:lnTo>
-                  <a:lnTo>
-                    <a:pt x="2026760" y="596475"/>
-                  </a:lnTo>
-                  <a:lnTo>
-                    <a:pt x="2026760" y="653282"/>
-                  </a:lnTo>
-                  <a:lnTo>
-                    <a:pt x="2081537" y="653282"/>
-                  </a:lnTo>
-                  <a:lnTo>
-                    <a:pt x="2081537" y="681686"/>
-                  </a:lnTo>
-                  <a:lnTo>
-                    <a:pt x="2136314" y="681686"/>
-                  </a:lnTo>
-                  <a:lnTo>
-                    <a:pt x="2136314" y="710089"/>
-                  </a:lnTo>
-                  <a:lnTo>
-                    <a:pt x="2574533" y="710089"/>
-                  </a:lnTo>
-                  <a:lnTo>
-                    <a:pt x="2574533" y="738493"/>
-                  </a:lnTo>
-                  <a:lnTo>
-                    <a:pt x="2793642" y="738493"/>
-                  </a:lnTo>
-                  <a:lnTo>
-                    <a:pt x="2793642" y="766896"/>
-                  </a:lnTo>
-                  <a:lnTo>
-                    <a:pt x="2957974" y="766896"/>
-                  </a:lnTo>
-                  <a:lnTo>
-                    <a:pt x="2957974" y="766896"/>
+                    <a:pt x="1424209" y="54194"/>
+                  </a:lnTo>
+                  <a:lnTo>
+                    <a:pt x="1478987" y="54194"/>
+                  </a:lnTo>
+                  <a:lnTo>
+                    <a:pt x="1478987" y="81291"/>
+                  </a:lnTo>
+                  <a:lnTo>
+                    <a:pt x="1588541" y="81291"/>
+                  </a:lnTo>
+                  <a:lnTo>
+                    <a:pt x="1588541" y="216776"/>
+                  </a:lnTo>
+                  <a:lnTo>
+                    <a:pt x="1643319" y="216776"/>
+                  </a:lnTo>
+                  <a:lnTo>
+                    <a:pt x="1643319" y="243873"/>
+                  </a:lnTo>
+                  <a:lnTo>
+                    <a:pt x="1807650" y="243873"/>
+                  </a:lnTo>
+                  <a:lnTo>
+                    <a:pt x="1807650" y="270970"/>
+                  </a:lnTo>
+                  <a:lnTo>
+                    <a:pt x="1862428" y="270970"/>
+                  </a:lnTo>
+                  <a:lnTo>
+                    <a:pt x="1862428" y="379358"/>
+                  </a:lnTo>
+                  <a:lnTo>
+                    <a:pt x="1917205" y="379358"/>
+                  </a:lnTo>
+                  <a:lnTo>
+                    <a:pt x="1917205" y="514843"/>
+                  </a:lnTo>
+                  <a:lnTo>
+                    <a:pt x="1971982" y="514843"/>
+                  </a:lnTo>
+                  <a:lnTo>
+                    <a:pt x="1971982" y="569037"/>
+                  </a:lnTo>
+                  <a:lnTo>
+                    <a:pt x="2026760" y="569037"/>
+                  </a:lnTo>
+                  <a:lnTo>
+                    <a:pt x="2026760" y="623231"/>
+                  </a:lnTo>
+                  <a:lnTo>
+                    <a:pt x="2081537" y="623231"/>
+                  </a:lnTo>
+                  <a:lnTo>
+                    <a:pt x="2081537" y="650328"/>
+                  </a:lnTo>
+                  <a:lnTo>
+                    <a:pt x="2136314" y="650328"/>
+                  </a:lnTo>
+                  <a:lnTo>
+                    <a:pt x="2136314" y="677425"/>
+                  </a:lnTo>
+                  <a:lnTo>
+                    <a:pt x="2574533" y="677425"/>
+                  </a:lnTo>
+                  <a:lnTo>
+                    <a:pt x="2574533" y="704522"/>
+                  </a:lnTo>
+                  <a:lnTo>
+                    <a:pt x="2793642" y="704522"/>
+                  </a:lnTo>
+                  <a:lnTo>
+                    <a:pt x="2793642" y="731619"/>
+                  </a:lnTo>
+                  <a:lnTo>
+                    <a:pt x="2957974" y="731619"/>
+                  </a:lnTo>
+                  <a:lnTo>
+                    <a:pt x="2957974" y="731619"/>
                   </a:lnTo>
                 </a:path>
               </a:pathLst>
@@ -3933,13 +3933,13 @@
           </p:nvSpPr>
           <p:spPr>
             <a:xfrm>
-              <a:off x="1886067" y="1045754"/>
-              <a:ext cx="2957974" cy="965722"/>
+              <a:off x="1886067" y="1176410"/>
+              <a:ext cx="2957974" cy="921298"/>
             </a:xfrm>
             <a:custGeom>
               <a:avLst/>
               <a:pathLst>
-                <a:path w="2957974" h="965722">
+                <a:path w="2957974" h="921298">
                   <a:moveTo>
                     <a:pt x="0" y="0"/>
                   </a:moveTo>
@@ -3947,109 +3947,109 @@
                     <a:pt x="1040768" y="0"/>
                   </a:lnTo>
                   <a:lnTo>
-                    <a:pt x="1040768" y="28403"/>
-                  </a:lnTo>
-                  <a:lnTo>
-                    <a:pt x="1150323" y="28403"/>
-                  </a:lnTo>
-                  <a:lnTo>
-                    <a:pt x="1150323" y="56807"/>
-                  </a:lnTo>
-                  <a:lnTo>
-                    <a:pt x="1205100" y="56807"/>
-                  </a:lnTo>
-                  <a:lnTo>
-                    <a:pt x="1205100" y="85210"/>
-                  </a:lnTo>
-                  <a:lnTo>
-                    <a:pt x="1369432" y="85210"/>
-                  </a:lnTo>
-                  <a:lnTo>
-                    <a:pt x="1369432" y="113614"/>
-                  </a:lnTo>
-                  <a:lnTo>
-                    <a:pt x="1533764" y="113614"/>
-                  </a:lnTo>
-                  <a:lnTo>
-                    <a:pt x="1533764" y="142017"/>
-                  </a:lnTo>
-                  <a:lnTo>
-                    <a:pt x="1643319" y="142017"/>
-                  </a:lnTo>
-                  <a:lnTo>
-                    <a:pt x="1643319" y="170421"/>
-                  </a:lnTo>
-                  <a:lnTo>
-                    <a:pt x="1698096" y="170421"/>
-                  </a:lnTo>
-                  <a:lnTo>
-                    <a:pt x="1698096" y="312439"/>
-                  </a:lnTo>
-                  <a:lnTo>
-                    <a:pt x="1807650" y="312439"/>
-                  </a:lnTo>
-                  <a:lnTo>
-                    <a:pt x="1807650" y="340843"/>
-                  </a:lnTo>
-                  <a:lnTo>
-                    <a:pt x="1862428" y="340843"/>
-                  </a:lnTo>
-                  <a:lnTo>
-                    <a:pt x="1862428" y="426053"/>
-                  </a:lnTo>
-                  <a:lnTo>
-                    <a:pt x="1917205" y="426053"/>
-                  </a:lnTo>
-                  <a:lnTo>
-                    <a:pt x="1917205" y="568071"/>
-                  </a:lnTo>
-                  <a:lnTo>
-                    <a:pt x="1971982" y="568071"/>
-                  </a:lnTo>
-                  <a:lnTo>
-                    <a:pt x="1971982" y="624878"/>
-                  </a:lnTo>
-                  <a:lnTo>
-                    <a:pt x="2026760" y="624878"/>
-                  </a:lnTo>
-                  <a:lnTo>
-                    <a:pt x="2026760" y="653282"/>
-                  </a:lnTo>
-                  <a:lnTo>
-                    <a:pt x="2081537" y="653282"/>
-                  </a:lnTo>
-                  <a:lnTo>
-                    <a:pt x="2081537" y="738493"/>
-                  </a:lnTo>
-                  <a:lnTo>
-                    <a:pt x="2136314" y="738493"/>
-                  </a:lnTo>
-                  <a:lnTo>
-                    <a:pt x="2136314" y="852107"/>
-                  </a:lnTo>
-                  <a:lnTo>
-                    <a:pt x="2191092" y="852107"/>
-                  </a:lnTo>
-                  <a:lnTo>
-                    <a:pt x="2191092" y="880511"/>
-                  </a:lnTo>
-                  <a:lnTo>
-                    <a:pt x="2300646" y="880511"/>
-                  </a:lnTo>
-                  <a:lnTo>
-                    <a:pt x="2300646" y="908914"/>
-                  </a:lnTo>
-                  <a:lnTo>
-                    <a:pt x="2629310" y="908914"/>
-                  </a:lnTo>
-                  <a:lnTo>
-                    <a:pt x="2629310" y="937318"/>
-                  </a:lnTo>
-                  <a:lnTo>
-                    <a:pt x="2957974" y="937318"/>
-                  </a:lnTo>
-                  <a:lnTo>
-                    <a:pt x="2957974" y="965722"/>
+                    <a:pt x="1040768" y="27097"/>
+                  </a:lnTo>
+                  <a:lnTo>
+                    <a:pt x="1150323" y="27097"/>
+                  </a:lnTo>
+                  <a:lnTo>
+                    <a:pt x="1150323" y="54194"/>
+                  </a:lnTo>
+                  <a:lnTo>
+                    <a:pt x="1205100" y="54194"/>
+                  </a:lnTo>
+                  <a:lnTo>
+                    <a:pt x="1205100" y="81291"/>
+                  </a:lnTo>
+                  <a:lnTo>
+                    <a:pt x="1369432" y="81291"/>
+                  </a:lnTo>
+                  <a:lnTo>
+                    <a:pt x="1369432" y="108388"/>
+                  </a:lnTo>
+                  <a:lnTo>
+                    <a:pt x="1533764" y="108388"/>
+                  </a:lnTo>
+                  <a:lnTo>
+                    <a:pt x="1533764" y="135485"/>
+                  </a:lnTo>
+                  <a:lnTo>
+                    <a:pt x="1643319" y="135485"/>
+                  </a:lnTo>
+                  <a:lnTo>
+                    <a:pt x="1643319" y="162582"/>
+                  </a:lnTo>
+                  <a:lnTo>
+                    <a:pt x="1698096" y="162582"/>
+                  </a:lnTo>
+                  <a:lnTo>
+                    <a:pt x="1698096" y="298067"/>
+                  </a:lnTo>
+                  <a:lnTo>
+                    <a:pt x="1807650" y="298067"/>
+                  </a:lnTo>
+                  <a:lnTo>
+                    <a:pt x="1807650" y="325164"/>
+                  </a:lnTo>
+                  <a:lnTo>
+                    <a:pt x="1862428" y="325164"/>
+                  </a:lnTo>
+                  <a:lnTo>
+                    <a:pt x="1862428" y="406455"/>
+                  </a:lnTo>
+                  <a:lnTo>
+                    <a:pt x="1917205" y="406455"/>
+                  </a:lnTo>
+                  <a:lnTo>
+                    <a:pt x="1917205" y="541940"/>
+                  </a:lnTo>
+                  <a:lnTo>
+                    <a:pt x="1971982" y="541940"/>
+                  </a:lnTo>
+                  <a:lnTo>
+                    <a:pt x="1971982" y="596134"/>
+                  </a:lnTo>
+                  <a:lnTo>
+                    <a:pt x="2026760" y="596134"/>
+                  </a:lnTo>
+                  <a:lnTo>
+                    <a:pt x="2026760" y="623231"/>
+                  </a:lnTo>
+                  <a:lnTo>
+                    <a:pt x="2081537" y="623231"/>
+                  </a:lnTo>
+                  <a:lnTo>
+                    <a:pt x="2081537" y="704522"/>
+                  </a:lnTo>
+                  <a:lnTo>
+                    <a:pt x="2136314" y="704522"/>
+                  </a:lnTo>
+                  <a:lnTo>
+                    <a:pt x="2136314" y="812910"/>
+                  </a:lnTo>
+                  <a:lnTo>
+                    <a:pt x="2191092" y="812910"/>
+                  </a:lnTo>
+                  <a:lnTo>
+                    <a:pt x="2191092" y="840007"/>
+                  </a:lnTo>
+                  <a:lnTo>
+                    <a:pt x="2300646" y="840007"/>
+                  </a:lnTo>
+                  <a:lnTo>
+                    <a:pt x="2300646" y="867104"/>
+                  </a:lnTo>
+                  <a:lnTo>
+                    <a:pt x="2629310" y="867104"/>
+                  </a:lnTo>
+                  <a:lnTo>
+                    <a:pt x="2629310" y="894201"/>
+                  </a:lnTo>
+                  <a:lnTo>
+                    <a:pt x="2957974" y="894201"/>
+                  </a:lnTo>
+                  <a:lnTo>
+                    <a:pt x="2957974" y="921298"/>
                   </a:lnTo>
                 </a:path>
               </a:pathLst>
@@ -4078,7 +4078,7 @@
           </p:nvSpPr>
           <p:spPr>
             <a:xfrm>
-              <a:off x="4770891" y="1985144"/>
+              <a:off x="4770891" y="2070071"/>
               <a:ext cx="146301" cy="109470"/>
             </a:xfrm>
             <a:prstGeom prst="rect">
@@ -4124,7 +4124,7 @@
           </p:nvSpPr>
           <p:spPr>
             <a:xfrm>
-              <a:off x="4770891" y="2098758"/>
+              <a:off x="4770891" y="2178459"/>
               <a:ext cx="146301" cy="109470"/>
             </a:xfrm>
             <a:prstGeom prst="rect">
@@ -4170,7 +4170,7 @@
           </p:nvSpPr>
           <p:spPr>
             <a:xfrm>
-              <a:off x="4770891" y="1928337"/>
+              <a:off x="4770891" y="2015877"/>
               <a:ext cx="146301" cy="109470"/>
             </a:xfrm>
             <a:prstGeom prst="rect">
@@ -4216,7 +4216,7 @@
           </p:nvSpPr>
           <p:spPr>
             <a:xfrm>
-              <a:off x="4770891" y="2041951"/>
+              <a:off x="4770891" y="2124265"/>
               <a:ext cx="146301" cy="109470"/>
             </a:xfrm>
             <a:prstGeom prst="rect">
@@ -4262,7 +4262,7 @@
           </p:nvSpPr>
           <p:spPr>
             <a:xfrm>
-              <a:off x="4770891" y="2013548"/>
+              <a:off x="4770891" y="2097168"/>
               <a:ext cx="146301" cy="109470"/>
             </a:xfrm>
             <a:prstGeom prst="rect">
@@ -4308,7 +4308,7 @@
           </p:nvSpPr>
           <p:spPr>
             <a:xfrm>
-              <a:off x="4770891" y="1985144"/>
+              <a:off x="4770891" y="2070071"/>
               <a:ext cx="146301" cy="109470"/>
             </a:xfrm>
             <a:prstGeom prst="rect">
@@ -4354,7 +4354,7 @@
           </p:nvSpPr>
           <p:spPr>
             <a:xfrm>
-              <a:off x="4770891" y="1757915"/>
+              <a:off x="4770891" y="1853294"/>
               <a:ext cx="146301" cy="109470"/>
             </a:xfrm>
             <a:prstGeom prst="rect">
@@ -4400,7 +4400,7 @@
           </p:nvSpPr>
           <p:spPr>
             <a:xfrm>
-              <a:off x="4770891" y="1843126"/>
+              <a:off x="4770891" y="1934586"/>
               <a:ext cx="146301" cy="109470"/>
             </a:xfrm>
             <a:prstGeom prst="rect">
@@ -4446,7 +4446,7 @@
           </p:nvSpPr>
           <p:spPr>
             <a:xfrm>
-              <a:off x="4770891" y="1871530"/>
+              <a:off x="4770891" y="1961683"/>
               <a:ext cx="146301" cy="109470"/>
             </a:xfrm>
             <a:prstGeom prst="rect">
@@ -4492,7 +4492,7 @@
           </p:nvSpPr>
           <p:spPr>
             <a:xfrm>
-              <a:off x="4770891" y="1985144"/>
+              <a:off x="4770891" y="2070071"/>
               <a:ext cx="146301" cy="109470"/>
             </a:xfrm>
             <a:prstGeom prst="rect">
@@ -4538,7 +4538,7 @@
           </p:nvSpPr>
           <p:spPr>
             <a:xfrm>
-              <a:off x="4770891" y="1757915"/>
+              <a:off x="4770891" y="1853294"/>
               <a:ext cx="146301" cy="109470"/>
             </a:xfrm>
             <a:prstGeom prst="rect">
@@ -4584,7 +4584,7 @@
           </p:nvSpPr>
           <p:spPr>
             <a:xfrm>
-              <a:off x="4770891" y="1956740"/>
+              <a:off x="4770891" y="2042974"/>
               <a:ext cx="146301" cy="109470"/>
             </a:xfrm>
             <a:prstGeom prst="rect">
@@ -4737,7 +4737,7 @@
           </p:nvSpPr>
           <p:spPr>
             <a:xfrm>
-              <a:off x="1342307" y="3546341"/>
+              <a:off x="1342307" y="3559406"/>
               <a:ext cx="316150" cy="107582"/>
             </a:xfrm>
             <a:prstGeom prst="rect">
@@ -4783,7 +4783,7 @@
           </p:nvSpPr>
           <p:spPr>
             <a:xfrm>
-              <a:off x="1342307" y="3262305"/>
+              <a:off x="1342307" y="3288436"/>
               <a:ext cx="316150" cy="107582"/>
             </a:xfrm>
             <a:prstGeom prst="rect">
@@ -4829,7 +4829,7 @@
           </p:nvSpPr>
           <p:spPr>
             <a:xfrm>
-              <a:off x="1342307" y="2978269"/>
+              <a:off x="1342307" y="3017466"/>
               <a:ext cx="316150" cy="107582"/>
             </a:xfrm>
             <a:prstGeom prst="rect">
@@ -4875,7 +4875,7 @@
           </p:nvSpPr>
           <p:spPr>
             <a:xfrm>
-              <a:off x="1342307" y="2694233"/>
+              <a:off x="1342307" y="2746495"/>
               <a:ext cx="316150" cy="107582"/>
             </a:xfrm>
             <a:prstGeom prst="rect">
@@ -4921,7 +4921,7 @@
           </p:nvSpPr>
           <p:spPr>
             <a:xfrm>
-              <a:off x="1342307" y="2410197"/>
+              <a:off x="1342307" y="2475525"/>
               <a:ext cx="316150" cy="107582"/>
             </a:xfrm>
             <a:prstGeom prst="rect">
@@ -4967,7 +4967,7 @@
           </p:nvSpPr>
           <p:spPr>
             <a:xfrm>
-              <a:off x="1342307" y="2126161"/>
+              <a:off x="1342307" y="2204555"/>
               <a:ext cx="316150" cy="107582"/>
             </a:xfrm>
             <a:prstGeom prst="rect">
@@ -5013,7 +5013,7 @@
           </p:nvSpPr>
           <p:spPr>
             <a:xfrm>
-              <a:off x="1342307" y="1842125"/>
+              <a:off x="1342307" y="1933585"/>
               <a:ext cx="316150" cy="107582"/>
             </a:xfrm>
             <a:prstGeom prst="rect">
@@ -5059,7 +5059,7 @@
           </p:nvSpPr>
           <p:spPr>
             <a:xfrm>
-              <a:off x="1342307" y="1558089"/>
+              <a:off x="1342307" y="1662615"/>
               <a:ext cx="316150" cy="107582"/>
             </a:xfrm>
             <a:prstGeom prst="rect">
@@ -5105,7 +5105,7 @@
           </p:nvSpPr>
           <p:spPr>
             <a:xfrm>
-              <a:off x="1342307" y="1274053"/>
+              <a:off x="1342307" y="1391644"/>
               <a:ext cx="316150" cy="107582"/>
             </a:xfrm>
             <a:prstGeom prst="rect">
@@ -5151,7 +5151,7 @@
           </p:nvSpPr>
           <p:spPr>
             <a:xfrm>
-              <a:off x="1251810" y="990018"/>
+              <a:off x="1251810" y="1120674"/>
               <a:ext cx="406648" cy="107582"/>
             </a:xfrm>
             <a:prstGeom prst="rect">
@@ -5237,7 +5237,7 @@
           </p:nvSpPr>
           <p:spPr>
             <a:xfrm>
-              <a:off x="1693885" y="3602077"/>
+              <a:off x="1693885" y="3615142"/>
               <a:ext cx="44283" cy="0"/>
             </a:xfrm>
             <a:custGeom>
@@ -5277,7 +5277,7 @@
           </p:nvSpPr>
           <p:spPr>
             <a:xfrm>
-              <a:off x="1693885" y="3318041"/>
+              <a:off x="1693885" y="3344172"/>
               <a:ext cx="44283" cy="0"/>
             </a:xfrm>
             <a:custGeom>
@@ -5317,7 +5317,7 @@
           </p:nvSpPr>
           <p:spPr>
             <a:xfrm>
-              <a:off x="1693885" y="3034005"/>
+              <a:off x="1693885" y="3073202"/>
               <a:ext cx="44283" cy="0"/>
             </a:xfrm>
             <a:custGeom>
@@ -5357,7 +5357,7 @@
           </p:nvSpPr>
           <p:spPr>
             <a:xfrm>
-              <a:off x="1693885" y="2749969"/>
+              <a:off x="1693885" y="2802232"/>
               <a:ext cx="44283" cy="0"/>
             </a:xfrm>
             <a:custGeom>
@@ -5397,7 +5397,7 @@
           </p:nvSpPr>
           <p:spPr>
             <a:xfrm>
-              <a:off x="1693885" y="2465933"/>
+              <a:off x="1693885" y="2531261"/>
               <a:ext cx="44283" cy="0"/>
             </a:xfrm>
             <a:custGeom>
@@ -5437,7 +5437,7 @@
           </p:nvSpPr>
           <p:spPr>
             <a:xfrm>
-              <a:off x="1693885" y="2181897"/>
+              <a:off x="1693885" y="2260291"/>
               <a:ext cx="44283" cy="0"/>
             </a:xfrm>
             <a:custGeom>
@@ -5477,7 +5477,7 @@
           </p:nvSpPr>
           <p:spPr>
             <a:xfrm>
-              <a:off x="1693885" y="1897861"/>
+              <a:off x="1693885" y="1989321"/>
               <a:ext cx="44283" cy="0"/>
             </a:xfrm>
             <a:custGeom>
@@ -5517,7 +5517,7 @@
           </p:nvSpPr>
           <p:spPr>
             <a:xfrm>
-              <a:off x="1693885" y="1613825"/>
+              <a:off x="1693885" y="1718351"/>
               <a:ext cx="44283" cy="0"/>
             </a:xfrm>
             <a:custGeom>
@@ -5557,7 +5557,7 @@
           </p:nvSpPr>
           <p:spPr>
             <a:xfrm>
-              <a:off x="1693885" y="1329790"/>
+              <a:off x="1693885" y="1447380"/>
               <a:ext cx="44283" cy="0"/>
             </a:xfrm>
             <a:custGeom>
@@ -5597,7 +5597,7 @@
           </p:nvSpPr>
           <p:spPr>
             <a:xfrm>
-              <a:off x="1693885" y="1045754"/>
+              <a:off x="1693885" y="1176410"/>
               <a:ext cx="44283" cy="0"/>
             </a:xfrm>
             <a:custGeom>
